--- a/Tour de .NET Core CLI.pptx
+++ b/Tour de .NET Core CLI.pptx
@@ -11,7 +11,7 @@
   <p:sldIdLst>
     <p:sldId id="342" r:id="rId3"/>
     <p:sldId id="322" r:id="rId4"/>
-    <p:sldId id="347" r:id="rId5"/>
+    <p:sldId id="353" r:id="rId5"/>
     <p:sldId id="352" r:id="rId6"/>
     <p:sldId id="348" r:id="rId7"/>
     <p:sldId id="349" r:id="rId8"/>
@@ -132,7 +132,7 @@
           <p14:sldIdLst>
             <p14:sldId id="342"/>
             <p14:sldId id="322"/>
-            <p14:sldId id="347"/>
+            <p14:sldId id="353"/>
             <p14:sldId id="352"/>
             <p14:sldId id="348"/>
             <p14:sldId id="349"/>
@@ -151,6 +151,2461 @@
     </p:ext>
   </p:extLst>
 </p:presentation>
+</file>
+
+<file path=ppt/diagrams/colors1.xml><?xml version="1.0" encoding="utf-8"?>
+<dgm:colorsDef xmlns:dgm="http://schemas.openxmlformats.org/drawingml/2006/diagram" xmlns:a="http://schemas.openxmlformats.org/drawingml/2006/main" uniqueId="urn:microsoft.com/office/officeart/2005/8/colors/ColorSchemeForSuggestions">
+  <dgm:title val="Color Scheme for Suggestions"/>
+  <dgm:desc val="Color Scheme for Suggestions"/>
+  <dgm:catLst>
+    <dgm:cat type="Other" pri="2"/>
+  </dgm:catLst>
+  <dgm:styleLbl name="node0">
+    <dgm:fillClrLst meth="repeat">
+      <a:schemeClr val="accent1"/>
+    </dgm:fillClrLst>
+    <dgm:linClrLst meth="repeat">
+      <a:schemeClr val="lt1"/>
+    </dgm:linClrLst>
+    <dgm:effectClrLst/>
+    <dgm:txLinClrLst/>
+    <dgm:txFillClrLst/>
+    <dgm:txEffectClrLst/>
+  </dgm:styleLbl>
+  <dgm:styleLbl name="alignNode1">
+    <dgm:fillClrLst meth="repeat">
+      <a:schemeClr val="accent1"/>
+    </dgm:fillClrLst>
+    <dgm:linClrLst meth="repeat">
+      <a:schemeClr val="accent1"/>
+    </dgm:linClrLst>
+    <dgm:effectClrLst/>
+    <dgm:txLinClrLst/>
+    <dgm:txFillClrLst/>
+    <dgm:txEffectClrLst/>
+  </dgm:styleLbl>
+  <dgm:styleLbl name="node1">
+    <dgm:fillClrLst meth="repeat">
+      <a:schemeClr val="accent1"/>
+    </dgm:fillClrLst>
+    <dgm:linClrLst meth="repeat">
+      <a:schemeClr val="lt1"/>
+    </dgm:linClrLst>
+    <dgm:effectClrLst/>
+    <dgm:txLinClrLst/>
+    <dgm:txFillClrLst/>
+    <dgm:txEffectClrLst/>
+  </dgm:styleLbl>
+  <dgm:styleLbl name="lnNode1">
+    <dgm:fillClrLst meth="repeat">
+      <a:schemeClr val="accent1"/>
+    </dgm:fillClrLst>
+    <dgm:linClrLst meth="repeat">
+      <a:schemeClr val="lt1"/>
+    </dgm:linClrLst>
+    <dgm:effectClrLst/>
+    <dgm:txLinClrLst/>
+    <dgm:txFillClrLst/>
+    <dgm:txEffectClrLst/>
+  </dgm:styleLbl>
+  <dgm:styleLbl name="vennNode1">
+    <dgm:fillClrLst meth="repeat">
+      <a:schemeClr val="accent1">
+        <a:alpha val="50000"/>
+      </a:schemeClr>
+    </dgm:fillClrLst>
+    <dgm:linClrLst meth="repeat">
+      <a:schemeClr val="lt1"/>
+    </dgm:linClrLst>
+    <dgm:effectClrLst/>
+    <dgm:txLinClrLst/>
+    <dgm:txFillClrLst/>
+    <dgm:txEffectClrLst/>
+  </dgm:styleLbl>
+  <dgm:styleLbl name="node2">
+    <dgm:fillClrLst meth="repeat">
+      <a:schemeClr val="accent1"/>
+    </dgm:fillClrLst>
+    <dgm:linClrLst meth="repeat">
+      <a:schemeClr val="lt1"/>
+    </dgm:linClrLst>
+    <dgm:effectClrLst/>
+    <dgm:txLinClrLst/>
+    <dgm:txFillClrLst/>
+    <dgm:txEffectClrLst/>
+  </dgm:styleLbl>
+  <dgm:styleLbl name="node3">
+    <dgm:fillClrLst meth="repeat">
+      <a:schemeClr val="accent1"/>
+    </dgm:fillClrLst>
+    <dgm:linClrLst meth="repeat">
+      <a:schemeClr val="lt1"/>
+    </dgm:linClrLst>
+    <dgm:effectClrLst/>
+    <dgm:txLinClrLst/>
+    <dgm:txFillClrLst/>
+    <dgm:txEffectClrLst/>
+  </dgm:styleLbl>
+  <dgm:styleLbl name="node4">
+    <dgm:fillClrLst meth="repeat">
+      <a:schemeClr val="accent1"/>
+    </dgm:fillClrLst>
+    <dgm:linClrLst meth="repeat">
+      <a:schemeClr val="lt1"/>
+    </dgm:linClrLst>
+    <dgm:effectClrLst/>
+    <dgm:txLinClrLst/>
+    <dgm:txFillClrLst/>
+    <dgm:txEffectClrLst/>
+  </dgm:styleLbl>
+  <dgm:styleLbl name="fgImgPlace1">
+    <dgm:fillClrLst meth="repeat">
+      <a:schemeClr val="accent1">
+        <a:tint val="50000"/>
+      </a:schemeClr>
+    </dgm:fillClrLst>
+    <dgm:linClrLst meth="repeat">
+      <a:schemeClr val="lt1"/>
+    </dgm:linClrLst>
+    <dgm:effectClrLst/>
+    <dgm:txLinClrLst/>
+    <dgm:txFillClrLst meth="repeat">
+      <a:schemeClr val="lt1"/>
+    </dgm:txFillClrLst>
+    <dgm:txEffectClrLst/>
+  </dgm:styleLbl>
+  <dgm:styleLbl name="alignImgPlace1">
+    <dgm:fillClrLst meth="repeat">
+      <a:schemeClr val="accent1">
+        <a:tint val="50000"/>
+      </a:schemeClr>
+    </dgm:fillClrLst>
+    <dgm:linClrLst meth="repeat">
+      <a:schemeClr val="lt1"/>
+    </dgm:linClrLst>
+    <dgm:effectClrLst/>
+    <dgm:txLinClrLst/>
+    <dgm:txFillClrLst meth="repeat">
+      <a:schemeClr val="lt1"/>
+    </dgm:txFillClrLst>
+    <dgm:txEffectClrLst/>
+  </dgm:styleLbl>
+  <dgm:styleLbl name="bgImgPlace1">
+    <dgm:fillClrLst meth="repeat">
+      <a:schemeClr val="accent1">
+        <a:tint val="50000"/>
+      </a:schemeClr>
+    </dgm:fillClrLst>
+    <dgm:linClrLst meth="repeat">
+      <a:schemeClr val="lt1"/>
+    </dgm:linClrLst>
+    <dgm:effectClrLst/>
+    <dgm:txLinClrLst/>
+    <dgm:txFillClrLst meth="repeat">
+      <a:schemeClr val="lt1"/>
+    </dgm:txFillClrLst>
+    <dgm:txEffectClrLst/>
+  </dgm:styleLbl>
+  <dgm:styleLbl name="sibTrans2D1">
+    <dgm:fillClrLst meth="repeat">
+      <a:schemeClr val="accent1">
+        <a:tint val="60000"/>
+      </a:schemeClr>
+    </dgm:fillClrLst>
+    <dgm:linClrLst meth="repeat">
+      <a:schemeClr val="accent1">
+        <a:tint val="60000"/>
+      </a:schemeClr>
+    </dgm:linClrLst>
+    <dgm:effectClrLst/>
+    <dgm:txLinClrLst/>
+    <dgm:txFillClrLst/>
+    <dgm:txEffectClrLst/>
+  </dgm:styleLbl>
+  <dgm:styleLbl name="fgSibTrans2D1">
+    <dgm:fillClrLst meth="repeat">
+      <a:schemeClr val="accent1">
+        <a:tint val="60000"/>
+      </a:schemeClr>
+    </dgm:fillClrLst>
+    <dgm:linClrLst meth="repeat">
+      <a:schemeClr val="accent1">
+        <a:tint val="60000"/>
+      </a:schemeClr>
+    </dgm:linClrLst>
+    <dgm:effectClrLst/>
+    <dgm:txLinClrLst/>
+    <dgm:txFillClrLst/>
+    <dgm:txEffectClrLst/>
+  </dgm:styleLbl>
+  <dgm:styleLbl name="bgSibTrans2D1">
+    <dgm:fillClrLst meth="repeat">
+      <a:schemeClr val="accent1">
+        <a:tint val="60000"/>
+      </a:schemeClr>
+    </dgm:fillClrLst>
+    <dgm:linClrLst meth="repeat">
+      <a:schemeClr val="accent1">
+        <a:tint val="60000"/>
+      </a:schemeClr>
+    </dgm:linClrLst>
+    <dgm:effectClrLst/>
+    <dgm:txLinClrLst/>
+    <dgm:txFillClrLst/>
+    <dgm:txEffectClrLst/>
+  </dgm:styleLbl>
+  <dgm:styleLbl name="sibTrans1D1">
+    <dgm:fillClrLst meth="repeat">
+      <a:schemeClr val="accent1"/>
+    </dgm:fillClrLst>
+    <dgm:linClrLst meth="repeat">
+      <a:schemeClr val="accent1"/>
+    </dgm:linClrLst>
+    <dgm:effectClrLst/>
+    <dgm:txLinClrLst/>
+    <dgm:txFillClrLst meth="repeat">
+      <a:schemeClr val="tx1"/>
+    </dgm:txFillClrLst>
+    <dgm:txEffectClrLst/>
+  </dgm:styleLbl>
+  <dgm:styleLbl name="callout">
+    <dgm:fillClrLst meth="repeat">
+      <a:schemeClr val="accent1"/>
+    </dgm:fillClrLst>
+    <dgm:linClrLst meth="repeat">
+      <a:schemeClr val="accent1">
+        <a:tint val="50000"/>
+      </a:schemeClr>
+    </dgm:linClrLst>
+    <dgm:effectClrLst/>
+    <dgm:txLinClrLst/>
+    <dgm:txFillClrLst meth="repeat">
+      <a:schemeClr val="tx1"/>
+    </dgm:txFillClrLst>
+    <dgm:txEffectClrLst/>
+  </dgm:styleLbl>
+  <dgm:styleLbl name="asst0">
+    <dgm:fillClrLst meth="repeat">
+      <a:schemeClr val="accent1"/>
+    </dgm:fillClrLst>
+    <dgm:linClrLst meth="repeat">
+      <a:schemeClr val="lt1"/>
+    </dgm:linClrLst>
+    <dgm:effectClrLst/>
+    <dgm:txLinClrLst/>
+    <dgm:txFillClrLst/>
+    <dgm:txEffectClrLst/>
+  </dgm:styleLbl>
+  <dgm:styleLbl name="asst1">
+    <dgm:fillClrLst meth="repeat">
+      <a:schemeClr val="accent1"/>
+    </dgm:fillClrLst>
+    <dgm:linClrLst meth="repeat">
+      <a:schemeClr val="lt1"/>
+    </dgm:linClrLst>
+    <dgm:effectClrLst/>
+    <dgm:txLinClrLst/>
+    <dgm:txFillClrLst/>
+    <dgm:txEffectClrLst/>
+  </dgm:styleLbl>
+  <dgm:styleLbl name="asst2">
+    <dgm:fillClrLst meth="repeat">
+      <a:schemeClr val="accent1"/>
+    </dgm:fillClrLst>
+    <dgm:linClrLst meth="repeat">
+      <a:schemeClr val="lt1"/>
+    </dgm:linClrLst>
+    <dgm:effectClrLst/>
+    <dgm:txLinClrLst/>
+    <dgm:txFillClrLst/>
+    <dgm:txEffectClrLst/>
+  </dgm:styleLbl>
+  <dgm:styleLbl name="asst3">
+    <dgm:fillClrLst meth="repeat">
+      <a:schemeClr val="accent1"/>
+    </dgm:fillClrLst>
+    <dgm:linClrLst meth="repeat">
+      <a:schemeClr val="lt1"/>
+    </dgm:linClrLst>
+    <dgm:effectClrLst/>
+    <dgm:txLinClrLst/>
+    <dgm:txFillClrLst/>
+    <dgm:txEffectClrLst/>
+  </dgm:styleLbl>
+  <dgm:styleLbl name="asst4">
+    <dgm:fillClrLst meth="repeat">
+      <a:schemeClr val="accent1"/>
+    </dgm:fillClrLst>
+    <dgm:linClrLst meth="repeat">
+      <a:schemeClr val="lt1"/>
+    </dgm:linClrLst>
+    <dgm:effectClrLst/>
+    <dgm:txLinClrLst/>
+    <dgm:txFillClrLst/>
+    <dgm:txEffectClrLst/>
+  </dgm:styleLbl>
+  <dgm:styleLbl name="parChTrans2D1">
+    <dgm:fillClrLst meth="repeat">
+      <a:schemeClr val="accent1">
+        <a:tint val="60000"/>
+      </a:schemeClr>
+    </dgm:fillClrLst>
+    <dgm:linClrLst meth="repeat">
+      <a:schemeClr val="accent1">
+        <a:tint val="60000"/>
+      </a:schemeClr>
+    </dgm:linClrLst>
+    <dgm:effectClrLst/>
+    <dgm:txLinClrLst/>
+    <dgm:txFillClrLst meth="repeat">
+      <a:schemeClr val="lt1"/>
+    </dgm:txFillClrLst>
+    <dgm:txEffectClrLst/>
+  </dgm:styleLbl>
+  <dgm:styleLbl name="parChTrans2D2">
+    <dgm:fillClrLst meth="repeat">
+      <a:schemeClr val="accent1"/>
+    </dgm:fillClrLst>
+    <dgm:linClrLst meth="repeat">
+      <a:schemeClr val="accent1"/>
+    </dgm:linClrLst>
+    <dgm:effectClrLst/>
+    <dgm:txLinClrLst/>
+    <dgm:txFillClrLst meth="repeat">
+      <a:schemeClr val="lt1"/>
+    </dgm:txFillClrLst>
+    <dgm:txEffectClrLst/>
+  </dgm:styleLbl>
+  <dgm:styleLbl name="parChTrans2D3">
+    <dgm:fillClrLst meth="repeat">
+      <a:schemeClr val="accent1"/>
+    </dgm:fillClrLst>
+    <dgm:linClrLst meth="repeat">
+      <a:schemeClr val="accent1"/>
+    </dgm:linClrLst>
+    <dgm:effectClrLst/>
+    <dgm:txLinClrLst/>
+    <dgm:txFillClrLst meth="repeat">
+      <a:schemeClr val="lt1"/>
+    </dgm:txFillClrLst>
+    <dgm:txEffectClrLst/>
+  </dgm:styleLbl>
+  <dgm:styleLbl name="parChTrans2D4">
+    <dgm:fillClrLst meth="repeat">
+      <a:schemeClr val="accent1"/>
+    </dgm:fillClrLst>
+    <dgm:linClrLst meth="repeat">
+      <a:schemeClr val="accent1"/>
+    </dgm:linClrLst>
+    <dgm:effectClrLst/>
+    <dgm:txLinClrLst/>
+    <dgm:txFillClrLst meth="repeat">
+      <a:schemeClr val="lt1"/>
+    </dgm:txFillClrLst>
+    <dgm:txEffectClrLst/>
+  </dgm:styleLbl>
+  <dgm:styleLbl name="parChTrans1D1">
+    <dgm:fillClrLst meth="repeat">
+      <a:schemeClr val="accent1"/>
+    </dgm:fillClrLst>
+    <dgm:linClrLst meth="repeat">
+      <a:schemeClr val="accent1">
+        <a:shade val="60000"/>
+      </a:schemeClr>
+    </dgm:linClrLst>
+    <dgm:effectClrLst/>
+    <dgm:txLinClrLst/>
+    <dgm:txFillClrLst meth="repeat">
+      <a:schemeClr val="tx1"/>
+    </dgm:txFillClrLst>
+    <dgm:txEffectClrLst/>
+  </dgm:styleLbl>
+  <dgm:styleLbl name="parChTrans1D2">
+    <dgm:fillClrLst meth="repeat">
+      <a:schemeClr val="accent1"/>
+    </dgm:fillClrLst>
+    <dgm:linClrLst meth="repeat">
+      <a:schemeClr val="accent1">
+        <a:shade val="60000"/>
+      </a:schemeClr>
+    </dgm:linClrLst>
+    <dgm:effectClrLst/>
+    <dgm:txLinClrLst/>
+    <dgm:txFillClrLst meth="repeat">
+      <a:schemeClr val="tx1"/>
+    </dgm:txFillClrLst>
+    <dgm:txEffectClrLst/>
+  </dgm:styleLbl>
+  <dgm:styleLbl name="parChTrans1D3">
+    <dgm:fillClrLst meth="repeat">
+      <a:schemeClr val="accent1"/>
+    </dgm:fillClrLst>
+    <dgm:linClrLst meth="repeat">
+      <a:schemeClr val="accent1">
+        <a:shade val="80000"/>
+      </a:schemeClr>
+    </dgm:linClrLst>
+    <dgm:effectClrLst/>
+    <dgm:txLinClrLst/>
+    <dgm:txFillClrLst meth="repeat">
+      <a:schemeClr val="tx1"/>
+    </dgm:txFillClrLst>
+    <dgm:txEffectClrLst/>
+  </dgm:styleLbl>
+  <dgm:styleLbl name="parChTrans1D4">
+    <dgm:fillClrLst meth="repeat">
+      <a:schemeClr val="accent1"/>
+    </dgm:fillClrLst>
+    <dgm:linClrLst meth="repeat">
+      <a:schemeClr val="accent1">
+        <a:shade val="80000"/>
+      </a:schemeClr>
+    </dgm:linClrLst>
+    <dgm:effectClrLst/>
+    <dgm:txLinClrLst/>
+    <dgm:txFillClrLst meth="repeat">
+      <a:schemeClr val="tx1"/>
+    </dgm:txFillClrLst>
+    <dgm:txEffectClrLst/>
+  </dgm:styleLbl>
+  <dgm:styleLbl name="fgAcc1">
+    <dgm:fillClrLst meth="repeat">
+      <a:schemeClr val="lt1">
+        <a:alpha val="90000"/>
+      </a:schemeClr>
+    </dgm:fillClrLst>
+    <dgm:linClrLst meth="repeat">
+      <a:schemeClr val="accent1"/>
+    </dgm:linClrLst>
+    <dgm:effectClrLst/>
+    <dgm:txLinClrLst/>
+    <dgm:txFillClrLst meth="repeat">
+      <a:schemeClr val="dk1"/>
+    </dgm:txFillClrLst>
+    <dgm:txEffectClrLst/>
+  </dgm:styleLbl>
+  <dgm:styleLbl name="conFgAcc1">
+    <dgm:fillClrLst meth="repeat">
+      <a:schemeClr val="lt1">
+        <a:alpha val="90000"/>
+      </a:schemeClr>
+    </dgm:fillClrLst>
+    <dgm:linClrLst meth="repeat">
+      <a:schemeClr val="accent1"/>
+    </dgm:linClrLst>
+    <dgm:effectClrLst/>
+    <dgm:txLinClrLst/>
+    <dgm:txFillClrLst meth="repeat">
+      <a:schemeClr val="dk1"/>
+    </dgm:txFillClrLst>
+    <dgm:txEffectClrLst/>
+  </dgm:styleLbl>
+  <dgm:styleLbl name="alignAcc1">
+    <dgm:fillClrLst meth="repeat">
+      <a:schemeClr val="lt1">
+        <a:alpha val="90000"/>
+      </a:schemeClr>
+    </dgm:fillClrLst>
+    <dgm:linClrLst meth="repeat">
+      <a:schemeClr val="accent1"/>
+    </dgm:linClrLst>
+    <dgm:effectClrLst/>
+    <dgm:txLinClrLst/>
+    <dgm:txFillClrLst meth="repeat">
+      <a:schemeClr val="dk1"/>
+    </dgm:txFillClrLst>
+    <dgm:txEffectClrLst/>
+  </dgm:styleLbl>
+  <dgm:styleLbl name="trAlignAcc1">
+    <dgm:fillClrLst meth="repeat">
+      <a:schemeClr val="lt1">
+        <a:alpha val="40000"/>
+      </a:schemeClr>
+    </dgm:fillClrLst>
+    <dgm:linClrLst meth="repeat">
+      <a:schemeClr val="accent1"/>
+    </dgm:linClrLst>
+    <dgm:effectClrLst/>
+    <dgm:txLinClrLst/>
+    <dgm:txFillClrLst meth="repeat">
+      <a:schemeClr val="dk1"/>
+    </dgm:txFillClrLst>
+    <dgm:txEffectClrLst/>
+  </dgm:styleLbl>
+  <dgm:styleLbl name="bgAcc1">
+    <dgm:fillClrLst meth="repeat">
+      <a:schemeClr val="lt1">
+        <a:alpha val="90000"/>
+      </a:schemeClr>
+    </dgm:fillClrLst>
+    <dgm:linClrLst meth="repeat">
+      <a:schemeClr val="accent1"/>
+    </dgm:linClrLst>
+    <dgm:effectClrLst/>
+    <dgm:txLinClrLst/>
+    <dgm:txFillClrLst meth="repeat">
+      <a:schemeClr val="dk1"/>
+    </dgm:txFillClrLst>
+    <dgm:txEffectClrLst/>
+  </dgm:styleLbl>
+  <dgm:styleLbl name="solidFgAcc1">
+    <dgm:fillClrLst meth="repeat">
+      <a:schemeClr val="lt1"/>
+    </dgm:fillClrLst>
+    <dgm:linClrLst meth="repeat">
+      <a:schemeClr val="accent1"/>
+    </dgm:linClrLst>
+    <dgm:effectClrLst/>
+    <dgm:txLinClrLst/>
+    <dgm:txFillClrLst meth="repeat">
+      <a:schemeClr val="dk1"/>
+    </dgm:txFillClrLst>
+    <dgm:txEffectClrLst/>
+  </dgm:styleLbl>
+  <dgm:styleLbl name="solidAlignAcc1">
+    <dgm:fillClrLst meth="repeat">
+      <a:schemeClr val="lt1"/>
+    </dgm:fillClrLst>
+    <dgm:linClrLst meth="repeat">
+      <a:schemeClr val="accent1"/>
+    </dgm:linClrLst>
+    <dgm:effectClrLst/>
+    <dgm:txLinClrLst/>
+    <dgm:txFillClrLst meth="repeat">
+      <a:schemeClr val="dk1"/>
+    </dgm:txFillClrLst>
+    <dgm:txEffectClrLst/>
+  </dgm:styleLbl>
+  <dgm:styleLbl name="solidBgAcc1">
+    <dgm:fillClrLst meth="repeat">
+      <a:schemeClr val="lt1"/>
+    </dgm:fillClrLst>
+    <dgm:linClrLst meth="repeat">
+      <a:schemeClr val="accent1"/>
+    </dgm:linClrLst>
+    <dgm:effectClrLst/>
+    <dgm:txLinClrLst/>
+    <dgm:txFillClrLst meth="repeat">
+      <a:schemeClr val="dk1"/>
+    </dgm:txFillClrLst>
+    <dgm:txEffectClrLst/>
+  </dgm:styleLbl>
+  <dgm:styleLbl name="fgAccFollowNode1">
+    <dgm:fillClrLst meth="repeat">
+      <a:schemeClr val="accent1">
+        <a:alpha val="90000"/>
+        <a:tint val="40000"/>
+      </a:schemeClr>
+    </dgm:fillClrLst>
+    <dgm:linClrLst meth="repeat">
+      <a:schemeClr val="accent1">
+        <a:alpha val="90000"/>
+        <a:tint val="40000"/>
+      </a:schemeClr>
+    </dgm:linClrLst>
+    <dgm:effectClrLst/>
+    <dgm:txLinClrLst/>
+    <dgm:txFillClrLst meth="repeat">
+      <a:schemeClr val="dk1"/>
+    </dgm:txFillClrLst>
+    <dgm:txEffectClrLst/>
+  </dgm:styleLbl>
+  <dgm:styleLbl name="alignAccFollowNode1">
+    <dgm:fillClrLst meth="repeat">
+      <a:schemeClr val="accent1">
+        <a:alpha val="90000"/>
+        <a:tint val="40000"/>
+      </a:schemeClr>
+    </dgm:fillClrLst>
+    <dgm:linClrLst meth="repeat">
+      <a:schemeClr val="accent1">
+        <a:alpha val="90000"/>
+        <a:tint val="40000"/>
+      </a:schemeClr>
+    </dgm:linClrLst>
+    <dgm:effectClrLst/>
+    <dgm:txLinClrLst/>
+    <dgm:txFillClrLst meth="repeat">
+      <a:schemeClr val="dk1"/>
+    </dgm:txFillClrLst>
+    <dgm:txEffectClrLst/>
+  </dgm:styleLbl>
+  <dgm:styleLbl name="bgAccFollowNode1">
+    <dgm:fillClrLst meth="repeat">
+      <a:schemeClr val="bg1">
+        <a:lumMod val="95000"/>
+      </a:schemeClr>
+    </dgm:fillClrLst>
+    <dgm:linClrLst>
+      <a:schemeClr val="bg1">
+        <a:lumMod val="95000"/>
+      </a:schemeClr>
+    </dgm:linClrLst>
+    <dgm:effectClrLst/>
+    <dgm:txLinClrLst/>
+    <dgm:txFillClrLst meth="repeat">
+      <a:schemeClr val="tx1">
+        <a:lumMod val="75000"/>
+        <a:lumOff val="25000"/>
+      </a:schemeClr>
+    </dgm:txFillClrLst>
+    <dgm:txEffectClrLst/>
+  </dgm:styleLbl>
+  <dgm:styleLbl name="fgAcc0">
+    <dgm:fillClrLst meth="repeat">
+      <a:schemeClr val="lt1">
+        <a:alpha val="90000"/>
+      </a:schemeClr>
+    </dgm:fillClrLst>
+    <dgm:linClrLst meth="repeat">
+      <a:schemeClr val="accent1"/>
+    </dgm:linClrLst>
+    <dgm:effectClrLst/>
+    <dgm:txLinClrLst/>
+    <dgm:txFillClrLst meth="repeat">
+      <a:schemeClr val="dk1"/>
+    </dgm:txFillClrLst>
+    <dgm:txEffectClrLst/>
+  </dgm:styleLbl>
+  <dgm:styleLbl name="fgAcc2">
+    <dgm:fillClrLst meth="repeat">
+      <a:schemeClr val="lt1">
+        <a:alpha val="90000"/>
+      </a:schemeClr>
+    </dgm:fillClrLst>
+    <dgm:linClrLst meth="repeat">
+      <a:schemeClr val="accent1"/>
+    </dgm:linClrLst>
+    <dgm:effectClrLst/>
+    <dgm:txLinClrLst/>
+    <dgm:txFillClrLst meth="repeat">
+      <a:schemeClr val="dk1"/>
+    </dgm:txFillClrLst>
+    <dgm:txEffectClrLst/>
+  </dgm:styleLbl>
+  <dgm:styleLbl name="fgAcc3">
+    <dgm:fillClrLst meth="repeat">
+      <a:schemeClr val="lt1">
+        <a:alpha val="90000"/>
+      </a:schemeClr>
+    </dgm:fillClrLst>
+    <dgm:linClrLst meth="repeat">
+      <a:schemeClr val="accent1"/>
+    </dgm:linClrLst>
+    <dgm:effectClrLst/>
+    <dgm:txLinClrLst/>
+    <dgm:txFillClrLst meth="repeat">
+      <a:schemeClr val="dk1"/>
+    </dgm:txFillClrLst>
+    <dgm:txEffectClrLst/>
+  </dgm:styleLbl>
+  <dgm:styleLbl name="fgAcc4">
+    <dgm:fillClrLst meth="repeat">
+      <a:schemeClr val="lt1">
+        <a:alpha val="90000"/>
+      </a:schemeClr>
+    </dgm:fillClrLst>
+    <dgm:linClrLst meth="repeat">
+      <a:schemeClr val="accent1"/>
+    </dgm:linClrLst>
+    <dgm:effectClrLst/>
+    <dgm:txLinClrLst/>
+    <dgm:txFillClrLst meth="repeat">
+      <a:schemeClr val="dk1"/>
+    </dgm:txFillClrLst>
+    <dgm:txEffectClrLst/>
+  </dgm:styleLbl>
+  <dgm:styleLbl name="bgShp">
+    <dgm:fillClrLst meth="repeat">
+      <a:schemeClr val="accent1">
+        <a:tint val="40000"/>
+      </a:schemeClr>
+    </dgm:fillClrLst>
+    <dgm:linClrLst meth="repeat">
+      <a:schemeClr val="accent1"/>
+    </dgm:linClrLst>
+    <dgm:effectClrLst/>
+    <dgm:txLinClrLst/>
+    <dgm:txFillClrLst meth="repeat">
+      <a:schemeClr val="dk1"/>
+    </dgm:txFillClrLst>
+    <dgm:txEffectClrLst/>
+  </dgm:styleLbl>
+  <dgm:styleLbl name="dkBgShp">
+    <dgm:fillClrLst meth="repeat">
+      <a:schemeClr val="accent1">
+        <a:shade val="80000"/>
+      </a:schemeClr>
+    </dgm:fillClrLst>
+    <dgm:linClrLst meth="repeat">
+      <a:schemeClr val="accent1"/>
+    </dgm:linClrLst>
+    <dgm:effectClrLst/>
+    <dgm:txLinClrLst/>
+    <dgm:txFillClrLst meth="repeat">
+      <a:schemeClr val="lt1"/>
+    </dgm:txFillClrLst>
+    <dgm:txEffectClrLst/>
+  </dgm:styleLbl>
+  <dgm:styleLbl name="trBgShp">
+    <dgm:fillClrLst meth="repeat">
+      <a:schemeClr val="accent1">
+        <a:tint val="50000"/>
+        <a:alpha val="40000"/>
+      </a:schemeClr>
+    </dgm:fillClrLst>
+    <dgm:linClrLst meth="repeat">
+      <a:schemeClr val="accent1"/>
+    </dgm:linClrLst>
+    <dgm:effectClrLst/>
+    <dgm:txLinClrLst/>
+    <dgm:txFillClrLst meth="repeat">
+      <a:schemeClr val="lt1"/>
+    </dgm:txFillClrLst>
+    <dgm:txEffectClrLst/>
+  </dgm:styleLbl>
+  <dgm:styleLbl name="fgShp">
+    <dgm:fillClrLst meth="repeat">
+      <a:schemeClr val="accent1">
+        <a:tint val="60000"/>
+      </a:schemeClr>
+    </dgm:fillClrLst>
+    <dgm:linClrLst meth="repeat">
+      <a:schemeClr val="lt1"/>
+    </dgm:linClrLst>
+    <dgm:effectClrLst/>
+    <dgm:txLinClrLst/>
+    <dgm:txFillClrLst meth="repeat">
+      <a:schemeClr val="dk1"/>
+    </dgm:txFillClrLst>
+    <dgm:txEffectClrLst/>
+  </dgm:styleLbl>
+  <dgm:styleLbl name="revTx">
+    <dgm:fillClrLst meth="repeat">
+      <a:schemeClr val="lt1">
+        <a:alpha val="0"/>
+      </a:schemeClr>
+    </dgm:fillClrLst>
+    <dgm:linClrLst meth="repeat">
+      <a:schemeClr val="dk1">
+        <a:alpha val="0"/>
+      </a:schemeClr>
+    </dgm:linClrLst>
+    <dgm:effectClrLst/>
+    <dgm:txLinClrLst/>
+    <dgm:txFillClrLst meth="repeat">
+      <a:schemeClr val="tx1"/>
+    </dgm:txFillClrLst>
+    <dgm:txEffectClrLst/>
+  </dgm:styleLbl>
+</dgm:colorsDef>
+</file>
+
+<file path=ppt/diagrams/data1.xml><?xml version="1.0" encoding="utf-8"?>
+<dgm:dataModel xmlns:dgm="http://schemas.openxmlformats.org/drawingml/2006/diagram" xmlns:a="http://schemas.openxmlformats.org/drawingml/2006/main">
+  <dgm:ptLst>
+    <dgm:pt modelId="{C1268568-3361-421A-9004-9137023FFAF5}" type="doc">
+      <dgm:prSet loTypeId="urn:microsoft.com/office/officeart/2005/8/layout/bProcess2" loCatId="process" qsTypeId="urn:microsoft.com/office/officeart/2005/8/quickstyle/simple1" qsCatId="simple" csTypeId="urn:microsoft.com/office/officeart/2005/8/colors/ColorSchemeForSuggestions" csCatId="other" phldr="1"/>
+      <dgm:spPr/>
+      <dgm:t>
+        <a:bodyPr/>
+        <a:lstStyle/>
+        <a:p>
+          <a:endParaRPr lang="en-US"/>
+        </a:p>
+      </dgm:t>
+    </dgm:pt>
+    <dgm:pt modelId="{C33972C9-0BC4-4651-9744-D559DB0D84D5}">
+      <dgm:prSet/>
+      <dgm:spPr/>
+      <dgm:t>
+        <a:bodyPr/>
+        <a:lstStyle/>
+        <a:p>
+          <a:r>
+            <a:rPr lang="en-US"/>
+            <a:t>dotnet command [&lt;arguments&gt;] [&lt;options&gt;]</a:t>
+          </a:r>
+        </a:p>
+      </dgm:t>
+    </dgm:pt>
+    <dgm:pt modelId="{772EBDA0-F6B1-4CA4-927F-02F0CC35A30B}" type="parTrans" cxnId="{90D79404-4CE4-488C-9269-EC84C4CC2D79}">
+      <dgm:prSet/>
+      <dgm:spPr/>
+      <dgm:t>
+        <a:bodyPr/>
+        <a:lstStyle/>
+        <a:p>
+          <a:endParaRPr lang="en-US"/>
+        </a:p>
+      </dgm:t>
+    </dgm:pt>
+    <dgm:pt modelId="{49CEDCAC-C280-4829-91D5-B155C6DF4A18}" type="sibTrans" cxnId="{90D79404-4CE4-488C-9269-EC84C4CC2D79}">
+      <dgm:prSet/>
+      <dgm:spPr/>
+      <dgm:t>
+        <a:bodyPr/>
+        <a:lstStyle/>
+        <a:p>
+          <a:endParaRPr lang="en-US"/>
+        </a:p>
+      </dgm:t>
+    </dgm:pt>
+    <dgm:pt modelId="{B8A3C82F-16D2-4115-B873-07F000538262}">
+      <dgm:prSet/>
+      <dgm:spPr/>
+      <dgm:t>
+        <a:bodyPr/>
+        <a:lstStyle/>
+        <a:p>
+          <a:r>
+            <a:rPr lang="en-US" dirty="0"/>
+            <a:t>dotnet    publish </a:t>
+          </a:r>
+          <a:r>
+            <a:rPr lang="en-US" dirty="0" err="1"/>
+            <a:t>my_app.csproj</a:t>
+          </a:r>
+          <a:r>
+            <a:rPr lang="en-US" dirty="0"/>
+            <a:t> -c Release</a:t>
+          </a:r>
+        </a:p>
+      </dgm:t>
+    </dgm:pt>
+    <dgm:pt modelId="{358D1319-1262-495C-A0CF-6690E29A52E3}" type="parTrans" cxnId="{0FBA099E-F3C0-43D1-879F-D13BFB460A97}">
+      <dgm:prSet/>
+      <dgm:spPr/>
+      <dgm:t>
+        <a:bodyPr/>
+        <a:lstStyle/>
+        <a:p>
+          <a:endParaRPr lang="en-US"/>
+        </a:p>
+      </dgm:t>
+    </dgm:pt>
+    <dgm:pt modelId="{479A5E44-CB69-43CA-9474-6307C6ED4A29}" type="sibTrans" cxnId="{0FBA099E-F3C0-43D1-879F-D13BFB460A97}">
+      <dgm:prSet/>
+      <dgm:spPr/>
+      <dgm:t>
+        <a:bodyPr/>
+        <a:lstStyle/>
+        <a:p>
+          <a:endParaRPr lang="en-US"/>
+        </a:p>
+      </dgm:t>
+    </dgm:pt>
+    <dgm:pt modelId="{4EB80A06-66E5-4FDC-B683-D02365EE6722}" type="pres">
+      <dgm:prSet presAssocID="{C1268568-3361-421A-9004-9137023FFAF5}" presName="diagram" presStyleCnt="0">
+        <dgm:presLayoutVars>
+          <dgm:dir/>
+          <dgm:resizeHandles/>
+        </dgm:presLayoutVars>
+      </dgm:prSet>
+      <dgm:spPr/>
+    </dgm:pt>
+    <dgm:pt modelId="{772B303C-BC81-45F7-9B81-A699554AEF9A}" type="pres">
+      <dgm:prSet presAssocID="{C33972C9-0BC4-4651-9744-D559DB0D84D5}" presName="firstNode" presStyleLbl="node1" presStyleIdx="0" presStyleCnt="2">
+        <dgm:presLayoutVars>
+          <dgm:bulletEnabled val="1"/>
+        </dgm:presLayoutVars>
+      </dgm:prSet>
+      <dgm:spPr/>
+    </dgm:pt>
+    <dgm:pt modelId="{A9D9D55F-7B50-4CB5-B6E6-58D9E0D86061}" type="pres">
+      <dgm:prSet presAssocID="{49CEDCAC-C280-4829-91D5-B155C6DF4A18}" presName="sibTrans" presStyleLbl="sibTrans2D1" presStyleIdx="0" presStyleCnt="1"/>
+      <dgm:spPr/>
+    </dgm:pt>
+    <dgm:pt modelId="{D6942D20-6D40-42F7-97AE-AA774F05D3D0}" type="pres">
+      <dgm:prSet presAssocID="{B8A3C82F-16D2-4115-B873-07F000538262}" presName="lastNode" presStyleLbl="node1" presStyleIdx="1" presStyleCnt="2">
+        <dgm:presLayoutVars>
+          <dgm:bulletEnabled val="1"/>
+        </dgm:presLayoutVars>
+      </dgm:prSet>
+      <dgm:spPr/>
+    </dgm:pt>
+  </dgm:ptLst>
+  <dgm:cxnLst>
+    <dgm:cxn modelId="{90D79404-4CE4-488C-9269-EC84C4CC2D79}" srcId="{C1268568-3361-421A-9004-9137023FFAF5}" destId="{C33972C9-0BC4-4651-9744-D559DB0D84D5}" srcOrd="0" destOrd="0" parTransId="{772EBDA0-F6B1-4CA4-927F-02F0CC35A30B}" sibTransId="{49CEDCAC-C280-4829-91D5-B155C6DF4A18}"/>
+    <dgm:cxn modelId="{6C7E5F26-D68A-43C0-B6B2-CFEB40F3F08C}" type="presOf" srcId="{C1268568-3361-421A-9004-9137023FFAF5}" destId="{4EB80A06-66E5-4FDC-B683-D02365EE6722}" srcOrd="0" destOrd="0" presId="urn:microsoft.com/office/officeart/2005/8/layout/bProcess2"/>
+    <dgm:cxn modelId="{AE99FE98-3205-4584-A1ED-44B92C2A7635}" type="presOf" srcId="{49CEDCAC-C280-4829-91D5-B155C6DF4A18}" destId="{A9D9D55F-7B50-4CB5-B6E6-58D9E0D86061}" srcOrd="0" destOrd="0" presId="urn:microsoft.com/office/officeart/2005/8/layout/bProcess2"/>
+    <dgm:cxn modelId="{0FBA099E-F3C0-43D1-879F-D13BFB460A97}" srcId="{C1268568-3361-421A-9004-9137023FFAF5}" destId="{B8A3C82F-16D2-4115-B873-07F000538262}" srcOrd="1" destOrd="0" parTransId="{358D1319-1262-495C-A0CF-6690E29A52E3}" sibTransId="{479A5E44-CB69-43CA-9474-6307C6ED4A29}"/>
+    <dgm:cxn modelId="{515AA5EA-57AF-43BE-86A3-C24791B69624}" type="presOf" srcId="{C33972C9-0BC4-4651-9744-D559DB0D84D5}" destId="{772B303C-BC81-45F7-9B81-A699554AEF9A}" srcOrd="0" destOrd="0" presId="urn:microsoft.com/office/officeart/2005/8/layout/bProcess2"/>
+    <dgm:cxn modelId="{DB74B2F3-B32F-4885-BE8F-4A042D00F0C0}" type="presOf" srcId="{B8A3C82F-16D2-4115-B873-07F000538262}" destId="{D6942D20-6D40-42F7-97AE-AA774F05D3D0}" srcOrd="0" destOrd="0" presId="urn:microsoft.com/office/officeart/2005/8/layout/bProcess2"/>
+    <dgm:cxn modelId="{79AA1B48-0286-4CD8-B1B7-95475AAE9AB0}" type="presParOf" srcId="{4EB80A06-66E5-4FDC-B683-D02365EE6722}" destId="{772B303C-BC81-45F7-9B81-A699554AEF9A}" srcOrd="0" destOrd="0" presId="urn:microsoft.com/office/officeart/2005/8/layout/bProcess2"/>
+    <dgm:cxn modelId="{59EACDC5-A4B0-409D-ABAB-ED8D81C595DA}" type="presParOf" srcId="{4EB80A06-66E5-4FDC-B683-D02365EE6722}" destId="{A9D9D55F-7B50-4CB5-B6E6-58D9E0D86061}" srcOrd="1" destOrd="0" presId="urn:microsoft.com/office/officeart/2005/8/layout/bProcess2"/>
+    <dgm:cxn modelId="{2A29F9D1-A05A-4AE2-8C18-14468263C972}" type="presParOf" srcId="{4EB80A06-66E5-4FDC-B683-D02365EE6722}" destId="{D6942D20-6D40-42F7-97AE-AA774F05D3D0}" srcOrd="2" destOrd="0" presId="urn:microsoft.com/office/officeart/2005/8/layout/bProcess2"/>
+  </dgm:cxnLst>
+  <dgm:bg/>
+  <dgm:whole/>
+  <dgm:extLst>
+    <a:ext uri="http://schemas.microsoft.com/office/drawing/2008/diagram">
+      <dsp:dataModelExt xmlns:dsp="http://schemas.microsoft.com/office/drawing/2008/diagram" relId="rId7" minVer="http://schemas.openxmlformats.org/drawingml/2006/diagram"/>
+    </a:ext>
+  </dgm:extLst>
+</dgm:dataModel>
+</file>
+
+<file path=ppt/diagrams/drawing1.xml><?xml version="1.0" encoding="utf-8"?>
+<dsp:drawing xmlns:dgm="http://schemas.openxmlformats.org/drawingml/2006/diagram" xmlns:dsp="http://schemas.microsoft.com/office/drawing/2008/diagram" xmlns:a="http://schemas.openxmlformats.org/drawingml/2006/main">
+  <dsp:spTree>
+    <dsp:nvGrpSpPr>
+      <dsp:cNvPr id="0" name=""/>
+      <dsp:cNvGrpSpPr/>
+    </dsp:nvGrpSpPr>
+    <dsp:grpSpPr/>
+    <dsp:sp modelId="{772B303C-BC81-45F7-9B81-A699554AEF9A}">
+      <dsp:nvSpPr>
+        <dsp:cNvPr id="0" name=""/>
+        <dsp:cNvSpPr/>
+      </dsp:nvSpPr>
+      <dsp:spPr>
+        <a:xfrm>
+          <a:off x="765" y="1532561"/>
+          <a:ext cx="2507002" cy="2507002"/>
+        </a:xfrm>
+        <a:prstGeom prst="ellipse">
+          <a:avLst/>
+        </a:prstGeom>
+        <a:solidFill>
+          <a:schemeClr val="accent1">
+            <a:hueOff val="0"/>
+            <a:satOff val="0"/>
+            <a:lumOff val="0"/>
+            <a:alphaOff val="0"/>
+          </a:schemeClr>
+        </a:solidFill>
+        <a:ln w="12700" cap="flat" cmpd="sng" algn="ctr">
+          <a:solidFill>
+            <a:schemeClr val="lt1">
+              <a:hueOff val="0"/>
+              <a:satOff val="0"/>
+              <a:lumOff val="0"/>
+              <a:alphaOff val="0"/>
+            </a:schemeClr>
+          </a:solidFill>
+          <a:prstDash val="solid"/>
+          <a:miter lim="800000"/>
+        </a:ln>
+        <a:effectLst/>
+      </dsp:spPr>
+      <dsp:style>
+        <a:lnRef idx="2">
+          <a:scrgbClr r="0" g="0" b="0"/>
+        </a:lnRef>
+        <a:fillRef idx="1">
+          <a:scrgbClr r="0" g="0" b="0"/>
+        </a:fillRef>
+        <a:effectRef idx="0">
+          <a:scrgbClr r="0" g="0" b="0"/>
+        </a:effectRef>
+        <a:fontRef idx="minor">
+          <a:schemeClr val="lt1"/>
+        </a:fontRef>
+      </dsp:style>
+      <dsp:txBody>
+        <a:bodyPr spcFirstLastPara="0" vert="horz" wrap="square" lIns="26670" tIns="26670" rIns="26670" bIns="26670" numCol="1" spcCol="1270" anchor="ctr" anchorCtr="0">
+          <a:noAutofit/>
+        </a:bodyPr>
+        <a:lstStyle/>
+        <a:p>
+          <a:pPr marL="0" lvl="0" indent="0" algn="ctr" defTabSz="933450">
+            <a:lnSpc>
+              <a:spcPct val="90000"/>
+            </a:lnSpc>
+            <a:spcBef>
+              <a:spcPct val="0"/>
+            </a:spcBef>
+            <a:spcAft>
+              <a:spcPct val="35000"/>
+            </a:spcAft>
+            <a:buNone/>
+          </a:pPr>
+          <a:r>
+            <a:rPr lang="en-US" sz="2100" kern="1200"/>
+            <a:t>dotnet command [&lt;arguments&gt;] [&lt;options&gt;]</a:t>
+          </a:r>
+        </a:p>
+      </dsp:txBody>
+      <dsp:txXfrm>
+        <a:off x="367907" y="1899703"/>
+        <a:ext cx="1772718" cy="1772718"/>
+      </dsp:txXfrm>
+    </dsp:sp>
+    <dsp:sp modelId="{A9D9D55F-7B50-4CB5-B6E6-58D9E0D86061}">
+      <dsp:nvSpPr>
+        <dsp:cNvPr id="0" name=""/>
+        <dsp:cNvSpPr/>
+      </dsp:nvSpPr>
+      <dsp:spPr>
+        <a:xfrm rot="5400000">
+          <a:off x="2714595" y="2453884"/>
+          <a:ext cx="877451" cy="664355"/>
+        </a:xfrm>
+        <a:prstGeom prst="triangle">
+          <a:avLst/>
+        </a:prstGeom>
+        <a:solidFill>
+          <a:schemeClr val="accent1">
+            <a:tint val="60000"/>
+            <a:hueOff val="0"/>
+            <a:satOff val="0"/>
+            <a:lumOff val="0"/>
+            <a:alphaOff val="0"/>
+          </a:schemeClr>
+        </a:solidFill>
+        <a:ln>
+          <a:noFill/>
+        </a:ln>
+        <a:effectLst/>
+      </dsp:spPr>
+      <dsp:style>
+        <a:lnRef idx="0">
+          <a:scrgbClr r="0" g="0" b="0"/>
+        </a:lnRef>
+        <a:fillRef idx="1">
+          <a:scrgbClr r="0" g="0" b="0"/>
+        </a:fillRef>
+        <a:effectRef idx="0">
+          <a:scrgbClr r="0" g="0" b="0"/>
+        </a:effectRef>
+        <a:fontRef idx="minor">
+          <a:schemeClr val="lt1"/>
+        </a:fontRef>
+      </dsp:style>
+    </dsp:sp>
+    <dsp:sp modelId="{D6942D20-6D40-42F7-97AE-AA774F05D3D0}">
+      <dsp:nvSpPr>
+        <dsp:cNvPr id="0" name=""/>
+        <dsp:cNvSpPr/>
+      </dsp:nvSpPr>
+      <dsp:spPr>
+        <a:xfrm>
+          <a:off x="3761269" y="1532561"/>
+          <a:ext cx="2507002" cy="2507002"/>
+        </a:xfrm>
+        <a:prstGeom prst="ellipse">
+          <a:avLst/>
+        </a:prstGeom>
+        <a:solidFill>
+          <a:schemeClr val="accent1">
+            <a:hueOff val="0"/>
+            <a:satOff val="0"/>
+            <a:lumOff val="0"/>
+            <a:alphaOff val="0"/>
+          </a:schemeClr>
+        </a:solidFill>
+        <a:ln w="12700" cap="flat" cmpd="sng" algn="ctr">
+          <a:solidFill>
+            <a:schemeClr val="lt1">
+              <a:hueOff val="0"/>
+              <a:satOff val="0"/>
+              <a:lumOff val="0"/>
+              <a:alphaOff val="0"/>
+            </a:schemeClr>
+          </a:solidFill>
+          <a:prstDash val="solid"/>
+          <a:miter lim="800000"/>
+        </a:ln>
+        <a:effectLst/>
+      </dsp:spPr>
+      <dsp:style>
+        <a:lnRef idx="2">
+          <a:scrgbClr r="0" g="0" b="0"/>
+        </a:lnRef>
+        <a:fillRef idx="1">
+          <a:scrgbClr r="0" g="0" b="0"/>
+        </a:fillRef>
+        <a:effectRef idx="0">
+          <a:scrgbClr r="0" g="0" b="0"/>
+        </a:effectRef>
+        <a:fontRef idx="minor">
+          <a:schemeClr val="lt1"/>
+        </a:fontRef>
+      </dsp:style>
+      <dsp:txBody>
+        <a:bodyPr spcFirstLastPara="0" vert="horz" wrap="square" lIns="26670" tIns="26670" rIns="26670" bIns="26670" numCol="1" spcCol="1270" anchor="ctr" anchorCtr="0">
+          <a:noAutofit/>
+        </a:bodyPr>
+        <a:lstStyle/>
+        <a:p>
+          <a:pPr marL="0" lvl="0" indent="0" algn="ctr" defTabSz="933450">
+            <a:lnSpc>
+              <a:spcPct val="90000"/>
+            </a:lnSpc>
+            <a:spcBef>
+              <a:spcPct val="0"/>
+            </a:spcBef>
+            <a:spcAft>
+              <a:spcPct val="35000"/>
+            </a:spcAft>
+            <a:buNone/>
+          </a:pPr>
+          <a:r>
+            <a:rPr lang="en-US" sz="2100" kern="1200" dirty="0"/>
+            <a:t>dotnet    publish </a:t>
+          </a:r>
+          <a:r>
+            <a:rPr lang="en-US" sz="2100" kern="1200" dirty="0" err="1"/>
+            <a:t>my_app.csproj</a:t>
+          </a:r>
+          <a:r>
+            <a:rPr lang="en-US" sz="2100" kern="1200" dirty="0"/>
+            <a:t> -c Release</a:t>
+          </a:r>
+        </a:p>
+      </dsp:txBody>
+      <dsp:txXfrm>
+        <a:off x="4128411" y="1899703"/>
+        <a:ext cx="1772718" cy="1772718"/>
+      </dsp:txXfrm>
+    </dsp:sp>
+  </dsp:spTree>
+</dsp:drawing>
+</file>
+
+<file path=ppt/diagrams/layout1.xml><?xml version="1.0" encoding="utf-8"?>
+<dgm:layoutDef xmlns:dgm="http://schemas.openxmlformats.org/drawingml/2006/diagram" xmlns:a="http://schemas.openxmlformats.org/drawingml/2006/main" uniqueId="urn:microsoft.com/office/officeart/2005/8/layout/bProcess2">
+  <dgm:title val=""/>
+  <dgm:desc val=""/>
+  <dgm:catLst>
+    <dgm:cat type="process" pri="24000"/>
+  </dgm:catLst>
+  <dgm:sampData>
+    <dgm:dataModel>
+      <dgm:ptLst>
+        <dgm:pt modelId="0" type="doc"/>
+        <dgm:pt modelId="1">
+          <dgm:prSet phldr="1"/>
+        </dgm:pt>
+        <dgm:pt modelId="2">
+          <dgm:prSet phldr="1"/>
+        </dgm:pt>
+        <dgm:pt modelId="3">
+          <dgm:prSet phldr="1"/>
+        </dgm:pt>
+        <dgm:pt modelId="4">
+          <dgm:prSet phldr="1"/>
+        </dgm:pt>
+        <dgm:pt modelId="5">
+          <dgm:prSet phldr="1"/>
+        </dgm:pt>
+        <dgm:pt modelId="6">
+          <dgm:prSet phldr="1"/>
+        </dgm:pt>
+        <dgm:pt modelId="7">
+          <dgm:prSet phldr="1"/>
+        </dgm:pt>
+        <dgm:pt modelId="8">
+          <dgm:prSet phldr="1"/>
+        </dgm:pt>
+        <dgm:pt modelId="9">
+          <dgm:prSet phldr="1"/>
+        </dgm:pt>
+      </dgm:ptLst>
+      <dgm:cxnLst>
+        <dgm:cxn modelId="10" srcId="0" destId="1" srcOrd="0" destOrd="0"/>
+        <dgm:cxn modelId="11" srcId="0" destId="2" srcOrd="1" destOrd="0"/>
+        <dgm:cxn modelId="12" srcId="0" destId="3" srcOrd="2" destOrd="0"/>
+        <dgm:cxn modelId="13" srcId="0" destId="4" srcOrd="3" destOrd="0"/>
+        <dgm:cxn modelId="14" srcId="0" destId="5" srcOrd="4" destOrd="0"/>
+        <dgm:cxn modelId="15" srcId="0" destId="6" srcOrd="5" destOrd="0"/>
+        <dgm:cxn modelId="16" srcId="0" destId="7" srcOrd="6" destOrd="0"/>
+        <dgm:cxn modelId="17" srcId="0" destId="8" srcOrd="7" destOrd="0"/>
+        <dgm:cxn modelId="18" srcId="0" destId="9" srcOrd="8" destOrd="0"/>
+      </dgm:cxnLst>
+      <dgm:bg/>
+      <dgm:whole/>
+    </dgm:dataModel>
+  </dgm:sampData>
+  <dgm:styleData>
+    <dgm:dataModel>
+      <dgm:ptLst>
+        <dgm:pt modelId="0" type="doc"/>
+        <dgm:pt modelId="1"/>
+        <dgm:pt modelId="2"/>
+      </dgm:ptLst>
+      <dgm:cxnLst>
+        <dgm:cxn modelId="3" srcId="0" destId="1" srcOrd="0" destOrd="0"/>
+        <dgm:cxn modelId="4" srcId="0" destId="2" srcOrd="1" destOrd="0"/>
+      </dgm:cxnLst>
+      <dgm:bg/>
+      <dgm:whole/>
+    </dgm:dataModel>
+  </dgm:styleData>
+  <dgm:clrData>
+    <dgm:dataModel>
+      <dgm:ptLst>
+        <dgm:pt modelId="0" type="doc"/>
+        <dgm:pt modelId="1"/>
+        <dgm:pt modelId="2"/>
+        <dgm:pt modelId="3"/>
+        <dgm:pt modelId="4"/>
+        <dgm:pt modelId="5"/>
+        <dgm:pt modelId="6"/>
+      </dgm:ptLst>
+      <dgm:cxnLst>
+        <dgm:cxn modelId="7" srcId="0" destId="1" srcOrd="0" destOrd="0"/>
+        <dgm:cxn modelId="8" srcId="0" destId="2" srcOrd="1" destOrd="0"/>
+        <dgm:cxn modelId="9" srcId="0" destId="3" srcOrd="2" destOrd="0"/>
+        <dgm:cxn modelId="10" srcId="0" destId="4" srcOrd="3" destOrd="0"/>
+        <dgm:cxn modelId="11" srcId="0" destId="5" srcOrd="4" destOrd="0"/>
+        <dgm:cxn modelId="12" srcId="0" destId="6" srcOrd="5" destOrd="0"/>
+      </dgm:cxnLst>
+      <dgm:bg/>
+      <dgm:whole/>
+    </dgm:dataModel>
+  </dgm:clrData>
+  <dgm:layoutNode name="diagram">
+    <dgm:varLst>
+      <dgm:dir/>
+      <dgm:resizeHandles/>
+    </dgm:varLst>
+    <dgm:choose name="Name0">
+      <dgm:if name="Name1" func="var" arg="dir" op="equ" val="norm">
+        <dgm:alg type="snake">
+          <dgm:param type="grDir" val="tL"/>
+          <dgm:param type="flowDir" val="col"/>
+          <dgm:param type="contDir" val="revDir"/>
+        </dgm:alg>
+      </dgm:if>
+      <dgm:else name="Name2">
+        <dgm:alg type="snake">
+          <dgm:param type="grDir" val="tR"/>
+          <dgm:param type="flowDir" val="col"/>
+          <dgm:param type="contDir" val="revDir"/>
+        </dgm:alg>
+      </dgm:else>
+    </dgm:choose>
+    <dgm:shape xmlns:r="http://schemas.openxmlformats.org/officeDocument/2006/relationships" r:blip="">
+      <dgm:adjLst/>
+    </dgm:shape>
+    <dgm:presOf/>
+    <dgm:constrLst>
+      <dgm:constr type="w" for="ch" forName="firstNode" refType="w"/>
+      <dgm:constr type="w" for="ch" forName="lastNode" refType="w" refFor="ch" refForName="firstNode" op="equ"/>
+      <dgm:constr type="w" for="ch" forName="middleNode" refType="w" refFor="ch" refForName="firstNode" op="equ"/>
+      <dgm:constr type="h" for="ch" ptType="sibTrans" refType="w" refFor="ch" refForName="middleNode" op="equ" fact="0.35"/>
+      <dgm:constr type="sp" refType="w" refFor="ch" refForName="middleNode" fact="0.5"/>
+      <dgm:constr type="connDist" for="des" ptType="sibTrans" op="equ"/>
+      <dgm:constr type="primFontSz" for="ch" forName="firstNode" val="65"/>
+      <dgm:constr type="primFontSz" for="ch" forName="lastNode" refType="primFontSz" refFor="ch" refForName="firstNode" op="equ"/>
+      <dgm:constr type="primFontSz" for="des" forName="shape" val="65"/>
+      <dgm:constr type="primFontSz" for="des" forName="shape" refType="primFontSz" refFor="ch" refForName="firstNode" op="lte"/>
+      <dgm:constr type="primFontSz" for="des" forName="shape" refType="primFontSz" refFor="ch" refForName="lastNode" op="lte"/>
+    </dgm:constrLst>
+    <dgm:ruleLst/>
+    <dgm:forEach name="Name3" axis="ch" ptType="node">
+      <dgm:choose name="Name4">
+        <dgm:if name="Name5" axis="self" ptType="node" func="pos" op="equ" val="1">
+          <dgm:layoutNode name="firstNode">
+            <dgm:varLst>
+              <dgm:bulletEnabled val="1"/>
+            </dgm:varLst>
+            <dgm:alg type="tx">
+              <dgm:param type="txAnchorVertCh" val="mid"/>
+            </dgm:alg>
+            <dgm:shape xmlns:r="http://schemas.openxmlformats.org/officeDocument/2006/relationships" type="ellipse" r:blip="">
+              <dgm:adjLst/>
+            </dgm:shape>
+            <dgm:presOf axis="desOrSelf" ptType="node"/>
+            <dgm:constrLst>
+              <dgm:constr type="h" refType="w"/>
+              <dgm:constr type="tMarg" refType="primFontSz" fact="0.1"/>
+              <dgm:constr type="bMarg" refType="primFontSz" fact="0.1"/>
+              <dgm:constr type="lMarg" refType="primFontSz" fact="0.1"/>
+              <dgm:constr type="rMarg" refType="primFontSz" fact="0.1"/>
+            </dgm:constrLst>
+            <dgm:ruleLst>
+              <dgm:rule type="primFontSz" val="5" fact="NaN" max="NaN"/>
+            </dgm:ruleLst>
+          </dgm:layoutNode>
+        </dgm:if>
+        <dgm:if name="Name6" axis="self" ptType="node" func="revPos" op="equ" val="1">
+          <dgm:layoutNode name="lastNode">
+            <dgm:varLst>
+              <dgm:bulletEnabled val="1"/>
+            </dgm:varLst>
+            <dgm:alg type="tx">
+              <dgm:param type="txAnchorVertCh" val="mid"/>
+            </dgm:alg>
+            <dgm:shape xmlns:r="http://schemas.openxmlformats.org/officeDocument/2006/relationships" type="ellipse" r:blip="">
+              <dgm:adjLst/>
+            </dgm:shape>
+            <dgm:presOf axis="desOrSelf" ptType="node"/>
+            <dgm:constrLst>
+              <dgm:constr type="h" refType="w"/>
+              <dgm:constr type="tMarg" refType="primFontSz" fact="0.1"/>
+              <dgm:constr type="bMarg" refType="primFontSz" fact="0.1"/>
+              <dgm:constr type="lMarg" refType="primFontSz" fact="0.1"/>
+              <dgm:constr type="rMarg" refType="primFontSz" fact="0.1"/>
+            </dgm:constrLst>
+            <dgm:ruleLst>
+              <dgm:rule type="primFontSz" val="5" fact="NaN" max="NaN"/>
+            </dgm:ruleLst>
+          </dgm:layoutNode>
+        </dgm:if>
+        <dgm:else name="Name7">
+          <dgm:layoutNode name="middleNode">
+            <dgm:alg type="composite"/>
+            <dgm:shape xmlns:r="http://schemas.openxmlformats.org/officeDocument/2006/relationships" r:blip="">
+              <dgm:adjLst/>
+            </dgm:shape>
+            <dgm:presOf/>
+            <dgm:constrLst>
+              <dgm:constr type="h" refType="w"/>
+              <dgm:constr type="w" for="ch" forName="padding" refType="w"/>
+              <dgm:constr type="h" for="ch" forName="padding" refType="h"/>
+              <dgm:constr type="w" for="ch" forName="shape" refType="w" fact="0.667"/>
+              <dgm:constr type="h" for="ch" forName="shape" refType="h" fact="0.667"/>
+              <dgm:constr type="ctrX" for="ch" forName="shape" refType="w" fact="0.5"/>
+              <dgm:constr type="ctrY" for="ch" forName="shape" refType="h" fact="0.5"/>
+            </dgm:constrLst>
+            <dgm:ruleLst/>
+            <dgm:layoutNode name="padding">
+              <dgm:alg type="sp"/>
+              <dgm:shape xmlns:r="http://schemas.openxmlformats.org/officeDocument/2006/relationships" type="ellipse" r:blip="" hideGeom="1">
+                <dgm:adjLst/>
+              </dgm:shape>
+              <dgm:presOf/>
+              <dgm:constrLst/>
+              <dgm:ruleLst/>
+            </dgm:layoutNode>
+            <dgm:layoutNode name="shape">
+              <dgm:varLst>
+                <dgm:bulletEnabled val="1"/>
+              </dgm:varLst>
+              <dgm:alg type="tx">
+                <dgm:param type="txAnchorVertCh" val="mid"/>
+              </dgm:alg>
+              <dgm:shape xmlns:r="http://schemas.openxmlformats.org/officeDocument/2006/relationships" type="ellipse" r:blip="">
+                <dgm:adjLst/>
+              </dgm:shape>
+              <dgm:presOf axis="desOrSelf" ptType="node"/>
+              <dgm:constrLst>
+                <dgm:constr type="h" refType="w"/>
+                <dgm:constr type="tMarg" refType="primFontSz" fact="0.1"/>
+                <dgm:constr type="bMarg" refType="primFontSz" fact="0.1"/>
+                <dgm:constr type="lMarg" refType="primFontSz" fact="0.1"/>
+                <dgm:constr type="rMarg" refType="primFontSz" fact="0.1"/>
+              </dgm:constrLst>
+              <dgm:ruleLst>
+                <dgm:rule type="primFontSz" val="5" fact="NaN" max="NaN"/>
+              </dgm:ruleLst>
+            </dgm:layoutNode>
+          </dgm:layoutNode>
+        </dgm:else>
+      </dgm:choose>
+      <dgm:forEach name="Name8" axis="followSib" ptType="sibTrans" cnt="1">
+        <dgm:layoutNode name="sibTrans">
+          <dgm:choose name="Name9">
+            <dgm:if name="Name10" func="var" arg="dir" op="equ" val="norm">
+              <dgm:choose name="Name11">
+                <dgm:if name="Name12" axis="self" ptType="sibTrans" func="pos" op="equ" val="1">
+                  <dgm:alg type="conn">
+                    <dgm:param type="begPts" val="auto"/>
+                    <dgm:param type="endPts" val="auto"/>
+                    <dgm:param type="srcNode" val="firstNode"/>
+                    <dgm:param type="dstNode" val="shape"/>
+                  </dgm:alg>
+                </dgm:if>
+                <dgm:if name="Name13" axis="self" ptType="sibTrans" func="revPos" op="equ" val="1">
+                  <dgm:alg type="conn">
+                    <dgm:param type="begPts" val="auto"/>
+                    <dgm:param type="endPts" val="auto"/>
+                    <dgm:param type="srcNode" val="shape"/>
+                    <dgm:param type="dstNode" val="lastNode"/>
+                  </dgm:alg>
+                </dgm:if>
+                <dgm:else name="Name14">
+                  <dgm:alg type="conn">
+                    <dgm:param type="begPts" val="auto"/>
+                    <dgm:param type="endPts" val="auto"/>
+                    <dgm:param type="srcNode" val="shape"/>
+                    <dgm:param type="dstNode" val="shape"/>
+                  </dgm:alg>
+                </dgm:else>
+              </dgm:choose>
+            </dgm:if>
+            <dgm:else name="Name15">
+              <dgm:choose name="Name16">
+                <dgm:if name="Name17" axis="self" ptType="sibTrans" func="pos" op="equ" val="1">
+                  <dgm:alg type="conn">
+                    <dgm:param type="begPts" val="auto"/>
+                    <dgm:param type="endPts" val="auto"/>
+                    <dgm:param type="srcNode" val="firstNode"/>
+                    <dgm:param type="dstNode" val="shape"/>
+                  </dgm:alg>
+                </dgm:if>
+                <dgm:if name="Name18" axis="self" ptType="sibTrans" func="revPos" op="equ" val="1">
+                  <dgm:alg type="conn">
+                    <dgm:param type="begPts" val="auto"/>
+                    <dgm:param type="endPts" val="auto"/>
+                    <dgm:param type="srcNode" val="shape"/>
+                    <dgm:param type="dstNode" val="lastNode"/>
+                  </dgm:alg>
+                </dgm:if>
+                <dgm:else name="Name19">
+                  <dgm:alg type="conn">
+                    <dgm:param type="begPts" val="auto"/>
+                    <dgm:param type="endPts" val="auto"/>
+                    <dgm:param type="srcNode" val="shape"/>
+                    <dgm:param type="dstNode" val="shape"/>
+                  </dgm:alg>
+                </dgm:else>
+              </dgm:choose>
+            </dgm:else>
+          </dgm:choose>
+          <dgm:shape xmlns:r="http://schemas.openxmlformats.org/officeDocument/2006/relationships" rot="90" type="triangle" r:blip="">
+            <dgm:adjLst/>
+          </dgm:shape>
+          <dgm:presOf axis="self"/>
+          <dgm:constrLst>
+            <dgm:constr type="w" refType="h"/>
+            <dgm:constr type="connDist"/>
+            <dgm:constr type="begPad" refType="connDist" fact="0.25"/>
+            <dgm:constr type="endPad" refType="connDist" fact="0.22"/>
+          </dgm:constrLst>
+          <dgm:ruleLst/>
+        </dgm:layoutNode>
+      </dgm:forEach>
+    </dgm:forEach>
+  </dgm:layoutNode>
+</dgm:layoutDef>
+</file>
+
+<file path=ppt/diagrams/quickStyle1.xml><?xml version="1.0" encoding="utf-8"?>
+<dgm:styleDef xmlns:dgm="http://schemas.openxmlformats.org/drawingml/2006/diagram" xmlns:a="http://schemas.openxmlformats.org/drawingml/2006/main" uniqueId="urn:microsoft.com/office/officeart/2005/8/quickstyle/simple1">
+  <dgm:title val=""/>
+  <dgm:desc val=""/>
+  <dgm:catLst>
+    <dgm:cat type="simple" pri="10100"/>
+  </dgm:catLst>
+  <dgm:scene3d>
+    <a:camera prst="orthographicFront"/>
+    <a:lightRig rig="threePt" dir="t"/>
+  </dgm:scene3d>
+  <dgm:styleLbl name="node0">
+    <dgm:scene3d>
+      <a:camera prst="orthographicFront"/>
+      <a:lightRig rig="threePt" dir="t"/>
+    </dgm:scene3d>
+    <dgm:sp3d/>
+    <dgm:txPr/>
+    <dgm:style>
+      <a:lnRef idx="2">
+        <a:scrgbClr r="0" g="0" b="0"/>
+      </a:lnRef>
+      <a:fillRef idx="1">
+        <a:scrgbClr r="0" g="0" b="0"/>
+      </a:fillRef>
+      <a:effectRef idx="0">
+        <a:scrgbClr r="0" g="0" b="0"/>
+      </a:effectRef>
+      <a:fontRef idx="minor">
+        <a:schemeClr val="lt1"/>
+      </a:fontRef>
+    </dgm:style>
+  </dgm:styleLbl>
+  <dgm:styleLbl name="lnNode1">
+    <dgm:scene3d>
+      <a:camera prst="orthographicFront"/>
+      <a:lightRig rig="threePt" dir="t"/>
+    </dgm:scene3d>
+    <dgm:sp3d/>
+    <dgm:txPr/>
+    <dgm:style>
+      <a:lnRef idx="2">
+        <a:scrgbClr r="0" g="0" b="0"/>
+      </a:lnRef>
+      <a:fillRef idx="1">
+        <a:scrgbClr r="0" g="0" b="0"/>
+      </a:fillRef>
+      <a:effectRef idx="0">
+        <a:scrgbClr r="0" g="0" b="0"/>
+      </a:effectRef>
+      <a:fontRef idx="minor">
+        <a:schemeClr val="lt1"/>
+      </a:fontRef>
+    </dgm:style>
+  </dgm:styleLbl>
+  <dgm:styleLbl name="vennNode1">
+    <dgm:scene3d>
+      <a:camera prst="orthographicFront"/>
+      <a:lightRig rig="threePt" dir="t"/>
+    </dgm:scene3d>
+    <dgm:sp3d/>
+    <dgm:txPr/>
+    <dgm:style>
+      <a:lnRef idx="2">
+        <a:scrgbClr r="0" g="0" b="0"/>
+      </a:lnRef>
+      <a:fillRef idx="1">
+        <a:scrgbClr r="0" g="0" b="0"/>
+      </a:fillRef>
+      <a:effectRef idx="0">
+        <a:scrgbClr r="0" g="0" b="0"/>
+      </a:effectRef>
+      <a:fontRef idx="minor">
+        <a:schemeClr val="tx1"/>
+      </a:fontRef>
+    </dgm:style>
+  </dgm:styleLbl>
+  <dgm:styleLbl name="alignNode1">
+    <dgm:scene3d>
+      <a:camera prst="orthographicFront"/>
+      <a:lightRig rig="threePt" dir="t"/>
+    </dgm:scene3d>
+    <dgm:sp3d/>
+    <dgm:txPr/>
+    <dgm:style>
+      <a:lnRef idx="2">
+        <a:scrgbClr r="0" g="0" b="0"/>
+      </a:lnRef>
+      <a:fillRef idx="1">
+        <a:scrgbClr r="0" g="0" b="0"/>
+      </a:fillRef>
+      <a:effectRef idx="0">
+        <a:scrgbClr r="0" g="0" b="0"/>
+      </a:effectRef>
+      <a:fontRef idx="minor">
+        <a:schemeClr val="lt1"/>
+      </a:fontRef>
+    </dgm:style>
+  </dgm:styleLbl>
+  <dgm:styleLbl name="node1">
+    <dgm:scene3d>
+      <a:camera prst="orthographicFront"/>
+      <a:lightRig rig="threePt" dir="t"/>
+    </dgm:scene3d>
+    <dgm:sp3d/>
+    <dgm:txPr/>
+    <dgm:style>
+      <a:lnRef idx="2">
+        <a:scrgbClr r="0" g="0" b="0"/>
+      </a:lnRef>
+      <a:fillRef idx="1">
+        <a:scrgbClr r="0" g="0" b="0"/>
+      </a:fillRef>
+      <a:effectRef idx="0">
+        <a:scrgbClr r="0" g="0" b="0"/>
+      </a:effectRef>
+      <a:fontRef idx="minor">
+        <a:schemeClr val="lt1"/>
+      </a:fontRef>
+    </dgm:style>
+  </dgm:styleLbl>
+  <dgm:styleLbl name="node2">
+    <dgm:scene3d>
+      <a:camera prst="orthographicFront"/>
+      <a:lightRig rig="threePt" dir="t"/>
+    </dgm:scene3d>
+    <dgm:sp3d/>
+    <dgm:txPr/>
+    <dgm:style>
+      <a:lnRef idx="2">
+        <a:scrgbClr r="0" g="0" b="0"/>
+      </a:lnRef>
+      <a:fillRef idx="1">
+        <a:scrgbClr r="0" g="0" b="0"/>
+      </a:fillRef>
+      <a:effectRef idx="0">
+        <a:scrgbClr r="0" g="0" b="0"/>
+      </a:effectRef>
+      <a:fontRef idx="minor">
+        <a:schemeClr val="lt1"/>
+      </a:fontRef>
+    </dgm:style>
+  </dgm:styleLbl>
+  <dgm:styleLbl name="node3">
+    <dgm:scene3d>
+      <a:camera prst="orthographicFront"/>
+      <a:lightRig rig="threePt" dir="t"/>
+    </dgm:scene3d>
+    <dgm:sp3d/>
+    <dgm:txPr/>
+    <dgm:style>
+      <a:lnRef idx="2">
+        <a:scrgbClr r="0" g="0" b="0"/>
+      </a:lnRef>
+      <a:fillRef idx="1">
+        <a:scrgbClr r="0" g="0" b="0"/>
+      </a:fillRef>
+      <a:effectRef idx="0">
+        <a:scrgbClr r="0" g="0" b="0"/>
+      </a:effectRef>
+      <a:fontRef idx="minor">
+        <a:schemeClr val="lt1"/>
+      </a:fontRef>
+    </dgm:style>
+  </dgm:styleLbl>
+  <dgm:styleLbl name="node4">
+    <dgm:scene3d>
+      <a:camera prst="orthographicFront"/>
+      <a:lightRig rig="threePt" dir="t"/>
+    </dgm:scene3d>
+    <dgm:sp3d/>
+    <dgm:txPr/>
+    <dgm:style>
+      <a:lnRef idx="2">
+        <a:scrgbClr r="0" g="0" b="0"/>
+      </a:lnRef>
+      <a:fillRef idx="1">
+        <a:scrgbClr r="0" g="0" b="0"/>
+      </a:fillRef>
+      <a:effectRef idx="0">
+        <a:scrgbClr r="0" g="0" b="0"/>
+      </a:effectRef>
+      <a:fontRef idx="minor">
+        <a:schemeClr val="lt1"/>
+      </a:fontRef>
+    </dgm:style>
+  </dgm:styleLbl>
+  <dgm:styleLbl name="fgImgPlace1">
+    <dgm:scene3d>
+      <a:camera prst="orthographicFront"/>
+      <a:lightRig rig="threePt" dir="t"/>
+    </dgm:scene3d>
+    <dgm:sp3d/>
+    <dgm:txPr/>
+    <dgm:style>
+      <a:lnRef idx="2">
+        <a:scrgbClr r="0" g="0" b="0"/>
+      </a:lnRef>
+      <a:fillRef idx="1">
+        <a:scrgbClr r="0" g="0" b="0"/>
+      </a:fillRef>
+      <a:effectRef idx="0">
+        <a:scrgbClr r="0" g="0" b="0"/>
+      </a:effectRef>
+      <a:fontRef idx="minor"/>
+    </dgm:style>
+  </dgm:styleLbl>
+  <dgm:styleLbl name="alignImgPlace1">
+    <dgm:scene3d>
+      <a:camera prst="orthographicFront"/>
+      <a:lightRig rig="threePt" dir="t"/>
+    </dgm:scene3d>
+    <dgm:sp3d/>
+    <dgm:txPr/>
+    <dgm:style>
+      <a:lnRef idx="2">
+        <a:scrgbClr r="0" g="0" b="0"/>
+      </a:lnRef>
+      <a:fillRef idx="1">
+        <a:scrgbClr r="0" g="0" b="0"/>
+      </a:fillRef>
+      <a:effectRef idx="0">
+        <a:scrgbClr r="0" g="0" b="0"/>
+      </a:effectRef>
+      <a:fontRef idx="minor"/>
+    </dgm:style>
+  </dgm:styleLbl>
+  <dgm:styleLbl name="bgImgPlace1">
+    <dgm:scene3d>
+      <a:camera prst="orthographicFront"/>
+      <a:lightRig rig="threePt" dir="t"/>
+    </dgm:scene3d>
+    <dgm:sp3d/>
+    <dgm:txPr/>
+    <dgm:style>
+      <a:lnRef idx="2">
+        <a:scrgbClr r="0" g="0" b="0"/>
+      </a:lnRef>
+      <a:fillRef idx="1">
+        <a:scrgbClr r="0" g="0" b="0"/>
+      </a:fillRef>
+      <a:effectRef idx="0">
+        <a:scrgbClr r="0" g="0" b="0"/>
+      </a:effectRef>
+      <a:fontRef idx="minor"/>
+    </dgm:style>
+  </dgm:styleLbl>
+  <dgm:styleLbl name="sibTrans2D1">
+    <dgm:scene3d>
+      <a:camera prst="orthographicFront"/>
+      <a:lightRig rig="threePt" dir="t"/>
+    </dgm:scene3d>
+    <dgm:sp3d/>
+    <dgm:txPr/>
+    <dgm:style>
+      <a:lnRef idx="0">
+        <a:scrgbClr r="0" g="0" b="0"/>
+      </a:lnRef>
+      <a:fillRef idx="1">
+        <a:scrgbClr r="0" g="0" b="0"/>
+      </a:fillRef>
+      <a:effectRef idx="0">
+        <a:scrgbClr r="0" g="0" b="0"/>
+      </a:effectRef>
+      <a:fontRef idx="minor">
+        <a:schemeClr val="lt1"/>
+      </a:fontRef>
+    </dgm:style>
+  </dgm:styleLbl>
+  <dgm:styleLbl name="fgSibTrans2D1">
+    <dgm:scene3d>
+      <a:camera prst="orthographicFront"/>
+      <a:lightRig rig="threePt" dir="t"/>
+    </dgm:scene3d>
+    <dgm:sp3d/>
+    <dgm:txPr/>
+    <dgm:style>
+      <a:lnRef idx="0">
+        <a:scrgbClr r="0" g="0" b="0"/>
+      </a:lnRef>
+      <a:fillRef idx="1">
+        <a:scrgbClr r="0" g="0" b="0"/>
+      </a:fillRef>
+      <a:effectRef idx="0">
+        <a:scrgbClr r="0" g="0" b="0"/>
+      </a:effectRef>
+      <a:fontRef idx="minor">
+        <a:schemeClr val="lt1"/>
+      </a:fontRef>
+    </dgm:style>
+  </dgm:styleLbl>
+  <dgm:styleLbl name="bgSibTrans2D1">
+    <dgm:scene3d>
+      <a:camera prst="orthographicFront"/>
+      <a:lightRig rig="threePt" dir="t"/>
+    </dgm:scene3d>
+    <dgm:sp3d/>
+    <dgm:txPr/>
+    <dgm:style>
+      <a:lnRef idx="0">
+        <a:scrgbClr r="0" g="0" b="0"/>
+      </a:lnRef>
+      <a:fillRef idx="1">
+        <a:scrgbClr r="0" g="0" b="0"/>
+      </a:fillRef>
+      <a:effectRef idx="0">
+        <a:scrgbClr r="0" g="0" b="0"/>
+      </a:effectRef>
+      <a:fontRef idx="minor">
+        <a:schemeClr val="lt1"/>
+      </a:fontRef>
+    </dgm:style>
+  </dgm:styleLbl>
+  <dgm:styleLbl name="sibTrans1D1">
+    <dgm:scene3d>
+      <a:camera prst="orthographicFront"/>
+      <a:lightRig rig="threePt" dir="t"/>
+    </dgm:scene3d>
+    <dgm:sp3d/>
+    <dgm:txPr/>
+    <dgm:style>
+      <a:lnRef idx="1">
+        <a:scrgbClr r="0" g="0" b="0"/>
+      </a:lnRef>
+      <a:fillRef idx="0">
+        <a:scrgbClr r="0" g="0" b="0"/>
+      </a:fillRef>
+      <a:effectRef idx="0">
+        <a:scrgbClr r="0" g="0" b="0"/>
+      </a:effectRef>
+      <a:fontRef idx="minor"/>
+    </dgm:style>
+  </dgm:styleLbl>
+  <dgm:styleLbl name="callout">
+    <dgm:scene3d>
+      <a:camera prst="orthographicFront"/>
+      <a:lightRig rig="threePt" dir="t"/>
+    </dgm:scene3d>
+    <dgm:sp3d/>
+    <dgm:txPr/>
+    <dgm:style>
+      <a:lnRef idx="2">
+        <a:scrgbClr r="0" g="0" b="0"/>
+      </a:lnRef>
+      <a:fillRef idx="1">
+        <a:scrgbClr r="0" g="0" b="0"/>
+      </a:fillRef>
+      <a:effectRef idx="0">
+        <a:scrgbClr r="0" g="0" b="0"/>
+      </a:effectRef>
+      <a:fontRef idx="minor"/>
+    </dgm:style>
+  </dgm:styleLbl>
+  <dgm:styleLbl name="asst0">
+    <dgm:scene3d>
+      <a:camera prst="orthographicFront"/>
+      <a:lightRig rig="threePt" dir="t"/>
+    </dgm:scene3d>
+    <dgm:sp3d/>
+    <dgm:txPr/>
+    <dgm:style>
+      <a:lnRef idx="2">
+        <a:scrgbClr r="0" g="0" b="0"/>
+      </a:lnRef>
+      <a:fillRef idx="1">
+        <a:scrgbClr r="0" g="0" b="0"/>
+      </a:fillRef>
+      <a:effectRef idx="0">
+        <a:scrgbClr r="0" g="0" b="0"/>
+      </a:effectRef>
+      <a:fontRef idx="minor">
+        <a:schemeClr val="lt1"/>
+      </a:fontRef>
+    </dgm:style>
+  </dgm:styleLbl>
+  <dgm:styleLbl name="asst1">
+    <dgm:scene3d>
+      <a:camera prst="orthographicFront"/>
+      <a:lightRig rig="threePt" dir="t"/>
+    </dgm:scene3d>
+    <dgm:sp3d/>
+    <dgm:txPr/>
+    <dgm:style>
+      <a:lnRef idx="2">
+        <a:scrgbClr r="0" g="0" b="0"/>
+      </a:lnRef>
+      <a:fillRef idx="1">
+        <a:scrgbClr r="0" g="0" b="0"/>
+      </a:fillRef>
+      <a:effectRef idx="0">
+        <a:scrgbClr r="0" g="0" b="0"/>
+      </a:effectRef>
+      <a:fontRef idx="minor">
+        <a:schemeClr val="lt1"/>
+      </a:fontRef>
+    </dgm:style>
+  </dgm:styleLbl>
+  <dgm:styleLbl name="asst2">
+    <dgm:scene3d>
+      <a:camera prst="orthographicFront"/>
+      <a:lightRig rig="threePt" dir="t"/>
+    </dgm:scene3d>
+    <dgm:sp3d/>
+    <dgm:txPr/>
+    <dgm:style>
+      <a:lnRef idx="2">
+        <a:scrgbClr r="0" g="0" b="0"/>
+      </a:lnRef>
+      <a:fillRef idx="1">
+        <a:scrgbClr r="0" g="0" b="0"/>
+      </a:fillRef>
+      <a:effectRef idx="0">
+        <a:scrgbClr r="0" g="0" b="0"/>
+      </a:effectRef>
+      <a:fontRef idx="minor">
+        <a:schemeClr val="lt1"/>
+      </a:fontRef>
+    </dgm:style>
+  </dgm:styleLbl>
+  <dgm:styleLbl name="asst3">
+    <dgm:scene3d>
+      <a:camera prst="orthographicFront"/>
+      <a:lightRig rig="threePt" dir="t"/>
+    </dgm:scene3d>
+    <dgm:sp3d/>
+    <dgm:txPr/>
+    <dgm:style>
+      <a:lnRef idx="2">
+        <a:scrgbClr r="0" g="0" b="0"/>
+      </a:lnRef>
+      <a:fillRef idx="1">
+        <a:scrgbClr r="0" g="0" b="0"/>
+      </a:fillRef>
+      <a:effectRef idx="0">
+        <a:scrgbClr r="0" g="0" b="0"/>
+      </a:effectRef>
+      <a:fontRef idx="minor">
+        <a:schemeClr val="lt1"/>
+      </a:fontRef>
+    </dgm:style>
+  </dgm:styleLbl>
+  <dgm:styleLbl name="asst4">
+    <dgm:scene3d>
+      <a:camera prst="orthographicFront"/>
+      <a:lightRig rig="threePt" dir="t"/>
+    </dgm:scene3d>
+    <dgm:sp3d/>
+    <dgm:txPr/>
+    <dgm:style>
+      <a:lnRef idx="2">
+        <a:scrgbClr r="0" g="0" b="0"/>
+      </a:lnRef>
+      <a:fillRef idx="1">
+        <a:scrgbClr r="0" g="0" b="0"/>
+      </a:fillRef>
+      <a:effectRef idx="0">
+        <a:scrgbClr r="0" g="0" b="0"/>
+      </a:effectRef>
+      <a:fontRef idx="minor">
+        <a:schemeClr val="lt1"/>
+      </a:fontRef>
+    </dgm:style>
+  </dgm:styleLbl>
+  <dgm:styleLbl name="parChTrans2D1">
+    <dgm:scene3d>
+      <a:camera prst="orthographicFront"/>
+      <a:lightRig rig="threePt" dir="t"/>
+    </dgm:scene3d>
+    <dgm:sp3d/>
+    <dgm:txPr/>
+    <dgm:style>
+      <a:lnRef idx="2">
+        <a:scrgbClr r="0" g="0" b="0"/>
+      </a:lnRef>
+      <a:fillRef idx="1">
+        <a:scrgbClr r="0" g="0" b="0"/>
+      </a:fillRef>
+      <a:effectRef idx="0">
+        <a:scrgbClr r="0" g="0" b="0"/>
+      </a:effectRef>
+      <a:fontRef idx="minor">
+        <a:schemeClr val="lt1"/>
+      </a:fontRef>
+    </dgm:style>
+  </dgm:styleLbl>
+  <dgm:styleLbl name="parChTrans2D2">
+    <dgm:scene3d>
+      <a:camera prst="orthographicFront"/>
+      <a:lightRig rig="threePt" dir="t"/>
+    </dgm:scene3d>
+    <dgm:sp3d/>
+    <dgm:txPr/>
+    <dgm:style>
+      <a:lnRef idx="2">
+        <a:scrgbClr r="0" g="0" b="0"/>
+      </a:lnRef>
+      <a:fillRef idx="1">
+        <a:scrgbClr r="0" g="0" b="0"/>
+      </a:fillRef>
+      <a:effectRef idx="0">
+        <a:scrgbClr r="0" g="0" b="0"/>
+      </a:effectRef>
+      <a:fontRef idx="minor">
+        <a:schemeClr val="lt1"/>
+      </a:fontRef>
+    </dgm:style>
+  </dgm:styleLbl>
+  <dgm:styleLbl name="parChTrans2D3">
+    <dgm:scene3d>
+      <a:camera prst="orthographicFront"/>
+      <a:lightRig rig="threePt" dir="t"/>
+    </dgm:scene3d>
+    <dgm:sp3d/>
+    <dgm:txPr/>
+    <dgm:style>
+      <a:lnRef idx="2">
+        <a:scrgbClr r="0" g="0" b="0"/>
+      </a:lnRef>
+      <a:fillRef idx="1">
+        <a:scrgbClr r="0" g="0" b="0"/>
+      </a:fillRef>
+      <a:effectRef idx="0">
+        <a:scrgbClr r="0" g="0" b="0"/>
+      </a:effectRef>
+      <a:fontRef idx="minor">
+        <a:schemeClr val="lt1"/>
+      </a:fontRef>
+    </dgm:style>
+  </dgm:styleLbl>
+  <dgm:styleLbl name="parChTrans2D4">
+    <dgm:scene3d>
+      <a:camera prst="orthographicFront"/>
+      <a:lightRig rig="threePt" dir="t"/>
+    </dgm:scene3d>
+    <dgm:sp3d/>
+    <dgm:txPr/>
+    <dgm:style>
+      <a:lnRef idx="2">
+        <a:scrgbClr r="0" g="0" b="0"/>
+      </a:lnRef>
+      <a:fillRef idx="1">
+        <a:scrgbClr r="0" g="0" b="0"/>
+      </a:fillRef>
+      <a:effectRef idx="0">
+        <a:scrgbClr r="0" g="0" b="0"/>
+      </a:effectRef>
+      <a:fontRef idx="minor">
+        <a:schemeClr val="lt1"/>
+      </a:fontRef>
+    </dgm:style>
+  </dgm:styleLbl>
+  <dgm:styleLbl name="parChTrans1D1">
+    <dgm:scene3d>
+      <a:camera prst="orthographicFront"/>
+      <a:lightRig rig="threePt" dir="t"/>
+    </dgm:scene3d>
+    <dgm:sp3d/>
+    <dgm:txPr/>
+    <dgm:style>
+      <a:lnRef idx="2">
+        <a:scrgbClr r="0" g="0" b="0"/>
+      </a:lnRef>
+      <a:fillRef idx="0">
+        <a:scrgbClr r="0" g="0" b="0"/>
+      </a:fillRef>
+      <a:effectRef idx="0">
+        <a:scrgbClr r="0" g="0" b="0"/>
+      </a:effectRef>
+      <a:fontRef idx="minor"/>
+    </dgm:style>
+  </dgm:styleLbl>
+  <dgm:styleLbl name="parChTrans1D2">
+    <dgm:scene3d>
+      <a:camera prst="orthographicFront"/>
+      <a:lightRig rig="threePt" dir="t"/>
+    </dgm:scene3d>
+    <dgm:sp3d/>
+    <dgm:txPr/>
+    <dgm:style>
+      <a:lnRef idx="2">
+        <a:scrgbClr r="0" g="0" b="0"/>
+      </a:lnRef>
+      <a:fillRef idx="0">
+        <a:scrgbClr r="0" g="0" b="0"/>
+      </a:fillRef>
+      <a:effectRef idx="0">
+        <a:scrgbClr r="0" g="0" b="0"/>
+      </a:effectRef>
+      <a:fontRef idx="minor"/>
+    </dgm:style>
+  </dgm:styleLbl>
+  <dgm:styleLbl name="parChTrans1D3">
+    <dgm:scene3d>
+      <a:camera prst="orthographicFront"/>
+      <a:lightRig rig="threePt" dir="t"/>
+    </dgm:scene3d>
+    <dgm:sp3d/>
+    <dgm:txPr/>
+    <dgm:style>
+      <a:lnRef idx="2">
+        <a:scrgbClr r="0" g="0" b="0"/>
+      </a:lnRef>
+      <a:fillRef idx="0">
+        <a:scrgbClr r="0" g="0" b="0"/>
+      </a:fillRef>
+      <a:effectRef idx="0">
+        <a:scrgbClr r="0" g="0" b="0"/>
+      </a:effectRef>
+      <a:fontRef idx="minor"/>
+    </dgm:style>
+  </dgm:styleLbl>
+  <dgm:styleLbl name="parChTrans1D4">
+    <dgm:scene3d>
+      <a:camera prst="orthographicFront"/>
+      <a:lightRig rig="threePt" dir="t"/>
+    </dgm:scene3d>
+    <dgm:sp3d/>
+    <dgm:txPr/>
+    <dgm:style>
+      <a:lnRef idx="2">
+        <a:scrgbClr r="0" g="0" b="0"/>
+      </a:lnRef>
+      <a:fillRef idx="0">
+        <a:scrgbClr r="0" g="0" b="0"/>
+      </a:fillRef>
+      <a:effectRef idx="0">
+        <a:scrgbClr r="0" g="0" b="0"/>
+      </a:effectRef>
+      <a:fontRef idx="minor"/>
+    </dgm:style>
+  </dgm:styleLbl>
+  <dgm:styleLbl name="fgAcc1">
+    <dgm:scene3d>
+      <a:camera prst="orthographicFront"/>
+      <a:lightRig rig="threePt" dir="t"/>
+    </dgm:scene3d>
+    <dgm:sp3d/>
+    <dgm:txPr/>
+    <dgm:style>
+      <a:lnRef idx="2">
+        <a:scrgbClr r="0" g="0" b="0"/>
+      </a:lnRef>
+      <a:fillRef idx="1">
+        <a:scrgbClr r="0" g="0" b="0"/>
+      </a:fillRef>
+      <a:effectRef idx="0">
+        <a:scrgbClr r="0" g="0" b="0"/>
+      </a:effectRef>
+      <a:fontRef idx="minor"/>
+    </dgm:style>
+  </dgm:styleLbl>
+  <dgm:styleLbl name="conFgAcc1">
+    <dgm:scene3d>
+      <a:camera prst="orthographicFront"/>
+      <a:lightRig rig="threePt" dir="t"/>
+    </dgm:scene3d>
+    <dgm:sp3d/>
+    <dgm:txPr/>
+    <dgm:style>
+      <a:lnRef idx="2">
+        <a:scrgbClr r="0" g="0" b="0"/>
+      </a:lnRef>
+      <a:fillRef idx="1">
+        <a:scrgbClr r="0" g="0" b="0"/>
+      </a:fillRef>
+      <a:effectRef idx="0">
+        <a:scrgbClr r="0" g="0" b="0"/>
+      </a:effectRef>
+      <a:fontRef idx="minor"/>
+    </dgm:style>
+  </dgm:styleLbl>
+  <dgm:styleLbl name="alignAcc1">
+    <dgm:scene3d>
+      <a:camera prst="orthographicFront"/>
+      <a:lightRig rig="threePt" dir="t"/>
+    </dgm:scene3d>
+    <dgm:sp3d/>
+    <dgm:txPr/>
+    <dgm:style>
+      <a:lnRef idx="2">
+        <a:scrgbClr r="0" g="0" b="0"/>
+      </a:lnRef>
+      <a:fillRef idx="1">
+        <a:scrgbClr r="0" g="0" b="0"/>
+      </a:fillRef>
+      <a:effectRef idx="0">
+        <a:scrgbClr r="0" g="0" b="0"/>
+      </a:effectRef>
+      <a:fontRef idx="minor"/>
+    </dgm:style>
+  </dgm:styleLbl>
+  <dgm:styleLbl name="trAlignAcc1">
+    <dgm:scene3d>
+      <a:camera prst="orthographicFront"/>
+      <a:lightRig rig="threePt" dir="t"/>
+    </dgm:scene3d>
+    <dgm:sp3d/>
+    <dgm:txPr/>
+    <dgm:style>
+      <a:lnRef idx="1">
+        <a:scrgbClr r="0" g="0" b="0"/>
+      </a:lnRef>
+      <a:fillRef idx="1">
+        <a:scrgbClr r="0" g="0" b="0"/>
+      </a:fillRef>
+      <a:effectRef idx="0">
+        <a:scrgbClr r="0" g="0" b="0"/>
+      </a:effectRef>
+      <a:fontRef idx="minor"/>
+    </dgm:style>
+  </dgm:styleLbl>
+  <dgm:styleLbl name="bgAcc1">
+    <dgm:scene3d>
+      <a:camera prst="orthographicFront"/>
+      <a:lightRig rig="threePt" dir="t"/>
+    </dgm:scene3d>
+    <dgm:sp3d/>
+    <dgm:txPr/>
+    <dgm:style>
+      <a:lnRef idx="2">
+        <a:scrgbClr r="0" g="0" b="0"/>
+      </a:lnRef>
+      <a:fillRef idx="1">
+        <a:scrgbClr r="0" g="0" b="0"/>
+      </a:fillRef>
+      <a:effectRef idx="0">
+        <a:scrgbClr r="0" g="0" b="0"/>
+      </a:effectRef>
+      <a:fontRef idx="minor"/>
+    </dgm:style>
+  </dgm:styleLbl>
+  <dgm:styleLbl name="solidFgAcc1">
+    <dgm:scene3d>
+      <a:camera prst="orthographicFront"/>
+      <a:lightRig rig="threePt" dir="t"/>
+    </dgm:scene3d>
+    <dgm:sp3d/>
+    <dgm:txPr/>
+    <dgm:style>
+      <a:lnRef idx="2">
+        <a:scrgbClr r="0" g="0" b="0"/>
+      </a:lnRef>
+      <a:fillRef idx="1">
+        <a:scrgbClr r="0" g="0" b="0"/>
+      </a:fillRef>
+      <a:effectRef idx="0">
+        <a:scrgbClr r="0" g="0" b="0"/>
+      </a:effectRef>
+      <a:fontRef idx="minor"/>
+    </dgm:style>
+  </dgm:styleLbl>
+  <dgm:styleLbl name="solidAlignAcc1">
+    <dgm:scene3d>
+      <a:camera prst="orthographicFront"/>
+      <a:lightRig rig="threePt" dir="t"/>
+    </dgm:scene3d>
+    <dgm:sp3d/>
+    <dgm:txPr/>
+    <dgm:style>
+      <a:lnRef idx="2">
+        <a:scrgbClr r="0" g="0" b="0"/>
+      </a:lnRef>
+      <a:fillRef idx="1">
+        <a:scrgbClr r="0" g="0" b="0"/>
+      </a:fillRef>
+      <a:effectRef idx="0">
+        <a:scrgbClr r="0" g="0" b="0"/>
+      </a:effectRef>
+      <a:fontRef idx="minor"/>
+    </dgm:style>
+  </dgm:styleLbl>
+  <dgm:styleLbl name="solidBgAcc1">
+    <dgm:scene3d>
+      <a:camera prst="orthographicFront"/>
+      <a:lightRig rig="threePt" dir="t"/>
+    </dgm:scene3d>
+    <dgm:sp3d/>
+    <dgm:txPr/>
+    <dgm:style>
+      <a:lnRef idx="2">
+        <a:scrgbClr r="0" g="0" b="0"/>
+      </a:lnRef>
+      <a:fillRef idx="1">
+        <a:scrgbClr r="0" g="0" b="0"/>
+      </a:fillRef>
+      <a:effectRef idx="0">
+        <a:scrgbClr r="0" g="0" b="0"/>
+      </a:effectRef>
+      <a:fontRef idx="minor"/>
+    </dgm:style>
+  </dgm:styleLbl>
+  <dgm:styleLbl name="fgAccFollowNode1">
+    <dgm:scene3d>
+      <a:camera prst="orthographicFront"/>
+      <a:lightRig rig="threePt" dir="t"/>
+    </dgm:scene3d>
+    <dgm:sp3d/>
+    <dgm:txPr/>
+    <dgm:style>
+      <a:lnRef idx="2">
+        <a:scrgbClr r="0" g="0" b="0"/>
+      </a:lnRef>
+      <a:fillRef idx="1">
+        <a:scrgbClr r="0" g="0" b="0"/>
+      </a:fillRef>
+      <a:effectRef idx="0">
+        <a:scrgbClr r="0" g="0" b="0"/>
+      </a:effectRef>
+      <a:fontRef idx="minor"/>
+    </dgm:style>
+  </dgm:styleLbl>
+  <dgm:styleLbl name="alignAccFollowNode1">
+    <dgm:scene3d>
+      <a:camera prst="orthographicFront"/>
+      <a:lightRig rig="threePt" dir="t"/>
+    </dgm:scene3d>
+    <dgm:sp3d/>
+    <dgm:txPr/>
+    <dgm:style>
+      <a:lnRef idx="2">
+        <a:scrgbClr r="0" g="0" b="0"/>
+      </a:lnRef>
+      <a:fillRef idx="1">
+        <a:scrgbClr r="0" g="0" b="0"/>
+      </a:fillRef>
+      <a:effectRef idx="0">
+        <a:scrgbClr r="0" g="0" b="0"/>
+      </a:effectRef>
+      <a:fontRef idx="minor"/>
+    </dgm:style>
+  </dgm:styleLbl>
+  <dgm:styleLbl name="bgAccFollowNode1">
+    <dgm:scene3d>
+      <a:camera prst="orthographicFront"/>
+      <a:lightRig rig="threePt" dir="t"/>
+    </dgm:scene3d>
+    <dgm:sp3d/>
+    <dgm:txPr/>
+    <dgm:style>
+      <a:lnRef idx="2">
+        <a:scrgbClr r="0" g="0" b="0"/>
+      </a:lnRef>
+      <a:fillRef idx="1">
+        <a:scrgbClr r="0" g="0" b="0"/>
+      </a:fillRef>
+      <a:effectRef idx="0">
+        <a:scrgbClr r="0" g="0" b="0"/>
+      </a:effectRef>
+      <a:fontRef idx="minor"/>
+    </dgm:style>
+  </dgm:styleLbl>
+  <dgm:styleLbl name="fgAcc0">
+    <dgm:scene3d>
+      <a:camera prst="orthographicFront"/>
+      <a:lightRig rig="threePt" dir="t"/>
+    </dgm:scene3d>
+    <dgm:sp3d/>
+    <dgm:txPr/>
+    <dgm:style>
+      <a:lnRef idx="2">
+        <a:scrgbClr r="0" g="0" b="0"/>
+      </a:lnRef>
+      <a:fillRef idx="1">
+        <a:scrgbClr r="0" g="0" b="0"/>
+      </a:fillRef>
+      <a:effectRef idx="0">
+        <a:scrgbClr r="0" g="0" b="0"/>
+      </a:effectRef>
+      <a:fontRef idx="minor"/>
+    </dgm:style>
+  </dgm:styleLbl>
+  <dgm:styleLbl name="fgAcc2">
+    <dgm:scene3d>
+      <a:camera prst="orthographicFront"/>
+      <a:lightRig rig="threePt" dir="t"/>
+    </dgm:scene3d>
+    <dgm:sp3d/>
+    <dgm:txPr/>
+    <dgm:style>
+      <a:lnRef idx="2">
+        <a:scrgbClr r="0" g="0" b="0"/>
+      </a:lnRef>
+      <a:fillRef idx="1">
+        <a:scrgbClr r="0" g="0" b="0"/>
+      </a:fillRef>
+      <a:effectRef idx="0">
+        <a:scrgbClr r="0" g="0" b="0"/>
+      </a:effectRef>
+      <a:fontRef idx="minor"/>
+    </dgm:style>
+  </dgm:styleLbl>
+  <dgm:styleLbl name="fgAcc3">
+    <dgm:scene3d>
+      <a:camera prst="orthographicFront"/>
+      <a:lightRig rig="threePt" dir="t"/>
+    </dgm:scene3d>
+    <dgm:sp3d/>
+    <dgm:txPr/>
+    <dgm:style>
+      <a:lnRef idx="2">
+        <a:scrgbClr r="0" g="0" b="0"/>
+      </a:lnRef>
+      <a:fillRef idx="1">
+        <a:scrgbClr r="0" g="0" b="0"/>
+      </a:fillRef>
+      <a:effectRef idx="0">
+        <a:scrgbClr r="0" g="0" b="0"/>
+      </a:effectRef>
+      <a:fontRef idx="minor"/>
+    </dgm:style>
+  </dgm:styleLbl>
+  <dgm:styleLbl name="fgAcc4">
+    <dgm:scene3d>
+      <a:camera prst="orthographicFront"/>
+      <a:lightRig rig="threePt" dir="t"/>
+    </dgm:scene3d>
+    <dgm:sp3d/>
+    <dgm:txPr/>
+    <dgm:style>
+      <a:lnRef idx="2">
+        <a:scrgbClr r="0" g="0" b="0"/>
+      </a:lnRef>
+      <a:fillRef idx="1">
+        <a:scrgbClr r="0" g="0" b="0"/>
+      </a:fillRef>
+      <a:effectRef idx="0">
+        <a:scrgbClr r="0" g="0" b="0"/>
+      </a:effectRef>
+      <a:fontRef idx="minor"/>
+    </dgm:style>
+  </dgm:styleLbl>
+  <dgm:styleLbl name="bgShp">
+    <dgm:scene3d>
+      <a:camera prst="orthographicFront"/>
+      <a:lightRig rig="threePt" dir="t"/>
+    </dgm:scene3d>
+    <dgm:sp3d/>
+    <dgm:txPr/>
+    <dgm:style>
+      <a:lnRef idx="0">
+        <a:scrgbClr r="0" g="0" b="0"/>
+      </a:lnRef>
+      <a:fillRef idx="1">
+        <a:scrgbClr r="0" g="0" b="0"/>
+      </a:fillRef>
+      <a:effectRef idx="0">
+        <a:scrgbClr r="0" g="0" b="0"/>
+      </a:effectRef>
+      <a:fontRef idx="minor"/>
+    </dgm:style>
+  </dgm:styleLbl>
+  <dgm:styleLbl name="dkBgShp">
+    <dgm:scene3d>
+      <a:camera prst="orthographicFront"/>
+      <a:lightRig rig="threePt" dir="t"/>
+    </dgm:scene3d>
+    <dgm:sp3d/>
+    <dgm:txPr/>
+    <dgm:style>
+      <a:lnRef idx="0">
+        <a:scrgbClr r="0" g="0" b="0"/>
+      </a:lnRef>
+      <a:fillRef idx="1">
+        <a:scrgbClr r="0" g="0" b="0"/>
+      </a:fillRef>
+      <a:effectRef idx="0">
+        <a:scrgbClr r="0" g="0" b="0"/>
+      </a:effectRef>
+      <a:fontRef idx="minor"/>
+    </dgm:style>
+  </dgm:styleLbl>
+  <dgm:styleLbl name="trBgShp">
+    <dgm:scene3d>
+      <a:camera prst="orthographicFront"/>
+      <a:lightRig rig="threePt" dir="t"/>
+    </dgm:scene3d>
+    <dgm:sp3d/>
+    <dgm:txPr/>
+    <dgm:style>
+      <a:lnRef idx="0">
+        <a:scrgbClr r="0" g="0" b="0"/>
+      </a:lnRef>
+      <a:fillRef idx="1">
+        <a:scrgbClr r="0" g="0" b="0"/>
+      </a:fillRef>
+      <a:effectRef idx="0">
+        <a:scrgbClr r="0" g="0" b="0"/>
+      </a:effectRef>
+      <a:fontRef idx="minor"/>
+    </dgm:style>
+  </dgm:styleLbl>
+  <dgm:styleLbl name="fgShp">
+    <dgm:scene3d>
+      <a:camera prst="orthographicFront"/>
+      <a:lightRig rig="threePt" dir="t"/>
+    </dgm:scene3d>
+    <dgm:sp3d/>
+    <dgm:txPr/>
+    <dgm:style>
+      <a:lnRef idx="2">
+        <a:scrgbClr r="0" g="0" b="0"/>
+      </a:lnRef>
+      <a:fillRef idx="1">
+        <a:scrgbClr r="0" g="0" b="0"/>
+      </a:fillRef>
+      <a:effectRef idx="0">
+        <a:scrgbClr r="0" g="0" b="0"/>
+      </a:effectRef>
+      <a:fontRef idx="minor"/>
+    </dgm:style>
+  </dgm:styleLbl>
+  <dgm:styleLbl name="revTx">
+    <dgm:scene3d>
+      <a:camera prst="orthographicFront"/>
+      <a:lightRig rig="threePt" dir="t"/>
+    </dgm:scene3d>
+    <dgm:sp3d/>
+    <dgm:txPr/>
+    <dgm:style>
+      <a:lnRef idx="0">
+        <a:scrgbClr r="0" g="0" b="0"/>
+      </a:lnRef>
+      <a:fillRef idx="0">
+        <a:scrgbClr r="0" g="0" b="0"/>
+      </a:fillRef>
+      <a:effectRef idx="0">
+        <a:scrgbClr r="0" g="0" b="0"/>
+      </a:effectRef>
+      <a:fontRef idx="minor"/>
+    </dgm:style>
+  </dgm:styleLbl>
+</dgm:styleDef>
 </file>
 
 <file path=ppt/notesMasters/notesMaster1.xml><?xml version="1.0" encoding="utf-8"?>
@@ -798,7 +3253,7 @@
     </p:spTree>
     <p:extLst>
       <p:ext uri="{BB962C8B-B14F-4D97-AF65-F5344CB8AC3E}">
-        <p14:creationId xmlns:p14="http://schemas.microsoft.com/office/powerpoint/2010/main" val="3597190087"/>
+        <p14:creationId xmlns:p14="http://schemas.microsoft.com/office/powerpoint/2010/main" val="1841048353"/>
       </p:ext>
     </p:extLst>
   </p:cSld>
@@ -1126,7 +3581,7 @@
           <a:bodyPr/>
           <a:lstStyle/>
           <a:p>
-            <a:endParaRPr lang="en-US"/>
+            <a:endParaRPr lang="en-US" dirty="0"/>
           </a:p>
         </p:txBody>
       </p:sp>
@@ -10359,7 +12814,7 @@
     <p:bg>
       <p:bgPr>
         <a:solidFill>
-          <a:srgbClr val="505050"/>
+          <a:schemeClr val="bg1"/>
         </a:solidFill>
         <a:effectLst/>
       </p:bgPr>
@@ -10380,6 +12835,120 @@
       </p:grpSpPr>
       <p:sp>
         <p:nvSpPr>
+          <p:cNvPr id="18" name="Rectangle 7">
+            <a:extLst>
+              <a:ext uri="{FF2B5EF4-FFF2-40B4-BE49-F238E27FC236}">
+                <a16:creationId xmlns:a16="http://schemas.microsoft.com/office/drawing/2014/main" id="{8D70B121-56F4-4848-B38B-182089D909FA}"/>
+              </a:ext>
+            </a:extLst>
+          </p:cNvPr>
+          <p:cNvSpPr>
+            <a:spLocks noGrp="1" noRot="1" noChangeAspect="1" noMove="1" noResize="1" noEditPoints="1" noAdjustHandles="1" noChangeArrowheads="1" noChangeShapeType="1" noTextEdit="1"/>
+          </p:cNvSpPr>
+          <p:nvPr>
+            <p:extLst>
+              <p:ext uri="{386F3935-93C4-4BCD-93E2-E3B085C9AB24}">
+                <p16:designElem xmlns:p16="http://schemas.microsoft.com/office/powerpoint/2015/main" val="1"/>
+              </p:ext>
+            </p:extLst>
+          </p:nvPr>
+        </p:nvSpPr>
+        <p:spPr bwMode="ltGray">
+          <a:xfrm>
+            <a:off x="321564" y="320040"/>
+            <a:ext cx="11548872" cy="6217920"/>
+          </a:xfrm>
+          <a:prstGeom prst="rect">
+            <a:avLst/>
+          </a:prstGeom>
+          <a:solidFill>
+            <a:schemeClr val="tx1">
+              <a:alpha val="8000"/>
+            </a:schemeClr>
+          </a:solidFill>
+          <a:ln w="127000" cap="sq" cmpd="thinThick">
+            <a:noFill/>
+          </a:ln>
+        </p:spPr>
+        <p:style>
+          <a:lnRef idx="2">
+            <a:schemeClr val="accent1">
+              <a:shade val="50000"/>
+            </a:schemeClr>
+          </a:lnRef>
+          <a:fillRef idx="1">
+            <a:schemeClr val="accent1"/>
+          </a:fillRef>
+          <a:effectRef idx="0">
+            <a:schemeClr val="accent1"/>
+          </a:effectRef>
+          <a:fontRef idx="minor">
+            <a:schemeClr val="lt1"/>
+          </a:fontRef>
+        </p:style>
+        <p:txBody>
+          <a:bodyPr rtlCol="0" anchor="ctr"/>
+          <a:lstStyle/>
+          <a:p>
+            <a:pPr algn="ctr"/>
+            <a:endParaRPr lang="en-US"/>
+          </a:p>
+        </p:txBody>
+      </p:sp>
+      <p:cxnSp>
+        <p:nvCxnSpPr>
+          <p:cNvPr id="19" name="Straight Connector 9">
+            <a:extLst>
+              <a:ext uri="{FF2B5EF4-FFF2-40B4-BE49-F238E27FC236}">
+                <a16:creationId xmlns:a16="http://schemas.microsoft.com/office/drawing/2014/main" id="{2D72A2C9-F3CA-4216-8BAD-FA4C970C3C4E}"/>
+              </a:ext>
+            </a:extLst>
+          </p:cNvPr>
+          <p:cNvCxnSpPr>
+            <a:cxnSpLocks noGrp="1" noRot="1" noChangeAspect="1" noMove="1" noResize="1" noEditPoints="1" noAdjustHandles="1" noChangeArrowheads="1" noChangeShapeType="1"/>
+          </p:cNvCxnSpPr>
+          <p:nvPr>
+            <p:extLst>
+              <p:ext uri="{386F3935-93C4-4BCD-93E2-E3B085C9AB24}">
+                <p16:designElem xmlns:p16="http://schemas.microsoft.com/office/powerpoint/2015/main" val="1"/>
+              </p:ext>
+            </p:extLst>
+          </p:nvPr>
+        </p:nvCxnSpPr>
+        <p:spPr>
+          <a:xfrm>
+            <a:off x="4654296" y="2057400"/>
+            <a:ext cx="0" cy="2743200"/>
+          </a:xfrm>
+          <a:prstGeom prst="line">
+            <a:avLst/>
+          </a:prstGeom>
+          <a:ln w="19050">
+            <a:solidFill>
+              <a:schemeClr val="tx1">
+                <a:lumMod val="85000"/>
+                <a:lumOff val="15000"/>
+              </a:schemeClr>
+            </a:solidFill>
+          </a:ln>
+        </p:spPr>
+        <p:style>
+          <a:lnRef idx="1">
+            <a:schemeClr val="accent1"/>
+          </a:lnRef>
+          <a:fillRef idx="0">
+            <a:schemeClr val="accent1"/>
+          </a:fillRef>
+          <a:effectRef idx="0">
+            <a:schemeClr val="accent1"/>
+          </a:effectRef>
+          <a:fontRef idx="minor">
+            <a:schemeClr val="tx1"/>
+          </a:fontRef>
+        </p:style>
+      </p:cxnSp>
+      <p:sp>
+        <p:nvSpPr>
           <p:cNvPr id="2" name="Title 1"/>
           <p:cNvSpPr>
             <a:spLocks noGrp="1"/>
@@ -10388,13 +12957,25 @@
             <p:ph type="title"/>
           </p:nvPr>
         </p:nvSpPr>
-        <p:spPr/>
+        <p:spPr>
+          <a:xfrm>
+            <a:off x="838200" y="963877"/>
+            <a:ext cx="3494362" cy="4930246"/>
+          </a:xfrm>
+        </p:spPr>
         <p:txBody>
-          <a:bodyPr/>
+          <a:bodyPr>
+            <a:normAutofit/>
+          </a:bodyPr>
           <a:lstStyle/>
           <a:p>
-            <a:r>
-              <a:rPr lang="en-US" dirty="0"/>
+            <a:pPr algn="r"/>
+            <a:r>
+              <a:rPr lang="en-US">
+                <a:solidFill>
+                  <a:schemeClr val="accent1"/>
+                </a:solidFill>
+              </a:rPr>
               <a:t>Agenda</a:t>
             </a:r>
           </a:p>
@@ -10410,37 +12991,44 @@
             <p:ph idx="1"/>
           </p:nvPr>
         </p:nvSpPr>
-        <p:spPr/>
+        <p:spPr>
+          <a:xfrm>
+            <a:off x="4976031" y="963877"/>
+            <a:ext cx="6377769" cy="4930246"/>
+          </a:xfrm>
+        </p:spPr>
         <p:txBody>
-          <a:bodyPr/>
+          <a:bodyPr anchor="ctr">
+            <a:normAutofit/>
+          </a:bodyPr>
           <a:lstStyle/>
           <a:p>
             <a:r>
-              <a:rPr lang="en-US" dirty="0"/>
+              <a:rPr lang="en-US" sz="2400"/>
               <a:t>What is the CLI?</a:t>
             </a:r>
           </a:p>
           <a:p>
             <a:r>
-              <a:rPr lang="en-US" dirty="0"/>
+              <a:rPr lang="en-US" sz="2400"/>
               <a:t>Frequently used commands</a:t>
             </a:r>
           </a:p>
           <a:p>
             <a:r>
-              <a:rPr lang="en-US" dirty="0"/>
+              <a:rPr lang="en-US" sz="2400"/>
               <a:t>VS Code integration</a:t>
             </a:r>
           </a:p>
           <a:p>
             <a:r>
-              <a:rPr lang="en-US" dirty="0"/>
+              <a:rPr lang="en-US" sz="2400"/>
               <a:t>VSTS integration</a:t>
             </a:r>
           </a:p>
           <a:p>
             <a:r>
-              <a:rPr lang="en-US" dirty="0"/>
+              <a:rPr lang="en-US" sz="2400"/>
               <a:t>Template creation</a:t>
             </a:r>
           </a:p>
@@ -10800,7 +13388,7 @@
     <p:bg>
       <p:bgPr>
         <a:solidFill>
-          <a:srgbClr val="505050"/>
+          <a:schemeClr val="bg1"/>
         </a:solidFill>
         <a:effectLst/>
       </p:bgPr>
@@ -10821,6 +13409,128 @@
       </p:grpSpPr>
       <p:sp>
         <p:nvSpPr>
+          <p:cNvPr id="12" name="Rectangle 11">
+            <a:extLst>
+              <a:ext uri="{FF2B5EF4-FFF2-40B4-BE49-F238E27FC236}">
+                <a16:creationId xmlns:a16="http://schemas.microsoft.com/office/drawing/2014/main" id="{59A309A7-1751-4ABE-A3C1-EEC40366AD89}"/>
+              </a:ext>
+            </a:extLst>
+          </p:cNvPr>
+          <p:cNvSpPr>
+            <a:spLocks noGrp="1" noRot="1" noChangeAspect="1" noMove="1" noResize="1" noEditPoints="1" noAdjustHandles="1" noChangeArrowheads="1" noChangeShapeType="1" noTextEdit="1"/>
+          </p:cNvSpPr>
+          <p:nvPr>
+            <p:extLst>
+              <p:ext uri="{386F3935-93C4-4BCD-93E2-E3B085C9AB24}">
+                <p16:designElem xmlns:p16="http://schemas.microsoft.com/office/powerpoint/2015/main" val="1"/>
+              </p:ext>
+            </p:extLst>
+          </p:nvPr>
+        </p:nvSpPr>
+        <p:spPr>
+          <a:xfrm>
+            <a:off x="10088880" y="0"/>
+            <a:ext cx="2103120" cy="6858000"/>
+          </a:xfrm>
+          <a:prstGeom prst="rect">
+            <a:avLst/>
+          </a:prstGeom>
+          <a:solidFill>
+            <a:schemeClr val="accent1"/>
+          </a:solidFill>
+          <a:ln>
+            <a:noFill/>
+          </a:ln>
+        </p:spPr>
+        <p:style>
+          <a:lnRef idx="2">
+            <a:schemeClr val="accent1">
+              <a:shade val="50000"/>
+            </a:schemeClr>
+          </a:lnRef>
+          <a:fillRef idx="1">
+            <a:schemeClr val="accent1"/>
+          </a:fillRef>
+          <a:effectRef idx="0">
+            <a:schemeClr val="accent1"/>
+          </a:effectRef>
+          <a:fontRef idx="minor">
+            <a:schemeClr val="lt1"/>
+          </a:fontRef>
+        </p:style>
+        <p:txBody>
+          <a:bodyPr rtlCol="0" anchor="ctr"/>
+          <a:lstStyle/>
+          <a:p>
+            <a:pPr algn="ctr"/>
+            <a:endParaRPr lang="en-US"/>
+          </a:p>
+        </p:txBody>
+      </p:sp>
+      <p:sp>
+        <p:nvSpPr>
+          <p:cNvPr id="14" name="Oval 13">
+            <a:extLst>
+              <a:ext uri="{FF2B5EF4-FFF2-40B4-BE49-F238E27FC236}">
+                <a16:creationId xmlns:a16="http://schemas.microsoft.com/office/drawing/2014/main" id="{967D8EB6-EAE1-4F9C-B398-83321E287204}"/>
+              </a:ext>
+            </a:extLst>
+          </p:cNvPr>
+          <p:cNvSpPr>
+            <a:spLocks noGrp="1" noRot="1" noChangeAspect="1" noMove="1" noResize="1" noEditPoints="1" noAdjustHandles="1" noChangeArrowheads="1" noChangeShapeType="1" noTextEdit="1"/>
+          </p:cNvSpPr>
+          <p:nvPr>
+            <p:extLst>
+              <p:ext uri="{386F3935-93C4-4BCD-93E2-E3B085C9AB24}">
+                <p16:designElem xmlns:p16="http://schemas.microsoft.com/office/powerpoint/2015/main" val="1"/>
+              </p:ext>
+            </p:extLst>
+          </p:nvPr>
+        </p:nvSpPr>
+        <p:spPr>
+          <a:xfrm>
+            <a:off x="8915400" y="2358913"/>
+            <a:ext cx="2140172" cy="2140172"/>
+          </a:xfrm>
+          <a:prstGeom prst="ellipse">
+            <a:avLst/>
+          </a:prstGeom>
+          <a:solidFill>
+            <a:srgbClr val="FFFFFF"/>
+          </a:solidFill>
+          <a:ln>
+            <a:solidFill>
+              <a:srgbClr val="396A9B"/>
+            </a:solidFill>
+          </a:ln>
+        </p:spPr>
+        <p:style>
+          <a:lnRef idx="2">
+            <a:schemeClr val="accent1">
+              <a:shade val="50000"/>
+            </a:schemeClr>
+          </a:lnRef>
+          <a:fillRef idx="1">
+            <a:schemeClr val="accent1"/>
+          </a:fillRef>
+          <a:effectRef idx="0">
+            <a:schemeClr val="accent1"/>
+          </a:effectRef>
+          <a:fontRef idx="minor">
+            <a:schemeClr val="lt1"/>
+          </a:fontRef>
+        </p:style>
+        <p:txBody>
+          <a:bodyPr rtlCol="0" anchor="ctr"/>
+          <a:lstStyle/>
+          <a:p>
+            <a:pPr algn="ctr"/>
+            <a:endParaRPr lang="en-US"/>
+          </a:p>
+        </p:txBody>
+      </p:sp>
+      <p:sp>
+        <p:nvSpPr>
           <p:cNvPr id="2" name="Title 1"/>
           <p:cNvSpPr>
             <a:spLocks noGrp="1"/>
@@ -10829,14 +13539,1110 @@
             <p:ph type="title"/>
           </p:nvPr>
         </p:nvSpPr>
-        <p:spPr/>
+        <p:spPr>
+          <a:xfrm>
+            <a:off x="1136428" y="627564"/>
+            <a:ext cx="7474172" cy="1325563"/>
+          </a:xfrm>
+        </p:spPr>
         <p:txBody>
-          <a:bodyPr/>
+          <a:bodyPr>
+            <a:normAutofit/>
+          </a:bodyPr>
           <a:lstStyle/>
           <a:p>
             <a:r>
-              <a:rPr lang="en-US" dirty="0"/>
+              <a:rPr lang="en-US"/>
               <a:t>What is the .NET Core CLI?</a:t>
+            </a:r>
+            <a:endParaRPr lang="en-US" dirty="0"/>
+          </a:p>
+        </p:txBody>
+      </p:sp>
+      <p:sp>
+        <p:nvSpPr>
+          <p:cNvPr id="9" name="Content Placeholder 8">
+            <a:extLst>
+              <a:ext uri="{FF2B5EF4-FFF2-40B4-BE49-F238E27FC236}">
+                <a16:creationId xmlns:a16="http://schemas.microsoft.com/office/drawing/2014/main" id="{D30A03C7-98F2-4D83-8E01-B0A20FA53C5F}"/>
+              </a:ext>
+            </a:extLst>
+          </p:cNvPr>
+          <p:cNvSpPr>
+            <a:spLocks noGrp="1"/>
+          </p:cNvSpPr>
+          <p:nvPr>
+            <p:ph idx="1"/>
+          </p:nvPr>
+        </p:nvSpPr>
+        <p:spPr>
+          <a:xfrm>
+            <a:off x="1136429" y="2278173"/>
+            <a:ext cx="6467867" cy="3450613"/>
+          </a:xfrm>
+        </p:spPr>
+        <p:txBody>
+          <a:bodyPr anchor="ctr">
+            <a:normAutofit/>
+          </a:bodyPr>
+          <a:lstStyle/>
+          <a:p>
+            <a:r>
+              <a:rPr lang="en-US" sz="2400" dirty="0"/>
+              <a:t>Similar to Yeoman</a:t>
+            </a:r>
+          </a:p>
+          <a:p>
+            <a:r>
+              <a:rPr lang="en-US" sz="2400" dirty="0"/>
+              <a:t>Makes command line 1</a:t>
+            </a:r>
+            <a:r>
+              <a:rPr lang="en-US" sz="2400" baseline="30000" dirty="0"/>
+              <a:t>st</a:t>
+            </a:r>
+            <a:r>
+              <a:rPr lang="en-US" sz="2400" dirty="0"/>
+              <a:t> class citizen</a:t>
+            </a:r>
+          </a:p>
+          <a:p>
+            <a:r>
+              <a:rPr lang="en-US" sz="2400" dirty="0"/>
+              <a:t>Works everywhere</a:t>
+            </a:r>
+          </a:p>
+          <a:p>
+            <a:r>
+              <a:rPr lang="en-US" sz="2400" dirty="0"/>
+              <a:t>Side-by-side installs</a:t>
+            </a:r>
+          </a:p>
+          <a:p>
+            <a:endParaRPr lang="en-US" sz="2400" dirty="0"/>
+          </a:p>
+          <a:p>
+            <a:endParaRPr lang="en-US" sz="2400" dirty="0"/>
+          </a:p>
+          <a:p>
+            <a:endParaRPr lang="en-US" sz="2400" dirty="0"/>
+          </a:p>
+        </p:txBody>
+      </p:sp>
+      <p:pic>
+        <p:nvPicPr>
+          <p:cNvPr id="15" name="Picture 2" descr="http://files.softicons.com/download/system-icons/windows-8-metro-icons-by-dakirby309/png/512x512/Folders%20&amp;%20OS/Linux.png">
+            <a:extLst>
+              <a:ext uri="{FF2B5EF4-FFF2-40B4-BE49-F238E27FC236}">
+                <a16:creationId xmlns:a16="http://schemas.microsoft.com/office/drawing/2014/main" id="{A23FE35C-28F2-4087-8FF9-9623579BF992}"/>
+              </a:ext>
+            </a:extLst>
+          </p:cNvPr>
+          <p:cNvPicPr>
+            <a:picLocks noChangeAspect="1" noChangeArrowheads="1"/>
+          </p:cNvPicPr>
+          <p:nvPr/>
+        </p:nvPicPr>
+        <p:blipFill>
+          <a:blip r:embed="rId3" cstate="print">
+            <a:duotone>
+              <a:prstClr val="black"/>
+              <a:schemeClr val="accent5">
+                <a:tint val="45000"/>
+                <a:satMod val="400000"/>
+              </a:schemeClr>
+            </a:duotone>
+            <a:extLst>
+              <a:ext uri="{BEBA8EAE-BF5A-486C-A8C5-ECC9F3942E4B}">
+                <a14:imgProps xmlns:a14="http://schemas.microsoft.com/office/drawing/2010/main">
+                  <a14:imgLayer r:embed="rId4">
+                    <a14:imgEffect>
+                      <a14:backgroundRemoval t="10000" b="90000" l="10000" r="90000"/>
+                    </a14:imgEffect>
+                  </a14:imgLayer>
+                </a14:imgProps>
+              </a:ext>
+              <a:ext uri="{28A0092B-C50C-407E-A947-70E740481C1C}">
+                <a14:useLocalDpi xmlns:a14="http://schemas.microsoft.com/office/drawing/2010/main" val="0"/>
+              </a:ext>
+            </a:extLst>
+          </a:blip>
+          <a:srcRect/>
+          <a:stretch>
+            <a:fillRect/>
+          </a:stretch>
+        </p:blipFill>
+        <p:spPr bwMode="auto">
+          <a:xfrm>
+            <a:off x="9688431" y="3111156"/>
+            <a:ext cx="685261" cy="672753"/>
+          </a:xfrm>
+          <a:prstGeom prst="rect">
+            <a:avLst/>
+          </a:prstGeom>
+          <a:noFill/>
+          <a:extLst>
+            <a:ext uri="{909E8E84-426E-40DD-AFC4-6F175D3DCCD1}">
+              <a14:hiddenFill xmlns:a14="http://schemas.microsoft.com/office/drawing/2010/main">
+                <a:solidFill>
+                  <a:srgbClr val="FFFFFF"/>
+                </a:solidFill>
+              </a14:hiddenFill>
+            </a:ext>
+          </a:extLst>
+        </p:spPr>
+      </p:pic>
+      <p:pic>
+        <p:nvPicPr>
+          <p:cNvPr id="22" name="Picture 21">
+            <a:extLst>
+              <a:ext uri="{FF2B5EF4-FFF2-40B4-BE49-F238E27FC236}">
+                <a16:creationId xmlns:a16="http://schemas.microsoft.com/office/drawing/2014/main" id="{AB4CD500-5EFC-4540-94D0-F1B201B32B26}"/>
+              </a:ext>
+            </a:extLst>
+          </p:cNvPr>
+          <p:cNvPicPr>
+            <a:picLocks noChangeAspect="1"/>
+          </p:cNvPicPr>
+          <p:nvPr/>
+        </p:nvPicPr>
+        <p:blipFill>
+          <a:blip r:embed="rId5" cstate="print">
+            <a:duotone>
+              <a:prstClr val="black"/>
+              <a:schemeClr val="accent5">
+                <a:tint val="45000"/>
+                <a:satMod val="400000"/>
+              </a:schemeClr>
+            </a:duotone>
+            <a:extLst>
+              <a:ext uri="{28A0092B-C50C-407E-A947-70E740481C1C}">
+                <a14:useLocalDpi xmlns:a14="http://schemas.microsoft.com/office/drawing/2010/main" val="0"/>
+              </a:ext>
+            </a:extLst>
+          </a:blip>
+          <a:stretch>
+            <a:fillRect/>
+          </a:stretch>
+        </p:blipFill>
+        <p:spPr>
+          <a:xfrm>
+            <a:off x="10384039" y="3111156"/>
+            <a:ext cx="522593" cy="615273"/>
+          </a:xfrm>
+          <a:prstGeom prst="rect">
+            <a:avLst/>
+          </a:prstGeom>
+        </p:spPr>
+      </p:pic>
+      <p:pic>
+        <p:nvPicPr>
+          <p:cNvPr id="23" name="Picture 6" descr="C:\temp\WinAzure_rgb_Wht_S.png">
+            <a:extLst>
+              <a:ext uri="{FF2B5EF4-FFF2-40B4-BE49-F238E27FC236}">
+                <a16:creationId xmlns:a16="http://schemas.microsoft.com/office/drawing/2014/main" id="{F3AEF8E2-B734-4474-BF32-D3A106BA4094}"/>
+              </a:ext>
+            </a:extLst>
+          </p:cNvPr>
+          <p:cNvPicPr>
+            <a:picLocks noChangeAspect="1" noChangeArrowheads="1"/>
+          </p:cNvPicPr>
+          <p:nvPr/>
+        </p:nvPicPr>
+        <p:blipFill rotWithShape="1">
+          <a:blip r:embed="rId6" cstate="print">
+            <a:duotone>
+              <a:prstClr val="black"/>
+              <a:schemeClr val="accent5">
+                <a:tint val="45000"/>
+                <a:satMod val="400000"/>
+              </a:schemeClr>
+            </a:duotone>
+            <a:extLst>
+              <a:ext uri="{28A0092B-C50C-407E-A947-70E740481C1C}">
+                <a14:useLocalDpi xmlns:a14="http://schemas.microsoft.com/office/drawing/2010/main" val="0"/>
+              </a:ext>
+            </a:extLst>
+          </a:blip>
+          <a:srcRect l="3371" t="15460" r="80628" b="15496"/>
+          <a:stretch/>
+        </p:blipFill>
+        <p:spPr bwMode="auto">
+          <a:xfrm>
+            <a:off x="8980846" y="3111156"/>
+            <a:ext cx="685261" cy="695958"/>
+          </a:xfrm>
+          <a:prstGeom prst="rect">
+            <a:avLst/>
+          </a:prstGeom>
+          <a:noFill/>
+          <a:extLst>
+            <a:ext uri="{909E8E84-426E-40DD-AFC4-6F175D3DCCD1}">
+              <a14:hiddenFill xmlns:a14="http://schemas.microsoft.com/office/drawing/2010/main">
+                <a:solidFill>
+                  <a:srgbClr val="FFFFFF"/>
+                </a:solidFill>
+              </a14:hiddenFill>
+            </a:ext>
+          </a:extLst>
+        </p:spPr>
+      </p:pic>
+    </p:spTree>
+    <p:extLst>
+      <p:ext uri="{BB962C8B-B14F-4D97-AF65-F5344CB8AC3E}">
+        <p14:creationId xmlns:p14="http://schemas.microsoft.com/office/powerpoint/2010/main" val="2331636569"/>
+      </p:ext>
+    </p:extLst>
+  </p:cSld>
+  <p:clrMapOvr>
+    <a:masterClrMapping/>
+  </p:clrMapOvr>
+  <p:timing>
+    <p:tnLst>
+      <p:par>
+        <p:cTn id="1" dur="indefinite" restart="never" nodeType="tmRoot">
+          <p:childTnLst>
+            <p:seq concurrent="1" nextAc="seek">
+              <p:cTn id="2" dur="indefinite" nodeType="mainSeq">
+                <p:childTnLst>
+                  <p:par>
+                    <p:cTn id="3" fill="hold">
+                      <p:stCondLst>
+                        <p:cond delay="indefinite"/>
+                        <p:cond evt="onBegin" delay="0">
+                          <p:tn val="2"/>
+                        </p:cond>
+                      </p:stCondLst>
+                      <p:childTnLst>
+                        <p:par>
+                          <p:cTn id="4" fill="hold">
+                            <p:stCondLst>
+                              <p:cond delay="0"/>
+                            </p:stCondLst>
+                            <p:childTnLst>
+                              <p:par>
+                                <p:cTn id="5" presetID="47" presetClass="entr" presetSubtype="0" fill="hold" nodeType="withEffect">
+                                  <p:stCondLst>
+                                    <p:cond delay="0"/>
+                                  </p:stCondLst>
+                                  <p:childTnLst>
+                                    <p:set>
+                                      <p:cBhvr>
+                                        <p:cTn id="6" dur="1" fill="hold">
+                                          <p:stCondLst>
+                                            <p:cond delay="0"/>
+                                          </p:stCondLst>
+                                        </p:cTn>
+                                        <p:tgtEl>
+                                          <p:spTgt spid="23"/>
+                                        </p:tgtEl>
+                                        <p:attrNameLst>
+                                          <p:attrName>style.visibility</p:attrName>
+                                        </p:attrNameLst>
+                                      </p:cBhvr>
+                                      <p:to>
+                                        <p:strVal val="visible"/>
+                                      </p:to>
+                                    </p:set>
+                                    <p:animEffect transition="in" filter="fade">
+                                      <p:cBhvr>
+                                        <p:cTn id="7" dur="500"/>
+                                        <p:tgtEl>
+                                          <p:spTgt spid="23"/>
+                                        </p:tgtEl>
+                                      </p:cBhvr>
+                                    </p:animEffect>
+                                    <p:anim calcmode="lin" valueType="num">
+                                      <p:cBhvr>
+                                        <p:cTn id="8" dur="500" fill="hold"/>
+                                        <p:tgtEl>
+                                          <p:spTgt spid="23"/>
+                                        </p:tgtEl>
+                                        <p:attrNameLst>
+                                          <p:attrName>ppt_x</p:attrName>
+                                        </p:attrNameLst>
+                                      </p:cBhvr>
+                                      <p:tavLst>
+                                        <p:tav tm="0">
+                                          <p:val>
+                                            <p:strVal val="#ppt_x"/>
+                                          </p:val>
+                                        </p:tav>
+                                        <p:tav tm="100000">
+                                          <p:val>
+                                            <p:strVal val="#ppt_x"/>
+                                          </p:val>
+                                        </p:tav>
+                                      </p:tavLst>
+                                    </p:anim>
+                                    <p:anim calcmode="lin" valueType="num">
+                                      <p:cBhvr>
+                                        <p:cTn id="9" dur="500" fill="hold"/>
+                                        <p:tgtEl>
+                                          <p:spTgt spid="23"/>
+                                        </p:tgtEl>
+                                        <p:attrNameLst>
+                                          <p:attrName>ppt_y</p:attrName>
+                                        </p:attrNameLst>
+                                      </p:cBhvr>
+                                      <p:tavLst>
+                                        <p:tav tm="0">
+                                          <p:val>
+                                            <p:strVal val="#ppt_y-.1"/>
+                                          </p:val>
+                                        </p:tav>
+                                        <p:tav tm="100000">
+                                          <p:val>
+                                            <p:strVal val="#ppt_y"/>
+                                          </p:val>
+                                        </p:tav>
+                                      </p:tavLst>
+                                    </p:anim>
+                                  </p:childTnLst>
+                                </p:cTn>
+                              </p:par>
+                              <p:par>
+                                <p:cTn id="10" presetID="47" presetClass="entr" presetSubtype="0" fill="hold" nodeType="withEffect">
+                                  <p:stCondLst>
+                                    <p:cond delay="0"/>
+                                  </p:stCondLst>
+                                  <p:childTnLst>
+                                    <p:set>
+                                      <p:cBhvr>
+                                        <p:cTn id="11" dur="1" fill="hold">
+                                          <p:stCondLst>
+                                            <p:cond delay="0"/>
+                                          </p:stCondLst>
+                                        </p:cTn>
+                                        <p:tgtEl>
+                                          <p:spTgt spid="15"/>
+                                        </p:tgtEl>
+                                        <p:attrNameLst>
+                                          <p:attrName>style.visibility</p:attrName>
+                                        </p:attrNameLst>
+                                      </p:cBhvr>
+                                      <p:to>
+                                        <p:strVal val="visible"/>
+                                      </p:to>
+                                    </p:set>
+                                    <p:animEffect transition="in" filter="fade">
+                                      <p:cBhvr>
+                                        <p:cTn id="12" dur="500"/>
+                                        <p:tgtEl>
+                                          <p:spTgt spid="15"/>
+                                        </p:tgtEl>
+                                      </p:cBhvr>
+                                    </p:animEffect>
+                                    <p:anim calcmode="lin" valueType="num">
+                                      <p:cBhvr>
+                                        <p:cTn id="13" dur="500" fill="hold"/>
+                                        <p:tgtEl>
+                                          <p:spTgt spid="15"/>
+                                        </p:tgtEl>
+                                        <p:attrNameLst>
+                                          <p:attrName>ppt_x</p:attrName>
+                                        </p:attrNameLst>
+                                      </p:cBhvr>
+                                      <p:tavLst>
+                                        <p:tav tm="0">
+                                          <p:val>
+                                            <p:strVal val="#ppt_x"/>
+                                          </p:val>
+                                        </p:tav>
+                                        <p:tav tm="100000">
+                                          <p:val>
+                                            <p:strVal val="#ppt_x"/>
+                                          </p:val>
+                                        </p:tav>
+                                      </p:tavLst>
+                                    </p:anim>
+                                    <p:anim calcmode="lin" valueType="num">
+                                      <p:cBhvr>
+                                        <p:cTn id="14" dur="500" fill="hold"/>
+                                        <p:tgtEl>
+                                          <p:spTgt spid="15"/>
+                                        </p:tgtEl>
+                                        <p:attrNameLst>
+                                          <p:attrName>ppt_y</p:attrName>
+                                        </p:attrNameLst>
+                                      </p:cBhvr>
+                                      <p:tavLst>
+                                        <p:tav tm="0">
+                                          <p:val>
+                                            <p:strVal val="#ppt_y-.1"/>
+                                          </p:val>
+                                        </p:tav>
+                                        <p:tav tm="100000">
+                                          <p:val>
+                                            <p:strVal val="#ppt_y"/>
+                                          </p:val>
+                                        </p:tav>
+                                      </p:tavLst>
+                                    </p:anim>
+                                  </p:childTnLst>
+                                </p:cTn>
+                              </p:par>
+                              <p:par>
+                                <p:cTn id="15" presetID="47" presetClass="entr" presetSubtype="0" fill="hold" nodeType="withEffect">
+                                  <p:stCondLst>
+                                    <p:cond delay="0"/>
+                                  </p:stCondLst>
+                                  <p:childTnLst>
+                                    <p:set>
+                                      <p:cBhvr>
+                                        <p:cTn id="16" dur="1" fill="hold">
+                                          <p:stCondLst>
+                                            <p:cond delay="0"/>
+                                          </p:stCondLst>
+                                        </p:cTn>
+                                        <p:tgtEl>
+                                          <p:spTgt spid="22"/>
+                                        </p:tgtEl>
+                                        <p:attrNameLst>
+                                          <p:attrName>style.visibility</p:attrName>
+                                        </p:attrNameLst>
+                                      </p:cBhvr>
+                                      <p:to>
+                                        <p:strVal val="visible"/>
+                                      </p:to>
+                                    </p:set>
+                                    <p:animEffect transition="in" filter="fade">
+                                      <p:cBhvr>
+                                        <p:cTn id="17" dur="500"/>
+                                        <p:tgtEl>
+                                          <p:spTgt spid="22"/>
+                                        </p:tgtEl>
+                                      </p:cBhvr>
+                                    </p:animEffect>
+                                    <p:anim calcmode="lin" valueType="num">
+                                      <p:cBhvr>
+                                        <p:cTn id="18" dur="500" fill="hold"/>
+                                        <p:tgtEl>
+                                          <p:spTgt spid="22"/>
+                                        </p:tgtEl>
+                                        <p:attrNameLst>
+                                          <p:attrName>ppt_x</p:attrName>
+                                        </p:attrNameLst>
+                                      </p:cBhvr>
+                                      <p:tavLst>
+                                        <p:tav tm="0">
+                                          <p:val>
+                                            <p:strVal val="#ppt_x"/>
+                                          </p:val>
+                                        </p:tav>
+                                        <p:tav tm="100000">
+                                          <p:val>
+                                            <p:strVal val="#ppt_x"/>
+                                          </p:val>
+                                        </p:tav>
+                                      </p:tavLst>
+                                    </p:anim>
+                                    <p:anim calcmode="lin" valueType="num">
+                                      <p:cBhvr>
+                                        <p:cTn id="19" dur="500" fill="hold"/>
+                                        <p:tgtEl>
+                                          <p:spTgt spid="22"/>
+                                        </p:tgtEl>
+                                        <p:attrNameLst>
+                                          <p:attrName>ppt_y</p:attrName>
+                                        </p:attrNameLst>
+                                      </p:cBhvr>
+                                      <p:tavLst>
+                                        <p:tav tm="0">
+                                          <p:val>
+                                            <p:strVal val="#ppt_y-.1"/>
+                                          </p:val>
+                                        </p:tav>
+                                        <p:tav tm="100000">
+                                          <p:val>
+                                            <p:strVal val="#ppt_y"/>
+                                          </p:val>
+                                        </p:tav>
+                                      </p:tavLst>
+                                    </p:anim>
+                                  </p:childTnLst>
+                                </p:cTn>
+                              </p:par>
+                            </p:childTnLst>
+                          </p:cTn>
+                        </p:par>
+                      </p:childTnLst>
+                    </p:cTn>
+                  </p:par>
+                </p:childTnLst>
+              </p:cTn>
+              <p:prevCondLst>
+                <p:cond evt="onPrev" delay="0">
+                  <p:tgtEl>
+                    <p:sldTgt/>
+                  </p:tgtEl>
+                </p:cond>
+              </p:prevCondLst>
+              <p:nextCondLst>
+                <p:cond evt="onNext" delay="0">
+                  <p:tgtEl>
+                    <p:sldTgt/>
+                  </p:tgtEl>
+                </p:cond>
+              </p:nextCondLst>
+            </p:seq>
+          </p:childTnLst>
+        </p:cTn>
+      </p:par>
+    </p:tnLst>
+  </p:timing>
+</p:sld>
+</file>
+
+<file path=ppt/slides/slide4.xml><?xml version="1.0" encoding="utf-8"?>
+<p:sld xmlns:a="http://schemas.openxmlformats.org/drawingml/2006/main" xmlns:r="http://schemas.openxmlformats.org/officeDocument/2006/relationships" xmlns:p="http://schemas.openxmlformats.org/presentationml/2006/main">
+  <p:cSld>
+    <p:bg>
+      <p:bgPr>
+        <a:solidFill>
+          <a:schemeClr val="bg1"/>
+        </a:solidFill>
+        <a:effectLst/>
+      </p:bgPr>
+    </p:bg>
+    <p:spTree>
+      <p:nvGrpSpPr>
+        <p:cNvPr id="1" name=""/>
+        <p:cNvGrpSpPr/>
+        <p:nvPr/>
+      </p:nvGrpSpPr>
+      <p:grpSpPr>
+        <a:xfrm>
+          <a:off x="0" y="0"/>
+          <a:ext cx="0" cy="0"/>
+          <a:chOff x="0" y="0"/>
+          <a:chExt cx="0" cy="0"/>
+        </a:xfrm>
+      </p:grpSpPr>
+      <p:sp>
+        <p:nvSpPr>
+          <p:cNvPr id="37" name="Rectangle 36">
+            <a:extLst>
+              <a:ext uri="{FF2B5EF4-FFF2-40B4-BE49-F238E27FC236}">
+                <a16:creationId xmlns:a16="http://schemas.microsoft.com/office/drawing/2014/main" id="{08E89D5E-1885-4160-AC77-CC471DD1D0DB}"/>
+              </a:ext>
+            </a:extLst>
+          </p:cNvPr>
+          <p:cNvSpPr>
+            <a:spLocks noGrp="1" noRot="1" noChangeAspect="1" noMove="1" noResize="1" noEditPoints="1" noAdjustHandles="1" noChangeArrowheads="1" noChangeShapeType="1" noTextEdit="1"/>
+          </p:cNvSpPr>
+          <p:nvPr>
+            <p:extLst>
+              <p:ext uri="{386F3935-93C4-4BCD-93E2-E3B085C9AB24}">
+                <p16:designElem xmlns:p16="http://schemas.microsoft.com/office/powerpoint/2015/main" val="1"/>
+              </p:ext>
+            </p:extLst>
+          </p:nvPr>
+        </p:nvSpPr>
+        <p:spPr>
+          <a:xfrm>
+            <a:off x="0" y="0"/>
+            <a:ext cx="4636008" cy="6858000"/>
+          </a:xfrm>
+          <a:prstGeom prst="rect">
+            <a:avLst/>
+          </a:prstGeom>
+          <a:ln>
+            <a:noFill/>
+          </a:ln>
+        </p:spPr>
+        <p:style>
+          <a:lnRef idx="2">
+            <a:schemeClr val="accent1">
+              <a:shade val="50000"/>
+            </a:schemeClr>
+          </a:lnRef>
+          <a:fillRef idx="1">
+            <a:schemeClr val="accent1"/>
+          </a:fillRef>
+          <a:effectRef idx="0">
+            <a:schemeClr val="accent1"/>
+          </a:effectRef>
+          <a:fontRef idx="minor">
+            <a:schemeClr val="lt1"/>
+          </a:fontRef>
+        </p:style>
+        <p:txBody>
+          <a:bodyPr rtlCol="0" anchor="ctr"/>
+          <a:lstStyle/>
+          <a:p>
+            <a:pPr algn="ctr"/>
+            <a:endParaRPr lang="en-US"/>
+          </a:p>
+        </p:txBody>
+      </p:sp>
+      <p:cxnSp>
+        <p:nvCxnSpPr>
+          <p:cNvPr id="39" name="Straight Connector 38">
+            <a:extLst>
+              <a:ext uri="{FF2B5EF4-FFF2-40B4-BE49-F238E27FC236}">
+                <a16:creationId xmlns:a16="http://schemas.microsoft.com/office/drawing/2014/main" id="{550D2BD1-98F9-412D-905B-3A843EF4078B}"/>
+              </a:ext>
+            </a:extLst>
+          </p:cNvPr>
+          <p:cNvCxnSpPr>
+            <a:cxnSpLocks noGrp="1" noRot="1" noChangeAspect="1" noMove="1" noResize="1" noEditPoints="1" noAdjustHandles="1" noChangeArrowheads="1" noChangeShapeType="1"/>
+          </p:cNvCxnSpPr>
+          <p:nvPr>
+            <p:extLst>
+              <p:ext uri="{386F3935-93C4-4BCD-93E2-E3B085C9AB24}">
+                <p16:designElem xmlns:p16="http://schemas.microsoft.com/office/powerpoint/2015/main" val="1"/>
+              </p:ext>
+            </p:extLst>
+          </p:nvPr>
+        </p:nvCxnSpPr>
+        <p:spPr>
+          <a:xfrm flipV="1">
+            <a:off x="762000" y="2971800"/>
+            <a:ext cx="0" cy="914400"/>
+          </a:xfrm>
+          <a:prstGeom prst="line">
+            <a:avLst/>
+          </a:prstGeom>
+          <a:ln w="19050">
+            <a:solidFill>
+              <a:srgbClr val="FFFFFF">
+                <a:alpha val="80000"/>
+              </a:srgbClr>
+            </a:solidFill>
+          </a:ln>
+        </p:spPr>
+        <p:style>
+          <a:lnRef idx="1">
+            <a:schemeClr val="accent1"/>
+          </a:lnRef>
+          <a:fillRef idx="0">
+            <a:schemeClr val="accent1"/>
+          </a:fillRef>
+          <a:effectRef idx="0">
+            <a:schemeClr val="accent1"/>
+          </a:effectRef>
+          <a:fontRef idx="minor">
+            <a:schemeClr val="tx1"/>
+          </a:fontRef>
+        </p:style>
+      </p:cxnSp>
+      <p:sp>
+        <p:nvSpPr>
+          <p:cNvPr id="2" name="Title 1"/>
+          <p:cNvSpPr>
+            <a:spLocks noGrp="1"/>
+          </p:cNvSpPr>
+          <p:nvPr>
+            <p:ph type="title"/>
+          </p:nvPr>
+        </p:nvSpPr>
+        <p:spPr>
+          <a:xfrm>
+            <a:off x="943277" y="712269"/>
+            <a:ext cx="3370998" cy="5502264"/>
+          </a:xfrm>
+        </p:spPr>
+        <p:txBody>
+          <a:bodyPr>
+            <a:normAutofit/>
+          </a:bodyPr>
+          <a:lstStyle/>
+          <a:p>
+            <a:r>
+              <a:rPr lang="en-US">
+                <a:solidFill>
+                  <a:srgbClr val="FFFFFF"/>
+                </a:solidFill>
+              </a:rPr>
+              <a:t>Command structure</a:t>
+            </a:r>
+          </a:p>
+        </p:txBody>
+      </p:sp>
+      <p:graphicFrame>
+        <p:nvGraphicFramePr>
+          <p:cNvPr id="25" name="Content Placeholder 2">
+            <a:extLst>
+              <a:ext uri="{FF2B5EF4-FFF2-40B4-BE49-F238E27FC236}">
+                <a16:creationId xmlns:a16="http://schemas.microsoft.com/office/drawing/2014/main" id="{ACE521B5-ECE1-4913-AA20-6671A019C418}"/>
+              </a:ext>
+            </a:extLst>
+          </p:cNvPr>
+          <p:cNvGraphicFramePr>
+            <a:graphicFrameLocks noGrp="1"/>
+          </p:cNvGraphicFramePr>
+          <p:nvPr>
+            <p:ph idx="1"/>
+            <p:extLst>
+              <p:ext uri="{D42A27DB-BD31-4B8C-83A1-F6EECF244321}">
+                <p14:modId xmlns:p14="http://schemas.microsoft.com/office/powerpoint/2010/main" val="2764445415"/>
+              </p:ext>
+            </p:extLst>
+          </p:nvPr>
+        </p:nvGraphicFramePr>
+        <p:xfrm>
+          <a:off x="5280025" y="642938"/>
+          <a:ext cx="6269038" cy="5572125"/>
+        </p:xfrm>
+        <a:graphic>
+          <a:graphicData uri="http://schemas.openxmlformats.org/drawingml/2006/diagram">
+            <dgm:relIds xmlns:dgm="http://schemas.openxmlformats.org/drawingml/2006/diagram" xmlns:r="http://schemas.openxmlformats.org/officeDocument/2006/relationships" r:dm="rId3" r:lo="rId4" r:qs="rId5" r:cs="rId6"/>
+          </a:graphicData>
+        </a:graphic>
+      </p:graphicFrame>
+    </p:spTree>
+    <p:extLst>
+      <p:ext uri="{BB962C8B-B14F-4D97-AF65-F5344CB8AC3E}">
+        <p14:creationId xmlns:p14="http://schemas.microsoft.com/office/powerpoint/2010/main" val="574758696"/>
+      </p:ext>
+    </p:extLst>
+  </p:cSld>
+  <p:clrMapOvr>
+    <a:masterClrMapping/>
+  </p:clrMapOvr>
+</p:sld>
+</file>
+
+<file path=ppt/slides/slide5.xml><?xml version="1.0" encoding="utf-8"?>
+<p:sld xmlns:a="http://schemas.openxmlformats.org/drawingml/2006/main" xmlns:r="http://schemas.openxmlformats.org/officeDocument/2006/relationships" xmlns:p="http://schemas.openxmlformats.org/presentationml/2006/main">
+  <p:cSld>
+    <p:bg>
+      <p:bgPr>
+        <a:solidFill>
+          <a:schemeClr val="bg1">
+            <a:tint val="95000"/>
+            <a:satMod val="170000"/>
+          </a:schemeClr>
+        </a:solidFill>
+        <a:effectLst/>
+      </p:bgPr>
+    </p:bg>
+    <p:spTree>
+      <p:nvGrpSpPr>
+        <p:cNvPr id="1" name=""/>
+        <p:cNvGrpSpPr/>
+        <p:nvPr/>
+      </p:nvGrpSpPr>
+      <p:grpSpPr>
+        <a:xfrm>
+          <a:off x="0" y="0"/>
+          <a:ext cx="0" cy="0"/>
+          <a:chOff x="0" y="0"/>
+          <a:chExt cx="0" cy="0"/>
+        </a:xfrm>
+      </p:grpSpPr>
+      <p:sp>
+        <p:nvSpPr>
+          <p:cNvPr id="8" name="Rectangle 7">
+            <a:extLst>
+              <a:ext uri="{FF2B5EF4-FFF2-40B4-BE49-F238E27FC236}">
+                <a16:creationId xmlns:a16="http://schemas.microsoft.com/office/drawing/2014/main" id="{E945E29B-B971-41C6-A57B-B29BBB108A39}"/>
+              </a:ext>
+            </a:extLst>
+          </p:cNvPr>
+          <p:cNvSpPr>
+            <a:spLocks noGrp="1" noRot="1" noChangeAspect="1" noMove="1" noResize="1" noEditPoints="1" noAdjustHandles="1" noChangeArrowheads="1" noChangeShapeType="1" noTextEdit="1"/>
+          </p:cNvSpPr>
+          <p:nvPr>
+            <p:extLst>
+              <p:ext uri="{386F3935-93C4-4BCD-93E2-E3B085C9AB24}">
+                <p16:designElem xmlns:p16="http://schemas.microsoft.com/office/powerpoint/2015/main" val="1"/>
+              </p:ext>
+            </p:extLst>
+          </p:nvPr>
+        </p:nvSpPr>
+        <p:spPr>
+          <a:xfrm>
+            <a:off x="0" y="0"/>
+            <a:ext cx="12192000" cy="6858001"/>
+          </a:xfrm>
+          <a:prstGeom prst="rect">
+            <a:avLst/>
+          </a:prstGeom>
+          <a:solidFill>
+            <a:schemeClr val="tx2"/>
+          </a:solidFill>
+          <a:ln>
+            <a:noFill/>
+          </a:ln>
+        </p:spPr>
+        <p:style>
+          <a:lnRef idx="2">
+            <a:schemeClr val="accent1">
+              <a:shade val="50000"/>
+            </a:schemeClr>
+          </a:lnRef>
+          <a:fillRef idx="1">
+            <a:schemeClr val="accent1"/>
+          </a:fillRef>
+          <a:effectRef idx="0">
+            <a:schemeClr val="accent1"/>
+          </a:effectRef>
+          <a:fontRef idx="minor">
+            <a:schemeClr val="lt1"/>
+          </a:fontRef>
+        </p:style>
+        <p:txBody>
+          <a:bodyPr rtlCol="0" anchor="ctr"/>
+          <a:lstStyle/>
+          <a:p>
+            <a:pPr marL="0" marR="0" lvl="0" indent="0" algn="ctr" defTabSz="914400" rtl="0" eaLnBrk="1" fontAlgn="auto" latinLnBrk="0" hangingPunct="1">
+              <a:lnSpc>
+                <a:spcPct val="100000"/>
+              </a:lnSpc>
+              <a:spcBef>
+                <a:spcPts val="0"/>
+              </a:spcBef>
+              <a:spcAft>
+                <a:spcPts val="0"/>
+              </a:spcAft>
+              <a:buClrTx/>
+              <a:buSzTx/>
+              <a:buFontTx/>
+              <a:buNone/>
+              <a:tabLst/>
+              <a:defRPr/>
+            </a:pPr>
+            <a:endParaRPr kumimoji="0" lang="en-US" sz="1800" b="0" i="0" u="none" strike="noStrike" kern="1200" cap="none" spc="0" normalizeH="0" baseline="0" noProof="0">
+              <a:ln>
+                <a:noFill/>
+              </a:ln>
+              <a:solidFill>
+                <a:prstClr val="white"/>
+              </a:solidFill>
+              <a:effectLst/>
+              <a:uLnTx/>
+              <a:uFillTx/>
+              <a:latin typeface="Calibri" panose="020F0502020204030204"/>
+              <a:ea typeface="+mn-ea"/>
+              <a:cs typeface="+mn-cs"/>
+            </a:endParaRPr>
+          </a:p>
+        </p:txBody>
+      </p:sp>
+      <p:grpSp>
+        <p:nvGrpSpPr>
+          <p:cNvPr id="10" name="Group 9" title="intersecting circles">
+            <a:extLst>
+              <a:ext uri="{FF2B5EF4-FFF2-40B4-BE49-F238E27FC236}">
+                <a16:creationId xmlns:a16="http://schemas.microsoft.com/office/drawing/2014/main" id="{4C76015D-CFEA-4204-9A50-352560FFC252}"/>
+              </a:ext>
+            </a:extLst>
+          </p:cNvPr>
+          <p:cNvGrpSpPr>
+            <a:grpSpLocks noGrp="1" noUngrp="1" noRot="1" noChangeAspect="1" noMove="1" noResize="1"/>
+          </p:cNvGrpSpPr>
+          <p:nvPr>
+            <p:extLst>
+              <p:ext uri="{386F3935-93C4-4BCD-93E2-E3B085C9AB24}">
+                <p16:designElem xmlns:p16="http://schemas.microsoft.com/office/powerpoint/2015/main" val="1"/>
+              </p:ext>
+            </p:extLst>
+          </p:nvPr>
+        </p:nvGrpSpPr>
+        <p:grpSpPr>
+          <a:xfrm>
+            <a:off x="1155481" y="498348"/>
+            <a:ext cx="9902663" cy="5861304"/>
+            <a:chOff x="1155481" y="498348"/>
+            <a:chExt cx="9902663" cy="5861304"/>
+          </a:xfrm>
+        </p:grpSpPr>
+        <p:sp>
+          <p:nvSpPr>
+            <p:cNvPr id="11" name="Oval 5">
+              <a:extLst>
+                <a:ext uri="{FF2B5EF4-FFF2-40B4-BE49-F238E27FC236}">
+                  <a16:creationId xmlns:a16="http://schemas.microsoft.com/office/drawing/2014/main" id="{7325C43C-72B5-4DC9-B386-90859B58BF0D}"/>
+                </a:ext>
+              </a:extLst>
+            </p:cNvPr>
+            <p:cNvSpPr>
+              <a:spLocks noChangeArrowheads="1"/>
+            </p:cNvSpPr>
+            <p:nvPr>
+              <p:extLst>
+                <p:ext uri="{386F3935-93C4-4BCD-93E2-E3B085C9AB24}">
+                  <p16:designElem xmlns:p16="http://schemas.microsoft.com/office/powerpoint/2015/main" val="1"/>
+                </p:ext>
+              </p:extLst>
+            </p:nvPr>
+          </p:nvSpPr>
+          <p:spPr bwMode="auto">
+            <a:xfrm>
+              <a:off x="1155481" y="498348"/>
+              <a:ext cx="5861304" cy="5861304"/>
+            </a:xfrm>
+            <a:prstGeom prst="ellipse">
+              <a:avLst/>
+            </a:prstGeom>
+            <a:solidFill>
+              <a:schemeClr val="accent1">
+                <a:alpha val="55000"/>
+              </a:schemeClr>
+            </a:solidFill>
+            <a:ln>
+              <a:noFill/>
+            </a:ln>
+          </p:spPr>
+        </p:sp>
+        <p:sp>
+          <p:nvSpPr>
+            <p:cNvPr id="12" name="Oval 11">
+              <a:extLst>
+                <a:ext uri="{FF2B5EF4-FFF2-40B4-BE49-F238E27FC236}">
+                  <a16:creationId xmlns:a16="http://schemas.microsoft.com/office/drawing/2014/main" id="{C95AD9A4-5AF5-48C4-BC2A-635316433A45}"/>
+                </a:ext>
+              </a:extLst>
+            </p:cNvPr>
+            <p:cNvSpPr>
+              <a:spLocks noChangeArrowheads="1"/>
+            </p:cNvSpPr>
+            <p:nvPr>
+              <p:extLst>
+                <p:ext uri="{386F3935-93C4-4BCD-93E2-E3B085C9AB24}">
+                  <p16:designElem xmlns:p16="http://schemas.microsoft.com/office/powerpoint/2015/main" val="1"/>
+                </p:ext>
+              </p:extLst>
+            </p:nvPr>
+          </p:nvSpPr>
+          <p:spPr bwMode="auto">
+            <a:xfrm>
+              <a:off x="5196840" y="498348"/>
+              <a:ext cx="5861304" cy="5861304"/>
+            </a:xfrm>
+            <a:prstGeom prst="ellipse">
+              <a:avLst/>
+            </a:prstGeom>
+            <a:solidFill>
+              <a:schemeClr val="accent1">
+                <a:alpha val="55000"/>
+              </a:schemeClr>
+            </a:solidFill>
+            <a:ln>
+              <a:noFill/>
+            </a:ln>
+          </p:spPr>
+        </p:sp>
+        <p:sp>
+          <p:nvSpPr>
+            <p:cNvPr id="13" name="Oval 5">
+              <a:extLst>
+                <a:ext uri="{FF2B5EF4-FFF2-40B4-BE49-F238E27FC236}">
+                  <a16:creationId xmlns:a16="http://schemas.microsoft.com/office/drawing/2014/main" id="{AF4A3D62-D56C-4A32-8C75-100D383EC615}"/>
+                </a:ext>
+              </a:extLst>
+            </p:cNvPr>
+            <p:cNvSpPr>
+              <a:spLocks noChangeArrowheads="1"/>
+            </p:cNvSpPr>
+            <p:nvPr>
+              <p:extLst>
+                <p:ext uri="{386F3935-93C4-4BCD-93E2-E3B085C9AB24}">
+                  <p16:designElem xmlns:p16="http://schemas.microsoft.com/office/powerpoint/2015/main" val="1"/>
+                </p:ext>
+              </p:extLst>
+            </p:nvPr>
+          </p:nvSpPr>
+          <p:spPr bwMode="auto">
+            <a:xfrm>
+              <a:off x="3165348" y="498348"/>
+              <a:ext cx="5861304" cy="5861304"/>
+            </a:xfrm>
+            <a:prstGeom prst="ellipse">
+              <a:avLst/>
+            </a:prstGeom>
+            <a:solidFill>
+              <a:schemeClr val="accent1">
+                <a:alpha val="70000"/>
+              </a:schemeClr>
+            </a:solidFill>
+            <a:ln>
+              <a:noFill/>
+            </a:ln>
+          </p:spPr>
+        </p:sp>
+      </p:grpSp>
+      <p:sp useBgFill="1">
+        <p:nvSpPr>
+          <p:cNvPr id="15" name="Rectangle 14" title="ribbon">
+            <a:extLst>
+              <a:ext uri="{FF2B5EF4-FFF2-40B4-BE49-F238E27FC236}">
+                <a16:creationId xmlns:a16="http://schemas.microsoft.com/office/drawing/2014/main" id="{3E1F47E4-066D-4C27-98C8-B2B2C7BABFEC}"/>
+              </a:ext>
+            </a:extLst>
+          </p:cNvPr>
+          <p:cNvSpPr>
+            <a:spLocks noGrp="1" noRot="1" noChangeAspect="1" noMove="1" noResize="1" noEditPoints="1" noAdjustHandles="1" noChangeArrowheads="1" noChangeShapeType="1" noTextEdit="1"/>
+          </p:cNvSpPr>
+          <p:nvPr>
+            <p:extLst>
+              <p:ext uri="{386F3935-93C4-4BCD-93E2-E3B085C9AB24}">
+                <p16:designElem xmlns:p16="http://schemas.microsoft.com/office/powerpoint/2015/main" val="1"/>
+              </p:ext>
+            </p:extLst>
+          </p:nvPr>
+        </p:nvSpPr>
+        <p:spPr>
+          <a:xfrm>
+            <a:off x="0" y="1438772"/>
+            <a:ext cx="12192000" cy="3980456"/>
+          </a:xfrm>
+          <a:prstGeom prst="rect">
+            <a:avLst/>
+          </a:prstGeom>
+          <a:ln>
+            <a:noFill/>
+          </a:ln>
+        </p:spPr>
+        <p:style>
+          <a:lnRef idx="2">
+            <a:schemeClr val="accent1">
+              <a:shade val="50000"/>
+            </a:schemeClr>
+          </a:lnRef>
+          <a:fillRef idx="1">
+            <a:schemeClr val="accent1"/>
+          </a:fillRef>
+          <a:effectRef idx="0">
+            <a:schemeClr val="accent1"/>
+          </a:effectRef>
+          <a:fontRef idx="minor">
+            <a:schemeClr val="lt1"/>
+          </a:fontRef>
+        </p:style>
+      </p:sp>
+      <p:sp>
+        <p:nvSpPr>
+          <p:cNvPr id="2" name="Title 1"/>
+          <p:cNvSpPr>
+            <a:spLocks noGrp="1"/>
+          </p:cNvSpPr>
+          <p:nvPr>
+            <p:ph type="title"/>
+          </p:nvPr>
+        </p:nvSpPr>
+        <p:spPr>
+          <a:xfrm>
+            <a:off x="838200" y="1760505"/>
+            <a:ext cx="10515600" cy="935025"/>
+          </a:xfrm>
+        </p:spPr>
+        <p:txBody>
+          <a:bodyPr>
+            <a:normAutofit/>
+          </a:bodyPr>
+          <a:lstStyle/>
+          <a:p>
+            <a:pPr algn="ctr"/>
+            <a:r>
+              <a:rPr lang="en-US" sz="3200">
+                <a:solidFill>
+                  <a:schemeClr val="tx2"/>
+                </a:solidFill>
+              </a:rPr>
+              <a:t>Frequently used commands</a:t>
             </a:r>
           </a:p>
         </p:txBody>
@@ -10851,56 +14657,392 @@
             <p:ph idx="1"/>
           </p:nvPr>
         </p:nvSpPr>
-        <p:spPr/>
+        <p:spPr>
+          <a:xfrm>
+            <a:off x="2384952" y="3012928"/>
+            <a:ext cx="7422096" cy="2109445"/>
+          </a:xfrm>
+        </p:spPr>
         <p:txBody>
-          <a:bodyPr/>
+          <a:bodyPr>
+            <a:normAutofit/>
+          </a:bodyPr>
           <a:lstStyle/>
           <a:p>
-            <a:r>
-              <a:rPr lang="en-US" dirty="0"/>
-              <a:t>Similar to Yeoman</a:t>
-            </a:r>
-          </a:p>
-          <a:p>
-            <a:r>
-              <a:rPr lang="en-US" dirty="0"/>
-              <a:t>Makes command line 1</a:t>
-            </a:r>
-            <a:r>
-              <a:rPr lang="en-US" baseline="30000" dirty="0"/>
-              <a:t>st</a:t>
-            </a:r>
-            <a:r>
-              <a:rPr lang="en-US" dirty="0"/>
-              <a:t> class citizen</a:t>
-            </a:r>
-          </a:p>
-          <a:p>
-            <a:r>
-              <a:rPr lang="en-US" dirty="0"/>
-              <a:t>.NET Core is </a:t>
-            </a:r>
-            <a:r>
-              <a:rPr lang="en-US" dirty="0" err="1"/>
-              <a:t>xplat</a:t>
-            </a:r>
-            <a:r>
-              <a:rPr lang="en-US" dirty="0"/>
-              <a:t>, so CLI works everywhere</a:t>
-            </a:r>
-          </a:p>
-          <a:p>
-            <a:r>
-              <a:rPr lang="en-US" dirty="0"/>
-              <a:t>Side-by-side installs</a:t>
-            </a:r>
+            <a:endParaRPr lang="en-US" sz="1800">
+              <a:solidFill>
+                <a:schemeClr val="tx2"/>
+              </a:solidFill>
+            </a:endParaRPr>
           </a:p>
         </p:txBody>
       </p:sp>
     </p:spTree>
     <p:extLst>
       <p:ext uri="{BB962C8B-B14F-4D97-AF65-F5344CB8AC3E}">
-        <p14:creationId xmlns:p14="http://schemas.microsoft.com/office/powerpoint/2010/main" val="1100948610"/>
+        <p14:creationId xmlns:p14="http://schemas.microsoft.com/office/powerpoint/2010/main" val="1827048063"/>
+      </p:ext>
+    </p:extLst>
+  </p:cSld>
+  <p:clrMapOvr>
+    <a:masterClrMapping/>
+  </p:clrMapOvr>
+  <p:timing>
+    <p:tnLst>
+      <p:par>
+        <p:cTn id="1" dur="indefinite" restart="never" nodeType="tmRoot">
+          <p:childTnLst>
+            <p:seq concurrent="1" nextAc="seek">
+              <p:cTn id="2" dur="indefinite" nodeType="mainSeq">
+                <p:childTnLst>
+                  <p:par>
+                    <p:cTn id="3" fill="hold">
+                      <p:stCondLst>
+                        <p:cond delay="indefinite"/>
+                      </p:stCondLst>
+                      <p:childTnLst>
+                        <p:par>
+                          <p:cTn id="4" fill="hold">
+                            <p:stCondLst>
+                              <p:cond delay="0"/>
+                            </p:stCondLst>
+                            <p:childTnLst>
+                              <p:par>
+                                <p:cTn id="5" presetID="10" presetClass="entr" presetSubtype="0" fill="hold" nodeType="clickEffect" nodePh="1">
+                                  <p:stCondLst>
+                                    <p:cond delay="0"/>
+                                  </p:stCondLst>
+                                  <p:endCondLst>
+                                    <p:cond evt="begin" delay="0">
+                                      <p:tn val="5"/>
+                                    </p:cond>
+                                  </p:endCondLst>
+                                  <p:childTnLst>
+                                    <p:set>
+                                      <p:cBhvr>
+                                        <p:cTn id="6" dur="1" fill="hold">
+                                          <p:stCondLst>
+                                            <p:cond delay="0"/>
+                                          </p:stCondLst>
+                                        </p:cTn>
+                                        <p:tgtEl>
+                                          <p:spTgt spid="3">
+                                            <p:txEl>
+                                              <p:pRg st="0" end="0"/>
+                                            </p:txEl>
+                                          </p:spTgt>
+                                        </p:tgtEl>
+                                        <p:attrNameLst>
+                                          <p:attrName>style.visibility</p:attrName>
+                                        </p:attrNameLst>
+                                      </p:cBhvr>
+                                      <p:to>
+                                        <p:strVal val="visible"/>
+                                      </p:to>
+                                    </p:set>
+                                    <p:animEffect transition="in" filter="fade">
+                                      <p:cBhvr>
+                                        <p:cTn id="7" dur="500"/>
+                                        <p:tgtEl>
+                                          <p:spTgt spid="3">
+                                            <p:txEl>
+                                              <p:pRg st="0" end="0"/>
+                                            </p:txEl>
+                                          </p:spTgt>
+                                        </p:tgtEl>
+                                      </p:cBhvr>
+                                    </p:animEffect>
+                                  </p:childTnLst>
+                                </p:cTn>
+                              </p:par>
+                            </p:childTnLst>
+                          </p:cTn>
+                        </p:par>
+                      </p:childTnLst>
+                    </p:cTn>
+                  </p:par>
+                </p:childTnLst>
+              </p:cTn>
+              <p:prevCondLst>
+                <p:cond evt="onPrev" delay="0">
+                  <p:tgtEl>
+                    <p:sldTgt/>
+                  </p:tgtEl>
+                </p:cond>
+              </p:prevCondLst>
+              <p:nextCondLst>
+                <p:cond evt="onNext" delay="0">
+                  <p:tgtEl>
+                    <p:sldTgt/>
+                  </p:tgtEl>
+                </p:cond>
+              </p:nextCondLst>
+            </p:seq>
+          </p:childTnLst>
+        </p:cTn>
+      </p:par>
+    </p:tnLst>
+  </p:timing>
+</p:sld>
+</file>
+
+<file path=ppt/slides/slide6.xml><?xml version="1.0" encoding="utf-8"?>
+<p:sld xmlns:a="http://schemas.openxmlformats.org/drawingml/2006/main" xmlns:r="http://schemas.openxmlformats.org/officeDocument/2006/relationships" xmlns:p="http://schemas.openxmlformats.org/presentationml/2006/main">
+  <p:cSld>
+    <p:bg>
+      <p:bgPr>
+        <a:solidFill>
+          <a:schemeClr val="bg1"/>
+        </a:solidFill>
+        <a:effectLst/>
+      </p:bgPr>
+    </p:bg>
+    <p:spTree>
+      <p:nvGrpSpPr>
+        <p:cNvPr id="1" name=""/>
+        <p:cNvGrpSpPr/>
+        <p:nvPr/>
+      </p:nvGrpSpPr>
+      <p:grpSpPr>
+        <a:xfrm>
+          <a:off x="0" y="0"/>
+          <a:ext cx="0" cy="0"/>
+          <a:chOff x="0" y="0"/>
+          <a:chExt cx="0" cy="0"/>
+        </a:xfrm>
+      </p:grpSpPr>
+      <p:sp>
+        <p:nvSpPr>
+          <p:cNvPr id="8" name="Rectangle 7">
+            <a:extLst>
+              <a:ext uri="{FF2B5EF4-FFF2-40B4-BE49-F238E27FC236}">
+                <a16:creationId xmlns:a16="http://schemas.microsoft.com/office/drawing/2014/main" id="{8D70B121-56F4-4848-B38B-182089D909FA}"/>
+              </a:ext>
+            </a:extLst>
+          </p:cNvPr>
+          <p:cNvSpPr>
+            <a:spLocks noGrp="1" noRot="1" noChangeAspect="1" noMove="1" noResize="1" noEditPoints="1" noAdjustHandles="1" noChangeArrowheads="1" noChangeShapeType="1" noTextEdit="1"/>
+          </p:cNvSpPr>
+          <p:nvPr>
+            <p:extLst>
+              <p:ext uri="{386F3935-93C4-4BCD-93E2-E3B085C9AB24}">
+                <p16:designElem xmlns:p16="http://schemas.microsoft.com/office/powerpoint/2015/main" val="1"/>
+              </p:ext>
+            </p:extLst>
+          </p:nvPr>
+        </p:nvSpPr>
+        <p:spPr bwMode="ltGray">
+          <a:xfrm>
+            <a:off x="321564" y="320040"/>
+            <a:ext cx="11548872" cy="6217920"/>
+          </a:xfrm>
+          <a:prstGeom prst="rect">
+            <a:avLst/>
+          </a:prstGeom>
+          <a:solidFill>
+            <a:schemeClr val="tx1">
+              <a:alpha val="8000"/>
+            </a:schemeClr>
+          </a:solidFill>
+          <a:ln w="127000" cap="sq" cmpd="thinThick">
+            <a:noFill/>
+          </a:ln>
+        </p:spPr>
+        <p:style>
+          <a:lnRef idx="2">
+            <a:schemeClr val="accent1">
+              <a:shade val="50000"/>
+            </a:schemeClr>
+          </a:lnRef>
+          <a:fillRef idx="1">
+            <a:schemeClr val="accent1"/>
+          </a:fillRef>
+          <a:effectRef idx="0">
+            <a:schemeClr val="accent1"/>
+          </a:effectRef>
+          <a:fontRef idx="minor">
+            <a:schemeClr val="lt1"/>
+          </a:fontRef>
+        </p:style>
+        <p:txBody>
+          <a:bodyPr rtlCol="0" anchor="ctr"/>
+          <a:lstStyle/>
+          <a:p>
+            <a:pPr algn="ctr"/>
+            <a:endParaRPr lang="en-US"/>
+          </a:p>
+        </p:txBody>
+      </p:sp>
+      <p:cxnSp>
+        <p:nvCxnSpPr>
+          <p:cNvPr id="10" name="Straight Connector 9">
+            <a:extLst>
+              <a:ext uri="{FF2B5EF4-FFF2-40B4-BE49-F238E27FC236}">
+                <a16:creationId xmlns:a16="http://schemas.microsoft.com/office/drawing/2014/main" id="{2D72A2C9-F3CA-4216-8BAD-FA4C970C3C4E}"/>
+              </a:ext>
+            </a:extLst>
+          </p:cNvPr>
+          <p:cNvCxnSpPr>
+            <a:cxnSpLocks noGrp="1" noRot="1" noChangeAspect="1" noMove="1" noResize="1" noEditPoints="1" noAdjustHandles="1" noChangeArrowheads="1" noChangeShapeType="1"/>
+          </p:cNvCxnSpPr>
+          <p:nvPr>
+            <p:extLst>
+              <p:ext uri="{386F3935-93C4-4BCD-93E2-E3B085C9AB24}">
+                <p16:designElem xmlns:p16="http://schemas.microsoft.com/office/powerpoint/2015/main" val="1"/>
+              </p:ext>
+            </p:extLst>
+          </p:nvPr>
+        </p:nvCxnSpPr>
+        <p:spPr>
+          <a:xfrm>
+            <a:off x="4654296" y="2057400"/>
+            <a:ext cx="0" cy="2743200"/>
+          </a:xfrm>
+          <a:prstGeom prst="line">
+            <a:avLst/>
+          </a:prstGeom>
+          <a:ln w="19050">
+            <a:solidFill>
+              <a:schemeClr val="tx1">
+                <a:lumMod val="85000"/>
+                <a:lumOff val="15000"/>
+              </a:schemeClr>
+            </a:solidFill>
+          </a:ln>
+        </p:spPr>
+        <p:style>
+          <a:lnRef idx="1">
+            <a:schemeClr val="accent1"/>
+          </a:lnRef>
+          <a:fillRef idx="0">
+            <a:schemeClr val="accent1"/>
+          </a:fillRef>
+          <a:effectRef idx="0">
+            <a:schemeClr val="accent1"/>
+          </a:effectRef>
+          <a:fontRef idx="minor">
+            <a:schemeClr val="tx1"/>
+          </a:fontRef>
+        </p:style>
+      </p:cxnSp>
+      <p:sp>
+        <p:nvSpPr>
+          <p:cNvPr id="2" name="Title 1"/>
+          <p:cNvSpPr>
+            <a:spLocks noGrp="1"/>
+          </p:cNvSpPr>
+          <p:nvPr>
+            <p:ph type="title"/>
+          </p:nvPr>
+        </p:nvSpPr>
+        <p:spPr>
+          <a:xfrm>
+            <a:off x="838200" y="963877"/>
+            <a:ext cx="3494362" cy="4930246"/>
+          </a:xfrm>
+        </p:spPr>
+        <p:txBody>
+          <a:bodyPr>
+            <a:normAutofit/>
+          </a:bodyPr>
+          <a:lstStyle/>
+          <a:p>
+            <a:pPr algn="r"/>
+            <a:r>
+              <a:rPr lang="en-US">
+                <a:solidFill>
+                  <a:schemeClr val="accent1"/>
+                </a:solidFill>
+              </a:rPr>
+              <a:t>Integration with VS Code</a:t>
+            </a:r>
+          </a:p>
+        </p:txBody>
+      </p:sp>
+      <p:sp>
+        <p:nvSpPr>
+          <p:cNvPr id="3" name="Content Placeholder 2"/>
+          <p:cNvSpPr>
+            <a:spLocks noGrp="1"/>
+          </p:cNvSpPr>
+          <p:nvPr>
+            <p:ph idx="1"/>
+          </p:nvPr>
+        </p:nvSpPr>
+        <p:spPr>
+          <a:xfrm>
+            <a:off x="4976031" y="963877"/>
+            <a:ext cx="6377769" cy="4930246"/>
+          </a:xfrm>
+        </p:spPr>
+        <p:txBody>
+          <a:bodyPr anchor="ctr">
+            <a:normAutofit/>
+          </a:bodyPr>
+          <a:lstStyle/>
+          <a:p>
+            <a:r>
+              <a:rPr lang="en-US" sz="2400" dirty="0"/>
+              <a:t>Consistence experience on all platforms</a:t>
+            </a:r>
+          </a:p>
+          <a:p>
+            <a:r>
+              <a:rPr lang="en-US" sz="2400" dirty="0"/>
+              <a:t>Extensions:</a:t>
+            </a:r>
+          </a:p>
+          <a:p>
+            <a:pPr lvl="1"/>
+            <a:r>
+              <a:rPr lang="en-US" sz="2000" dirty="0"/>
+              <a:t>C# (</a:t>
+            </a:r>
+            <a:r>
+              <a:rPr lang="en-US" sz="2000" dirty="0" err="1"/>
+              <a:t>OmniSharp</a:t>
+            </a:r>
+            <a:r>
+              <a:rPr lang="en-US" sz="2000" dirty="0"/>
+              <a:t>)</a:t>
+            </a:r>
+          </a:p>
+          <a:p>
+            <a:pPr lvl="1"/>
+            <a:r>
+              <a:rPr lang="en-US" sz="2000" dirty="0"/>
+              <a:t>Azure CLI Tools</a:t>
+            </a:r>
+          </a:p>
+          <a:p>
+            <a:r>
+              <a:rPr lang="en-US" sz="2400" dirty="0"/>
+              <a:t>Use with…</a:t>
+            </a:r>
+          </a:p>
+          <a:p>
+            <a:pPr lvl="1"/>
+            <a:r>
+              <a:rPr lang="en-US" sz="2000" dirty="0"/>
+              <a:t>Command Palette</a:t>
+            </a:r>
+          </a:p>
+          <a:p>
+            <a:pPr lvl="1"/>
+            <a:r>
+              <a:rPr lang="en-US" sz="2000" dirty="0"/>
+              <a:t>Integrated Terminal</a:t>
+            </a:r>
+          </a:p>
+          <a:p>
+            <a:endParaRPr lang="en-US" sz="2400" dirty="0"/>
+          </a:p>
+        </p:txBody>
+      </p:sp>
+    </p:spTree>
+    <p:extLst>
+      <p:ext uri="{BB962C8B-B14F-4D97-AF65-F5344CB8AC3E}">
+        <p14:creationId xmlns:p14="http://schemas.microsoft.com/office/powerpoint/2010/main" val="1735316122"/>
       </p:ext>
     </p:extLst>
   </p:cSld>
@@ -11159,713 +15301,27 @@
                       </p:childTnLst>
                     </p:cTn>
                   </p:par>
-                </p:childTnLst>
-              </p:cTn>
-              <p:prevCondLst>
-                <p:cond evt="onPrev" delay="0">
-                  <p:tgtEl>
-                    <p:sldTgt/>
-                  </p:tgtEl>
-                </p:cond>
-              </p:prevCondLst>
-              <p:nextCondLst>
-                <p:cond evt="onNext" delay="0">
-                  <p:tgtEl>
-                    <p:sldTgt/>
-                  </p:tgtEl>
-                </p:cond>
-              </p:nextCondLst>
-            </p:seq>
-          </p:childTnLst>
-        </p:cTn>
-      </p:par>
-    </p:tnLst>
-  </p:timing>
-</p:sld>
-</file>
-
-<file path=ppt/slides/slide4.xml><?xml version="1.0" encoding="utf-8"?>
-<p:sld xmlns:a="http://schemas.openxmlformats.org/drawingml/2006/main" xmlns:r="http://schemas.openxmlformats.org/officeDocument/2006/relationships" xmlns:p="http://schemas.openxmlformats.org/presentationml/2006/main">
-  <p:cSld>
-    <p:bg>
-      <p:bgPr>
-        <a:solidFill>
-          <a:srgbClr val="505050"/>
-        </a:solidFill>
-        <a:effectLst/>
-      </p:bgPr>
-    </p:bg>
-    <p:spTree>
-      <p:nvGrpSpPr>
-        <p:cNvPr id="1" name=""/>
-        <p:cNvGrpSpPr/>
-        <p:nvPr/>
-      </p:nvGrpSpPr>
-      <p:grpSpPr>
-        <a:xfrm>
-          <a:off x="0" y="0"/>
-          <a:ext cx="0" cy="0"/>
-          <a:chOff x="0" y="0"/>
-          <a:chExt cx="0" cy="0"/>
-        </a:xfrm>
-      </p:grpSpPr>
-      <p:sp>
-        <p:nvSpPr>
-          <p:cNvPr id="2" name="Title 1"/>
-          <p:cNvSpPr>
-            <a:spLocks noGrp="1"/>
-          </p:cNvSpPr>
-          <p:nvPr>
-            <p:ph type="title"/>
-          </p:nvPr>
-        </p:nvSpPr>
-        <p:spPr/>
-        <p:txBody>
-          <a:bodyPr/>
-          <a:lstStyle/>
-          <a:p>
-            <a:r>
-              <a:rPr lang="en-US" dirty="0"/>
-              <a:t>Command structure</a:t>
-            </a:r>
-          </a:p>
-        </p:txBody>
-      </p:sp>
-      <p:sp>
-        <p:nvSpPr>
-          <p:cNvPr id="3" name="Content Placeholder 2"/>
-          <p:cNvSpPr>
-            <a:spLocks noGrp="1"/>
-          </p:cNvSpPr>
-          <p:nvPr>
-            <p:ph idx="1"/>
-          </p:nvPr>
-        </p:nvSpPr>
-        <p:spPr>
-          <a:xfrm>
-            <a:off x="838200" y="1825625"/>
-            <a:ext cx="10515600" cy="2667998"/>
-          </a:xfrm>
-          <a:solidFill>
-            <a:srgbClr val="002060"/>
-          </a:solidFill>
-        </p:spPr>
-        <p:txBody>
-          <a:bodyPr/>
-          <a:lstStyle/>
-          <a:p>
-            <a:pPr marL="0" indent="0">
-              <a:buNone/>
-            </a:pPr>
-            <a:r>
-              <a:rPr lang="en-US" dirty="0"/>
-              <a:t>dotnet command [&lt;arguments&gt;] [&lt;options&gt;]</a:t>
-            </a:r>
-          </a:p>
-          <a:p>
-            <a:pPr marL="0" indent="0">
-              <a:buNone/>
-            </a:pPr>
-            <a:endParaRPr lang="en-US" dirty="0"/>
-          </a:p>
-          <a:p>
-            <a:pPr marL="0" indent="0">
-              <a:buNone/>
-            </a:pPr>
-            <a:endParaRPr lang="en-US" dirty="0"/>
-          </a:p>
-          <a:p>
-            <a:pPr marL="0" indent="0">
-              <a:buNone/>
-            </a:pPr>
-            <a:r>
-              <a:rPr lang="en-US" dirty="0"/>
-              <a:t>dotnet    publish	</a:t>
-            </a:r>
-            <a:r>
-              <a:rPr lang="en-US" dirty="0" err="1"/>
-              <a:t>my_app.csproj</a:t>
-            </a:r>
-            <a:r>
-              <a:rPr lang="en-US" dirty="0"/>
-              <a:t>   -c Release</a:t>
-            </a:r>
-          </a:p>
-          <a:p>
-            <a:pPr marL="0" indent="0">
-              <a:buNone/>
-            </a:pPr>
-            <a:endParaRPr lang="en-US" dirty="0"/>
-          </a:p>
-        </p:txBody>
-      </p:sp>
-      <p:grpSp>
-        <p:nvGrpSpPr>
-          <p:cNvPr id="20" name="Group 19">
-            <a:extLst>
-              <a:ext uri="{FF2B5EF4-FFF2-40B4-BE49-F238E27FC236}">
-                <a16:creationId xmlns:a16="http://schemas.microsoft.com/office/drawing/2014/main" id="{9A76BC80-D6AD-41A5-9B91-0F6BCA81B487}"/>
-              </a:ext>
-            </a:extLst>
-          </p:cNvPr>
-          <p:cNvGrpSpPr/>
-          <p:nvPr/>
-        </p:nvGrpSpPr>
-        <p:grpSpPr>
-          <a:xfrm>
-            <a:off x="914400" y="2285999"/>
-            <a:ext cx="1018906" cy="1134881"/>
-            <a:chOff x="914400" y="2351314"/>
-            <a:chExt cx="1018906" cy="1134881"/>
-          </a:xfrm>
-        </p:grpSpPr>
-        <p:sp>
-          <p:nvSpPr>
-            <p:cNvPr id="7" name="Left Brace 6">
-              <a:extLst>
-                <a:ext uri="{FF2B5EF4-FFF2-40B4-BE49-F238E27FC236}">
-                  <a16:creationId xmlns:a16="http://schemas.microsoft.com/office/drawing/2014/main" id="{FA02603B-77A0-4EC3-A9CC-3DEA608B5764}"/>
-                </a:ext>
-              </a:extLst>
-            </p:cNvPr>
-            <p:cNvSpPr/>
-            <p:nvPr/>
-          </p:nvSpPr>
-          <p:spPr>
-            <a:xfrm rot="16200000">
-              <a:off x="1097281" y="2168433"/>
-              <a:ext cx="653143" cy="1018905"/>
-            </a:xfrm>
-            <a:prstGeom prst="leftBrace">
-              <a:avLst/>
-            </a:prstGeom>
-            <a:ln w="38100"/>
-          </p:spPr>
-          <p:style>
-            <a:lnRef idx="1">
-              <a:schemeClr val="accent1"/>
-            </a:lnRef>
-            <a:fillRef idx="0">
-              <a:schemeClr val="accent1"/>
-            </a:fillRef>
-            <a:effectRef idx="0">
-              <a:schemeClr val="accent1"/>
-            </a:effectRef>
-            <a:fontRef idx="minor">
-              <a:schemeClr val="tx1"/>
-            </a:fontRef>
-          </p:style>
-          <p:txBody>
-            <a:bodyPr rtlCol="0" anchor="ctr"/>
-            <a:lstStyle/>
-            <a:p>
-              <a:pPr algn="ctr"/>
-              <a:endParaRPr lang="en-US"/>
-            </a:p>
-          </p:txBody>
-        </p:sp>
-        <p:sp>
-          <p:nvSpPr>
-            <p:cNvPr id="16" name="Left Brace 15">
-              <a:extLst>
-                <a:ext uri="{FF2B5EF4-FFF2-40B4-BE49-F238E27FC236}">
-                  <a16:creationId xmlns:a16="http://schemas.microsoft.com/office/drawing/2014/main" id="{9E194D79-870B-4044-967C-493159AB6A16}"/>
-                </a:ext>
-              </a:extLst>
-            </p:cNvPr>
-            <p:cNvSpPr/>
-            <p:nvPr/>
-          </p:nvSpPr>
-          <p:spPr>
-            <a:xfrm rot="5400000" flipV="1">
-              <a:off x="1097282" y="2650171"/>
-              <a:ext cx="653143" cy="1018905"/>
-            </a:xfrm>
-            <a:prstGeom prst="leftBrace">
-              <a:avLst/>
-            </a:prstGeom>
-            <a:ln w="38100"/>
-          </p:spPr>
-          <p:style>
-            <a:lnRef idx="1">
-              <a:schemeClr val="accent1"/>
-            </a:lnRef>
-            <a:fillRef idx="0">
-              <a:schemeClr val="accent1"/>
-            </a:fillRef>
-            <a:effectRef idx="0">
-              <a:schemeClr val="accent1"/>
-            </a:effectRef>
-            <a:fontRef idx="minor">
-              <a:schemeClr val="tx1"/>
-            </a:fontRef>
-          </p:style>
-          <p:txBody>
-            <a:bodyPr rtlCol="0" anchor="ctr"/>
-            <a:lstStyle/>
-            <a:p>
-              <a:pPr algn="ctr"/>
-              <a:endParaRPr lang="en-US"/>
-            </a:p>
-          </p:txBody>
-        </p:sp>
-      </p:grpSp>
-      <p:grpSp>
-        <p:nvGrpSpPr>
-          <p:cNvPr id="21" name="Group 20">
-            <a:extLst>
-              <a:ext uri="{FF2B5EF4-FFF2-40B4-BE49-F238E27FC236}">
-                <a16:creationId xmlns:a16="http://schemas.microsoft.com/office/drawing/2014/main" id="{47C861D7-6A14-4310-BD55-4F1D471AE937}"/>
-              </a:ext>
-            </a:extLst>
-          </p:cNvPr>
-          <p:cNvGrpSpPr/>
-          <p:nvPr/>
-        </p:nvGrpSpPr>
-        <p:grpSpPr>
-          <a:xfrm>
-            <a:off x="2009505" y="2285997"/>
-            <a:ext cx="1517466" cy="1134883"/>
-            <a:chOff x="2009505" y="2351312"/>
-            <a:chExt cx="1517466" cy="1134883"/>
-          </a:xfrm>
-        </p:grpSpPr>
-        <p:sp>
-          <p:nvSpPr>
-            <p:cNvPr id="8" name="Left Brace 7">
-              <a:extLst>
-                <a:ext uri="{FF2B5EF4-FFF2-40B4-BE49-F238E27FC236}">
-                  <a16:creationId xmlns:a16="http://schemas.microsoft.com/office/drawing/2014/main" id="{2A66C938-1436-4A53-B95A-6416D5880220}"/>
-                </a:ext>
-              </a:extLst>
-            </p:cNvPr>
-            <p:cNvSpPr/>
-            <p:nvPr/>
-          </p:nvSpPr>
-          <p:spPr>
-            <a:xfrm rot="16200000">
-              <a:off x="2441667" y="1919151"/>
-              <a:ext cx="653143" cy="1517465"/>
-            </a:xfrm>
-            <a:prstGeom prst="leftBrace">
-              <a:avLst/>
-            </a:prstGeom>
-            <a:ln w="38100"/>
-          </p:spPr>
-          <p:style>
-            <a:lnRef idx="1">
-              <a:schemeClr val="accent1"/>
-            </a:lnRef>
-            <a:fillRef idx="0">
-              <a:schemeClr val="accent1"/>
-            </a:fillRef>
-            <a:effectRef idx="0">
-              <a:schemeClr val="accent1"/>
-            </a:effectRef>
-            <a:fontRef idx="minor">
-              <a:schemeClr val="tx1"/>
-            </a:fontRef>
-          </p:style>
-          <p:txBody>
-            <a:bodyPr rtlCol="0" anchor="ctr"/>
-            <a:lstStyle/>
-            <a:p>
-              <a:pPr algn="ctr"/>
-              <a:endParaRPr lang="en-US"/>
-            </a:p>
-          </p:txBody>
-        </p:sp>
-        <p:sp>
-          <p:nvSpPr>
-            <p:cNvPr id="17" name="Left Brace 16">
-              <a:extLst>
-                <a:ext uri="{FF2B5EF4-FFF2-40B4-BE49-F238E27FC236}">
-                  <a16:creationId xmlns:a16="http://schemas.microsoft.com/office/drawing/2014/main" id="{A1B76575-63D4-4A29-B150-FAAD8D2DD841}"/>
-                </a:ext>
-              </a:extLst>
-            </p:cNvPr>
-            <p:cNvSpPr/>
-            <p:nvPr/>
-          </p:nvSpPr>
-          <p:spPr>
-            <a:xfrm rot="5400000" flipV="1">
-              <a:off x="2441666" y="2400891"/>
-              <a:ext cx="653143" cy="1517465"/>
-            </a:xfrm>
-            <a:prstGeom prst="leftBrace">
-              <a:avLst/>
-            </a:prstGeom>
-            <a:ln w="38100"/>
-          </p:spPr>
-          <p:style>
-            <a:lnRef idx="1">
-              <a:schemeClr val="accent1"/>
-            </a:lnRef>
-            <a:fillRef idx="0">
-              <a:schemeClr val="accent1"/>
-            </a:fillRef>
-            <a:effectRef idx="0">
-              <a:schemeClr val="accent1"/>
-            </a:effectRef>
-            <a:fontRef idx="minor">
-              <a:schemeClr val="tx1"/>
-            </a:fontRef>
-          </p:style>
-          <p:txBody>
-            <a:bodyPr rtlCol="0" anchor="ctr"/>
-            <a:lstStyle/>
-            <a:p>
-              <a:pPr algn="ctr"/>
-              <a:endParaRPr lang="en-US"/>
-            </a:p>
-          </p:txBody>
-        </p:sp>
-      </p:grpSp>
-      <p:grpSp>
-        <p:nvGrpSpPr>
-          <p:cNvPr id="22" name="Group 21">
-            <a:extLst>
-              <a:ext uri="{FF2B5EF4-FFF2-40B4-BE49-F238E27FC236}">
-                <a16:creationId xmlns:a16="http://schemas.microsoft.com/office/drawing/2014/main" id="{F9D810C8-5473-4B09-AA9A-06B8AA6F19BD}"/>
-              </a:ext>
-            </a:extLst>
-          </p:cNvPr>
-          <p:cNvGrpSpPr/>
-          <p:nvPr/>
-        </p:nvGrpSpPr>
-        <p:grpSpPr>
-          <a:xfrm>
-            <a:off x="3603171" y="2285996"/>
-            <a:ext cx="2248989" cy="1134884"/>
-            <a:chOff x="3603171" y="2351311"/>
-            <a:chExt cx="2248989" cy="1134884"/>
-          </a:xfrm>
-        </p:grpSpPr>
-        <p:sp>
-          <p:nvSpPr>
-            <p:cNvPr id="9" name="Left Brace 8">
-              <a:extLst>
-                <a:ext uri="{FF2B5EF4-FFF2-40B4-BE49-F238E27FC236}">
-                  <a16:creationId xmlns:a16="http://schemas.microsoft.com/office/drawing/2014/main" id="{DE9944C7-3361-4380-88F9-17B47B145216}"/>
-                </a:ext>
-              </a:extLst>
-            </p:cNvPr>
-            <p:cNvSpPr/>
-            <p:nvPr/>
-          </p:nvSpPr>
-          <p:spPr>
-            <a:xfrm rot="16200000">
-              <a:off x="4401094" y="1553388"/>
-              <a:ext cx="653143" cy="2248989"/>
-            </a:xfrm>
-            <a:prstGeom prst="leftBrace">
-              <a:avLst/>
-            </a:prstGeom>
-            <a:ln w="38100"/>
-          </p:spPr>
-          <p:style>
-            <a:lnRef idx="1">
-              <a:schemeClr val="accent1"/>
-            </a:lnRef>
-            <a:fillRef idx="0">
-              <a:schemeClr val="accent1"/>
-            </a:fillRef>
-            <a:effectRef idx="0">
-              <a:schemeClr val="accent1"/>
-            </a:effectRef>
-            <a:fontRef idx="minor">
-              <a:schemeClr val="tx1"/>
-            </a:fontRef>
-          </p:style>
-          <p:txBody>
-            <a:bodyPr rtlCol="0" anchor="ctr"/>
-            <a:lstStyle/>
-            <a:p>
-              <a:pPr algn="ctr"/>
-              <a:endParaRPr lang="en-US"/>
-            </a:p>
-          </p:txBody>
-        </p:sp>
-        <p:sp>
-          <p:nvSpPr>
-            <p:cNvPr id="18" name="Left Brace 17">
-              <a:extLst>
-                <a:ext uri="{FF2B5EF4-FFF2-40B4-BE49-F238E27FC236}">
-                  <a16:creationId xmlns:a16="http://schemas.microsoft.com/office/drawing/2014/main" id="{85B75032-98B0-4EEF-B276-10C75E3FCCD9}"/>
-                </a:ext>
-              </a:extLst>
-            </p:cNvPr>
-            <p:cNvSpPr/>
-            <p:nvPr/>
-          </p:nvSpPr>
-          <p:spPr>
-            <a:xfrm rot="5400000" flipV="1">
-              <a:off x="4401094" y="2035129"/>
-              <a:ext cx="653143" cy="2248989"/>
-            </a:xfrm>
-            <a:prstGeom prst="leftBrace">
-              <a:avLst/>
-            </a:prstGeom>
-            <a:ln w="38100"/>
-          </p:spPr>
-          <p:style>
-            <a:lnRef idx="1">
-              <a:schemeClr val="accent1"/>
-            </a:lnRef>
-            <a:fillRef idx="0">
-              <a:schemeClr val="accent1"/>
-            </a:fillRef>
-            <a:effectRef idx="0">
-              <a:schemeClr val="accent1"/>
-            </a:effectRef>
-            <a:fontRef idx="minor">
-              <a:schemeClr val="tx1"/>
-            </a:fontRef>
-          </p:style>
-          <p:txBody>
-            <a:bodyPr rtlCol="0" anchor="ctr"/>
-            <a:lstStyle/>
-            <a:p>
-              <a:pPr algn="ctr"/>
-              <a:endParaRPr lang="en-US" b="1" dirty="0"/>
-            </a:p>
-          </p:txBody>
-        </p:sp>
-      </p:grpSp>
-      <p:grpSp>
-        <p:nvGrpSpPr>
-          <p:cNvPr id="23" name="Group 22">
-            <a:extLst>
-              <a:ext uri="{FF2B5EF4-FFF2-40B4-BE49-F238E27FC236}">
-                <a16:creationId xmlns:a16="http://schemas.microsoft.com/office/drawing/2014/main" id="{2FBD07BA-762D-4517-A3AB-02E3967A6E7F}"/>
-              </a:ext>
-            </a:extLst>
-          </p:cNvPr>
-          <p:cNvGrpSpPr/>
-          <p:nvPr/>
-        </p:nvGrpSpPr>
-        <p:grpSpPr>
-          <a:xfrm>
-            <a:off x="5928360" y="2285996"/>
-            <a:ext cx="1797232" cy="1134883"/>
-            <a:chOff x="5928360" y="2351311"/>
-            <a:chExt cx="1797232" cy="1134883"/>
-          </a:xfrm>
-        </p:grpSpPr>
-        <p:sp>
-          <p:nvSpPr>
-            <p:cNvPr id="10" name="Left Brace 9">
-              <a:extLst>
-                <a:ext uri="{FF2B5EF4-FFF2-40B4-BE49-F238E27FC236}">
-                  <a16:creationId xmlns:a16="http://schemas.microsoft.com/office/drawing/2014/main" id="{677F0F2D-E5EB-45F9-8CAD-2E8E6D700E33}"/>
-                </a:ext>
-              </a:extLst>
-            </p:cNvPr>
-            <p:cNvSpPr/>
-            <p:nvPr/>
-          </p:nvSpPr>
-          <p:spPr>
-            <a:xfrm rot="16200000">
-              <a:off x="6497683" y="1781988"/>
-              <a:ext cx="653143" cy="1791789"/>
-            </a:xfrm>
-            <a:prstGeom prst="leftBrace">
-              <a:avLst/>
-            </a:prstGeom>
-            <a:ln w="38100"/>
-          </p:spPr>
-          <p:style>
-            <a:lnRef idx="1">
-              <a:schemeClr val="accent1"/>
-            </a:lnRef>
-            <a:fillRef idx="0">
-              <a:schemeClr val="accent1"/>
-            </a:fillRef>
-            <a:effectRef idx="0">
-              <a:schemeClr val="accent1"/>
-            </a:effectRef>
-            <a:fontRef idx="minor">
-              <a:schemeClr val="tx1"/>
-            </a:fontRef>
-          </p:style>
-          <p:txBody>
-            <a:bodyPr rtlCol="0" anchor="ctr"/>
-            <a:lstStyle/>
-            <a:p>
-              <a:pPr algn="ctr"/>
-              <a:endParaRPr lang="en-US"/>
-            </a:p>
-          </p:txBody>
-        </p:sp>
-        <p:sp>
-          <p:nvSpPr>
-            <p:cNvPr id="19" name="Left Brace 18">
-              <a:extLst>
-                <a:ext uri="{FF2B5EF4-FFF2-40B4-BE49-F238E27FC236}">
-                  <a16:creationId xmlns:a16="http://schemas.microsoft.com/office/drawing/2014/main" id="{5C8691C6-69D2-4FCF-8D4B-E808809F4B5B}"/>
-                </a:ext>
-              </a:extLst>
-            </p:cNvPr>
-            <p:cNvSpPr/>
-            <p:nvPr/>
-          </p:nvSpPr>
-          <p:spPr>
-            <a:xfrm rot="5400000" flipV="1">
-              <a:off x="6503126" y="2263728"/>
-              <a:ext cx="653143" cy="1791789"/>
-            </a:xfrm>
-            <a:prstGeom prst="leftBrace">
-              <a:avLst/>
-            </a:prstGeom>
-            <a:ln w="38100"/>
-          </p:spPr>
-          <p:style>
-            <a:lnRef idx="1">
-              <a:schemeClr val="accent1"/>
-            </a:lnRef>
-            <a:fillRef idx="0">
-              <a:schemeClr val="accent1"/>
-            </a:fillRef>
-            <a:effectRef idx="0">
-              <a:schemeClr val="accent1"/>
-            </a:effectRef>
-            <a:fontRef idx="minor">
-              <a:schemeClr val="tx1"/>
-            </a:fontRef>
-          </p:style>
-          <p:txBody>
-            <a:bodyPr rtlCol="0" anchor="ctr"/>
-            <a:lstStyle/>
-            <a:p>
-              <a:pPr algn="ctr"/>
-              <a:endParaRPr lang="en-US"/>
-            </a:p>
-          </p:txBody>
-        </p:sp>
-      </p:grpSp>
-    </p:spTree>
-    <p:extLst>
-      <p:ext uri="{BB962C8B-B14F-4D97-AF65-F5344CB8AC3E}">
-        <p14:creationId xmlns:p14="http://schemas.microsoft.com/office/powerpoint/2010/main" val="574758696"/>
-      </p:ext>
-    </p:extLst>
-  </p:cSld>
-  <p:clrMapOvr>
-    <a:masterClrMapping/>
-  </p:clrMapOvr>
-</p:sld>
-</file>
-
-<file path=ppt/slides/slide5.xml><?xml version="1.0" encoding="utf-8"?>
-<p:sld xmlns:a="http://schemas.openxmlformats.org/drawingml/2006/main" xmlns:r="http://schemas.openxmlformats.org/officeDocument/2006/relationships" xmlns:p="http://schemas.openxmlformats.org/presentationml/2006/main">
-  <p:cSld>
-    <p:bg>
-      <p:bgPr>
-        <a:solidFill>
-          <a:srgbClr val="505050"/>
-        </a:solidFill>
-        <a:effectLst/>
-      </p:bgPr>
-    </p:bg>
-    <p:spTree>
-      <p:nvGrpSpPr>
-        <p:cNvPr id="1" name=""/>
-        <p:cNvGrpSpPr/>
-        <p:nvPr/>
-      </p:nvGrpSpPr>
-      <p:grpSpPr>
-        <a:xfrm>
-          <a:off x="0" y="0"/>
-          <a:ext cx="0" cy="0"/>
-          <a:chOff x="0" y="0"/>
-          <a:chExt cx="0" cy="0"/>
-        </a:xfrm>
-      </p:grpSpPr>
-      <p:sp>
-        <p:nvSpPr>
-          <p:cNvPr id="2" name="Title 1"/>
-          <p:cNvSpPr>
-            <a:spLocks noGrp="1"/>
-          </p:cNvSpPr>
-          <p:nvPr>
-            <p:ph type="title"/>
-          </p:nvPr>
-        </p:nvSpPr>
-        <p:spPr/>
-        <p:txBody>
-          <a:bodyPr/>
-          <a:lstStyle/>
-          <a:p>
-            <a:r>
-              <a:rPr lang="en-US" dirty="0"/>
-              <a:t>Frequently used commands</a:t>
-            </a:r>
-          </a:p>
-        </p:txBody>
-      </p:sp>
-      <p:sp>
-        <p:nvSpPr>
-          <p:cNvPr id="3" name="Content Placeholder 2"/>
-          <p:cNvSpPr>
-            <a:spLocks noGrp="1"/>
-          </p:cNvSpPr>
-          <p:nvPr>
-            <p:ph idx="1"/>
-          </p:nvPr>
-        </p:nvSpPr>
-        <p:spPr/>
-        <p:txBody>
-          <a:bodyPr/>
-          <a:lstStyle/>
-          <a:p>
-            <a:endParaRPr lang="en-US" dirty="0"/>
-          </a:p>
-        </p:txBody>
-      </p:sp>
-    </p:spTree>
-    <p:extLst>
-      <p:ext uri="{BB962C8B-B14F-4D97-AF65-F5344CB8AC3E}">
-        <p14:creationId xmlns:p14="http://schemas.microsoft.com/office/powerpoint/2010/main" val="1827048063"/>
-      </p:ext>
-    </p:extLst>
-  </p:cSld>
-  <p:clrMapOvr>
-    <a:masterClrMapping/>
-  </p:clrMapOvr>
-  <p:timing>
-    <p:tnLst>
-      <p:par>
-        <p:cTn id="1" dur="indefinite" restart="never" nodeType="tmRoot">
-          <p:childTnLst>
-            <p:seq concurrent="1" nextAc="seek">
-              <p:cTn id="2" dur="indefinite" nodeType="mainSeq">
-                <p:childTnLst>
                   <p:par>
-                    <p:cTn id="3" fill="hold">
+                    <p:cTn id="23" fill="hold">
                       <p:stCondLst>
                         <p:cond delay="indefinite"/>
                       </p:stCondLst>
                       <p:childTnLst>
                         <p:par>
-                          <p:cTn id="4" fill="hold">
+                          <p:cTn id="24" fill="hold">
                             <p:stCondLst>
                               <p:cond delay="0"/>
                             </p:stCondLst>
                             <p:childTnLst>
                               <p:par>
-                                <p:cTn id="5" presetID="10" presetClass="entr" presetSubtype="0" fill="hold" nodeType="clickEffect" nodePh="1">
+                                <p:cTn id="25" presetID="10" presetClass="entr" presetSubtype="0" fill="hold" nodeType="clickEffect">
                                   <p:stCondLst>
                                     <p:cond delay="0"/>
                                   </p:stCondLst>
-                                  <p:endCondLst>
-                                    <p:cond evt="begin" delay="0">
-                                      <p:tn val="5"/>
-                                    </p:cond>
-                                  </p:endCondLst>
                                   <p:childTnLst>
                                     <p:set>
                                       <p:cBhvr>
-                                        <p:cTn id="6" dur="1" fill="hold">
+                                        <p:cTn id="26" dur="1" fill="hold">
                                           <p:stCondLst>
                                             <p:cond delay="0"/>
                                           </p:stCondLst>
@@ -11873,7 +15329,7 @@
                                         <p:tgtEl>
                                           <p:spTgt spid="3">
                                             <p:txEl>
-                                              <p:pRg st="0" end="0"/>
+                                              <p:pRg st="4" end="4"/>
                                             </p:txEl>
                                           </p:spTgt>
                                         </p:tgtEl>
@@ -11887,11 +15343,11 @@
                                     </p:set>
                                     <p:animEffect transition="in" filter="fade">
                                       <p:cBhvr>
-                                        <p:cTn id="7" dur="500"/>
+                                        <p:cTn id="27" dur="500"/>
                                         <p:tgtEl>
                                           <p:spTgt spid="3">
                                             <p:txEl>
-                                              <p:pRg st="0" end="0"/>
+                                              <p:pRg st="4" end="4"/>
                                             </p:txEl>
                                           </p:spTgt>
                                         </p:tgtEl>
@@ -11906,146 +15362,27 @@
                       </p:childTnLst>
                     </p:cTn>
                   </p:par>
-                </p:childTnLst>
-              </p:cTn>
-              <p:prevCondLst>
-                <p:cond evt="onPrev" delay="0">
-                  <p:tgtEl>
-                    <p:sldTgt/>
-                  </p:tgtEl>
-                </p:cond>
-              </p:prevCondLst>
-              <p:nextCondLst>
-                <p:cond evt="onNext" delay="0">
-                  <p:tgtEl>
-                    <p:sldTgt/>
-                  </p:tgtEl>
-                </p:cond>
-              </p:nextCondLst>
-            </p:seq>
-          </p:childTnLst>
-        </p:cTn>
-      </p:par>
-    </p:tnLst>
-  </p:timing>
-</p:sld>
-</file>
-
-<file path=ppt/slides/slide6.xml><?xml version="1.0" encoding="utf-8"?>
-<p:sld xmlns:a="http://schemas.openxmlformats.org/drawingml/2006/main" xmlns:r="http://schemas.openxmlformats.org/officeDocument/2006/relationships" xmlns:p="http://schemas.openxmlformats.org/presentationml/2006/main">
-  <p:cSld>
-    <p:bg>
-      <p:bgPr>
-        <a:solidFill>
-          <a:srgbClr val="505050"/>
-        </a:solidFill>
-        <a:effectLst/>
-      </p:bgPr>
-    </p:bg>
-    <p:spTree>
-      <p:nvGrpSpPr>
-        <p:cNvPr id="1" name=""/>
-        <p:cNvGrpSpPr/>
-        <p:nvPr/>
-      </p:nvGrpSpPr>
-      <p:grpSpPr>
-        <a:xfrm>
-          <a:off x="0" y="0"/>
-          <a:ext cx="0" cy="0"/>
-          <a:chOff x="0" y="0"/>
-          <a:chExt cx="0" cy="0"/>
-        </a:xfrm>
-      </p:grpSpPr>
-      <p:sp>
-        <p:nvSpPr>
-          <p:cNvPr id="2" name="Title 1"/>
-          <p:cNvSpPr>
-            <a:spLocks noGrp="1"/>
-          </p:cNvSpPr>
-          <p:nvPr>
-            <p:ph type="title"/>
-          </p:nvPr>
-        </p:nvSpPr>
-        <p:spPr/>
-        <p:txBody>
-          <a:bodyPr/>
-          <a:lstStyle/>
-          <a:p>
-            <a:r>
-              <a:rPr lang="en-US" dirty="0"/>
-              <a:t>Integration with VS Code</a:t>
-            </a:r>
-          </a:p>
-        </p:txBody>
-      </p:sp>
-      <p:sp>
-        <p:nvSpPr>
-          <p:cNvPr id="3" name="Content Placeholder 2"/>
-          <p:cNvSpPr>
-            <a:spLocks noGrp="1"/>
-          </p:cNvSpPr>
-          <p:nvPr>
-            <p:ph idx="1"/>
-          </p:nvPr>
-        </p:nvSpPr>
-        <p:spPr/>
-        <p:txBody>
-          <a:bodyPr/>
-          <a:lstStyle/>
-          <a:p>
-            <a:r>
-              <a:rPr lang="en-US" dirty="0"/>
-              <a:t>CLI paired w/ VS Code = consistence experience on </a:t>
-            </a:r>
-            <a:r>
-              <a:rPr lang="en-US"/>
-              <a:t>all platforms</a:t>
-            </a:r>
-          </a:p>
-          <a:p>
-            <a:endParaRPr lang="en-US" dirty="0"/>
-          </a:p>
-        </p:txBody>
-      </p:sp>
-    </p:spTree>
-    <p:extLst>
-      <p:ext uri="{BB962C8B-B14F-4D97-AF65-F5344CB8AC3E}">
-        <p14:creationId xmlns:p14="http://schemas.microsoft.com/office/powerpoint/2010/main" val="1735316122"/>
-      </p:ext>
-    </p:extLst>
-  </p:cSld>
-  <p:clrMapOvr>
-    <a:masterClrMapping/>
-  </p:clrMapOvr>
-  <p:timing>
-    <p:tnLst>
-      <p:par>
-        <p:cTn id="1" dur="indefinite" restart="never" nodeType="tmRoot">
-          <p:childTnLst>
-            <p:seq concurrent="1" nextAc="seek">
-              <p:cTn id="2" dur="indefinite" nodeType="mainSeq">
-                <p:childTnLst>
                   <p:par>
-                    <p:cTn id="3" fill="hold">
+                    <p:cTn id="28" fill="hold">
                       <p:stCondLst>
                         <p:cond delay="indefinite"/>
                       </p:stCondLst>
                       <p:childTnLst>
                         <p:par>
-                          <p:cTn id="4" fill="hold">
+                          <p:cTn id="29" fill="hold">
                             <p:stCondLst>
                               <p:cond delay="0"/>
                             </p:stCondLst>
                             <p:childTnLst>
                               <p:par>
-                                <p:cTn id="5" presetID="10" presetClass="entr" presetSubtype="0" fill="hold" nodeType="clickEffect">
+                                <p:cTn id="30" presetID="10" presetClass="entr" presetSubtype="0" fill="hold" nodeType="clickEffect">
                                   <p:stCondLst>
                                     <p:cond delay="0"/>
                                   </p:stCondLst>
                                   <p:childTnLst>
                                     <p:set>
                                       <p:cBhvr>
-                                        <p:cTn id="6" dur="1" fill="hold">
+                                        <p:cTn id="31" dur="1" fill="hold">
                                           <p:stCondLst>
                                             <p:cond delay="0"/>
                                           </p:stCondLst>
@@ -12053,7 +15390,7 @@
                                         <p:tgtEl>
                                           <p:spTgt spid="3">
                                             <p:txEl>
-                                              <p:pRg st="0" end="0"/>
+                                              <p:pRg st="5" end="5"/>
                                             </p:txEl>
                                           </p:spTgt>
                                         </p:tgtEl>
@@ -12067,11 +15404,72 @@
                                     </p:set>
                                     <p:animEffect transition="in" filter="fade">
                                       <p:cBhvr>
-                                        <p:cTn id="7" dur="500"/>
+                                        <p:cTn id="32" dur="500"/>
                                         <p:tgtEl>
                                           <p:spTgt spid="3">
                                             <p:txEl>
-                                              <p:pRg st="0" end="0"/>
+                                              <p:pRg st="5" end="5"/>
+                                            </p:txEl>
+                                          </p:spTgt>
+                                        </p:tgtEl>
+                                      </p:cBhvr>
+                                    </p:animEffect>
+                                  </p:childTnLst>
+                                </p:cTn>
+                              </p:par>
+                            </p:childTnLst>
+                          </p:cTn>
+                        </p:par>
+                      </p:childTnLst>
+                    </p:cTn>
+                  </p:par>
+                  <p:par>
+                    <p:cTn id="33" fill="hold">
+                      <p:stCondLst>
+                        <p:cond delay="indefinite"/>
+                      </p:stCondLst>
+                      <p:childTnLst>
+                        <p:par>
+                          <p:cTn id="34" fill="hold">
+                            <p:stCondLst>
+                              <p:cond delay="0"/>
+                            </p:stCondLst>
+                            <p:childTnLst>
+                              <p:par>
+                                <p:cTn id="35" presetID="10" presetClass="entr" presetSubtype="0" fill="hold" nodeType="clickEffect">
+                                  <p:stCondLst>
+                                    <p:cond delay="0"/>
+                                  </p:stCondLst>
+                                  <p:childTnLst>
+                                    <p:set>
+                                      <p:cBhvr>
+                                        <p:cTn id="36" dur="1" fill="hold">
+                                          <p:stCondLst>
+                                            <p:cond delay="0"/>
+                                          </p:stCondLst>
+                                        </p:cTn>
+                                        <p:tgtEl>
+                                          <p:spTgt spid="3">
+                                            <p:txEl>
+                                              <p:pRg st="6" end="6"/>
+                                            </p:txEl>
+                                          </p:spTgt>
+                                        </p:tgtEl>
+                                        <p:attrNameLst>
+                                          <p:attrName>style.visibility</p:attrName>
+                                        </p:attrNameLst>
+                                      </p:cBhvr>
+                                      <p:to>
+                                        <p:strVal val="visible"/>
+                                      </p:to>
+                                    </p:set>
+                                    <p:animEffect transition="in" filter="fade">
+                                      <p:cBhvr>
+                                        <p:cTn id="37" dur="500"/>
+                                        <p:tgtEl>
+                                          <p:spTgt spid="3">
+                                            <p:txEl>
+                                              <p:pRg st="6" end="6"/>
                                             </p:txEl>
                                           </p:spTgt>
                                         </p:tgtEl>
@@ -12117,7 +15515,7 @@
     <p:bg>
       <p:bgPr>
         <a:solidFill>
-          <a:srgbClr val="505050"/>
+          <a:schemeClr val="bg1"/>
         </a:solidFill>
         <a:effectLst/>
       </p:bgPr>
@@ -12138,6 +15536,120 @@
       </p:grpSpPr>
       <p:sp>
         <p:nvSpPr>
+          <p:cNvPr id="8" name="Rectangle 7">
+            <a:extLst>
+              <a:ext uri="{FF2B5EF4-FFF2-40B4-BE49-F238E27FC236}">
+                <a16:creationId xmlns:a16="http://schemas.microsoft.com/office/drawing/2014/main" id="{8D70B121-56F4-4848-B38B-182089D909FA}"/>
+              </a:ext>
+            </a:extLst>
+          </p:cNvPr>
+          <p:cNvSpPr>
+            <a:spLocks noGrp="1" noRot="1" noChangeAspect="1" noMove="1" noResize="1" noEditPoints="1" noAdjustHandles="1" noChangeArrowheads="1" noChangeShapeType="1" noTextEdit="1"/>
+          </p:cNvSpPr>
+          <p:nvPr>
+            <p:extLst>
+              <p:ext uri="{386F3935-93C4-4BCD-93E2-E3B085C9AB24}">
+                <p16:designElem xmlns:p16="http://schemas.microsoft.com/office/powerpoint/2015/main" val="1"/>
+              </p:ext>
+            </p:extLst>
+          </p:nvPr>
+        </p:nvSpPr>
+        <p:spPr bwMode="ltGray">
+          <a:xfrm>
+            <a:off x="321564" y="320040"/>
+            <a:ext cx="11548872" cy="6217920"/>
+          </a:xfrm>
+          <a:prstGeom prst="rect">
+            <a:avLst/>
+          </a:prstGeom>
+          <a:solidFill>
+            <a:schemeClr val="tx1">
+              <a:alpha val="8000"/>
+            </a:schemeClr>
+          </a:solidFill>
+          <a:ln w="127000" cap="sq" cmpd="thinThick">
+            <a:noFill/>
+          </a:ln>
+        </p:spPr>
+        <p:style>
+          <a:lnRef idx="2">
+            <a:schemeClr val="accent1">
+              <a:shade val="50000"/>
+            </a:schemeClr>
+          </a:lnRef>
+          <a:fillRef idx="1">
+            <a:schemeClr val="accent1"/>
+          </a:fillRef>
+          <a:effectRef idx="0">
+            <a:schemeClr val="accent1"/>
+          </a:effectRef>
+          <a:fontRef idx="minor">
+            <a:schemeClr val="lt1"/>
+          </a:fontRef>
+        </p:style>
+        <p:txBody>
+          <a:bodyPr rtlCol="0" anchor="ctr"/>
+          <a:lstStyle/>
+          <a:p>
+            <a:pPr algn="ctr"/>
+            <a:endParaRPr lang="en-US"/>
+          </a:p>
+        </p:txBody>
+      </p:sp>
+      <p:cxnSp>
+        <p:nvCxnSpPr>
+          <p:cNvPr id="10" name="Straight Connector 9">
+            <a:extLst>
+              <a:ext uri="{FF2B5EF4-FFF2-40B4-BE49-F238E27FC236}">
+                <a16:creationId xmlns:a16="http://schemas.microsoft.com/office/drawing/2014/main" id="{2D72A2C9-F3CA-4216-8BAD-FA4C970C3C4E}"/>
+              </a:ext>
+            </a:extLst>
+          </p:cNvPr>
+          <p:cNvCxnSpPr>
+            <a:cxnSpLocks noGrp="1" noRot="1" noChangeAspect="1" noMove="1" noResize="1" noEditPoints="1" noAdjustHandles="1" noChangeArrowheads="1" noChangeShapeType="1"/>
+          </p:cNvCxnSpPr>
+          <p:nvPr>
+            <p:extLst>
+              <p:ext uri="{386F3935-93C4-4BCD-93E2-E3B085C9AB24}">
+                <p16:designElem xmlns:p16="http://schemas.microsoft.com/office/powerpoint/2015/main" val="1"/>
+              </p:ext>
+            </p:extLst>
+          </p:nvPr>
+        </p:nvCxnSpPr>
+        <p:spPr>
+          <a:xfrm>
+            <a:off x="4654296" y="2057400"/>
+            <a:ext cx="0" cy="2743200"/>
+          </a:xfrm>
+          <a:prstGeom prst="line">
+            <a:avLst/>
+          </a:prstGeom>
+          <a:ln w="19050">
+            <a:solidFill>
+              <a:schemeClr val="tx1">
+                <a:lumMod val="85000"/>
+                <a:lumOff val="15000"/>
+              </a:schemeClr>
+            </a:solidFill>
+          </a:ln>
+        </p:spPr>
+        <p:style>
+          <a:lnRef idx="1">
+            <a:schemeClr val="accent1"/>
+          </a:lnRef>
+          <a:fillRef idx="0">
+            <a:schemeClr val="accent1"/>
+          </a:fillRef>
+          <a:effectRef idx="0">
+            <a:schemeClr val="accent1"/>
+          </a:effectRef>
+          <a:fontRef idx="minor">
+            <a:schemeClr val="tx1"/>
+          </a:fontRef>
+        </p:style>
+      </p:cxnSp>
+      <p:sp>
+        <p:nvSpPr>
           <p:cNvPr id="2" name="Title 1"/>
           <p:cNvSpPr>
             <a:spLocks noGrp="1"/>
@@ -12146,13 +15658,25 @@
             <p:ph type="title"/>
           </p:nvPr>
         </p:nvSpPr>
-        <p:spPr/>
+        <p:spPr>
+          <a:xfrm>
+            <a:off x="838200" y="963877"/>
+            <a:ext cx="3494362" cy="4930246"/>
+          </a:xfrm>
+        </p:spPr>
         <p:txBody>
-          <a:bodyPr/>
+          <a:bodyPr>
+            <a:normAutofit/>
+          </a:bodyPr>
           <a:lstStyle/>
           <a:p>
-            <a:r>
-              <a:rPr lang="en-US" dirty="0"/>
+            <a:pPr algn="r"/>
+            <a:r>
+              <a:rPr lang="en-US">
+                <a:solidFill>
+                  <a:schemeClr val="accent1"/>
+                </a:solidFill>
+              </a:rPr>
               <a:t>Integration with VSTS</a:t>
             </a:r>
           </a:p>
@@ -12168,12 +15692,19 @@
             <p:ph idx="1"/>
           </p:nvPr>
         </p:nvSpPr>
-        <p:spPr/>
+        <p:spPr>
+          <a:xfrm>
+            <a:off x="4976031" y="963877"/>
+            <a:ext cx="6377769" cy="4930246"/>
+          </a:xfrm>
+        </p:spPr>
         <p:txBody>
-          <a:bodyPr/>
+          <a:bodyPr anchor="ctr">
+            <a:normAutofit/>
+          </a:bodyPr>
           <a:lstStyle/>
           <a:p>
-            <a:endParaRPr lang="en-US" dirty="0"/>
+            <a:endParaRPr lang="en-US" sz="2400"/>
           </a:p>
         </p:txBody>
       </p:sp>
@@ -12292,7 +15823,7 @@
     <p:bg>
       <p:bgPr>
         <a:solidFill>
-          <a:srgbClr val="505050"/>
+          <a:schemeClr val="bg1"/>
         </a:solidFill>
         <a:effectLst/>
       </p:bgPr>
@@ -12313,6 +15844,120 @@
       </p:grpSpPr>
       <p:sp>
         <p:nvSpPr>
+          <p:cNvPr id="8" name="Rectangle 7">
+            <a:extLst>
+              <a:ext uri="{FF2B5EF4-FFF2-40B4-BE49-F238E27FC236}">
+                <a16:creationId xmlns:a16="http://schemas.microsoft.com/office/drawing/2014/main" id="{8D70B121-56F4-4848-B38B-182089D909FA}"/>
+              </a:ext>
+            </a:extLst>
+          </p:cNvPr>
+          <p:cNvSpPr>
+            <a:spLocks noGrp="1" noRot="1" noChangeAspect="1" noMove="1" noResize="1" noEditPoints="1" noAdjustHandles="1" noChangeArrowheads="1" noChangeShapeType="1" noTextEdit="1"/>
+          </p:cNvSpPr>
+          <p:nvPr>
+            <p:extLst>
+              <p:ext uri="{386F3935-93C4-4BCD-93E2-E3B085C9AB24}">
+                <p16:designElem xmlns:p16="http://schemas.microsoft.com/office/powerpoint/2015/main" val="1"/>
+              </p:ext>
+            </p:extLst>
+          </p:nvPr>
+        </p:nvSpPr>
+        <p:spPr bwMode="ltGray">
+          <a:xfrm>
+            <a:off x="321564" y="320040"/>
+            <a:ext cx="11548872" cy="6217920"/>
+          </a:xfrm>
+          <a:prstGeom prst="rect">
+            <a:avLst/>
+          </a:prstGeom>
+          <a:solidFill>
+            <a:schemeClr val="tx1">
+              <a:alpha val="8000"/>
+            </a:schemeClr>
+          </a:solidFill>
+          <a:ln w="127000" cap="sq" cmpd="thinThick">
+            <a:noFill/>
+          </a:ln>
+        </p:spPr>
+        <p:style>
+          <a:lnRef idx="2">
+            <a:schemeClr val="accent1">
+              <a:shade val="50000"/>
+            </a:schemeClr>
+          </a:lnRef>
+          <a:fillRef idx="1">
+            <a:schemeClr val="accent1"/>
+          </a:fillRef>
+          <a:effectRef idx="0">
+            <a:schemeClr val="accent1"/>
+          </a:effectRef>
+          <a:fontRef idx="minor">
+            <a:schemeClr val="lt1"/>
+          </a:fontRef>
+        </p:style>
+        <p:txBody>
+          <a:bodyPr rtlCol="0" anchor="ctr"/>
+          <a:lstStyle/>
+          <a:p>
+            <a:pPr algn="ctr"/>
+            <a:endParaRPr lang="en-US"/>
+          </a:p>
+        </p:txBody>
+      </p:sp>
+      <p:cxnSp>
+        <p:nvCxnSpPr>
+          <p:cNvPr id="10" name="Straight Connector 9">
+            <a:extLst>
+              <a:ext uri="{FF2B5EF4-FFF2-40B4-BE49-F238E27FC236}">
+                <a16:creationId xmlns:a16="http://schemas.microsoft.com/office/drawing/2014/main" id="{2D72A2C9-F3CA-4216-8BAD-FA4C970C3C4E}"/>
+              </a:ext>
+            </a:extLst>
+          </p:cNvPr>
+          <p:cNvCxnSpPr>
+            <a:cxnSpLocks noGrp="1" noRot="1" noChangeAspect="1" noMove="1" noResize="1" noEditPoints="1" noAdjustHandles="1" noChangeArrowheads="1" noChangeShapeType="1"/>
+          </p:cNvCxnSpPr>
+          <p:nvPr>
+            <p:extLst>
+              <p:ext uri="{386F3935-93C4-4BCD-93E2-E3B085C9AB24}">
+                <p16:designElem xmlns:p16="http://schemas.microsoft.com/office/powerpoint/2015/main" val="1"/>
+              </p:ext>
+            </p:extLst>
+          </p:nvPr>
+        </p:nvCxnSpPr>
+        <p:spPr>
+          <a:xfrm>
+            <a:off x="4654296" y="2057400"/>
+            <a:ext cx="0" cy="2743200"/>
+          </a:xfrm>
+          <a:prstGeom prst="line">
+            <a:avLst/>
+          </a:prstGeom>
+          <a:ln w="19050">
+            <a:solidFill>
+              <a:schemeClr val="tx1">
+                <a:lumMod val="85000"/>
+                <a:lumOff val="15000"/>
+              </a:schemeClr>
+            </a:solidFill>
+          </a:ln>
+        </p:spPr>
+        <p:style>
+          <a:lnRef idx="1">
+            <a:schemeClr val="accent1"/>
+          </a:lnRef>
+          <a:fillRef idx="0">
+            <a:schemeClr val="accent1"/>
+          </a:fillRef>
+          <a:effectRef idx="0">
+            <a:schemeClr val="accent1"/>
+          </a:effectRef>
+          <a:fontRef idx="minor">
+            <a:schemeClr val="tx1"/>
+          </a:fontRef>
+        </p:style>
+      </p:cxnSp>
+      <p:sp>
+        <p:nvSpPr>
           <p:cNvPr id="2" name="Title 1"/>
           <p:cNvSpPr>
             <a:spLocks noGrp="1"/>
@@ -12321,13 +15966,25 @@
             <p:ph type="title"/>
           </p:nvPr>
         </p:nvSpPr>
-        <p:spPr/>
+        <p:spPr>
+          <a:xfrm>
+            <a:off x="838200" y="963877"/>
+            <a:ext cx="3494362" cy="4930246"/>
+          </a:xfrm>
+        </p:spPr>
         <p:txBody>
-          <a:bodyPr/>
+          <a:bodyPr>
+            <a:normAutofit/>
+          </a:bodyPr>
           <a:lstStyle/>
           <a:p>
-            <a:r>
-              <a:rPr lang="en-US" dirty="0"/>
+            <a:pPr algn="r"/>
+            <a:r>
+              <a:rPr lang="en-US">
+                <a:solidFill>
+                  <a:schemeClr val="accent1"/>
+                </a:solidFill>
+              </a:rPr>
               <a:t>Creation of templates</a:t>
             </a:r>
           </a:p>
@@ -12343,12 +16000,19 @@
             <p:ph idx="1"/>
           </p:nvPr>
         </p:nvSpPr>
-        <p:spPr/>
+        <p:spPr>
+          <a:xfrm>
+            <a:off x="4976031" y="963877"/>
+            <a:ext cx="6377769" cy="4930246"/>
+          </a:xfrm>
+        </p:spPr>
         <p:txBody>
-          <a:bodyPr/>
+          <a:bodyPr anchor="ctr">
+            <a:normAutofit/>
+          </a:bodyPr>
           <a:lstStyle/>
           <a:p>
-            <a:endParaRPr lang="en-US" dirty="0"/>
+            <a:endParaRPr lang="en-US" sz="2400"/>
           </a:p>
         </p:txBody>
       </p:sp>
@@ -12468,8 +16132,8 @@
       <p:bgPr>
         <a:solidFill>
           <a:schemeClr val="bg1">
-            <a:lumMod val="65000"/>
-            <a:lumOff val="35000"/>
+            <a:tint val="95000"/>
+            <a:satMod val="170000"/>
           </a:schemeClr>
         </a:solidFill>
         <a:effectLst/>
@@ -12489,6 +16153,437 @@
           <a:chExt cx="0" cy="0"/>
         </a:xfrm>
       </p:grpSpPr>
+      <p:sp>
+        <p:nvSpPr>
+          <p:cNvPr id="136" name="Oval 135">
+            <a:extLst>
+              <a:ext uri="{FF2B5EF4-FFF2-40B4-BE49-F238E27FC236}">
+                <a16:creationId xmlns:a16="http://schemas.microsoft.com/office/drawing/2014/main" id="{C99A8FB7-A79B-4BC9-9D56-B79587F6AA3E}"/>
+              </a:ext>
+            </a:extLst>
+          </p:cNvPr>
+          <p:cNvSpPr>
+            <a:spLocks noGrp="1" noRot="1" noChangeAspect="1" noMove="1" noResize="1" noEditPoints="1" noAdjustHandles="1" noChangeArrowheads="1" noChangeShapeType="1" noTextEdit="1"/>
+          </p:cNvSpPr>
+          <p:nvPr>
+            <p:extLst>
+              <p:ext uri="{386F3935-93C4-4BCD-93E2-E3B085C9AB24}">
+                <p16:designElem xmlns:p16="http://schemas.microsoft.com/office/powerpoint/2015/main" val="1"/>
+              </p:ext>
+            </p:extLst>
+          </p:nvPr>
+        </p:nvSpPr>
+        <p:spPr>
+          <a:xfrm>
+            <a:off x="5804761" y="2650637"/>
+            <a:ext cx="3118104" cy="3118104"/>
+          </a:xfrm>
+          <a:prstGeom prst="ellipse">
+            <a:avLst/>
+          </a:prstGeom>
+          <a:solidFill>
+            <a:srgbClr val="FFFFFF">
+              <a:alpha val="80000"/>
+            </a:srgbClr>
+          </a:solidFill>
+          <a:ln>
+            <a:noFill/>
+          </a:ln>
+        </p:spPr>
+        <p:style>
+          <a:lnRef idx="2">
+            <a:schemeClr val="accent1">
+              <a:shade val="50000"/>
+            </a:schemeClr>
+          </a:lnRef>
+          <a:fillRef idx="1">
+            <a:schemeClr val="accent1"/>
+          </a:fillRef>
+          <a:effectRef idx="0">
+            <a:schemeClr val="accent1"/>
+          </a:effectRef>
+          <a:fontRef idx="minor">
+            <a:schemeClr val="lt1"/>
+          </a:fontRef>
+        </p:style>
+        <p:txBody>
+          <a:bodyPr rtlCol="0" anchor="ctr"/>
+          <a:lstStyle/>
+          <a:p>
+            <a:pPr marL="0" marR="0" lvl="0" indent="0" algn="ctr" defTabSz="914400" rtl="0" eaLnBrk="1" fontAlgn="auto" latinLnBrk="0" hangingPunct="1">
+              <a:lnSpc>
+                <a:spcPct val="100000"/>
+              </a:lnSpc>
+              <a:spcBef>
+                <a:spcPts val="0"/>
+              </a:spcBef>
+              <a:spcAft>
+                <a:spcPts val="0"/>
+              </a:spcAft>
+              <a:buClrTx/>
+              <a:buSzTx/>
+              <a:buFontTx/>
+              <a:buNone/>
+              <a:tabLst/>
+              <a:defRPr/>
+            </a:pPr>
+            <a:endParaRPr kumimoji="0" lang="en-US" sz="1800" b="0" i="0" u="none" strike="noStrike" kern="1200" cap="none" spc="0" normalizeH="0" baseline="0" noProof="0">
+              <a:ln>
+                <a:noFill/>
+              </a:ln>
+              <a:solidFill>
+                <a:prstClr val="white"/>
+              </a:solidFill>
+              <a:effectLst/>
+              <a:uLnTx/>
+              <a:uFillTx/>
+              <a:latin typeface="Calibri" panose="020F0502020204030204"/>
+              <a:ea typeface="+mn-ea"/>
+              <a:cs typeface="+mn-cs"/>
+            </a:endParaRPr>
+          </a:p>
+        </p:txBody>
+      </p:sp>
+      <p:sp>
+        <p:nvSpPr>
+          <p:cNvPr id="138" name="Freeform: Shape 137">
+            <a:extLst>
+              <a:ext uri="{FF2B5EF4-FFF2-40B4-BE49-F238E27FC236}">
+                <a16:creationId xmlns:a16="http://schemas.microsoft.com/office/drawing/2014/main" id="{B23893E2-3349-46D7-A7AA-B9E447957FB1}"/>
+              </a:ext>
+            </a:extLst>
+          </p:cNvPr>
+          <p:cNvSpPr>
+            <a:spLocks noGrp="1" noRot="1" noChangeAspect="1" noMove="1" noResize="1" noEditPoints="1" noAdjustHandles="1" noChangeArrowheads="1" noChangeShapeType="1" noTextEdit="1"/>
+          </p:cNvSpPr>
+          <p:nvPr>
+            <p:extLst>
+              <p:ext uri="{386F3935-93C4-4BCD-93E2-E3B085C9AB24}">
+                <p16:designElem xmlns:p16="http://schemas.microsoft.com/office/powerpoint/2015/main" val="1"/>
+              </p:ext>
+            </p:extLst>
+          </p:nvPr>
+        </p:nvSpPr>
+        <p:spPr>
+          <a:xfrm>
+            <a:off x="7996859" y="0"/>
+            <a:ext cx="4198060" cy="3650200"/>
+          </a:xfrm>
+          <a:custGeom>
+            <a:avLst/>
+            <a:gdLst>
+              <a:gd name="connsiteX0" fmla="*/ 262846 w 4198060"/>
+              <a:gd name="connsiteY0" fmla="*/ 0 h 3650200"/>
+              <a:gd name="connsiteX1" fmla="*/ 4198060 w 4198060"/>
+              <a:gd name="connsiteY1" fmla="*/ 0 h 3650200"/>
+              <a:gd name="connsiteX2" fmla="*/ 4198060 w 4198060"/>
+              <a:gd name="connsiteY2" fmla="*/ 3021648 h 3650200"/>
+              <a:gd name="connsiteX3" fmla="*/ 4142653 w 4198060"/>
+              <a:gd name="connsiteY3" fmla="*/ 3072005 h 3650200"/>
+              <a:gd name="connsiteX4" fmla="*/ 2532040 w 4198060"/>
+              <a:gd name="connsiteY4" fmla="*/ 3650200 h 3650200"/>
+              <a:gd name="connsiteX5" fmla="*/ 0 w 4198060"/>
+              <a:gd name="connsiteY5" fmla="*/ 1118160 h 3650200"/>
+              <a:gd name="connsiteX6" fmla="*/ 198981 w 4198060"/>
+              <a:gd name="connsiteY6" fmla="*/ 132576 h 3650200"/>
+            </a:gdLst>
+            <a:ahLst/>
+            <a:cxnLst>
+              <a:cxn ang="0">
+                <a:pos x="connsiteX0" y="connsiteY0"/>
+              </a:cxn>
+              <a:cxn ang="0">
+                <a:pos x="connsiteX1" y="connsiteY1"/>
+              </a:cxn>
+              <a:cxn ang="0">
+                <a:pos x="connsiteX2" y="connsiteY2"/>
+              </a:cxn>
+              <a:cxn ang="0">
+                <a:pos x="connsiteX3" y="connsiteY3"/>
+              </a:cxn>
+              <a:cxn ang="0">
+                <a:pos x="connsiteX4" y="connsiteY4"/>
+              </a:cxn>
+              <a:cxn ang="0">
+                <a:pos x="connsiteX5" y="connsiteY5"/>
+              </a:cxn>
+              <a:cxn ang="0">
+                <a:pos x="connsiteX6" y="connsiteY6"/>
+              </a:cxn>
+            </a:cxnLst>
+            <a:rect l="l" t="t" r="r" b="b"/>
+            <a:pathLst>
+              <a:path w="4198060" h="3650200">
+                <a:moveTo>
+                  <a:pt x="262846" y="0"/>
+                </a:moveTo>
+                <a:lnTo>
+                  <a:pt x="4198060" y="0"/>
+                </a:lnTo>
+                <a:lnTo>
+                  <a:pt x="4198060" y="3021648"/>
+                </a:lnTo>
+                <a:lnTo>
+                  <a:pt x="4142653" y="3072005"/>
+                </a:lnTo>
+                <a:cubicBezTo>
+                  <a:pt x="3704967" y="3433216"/>
+                  <a:pt x="3143843" y="3650200"/>
+                  <a:pt x="2532040" y="3650200"/>
+                </a:cubicBezTo>
+                <a:cubicBezTo>
+                  <a:pt x="1133633" y="3650200"/>
+                  <a:pt x="0" y="2516567"/>
+                  <a:pt x="0" y="1118160"/>
+                </a:cubicBezTo>
+                <a:cubicBezTo>
+                  <a:pt x="0" y="768558"/>
+                  <a:pt x="70852" y="435505"/>
+                  <a:pt x="198981" y="132576"/>
+                </a:cubicBezTo>
+                <a:close/>
+              </a:path>
+            </a:pathLst>
+          </a:custGeom>
+          <a:solidFill>
+            <a:srgbClr val="FFFFFF">
+              <a:alpha val="80000"/>
+            </a:srgbClr>
+          </a:solidFill>
+          <a:ln>
+            <a:noFill/>
+          </a:ln>
+        </p:spPr>
+        <p:style>
+          <a:lnRef idx="2">
+            <a:schemeClr val="accent1">
+              <a:shade val="50000"/>
+            </a:schemeClr>
+          </a:lnRef>
+          <a:fillRef idx="1">
+            <a:schemeClr val="accent1"/>
+          </a:fillRef>
+          <a:effectRef idx="0">
+            <a:schemeClr val="accent1"/>
+          </a:effectRef>
+          <a:fontRef idx="minor">
+            <a:schemeClr val="lt1"/>
+          </a:fontRef>
+        </p:style>
+        <p:txBody>
+          <a:bodyPr wrap="square" rtlCol="0" anchor="ctr">
+            <a:noAutofit/>
+          </a:bodyPr>
+          <a:lstStyle/>
+          <a:p>
+            <a:pPr marL="0" marR="0" lvl="0" indent="0" algn="ctr" defTabSz="914400" rtl="0" eaLnBrk="1" fontAlgn="auto" latinLnBrk="0" hangingPunct="1">
+              <a:lnSpc>
+                <a:spcPct val="100000"/>
+              </a:lnSpc>
+              <a:spcBef>
+                <a:spcPts val="0"/>
+              </a:spcBef>
+              <a:spcAft>
+                <a:spcPts val="0"/>
+              </a:spcAft>
+              <a:buClrTx/>
+              <a:buSzTx/>
+              <a:buFontTx/>
+              <a:buNone/>
+              <a:tabLst/>
+              <a:defRPr/>
+            </a:pPr>
+            <a:endParaRPr kumimoji="0" lang="en-US" sz="1800" b="0" i="0" u="none" strike="noStrike" kern="1200" cap="none" spc="0" normalizeH="0" baseline="0" noProof="0">
+              <a:ln>
+                <a:noFill/>
+              </a:ln>
+              <a:solidFill>
+                <a:prstClr val="white"/>
+              </a:solidFill>
+              <a:effectLst/>
+              <a:uLnTx/>
+              <a:uFillTx/>
+              <a:latin typeface="Calibri" panose="020F0502020204030204"/>
+              <a:ea typeface="+mn-ea"/>
+              <a:cs typeface="+mn-cs"/>
+            </a:endParaRPr>
+          </a:p>
+        </p:txBody>
+      </p:sp>
+      <p:sp>
+        <p:nvSpPr>
+          <p:cNvPr id="140" name="Freeform: Shape 139">
+            <a:extLst>
+              <a:ext uri="{FF2B5EF4-FFF2-40B4-BE49-F238E27FC236}">
+                <a16:creationId xmlns:a16="http://schemas.microsoft.com/office/drawing/2014/main" id="{2B7592FE-10D1-4664-B623-353F47C8DF7F}"/>
+              </a:ext>
+            </a:extLst>
+          </p:cNvPr>
+          <p:cNvSpPr>
+            <a:spLocks noGrp="1" noRot="1" noChangeAspect="1" noMove="1" noResize="1" noEditPoints="1" noAdjustHandles="1" noChangeArrowheads="1" noChangeShapeType="1" noTextEdit="1"/>
+          </p:cNvSpPr>
+          <p:nvPr>
+            <p:extLst>
+              <p:ext uri="{386F3935-93C4-4BCD-93E2-E3B085C9AB24}">
+                <p16:designElem xmlns:p16="http://schemas.microsoft.com/office/powerpoint/2015/main" val="1"/>
+              </p:ext>
+            </p:extLst>
+          </p:nvPr>
+        </p:nvSpPr>
+        <p:spPr>
+          <a:xfrm>
+            <a:off x="8888132" y="4032250"/>
+            <a:ext cx="3303868" cy="2825750"/>
+          </a:xfrm>
+          <a:custGeom>
+            <a:avLst/>
+            <a:gdLst>
+              <a:gd name="connsiteX0" fmla="*/ 1888600 w 3303868"/>
+              <a:gd name="connsiteY0" fmla="*/ 0 h 2825750"/>
+              <a:gd name="connsiteX1" fmla="*/ 3224042 w 3303868"/>
+              <a:gd name="connsiteY1" fmla="*/ 553158 h 2825750"/>
+              <a:gd name="connsiteX2" fmla="*/ 3303868 w 3303868"/>
+              <a:gd name="connsiteY2" fmla="*/ 640989 h 2825750"/>
+              <a:gd name="connsiteX3" fmla="*/ 3303868 w 3303868"/>
+              <a:gd name="connsiteY3" fmla="*/ 2825750 h 2825750"/>
+              <a:gd name="connsiteX4" fmla="*/ 250380 w 3303868"/>
+              <a:gd name="connsiteY4" fmla="*/ 2825750 h 2825750"/>
+              <a:gd name="connsiteX5" fmla="*/ 227944 w 3303868"/>
+              <a:gd name="connsiteY5" fmla="*/ 2788819 h 2825750"/>
+              <a:gd name="connsiteX6" fmla="*/ 0 w 3303868"/>
+              <a:gd name="connsiteY6" fmla="*/ 1888600 h 2825750"/>
+              <a:gd name="connsiteX7" fmla="*/ 1888600 w 3303868"/>
+              <a:gd name="connsiteY7" fmla="*/ 0 h 2825750"/>
+            </a:gdLst>
+            <a:ahLst/>
+            <a:cxnLst>
+              <a:cxn ang="0">
+                <a:pos x="connsiteX0" y="connsiteY0"/>
+              </a:cxn>
+              <a:cxn ang="0">
+                <a:pos x="connsiteX1" y="connsiteY1"/>
+              </a:cxn>
+              <a:cxn ang="0">
+                <a:pos x="connsiteX2" y="connsiteY2"/>
+              </a:cxn>
+              <a:cxn ang="0">
+                <a:pos x="connsiteX3" y="connsiteY3"/>
+              </a:cxn>
+              <a:cxn ang="0">
+                <a:pos x="connsiteX4" y="connsiteY4"/>
+              </a:cxn>
+              <a:cxn ang="0">
+                <a:pos x="connsiteX5" y="connsiteY5"/>
+              </a:cxn>
+              <a:cxn ang="0">
+                <a:pos x="connsiteX6" y="connsiteY6"/>
+              </a:cxn>
+              <a:cxn ang="0">
+                <a:pos x="connsiteX7" y="connsiteY7"/>
+              </a:cxn>
+            </a:cxnLst>
+            <a:rect l="l" t="t" r="r" b="b"/>
+            <a:pathLst>
+              <a:path w="3303868" h="2825750">
+                <a:moveTo>
+                  <a:pt x="1888600" y="0"/>
+                </a:moveTo>
+                <a:cubicBezTo>
+                  <a:pt x="2410123" y="0"/>
+                  <a:pt x="2882273" y="211389"/>
+                  <a:pt x="3224042" y="553158"/>
+                </a:cubicBezTo>
+                <a:lnTo>
+                  <a:pt x="3303868" y="640989"/>
+                </a:lnTo>
+                <a:lnTo>
+                  <a:pt x="3303868" y="2825750"/>
+                </a:lnTo>
+                <a:lnTo>
+                  <a:pt x="250380" y="2825750"/>
+                </a:lnTo>
+                <a:lnTo>
+                  <a:pt x="227944" y="2788819"/>
+                </a:lnTo>
+                <a:cubicBezTo>
+                  <a:pt x="82574" y="2521217"/>
+                  <a:pt x="0" y="2214552"/>
+                  <a:pt x="0" y="1888600"/>
+                </a:cubicBezTo>
+                <a:cubicBezTo>
+                  <a:pt x="0" y="845555"/>
+                  <a:pt x="845555" y="0"/>
+                  <a:pt x="1888600" y="0"/>
+                </a:cubicBezTo>
+                <a:close/>
+              </a:path>
+            </a:pathLst>
+          </a:custGeom>
+          <a:solidFill>
+            <a:srgbClr val="FFFFFF">
+              <a:alpha val="80000"/>
+            </a:srgbClr>
+          </a:solidFill>
+          <a:ln>
+            <a:noFill/>
+          </a:ln>
+        </p:spPr>
+        <p:style>
+          <a:lnRef idx="2">
+            <a:schemeClr val="accent1">
+              <a:shade val="50000"/>
+            </a:schemeClr>
+          </a:lnRef>
+          <a:fillRef idx="1">
+            <a:schemeClr val="accent1"/>
+          </a:fillRef>
+          <a:effectRef idx="0">
+            <a:schemeClr val="accent1"/>
+          </a:effectRef>
+          <a:fontRef idx="minor">
+            <a:schemeClr val="lt1"/>
+          </a:fontRef>
+        </p:style>
+        <p:txBody>
+          <a:bodyPr wrap="square" rtlCol="0" anchor="ctr">
+            <a:noAutofit/>
+          </a:bodyPr>
+          <a:lstStyle/>
+          <a:p>
+            <a:pPr marL="0" marR="0" lvl="0" indent="0" algn="ctr" defTabSz="914400" rtl="0" eaLnBrk="1" fontAlgn="auto" latinLnBrk="0" hangingPunct="1">
+              <a:lnSpc>
+                <a:spcPct val="100000"/>
+              </a:lnSpc>
+              <a:spcBef>
+                <a:spcPts val="0"/>
+              </a:spcBef>
+              <a:spcAft>
+                <a:spcPts val="0"/>
+              </a:spcAft>
+              <a:buClrTx/>
+              <a:buSzTx/>
+              <a:buFontTx/>
+              <a:buNone/>
+              <a:tabLst/>
+              <a:defRPr/>
+            </a:pPr>
+            <a:endParaRPr kumimoji="0" lang="en-US" sz="1800" b="0" i="0" u="none" strike="noStrike" kern="1200" cap="none" spc="0" normalizeH="0" baseline="0" noProof="0">
+              <a:ln>
+                <a:noFill/>
+              </a:ln>
+              <a:solidFill>
+                <a:prstClr val="white"/>
+              </a:solidFill>
+              <a:effectLst/>
+              <a:uLnTx/>
+              <a:uFillTx/>
+              <a:latin typeface="Calibri" panose="020F0502020204030204"/>
+              <a:ea typeface="+mn-ea"/>
+              <a:cs typeface="+mn-cs"/>
+            </a:endParaRPr>
+          </a:p>
+        </p:txBody>
+      </p:sp>
       <p:pic>
         <p:nvPicPr>
           <p:cNvPr id="7" name="Picture 6">
@@ -12503,7 +16598,7 @@
           </p:cNvPicPr>
           <p:nvPr/>
         </p:nvPicPr>
-        <p:blipFill>
+        <p:blipFill rotWithShape="1">
           <a:blip r:embed="rId3">
             <a:extLst>
               <a:ext uri="{28A0092B-C50C-407E-A947-70E740481C1C}">
@@ -12511,107 +16606,87 @@
               </a:ext>
             </a:extLst>
           </a:blip>
-          <a:stretch>
-            <a:fillRect/>
-          </a:stretch>
+          <a:srcRect r="-4" b="-4"/>
+          <a:stretch/>
         </p:blipFill>
         <p:spPr>
           <a:xfrm>
-            <a:off x="2457994" y="1241884"/>
-            <a:ext cx="6858000" cy="6858000"/>
+            <a:off x="5567481" y="2665184"/>
+            <a:ext cx="3485607" cy="3485607"/>
           </a:xfrm>
-          <a:prstGeom prst="rect">
+          <a:custGeom>
             <a:avLst/>
-          </a:prstGeom>
+            <a:gdLst>
+              <a:gd name="connsiteX0" fmla="*/ 1440180 w 2880360"/>
+              <a:gd name="connsiteY0" fmla="*/ 0 h 2880360"/>
+              <a:gd name="connsiteX1" fmla="*/ 2880360 w 2880360"/>
+              <a:gd name="connsiteY1" fmla="*/ 1440180 h 2880360"/>
+              <a:gd name="connsiteX2" fmla="*/ 1440180 w 2880360"/>
+              <a:gd name="connsiteY2" fmla="*/ 2880360 h 2880360"/>
+              <a:gd name="connsiteX3" fmla="*/ 0 w 2880360"/>
+              <a:gd name="connsiteY3" fmla="*/ 1440180 h 2880360"/>
+              <a:gd name="connsiteX4" fmla="*/ 1440180 w 2880360"/>
+              <a:gd name="connsiteY4" fmla="*/ 0 h 2880360"/>
+            </a:gdLst>
+            <a:ahLst/>
+            <a:cxnLst>
+              <a:cxn ang="0">
+                <a:pos x="connsiteX0" y="connsiteY0"/>
+              </a:cxn>
+              <a:cxn ang="0">
+                <a:pos x="connsiteX1" y="connsiteY1"/>
+              </a:cxn>
+              <a:cxn ang="0">
+                <a:pos x="connsiteX2" y="connsiteY2"/>
+              </a:cxn>
+              <a:cxn ang="0">
+                <a:pos x="connsiteX3" y="connsiteY3"/>
+              </a:cxn>
+              <a:cxn ang="0">
+                <a:pos x="connsiteX4" y="connsiteY4"/>
+              </a:cxn>
+            </a:cxnLst>
+            <a:rect l="l" t="t" r="r" b="b"/>
+            <a:pathLst>
+              <a:path w="2880360" h="2880360">
+                <a:moveTo>
+                  <a:pt x="1440180" y="0"/>
+                </a:moveTo>
+                <a:cubicBezTo>
+                  <a:pt x="2235569" y="0"/>
+                  <a:pt x="2880360" y="644791"/>
+                  <a:pt x="2880360" y="1440180"/>
+                </a:cubicBezTo>
+                <a:cubicBezTo>
+                  <a:pt x="2880360" y="2235569"/>
+                  <a:pt x="2235569" y="2880360"/>
+                  <a:pt x="1440180" y="2880360"/>
+                </a:cubicBezTo>
+                <a:cubicBezTo>
+                  <a:pt x="644791" y="2880360"/>
+                  <a:pt x="0" y="2235569"/>
+                  <a:pt x="0" y="1440180"/>
+                </a:cubicBezTo>
+                <a:cubicBezTo>
+                  <a:pt x="0" y="644791"/>
+                  <a:pt x="644791" y="0"/>
+                  <a:pt x="1440180" y="0"/>
+                </a:cubicBezTo>
+                <a:close/>
+              </a:path>
+            </a:pathLst>
+          </a:custGeom>
         </p:spPr>
       </p:pic>
-      <p:sp>
-        <p:nvSpPr>
-          <p:cNvPr id="2" name="Title 1"/>
-          <p:cNvSpPr>
-            <a:spLocks noGrp="1"/>
-          </p:cNvSpPr>
-          <p:nvPr>
-            <p:ph type="title"/>
-          </p:nvPr>
-        </p:nvSpPr>
-        <p:spPr>
-          <a:xfrm>
-            <a:off x="652668" y="579103"/>
-            <a:ext cx="10777330" cy="1325563"/>
-          </a:xfrm>
-        </p:spPr>
-        <p:txBody>
-          <a:bodyPr>
-            <a:normAutofit/>
-          </a:bodyPr>
-          <a:lstStyle/>
-          <a:p>
-            <a:pPr algn="ctr"/>
-            <a:r>
-              <a:rPr lang="en-US" sz="5400" dirty="0">
-                <a:solidFill>
-                  <a:srgbClr val="00B0F0"/>
-                </a:solidFill>
-                <a:latin typeface="Segoe UI Light" panose="020B0502040204020203" pitchFamily="34" charset="0"/>
-                <a:cs typeface="Segoe UI Light" panose="020B0502040204020203" pitchFamily="34" charset="0"/>
-              </a:rPr>
-              <a:t>Build with Microsoft Tech</a:t>
-            </a:r>
-          </a:p>
-        </p:txBody>
-      </p:sp>
-      <p:sp>
-        <p:nvSpPr>
-          <p:cNvPr id="3" name="Content Placeholder 2"/>
-          <p:cNvSpPr>
-            <a:spLocks noGrp="1"/>
-          </p:cNvSpPr>
-          <p:nvPr>
-            <p:ph idx="1"/>
-          </p:nvPr>
-        </p:nvSpPr>
-        <p:spPr>
-          <a:xfrm>
-            <a:off x="1386162" y="1643016"/>
-            <a:ext cx="9444902" cy="4061659"/>
-          </a:xfrm>
-        </p:spPr>
-        <p:txBody>
-          <a:bodyPr/>
-          <a:lstStyle/>
-          <a:p>
-            <a:pPr marL="0" indent="0" algn="ctr">
-              <a:buNone/>
-            </a:pPr>
-            <a:r>
-              <a:rPr lang="en-US" sz="4000" i="1" dirty="0">
-                <a:latin typeface="Segoe UI Light" panose="020B0502040204020203" pitchFamily="34" charset="0"/>
-                <a:cs typeface="Segoe UI Light" panose="020B0502040204020203" pitchFamily="34" charset="0"/>
-              </a:rPr>
-              <a:t>Explore developer tools, platforms, and APIs </a:t>
-            </a:r>
-          </a:p>
-          <a:p>
-            <a:pPr marL="0" indent="0" algn="ctr">
-              <a:buNone/>
-            </a:pPr>
-            <a:endParaRPr lang="en-US" sz="4000" i="1" dirty="0">
-              <a:latin typeface="Segoe UI Light" panose="020B0502040204020203" pitchFamily="34" charset="0"/>
-              <a:cs typeface="Segoe UI Light" panose="020B0502040204020203" pitchFamily="34" charset="0"/>
-            </a:endParaRPr>
-          </a:p>
-        </p:txBody>
-      </p:sp>
       <p:pic>
         <p:nvPicPr>
-          <p:cNvPr id="1026" name="DE0816EB-0799-461B-8CAB-F8639086CFFD" descr="1078F4CF-61B7-46A5-815D-338F62390895@hsd1"/>
+          <p:cNvPr id="1027" name="C1E29E4C-1F3B-47B1-972B-2B7120147472" descr="FD91B74B-F96D-4EAD-BB2E-6CCF265D6248@hsd1"/>
           <p:cNvPicPr>
             <a:picLocks noChangeAspect="1" noChangeArrowheads="1"/>
           </p:cNvPicPr>
           <p:nvPr/>
         </p:nvPicPr>
-        <p:blipFill>
+        <p:blipFill rotWithShape="1">
           <a:blip r:embed="rId4">
             <a:extLst>
               <a:ext uri="{28A0092B-C50C-407E-A947-70E740481C1C}">
@@ -12619,23 +16694,91 @@
               </a:ext>
             </a:extLst>
           </a:blip>
-          <a:srcRect/>
-          <a:stretch>
-            <a:fillRect/>
-          </a:stretch>
+          <a:srcRect l="14049" r="7821" b="1"/>
+          <a:stretch/>
         </p:blipFill>
         <p:spPr bwMode="auto">
           <a:xfrm>
-            <a:off x="6219281" y="2220825"/>
-            <a:ext cx="3343275" cy="2257425"/>
+            <a:off x="8160603" y="2"/>
+            <a:ext cx="4034316" cy="3486455"/>
           </a:xfrm>
-          <a:prstGeom prst="rect">
+          <a:custGeom>
             <a:avLst/>
-          </a:prstGeom>
+            <a:gdLst>
+              <a:gd name="connsiteX0" fmla="*/ 280681 w 4034316"/>
+              <a:gd name="connsiteY0" fmla="*/ 0 h 3486455"/>
+              <a:gd name="connsiteX1" fmla="*/ 4034316 w 4034316"/>
+              <a:gd name="connsiteY1" fmla="*/ 0 h 3486455"/>
+              <a:gd name="connsiteX2" fmla="*/ 4034316 w 4034316"/>
+              <a:gd name="connsiteY2" fmla="*/ 2800630 h 3486455"/>
+              <a:gd name="connsiteX3" fmla="*/ 3874752 w 4034316"/>
+              <a:gd name="connsiteY3" fmla="*/ 2945652 h 3486455"/>
+              <a:gd name="connsiteX4" fmla="*/ 2368296 w 4034316"/>
+              <a:gd name="connsiteY4" fmla="*/ 3486455 h 3486455"/>
+              <a:gd name="connsiteX5" fmla="*/ 0 w 4034316"/>
+              <a:gd name="connsiteY5" fmla="*/ 1118159 h 3486455"/>
+              <a:gd name="connsiteX6" fmla="*/ 186113 w 4034316"/>
+              <a:gd name="connsiteY6" fmla="*/ 196311 h 3486455"/>
+            </a:gdLst>
+            <a:ahLst/>
+            <a:cxnLst>
+              <a:cxn ang="0">
+                <a:pos x="connsiteX0" y="connsiteY0"/>
+              </a:cxn>
+              <a:cxn ang="0">
+                <a:pos x="connsiteX1" y="connsiteY1"/>
+              </a:cxn>
+              <a:cxn ang="0">
+                <a:pos x="connsiteX2" y="connsiteY2"/>
+              </a:cxn>
+              <a:cxn ang="0">
+                <a:pos x="connsiteX3" y="connsiteY3"/>
+              </a:cxn>
+              <a:cxn ang="0">
+                <a:pos x="connsiteX4" y="connsiteY4"/>
+              </a:cxn>
+              <a:cxn ang="0">
+                <a:pos x="connsiteX5" y="connsiteY5"/>
+              </a:cxn>
+              <a:cxn ang="0">
+                <a:pos x="connsiteX6" y="connsiteY6"/>
+              </a:cxn>
+            </a:cxnLst>
+            <a:rect l="l" t="t" r="r" b="b"/>
+            <a:pathLst>
+              <a:path w="4034316" h="3486455">
+                <a:moveTo>
+                  <a:pt x="280681" y="0"/>
+                </a:moveTo>
+                <a:lnTo>
+                  <a:pt x="4034316" y="0"/>
+                </a:lnTo>
+                <a:lnTo>
+                  <a:pt x="4034316" y="2800630"/>
+                </a:lnTo>
+                <a:lnTo>
+                  <a:pt x="3874752" y="2945652"/>
+                </a:lnTo>
+                <a:cubicBezTo>
+                  <a:pt x="3465371" y="3283503"/>
+                  <a:pt x="2940535" y="3486455"/>
+                  <a:pt x="2368296" y="3486455"/>
+                </a:cubicBezTo>
+                <a:cubicBezTo>
+                  <a:pt x="1060322" y="3486455"/>
+                  <a:pt x="0" y="2426133"/>
+                  <a:pt x="0" y="1118159"/>
+                </a:cubicBezTo>
+                <a:cubicBezTo>
+                  <a:pt x="0" y="791166"/>
+                  <a:pt x="66270" y="479650"/>
+                  <a:pt x="186113" y="196311"/>
+                </a:cubicBezTo>
+                <a:close/>
+              </a:path>
+            </a:pathLst>
+          </a:custGeom>
           <a:noFill/>
-          <a:ln>
-            <a:noFill/>
-          </a:ln>
           <a:extLst>
             <a:ext uri="{909E8E84-426E-40DD-AFC4-6F175D3DCCD1}">
               <a14:hiddenFill xmlns:a14="http://schemas.microsoft.com/office/drawing/2010/main">
@@ -12659,13 +16802,13 @@
       </p:pic>
       <p:pic>
         <p:nvPicPr>
-          <p:cNvPr id="1027" name="C1E29E4C-1F3B-47B1-972B-2B7120147472" descr="FD91B74B-F96D-4EAD-BB2E-6CCF265D6248@hsd1"/>
+          <p:cNvPr id="1026" name="DE0816EB-0799-461B-8CAB-F8639086CFFD" descr="1078F4CF-61B7-46A5-815D-338F62390895@hsd1"/>
           <p:cNvPicPr>
             <a:picLocks noChangeAspect="1" noChangeArrowheads="1"/>
           </p:cNvPicPr>
           <p:nvPr/>
         </p:nvPicPr>
-        <p:blipFill>
+        <p:blipFill rotWithShape="1">
           <a:blip r:embed="rId5">
             <a:extLst>
               <a:ext uri="{28A0092B-C50C-407E-A947-70E740481C1C}">
@@ -12673,23 +16816,99 @@
               </a:ext>
             </a:extLst>
           </a:blip>
-          <a:srcRect/>
-          <a:stretch>
-            <a:fillRect/>
-          </a:stretch>
+          <a:srcRect l="6567" r="13779"/>
+          <a:stretch/>
         </p:blipFill>
         <p:spPr bwMode="auto">
           <a:xfrm>
-            <a:off x="2876006" y="4838763"/>
-            <a:ext cx="3343275" cy="2257425"/>
+            <a:off x="9053088" y="4197217"/>
+            <a:ext cx="3138912" cy="2660795"/>
           </a:xfrm>
-          <a:prstGeom prst="rect">
+          <a:custGeom>
             <a:avLst/>
-          </a:prstGeom>
+            <a:gdLst>
+              <a:gd name="connsiteX0" fmla="*/ 1723644 w 3138912"/>
+              <a:gd name="connsiteY0" fmla="*/ 0 h 2660795"/>
+              <a:gd name="connsiteX1" fmla="*/ 3053691 w 3138912"/>
+              <a:gd name="connsiteY1" fmla="*/ 627247 h 2660795"/>
+              <a:gd name="connsiteX2" fmla="*/ 3138912 w 3138912"/>
+              <a:gd name="connsiteY2" fmla="*/ 741211 h 2660795"/>
+              <a:gd name="connsiteX3" fmla="*/ 3138912 w 3138912"/>
+              <a:gd name="connsiteY3" fmla="*/ 2660795 h 2660795"/>
+              <a:gd name="connsiteX4" fmla="*/ 278239 w 3138912"/>
+              <a:gd name="connsiteY4" fmla="*/ 2660795 h 2660795"/>
+              <a:gd name="connsiteX5" fmla="*/ 208035 w 3138912"/>
+              <a:gd name="connsiteY5" fmla="*/ 2545235 h 2660795"/>
+              <a:gd name="connsiteX6" fmla="*/ 0 w 3138912"/>
+              <a:gd name="connsiteY6" fmla="*/ 1723644 h 2660795"/>
+              <a:gd name="connsiteX7" fmla="*/ 1723644 w 3138912"/>
+              <a:gd name="connsiteY7" fmla="*/ 0 h 2660795"/>
+            </a:gdLst>
+            <a:ahLst/>
+            <a:cxnLst>
+              <a:cxn ang="0">
+                <a:pos x="connsiteX0" y="connsiteY0"/>
+              </a:cxn>
+              <a:cxn ang="0">
+                <a:pos x="connsiteX1" y="connsiteY1"/>
+              </a:cxn>
+              <a:cxn ang="0">
+                <a:pos x="connsiteX2" y="connsiteY2"/>
+              </a:cxn>
+              <a:cxn ang="0">
+                <a:pos x="connsiteX3" y="connsiteY3"/>
+              </a:cxn>
+              <a:cxn ang="0">
+                <a:pos x="connsiteX4" y="connsiteY4"/>
+              </a:cxn>
+              <a:cxn ang="0">
+                <a:pos x="connsiteX5" y="connsiteY5"/>
+              </a:cxn>
+              <a:cxn ang="0">
+                <a:pos x="connsiteX6" y="connsiteY6"/>
+              </a:cxn>
+              <a:cxn ang="0">
+                <a:pos x="connsiteX7" y="connsiteY7"/>
+              </a:cxn>
+            </a:cxnLst>
+            <a:rect l="l" t="t" r="r" b="b"/>
+            <a:pathLst>
+              <a:path w="3138912" h="2660795">
+                <a:moveTo>
+                  <a:pt x="1723644" y="0"/>
+                </a:moveTo>
+                <a:cubicBezTo>
+                  <a:pt x="2259111" y="0"/>
+                  <a:pt x="2737550" y="244172"/>
+                  <a:pt x="3053691" y="627247"/>
+                </a:cubicBezTo>
+                <a:lnTo>
+                  <a:pt x="3138912" y="741211"/>
+                </a:lnTo>
+                <a:lnTo>
+                  <a:pt x="3138912" y="2660795"/>
+                </a:lnTo>
+                <a:lnTo>
+                  <a:pt x="278239" y="2660795"/>
+                </a:lnTo>
+                <a:lnTo>
+                  <a:pt x="208035" y="2545235"/>
+                </a:lnTo>
+                <a:cubicBezTo>
+                  <a:pt x="75362" y="2301006"/>
+                  <a:pt x="0" y="2021126"/>
+                  <a:pt x="0" y="1723644"/>
+                </a:cubicBezTo>
+                <a:cubicBezTo>
+                  <a:pt x="0" y="771702"/>
+                  <a:pt x="771702" y="0"/>
+                  <a:pt x="1723644" y="0"/>
+                </a:cubicBezTo>
+                <a:close/>
+              </a:path>
+            </a:pathLst>
+          </a:custGeom>
           <a:noFill/>
-          <a:ln>
-            <a:noFill/>
-          </a:ln>
           <a:extLst>
             <a:ext uri="{909E8E84-426E-40DD-AFC4-6F175D3DCCD1}">
               <a14:hiddenFill xmlns:a14="http://schemas.microsoft.com/office/drawing/2010/main">
@@ -12711,6 +16930,82 @@
           </a:extLst>
         </p:spPr>
       </p:pic>
+      <p:sp>
+        <p:nvSpPr>
+          <p:cNvPr id="2" name="Title 1"/>
+          <p:cNvSpPr>
+            <a:spLocks noGrp="1"/>
+          </p:cNvSpPr>
+          <p:nvPr>
+            <p:ph type="title"/>
+          </p:nvPr>
+        </p:nvSpPr>
+        <p:spPr>
+          <a:xfrm>
+            <a:off x="801098" y="1396289"/>
+            <a:ext cx="5712824" cy="1325563"/>
+          </a:xfrm>
+        </p:spPr>
+        <p:txBody>
+          <a:bodyPr>
+            <a:normAutofit/>
+          </a:bodyPr>
+          <a:lstStyle/>
+          <a:p>
+            <a:r>
+              <a:rPr lang="en-US">
+                <a:latin typeface="Segoe UI Light" panose="020B0502040204020203" pitchFamily="34" charset="0"/>
+                <a:cs typeface="Segoe UI Light" panose="020B0502040204020203" pitchFamily="34" charset="0"/>
+              </a:rPr>
+              <a:t>Build with Microsoft Tech</a:t>
+            </a:r>
+          </a:p>
+        </p:txBody>
+      </p:sp>
+      <p:sp>
+        <p:nvSpPr>
+          <p:cNvPr id="3" name="Content Placeholder 2"/>
+          <p:cNvSpPr>
+            <a:spLocks noGrp="1"/>
+          </p:cNvSpPr>
+          <p:nvPr>
+            <p:ph idx="1"/>
+          </p:nvPr>
+        </p:nvSpPr>
+        <p:spPr>
+          <a:xfrm>
+            <a:off x="805543" y="2871982"/>
+            <a:ext cx="4558309" cy="3181684"/>
+          </a:xfrm>
+        </p:spPr>
+        <p:txBody>
+          <a:bodyPr anchor="t">
+            <a:normAutofit/>
+          </a:bodyPr>
+          <a:lstStyle/>
+          <a:p>
+            <a:pPr marL="0" indent="0">
+              <a:buNone/>
+            </a:pPr>
+            <a:r>
+              <a:rPr lang="en-US" sz="1800" i="1">
+                <a:latin typeface="Segoe UI Light" panose="020B0502040204020203" pitchFamily="34" charset="0"/>
+                <a:cs typeface="Segoe UI Light" panose="020B0502040204020203" pitchFamily="34" charset="0"/>
+              </a:rPr>
+              <a:t>Explore developer tools, platforms, and APIs </a:t>
+            </a:r>
+          </a:p>
+          <a:p>
+            <a:pPr marL="0" indent="0">
+              <a:buNone/>
+            </a:pPr>
+            <a:endParaRPr lang="en-US" sz="1800" i="1">
+              <a:latin typeface="Segoe UI Light" panose="020B0502040204020203" pitchFamily="34" charset="0"/>
+              <a:cs typeface="Segoe UI Light" panose="020B0502040204020203" pitchFamily="34" charset="0"/>
+            </a:endParaRPr>
+          </a:p>
+        </p:txBody>
+      </p:sp>
     </p:spTree>
     <p:extLst>
       <p:ext uri="{BB962C8B-B14F-4D97-AF65-F5344CB8AC3E}">

--- a/Tour de .NET Core CLI.pptx
+++ b/Tour de .NET Core CLI.pptx
@@ -6,7 +6,7 @@
     <p:sldMasterId id="2147483847" r:id="rId2"/>
   </p:sldMasterIdLst>
   <p:notesMasterIdLst>
-    <p:notesMasterId r:id="rId12"/>
+    <p:notesMasterId r:id="rId14"/>
   </p:notesMasterIdLst>
   <p:sldIdLst>
     <p:sldId id="342" r:id="rId3"/>
@@ -15,9 +15,11 @@
     <p:sldId id="352" r:id="rId6"/>
     <p:sldId id="348" r:id="rId7"/>
     <p:sldId id="349" r:id="rId8"/>
-    <p:sldId id="350" r:id="rId9"/>
-    <p:sldId id="351" r:id="rId10"/>
-    <p:sldId id="346" r:id="rId11"/>
+    <p:sldId id="354" r:id="rId9"/>
+    <p:sldId id="350" r:id="rId10"/>
+    <p:sldId id="355" r:id="rId11"/>
+    <p:sldId id="351" r:id="rId12"/>
+    <p:sldId id="346" r:id="rId13"/>
   </p:sldIdLst>
   <p:sldSz cx="12192000" cy="6858000"/>
   <p:notesSz cx="6858000" cy="9144000"/>
@@ -26,7 +28,7 @@
       <p:sldLst>
         <p:sld r:id="rId3"/>
         <p:sld r:id="rId4"/>
-        <p:sld r:id="rId11"/>
+        <p:sld r:id="rId13"/>
       </p:sldLst>
     </p:custShow>
   </p:custShowLst>
@@ -136,7 +138,9 @@
             <p14:sldId id="352"/>
             <p14:sldId id="348"/>
             <p14:sldId id="349"/>
+            <p14:sldId id="354"/>
             <p14:sldId id="350"/>
+            <p14:sldId id="355"/>
             <p14:sldId id="351"/>
             <p14:sldId id="346"/>
           </p14:sldIdLst>
@@ -2690,7 +2694,7 @@
           <a:p>
             <a:fld id="{3B87D1B5-D667-42F5-9E38-2FD202ABDFA0}" type="datetimeFigureOut">
               <a:rPr lang="en-US" smtClean="0"/>
-              <a:t>3/3/2018</a:t>
+              <a:t>3/6/2018</a:t>
             </a:fld>
             <a:endParaRPr lang="en-US"/>
           </a:p>
@@ -3095,6 +3099,234 @@
 </p:notes>
 </file>
 
+<file path=ppt/notesSlides/notesSlide10.xml><?xml version="1.0" encoding="utf-8"?>
+<p:notes xmlns:a="http://schemas.openxmlformats.org/drawingml/2006/main" xmlns:r="http://schemas.openxmlformats.org/officeDocument/2006/relationships" xmlns:p="http://schemas.openxmlformats.org/presentationml/2006/main">
+  <p:cSld>
+    <p:spTree>
+      <p:nvGrpSpPr>
+        <p:cNvPr id="1" name=""/>
+        <p:cNvGrpSpPr/>
+        <p:nvPr/>
+      </p:nvGrpSpPr>
+      <p:grpSpPr>
+        <a:xfrm>
+          <a:off x="0" y="0"/>
+          <a:ext cx="0" cy="0"/>
+          <a:chOff x="0" y="0"/>
+          <a:chExt cx="0" cy="0"/>
+        </a:xfrm>
+      </p:grpSpPr>
+      <p:sp>
+        <p:nvSpPr>
+          <p:cNvPr id="2" name="Slide Image Placeholder 1"/>
+          <p:cNvSpPr>
+            <a:spLocks noGrp="1" noRot="1" noChangeAspect="1"/>
+          </p:cNvSpPr>
+          <p:nvPr>
+            <p:ph type="sldImg"/>
+          </p:nvPr>
+        </p:nvSpPr>
+        <p:spPr/>
+      </p:sp>
+      <p:sp>
+        <p:nvSpPr>
+          <p:cNvPr id="3" name="Notes Placeholder 2"/>
+          <p:cNvSpPr>
+            <a:spLocks noGrp="1"/>
+          </p:cNvSpPr>
+          <p:nvPr>
+            <p:ph type="body" idx="1"/>
+          </p:nvPr>
+        </p:nvSpPr>
+        <p:spPr/>
+        <p:txBody>
+          <a:bodyPr/>
+          <a:lstStyle/>
+          <a:p>
+            <a:endParaRPr lang="en-US"/>
+          </a:p>
+        </p:txBody>
+      </p:sp>
+      <p:sp>
+        <p:nvSpPr>
+          <p:cNvPr id="4" name="Slide Number Placeholder 3"/>
+          <p:cNvSpPr>
+            <a:spLocks noGrp="1"/>
+          </p:cNvSpPr>
+          <p:nvPr>
+            <p:ph type="sldNum" sz="quarter" idx="10"/>
+          </p:nvPr>
+        </p:nvSpPr>
+        <p:spPr/>
+        <p:txBody>
+          <a:bodyPr/>
+          <a:lstStyle/>
+          <a:p>
+            <a:fld id="{16A87904-88DE-4022-A424-ACD2E6FC1751}" type="slidenum">
+              <a:rPr lang="en-US" smtClean="0"/>
+              <a:t>10</a:t>
+            </a:fld>
+            <a:endParaRPr lang="en-US"/>
+          </a:p>
+        </p:txBody>
+      </p:sp>
+    </p:spTree>
+    <p:extLst>
+      <p:ext uri="{BB962C8B-B14F-4D97-AF65-F5344CB8AC3E}">
+        <p14:creationId xmlns:p14="http://schemas.microsoft.com/office/powerpoint/2010/main" val="2867391736"/>
+      </p:ext>
+    </p:extLst>
+  </p:cSld>
+  <p:clrMapOvr>
+    <a:masterClrMapping/>
+  </p:clrMapOvr>
+</p:notes>
+</file>
+
+<file path=ppt/notesSlides/notesSlide11.xml><?xml version="1.0" encoding="utf-8"?>
+<p:notes xmlns:a="http://schemas.openxmlformats.org/drawingml/2006/main" xmlns:r="http://schemas.openxmlformats.org/officeDocument/2006/relationships" xmlns:p="http://schemas.openxmlformats.org/presentationml/2006/main">
+  <p:cSld>
+    <p:spTree>
+      <p:nvGrpSpPr>
+        <p:cNvPr id="1" name=""/>
+        <p:cNvGrpSpPr/>
+        <p:nvPr/>
+      </p:nvGrpSpPr>
+      <p:grpSpPr>
+        <a:xfrm>
+          <a:off x="0" y="0"/>
+          <a:ext cx="0" cy="0"/>
+          <a:chOff x="0" y="0"/>
+          <a:chExt cx="0" cy="0"/>
+        </a:xfrm>
+      </p:grpSpPr>
+      <p:sp>
+        <p:nvSpPr>
+          <p:cNvPr id="2" name="Slide Image Placeholder 1"/>
+          <p:cNvSpPr>
+            <a:spLocks noGrp="1" noRot="1" noChangeAspect="1"/>
+          </p:cNvSpPr>
+          <p:nvPr>
+            <p:ph type="sldImg"/>
+          </p:nvPr>
+        </p:nvSpPr>
+        <p:spPr/>
+      </p:sp>
+      <p:sp>
+        <p:nvSpPr>
+          <p:cNvPr id="3" name="Notes Placeholder 2"/>
+          <p:cNvSpPr>
+            <a:spLocks noGrp="1"/>
+          </p:cNvSpPr>
+          <p:nvPr>
+            <p:ph type="body" idx="1"/>
+          </p:nvPr>
+        </p:nvSpPr>
+        <p:spPr/>
+        <p:txBody>
+          <a:bodyPr/>
+          <a:lstStyle/>
+          <a:p>
+            <a:endParaRPr lang="en-US"/>
+          </a:p>
+        </p:txBody>
+      </p:sp>
+      <p:sp>
+        <p:nvSpPr>
+          <p:cNvPr id="4" name="Slide Number Placeholder 3"/>
+          <p:cNvSpPr>
+            <a:spLocks noGrp="1"/>
+          </p:cNvSpPr>
+          <p:nvPr>
+            <p:ph type="sldNum" sz="quarter" idx="10"/>
+          </p:nvPr>
+        </p:nvSpPr>
+        <p:spPr/>
+        <p:txBody>
+          <a:bodyPr/>
+          <a:lstStyle/>
+          <a:p>
+            <a:pPr marL="0" marR="0" lvl="0" indent="0" algn="r" defTabSz="457200" rtl="0" eaLnBrk="1" fontAlgn="auto" latinLnBrk="0" hangingPunct="1">
+              <a:lnSpc>
+                <a:spcPct val="100000"/>
+              </a:lnSpc>
+              <a:spcBef>
+                <a:spcPts val="0"/>
+              </a:spcBef>
+              <a:spcAft>
+                <a:spcPts val="0"/>
+              </a:spcAft>
+              <a:buClrTx/>
+              <a:buSzTx/>
+              <a:buFontTx/>
+              <a:buNone/>
+              <a:tabLst/>
+              <a:defRPr/>
+            </a:pPr>
+            <a:fld id="{16A87904-88DE-4022-A424-ACD2E6FC1751}" type="slidenum">
+              <a:rPr kumimoji="0" lang="en-US" sz="1200" b="0" i="0" u="none" strike="noStrike" kern="1200" cap="none" spc="0" normalizeH="0" baseline="0" noProof="0" smtClean="0">
+                <a:ln>
+                  <a:noFill/>
+                </a:ln>
+                <a:solidFill>
+                  <a:prstClr val="black"/>
+                </a:solidFill>
+                <a:effectLst/>
+                <a:uLnTx/>
+                <a:uFillTx/>
+                <a:latin typeface="Calibri" panose="020F0502020204030204"/>
+                <a:ea typeface="+mn-ea"/>
+                <a:cs typeface="+mn-cs"/>
+              </a:rPr>
+              <a:pPr marL="0" marR="0" lvl="0" indent="0" algn="r" defTabSz="457200" rtl="0" eaLnBrk="1" fontAlgn="auto" latinLnBrk="0" hangingPunct="1">
+                <a:lnSpc>
+                  <a:spcPct val="100000"/>
+                </a:lnSpc>
+                <a:spcBef>
+                  <a:spcPts val="0"/>
+                </a:spcBef>
+                <a:spcAft>
+                  <a:spcPts val="0"/>
+                </a:spcAft>
+                <a:buClrTx/>
+                <a:buSzTx/>
+                <a:buFontTx/>
+                <a:buNone/>
+                <a:tabLst/>
+                <a:defRPr/>
+              </a:pPr>
+              <a:t>11</a:t>
+            </a:fld>
+            <a:endParaRPr kumimoji="0" lang="en-US" sz="1200" b="0" i="0" u="none" strike="noStrike" kern="1200" cap="none" spc="0" normalizeH="0" baseline="0" noProof="0">
+              <a:ln>
+                <a:noFill/>
+              </a:ln>
+              <a:solidFill>
+                <a:prstClr val="black"/>
+              </a:solidFill>
+              <a:effectLst/>
+              <a:uLnTx/>
+              <a:uFillTx/>
+              <a:latin typeface="Calibri" panose="020F0502020204030204"/>
+              <a:ea typeface="+mn-ea"/>
+              <a:cs typeface="+mn-cs"/>
+            </a:endParaRPr>
+          </a:p>
+        </p:txBody>
+      </p:sp>
+    </p:spTree>
+    <p:extLst>
+      <p:ext uri="{BB962C8B-B14F-4D97-AF65-F5344CB8AC3E}">
+        <p14:creationId xmlns:p14="http://schemas.microsoft.com/office/powerpoint/2010/main" val="1176352571"/>
+      </p:ext>
+    </p:extLst>
+  </p:cSld>
+  <p:clrMapOvr>
+    <a:masterClrMapping/>
+  </p:clrMapOvr>
+</p:notes>
+</file>
+
 <file path=ppt/notesSlides/notesSlide2.xml><?xml version="1.0" encoding="utf-8"?>
 <p:notes xmlns:a="http://schemas.openxmlformats.org/drawingml/2006/main" xmlns:r="http://schemas.openxmlformats.org/officeDocument/2006/relationships" xmlns:p="http://schemas.openxmlformats.org/presentationml/2006/main">
   <p:cSld>
@@ -3413,7 +3645,7 @@
           <a:bodyPr/>
           <a:lstStyle/>
           <a:p>
-            <a:endParaRPr lang="en-US"/>
+            <a:endParaRPr lang="en-US" dirty="0"/>
           </a:p>
         </p:txBody>
       </p:sp>
@@ -3611,7 +3843,7 @@
     </p:spTree>
     <p:extLst>
       <p:ext uri="{BB962C8B-B14F-4D97-AF65-F5344CB8AC3E}">
-        <p14:creationId xmlns:p14="http://schemas.microsoft.com/office/powerpoint/2010/main" val="2199057065"/>
+        <p14:creationId xmlns:p14="http://schemas.microsoft.com/office/powerpoint/2010/main" val="178583391"/>
       </p:ext>
     </p:extLst>
   </p:cSld>
@@ -3665,7 +3897,7 @@
           <a:bodyPr/>
           <a:lstStyle/>
           <a:p>
-            <a:endParaRPr lang="en-US"/>
+            <a:endParaRPr lang="en-US" dirty="0"/>
           </a:p>
         </p:txBody>
       </p:sp>
@@ -3695,7 +3927,7 @@
     </p:spTree>
     <p:extLst>
       <p:ext uri="{BB962C8B-B14F-4D97-AF65-F5344CB8AC3E}">
-        <p14:creationId xmlns:p14="http://schemas.microsoft.com/office/powerpoint/2010/main" val="2867391736"/>
+        <p14:creationId xmlns:p14="http://schemas.microsoft.com/office/powerpoint/2010/main" val="2199057065"/>
       </p:ext>
     </p:extLst>
   </p:cSld>
@@ -3749,7 +3981,18 @@
           <a:bodyPr/>
           <a:lstStyle/>
           <a:p>
-            <a:endParaRPr lang="en-US"/>
+            <a:r>
+              <a:rPr lang="en-US" dirty="0"/>
+              <a:t>- scottaddie.visualstudio.com &gt; </a:t>
+            </a:r>
+            <a:r>
+              <a:rPr lang="en-US" dirty="0" err="1"/>
+              <a:t>TagHelperSuite</a:t>
+            </a:r>
+            <a:r>
+              <a:rPr lang="en-US" dirty="0"/>
+              <a:t> build definition</a:t>
+            </a:r>
           </a:p>
         </p:txBody>
       </p:sp>
@@ -3768,78 +4011,18 @@
           <a:bodyPr/>
           <a:lstStyle/>
           <a:p>
-            <a:pPr marL="0" marR="0" lvl="0" indent="0" algn="r" defTabSz="457200" rtl="0" eaLnBrk="1" fontAlgn="auto" latinLnBrk="0" hangingPunct="1">
-              <a:lnSpc>
-                <a:spcPct val="100000"/>
-              </a:lnSpc>
-              <a:spcBef>
-                <a:spcPts val="0"/>
-              </a:spcBef>
-              <a:spcAft>
-                <a:spcPts val="0"/>
-              </a:spcAft>
-              <a:buClrTx/>
-              <a:buSzTx/>
-              <a:buFontTx/>
-              <a:buNone/>
-              <a:tabLst/>
-              <a:defRPr/>
-            </a:pPr>
             <a:fld id="{16A87904-88DE-4022-A424-ACD2E6FC1751}" type="slidenum">
-              <a:rPr kumimoji="0" lang="en-US" sz="1200" b="0" i="0" u="none" strike="noStrike" kern="1200" cap="none" spc="0" normalizeH="0" baseline="0" noProof="0" smtClean="0">
-                <a:ln>
-                  <a:noFill/>
-                </a:ln>
-                <a:solidFill>
-                  <a:prstClr val="black"/>
-                </a:solidFill>
-                <a:effectLst/>
-                <a:uLnTx/>
-                <a:uFillTx/>
-                <a:latin typeface="Calibri" panose="020F0502020204030204"/>
-                <a:ea typeface="+mn-ea"/>
-                <a:cs typeface="+mn-cs"/>
-              </a:rPr>
-              <a:pPr marL="0" marR="0" lvl="0" indent="0" algn="r" defTabSz="457200" rtl="0" eaLnBrk="1" fontAlgn="auto" latinLnBrk="0" hangingPunct="1">
-                <a:lnSpc>
-                  <a:spcPct val="100000"/>
-                </a:lnSpc>
-                <a:spcBef>
-                  <a:spcPts val="0"/>
-                </a:spcBef>
-                <a:spcAft>
-                  <a:spcPts val="0"/>
-                </a:spcAft>
-                <a:buClrTx/>
-                <a:buSzTx/>
-                <a:buFontTx/>
-                <a:buNone/>
-                <a:tabLst/>
-                <a:defRPr/>
-              </a:pPr>
+              <a:rPr lang="en-US" smtClean="0"/>
               <a:t>9</a:t>
             </a:fld>
-            <a:endParaRPr kumimoji="0" lang="en-US" sz="1200" b="0" i="0" u="none" strike="noStrike" kern="1200" cap="none" spc="0" normalizeH="0" baseline="0" noProof="0">
-              <a:ln>
-                <a:noFill/>
-              </a:ln>
-              <a:solidFill>
-                <a:prstClr val="black"/>
-              </a:solidFill>
-              <a:effectLst/>
-              <a:uLnTx/>
-              <a:uFillTx/>
-              <a:latin typeface="Calibri" panose="020F0502020204030204"/>
-              <a:ea typeface="+mn-ea"/>
-              <a:cs typeface="+mn-cs"/>
-            </a:endParaRPr>
+            <a:endParaRPr lang="en-US"/>
           </a:p>
         </p:txBody>
       </p:sp>
     </p:spTree>
     <p:extLst>
       <p:ext uri="{BB962C8B-B14F-4D97-AF65-F5344CB8AC3E}">
-        <p14:creationId xmlns:p14="http://schemas.microsoft.com/office/powerpoint/2010/main" val="1176352571"/>
+        <p14:creationId xmlns:p14="http://schemas.microsoft.com/office/powerpoint/2010/main" val="170369036"/>
       </p:ext>
     </p:extLst>
   </p:cSld>
@@ -3980,7 +4163,7 @@
           <a:p>
             <a:fld id="{EEC3160E-2579-4584-9765-DC1BA0B358F9}" type="datetimeFigureOut">
               <a:rPr lang="en-US" smtClean="0"/>
-              <a:t>3/3/2018</a:t>
+              <a:t>3/6/2018</a:t>
             </a:fld>
             <a:endParaRPr lang="en-US"/>
           </a:p>
@@ -4150,7 +4333,7 @@
           <a:p>
             <a:fld id="{EEC3160E-2579-4584-9765-DC1BA0B358F9}" type="datetimeFigureOut">
               <a:rPr lang="en-US" smtClean="0"/>
-              <a:t>3/3/2018</a:t>
+              <a:t>3/6/2018</a:t>
             </a:fld>
             <a:endParaRPr lang="en-US"/>
           </a:p>
@@ -4330,7 +4513,7 @@
           <a:p>
             <a:fld id="{EEC3160E-2579-4584-9765-DC1BA0B358F9}" type="datetimeFigureOut">
               <a:rPr lang="en-US" smtClean="0"/>
-              <a:t>3/3/2018</a:t>
+              <a:t>3/6/2018</a:t>
             </a:fld>
             <a:endParaRPr lang="en-US"/>
           </a:p>
@@ -6245,7 +6428,7 @@
           <a:p>
             <a:fld id="{EEC3160E-2579-4584-9765-DC1BA0B358F9}" type="datetimeFigureOut">
               <a:rPr lang="en-US" smtClean="0"/>
-              <a:t>3/3/2018</a:t>
+              <a:t>3/6/2018</a:t>
             </a:fld>
             <a:endParaRPr lang="en-US"/>
           </a:p>
@@ -7727,7 +7910,7 @@
           <a:p>
             <a:fld id="{EEC3160E-2579-4584-9765-DC1BA0B358F9}" type="datetimeFigureOut">
               <a:rPr lang="en-US" smtClean="0"/>
-              <a:t>3/3/2018</a:t>
+              <a:t>3/6/2018</a:t>
             </a:fld>
             <a:endParaRPr lang="en-US"/>
           </a:p>
@@ -8867,7 +9050,7 @@
           <a:p>
             <a:fld id="{EEC3160E-2579-4584-9765-DC1BA0B358F9}" type="datetimeFigureOut">
               <a:rPr lang="en-US" smtClean="0"/>
-              <a:t>3/3/2018</a:t>
+              <a:t>3/6/2018</a:t>
             </a:fld>
             <a:endParaRPr lang="en-US"/>
           </a:p>
@@ -9234,7 +9417,7 @@
           <a:p>
             <a:fld id="{EEC3160E-2579-4584-9765-DC1BA0B358F9}" type="datetimeFigureOut">
               <a:rPr lang="en-US" smtClean="0"/>
-              <a:t>3/3/2018</a:t>
+              <a:t>3/6/2018</a:t>
             </a:fld>
             <a:endParaRPr lang="en-US"/>
           </a:p>
@@ -9352,7 +9535,7 @@
           <a:p>
             <a:fld id="{EEC3160E-2579-4584-9765-DC1BA0B358F9}" type="datetimeFigureOut">
               <a:rPr lang="en-US" smtClean="0"/>
-              <a:t>3/3/2018</a:t>
+              <a:t>3/6/2018</a:t>
             </a:fld>
             <a:endParaRPr lang="en-US"/>
           </a:p>
@@ -9447,7 +9630,7 @@
           <a:p>
             <a:fld id="{EEC3160E-2579-4584-9765-DC1BA0B358F9}" type="datetimeFigureOut">
               <a:rPr lang="en-US" smtClean="0"/>
-              <a:t>3/3/2018</a:t>
+              <a:t>3/6/2018</a:t>
             </a:fld>
             <a:endParaRPr lang="en-US"/>
           </a:p>
@@ -9724,7 +9907,7 @@
           <a:p>
             <a:fld id="{EEC3160E-2579-4584-9765-DC1BA0B358F9}" type="datetimeFigureOut">
               <a:rPr lang="en-US" smtClean="0"/>
-              <a:t>3/3/2018</a:t>
+              <a:t>3/6/2018</a:t>
             </a:fld>
             <a:endParaRPr lang="en-US"/>
           </a:p>
@@ -9981,7 +10164,7 @@
           <a:p>
             <a:fld id="{EEC3160E-2579-4584-9765-DC1BA0B358F9}" type="datetimeFigureOut">
               <a:rPr lang="en-US" smtClean="0"/>
-              <a:t>3/3/2018</a:t>
+              <a:t>3/6/2018</a:t>
             </a:fld>
             <a:endParaRPr lang="en-US"/>
           </a:p>
@@ -10194,7 +10377,7 @@
           <a:p>
             <a:fld id="{EEC3160E-2579-4584-9765-DC1BA0B358F9}" type="datetimeFigureOut">
               <a:rPr lang="en-US" smtClean="0"/>
-              <a:t>3/3/2018</a:t>
+              <a:t>3/6/2018</a:t>
             </a:fld>
             <a:endParaRPr lang="en-US"/>
           </a:p>
@@ -12808,6 +12991,1208 @@
 </p:sld>
 </file>
 
+<file path=ppt/slides/slide10.xml><?xml version="1.0" encoding="utf-8"?>
+<p:sld xmlns:a="http://schemas.openxmlformats.org/drawingml/2006/main" xmlns:r="http://schemas.openxmlformats.org/officeDocument/2006/relationships" xmlns:p="http://schemas.openxmlformats.org/presentationml/2006/main">
+  <p:cSld>
+    <p:bg>
+      <p:bgPr>
+        <a:solidFill>
+          <a:schemeClr val="bg1"/>
+        </a:solidFill>
+        <a:effectLst/>
+      </p:bgPr>
+    </p:bg>
+    <p:spTree>
+      <p:nvGrpSpPr>
+        <p:cNvPr id="1" name=""/>
+        <p:cNvGrpSpPr/>
+        <p:nvPr/>
+      </p:nvGrpSpPr>
+      <p:grpSpPr>
+        <a:xfrm>
+          <a:off x="0" y="0"/>
+          <a:ext cx="0" cy="0"/>
+          <a:chOff x="0" y="0"/>
+          <a:chExt cx="0" cy="0"/>
+        </a:xfrm>
+      </p:grpSpPr>
+      <p:sp>
+        <p:nvSpPr>
+          <p:cNvPr id="8" name="Rectangle 7">
+            <a:extLst>
+              <a:ext uri="{FF2B5EF4-FFF2-40B4-BE49-F238E27FC236}">
+                <a16:creationId xmlns:a16="http://schemas.microsoft.com/office/drawing/2014/main" id="{8D70B121-56F4-4848-B38B-182089D909FA}"/>
+              </a:ext>
+            </a:extLst>
+          </p:cNvPr>
+          <p:cNvSpPr>
+            <a:spLocks noGrp="1" noRot="1" noChangeAspect="1" noMove="1" noResize="1" noEditPoints="1" noAdjustHandles="1" noChangeArrowheads="1" noChangeShapeType="1" noTextEdit="1"/>
+          </p:cNvSpPr>
+          <p:nvPr>
+            <p:extLst>
+              <p:ext uri="{386F3935-93C4-4BCD-93E2-E3B085C9AB24}">
+                <p16:designElem xmlns:p16="http://schemas.microsoft.com/office/powerpoint/2015/main" val="1"/>
+              </p:ext>
+            </p:extLst>
+          </p:nvPr>
+        </p:nvSpPr>
+        <p:spPr bwMode="ltGray">
+          <a:xfrm>
+            <a:off x="321564" y="320040"/>
+            <a:ext cx="11548872" cy="6217920"/>
+          </a:xfrm>
+          <a:prstGeom prst="rect">
+            <a:avLst/>
+          </a:prstGeom>
+          <a:solidFill>
+            <a:schemeClr val="tx1">
+              <a:alpha val="8000"/>
+            </a:schemeClr>
+          </a:solidFill>
+          <a:ln w="127000" cap="sq" cmpd="thinThick">
+            <a:noFill/>
+          </a:ln>
+        </p:spPr>
+        <p:style>
+          <a:lnRef idx="2">
+            <a:schemeClr val="accent1">
+              <a:shade val="50000"/>
+            </a:schemeClr>
+          </a:lnRef>
+          <a:fillRef idx="1">
+            <a:schemeClr val="accent1"/>
+          </a:fillRef>
+          <a:effectRef idx="0">
+            <a:schemeClr val="accent1"/>
+          </a:effectRef>
+          <a:fontRef idx="minor">
+            <a:schemeClr val="lt1"/>
+          </a:fontRef>
+        </p:style>
+        <p:txBody>
+          <a:bodyPr rtlCol="0" anchor="ctr"/>
+          <a:lstStyle/>
+          <a:p>
+            <a:pPr algn="ctr"/>
+            <a:endParaRPr lang="en-US"/>
+          </a:p>
+        </p:txBody>
+      </p:sp>
+      <p:cxnSp>
+        <p:nvCxnSpPr>
+          <p:cNvPr id="10" name="Straight Connector 9">
+            <a:extLst>
+              <a:ext uri="{FF2B5EF4-FFF2-40B4-BE49-F238E27FC236}">
+                <a16:creationId xmlns:a16="http://schemas.microsoft.com/office/drawing/2014/main" id="{2D72A2C9-F3CA-4216-8BAD-FA4C970C3C4E}"/>
+              </a:ext>
+            </a:extLst>
+          </p:cNvPr>
+          <p:cNvCxnSpPr>
+            <a:cxnSpLocks noGrp="1" noRot="1" noChangeAspect="1" noMove="1" noResize="1" noEditPoints="1" noAdjustHandles="1" noChangeArrowheads="1" noChangeShapeType="1"/>
+          </p:cNvCxnSpPr>
+          <p:nvPr>
+            <p:extLst>
+              <p:ext uri="{386F3935-93C4-4BCD-93E2-E3B085C9AB24}">
+                <p16:designElem xmlns:p16="http://schemas.microsoft.com/office/powerpoint/2015/main" val="1"/>
+              </p:ext>
+            </p:extLst>
+          </p:nvPr>
+        </p:nvCxnSpPr>
+        <p:spPr>
+          <a:xfrm>
+            <a:off x="4654296" y="2057400"/>
+            <a:ext cx="0" cy="2743200"/>
+          </a:xfrm>
+          <a:prstGeom prst="line">
+            <a:avLst/>
+          </a:prstGeom>
+          <a:ln w="19050">
+            <a:solidFill>
+              <a:schemeClr val="tx1">
+                <a:lumMod val="85000"/>
+                <a:lumOff val="15000"/>
+              </a:schemeClr>
+            </a:solidFill>
+          </a:ln>
+        </p:spPr>
+        <p:style>
+          <a:lnRef idx="1">
+            <a:schemeClr val="accent1"/>
+          </a:lnRef>
+          <a:fillRef idx="0">
+            <a:schemeClr val="accent1"/>
+          </a:fillRef>
+          <a:effectRef idx="0">
+            <a:schemeClr val="accent1"/>
+          </a:effectRef>
+          <a:fontRef idx="minor">
+            <a:schemeClr val="tx1"/>
+          </a:fontRef>
+        </p:style>
+      </p:cxnSp>
+      <p:sp>
+        <p:nvSpPr>
+          <p:cNvPr id="2" name="Title 1"/>
+          <p:cNvSpPr>
+            <a:spLocks noGrp="1"/>
+          </p:cNvSpPr>
+          <p:nvPr>
+            <p:ph type="title"/>
+          </p:nvPr>
+        </p:nvSpPr>
+        <p:spPr>
+          <a:xfrm>
+            <a:off x="838200" y="963877"/>
+            <a:ext cx="3494362" cy="4930246"/>
+          </a:xfrm>
+        </p:spPr>
+        <p:txBody>
+          <a:bodyPr>
+            <a:normAutofit/>
+          </a:bodyPr>
+          <a:lstStyle/>
+          <a:p>
+            <a:pPr algn="r"/>
+            <a:r>
+              <a:rPr lang="en-US">
+                <a:solidFill>
+                  <a:schemeClr val="accent1"/>
+                </a:solidFill>
+              </a:rPr>
+              <a:t>Creation of templates</a:t>
+            </a:r>
+          </a:p>
+        </p:txBody>
+      </p:sp>
+      <p:sp>
+        <p:nvSpPr>
+          <p:cNvPr id="3" name="Content Placeholder 2"/>
+          <p:cNvSpPr>
+            <a:spLocks noGrp="1"/>
+          </p:cNvSpPr>
+          <p:nvPr>
+            <p:ph idx="1"/>
+          </p:nvPr>
+        </p:nvSpPr>
+        <p:spPr>
+          <a:xfrm>
+            <a:off x="4976031" y="963877"/>
+            <a:ext cx="6377769" cy="4930246"/>
+          </a:xfrm>
+        </p:spPr>
+        <p:txBody>
+          <a:bodyPr anchor="ctr">
+            <a:normAutofit/>
+          </a:bodyPr>
+          <a:lstStyle/>
+          <a:p>
+            <a:endParaRPr lang="en-US" sz="2400"/>
+          </a:p>
+        </p:txBody>
+      </p:sp>
+    </p:spTree>
+    <p:extLst>
+      <p:ext uri="{BB962C8B-B14F-4D97-AF65-F5344CB8AC3E}">
+        <p14:creationId xmlns:p14="http://schemas.microsoft.com/office/powerpoint/2010/main" val="388546764"/>
+      </p:ext>
+    </p:extLst>
+  </p:cSld>
+  <p:clrMapOvr>
+    <a:masterClrMapping/>
+  </p:clrMapOvr>
+  <p:timing>
+    <p:tnLst>
+      <p:par>
+        <p:cTn id="1" dur="indefinite" restart="never" nodeType="tmRoot">
+          <p:childTnLst>
+            <p:seq concurrent="1" nextAc="seek">
+              <p:cTn id="2" dur="indefinite" nodeType="mainSeq">
+                <p:childTnLst>
+                  <p:par>
+                    <p:cTn id="3" fill="hold">
+                      <p:stCondLst>
+                        <p:cond delay="indefinite"/>
+                      </p:stCondLst>
+                      <p:childTnLst>
+                        <p:par>
+                          <p:cTn id="4" fill="hold">
+                            <p:stCondLst>
+                              <p:cond delay="0"/>
+                            </p:stCondLst>
+                            <p:childTnLst>
+                              <p:par>
+                                <p:cTn id="5" presetID="10" presetClass="entr" presetSubtype="0" fill="hold" nodeType="clickEffect" nodePh="1">
+                                  <p:stCondLst>
+                                    <p:cond delay="0"/>
+                                  </p:stCondLst>
+                                  <p:endCondLst>
+                                    <p:cond evt="begin" delay="0">
+                                      <p:tn val="5"/>
+                                    </p:cond>
+                                  </p:endCondLst>
+                                  <p:childTnLst>
+                                    <p:set>
+                                      <p:cBhvr>
+                                        <p:cTn id="6" dur="1" fill="hold">
+                                          <p:stCondLst>
+                                            <p:cond delay="0"/>
+                                          </p:stCondLst>
+                                        </p:cTn>
+                                        <p:tgtEl>
+                                          <p:spTgt spid="3">
+                                            <p:txEl>
+                                              <p:pRg st="0" end="0"/>
+                                            </p:txEl>
+                                          </p:spTgt>
+                                        </p:tgtEl>
+                                        <p:attrNameLst>
+                                          <p:attrName>style.visibility</p:attrName>
+                                        </p:attrNameLst>
+                                      </p:cBhvr>
+                                      <p:to>
+                                        <p:strVal val="visible"/>
+                                      </p:to>
+                                    </p:set>
+                                    <p:animEffect transition="in" filter="fade">
+                                      <p:cBhvr>
+                                        <p:cTn id="7" dur="500"/>
+                                        <p:tgtEl>
+                                          <p:spTgt spid="3">
+                                            <p:txEl>
+                                              <p:pRg st="0" end="0"/>
+                                            </p:txEl>
+                                          </p:spTgt>
+                                        </p:tgtEl>
+                                      </p:cBhvr>
+                                    </p:animEffect>
+                                  </p:childTnLst>
+                                </p:cTn>
+                              </p:par>
+                            </p:childTnLst>
+                          </p:cTn>
+                        </p:par>
+                      </p:childTnLst>
+                    </p:cTn>
+                  </p:par>
+                </p:childTnLst>
+              </p:cTn>
+              <p:prevCondLst>
+                <p:cond evt="onPrev" delay="0">
+                  <p:tgtEl>
+                    <p:sldTgt/>
+                  </p:tgtEl>
+                </p:cond>
+              </p:prevCondLst>
+              <p:nextCondLst>
+                <p:cond evt="onNext" delay="0">
+                  <p:tgtEl>
+                    <p:sldTgt/>
+                  </p:tgtEl>
+                </p:cond>
+              </p:nextCondLst>
+            </p:seq>
+          </p:childTnLst>
+        </p:cTn>
+      </p:par>
+    </p:tnLst>
+  </p:timing>
+</p:sld>
+</file>
+
+<file path=ppt/slides/slide11.xml><?xml version="1.0" encoding="utf-8"?>
+<p:sld xmlns:a="http://schemas.openxmlformats.org/drawingml/2006/main" xmlns:r="http://schemas.openxmlformats.org/officeDocument/2006/relationships" xmlns:p="http://schemas.openxmlformats.org/presentationml/2006/main">
+  <p:cSld>
+    <p:bg>
+      <p:bgPr>
+        <a:solidFill>
+          <a:schemeClr val="bg1">
+            <a:tint val="95000"/>
+            <a:satMod val="170000"/>
+          </a:schemeClr>
+        </a:solidFill>
+        <a:effectLst/>
+      </p:bgPr>
+    </p:bg>
+    <p:spTree>
+      <p:nvGrpSpPr>
+        <p:cNvPr id="1" name=""/>
+        <p:cNvGrpSpPr/>
+        <p:nvPr/>
+      </p:nvGrpSpPr>
+      <p:grpSpPr>
+        <a:xfrm>
+          <a:off x="0" y="0"/>
+          <a:ext cx="0" cy="0"/>
+          <a:chOff x="0" y="0"/>
+          <a:chExt cx="0" cy="0"/>
+        </a:xfrm>
+      </p:grpSpPr>
+      <p:sp>
+        <p:nvSpPr>
+          <p:cNvPr id="136" name="Oval 135">
+            <a:extLst>
+              <a:ext uri="{FF2B5EF4-FFF2-40B4-BE49-F238E27FC236}">
+                <a16:creationId xmlns:a16="http://schemas.microsoft.com/office/drawing/2014/main" id="{C99A8FB7-A79B-4BC9-9D56-B79587F6AA3E}"/>
+              </a:ext>
+            </a:extLst>
+          </p:cNvPr>
+          <p:cNvSpPr>
+            <a:spLocks noGrp="1" noRot="1" noChangeAspect="1" noMove="1" noResize="1" noEditPoints="1" noAdjustHandles="1" noChangeArrowheads="1" noChangeShapeType="1" noTextEdit="1"/>
+          </p:cNvSpPr>
+          <p:nvPr>
+            <p:extLst>
+              <p:ext uri="{386F3935-93C4-4BCD-93E2-E3B085C9AB24}">
+                <p16:designElem xmlns:p16="http://schemas.microsoft.com/office/powerpoint/2015/main" val="1"/>
+              </p:ext>
+            </p:extLst>
+          </p:nvPr>
+        </p:nvSpPr>
+        <p:spPr>
+          <a:xfrm>
+            <a:off x="5804761" y="2650637"/>
+            <a:ext cx="3118104" cy="3118104"/>
+          </a:xfrm>
+          <a:prstGeom prst="ellipse">
+            <a:avLst/>
+          </a:prstGeom>
+          <a:solidFill>
+            <a:srgbClr val="FFFFFF">
+              <a:alpha val="80000"/>
+            </a:srgbClr>
+          </a:solidFill>
+          <a:ln>
+            <a:noFill/>
+          </a:ln>
+        </p:spPr>
+        <p:style>
+          <a:lnRef idx="2">
+            <a:schemeClr val="accent1">
+              <a:shade val="50000"/>
+            </a:schemeClr>
+          </a:lnRef>
+          <a:fillRef idx="1">
+            <a:schemeClr val="accent1"/>
+          </a:fillRef>
+          <a:effectRef idx="0">
+            <a:schemeClr val="accent1"/>
+          </a:effectRef>
+          <a:fontRef idx="minor">
+            <a:schemeClr val="lt1"/>
+          </a:fontRef>
+        </p:style>
+        <p:txBody>
+          <a:bodyPr rtlCol="0" anchor="ctr"/>
+          <a:lstStyle/>
+          <a:p>
+            <a:pPr marL="0" marR="0" lvl="0" indent="0" algn="ctr" defTabSz="914400" rtl="0" eaLnBrk="1" fontAlgn="auto" latinLnBrk="0" hangingPunct="1">
+              <a:lnSpc>
+                <a:spcPct val="100000"/>
+              </a:lnSpc>
+              <a:spcBef>
+                <a:spcPts val="0"/>
+              </a:spcBef>
+              <a:spcAft>
+                <a:spcPts val="0"/>
+              </a:spcAft>
+              <a:buClrTx/>
+              <a:buSzTx/>
+              <a:buFontTx/>
+              <a:buNone/>
+              <a:tabLst/>
+              <a:defRPr/>
+            </a:pPr>
+            <a:endParaRPr kumimoji="0" lang="en-US" sz="1800" b="0" i="0" u="none" strike="noStrike" kern="1200" cap="none" spc="0" normalizeH="0" baseline="0" noProof="0">
+              <a:ln>
+                <a:noFill/>
+              </a:ln>
+              <a:solidFill>
+                <a:prstClr val="white"/>
+              </a:solidFill>
+              <a:effectLst/>
+              <a:uLnTx/>
+              <a:uFillTx/>
+              <a:latin typeface="Calibri" panose="020F0502020204030204"/>
+              <a:ea typeface="+mn-ea"/>
+              <a:cs typeface="+mn-cs"/>
+            </a:endParaRPr>
+          </a:p>
+        </p:txBody>
+      </p:sp>
+      <p:sp>
+        <p:nvSpPr>
+          <p:cNvPr id="138" name="Freeform: Shape 137">
+            <a:extLst>
+              <a:ext uri="{FF2B5EF4-FFF2-40B4-BE49-F238E27FC236}">
+                <a16:creationId xmlns:a16="http://schemas.microsoft.com/office/drawing/2014/main" id="{B23893E2-3349-46D7-A7AA-B9E447957FB1}"/>
+              </a:ext>
+            </a:extLst>
+          </p:cNvPr>
+          <p:cNvSpPr>
+            <a:spLocks noGrp="1" noRot="1" noChangeAspect="1" noMove="1" noResize="1" noEditPoints="1" noAdjustHandles="1" noChangeArrowheads="1" noChangeShapeType="1" noTextEdit="1"/>
+          </p:cNvSpPr>
+          <p:nvPr>
+            <p:extLst>
+              <p:ext uri="{386F3935-93C4-4BCD-93E2-E3B085C9AB24}">
+                <p16:designElem xmlns:p16="http://schemas.microsoft.com/office/powerpoint/2015/main" val="1"/>
+              </p:ext>
+            </p:extLst>
+          </p:nvPr>
+        </p:nvSpPr>
+        <p:spPr>
+          <a:xfrm>
+            <a:off x="7996859" y="0"/>
+            <a:ext cx="4198060" cy="3650200"/>
+          </a:xfrm>
+          <a:custGeom>
+            <a:avLst/>
+            <a:gdLst>
+              <a:gd name="connsiteX0" fmla="*/ 262846 w 4198060"/>
+              <a:gd name="connsiteY0" fmla="*/ 0 h 3650200"/>
+              <a:gd name="connsiteX1" fmla="*/ 4198060 w 4198060"/>
+              <a:gd name="connsiteY1" fmla="*/ 0 h 3650200"/>
+              <a:gd name="connsiteX2" fmla="*/ 4198060 w 4198060"/>
+              <a:gd name="connsiteY2" fmla="*/ 3021648 h 3650200"/>
+              <a:gd name="connsiteX3" fmla="*/ 4142653 w 4198060"/>
+              <a:gd name="connsiteY3" fmla="*/ 3072005 h 3650200"/>
+              <a:gd name="connsiteX4" fmla="*/ 2532040 w 4198060"/>
+              <a:gd name="connsiteY4" fmla="*/ 3650200 h 3650200"/>
+              <a:gd name="connsiteX5" fmla="*/ 0 w 4198060"/>
+              <a:gd name="connsiteY5" fmla="*/ 1118160 h 3650200"/>
+              <a:gd name="connsiteX6" fmla="*/ 198981 w 4198060"/>
+              <a:gd name="connsiteY6" fmla="*/ 132576 h 3650200"/>
+            </a:gdLst>
+            <a:ahLst/>
+            <a:cxnLst>
+              <a:cxn ang="0">
+                <a:pos x="connsiteX0" y="connsiteY0"/>
+              </a:cxn>
+              <a:cxn ang="0">
+                <a:pos x="connsiteX1" y="connsiteY1"/>
+              </a:cxn>
+              <a:cxn ang="0">
+                <a:pos x="connsiteX2" y="connsiteY2"/>
+              </a:cxn>
+              <a:cxn ang="0">
+                <a:pos x="connsiteX3" y="connsiteY3"/>
+              </a:cxn>
+              <a:cxn ang="0">
+                <a:pos x="connsiteX4" y="connsiteY4"/>
+              </a:cxn>
+              <a:cxn ang="0">
+                <a:pos x="connsiteX5" y="connsiteY5"/>
+              </a:cxn>
+              <a:cxn ang="0">
+                <a:pos x="connsiteX6" y="connsiteY6"/>
+              </a:cxn>
+            </a:cxnLst>
+            <a:rect l="l" t="t" r="r" b="b"/>
+            <a:pathLst>
+              <a:path w="4198060" h="3650200">
+                <a:moveTo>
+                  <a:pt x="262846" y="0"/>
+                </a:moveTo>
+                <a:lnTo>
+                  <a:pt x="4198060" y="0"/>
+                </a:lnTo>
+                <a:lnTo>
+                  <a:pt x="4198060" y="3021648"/>
+                </a:lnTo>
+                <a:lnTo>
+                  <a:pt x="4142653" y="3072005"/>
+                </a:lnTo>
+                <a:cubicBezTo>
+                  <a:pt x="3704967" y="3433216"/>
+                  <a:pt x="3143843" y="3650200"/>
+                  <a:pt x="2532040" y="3650200"/>
+                </a:cubicBezTo>
+                <a:cubicBezTo>
+                  <a:pt x="1133633" y="3650200"/>
+                  <a:pt x="0" y="2516567"/>
+                  <a:pt x="0" y="1118160"/>
+                </a:cubicBezTo>
+                <a:cubicBezTo>
+                  <a:pt x="0" y="768558"/>
+                  <a:pt x="70852" y="435505"/>
+                  <a:pt x="198981" y="132576"/>
+                </a:cubicBezTo>
+                <a:close/>
+              </a:path>
+            </a:pathLst>
+          </a:custGeom>
+          <a:solidFill>
+            <a:srgbClr val="FFFFFF">
+              <a:alpha val="80000"/>
+            </a:srgbClr>
+          </a:solidFill>
+          <a:ln>
+            <a:noFill/>
+          </a:ln>
+        </p:spPr>
+        <p:style>
+          <a:lnRef idx="2">
+            <a:schemeClr val="accent1">
+              <a:shade val="50000"/>
+            </a:schemeClr>
+          </a:lnRef>
+          <a:fillRef idx="1">
+            <a:schemeClr val="accent1"/>
+          </a:fillRef>
+          <a:effectRef idx="0">
+            <a:schemeClr val="accent1"/>
+          </a:effectRef>
+          <a:fontRef idx="minor">
+            <a:schemeClr val="lt1"/>
+          </a:fontRef>
+        </p:style>
+        <p:txBody>
+          <a:bodyPr wrap="square" rtlCol="0" anchor="ctr">
+            <a:noAutofit/>
+          </a:bodyPr>
+          <a:lstStyle/>
+          <a:p>
+            <a:pPr marL="0" marR="0" lvl="0" indent="0" algn="ctr" defTabSz="914400" rtl="0" eaLnBrk="1" fontAlgn="auto" latinLnBrk="0" hangingPunct="1">
+              <a:lnSpc>
+                <a:spcPct val="100000"/>
+              </a:lnSpc>
+              <a:spcBef>
+                <a:spcPts val="0"/>
+              </a:spcBef>
+              <a:spcAft>
+                <a:spcPts val="0"/>
+              </a:spcAft>
+              <a:buClrTx/>
+              <a:buSzTx/>
+              <a:buFontTx/>
+              <a:buNone/>
+              <a:tabLst/>
+              <a:defRPr/>
+            </a:pPr>
+            <a:endParaRPr kumimoji="0" lang="en-US" sz="1800" b="0" i="0" u="none" strike="noStrike" kern="1200" cap="none" spc="0" normalizeH="0" baseline="0" noProof="0">
+              <a:ln>
+                <a:noFill/>
+              </a:ln>
+              <a:solidFill>
+                <a:prstClr val="white"/>
+              </a:solidFill>
+              <a:effectLst/>
+              <a:uLnTx/>
+              <a:uFillTx/>
+              <a:latin typeface="Calibri" panose="020F0502020204030204"/>
+              <a:ea typeface="+mn-ea"/>
+              <a:cs typeface="+mn-cs"/>
+            </a:endParaRPr>
+          </a:p>
+        </p:txBody>
+      </p:sp>
+      <p:sp>
+        <p:nvSpPr>
+          <p:cNvPr id="140" name="Freeform: Shape 139">
+            <a:extLst>
+              <a:ext uri="{FF2B5EF4-FFF2-40B4-BE49-F238E27FC236}">
+                <a16:creationId xmlns:a16="http://schemas.microsoft.com/office/drawing/2014/main" id="{2B7592FE-10D1-4664-B623-353F47C8DF7F}"/>
+              </a:ext>
+            </a:extLst>
+          </p:cNvPr>
+          <p:cNvSpPr>
+            <a:spLocks noGrp="1" noRot="1" noChangeAspect="1" noMove="1" noResize="1" noEditPoints="1" noAdjustHandles="1" noChangeArrowheads="1" noChangeShapeType="1" noTextEdit="1"/>
+          </p:cNvSpPr>
+          <p:nvPr>
+            <p:extLst>
+              <p:ext uri="{386F3935-93C4-4BCD-93E2-E3B085C9AB24}">
+                <p16:designElem xmlns:p16="http://schemas.microsoft.com/office/powerpoint/2015/main" val="1"/>
+              </p:ext>
+            </p:extLst>
+          </p:nvPr>
+        </p:nvSpPr>
+        <p:spPr>
+          <a:xfrm>
+            <a:off x="8888132" y="4032250"/>
+            <a:ext cx="3303868" cy="2825750"/>
+          </a:xfrm>
+          <a:custGeom>
+            <a:avLst/>
+            <a:gdLst>
+              <a:gd name="connsiteX0" fmla="*/ 1888600 w 3303868"/>
+              <a:gd name="connsiteY0" fmla="*/ 0 h 2825750"/>
+              <a:gd name="connsiteX1" fmla="*/ 3224042 w 3303868"/>
+              <a:gd name="connsiteY1" fmla="*/ 553158 h 2825750"/>
+              <a:gd name="connsiteX2" fmla="*/ 3303868 w 3303868"/>
+              <a:gd name="connsiteY2" fmla="*/ 640989 h 2825750"/>
+              <a:gd name="connsiteX3" fmla="*/ 3303868 w 3303868"/>
+              <a:gd name="connsiteY3" fmla="*/ 2825750 h 2825750"/>
+              <a:gd name="connsiteX4" fmla="*/ 250380 w 3303868"/>
+              <a:gd name="connsiteY4" fmla="*/ 2825750 h 2825750"/>
+              <a:gd name="connsiteX5" fmla="*/ 227944 w 3303868"/>
+              <a:gd name="connsiteY5" fmla="*/ 2788819 h 2825750"/>
+              <a:gd name="connsiteX6" fmla="*/ 0 w 3303868"/>
+              <a:gd name="connsiteY6" fmla="*/ 1888600 h 2825750"/>
+              <a:gd name="connsiteX7" fmla="*/ 1888600 w 3303868"/>
+              <a:gd name="connsiteY7" fmla="*/ 0 h 2825750"/>
+            </a:gdLst>
+            <a:ahLst/>
+            <a:cxnLst>
+              <a:cxn ang="0">
+                <a:pos x="connsiteX0" y="connsiteY0"/>
+              </a:cxn>
+              <a:cxn ang="0">
+                <a:pos x="connsiteX1" y="connsiteY1"/>
+              </a:cxn>
+              <a:cxn ang="0">
+                <a:pos x="connsiteX2" y="connsiteY2"/>
+              </a:cxn>
+              <a:cxn ang="0">
+                <a:pos x="connsiteX3" y="connsiteY3"/>
+              </a:cxn>
+              <a:cxn ang="0">
+                <a:pos x="connsiteX4" y="connsiteY4"/>
+              </a:cxn>
+              <a:cxn ang="0">
+                <a:pos x="connsiteX5" y="connsiteY5"/>
+              </a:cxn>
+              <a:cxn ang="0">
+                <a:pos x="connsiteX6" y="connsiteY6"/>
+              </a:cxn>
+              <a:cxn ang="0">
+                <a:pos x="connsiteX7" y="connsiteY7"/>
+              </a:cxn>
+            </a:cxnLst>
+            <a:rect l="l" t="t" r="r" b="b"/>
+            <a:pathLst>
+              <a:path w="3303868" h="2825750">
+                <a:moveTo>
+                  <a:pt x="1888600" y="0"/>
+                </a:moveTo>
+                <a:cubicBezTo>
+                  <a:pt x="2410123" y="0"/>
+                  <a:pt x="2882273" y="211389"/>
+                  <a:pt x="3224042" y="553158"/>
+                </a:cubicBezTo>
+                <a:lnTo>
+                  <a:pt x="3303868" y="640989"/>
+                </a:lnTo>
+                <a:lnTo>
+                  <a:pt x="3303868" y="2825750"/>
+                </a:lnTo>
+                <a:lnTo>
+                  <a:pt x="250380" y="2825750"/>
+                </a:lnTo>
+                <a:lnTo>
+                  <a:pt x="227944" y="2788819"/>
+                </a:lnTo>
+                <a:cubicBezTo>
+                  <a:pt x="82574" y="2521217"/>
+                  <a:pt x="0" y="2214552"/>
+                  <a:pt x="0" y="1888600"/>
+                </a:cubicBezTo>
+                <a:cubicBezTo>
+                  <a:pt x="0" y="845555"/>
+                  <a:pt x="845555" y="0"/>
+                  <a:pt x="1888600" y="0"/>
+                </a:cubicBezTo>
+                <a:close/>
+              </a:path>
+            </a:pathLst>
+          </a:custGeom>
+          <a:solidFill>
+            <a:srgbClr val="FFFFFF">
+              <a:alpha val="80000"/>
+            </a:srgbClr>
+          </a:solidFill>
+          <a:ln>
+            <a:noFill/>
+          </a:ln>
+        </p:spPr>
+        <p:style>
+          <a:lnRef idx="2">
+            <a:schemeClr val="accent1">
+              <a:shade val="50000"/>
+            </a:schemeClr>
+          </a:lnRef>
+          <a:fillRef idx="1">
+            <a:schemeClr val="accent1"/>
+          </a:fillRef>
+          <a:effectRef idx="0">
+            <a:schemeClr val="accent1"/>
+          </a:effectRef>
+          <a:fontRef idx="minor">
+            <a:schemeClr val="lt1"/>
+          </a:fontRef>
+        </p:style>
+        <p:txBody>
+          <a:bodyPr wrap="square" rtlCol="0" anchor="ctr">
+            <a:noAutofit/>
+          </a:bodyPr>
+          <a:lstStyle/>
+          <a:p>
+            <a:pPr marL="0" marR="0" lvl="0" indent="0" algn="ctr" defTabSz="914400" rtl="0" eaLnBrk="1" fontAlgn="auto" latinLnBrk="0" hangingPunct="1">
+              <a:lnSpc>
+                <a:spcPct val="100000"/>
+              </a:lnSpc>
+              <a:spcBef>
+                <a:spcPts val="0"/>
+              </a:spcBef>
+              <a:spcAft>
+                <a:spcPts val="0"/>
+              </a:spcAft>
+              <a:buClrTx/>
+              <a:buSzTx/>
+              <a:buFontTx/>
+              <a:buNone/>
+              <a:tabLst/>
+              <a:defRPr/>
+            </a:pPr>
+            <a:endParaRPr kumimoji="0" lang="en-US" sz="1800" b="0" i="0" u="none" strike="noStrike" kern="1200" cap="none" spc="0" normalizeH="0" baseline="0" noProof="0">
+              <a:ln>
+                <a:noFill/>
+              </a:ln>
+              <a:solidFill>
+                <a:prstClr val="white"/>
+              </a:solidFill>
+              <a:effectLst/>
+              <a:uLnTx/>
+              <a:uFillTx/>
+              <a:latin typeface="Calibri" panose="020F0502020204030204"/>
+              <a:ea typeface="+mn-ea"/>
+              <a:cs typeface="+mn-cs"/>
+            </a:endParaRPr>
+          </a:p>
+        </p:txBody>
+      </p:sp>
+      <p:pic>
+        <p:nvPicPr>
+          <p:cNvPr id="7" name="Picture 6">
+            <a:extLst>
+              <a:ext uri="{FF2B5EF4-FFF2-40B4-BE49-F238E27FC236}">
+                <a16:creationId xmlns:a16="http://schemas.microsoft.com/office/drawing/2014/main" id="{53E6D5F9-8094-4AC1-A026-7B9B8E776C1E}"/>
+              </a:ext>
+            </a:extLst>
+          </p:cNvPr>
+          <p:cNvPicPr>
+            <a:picLocks noChangeAspect="1"/>
+          </p:cNvPicPr>
+          <p:nvPr/>
+        </p:nvPicPr>
+        <p:blipFill rotWithShape="1">
+          <a:blip r:embed="rId3">
+            <a:extLst>
+              <a:ext uri="{28A0092B-C50C-407E-A947-70E740481C1C}">
+                <a14:useLocalDpi xmlns:a14="http://schemas.microsoft.com/office/drawing/2010/main" val="0"/>
+              </a:ext>
+            </a:extLst>
+          </a:blip>
+          <a:srcRect r="-4" b="-4"/>
+          <a:stretch/>
+        </p:blipFill>
+        <p:spPr>
+          <a:xfrm>
+            <a:off x="5567481" y="2665184"/>
+            <a:ext cx="3485607" cy="3485607"/>
+          </a:xfrm>
+          <a:custGeom>
+            <a:avLst/>
+            <a:gdLst>
+              <a:gd name="connsiteX0" fmla="*/ 1440180 w 2880360"/>
+              <a:gd name="connsiteY0" fmla="*/ 0 h 2880360"/>
+              <a:gd name="connsiteX1" fmla="*/ 2880360 w 2880360"/>
+              <a:gd name="connsiteY1" fmla="*/ 1440180 h 2880360"/>
+              <a:gd name="connsiteX2" fmla="*/ 1440180 w 2880360"/>
+              <a:gd name="connsiteY2" fmla="*/ 2880360 h 2880360"/>
+              <a:gd name="connsiteX3" fmla="*/ 0 w 2880360"/>
+              <a:gd name="connsiteY3" fmla="*/ 1440180 h 2880360"/>
+              <a:gd name="connsiteX4" fmla="*/ 1440180 w 2880360"/>
+              <a:gd name="connsiteY4" fmla="*/ 0 h 2880360"/>
+            </a:gdLst>
+            <a:ahLst/>
+            <a:cxnLst>
+              <a:cxn ang="0">
+                <a:pos x="connsiteX0" y="connsiteY0"/>
+              </a:cxn>
+              <a:cxn ang="0">
+                <a:pos x="connsiteX1" y="connsiteY1"/>
+              </a:cxn>
+              <a:cxn ang="0">
+                <a:pos x="connsiteX2" y="connsiteY2"/>
+              </a:cxn>
+              <a:cxn ang="0">
+                <a:pos x="connsiteX3" y="connsiteY3"/>
+              </a:cxn>
+              <a:cxn ang="0">
+                <a:pos x="connsiteX4" y="connsiteY4"/>
+              </a:cxn>
+            </a:cxnLst>
+            <a:rect l="l" t="t" r="r" b="b"/>
+            <a:pathLst>
+              <a:path w="2880360" h="2880360">
+                <a:moveTo>
+                  <a:pt x="1440180" y="0"/>
+                </a:moveTo>
+                <a:cubicBezTo>
+                  <a:pt x="2235569" y="0"/>
+                  <a:pt x="2880360" y="644791"/>
+                  <a:pt x="2880360" y="1440180"/>
+                </a:cubicBezTo>
+                <a:cubicBezTo>
+                  <a:pt x="2880360" y="2235569"/>
+                  <a:pt x="2235569" y="2880360"/>
+                  <a:pt x="1440180" y="2880360"/>
+                </a:cubicBezTo>
+                <a:cubicBezTo>
+                  <a:pt x="644791" y="2880360"/>
+                  <a:pt x="0" y="2235569"/>
+                  <a:pt x="0" y="1440180"/>
+                </a:cubicBezTo>
+                <a:cubicBezTo>
+                  <a:pt x="0" y="644791"/>
+                  <a:pt x="644791" y="0"/>
+                  <a:pt x="1440180" y="0"/>
+                </a:cubicBezTo>
+                <a:close/>
+              </a:path>
+            </a:pathLst>
+          </a:custGeom>
+        </p:spPr>
+      </p:pic>
+      <p:pic>
+        <p:nvPicPr>
+          <p:cNvPr id="1027" name="C1E29E4C-1F3B-47B1-972B-2B7120147472" descr="FD91B74B-F96D-4EAD-BB2E-6CCF265D6248@hsd1"/>
+          <p:cNvPicPr>
+            <a:picLocks noChangeAspect="1" noChangeArrowheads="1"/>
+          </p:cNvPicPr>
+          <p:nvPr/>
+        </p:nvPicPr>
+        <p:blipFill rotWithShape="1">
+          <a:blip r:embed="rId4">
+            <a:extLst>
+              <a:ext uri="{28A0092B-C50C-407E-A947-70E740481C1C}">
+                <a14:useLocalDpi xmlns:a14="http://schemas.microsoft.com/office/drawing/2010/main" val="0"/>
+              </a:ext>
+            </a:extLst>
+          </a:blip>
+          <a:srcRect l="14049" r="7821" b="1"/>
+          <a:stretch/>
+        </p:blipFill>
+        <p:spPr bwMode="auto">
+          <a:xfrm>
+            <a:off x="8160603" y="2"/>
+            <a:ext cx="4034316" cy="3486455"/>
+          </a:xfrm>
+          <a:custGeom>
+            <a:avLst/>
+            <a:gdLst>
+              <a:gd name="connsiteX0" fmla="*/ 280681 w 4034316"/>
+              <a:gd name="connsiteY0" fmla="*/ 0 h 3486455"/>
+              <a:gd name="connsiteX1" fmla="*/ 4034316 w 4034316"/>
+              <a:gd name="connsiteY1" fmla="*/ 0 h 3486455"/>
+              <a:gd name="connsiteX2" fmla="*/ 4034316 w 4034316"/>
+              <a:gd name="connsiteY2" fmla="*/ 2800630 h 3486455"/>
+              <a:gd name="connsiteX3" fmla="*/ 3874752 w 4034316"/>
+              <a:gd name="connsiteY3" fmla="*/ 2945652 h 3486455"/>
+              <a:gd name="connsiteX4" fmla="*/ 2368296 w 4034316"/>
+              <a:gd name="connsiteY4" fmla="*/ 3486455 h 3486455"/>
+              <a:gd name="connsiteX5" fmla="*/ 0 w 4034316"/>
+              <a:gd name="connsiteY5" fmla="*/ 1118159 h 3486455"/>
+              <a:gd name="connsiteX6" fmla="*/ 186113 w 4034316"/>
+              <a:gd name="connsiteY6" fmla="*/ 196311 h 3486455"/>
+            </a:gdLst>
+            <a:ahLst/>
+            <a:cxnLst>
+              <a:cxn ang="0">
+                <a:pos x="connsiteX0" y="connsiteY0"/>
+              </a:cxn>
+              <a:cxn ang="0">
+                <a:pos x="connsiteX1" y="connsiteY1"/>
+              </a:cxn>
+              <a:cxn ang="0">
+                <a:pos x="connsiteX2" y="connsiteY2"/>
+              </a:cxn>
+              <a:cxn ang="0">
+                <a:pos x="connsiteX3" y="connsiteY3"/>
+              </a:cxn>
+              <a:cxn ang="0">
+                <a:pos x="connsiteX4" y="connsiteY4"/>
+              </a:cxn>
+              <a:cxn ang="0">
+                <a:pos x="connsiteX5" y="connsiteY5"/>
+              </a:cxn>
+              <a:cxn ang="0">
+                <a:pos x="connsiteX6" y="connsiteY6"/>
+              </a:cxn>
+            </a:cxnLst>
+            <a:rect l="l" t="t" r="r" b="b"/>
+            <a:pathLst>
+              <a:path w="4034316" h="3486455">
+                <a:moveTo>
+                  <a:pt x="280681" y="0"/>
+                </a:moveTo>
+                <a:lnTo>
+                  <a:pt x="4034316" y="0"/>
+                </a:lnTo>
+                <a:lnTo>
+                  <a:pt x="4034316" y="2800630"/>
+                </a:lnTo>
+                <a:lnTo>
+                  <a:pt x="3874752" y="2945652"/>
+                </a:lnTo>
+                <a:cubicBezTo>
+                  <a:pt x="3465371" y="3283503"/>
+                  <a:pt x="2940535" y="3486455"/>
+                  <a:pt x="2368296" y="3486455"/>
+                </a:cubicBezTo>
+                <a:cubicBezTo>
+                  <a:pt x="1060322" y="3486455"/>
+                  <a:pt x="0" y="2426133"/>
+                  <a:pt x="0" y="1118159"/>
+                </a:cubicBezTo>
+                <a:cubicBezTo>
+                  <a:pt x="0" y="791166"/>
+                  <a:pt x="66270" y="479650"/>
+                  <a:pt x="186113" y="196311"/>
+                </a:cubicBezTo>
+                <a:close/>
+              </a:path>
+            </a:pathLst>
+          </a:custGeom>
+          <a:noFill/>
+          <a:extLst>
+            <a:ext uri="{909E8E84-426E-40DD-AFC4-6F175D3DCCD1}">
+              <a14:hiddenFill xmlns:a14="http://schemas.microsoft.com/office/drawing/2010/main">
+                <a:solidFill>
+                  <a:srgbClr val="FFFFFF"/>
+                </a:solidFill>
+              </a14:hiddenFill>
+            </a:ext>
+            <a:ext uri="{91240B29-F687-4F45-9708-019B960494DF}">
+              <a14:hiddenLine xmlns:a14="http://schemas.microsoft.com/office/drawing/2010/main" w="9525">
+                <a:solidFill>
+                  <a:srgbClr val="000000"/>
+                </a:solidFill>
+                <a:miter lim="800000"/>
+                <a:headEnd/>
+                <a:tailEnd/>
+              </a14:hiddenLine>
+            </a:ext>
+          </a:extLst>
+        </p:spPr>
+      </p:pic>
+      <p:pic>
+        <p:nvPicPr>
+          <p:cNvPr id="1026" name="DE0816EB-0799-461B-8CAB-F8639086CFFD" descr="1078F4CF-61B7-46A5-815D-338F62390895@hsd1"/>
+          <p:cNvPicPr>
+            <a:picLocks noChangeAspect="1" noChangeArrowheads="1"/>
+          </p:cNvPicPr>
+          <p:nvPr/>
+        </p:nvPicPr>
+        <p:blipFill rotWithShape="1">
+          <a:blip r:embed="rId5">
+            <a:extLst>
+              <a:ext uri="{28A0092B-C50C-407E-A947-70E740481C1C}">
+                <a14:useLocalDpi xmlns:a14="http://schemas.microsoft.com/office/drawing/2010/main" val="0"/>
+              </a:ext>
+            </a:extLst>
+          </a:blip>
+          <a:srcRect l="6567" r="13779"/>
+          <a:stretch/>
+        </p:blipFill>
+        <p:spPr bwMode="auto">
+          <a:xfrm>
+            <a:off x="9053088" y="4197217"/>
+            <a:ext cx="3138912" cy="2660795"/>
+          </a:xfrm>
+          <a:custGeom>
+            <a:avLst/>
+            <a:gdLst>
+              <a:gd name="connsiteX0" fmla="*/ 1723644 w 3138912"/>
+              <a:gd name="connsiteY0" fmla="*/ 0 h 2660795"/>
+              <a:gd name="connsiteX1" fmla="*/ 3053691 w 3138912"/>
+              <a:gd name="connsiteY1" fmla="*/ 627247 h 2660795"/>
+              <a:gd name="connsiteX2" fmla="*/ 3138912 w 3138912"/>
+              <a:gd name="connsiteY2" fmla="*/ 741211 h 2660795"/>
+              <a:gd name="connsiteX3" fmla="*/ 3138912 w 3138912"/>
+              <a:gd name="connsiteY3" fmla="*/ 2660795 h 2660795"/>
+              <a:gd name="connsiteX4" fmla="*/ 278239 w 3138912"/>
+              <a:gd name="connsiteY4" fmla="*/ 2660795 h 2660795"/>
+              <a:gd name="connsiteX5" fmla="*/ 208035 w 3138912"/>
+              <a:gd name="connsiteY5" fmla="*/ 2545235 h 2660795"/>
+              <a:gd name="connsiteX6" fmla="*/ 0 w 3138912"/>
+              <a:gd name="connsiteY6" fmla="*/ 1723644 h 2660795"/>
+              <a:gd name="connsiteX7" fmla="*/ 1723644 w 3138912"/>
+              <a:gd name="connsiteY7" fmla="*/ 0 h 2660795"/>
+            </a:gdLst>
+            <a:ahLst/>
+            <a:cxnLst>
+              <a:cxn ang="0">
+                <a:pos x="connsiteX0" y="connsiteY0"/>
+              </a:cxn>
+              <a:cxn ang="0">
+                <a:pos x="connsiteX1" y="connsiteY1"/>
+              </a:cxn>
+              <a:cxn ang="0">
+                <a:pos x="connsiteX2" y="connsiteY2"/>
+              </a:cxn>
+              <a:cxn ang="0">
+                <a:pos x="connsiteX3" y="connsiteY3"/>
+              </a:cxn>
+              <a:cxn ang="0">
+                <a:pos x="connsiteX4" y="connsiteY4"/>
+              </a:cxn>
+              <a:cxn ang="0">
+                <a:pos x="connsiteX5" y="connsiteY5"/>
+              </a:cxn>
+              <a:cxn ang="0">
+                <a:pos x="connsiteX6" y="connsiteY6"/>
+              </a:cxn>
+              <a:cxn ang="0">
+                <a:pos x="connsiteX7" y="connsiteY7"/>
+              </a:cxn>
+            </a:cxnLst>
+            <a:rect l="l" t="t" r="r" b="b"/>
+            <a:pathLst>
+              <a:path w="3138912" h="2660795">
+                <a:moveTo>
+                  <a:pt x="1723644" y="0"/>
+                </a:moveTo>
+                <a:cubicBezTo>
+                  <a:pt x="2259111" y="0"/>
+                  <a:pt x="2737550" y="244172"/>
+                  <a:pt x="3053691" y="627247"/>
+                </a:cubicBezTo>
+                <a:lnTo>
+                  <a:pt x="3138912" y="741211"/>
+                </a:lnTo>
+                <a:lnTo>
+                  <a:pt x="3138912" y="2660795"/>
+                </a:lnTo>
+                <a:lnTo>
+                  <a:pt x="278239" y="2660795"/>
+                </a:lnTo>
+                <a:lnTo>
+                  <a:pt x="208035" y="2545235"/>
+                </a:lnTo>
+                <a:cubicBezTo>
+                  <a:pt x="75362" y="2301006"/>
+                  <a:pt x="0" y="2021126"/>
+                  <a:pt x="0" y="1723644"/>
+                </a:cubicBezTo>
+                <a:cubicBezTo>
+                  <a:pt x="0" y="771702"/>
+                  <a:pt x="771702" y="0"/>
+                  <a:pt x="1723644" y="0"/>
+                </a:cubicBezTo>
+                <a:close/>
+              </a:path>
+            </a:pathLst>
+          </a:custGeom>
+          <a:noFill/>
+          <a:extLst>
+            <a:ext uri="{909E8E84-426E-40DD-AFC4-6F175D3DCCD1}">
+              <a14:hiddenFill xmlns:a14="http://schemas.microsoft.com/office/drawing/2010/main">
+                <a:solidFill>
+                  <a:srgbClr val="FFFFFF"/>
+                </a:solidFill>
+              </a14:hiddenFill>
+            </a:ext>
+            <a:ext uri="{91240B29-F687-4F45-9708-019B960494DF}">
+              <a14:hiddenLine xmlns:a14="http://schemas.microsoft.com/office/drawing/2010/main" w="9525">
+                <a:solidFill>
+                  <a:srgbClr val="000000"/>
+                </a:solidFill>
+                <a:miter lim="800000"/>
+                <a:headEnd/>
+                <a:tailEnd/>
+              </a14:hiddenLine>
+            </a:ext>
+          </a:extLst>
+        </p:spPr>
+      </p:pic>
+      <p:sp>
+        <p:nvSpPr>
+          <p:cNvPr id="2" name="Title 1"/>
+          <p:cNvSpPr>
+            <a:spLocks noGrp="1"/>
+          </p:cNvSpPr>
+          <p:nvPr>
+            <p:ph type="title"/>
+          </p:nvPr>
+        </p:nvSpPr>
+        <p:spPr>
+          <a:xfrm>
+            <a:off x="801098" y="1396289"/>
+            <a:ext cx="5712824" cy="1325563"/>
+          </a:xfrm>
+        </p:spPr>
+        <p:txBody>
+          <a:bodyPr>
+            <a:normAutofit/>
+          </a:bodyPr>
+          <a:lstStyle/>
+          <a:p>
+            <a:r>
+              <a:rPr lang="en-US">
+                <a:latin typeface="Segoe UI Light" panose="020B0502040204020203" pitchFamily="34" charset="0"/>
+                <a:cs typeface="Segoe UI Light" panose="020B0502040204020203" pitchFamily="34" charset="0"/>
+              </a:rPr>
+              <a:t>Build with Microsoft Tech</a:t>
+            </a:r>
+          </a:p>
+        </p:txBody>
+      </p:sp>
+      <p:sp>
+        <p:nvSpPr>
+          <p:cNvPr id="3" name="Content Placeholder 2"/>
+          <p:cNvSpPr>
+            <a:spLocks noGrp="1"/>
+          </p:cNvSpPr>
+          <p:nvPr>
+            <p:ph idx="1"/>
+          </p:nvPr>
+        </p:nvSpPr>
+        <p:spPr>
+          <a:xfrm>
+            <a:off x="805543" y="2871982"/>
+            <a:ext cx="4558309" cy="3181684"/>
+          </a:xfrm>
+        </p:spPr>
+        <p:txBody>
+          <a:bodyPr anchor="t">
+            <a:normAutofit/>
+          </a:bodyPr>
+          <a:lstStyle/>
+          <a:p>
+            <a:pPr marL="0" indent="0">
+              <a:buNone/>
+            </a:pPr>
+            <a:r>
+              <a:rPr lang="en-US" sz="1800" i="1">
+                <a:latin typeface="Segoe UI Light" panose="020B0502040204020203" pitchFamily="34" charset="0"/>
+                <a:cs typeface="Segoe UI Light" panose="020B0502040204020203" pitchFamily="34" charset="0"/>
+              </a:rPr>
+              <a:t>Explore developer tools, platforms, and APIs </a:t>
+            </a:r>
+          </a:p>
+          <a:p>
+            <a:pPr marL="0" indent="0">
+              <a:buNone/>
+            </a:pPr>
+            <a:endParaRPr lang="en-US" sz="1800" i="1">
+              <a:latin typeface="Segoe UI Light" panose="020B0502040204020203" pitchFamily="34" charset="0"/>
+              <a:cs typeface="Segoe UI Light" panose="020B0502040204020203" pitchFamily="34" charset="0"/>
+            </a:endParaRPr>
+          </a:p>
+        </p:txBody>
+      </p:sp>
+    </p:spTree>
+    <p:extLst>
+      <p:ext uri="{BB962C8B-B14F-4D97-AF65-F5344CB8AC3E}">
+        <p14:creationId xmlns:p14="http://schemas.microsoft.com/office/powerpoint/2010/main" val="2358947645"/>
+      </p:ext>
+    </p:extLst>
+  </p:cSld>
+  <p:clrMapOvr>
+    <a:masterClrMapping/>
+  </p:clrMapOvr>
+</p:sld>
+</file>
+
 <file path=ppt/slides/slide2.xml><?xml version="1.0" encoding="utf-8"?>
 <p:sld xmlns:a="http://schemas.openxmlformats.org/drawingml/2006/main" xmlns:r="http://schemas.openxmlformats.org/officeDocument/2006/relationships" xmlns:p="http://schemas.openxmlformats.org/presentationml/2006/main">
   <p:cSld>
@@ -14310,9 +15695,8 @@
     <p:bg>
       <p:bgPr>
         <a:solidFill>
-          <a:schemeClr val="bg1">
-            <a:tint val="95000"/>
-            <a:satMod val="170000"/>
+          <a:schemeClr val="accent3">
+            <a:lumMod val="75000"/>
           </a:schemeClr>
         </a:solidFill>
         <a:effectLst/>
@@ -14334,10 +15718,10 @@
       </p:grpSpPr>
       <p:sp>
         <p:nvSpPr>
-          <p:cNvPr id="8" name="Rectangle 7">
+          <p:cNvPr id="29" name="Rectangle 28">
             <a:extLst>
               <a:ext uri="{FF2B5EF4-FFF2-40B4-BE49-F238E27FC236}">
-                <a16:creationId xmlns:a16="http://schemas.microsoft.com/office/drawing/2014/main" id="{E945E29B-B971-41C6-A57B-B29BBB108A39}"/>
+                <a16:creationId xmlns:a16="http://schemas.microsoft.com/office/drawing/2014/main" id="{23207CC6-EAA1-4BFF-A48A-DECAD8972717}"/>
               </a:ext>
             </a:extLst>
           </p:cNvPr>
@@ -14354,14 +15738,16 @@
         </p:nvSpPr>
         <p:spPr>
           <a:xfrm>
-            <a:off x="0" y="0"/>
-            <a:ext cx="12192000" cy="6858001"/>
+            <a:off x="0" y="-3324"/>
+            <a:ext cx="12192000" cy="6861324"/>
           </a:xfrm>
           <a:prstGeom prst="rect">
             <a:avLst/>
           </a:prstGeom>
           <a:solidFill>
-            <a:schemeClr val="tx2"/>
+            <a:schemeClr val="accent3">
+              <a:lumMod val="75000"/>
+            </a:schemeClr>
           </a:solidFill>
           <a:ln>
             <a:noFill/>
@@ -14387,189 +15773,17 @@
           <a:bodyPr rtlCol="0" anchor="ctr"/>
           <a:lstStyle/>
           <a:p>
-            <a:pPr marL="0" marR="0" lvl="0" indent="0" algn="ctr" defTabSz="914400" rtl="0" eaLnBrk="1" fontAlgn="auto" latinLnBrk="0" hangingPunct="1">
-              <a:lnSpc>
-                <a:spcPct val="100000"/>
-              </a:lnSpc>
-              <a:spcBef>
-                <a:spcPts val="0"/>
-              </a:spcBef>
-              <a:spcAft>
-                <a:spcPts val="0"/>
-              </a:spcAft>
-              <a:buClrTx/>
-              <a:buSzTx/>
-              <a:buFontTx/>
-              <a:buNone/>
-              <a:tabLst/>
-              <a:defRPr/>
-            </a:pPr>
-            <a:endParaRPr kumimoji="0" lang="en-US" sz="1800" b="0" i="0" u="none" strike="noStrike" kern="1200" cap="none" spc="0" normalizeH="0" baseline="0" noProof="0">
-              <a:ln>
-                <a:noFill/>
-              </a:ln>
-              <a:solidFill>
-                <a:prstClr val="white"/>
-              </a:solidFill>
-              <a:effectLst/>
-              <a:uLnTx/>
-              <a:uFillTx/>
-              <a:latin typeface="Calibri" panose="020F0502020204030204"/>
-              <a:ea typeface="+mn-ea"/>
-              <a:cs typeface="+mn-cs"/>
-            </a:endParaRPr>
+            <a:pPr algn="ctr"/>
+            <a:endParaRPr lang="en-US"/>
           </a:p>
         </p:txBody>
       </p:sp>
-      <p:grpSp>
-        <p:nvGrpSpPr>
-          <p:cNvPr id="10" name="Group 9" title="intersecting circles">
+      <p:sp>
+        <p:nvSpPr>
+          <p:cNvPr id="31" name="Freeform 3">
             <a:extLst>
               <a:ext uri="{FF2B5EF4-FFF2-40B4-BE49-F238E27FC236}">
-                <a16:creationId xmlns:a16="http://schemas.microsoft.com/office/drawing/2014/main" id="{4C76015D-CFEA-4204-9A50-352560FFC252}"/>
-              </a:ext>
-            </a:extLst>
-          </p:cNvPr>
-          <p:cNvGrpSpPr>
-            <a:grpSpLocks noGrp="1" noUngrp="1" noRot="1" noChangeAspect="1" noMove="1" noResize="1"/>
-          </p:cNvGrpSpPr>
-          <p:nvPr>
-            <p:extLst>
-              <p:ext uri="{386F3935-93C4-4BCD-93E2-E3B085C9AB24}">
-                <p16:designElem xmlns:p16="http://schemas.microsoft.com/office/powerpoint/2015/main" val="1"/>
-              </p:ext>
-            </p:extLst>
-          </p:nvPr>
-        </p:nvGrpSpPr>
-        <p:grpSpPr>
-          <a:xfrm>
-            <a:off x="1155481" y="498348"/>
-            <a:ext cx="9902663" cy="5861304"/>
-            <a:chOff x="1155481" y="498348"/>
-            <a:chExt cx="9902663" cy="5861304"/>
-          </a:xfrm>
-        </p:grpSpPr>
-        <p:sp>
-          <p:nvSpPr>
-            <p:cNvPr id="11" name="Oval 5">
-              <a:extLst>
-                <a:ext uri="{FF2B5EF4-FFF2-40B4-BE49-F238E27FC236}">
-                  <a16:creationId xmlns:a16="http://schemas.microsoft.com/office/drawing/2014/main" id="{7325C43C-72B5-4DC9-B386-90859B58BF0D}"/>
-                </a:ext>
-              </a:extLst>
-            </p:cNvPr>
-            <p:cNvSpPr>
-              <a:spLocks noChangeArrowheads="1"/>
-            </p:cNvSpPr>
-            <p:nvPr>
-              <p:extLst>
-                <p:ext uri="{386F3935-93C4-4BCD-93E2-E3B085C9AB24}">
-                  <p16:designElem xmlns:p16="http://schemas.microsoft.com/office/powerpoint/2015/main" val="1"/>
-                </p:ext>
-              </p:extLst>
-            </p:nvPr>
-          </p:nvSpPr>
-          <p:spPr bwMode="auto">
-            <a:xfrm>
-              <a:off x="1155481" y="498348"/>
-              <a:ext cx="5861304" cy="5861304"/>
-            </a:xfrm>
-            <a:prstGeom prst="ellipse">
-              <a:avLst/>
-            </a:prstGeom>
-            <a:solidFill>
-              <a:schemeClr val="accent1">
-                <a:alpha val="55000"/>
-              </a:schemeClr>
-            </a:solidFill>
-            <a:ln>
-              <a:noFill/>
-            </a:ln>
-          </p:spPr>
-        </p:sp>
-        <p:sp>
-          <p:nvSpPr>
-            <p:cNvPr id="12" name="Oval 11">
-              <a:extLst>
-                <a:ext uri="{FF2B5EF4-FFF2-40B4-BE49-F238E27FC236}">
-                  <a16:creationId xmlns:a16="http://schemas.microsoft.com/office/drawing/2014/main" id="{C95AD9A4-5AF5-48C4-BC2A-635316433A45}"/>
-                </a:ext>
-              </a:extLst>
-            </p:cNvPr>
-            <p:cNvSpPr>
-              <a:spLocks noChangeArrowheads="1"/>
-            </p:cNvSpPr>
-            <p:nvPr>
-              <p:extLst>
-                <p:ext uri="{386F3935-93C4-4BCD-93E2-E3B085C9AB24}">
-                  <p16:designElem xmlns:p16="http://schemas.microsoft.com/office/powerpoint/2015/main" val="1"/>
-                </p:ext>
-              </p:extLst>
-            </p:nvPr>
-          </p:nvSpPr>
-          <p:spPr bwMode="auto">
-            <a:xfrm>
-              <a:off x="5196840" y="498348"/>
-              <a:ext cx="5861304" cy="5861304"/>
-            </a:xfrm>
-            <a:prstGeom prst="ellipse">
-              <a:avLst/>
-            </a:prstGeom>
-            <a:solidFill>
-              <a:schemeClr val="accent1">
-                <a:alpha val="55000"/>
-              </a:schemeClr>
-            </a:solidFill>
-            <a:ln>
-              <a:noFill/>
-            </a:ln>
-          </p:spPr>
-        </p:sp>
-        <p:sp>
-          <p:nvSpPr>
-            <p:cNvPr id="13" name="Oval 5">
-              <a:extLst>
-                <a:ext uri="{FF2B5EF4-FFF2-40B4-BE49-F238E27FC236}">
-                  <a16:creationId xmlns:a16="http://schemas.microsoft.com/office/drawing/2014/main" id="{AF4A3D62-D56C-4A32-8C75-100D383EC615}"/>
-                </a:ext>
-              </a:extLst>
-            </p:cNvPr>
-            <p:cNvSpPr>
-              <a:spLocks noChangeArrowheads="1"/>
-            </p:cNvSpPr>
-            <p:nvPr>
-              <p:extLst>
-                <p:ext uri="{386F3935-93C4-4BCD-93E2-E3B085C9AB24}">
-                  <p16:designElem xmlns:p16="http://schemas.microsoft.com/office/powerpoint/2015/main" val="1"/>
-                </p:ext>
-              </p:extLst>
-            </p:nvPr>
-          </p:nvSpPr>
-          <p:spPr bwMode="auto">
-            <a:xfrm>
-              <a:off x="3165348" y="498348"/>
-              <a:ext cx="5861304" cy="5861304"/>
-            </a:xfrm>
-            <a:prstGeom prst="ellipse">
-              <a:avLst/>
-            </a:prstGeom>
-            <a:solidFill>
-              <a:schemeClr val="accent1">
-                <a:alpha val="70000"/>
-              </a:schemeClr>
-            </a:solidFill>
-            <a:ln>
-              <a:noFill/>
-            </a:ln>
-          </p:spPr>
-        </p:sp>
-      </p:grpSp>
-      <p:sp useBgFill="1">
-        <p:nvSpPr>
-          <p:cNvPr id="15" name="Rectangle 14" title="ribbon">
-            <a:extLst>
-              <a:ext uri="{FF2B5EF4-FFF2-40B4-BE49-F238E27FC236}">
-                <a16:creationId xmlns:a16="http://schemas.microsoft.com/office/drawing/2014/main" id="{3E1F47E4-066D-4C27-98C8-B2B2C7BABFEC}"/>
+                <a16:creationId xmlns:a16="http://schemas.microsoft.com/office/drawing/2014/main" id="{B234A3DD-923D-4166-8B19-7DD589908C68}"/>
               </a:ext>
             </a:extLst>
           </p:cNvPr>
@@ -14586,12 +15800,94 @@
         </p:nvSpPr>
         <p:spPr>
           <a:xfrm>
-            <a:off x="0" y="1438772"/>
-            <a:ext cx="12192000" cy="3980456"/>
+            <a:off x="1246925" y="-479"/>
+            <a:ext cx="9468701" cy="6858478"/>
           </a:xfrm>
-          <a:prstGeom prst="rect">
+          <a:custGeom>
             <a:avLst/>
-          </a:prstGeom>
+            <a:gdLst>
+              <a:gd name="connsiteX0" fmla="*/ 0 w 8078051"/>
+              <a:gd name="connsiteY0" fmla="*/ 0 h 5829300"/>
+              <a:gd name="connsiteX1" fmla="*/ 4453793 w 8078051"/>
+              <a:gd name="connsiteY1" fmla="*/ 0 h 5829300"/>
+              <a:gd name="connsiteX2" fmla="*/ 5363426 w 8078051"/>
+              <a:gd name="connsiteY2" fmla="*/ 0 h 5829300"/>
+              <a:gd name="connsiteX3" fmla="*/ 5368184 w 8078051"/>
+              <a:gd name="connsiteY3" fmla="*/ 0 h 5829300"/>
+              <a:gd name="connsiteX4" fmla="*/ 8078051 w 8078051"/>
+              <a:gd name="connsiteY4" fmla="*/ 5829300 h 5829300"/>
+              <a:gd name="connsiteX5" fmla="*/ 1743926 w 8078051"/>
+              <a:gd name="connsiteY5" fmla="*/ 5829300 h 5829300"/>
+              <a:gd name="connsiteX6" fmla="*/ 1744148 w 8078051"/>
+              <a:gd name="connsiteY6" fmla="*/ 5828822 h 5829300"/>
+              <a:gd name="connsiteX7" fmla="*/ 0 w 8078051"/>
+              <a:gd name="connsiteY7" fmla="*/ 5828822 h 5829300"/>
+            </a:gdLst>
+            <a:ahLst/>
+            <a:cxnLst>
+              <a:cxn ang="0">
+                <a:pos x="connsiteX0" y="connsiteY0"/>
+              </a:cxn>
+              <a:cxn ang="0">
+                <a:pos x="connsiteX1" y="connsiteY1"/>
+              </a:cxn>
+              <a:cxn ang="0">
+                <a:pos x="connsiteX2" y="connsiteY2"/>
+              </a:cxn>
+              <a:cxn ang="0">
+                <a:pos x="connsiteX3" y="connsiteY3"/>
+              </a:cxn>
+              <a:cxn ang="0">
+                <a:pos x="connsiteX4" y="connsiteY4"/>
+              </a:cxn>
+              <a:cxn ang="0">
+                <a:pos x="connsiteX5" y="connsiteY5"/>
+              </a:cxn>
+              <a:cxn ang="0">
+                <a:pos x="connsiteX6" y="connsiteY6"/>
+              </a:cxn>
+              <a:cxn ang="0">
+                <a:pos x="connsiteX7" y="connsiteY7"/>
+              </a:cxn>
+            </a:cxnLst>
+            <a:rect l="l" t="t" r="r" b="b"/>
+            <a:pathLst>
+              <a:path w="8078051" h="5829300">
+                <a:moveTo>
+                  <a:pt x="0" y="0"/>
+                </a:moveTo>
+                <a:lnTo>
+                  <a:pt x="4453793" y="0"/>
+                </a:lnTo>
+                <a:lnTo>
+                  <a:pt x="5363426" y="0"/>
+                </a:lnTo>
+                <a:lnTo>
+                  <a:pt x="5368184" y="0"/>
+                </a:lnTo>
+                <a:lnTo>
+                  <a:pt x="8078051" y="5829300"/>
+                </a:lnTo>
+                <a:lnTo>
+                  <a:pt x="1743926" y="5829300"/>
+                </a:lnTo>
+                <a:lnTo>
+                  <a:pt x="1744148" y="5828822"/>
+                </a:lnTo>
+                <a:lnTo>
+                  <a:pt x="0" y="5828822"/>
+                </a:lnTo>
+                <a:close/>
+              </a:path>
+            </a:pathLst>
+          </a:custGeom>
+          <a:solidFill>
+            <a:schemeClr val="bg1">
+              <a:lumMod val="85000"/>
+              <a:lumOff val="15000"/>
+              <a:alpha val="70000"/>
+            </a:schemeClr>
+          </a:solidFill>
           <a:ln>
             <a:noFill/>
           </a:ln>
@@ -14612,6 +15908,168 @@
             <a:schemeClr val="lt1"/>
           </a:fontRef>
         </p:style>
+        <p:txBody>
+          <a:bodyPr rtlCol="0" anchor="ctr"/>
+          <a:lstStyle/>
+          <a:p>
+            <a:pPr algn="ctr"/>
+            <a:endParaRPr lang="en-US"/>
+          </a:p>
+        </p:txBody>
+      </p:sp>
+      <p:sp>
+        <p:nvSpPr>
+          <p:cNvPr id="33" name="Freeform 16">
+            <a:extLst>
+              <a:ext uri="{FF2B5EF4-FFF2-40B4-BE49-F238E27FC236}">
+                <a16:creationId xmlns:a16="http://schemas.microsoft.com/office/drawing/2014/main" id="{F6ACA5AC-3C5D-4994-B40F-FC8349E4D6F4}"/>
+              </a:ext>
+            </a:extLst>
+          </p:cNvPr>
+          <p:cNvSpPr>
+            <a:spLocks noGrp="1" noRot="1" noChangeAspect="1" noMove="1" noResize="1" noEditPoints="1" noAdjustHandles="1" noChangeArrowheads="1" noChangeShapeType="1" noTextEdit="1"/>
+          </p:cNvSpPr>
+          <p:nvPr>
+            <p:extLst>
+              <p:ext uri="{386F3935-93C4-4BCD-93E2-E3B085C9AB24}">
+                <p16:designElem xmlns:p16="http://schemas.microsoft.com/office/powerpoint/2015/main" val="1"/>
+              </p:ext>
+            </p:extLst>
+          </p:nvPr>
+        </p:nvSpPr>
+        <p:spPr>
+          <a:xfrm>
+            <a:off x="-1" y="-479"/>
+            <a:ext cx="9324977" cy="6858479"/>
+          </a:xfrm>
+          <a:custGeom>
+            <a:avLst/>
+            <a:gdLst>
+              <a:gd name="connsiteX0" fmla="*/ 1246925 w 9324977"/>
+              <a:gd name="connsiteY0" fmla="*/ 0 h 6858479"/>
+              <a:gd name="connsiteX1" fmla="*/ 5076797 w 9324977"/>
+              <a:gd name="connsiteY1" fmla="*/ 0 h 6858479"/>
+              <a:gd name="connsiteX2" fmla="*/ 6143025 w 9324977"/>
+              <a:gd name="connsiteY2" fmla="*/ 0 h 6858479"/>
+              <a:gd name="connsiteX3" fmla="*/ 6148602 w 9324977"/>
+              <a:gd name="connsiteY3" fmla="*/ 0 h 6858479"/>
+              <a:gd name="connsiteX4" fmla="*/ 9324977 w 9324977"/>
+              <a:gd name="connsiteY4" fmla="*/ 6858478 h 6858479"/>
+              <a:gd name="connsiteX5" fmla="*/ 3359025 w 9324977"/>
+              <a:gd name="connsiteY5" fmla="*/ 6858478 h 6858479"/>
+              <a:gd name="connsiteX6" fmla="*/ 3359025 w 9324977"/>
+              <a:gd name="connsiteY6" fmla="*/ 6858479 h 6858479"/>
+              <a:gd name="connsiteX7" fmla="*/ 0 w 9324977"/>
+              <a:gd name="connsiteY7" fmla="*/ 6858479 h 6858479"/>
+              <a:gd name="connsiteX8" fmla="*/ 0 w 9324977"/>
+              <a:gd name="connsiteY8" fmla="*/ 479 h 6858479"/>
+              <a:gd name="connsiteX9" fmla="*/ 1246925 w 9324977"/>
+              <a:gd name="connsiteY9" fmla="*/ 479 h 6858479"/>
+            </a:gdLst>
+            <a:ahLst/>
+            <a:cxnLst>
+              <a:cxn ang="0">
+                <a:pos x="connsiteX0" y="connsiteY0"/>
+              </a:cxn>
+              <a:cxn ang="0">
+                <a:pos x="connsiteX1" y="connsiteY1"/>
+              </a:cxn>
+              <a:cxn ang="0">
+                <a:pos x="connsiteX2" y="connsiteY2"/>
+              </a:cxn>
+              <a:cxn ang="0">
+                <a:pos x="connsiteX3" y="connsiteY3"/>
+              </a:cxn>
+              <a:cxn ang="0">
+                <a:pos x="connsiteX4" y="connsiteY4"/>
+              </a:cxn>
+              <a:cxn ang="0">
+                <a:pos x="connsiteX5" y="connsiteY5"/>
+              </a:cxn>
+              <a:cxn ang="0">
+                <a:pos x="connsiteX6" y="connsiteY6"/>
+              </a:cxn>
+              <a:cxn ang="0">
+                <a:pos x="connsiteX7" y="connsiteY7"/>
+              </a:cxn>
+              <a:cxn ang="0">
+                <a:pos x="connsiteX8" y="connsiteY8"/>
+              </a:cxn>
+              <a:cxn ang="0">
+                <a:pos x="connsiteX9" y="connsiteY9"/>
+              </a:cxn>
+            </a:cxnLst>
+            <a:rect l="l" t="t" r="r" b="b"/>
+            <a:pathLst>
+              <a:path w="9324977" h="6858479">
+                <a:moveTo>
+                  <a:pt x="1246925" y="0"/>
+                </a:moveTo>
+                <a:lnTo>
+                  <a:pt x="5076797" y="0"/>
+                </a:lnTo>
+                <a:lnTo>
+                  <a:pt x="6143025" y="0"/>
+                </a:lnTo>
+                <a:lnTo>
+                  <a:pt x="6148602" y="0"/>
+                </a:lnTo>
+                <a:lnTo>
+                  <a:pt x="9324977" y="6858478"/>
+                </a:lnTo>
+                <a:lnTo>
+                  <a:pt x="3359025" y="6858478"/>
+                </a:lnTo>
+                <a:lnTo>
+                  <a:pt x="3359025" y="6858479"/>
+                </a:lnTo>
+                <a:lnTo>
+                  <a:pt x="0" y="6858479"/>
+                </a:lnTo>
+                <a:lnTo>
+                  <a:pt x="0" y="479"/>
+                </a:lnTo>
+                <a:lnTo>
+                  <a:pt x="1246925" y="479"/>
+                </a:lnTo>
+                <a:close/>
+              </a:path>
+            </a:pathLst>
+          </a:custGeom>
+          <a:solidFill>
+            <a:schemeClr val="bg1">
+              <a:lumMod val="85000"/>
+              <a:lumOff val="15000"/>
+            </a:schemeClr>
+          </a:solidFill>
+          <a:ln>
+            <a:noFill/>
+          </a:ln>
+        </p:spPr>
+        <p:style>
+          <a:lnRef idx="2">
+            <a:schemeClr val="accent1">
+              <a:shade val="50000"/>
+            </a:schemeClr>
+          </a:lnRef>
+          <a:fillRef idx="1">
+            <a:schemeClr val="accent1"/>
+          </a:fillRef>
+          <a:effectRef idx="0">
+            <a:schemeClr val="accent1"/>
+          </a:effectRef>
+          <a:fontRef idx="minor">
+            <a:schemeClr val="lt1"/>
+          </a:fontRef>
+        </p:style>
+        <p:txBody>
+          <a:bodyPr rtlCol="0" anchor="ctr"/>
+          <a:lstStyle/>
+          <a:p>
+            <a:pPr algn="ctr"/>
+            <a:endParaRPr lang="en-US"/>
+          </a:p>
+        </p:txBody>
       </p:sp>
       <p:sp>
         <p:nvSpPr>
@@ -14625,24 +16083,26 @@
         </p:nvSpPr>
         <p:spPr>
           <a:xfrm>
-            <a:off x="838200" y="1760505"/>
-            <a:ext cx="10515600" cy="935025"/>
+            <a:off x="804671" y="2600324"/>
+            <a:ext cx="6405753" cy="3277961"/>
           </a:xfrm>
         </p:spPr>
         <p:txBody>
-          <a:bodyPr>
+          <a:bodyPr vert="horz" lIns="91440" tIns="45720" rIns="91440" bIns="45720" rtlCol="0" anchor="t">
             <a:normAutofit/>
           </a:bodyPr>
           <a:lstStyle/>
           <a:p>
-            <a:pPr algn="ctr"/>
-            <a:r>
-              <a:rPr lang="en-US" sz="3200">
+            <a:r>
+              <a:rPr lang="en-US" sz="5400" kern="1200">
                 <a:solidFill>
-                  <a:schemeClr val="tx2"/>
+                  <a:schemeClr val="tx1"/>
                 </a:solidFill>
+                <a:latin typeface="+mj-lt"/>
+                <a:ea typeface="+mj-ea"/>
+                <a:cs typeface="+mj-cs"/>
               </a:rPr>
-              <a:t>Frequently used commands</a:t>
+              <a:t>DEMO</a:t>
             </a:r>
           </a:p>
         </p:txBody>
@@ -14659,20 +16119,37 @@
         </p:nvSpPr>
         <p:spPr>
           <a:xfrm>
-            <a:off x="2384952" y="3012928"/>
-            <a:ext cx="7422096" cy="2109445"/>
+            <a:off x="804672" y="1300450"/>
+            <a:ext cx="4167376" cy="1155525"/>
           </a:xfrm>
         </p:spPr>
         <p:txBody>
-          <a:bodyPr>
+          <a:bodyPr vert="horz" lIns="91440" tIns="45720" rIns="91440" bIns="45720" rtlCol="0" anchor="b">
             <a:normAutofit/>
           </a:bodyPr>
           <a:lstStyle/>
           <a:p>
-            <a:endParaRPr lang="en-US" sz="1800">
+            <a:pPr marL="0" indent="0">
+              <a:buNone/>
+            </a:pPr>
+            <a:r>
+              <a:rPr lang="en-US" sz="2000" kern="1200" dirty="0">
+                <a:solidFill>
+                  <a:schemeClr val="tx1"/>
+                </a:solidFill>
+                <a:latin typeface="+mn-lt"/>
+                <a:ea typeface="+mn-ea"/>
+                <a:cs typeface="+mn-cs"/>
+              </a:rPr>
+              <a:t>Frequently used commands</a:t>
+            </a:r>
+            <a:endParaRPr lang="en-US" sz="2000" b="1" kern="1200" dirty="0">
               <a:solidFill>
-                <a:schemeClr val="tx2"/>
+                <a:schemeClr val="tx1"/>
               </a:solidFill>
+              <a:latin typeface="+mn-lt"/>
+              <a:ea typeface="+mn-ea"/>
+              <a:cs typeface="+mn-cs"/>
             </a:endParaRPr>
           </a:p>
         </p:txBody>
@@ -14687,102 +16164,6 @@
   <p:clrMapOvr>
     <a:masterClrMapping/>
   </p:clrMapOvr>
-  <p:timing>
-    <p:tnLst>
-      <p:par>
-        <p:cTn id="1" dur="indefinite" restart="never" nodeType="tmRoot">
-          <p:childTnLst>
-            <p:seq concurrent="1" nextAc="seek">
-              <p:cTn id="2" dur="indefinite" nodeType="mainSeq">
-                <p:childTnLst>
-                  <p:par>
-                    <p:cTn id="3" fill="hold">
-                      <p:stCondLst>
-                        <p:cond delay="indefinite"/>
-                      </p:stCondLst>
-                      <p:childTnLst>
-                        <p:par>
-                          <p:cTn id="4" fill="hold">
-                            <p:stCondLst>
-                              <p:cond delay="0"/>
-                            </p:stCondLst>
-                            <p:childTnLst>
-                              <p:par>
-                                <p:cTn id="5" presetID="10" presetClass="entr" presetSubtype="0" fill="hold" nodeType="clickEffect" nodePh="1">
-                                  <p:stCondLst>
-                                    <p:cond delay="0"/>
-                                  </p:stCondLst>
-                                  <p:endCondLst>
-                                    <p:cond evt="begin" delay="0">
-                                      <p:tn val="5"/>
-                                    </p:cond>
-                                  </p:endCondLst>
-                                  <p:childTnLst>
-                                    <p:set>
-                                      <p:cBhvr>
-                                        <p:cTn id="6" dur="1" fill="hold">
-                                          <p:stCondLst>
-                                            <p:cond delay="0"/>
-                                          </p:stCondLst>
-                                        </p:cTn>
-                                        <p:tgtEl>
-                                          <p:spTgt spid="3">
-                                            <p:txEl>
-                                              <p:pRg st="0" end="0"/>
-                                            </p:txEl>
-                                          </p:spTgt>
-                                        </p:tgtEl>
-                                        <p:attrNameLst>
-                                          <p:attrName>style.visibility</p:attrName>
-                                        </p:attrNameLst>
-                                      </p:cBhvr>
-                                      <p:to>
-                                        <p:strVal val="visible"/>
-                                      </p:to>
-                                    </p:set>
-                                    <p:animEffect transition="in" filter="fade">
-                                      <p:cBhvr>
-                                        <p:cTn id="7" dur="500"/>
-                                        <p:tgtEl>
-                                          <p:spTgt spid="3">
-                                            <p:txEl>
-                                              <p:pRg st="0" end="0"/>
-                                            </p:txEl>
-                                          </p:spTgt>
-                                        </p:tgtEl>
-                                      </p:cBhvr>
-                                    </p:animEffect>
-                                  </p:childTnLst>
-                                </p:cTn>
-                              </p:par>
-                            </p:childTnLst>
-                          </p:cTn>
-                        </p:par>
-                      </p:childTnLst>
-                    </p:cTn>
-                  </p:par>
-                </p:childTnLst>
-              </p:cTn>
-              <p:prevCondLst>
-                <p:cond evt="onPrev" delay="0">
-                  <p:tgtEl>
-                    <p:sldTgt/>
-                  </p:tgtEl>
-                </p:cond>
-              </p:prevCondLst>
-              <p:nextCondLst>
-                <p:cond evt="onNext" delay="0">
-                  <p:tgtEl>
-                    <p:sldTgt/>
-                  </p:tgtEl>
-                </p:cond>
-              </p:nextCondLst>
-            </p:seq>
-          </p:childTnLst>
-        </p:cTn>
-      </p:par>
-    </p:tnLst>
-  </p:timing>
 </p:sld>
 </file>
 
@@ -14983,7 +16364,7 @@
           <a:p>
             <a:r>
               <a:rPr lang="en-US" sz="2400" dirty="0"/>
-              <a:t>Consistence experience on all platforms</a:t>
+              <a:t>Consistent experience on all platforms</a:t>
             </a:r>
           </a:p>
           <a:p>
@@ -15032,6 +16413,13 @@
             <a:r>
               <a:rPr lang="en-US" sz="2000" dirty="0"/>
               <a:t>Integrated Terminal</a:t>
+            </a:r>
+          </a:p>
+          <a:p>
+            <a:pPr lvl="1"/>
+            <a:r>
+              <a:rPr lang="en-US" sz="2000" dirty="0"/>
+              <a:t>Tasks</a:t>
             </a:r>
           </a:p>
           <a:p>
@@ -15484,6 +16872,67 @@
                       </p:childTnLst>
                     </p:cTn>
                   </p:par>
+                  <p:par>
+                    <p:cTn id="38" fill="hold">
+                      <p:stCondLst>
+                        <p:cond delay="indefinite"/>
+                      </p:stCondLst>
+                      <p:childTnLst>
+                        <p:par>
+                          <p:cTn id="39" fill="hold">
+                            <p:stCondLst>
+                              <p:cond delay="0"/>
+                            </p:stCondLst>
+                            <p:childTnLst>
+                              <p:par>
+                                <p:cTn id="40" presetID="10" presetClass="entr" presetSubtype="0" fill="hold" nodeType="clickEffect">
+                                  <p:stCondLst>
+                                    <p:cond delay="0"/>
+                                  </p:stCondLst>
+                                  <p:childTnLst>
+                                    <p:set>
+                                      <p:cBhvr>
+                                        <p:cTn id="41" dur="1" fill="hold">
+                                          <p:stCondLst>
+                                            <p:cond delay="0"/>
+                                          </p:stCondLst>
+                                        </p:cTn>
+                                        <p:tgtEl>
+                                          <p:spTgt spid="3">
+                                            <p:txEl>
+                                              <p:pRg st="7" end="7"/>
+                                            </p:txEl>
+                                          </p:spTgt>
+                                        </p:tgtEl>
+                                        <p:attrNameLst>
+                                          <p:attrName>style.visibility</p:attrName>
+                                        </p:attrNameLst>
+                                      </p:cBhvr>
+                                      <p:to>
+                                        <p:strVal val="visible"/>
+                                      </p:to>
+                                    </p:set>
+                                    <p:animEffect transition="in" filter="fade">
+                                      <p:cBhvr>
+                                        <p:cTn id="42" dur="500"/>
+                                        <p:tgtEl>
+                                          <p:spTgt spid="3">
+                                            <p:txEl>
+                                              <p:pRg st="7" end="7"/>
+                                            </p:txEl>
+                                          </p:spTgt>
+                                        </p:tgtEl>
+                                      </p:cBhvr>
+                                    </p:animEffect>
+                                  </p:childTnLst>
+                                </p:cTn>
+                              </p:par>
+                            </p:childTnLst>
+                          </p:cTn>
+                        </p:par>
+                      </p:childTnLst>
+                    </p:cTn>
+                  </p:par>
                 </p:childTnLst>
               </p:cTn>
               <p:prevCondLst>
@@ -15510,6 +16959,372 @@
 </file>
 
 <file path=ppt/slides/slide7.xml><?xml version="1.0" encoding="utf-8"?>
+<p:sld xmlns:a="http://schemas.openxmlformats.org/drawingml/2006/main" xmlns:r="http://schemas.openxmlformats.org/officeDocument/2006/relationships" xmlns:p="http://schemas.openxmlformats.org/presentationml/2006/main">
+  <p:cSld>
+    <p:bg>
+      <p:bgPr>
+        <a:solidFill>
+          <a:schemeClr val="bg1"/>
+        </a:solidFill>
+        <a:effectLst/>
+      </p:bgPr>
+    </p:bg>
+    <p:spTree>
+      <p:nvGrpSpPr>
+        <p:cNvPr id="1" name=""/>
+        <p:cNvGrpSpPr/>
+        <p:nvPr/>
+      </p:nvGrpSpPr>
+      <p:grpSpPr>
+        <a:xfrm>
+          <a:off x="0" y="0"/>
+          <a:ext cx="0" cy="0"/>
+          <a:chOff x="0" y="0"/>
+          <a:chExt cx="0" cy="0"/>
+        </a:xfrm>
+      </p:grpSpPr>
+      <p:sp>
+        <p:nvSpPr>
+          <p:cNvPr id="22" name="Freeform: Shape 21">
+            <a:extLst>
+              <a:ext uri="{FF2B5EF4-FFF2-40B4-BE49-F238E27FC236}">
+                <a16:creationId xmlns:a16="http://schemas.microsoft.com/office/drawing/2014/main" id="{64965EAE-E41A-435F-B993-07E824B6C977}"/>
+              </a:ext>
+            </a:extLst>
+          </p:cNvPr>
+          <p:cNvSpPr>
+            <a:spLocks noGrp="1" noRot="1" noChangeAspect="1" noMove="1" noResize="1" noEditPoints="1" noAdjustHandles="1" noChangeArrowheads="1" noChangeShapeType="1" noTextEdit="1"/>
+          </p:cNvSpPr>
+          <p:nvPr>
+            <p:extLst>
+              <p:ext uri="{386F3935-93C4-4BCD-93E2-E3B085C9AB24}">
+                <p16:designElem xmlns:p16="http://schemas.microsoft.com/office/powerpoint/2015/main" val="1"/>
+              </p:ext>
+            </p:extLst>
+          </p:nvPr>
+        </p:nvSpPr>
+        <p:spPr>
+          <a:xfrm flipV="1">
+            <a:off x="1" y="0"/>
+            <a:ext cx="7539895" cy="6858000"/>
+          </a:xfrm>
+          <a:custGeom>
+            <a:avLst/>
+            <a:gdLst>
+              <a:gd name="connsiteX0" fmla="*/ 7539895 w 7539895"/>
+              <a:gd name="connsiteY0" fmla="*/ 6858000 h 6858000"/>
+              <a:gd name="connsiteX1" fmla="*/ 0 w 7539895"/>
+              <a:gd name="connsiteY1" fmla="*/ 6858000 h 6858000"/>
+              <a:gd name="connsiteX2" fmla="*/ 0 w 7539895"/>
+              <a:gd name="connsiteY2" fmla="*/ 0 h 6858000"/>
+              <a:gd name="connsiteX3" fmla="*/ 4363741 w 7539895"/>
+              <a:gd name="connsiteY3" fmla="*/ 0 h 6858000"/>
+            </a:gdLst>
+            <a:ahLst/>
+            <a:cxnLst>
+              <a:cxn ang="0">
+                <a:pos x="connsiteX0" y="connsiteY0"/>
+              </a:cxn>
+              <a:cxn ang="0">
+                <a:pos x="connsiteX1" y="connsiteY1"/>
+              </a:cxn>
+              <a:cxn ang="0">
+                <a:pos x="connsiteX2" y="connsiteY2"/>
+              </a:cxn>
+              <a:cxn ang="0">
+                <a:pos x="connsiteX3" y="connsiteY3"/>
+              </a:cxn>
+            </a:cxnLst>
+            <a:rect l="l" t="t" r="r" b="b"/>
+            <a:pathLst>
+              <a:path w="7539895" h="6858000">
+                <a:moveTo>
+                  <a:pt x="7539895" y="6858000"/>
+                </a:moveTo>
+                <a:lnTo>
+                  <a:pt x="0" y="6858000"/>
+                </a:lnTo>
+                <a:lnTo>
+                  <a:pt x="0" y="0"/>
+                </a:lnTo>
+                <a:lnTo>
+                  <a:pt x="4363741" y="0"/>
+                </a:lnTo>
+                <a:close/>
+              </a:path>
+            </a:pathLst>
+          </a:custGeom>
+          <a:solidFill>
+            <a:schemeClr val="tx1">
+              <a:lumMod val="85000"/>
+              <a:lumOff val="15000"/>
+              <a:alpha val="70000"/>
+            </a:schemeClr>
+          </a:solidFill>
+          <a:ln>
+            <a:noFill/>
+          </a:ln>
+        </p:spPr>
+        <p:style>
+          <a:lnRef idx="2">
+            <a:schemeClr val="accent1">
+              <a:shade val="50000"/>
+            </a:schemeClr>
+          </a:lnRef>
+          <a:fillRef idx="1">
+            <a:schemeClr val="accent1"/>
+          </a:fillRef>
+          <a:effectRef idx="0">
+            <a:schemeClr val="accent1"/>
+          </a:effectRef>
+          <a:fontRef idx="minor">
+            <a:schemeClr val="lt1"/>
+          </a:fontRef>
+        </p:style>
+        <p:txBody>
+          <a:bodyPr wrap="square" rtlCol="0" anchor="ctr">
+            <a:noAutofit/>
+          </a:bodyPr>
+          <a:lstStyle/>
+          <a:p>
+            <a:pPr algn="ctr"/>
+            <a:endParaRPr lang="en-US"/>
+          </a:p>
+        </p:txBody>
+      </p:sp>
+      <p:sp>
+        <p:nvSpPr>
+          <p:cNvPr id="24" name="Freeform: Shape 23">
+            <a:extLst>
+              <a:ext uri="{FF2B5EF4-FFF2-40B4-BE49-F238E27FC236}">
+                <a16:creationId xmlns:a16="http://schemas.microsoft.com/office/drawing/2014/main" id="{152F8994-E6D4-4311-9548-C3607BC43645}"/>
+              </a:ext>
+            </a:extLst>
+          </p:cNvPr>
+          <p:cNvSpPr>
+            <a:spLocks noGrp="1" noRot="1" noChangeAspect="1" noMove="1" noResize="1" noEditPoints="1" noAdjustHandles="1" noChangeArrowheads="1" noChangeShapeType="1" noTextEdit="1"/>
+          </p:cNvSpPr>
+          <p:nvPr>
+            <p:extLst>
+              <p:ext uri="{386F3935-93C4-4BCD-93E2-E3B085C9AB24}">
+                <p16:designElem xmlns:p16="http://schemas.microsoft.com/office/powerpoint/2015/main" val="1"/>
+              </p:ext>
+            </p:extLst>
+          </p:nvPr>
+        </p:nvSpPr>
+        <p:spPr>
+          <a:xfrm flipV="1">
+            <a:off x="0" y="0"/>
+            <a:ext cx="7092985" cy="6858000"/>
+          </a:xfrm>
+          <a:custGeom>
+            <a:avLst/>
+            <a:gdLst>
+              <a:gd name="connsiteX0" fmla="*/ 7092985 w 7092985"/>
+              <a:gd name="connsiteY0" fmla="*/ 6858000 h 6858000"/>
+              <a:gd name="connsiteX1" fmla="*/ 0 w 7092985"/>
+              <a:gd name="connsiteY1" fmla="*/ 6858000 h 6858000"/>
+              <a:gd name="connsiteX2" fmla="*/ 0 w 7092985"/>
+              <a:gd name="connsiteY2" fmla="*/ 0 h 6858000"/>
+              <a:gd name="connsiteX3" fmla="*/ 3916831 w 7092985"/>
+              <a:gd name="connsiteY3" fmla="*/ 0 h 6858000"/>
+            </a:gdLst>
+            <a:ahLst/>
+            <a:cxnLst>
+              <a:cxn ang="0">
+                <a:pos x="connsiteX0" y="connsiteY0"/>
+              </a:cxn>
+              <a:cxn ang="0">
+                <a:pos x="connsiteX1" y="connsiteY1"/>
+              </a:cxn>
+              <a:cxn ang="0">
+                <a:pos x="connsiteX2" y="connsiteY2"/>
+              </a:cxn>
+              <a:cxn ang="0">
+                <a:pos x="connsiteX3" y="connsiteY3"/>
+              </a:cxn>
+            </a:cxnLst>
+            <a:rect l="l" t="t" r="r" b="b"/>
+            <a:pathLst>
+              <a:path w="7092985" h="6858000">
+                <a:moveTo>
+                  <a:pt x="7092985" y="6858000"/>
+                </a:moveTo>
+                <a:lnTo>
+                  <a:pt x="0" y="6858000"/>
+                </a:lnTo>
+                <a:lnTo>
+                  <a:pt x="0" y="0"/>
+                </a:lnTo>
+                <a:lnTo>
+                  <a:pt x="3916831" y="0"/>
+                </a:lnTo>
+                <a:close/>
+              </a:path>
+            </a:pathLst>
+          </a:custGeom>
+          <a:solidFill>
+            <a:schemeClr val="tx1">
+              <a:lumMod val="85000"/>
+              <a:lumOff val="15000"/>
+            </a:schemeClr>
+          </a:solidFill>
+          <a:ln>
+            <a:noFill/>
+          </a:ln>
+        </p:spPr>
+        <p:style>
+          <a:lnRef idx="2">
+            <a:schemeClr val="accent1">
+              <a:shade val="50000"/>
+            </a:schemeClr>
+          </a:lnRef>
+          <a:fillRef idx="1">
+            <a:schemeClr val="accent1"/>
+          </a:fillRef>
+          <a:effectRef idx="0">
+            <a:schemeClr val="accent1"/>
+          </a:effectRef>
+          <a:fontRef idx="minor">
+            <a:schemeClr val="lt1"/>
+          </a:fontRef>
+        </p:style>
+        <p:txBody>
+          <a:bodyPr wrap="square" rtlCol="0" anchor="ctr">
+            <a:noAutofit/>
+          </a:bodyPr>
+          <a:lstStyle/>
+          <a:p>
+            <a:pPr algn="ctr"/>
+            <a:endParaRPr lang="en-US"/>
+          </a:p>
+        </p:txBody>
+      </p:sp>
+      <p:sp>
+        <p:nvSpPr>
+          <p:cNvPr id="8" name="Title 7">
+            <a:extLst>
+              <a:ext uri="{FF2B5EF4-FFF2-40B4-BE49-F238E27FC236}">
+                <a16:creationId xmlns:a16="http://schemas.microsoft.com/office/drawing/2014/main" id="{9AAF6E53-C7E3-404C-8C15-A04C67BE1A24}"/>
+              </a:ext>
+            </a:extLst>
+          </p:cNvPr>
+          <p:cNvSpPr>
+            <a:spLocks noGrp="1"/>
+          </p:cNvSpPr>
+          <p:nvPr>
+            <p:ph type="title"/>
+          </p:nvPr>
+        </p:nvSpPr>
+        <p:spPr>
+          <a:xfrm>
+            <a:off x="838199" y="365125"/>
+            <a:ext cx="5529943" cy="1325563"/>
+          </a:xfrm>
+        </p:spPr>
+        <p:txBody>
+          <a:bodyPr>
+            <a:normAutofit/>
+          </a:bodyPr>
+          <a:lstStyle/>
+          <a:p>
+            <a:r>
+              <a:rPr lang="en-US">
+                <a:solidFill>
+                  <a:schemeClr val="bg1"/>
+                </a:solidFill>
+              </a:rPr>
+              <a:t>VS Code DEMO</a:t>
+            </a:r>
+          </a:p>
+        </p:txBody>
+      </p:sp>
+      <p:sp>
+        <p:nvSpPr>
+          <p:cNvPr id="21" name="Content Placeholder 18">
+            <a:extLst>
+              <a:ext uri="{FF2B5EF4-FFF2-40B4-BE49-F238E27FC236}">
+                <a16:creationId xmlns:a16="http://schemas.microsoft.com/office/drawing/2014/main" id="{74E7A070-D35D-4F51-A17C-F0F85E45F25A}"/>
+              </a:ext>
+            </a:extLst>
+          </p:cNvPr>
+          <p:cNvSpPr>
+            <a:spLocks noGrp="1"/>
+          </p:cNvSpPr>
+          <p:nvPr>
+            <p:ph idx="1"/>
+          </p:nvPr>
+        </p:nvSpPr>
+        <p:spPr>
+          <a:xfrm>
+            <a:off x="838199" y="1825625"/>
+            <a:ext cx="4128169" cy="3399518"/>
+          </a:xfrm>
+        </p:spPr>
+        <p:txBody>
+          <a:bodyPr>
+            <a:normAutofit/>
+          </a:bodyPr>
+          <a:lstStyle/>
+          <a:p>
+            <a:endParaRPr lang="en-US" sz="2000">
+              <a:solidFill>
+                <a:schemeClr val="bg1"/>
+              </a:solidFill>
+            </a:endParaRPr>
+          </a:p>
+        </p:txBody>
+      </p:sp>
+      <p:pic>
+        <p:nvPicPr>
+          <p:cNvPr id="17" name="Content Placeholder 10">
+            <a:extLst>
+              <a:ext uri="{FF2B5EF4-FFF2-40B4-BE49-F238E27FC236}">
+                <a16:creationId xmlns:a16="http://schemas.microsoft.com/office/drawing/2014/main" id="{65A7D466-8CEF-4FDA-864F-09BC3FFAA26D}"/>
+              </a:ext>
+            </a:extLst>
+          </p:cNvPr>
+          <p:cNvPicPr>
+            <a:picLocks noChangeAspect="1"/>
+          </p:cNvPicPr>
+          <p:nvPr/>
+        </p:nvPicPr>
+        <p:blipFill>
+          <a:blip r:embed="rId3">
+            <a:extLst>
+              <a:ext uri="{28A0092B-C50C-407E-A947-70E740481C1C}">
+                <a14:useLocalDpi xmlns:a14="http://schemas.microsoft.com/office/drawing/2010/main" val="0"/>
+              </a:ext>
+            </a:extLst>
+          </a:blip>
+          <a:stretch>
+            <a:fillRect/>
+          </a:stretch>
+        </p:blipFill>
+        <p:spPr>
+          <a:xfrm>
+            <a:off x="1383499" y="2016769"/>
+            <a:ext cx="2835804" cy="2824461"/>
+          </a:xfrm>
+          <a:prstGeom prst="rect">
+            <a:avLst/>
+          </a:prstGeom>
+        </p:spPr>
+      </p:pic>
+    </p:spTree>
+    <p:extLst>
+      <p:ext uri="{BB962C8B-B14F-4D97-AF65-F5344CB8AC3E}">
+        <p14:creationId xmlns:p14="http://schemas.microsoft.com/office/powerpoint/2010/main" val="682550062"/>
+      </p:ext>
+    </p:extLst>
+  </p:cSld>
+  <p:clrMapOvr>
+    <a:masterClrMapping/>
+  </p:clrMapOvr>
+</p:sld>
+</file>
+
+<file path=ppt/slides/slide8.xml><?xml version="1.0" encoding="utf-8"?>
 <p:sld xmlns:a="http://schemas.openxmlformats.org/drawingml/2006/main" xmlns:r="http://schemas.openxmlformats.org/officeDocument/2006/relationships" xmlns:p="http://schemas.openxmlformats.org/presentationml/2006/main">
   <p:cSld>
     <p:bg>
@@ -15817,7 +17632,7 @@
 </p:sld>
 </file>
 
-<file path=ppt/slides/slide8.xml><?xml version="1.0" encoding="utf-8"?>
+<file path=ppt/slides/slide9.xml><?xml version="1.0" encoding="utf-8"?>
 <p:sld xmlns:a="http://schemas.openxmlformats.org/drawingml/2006/main" xmlns:r="http://schemas.openxmlformats.org/officeDocument/2006/relationships" xmlns:p="http://schemas.openxmlformats.org/presentationml/2006/main">
   <p:cSld>
     <p:bg>
@@ -15844,321 +17659,10 @@
       </p:grpSpPr>
       <p:sp>
         <p:nvSpPr>
-          <p:cNvPr id="8" name="Rectangle 7">
+          <p:cNvPr id="22" name="Freeform: Shape 21">
             <a:extLst>
               <a:ext uri="{FF2B5EF4-FFF2-40B4-BE49-F238E27FC236}">
-                <a16:creationId xmlns:a16="http://schemas.microsoft.com/office/drawing/2014/main" id="{8D70B121-56F4-4848-B38B-182089D909FA}"/>
-              </a:ext>
-            </a:extLst>
-          </p:cNvPr>
-          <p:cNvSpPr>
-            <a:spLocks noGrp="1" noRot="1" noChangeAspect="1" noMove="1" noResize="1" noEditPoints="1" noAdjustHandles="1" noChangeArrowheads="1" noChangeShapeType="1" noTextEdit="1"/>
-          </p:cNvSpPr>
-          <p:nvPr>
-            <p:extLst>
-              <p:ext uri="{386F3935-93C4-4BCD-93E2-E3B085C9AB24}">
-                <p16:designElem xmlns:p16="http://schemas.microsoft.com/office/powerpoint/2015/main" val="1"/>
-              </p:ext>
-            </p:extLst>
-          </p:nvPr>
-        </p:nvSpPr>
-        <p:spPr bwMode="ltGray">
-          <a:xfrm>
-            <a:off x="321564" y="320040"/>
-            <a:ext cx="11548872" cy="6217920"/>
-          </a:xfrm>
-          <a:prstGeom prst="rect">
-            <a:avLst/>
-          </a:prstGeom>
-          <a:solidFill>
-            <a:schemeClr val="tx1">
-              <a:alpha val="8000"/>
-            </a:schemeClr>
-          </a:solidFill>
-          <a:ln w="127000" cap="sq" cmpd="thinThick">
-            <a:noFill/>
-          </a:ln>
-        </p:spPr>
-        <p:style>
-          <a:lnRef idx="2">
-            <a:schemeClr val="accent1">
-              <a:shade val="50000"/>
-            </a:schemeClr>
-          </a:lnRef>
-          <a:fillRef idx="1">
-            <a:schemeClr val="accent1"/>
-          </a:fillRef>
-          <a:effectRef idx="0">
-            <a:schemeClr val="accent1"/>
-          </a:effectRef>
-          <a:fontRef idx="minor">
-            <a:schemeClr val="lt1"/>
-          </a:fontRef>
-        </p:style>
-        <p:txBody>
-          <a:bodyPr rtlCol="0" anchor="ctr"/>
-          <a:lstStyle/>
-          <a:p>
-            <a:pPr algn="ctr"/>
-            <a:endParaRPr lang="en-US"/>
-          </a:p>
-        </p:txBody>
-      </p:sp>
-      <p:cxnSp>
-        <p:nvCxnSpPr>
-          <p:cNvPr id="10" name="Straight Connector 9">
-            <a:extLst>
-              <a:ext uri="{FF2B5EF4-FFF2-40B4-BE49-F238E27FC236}">
-                <a16:creationId xmlns:a16="http://schemas.microsoft.com/office/drawing/2014/main" id="{2D72A2C9-F3CA-4216-8BAD-FA4C970C3C4E}"/>
-              </a:ext>
-            </a:extLst>
-          </p:cNvPr>
-          <p:cNvCxnSpPr>
-            <a:cxnSpLocks noGrp="1" noRot="1" noChangeAspect="1" noMove="1" noResize="1" noEditPoints="1" noAdjustHandles="1" noChangeArrowheads="1" noChangeShapeType="1"/>
-          </p:cNvCxnSpPr>
-          <p:nvPr>
-            <p:extLst>
-              <p:ext uri="{386F3935-93C4-4BCD-93E2-E3B085C9AB24}">
-                <p16:designElem xmlns:p16="http://schemas.microsoft.com/office/powerpoint/2015/main" val="1"/>
-              </p:ext>
-            </p:extLst>
-          </p:nvPr>
-        </p:nvCxnSpPr>
-        <p:spPr>
-          <a:xfrm>
-            <a:off x="4654296" y="2057400"/>
-            <a:ext cx="0" cy="2743200"/>
-          </a:xfrm>
-          <a:prstGeom prst="line">
-            <a:avLst/>
-          </a:prstGeom>
-          <a:ln w="19050">
-            <a:solidFill>
-              <a:schemeClr val="tx1">
-                <a:lumMod val="85000"/>
-                <a:lumOff val="15000"/>
-              </a:schemeClr>
-            </a:solidFill>
-          </a:ln>
-        </p:spPr>
-        <p:style>
-          <a:lnRef idx="1">
-            <a:schemeClr val="accent1"/>
-          </a:lnRef>
-          <a:fillRef idx="0">
-            <a:schemeClr val="accent1"/>
-          </a:fillRef>
-          <a:effectRef idx="0">
-            <a:schemeClr val="accent1"/>
-          </a:effectRef>
-          <a:fontRef idx="minor">
-            <a:schemeClr val="tx1"/>
-          </a:fontRef>
-        </p:style>
-      </p:cxnSp>
-      <p:sp>
-        <p:nvSpPr>
-          <p:cNvPr id="2" name="Title 1"/>
-          <p:cNvSpPr>
-            <a:spLocks noGrp="1"/>
-          </p:cNvSpPr>
-          <p:nvPr>
-            <p:ph type="title"/>
-          </p:nvPr>
-        </p:nvSpPr>
-        <p:spPr>
-          <a:xfrm>
-            <a:off x="838200" y="963877"/>
-            <a:ext cx="3494362" cy="4930246"/>
-          </a:xfrm>
-        </p:spPr>
-        <p:txBody>
-          <a:bodyPr>
-            <a:normAutofit/>
-          </a:bodyPr>
-          <a:lstStyle/>
-          <a:p>
-            <a:pPr algn="r"/>
-            <a:r>
-              <a:rPr lang="en-US">
-                <a:solidFill>
-                  <a:schemeClr val="accent1"/>
-                </a:solidFill>
-              </a:rPr>
-              <a:t>Creation of templates</a:t>
-            </a:r>
-          </a:p>
-        </p:txBody>
-      </p:sp>
-      <p:sp>
-        <p:nvSpPr>
-          <p:cNvPr id="3" name="Content Placeholder 2"/>
-          <p:cNvSpPr>
-            <a:spLocks noGrp="1"/>
-          </p:cNvSpPr>
-          <p:nvPr>
-            <p:ph idx="1"/>
-          </p:nvPr>
-        </p:nvSpPr>
-        <p:spPr>
-          <a:xfrm>
-            <a:off x="4976031" y="963877"/>
-            <a:ext cx="6377769" cy="4930246"/>
-          </a:xfrm>
-        </p:spPr>
-        <p:txBody>
-          <a:bodyPr anchor="ctr">
-            <a:normAutofit/>
-          </a:bodyPr>
-          <a:lstStyle/>
-          <a:p>
-            <a:endParaRPr lang="en-US" sz="2400"/>
-          </a:p>
-        </p:txBody>
-      </p:sp>
-    </p:spTree>
-    <p:extLst>
-      <p:ext uri="{BB962C8B-B14F-4D97-AF65-F5344CB8AC3E}">
-        <p14:creationId xmlns:p14="http://schemas.microsoft.com/office/powerpoint/2010/main" val="388546764"/>
-      </p:ext>
-    </p:extLst>
-  </p:cSld>
-  <p:clrMapOvr>
-    <a:masterClrMapping/>
-  </p:clrMapOvr>
-  <p:timing>
-    <p:tnLst>
-      <p:par>
-        <p:cTn id="1" dur="indefinite" restart="never" nodeType="tmRoot">
-          <p:childTnLst>
-            <p:seq concurrent="1" nextAc="seek">
-              <p:cTn id="2" dur="indefinite" nodeType="mainSeq">
-                <p:childTnLst>
-                  <p:par>
-                    <p:cTn id="3" fill="hold">
-                      <p:stCondLst>
-                        <p:cond delay="indefinite"/>
-                      </p:stCondLst>
-                      <p:childTnLst>
-                        <p:par>
-                          <p:cTn id="4" fill="hold">
-                            <p:stCondLst>
-                              <p:cond delay="0"/>
-                            </p:stCondLst>
-                            <p:childTnLst>
-                              <p:par>
-                                <p:cTn id="5" presetID="10" presetClass="entr" presetSubtype="0" fill="hold" nodeType="clickEffect" nodePh="1">
-                                  <p:stCondLst>
-                                    <p:cond delay="0"/>
-                                  </p:stCondLst>
-                                  <p:endCondLst>
-                                    <p:cond evt="begin" delay="0">
-                                      <p:tn val="5"/>
-                                    </p:cond>
-                                  </p:endCondLst>
-                                  <p:childTnLst>
-                                    <p:set>
-                                      <p:cBhvr>
-                                        <p:cTn id="6" dur="1" fill="hold">
-                                          <p:stCondLst>
-                                            <p:cond delay="0"/>
-                                          </p:stCondLst>
-                                        </p:cTn>
-                                        <p:tgtEl>
-                                          <p:spTgt spid="3">
-                                            <p:txEl>
-                                              <p:pRg st="0" end="0"/>
-                                            </p:txEl>
-                                          </p:spTgt>
-                                        </p:tgtEl>
-                                        <p:attrNameLst>
-                                          <p:attrName>style.visibility</p:attrName>
-                                        </p:attrNameLst>
-                                      </p:cBhvr>
-                                      <p:to>
-                                        <p:strVal val="visible"/>
-                                      </p:to>
-                                    </p:set>
-                                    <p:animEffect transition="in" filter="fade">
-                                      <p:cBhvr>
-                                        <p:cTn id="7" dur="500"/>
-                                        <p:tgtEl>
-                                          <p:spTgt spid="3">
-                                            <p:txEl>
-                                              <p:pRg st="0" end="0"/>
-                                            </p:txEl>
-                                          </p:spTgt>
-                                        </p:tgtEl>
-                                      </p:cBhvr>
-                                    </p:animEffect>
-                                  </p:childTnLst>
-                                </p:cTn>
-                              </p:par>
-                            </p:childTnLst>
-                          </p:cTn>
-                        </p:par>
-                      </p:childTnLst>
-                    </p:cTn>
-                  </p:par>
-                </p:childTnLst>
-              </p:cTn>
-              <p:prevCondLst>
-                <p:cond evt="onPrev" delay="0">
-                  <p:tgtEl>
-                    <p:sldTgt/>
-                  </p:tgtEl>
-                </p:cond>
-              </p:prevCondLst>
-              <p:nextCondLst>
-                <p:cond evt="onNext" delay="0">
-                  <p:tgtEl>
-                    <p:sldTgt/>
-                  </p:tgtEl>
-                </p:cond>
-              </p:nextCondLst>
-            </p:seq>
-          </p:childTnLst>
-        </p:cTn>
-      </p:par>
-    </p:tnLst>
-  </p:timing>
-</p:sld>
-</file>
-
-<file path=ppt/slides/slide9.xml><?xml version="1.0" encoding="utf-8"?>
-<p:sld xmlns:a="http://schemas.openxmlformats.org/drawingml/2006/main" xmlns:r="http://schemas.openxmlformats.org/officeDocument/2006/relationships" xmlns:p="http://schemas.openxmlformats.org/presentationml/2006/main">
-  <p:cSld>
-    <p:bg>
-      <p:bgPr>
-        <a:solidFill>
-          <a:schemeClr val="bg1">
-            <a:tint val="95000"/>
-            <a:satMod val="170000"/>
-          </a:schemeClr>
-        </a:solidFill>
-        <a:effectLst/>
-      </p:bgPr>
-    </p:bg>
-    <p:spTree>
-      <p:nvGrpSpPr>
-        <p:cNvPr id="1" name=""/>
-        <p:cNvGrpSpPr/>
-        <p:nvPr/>
-      </p:nvGrpSpPr>
-      <p:grpSpPr>
-        <a:xfrm>
-          <a:off x="0" y="0"/>
-          <a:ext cx="0" cy="0"/>
-          <a:chOff x="0" y="0"/>
-          <a:chExt cx="0" cy="0"/>
-        </a:xfrm>
-      </p:grpSpPr>
-      <p:sp>
-        <p:nvSpPr>
-          <p:cNvPr id="136" name="Oval 135">
-            <a:extLst>
-              <a:ext uri="{FF2B5EF4-FFF2-40B4-BE49-F238E27FC236}">
-                <a16:creationId xmlns:a16="http://schemas.microsoft.com/office/drawing/2014/main" id="{C99A8FB7-A79B-4BC9-9D56-B79587F6AA3E}"/>
+                <a16:creationId xmlns:a16="http://schemas.microsoft.com/office/drawing/2014/main" id="{64965EAE-E41A-435F-B993-07E824B6C977}"/>
               </a:ext>
             </a:extLst>
           </p:cNvPr>
@@ -16174,118 +17678,21 @@
           </p:nvPr>
         </p:nvSpPr>
         <p:spPr>
-          <a:xfrm>
-            <a:off x="5804761" y="2650637"/>
-            <a:ext cx="3118104" cy="3118104"/>
-          </a:xfrm>
-          <a:prstGeom prst="ellipse">
-            <a:avLst/>
-          </a:prstGeom>
-          <a:solidFill>
-            <a:srgbClr val="FFFFFF">
-              <a:alpha val="80000"/>
-            </a:srgbClr>
-          </a:solidFill>
-          <a:ln>
-            <a:noFill/>
-          </a:ln>
-        </p:spPr>
-        <p:style>
-          <a:lnRef idx="2">
-            <a:schemeClr val="accent1">
-              <a:shade val="50000"/>
-            </a:schemeClr>
-          </a:lnRef>
-          <a:fillRef idx="1">
-            <a:schemeClr val="accent1"/>
-          </a:fillRef>
-          <a:effectRef idx="0">
-            <a:schemeClr val="accent1"/>
-          </a:effectRef>
-          <a:fontRef idx="minor">
-            <a:schemeClr val="lt1"/>
-          </a:fontRef>
-        </p:style>
-        <p:txBody>
-          <a:bodyPr rtlCol="0" anchor="ctr"/>
-          <a:lstStyle/>
-          <a:p>
-            <a:pPr marL="0" marR="0" lvl="0" indent="0" algn="ctr" defTabSz="914400" rtl="0" eaLnBrk="1" fontAlgn="auto" latinLnBrk="0" hangingPunct="1">
-              <a:lnSpc>
-                <a:spcPct val="100000"/>
-              </a:lnSpc>
-              <a:spcBef>
-                <a:spcPts val="0"/>
-              </a:spcBef>
-              <a:spcAft>
-                <a:spcPts val="0"/>
-              </a:spcAft>
-              <a:buClrTx/>
-              <a:buSzTx/>
-              <a:buFontTx/>
-              <a:buNone/>
-              <a:tabLst/>
-              <a:defRPr/>
-            </a:pPr>
-            <a:endParaRPr kumimoji="0" lang="en-US" sz="1800" b="0" i="0" u="none" strike="noStrike" kern="1200" cap="none" spc="0" normalizeH="0" baseline="0" noProof="0">
-              <a:ln>
-                <a:noFill/>
-              </a:ln>
-              <a:solidFill>
-                <a:prstClr val="white"/>
-              </a:solidFill>
-              <a:effectLst/>
-              <a:uLnTx/>
-              <a:uFillTx/>
-              <a:latin typeface="Calibri" panose="020F0502020204030204"/>
-              <a:ea typeface="+mn-ea"/>
-              <a:cs typeface="+mn-cs"/>
-            </a:endParaRPr>
-          </a:p>
-        </p:txBody>
-      </p:sp>
-      <p:sp>
-        <p:nvSpPr>
-          <p:cNvPr id="138" name="Freeform: Shape 137">
-            <a:extLst>
-              <a:ext uri="{FF2B5EF4-FFF2-40B4-BE49-F238E27FC236}">
-                <a16:creationId xmlns:a16="http://schemas.microsoft.com/office/drawing/2014/main" id="{B23893E2-3349-46D7-A7AA-B9E447957FB1}"/>
-              </a:ext>
-            </a:extLst>
-          </p:cNvPr>
-          <p:cNvSpPr>
-            <a:spLocks noGrp="1" noRot="1" noChangeAspect="1" noMove="1" noResize="1" noEditPoints="1" noAdjustHandles="1" noChangeArrowheads="1" noChangeShapeType="1" noTextEdit="1"/>
-          </p:cNvSpPr>
-          <p:nvPr>
-            <p:extLst>
-              <p:ext uri="{386F3935-93C4-4BCD-93E2-E3B085C9AB24}">
-                <p16:designElem xmlns:p16="http://schemas.microsoft.com/office/powerpoint/2015/main" val="1"/>
-              </p:ext>
-            </p:extLst>
-          </p:nvPr>
-        </p:nvSpPr>
-        <p:spPr>
-          <a:xfrm>
-            <a:off x="7996859" y="0"/>
-            <a:ext cx="4198060" cy="3650200"/>
+          <a:xfrm flipV="1">
+            <a:off x="1" y="0"/>
+            <a:ext cx="7539895" cy="6858000"/>
           </a:xfrm>
           <a:custGeom>
             <a:avLst/>
             <a:gdLst>
-              <a:gd name="connsiteX0" fmla="*/ 262846 w 4198060"/>
-              <a:gd name="connsiteY0" fmla="*/ 0 h 3650200"/>
-              <a:gd name="connsiteX1" fmla="*/ 4198060 w 4198060"/>
-              <a:gd name="connsiteY1" fmla="*/ 0 h 3650200"/>
-              <a:gd name="connsiteX2" fmla="*/ 4198060 w 4198060"/>
-              <a:gd name="connsiteY2" fmla="*/ 3021648 h 3650200"/>
-              <a:gd name="connsiteX3" fmla="*/ 4142653 w 4198060"/>
-              <a:gd name="connsiteY3" fmla="*/ 3072005 h 3650200"/>
-              <a:gd name="connsiteX4" fmla="*/ 2532040 w 4198060"/>
-              <a:gd name="connsiteY4" fmla="*/ 3650200 h 3650200"/>
-              <a:gd name="connsiteX5" fmla="*/ 0 w 4198060"/>
-              <a:gd name="connsiteY5" fmla="*/ 1118160 h 3650200"/>
-              <a:gd name="connsiteX6" fmla="*/ 198981 w 4198060"/>
-              <a:gd name="connsiteY6" fmla="*/ 132576 h 3650200"/>
+              <a:gd name="connsiteX0" fmla="*/ 7539895 w 7539895"/>
+              <a:gd name="connsiteY0" fmla="*/ 6858000 h 6858000"/>
+              <a:gd name="connsiteX1" fmla="*/ 0 w 7539895"/>
+              <a:gd name="connsiteY1" fmla="*/ 6858000 h 6858000"/>
+              <a:gd name="connsiteX2" fmla="*/ 0 w 7539895"/>
+              <a:gd name="connsiteY2" fmla="*/ 0 h 6858000"/>
+              <a:gd name="connsiteX3" fmla="*/ 4363741 w 7539895"/>
+              <a:gd name="connsiteY3" fmla="*/ 0 h 6858000"/>
             </a:gdLst>
             <a:ahLst/>
             <a:cxnLst>
@@ -16301,54 +17708,32 @@
               <a:cxn ang="0">
                 <a:pos x="connsiteX3" y="connsiteY3"/>
               </a:cxn>
-              <a:cxn ang="0">
-                <a:pos x="connsiteX4" y="connsiteY4"/>
-              </a:cxn>
-              <a:cxn ang="0">
-                <a:pos x="connsiteX5" y="connsiteY5"/>
-              </a:cxn>
-              <a:cxn ang="0">
-                <a:pos x="connsiteX6" y="connsiteY6"/>
-              </a:cxn>
             </a:cxnLst>
             <a:rect l="l" t="t" r="r" b="b"/>
             <a:pathLst>
-              <a:path w="4198060" h="3650200">
+              <a:path w="7539895" h="6858000">
                 <a:moveTo>
-                  <a:pt x="262846" y="0"/>
+                  <a:pt x="7539895" y="6858000"/>
                 </a:moveTo>
                 <a:lnTo>
-                  <a:pt x="4198060" y="0"/>
+                  <a:pt x="0" y="6858000"/>
                 </a:lnTo>
                 <a:lnTo>
-                  <a:pt x="4198060" y="3021648"/>
+                  <a:pt x="0" y="0"/>
                 </a:lnTo>
                 <a:lnTo>
-                  <a:pt x="4142653" y="3072005"/>
+                  <a:pt x="4363741" y="0"/>
                 </a:lnTo>
-                <a:cubicBezTo>
-                  <a:pt x="3704967" y="3433216"/>
-                  <a:pt x="3143843" y="3650200"/>
-                  <a:pt x="2532040" y="3650200"/>
-                </a:cubicBezTo>
-                <a:cubicBezTo>
-                  <a:pt x="1133633" y="3650200"/>
-                  <a:pt x="0" y="2516567"/>
-                  <a:pt x="0" y="1118160"/>
-                </a:cubicBezTo>
-                <a:cubicBezTo>
-                  <a:pt x="0" y="768558"/>
-                  <a:pt x="70852" y="435505"/>
-                  <a:pt x="198981" y="132576"/>
-                </a:cubicBezTo>
                 <a:close/>
               </a:path>
             </a:pathLst>
           </a:custGeom>
           <a:solidFill>
-            <a:srgbClr val="FFFFFF">
-              <a:alpha val="80000"/>
-            </a:srgbClr>
+            <a:schemeClr val="tx1">
+              <a:lumMod val="85000"/>
+              <a:lumOff val="15000"/>
+              <a:alpha val="70000"/>
+            </a:schemeClr>
           </a:solidFill>
           <a:ln>
             <a:noFill/>
@@ -16376,46 +17761,17 @@
           </a:bodyPr>
           <a:lstStyle/>
           <a:p>
-            <a:pPr marL="0" marR="0" lvl="0" indent="0" algn="ctr" defTabSz="914400" rtl="0" eaLnBrk="1" fontAlgn="auto" latinLnBrk="0" hangingPunct="1">
-              <a:lnSpc>
-                <a:spcPct val="100000"/>
-              </a:lnSpc>
-              <a:spcBef>
-                <a:spcPts val="0"/>
-              </a:spcBef>
-              <a:spcAft>
-                <a:spcPts val="0"/>
-              </a:spcAft>
-              <a:buClrTx/>
-              <a:buSzTx/>
-              <a:buFontTx/>
-              <a:buNone/>
-              <a:tabLst/>
-              <a:defRPr/>
-            </a:pPr>
-            <a:endParaRPr kumimoji="0" lang="en-US" sz="1800" b="0" i="0" u="none" strike="noStrike" kern="1200" cap="none" spc="0" normalizeH="0" baseline="0" noProof="0">
-              <a:ln>
-                <a:noFill/>
-              </a:ln>
-              <a:solidFill>
-                <a:prstClr val="white"/>
-              </a:solidFill>
-              <a:effectLst/>
-              <a:uLnTx/>
-              <a:uFillTx/>
-              <a:latin typeface="Calibri" panose="020F0502020204030204"/>
-              <a:ea typeface="+mn-ea"/>
-              <a:cs typeface="+mn-cs"/>
-            </a:endParaRPr>
+            <a:pPr algn="ctr"/>
+            <a:endParaRPr lang="en-US"/>
           </a:p>
         </p:txBody>
       </p:sp>
       <p:sp>
         <p:nvSpPr>
-          <p:cNvPr id="140" name="Freeform: Shape 139">
+          <p:cNvPr id="24" name="Freeform: Shape 23">
             <a:extLst>
               <a:ext uri="{FF2B5EF4-FFF2-40B4-BE49-F238E27FC236}">
-                <a16:creationId xmlns:a16="http://schemas.microsoft.com/office/drawing/2014/main" id="{2B7592FE-10D1-4664-B623-353F47C8DF7F}"/>
+                <a16:creationId xmlns:a16="http://schemas.microsoft.com/office/drawing/2014/main" id="{152F8994-E6D4-4311-9548-C3607BC43645}"/>
               </a:ext>
             </a:extLst>
           </p:cNvPr>
@@ -16431,29 +17787,21 @@
           </p:nvPr>
         </p:nvSpPr>
         <p:spPr>
-          <a:xfrm>
-            <a:off x="8888132" y="4032250"/>
-            <a:ext cx="3303868" cy="2825750"/>
+          <a:xfrm flipV="1">
+            <a:off x="0" y="0"/>
+            <a:ext cx="7092985" cy="6858000"/>
           </a:xfrm>
           <a:custGeom>
             <a:avLst/>
             <a:gdLst>
-              <a:gd name="connsiteX0" fmla="*/ 1888600 w 3303868"/>
-              <a:gd name="connsiteY0" fmla="*/ 0 h 2825750"/>
-              <a:gd name="connsiteX1" fmla="*/ 3224042 w 3303868"/>
-              <a:gd name="connsiteY1" fmla="*/ 553158 h 2825750"/>
-              <a:gd name="connsiteX2" fmla="*/ 3303868 w 3303868"/>
-              <a:gd name="connsiteY2" fmla="*/ 640989 h 2825750"/>
-              <a:gd name="connsiteX3" fmla="*/ 3303868 w 3303868"/>
-              <a:gd name="connsiteY3" fmla="*/ 2825750 h 2825750"/>
-              <a:gd name="connsiteX4" fmla="*/ 250380 w 3303868"/>
-              <a:gd name="connsiteY4" fmla="*/ 2825750 h 2825750"/>
-              <a:gd name="connsiteX5" fmla="*/ 227944 w 3303868"/>
-              <a:gd name="connsiteY5" fmla="*/ 2788819 h 2825750"/>
-              <a:gd name="connsiteX6" fmla="*/ 0 w 3303868"/>
-              <a:gd name="connsiteY6" fmla="*/ 1888600 h 2825750"/>
-              <a:gd name="connsiteX7" fmla="*/ 1888600 w 3303868"/>
-              <a:gd name="connsiteY7" fmla="*/ 0 h 2825750"/>
+              <a:gd name="connsiteX0" fmla="*/ 7092985 w 7092985"/>
+              <a:gd name="connsiteY0" fmla="*/ 6858000 h 6858000"/>
+              <a:gd name="connsiteX1" fmla="*/ 0 w 7092985"/>
+              <a:gd name="connsiteY1" fmla="*/ 6858000 h 6858000"/>
+              <a:gd name="connsiteX2" fmla="*/ 0 w 7092985"/>
+              <a:gd name="connsiteY2" fmla="*/ 0 h 6858000"/>
+              <a:gd name="connsiteX3" fmla="*/ 3916831 w 7092985"/>
+              <a:gd name="connsiteY3" fmla="*/ 0 h 6858000"/>
             </a:gdLst>
             <a:ahLst/>
             <a:cxnLst>
@@ -16469,60 +17817,31 @@
               <a:cxn ang="0">
                 <a:pos x="connsiteX3" y="connsiteY3"/>
               </a:cxn>
-              <a:cxn ang="0">
-                <a:pos x="connsiteX4" y="connsiteY4"/>
-              </a:cxn>
-              <a:cxn ang="0">
-                <a:pos x="connsiteX5" y="connsiteY5"/>
-              </a:cxn>
-              <a:cxn ang="0">
-                <a:pos x="connsiteX6" y="connsiteY6"/>
-              </a:cxn>
-              <a:cxn ang="0">
-                <a:pos x="connsiteX7" y="connsiteY7"/>
-              </a:cxn>
             </a:cxnLst>
             <a:rect l="l" t="t" r="r" b="b"/>
             <a:pathLst>
-              <a:path w="3303868" h="2825750">
+              <a:path w="7092985" h="6858000">
                 <a:moveTo>
-                  <a:pt x="1888600" y="0"/>
+                  <a:pt x="7092985" y="6858000"/>
                 </a:moveTo>
-                <a:cubicBezTo>
-                  <a:pt x="2410123" y="0"/>
-                  <a:pt x="2882273" y="211389"/>
-                  <a:pt x="3224042" y="553158"/>
-                </a:cubicBezTo>
                 <a:lnTo>
-                  <a:pt x="3303868" y="640989"/>
+                  <a:pt x="0" y="6858000"/>
                 </a:lnTo>
                 <a:lnTo>
-                  <a:pt x="3303868" y="2825750"/>
+                  <a:pt x="0" y="0"/>
                 </a:lnTo>
                 <a:lnTo>
-                  <a:pt x="250380" y="2825750"/>
+                  <a:pt x="3916831" y="0"/>
                 </a:lnTo>
-                <a:lnTo>
-                  <a:pt x="227944" y="2788819"/>
-                </a:lnTo>
-                <a:cubicBezTo>
-                  <a:pt x="82574" y="2521217"/>
-                  <a:pt x="0" y="2214552"/>
-                  <a:pt x="0" y="1888600"/>
-                </a:cubicBezTo>
-                <a:cubicBezTo>
-                  <a:pt x="0" y="845555"/>
-                  <a:pt x="845555" y="0"/>
-                  <a:pt x="1888600" y="0"/>
-                </a:cubicBezTo>
                 <a:close/>
               </a:path>
             </a:pathLst>
           </a:custGeom>
           <a:solidFill>
-            <a:srgbClr val="FFFFFF">
-              <a:alpha val="80000"/>
-            </a:srgbClr>
+            <a:schemeClr val="tx1">
+              <a:lumMod val="85000"/>
+              <a:lumOff val="15000"/>
+            </a:schemeClr>
           </a:solidFill>
           <a:ln>
             <a:noFill/>
@@ -16550,389 +17869,20 @@
           </a:bodyPr>
           <a:lstStyle/>
           <a:p>
-            <a:pPr marL="0" marR="0" lvl="0" indent="0" algn="ctr" defTabSz="914400" rtl="0" eaLnBrk="1" fontAlgn="auto" latinLnBrk="0" hangingPunct="1">
-              <a:lnSpc>
-                <a:spcPct val="100000"/>
-              </a:lnSpc>
-              <a:spcBef>
-                <a:spcPts val="0"/>
-              </a:spcBef>
-              <a:spcAft>
-                <a:spcPts val="0"/>
-              </a:spcAft>
-              <a:buClrTx/>
-              <a:buSzTx/>
-              <a:buFontTx/>
-              <a:buNone/>
-              <a:tabLst/>
-              <a:defRPr/>
-            </a:pPr>
-            <a:endParaRPr kumimoji="0" lang="en-US" sz="1800" b="0" i="0" u="none" strike="noStrike" kern="1200" cap="none" spc="0" normalizeH="0" baseline="0" noProof="0">
-              <a:ln>
-                <a:noFill/>
-              </a:ln>
-              <a:solidFill>
-                <a:prstClr val="white"/>
-              </a:solidFill>
-              <a:effectLst/>
-              <a:uLnTx/>
-              <a:uFillTx/>
-              <a:latin typeface="Calibri" panose="020F0502020204030204"/>
-              <a:ea typeface="+mn-ea"/>
-              <a:cs typeface="+mn-cs"/>
-            </a:endParaRPr>
+            <a:pPr algn="ctr"/>
+            <a:endParaRPr lang="en-US"/>
           </a:p>
         </p:txBody>
       </p:sp>
-      <p:pic>
-        <p:nvPicPr>
-          <p:cNvPr id="7" name="Picture 6">
+      <p:sp>
+        <p:nvSpPr>
+          <p:cNvPr id="8" name="Title 7">
             <a:extLst>
               <a:ext uri="{FF2B5EF4-FFF2-40B4-BE49-F238E27FC236}">
-                <a16:creationId xmlns:a16="http://schemas.microsoft.com/office/drawing/2014/main" id="{53E6D5F9-8094-4AC1-A026-7B9B8E776C1E}"/>
+                <a16:creationId xmlns:a16="http://schemas.microsoft.com/office/drawing/2014/main" id="{9AAF6E53-C7E3-404C-8C15-A04C67BE1A24}"/>
               </a:ext>
             </a:extLst>
           </p:cNvPr>
-          <p:cNvPicPr>
-            <a:picLocks noChangeAspect="1"/>
-          </p:cNvPicPr>
-          <p:nvPr/>
-        </p:nvPicPr>
-        <p:blipFill rotWithShape="1">
-          <a:blip r:embed="rId3">
-            <a:extLst>
-              <a:ext uri="{28A0092B-C50C-407E-A947-70E740481C1C}">
-                <a14:useLocalDpi xmlns:a14="http://schemas.microsoft.com/office/drawing/2010/main" val="0"/>
-              </a:ext>
-            </a:extLst>
-          </a:blip>
-          <a:srcRect r="-4" b="-4"/>
-          <a:stretch/>
-        </p:blipFill>
-        <p:spPr>
-          <a:xfrm>
-            <a:off x="5567481" y="2665184"/>
-            <a:ext cx="3485607" cy="3485607"/>
-          </a:xfrm>
-          <a:custGeom>
-            <a:avLst/>
-            <a:gdLst>
-              <a:gd name="connsiteX0" fmla="*/ 1440180 w 2880360"/>
-              <a:gd name="connsiteY0" fmla="*/ 0 h 2880360"/>
-              <a:gd name="connsiteX1" fmla="*/ 2880360 w 2880360"/>
-              <a:gd name="connsiteY1" fmla="*/ 1440180 h 2880360"/>
-              <a:gd name="connsiteX2" fmla="*/ 1440180 w 2880360"/>
-              <a:gd name="connsiteY2" fmla="*/ 2880360 h 2880360"/>
-              <a:gd name="connsiteX3" fmla="*/ 0 w 2880360"/>
-              <a:gd name="connsiteY3" fmla="*/ 1440180 h 2880360"/>
-              <a:gd name="connsiteX4" fmla="*/ 1440180 w 2880360"/>
-              <a:gd name="connsiteY4" fmla="*/ 0 h 2880360"/>
-            </a:gdLst>
-            <a:ahLst/>
-            <a:cxnLst>
-              <a:cxn ang="0">
-                <a:pos x="connsiteX0" y="connsiteY0"/>
-              </a:cxn>
-              <a:cxn ang="0">
-                <a:pos x="connsiteX1" y="connsiteY1"/>
-              </a:cxn>
-              <a:cxn ang="0">
-                <a:pos x="connsiteX2" y="connsiteY2"/>
-              </a:cxn>
-              <a:cxn ang="0">
-                <a:pos x="connsiteX3" y="connsiteY3"/>
-              </a:cxn>
-              <a:cxn ang="0">
-                <a:pos x="connsiteX4" y="connsiteY4"/>
-              </a:cxn>
-            </a:cxnLst>
-            <a:rect l="l" t="t" r="r" b="b"/>
-            <a:pathLst>
-              <a:path w="2880360" h="2880360">
-                <a:moveTo>
-                  <a:pt x="1440180" y="0"/>
-                </a:moveTo>
-                <a:cubicBezTo>
-                  <a:pt x="2235569" y="0"/>
-                  <a:pt x="2880360" y="644791"/>
-                  <a:pt x="2880360" y="1440180"/>
-                </a:cubicBezTo>
-                <a:cubicBezTo>
-                  <a:pt x="2880360" y="2235569"/>
-                  <a:pt x="2235569" y="2880360"/>
-                  <a:pt x="1440180" y="2880360"/>
-                </a:cubicBezTo>
-                <a:cubicBezTo>
-                  <a:pt x="644791" y="2880360"/>
-                  <a:pt x="0" y="2235569"/>
-                  <a:pt x="0" y="1440180"/>
-                </a:cubicBezTo>
-                <a:cubicBezTo>
-                  <a:pt x="0" y="644791"/>
-                  <a:pt x="644791" y="0"/>
-                  <a:pt x="1440180" y="0"/>
-                </a:cubicBezTo>
-                <a:close/>
-              </a:path>
-            </a:pathLst>
-          </a:custGeom>
-        </p:spPr>
-      </p:pic>
-      <p:pic>
-        <p:nvPicPr>
-          <p:cNvPr id="1027" name="C1E29E4C-1F3B-47B1-972B-2B7120147472" descr="FD91B74B-F96D-4EAD-BB2E-6CCF265D6248@hsd1"/>
-          <p:cNvPicPr>
-            <a:picLocks noChangeAspect="1" noChangeArrowheads="1"/>
-          </p:cNvPicPr>
-          <p:nvPr/>
-        </p:nvPicPr>
-        <p:blipFill rotWithShape="1">
-          <a:blip r:embed="rId4">
-            <a:extLst>
-              <a:ext uri="{28A0092B-C50C-407E-A947-70E740481C1C}">
-                <a14:useLocalDpi xmlns:a14="http://schemas.microsoft.com/office/drawing/2010/main" val="0"/>
-              </a:ext>
-            </a:extLst>
-          </a:blip>
-          <a:srcRect l="14049" r="7821" b="1"/>
-          <a:stretch/>
-        </p:blipFill>
-        <p:spPr bwMode="auto">
-          <a:xfrm>
-            <a:off x="8160603" y="2"/>
-            <a:ext cx="4034316" cy="3486455"/>
-          </a:xfrm>
-          <a:custGeom>
-            <a:avLst/>
-            <a:gdLst>
-              <a:gd name="connsiteX0" fmla="*/ 280681 w 4034316"/>
-              <a:gd name="connsiteY0" fmla="*/ 0 h 3486455"/>
-              <a:gd name="connsiteX1" fmla="*/ 4034316 w 4034316"/>
-              <a:gd name="connsiteY1" fmla="*/ 0 h 3486455"/>
-              <a:gd name="connsiteX2" fmla="*/ 4034316 w 4034316"/>
-              <a:gd name="connsiteY2" fmla="*/ 2800630 h 3486455"/>
-              <a:gd name="connsiteX3" fmla="*/ 3874752 w 4034316"/>
-              <a:gd name="connsiteY3" fmla="*/ 2945652 h 3486455"/>
-              <a:gd name="connsiteX4" fmla="*/ 2368296 w 4034316"/>
-              <a:gd name="connsiteY4" fmla="*/ 3486455 h 3486455"/>
-              <a:gd name="connsiteX5" fmla="*/ 0 w 4034316"/>
-              <a:gd name="connsiteY5" fmla="*/ 1118159 h 3486455"/>
-              <a:gd name="connsiteX6" fmla="*/ 186113 w 4034316"/>
-              <a:gd name="connsiteY6" fmla="*/ 196311 h 3486455"/>
-            </a:gdLst>
-            <a:ahLst/>
-            <a:cxnLst>
-              <a:cxn ang="0">
-                <a:pos x="connsiteX0" y="connsiteY0"/>
-              </a:cxn>
-              <a:cxn ang="0">
-                <a:pos x="connsiteX1" y="connsiteY1"/>
-              </a:cxn>
-              <a:cxn ang="0">
-                <a:pos x="connsiteX2" y="connsiteY2"/>
-              </a:cxn>
-              <a:cxn ang="0">
-                <a:pos x="connsiteX3" y="connsiteY3"/>
-              </a:cxn>
-              <a:cxn ang="0">
-                <a:pos x="connsiteX4" y="connsiteY4"/>
-              </a:cxn>
-              <a:cxn ang="0">
-                <a:pos x="connsiteX5" y="connsiteY5"/>
-              </a:cxn>
-              <a:cxn ang="0">
-                <a:pos x="connsiteX6" y="connsiteY6"/>
-              </a:cxn>
-            </a:cxnLst>
-            <a:rect l="l" t="t" r="r" b="b"/>
-            <a:pathLst>
-              <a:path w="4034316" h="3486455">
-                <a:moveTo>
-                  <a:pt x="280681" y="0"/>
-                </a:moveTo>
-                <a:lnTo>
-                  <a:pt x="4034316" y="0"/>
-                </a:lnTo>
-                <a:lnTo>
-                  <a:pt x="4034316" y="2800630"/>
-                </a:lnTo>
-                <a:lnTo>
-                  <a:pt x="3874752" y="2945652"/>
-                </a:lnTo>
-                <a:cubicBezTo>
-                  <a:pt x="3465371" y="3283503"/>
-                  <a:pt x="2940535" y="3486455"/>
-                  <a:pt x="2368296" y="3486455"/>
-                </a:cubicBezTo>
-                <a:cubicBezTo>
-                  <a:pt x="1060322" y="3486455"/>
-                  <a:pt x="0" y="2426133"/>
-                  <a:pt x="0" y="1118159"/>
-                </a:cubicBezTo>
-                <a:cubicBezTo>
-                  <a:pt x="0" y="791166"/>
-                  <a:pt x="66270" y="479650"/>
-                  <a:pt x="186113" y="196311"/>
-                </a:cubicBezTo>
-                <a:close/>
-              </a:path>
-            </a:pathLst>
-          </a:custGeom>
-          <a:noFill/>
-          <a:extLst>
-            <a:ext uri="{909E8E84-426E-40DD-AFC4-6F175D3DCCD1}">
-              <a14:hiddenFill xmlns:a14="http://schemas.microsoft.com/office/drawing/2010/main">
-                <a:solidFill>
-                  <a:srgbClr val="FFFFFF"/>
-                </a:solidFill>
-              </a14:hiddenFill>
-            </a:ext>
-            <a:ext uri="{91240B29-F687-4F45-9708-019B960494DF}">
-              <a14:hiddenLine xmlns:a14="http://schemas.microsoft.com/office/drawing/2010/main" w="9525">
-                <a:solidFill>
-                  <a:srgbClr val="000000"/>
-                </a:solidFill>
-                <a:miter lim="800000"/>
-                <a:headEnd/>
-                <a:tailEnd/>
-              </a14:hiddenLine>
-            </a:ext>
-          </a:extLst>
-        </p:spPr>
-      </p:pic>
-      <p:pic>
-        <p:nvPicPr>
-          <p:cNvPr id="1026" name="DE0816EB-0799-461B-8CAB-F8639086CFFD" descr="1078F4CF-61B7-46A5-815D-338F62390895@hsd1"/>
-          <p:cNvPicPr>
-            <a:picLocks noChangeAspect="1" noChangeArrowheads="1"/>
-          </p:cNvPicPr>
-          <p:nvPr/>
-        </p:nvPicPr>
-        <p:blipFill rotWithShape="1">
-          <a:blip r:embed="rId5">
-            <a:extLst>
-              <a:ext uri="{28A0092B-C50C-407E-A947-70E740481C1C}">
-                <a14:useLocalDpi xmlns:a14="http://schemas.microsoft.com/office/drawing/2010/main" val="0"/>
-              </a:ext>
-            </a:extLst>
-          </a:blip>
-          <a:srcRect l="6567" r="13779"/>
-          <a:stretch/>
-        </p:blipFill>
-        <p:spPr bwMode="auto">
-          <a:xfrm>
-            <a:off x="9053088" y="4197217"/>
-            <a:ext cx="3138912" cy="2660795"/>
-          </a:xfrm>
-          <a:custGeom>
-            <a:avLst/>
-            <a:gdLst>
-              <a:gd name="connsiteX0" fmla="*/ 1723644 w 3138912"/>
-              <a:gd name="connsiteY0" fmla="*/ 0 h 2660795"/>
-              <a:gd name="connsiteX1" fmla="*/ 3053691 w 3138912"/>
-              <a:gd name="connsiteY1" fmla="*/ 627247 h 2660795"/>
-              <a:gd name="connsiteX2" fmla="*/ 3138912 w 3138912"/>
-              <a:gd name="connsiteY2" fmla="*/ 741211 h 2660795"/>
-              <a:gd name="connsiteX3" fmla="*/ 3138912 w 3138912"/>
-              <a:gd name="connsiteY3" fmla="*/ 2660795 h 2660795"/>
-              <a:gd name="connsiteX4" fmla="*/ 278239 w 3138912"/>
-              <a:gd name="connsiteY4" fmla="*/ 2660795 h 2660795"/>
-              <a:gd name="connsiteX5" fmla="*/ 208035 w 3138912"/>
-              <a:gd name="connsiteY5" fmla="*/ 2545235 h 2660795"/>
-              <a:gd name="connsiteX6" fmla="*/ 0 w 3138912"/>
-              <a:gd name="connsiteY6" fmla="*/ 1723644 h 2660795"/>
-              <a:gd name="connsiteX7" fmla="*/ 1723644 w 3138912"/>
-              <a:gd name="connsiteY7" fmla="*/ 0 h 2660795"/>
-            </a:gdLst>
-            <a:ahLst/>
-            <a:cxnLst>
-              <a:cxn ang="0">
-                <a:pos x="connsiteX0" y="connsiteY0"/>
-              </a:cxn>
-              <a:cxn ang="0">
-                <a:pos x="connsiteX1" y="connsiteY1"/>
-              </a:cxn>
-              <a:cxn ang="0">
-                <a:pos x="connsiteX2" y="connsiteY2"/>
-              </a:cxn>
-              <a:cxn ang="0">
-                <a:pos x="connsiteX3" y="connsiteY3"/>
-              </a:cxn>
-              <a:cxn ang="0">
-                <a:pos x="connsiteX4" y="connsiteY4"/>
-              </a:cxn>
-              <a:cxn ang="0">
-                <a:pos x="connsiteX5" y="connsiteY5"/>
-              </a:cxn>
-              <a:cxn ang="0">
-                <a:pos x="connsiteX6" y="connsiteY6"/>
-              </a:cxn>
-              <a:cxn ang="0">
-                <a:pos x="connsiteX7" y="connsiteY7"/>
-              </a:cxn>
-            </a:cxnLst>
-            <a:rect l="l" t="t" r="r" b="b"/>
-            <a:pathLst>
-              <a:path w="3138912" h="2660795">
-                <a:moveTo>
-                  <a:pt x="1723644" y="0"/>
-                </a:moveTo>
-                <a:cubicBezTo>
-                  <a:pt x="2259111" y="0"/>
-                  <a:pt x="2737550" y="244172"/>
-                  <a:pt x="3053691" y="627247"/>
-                </a:cubicBezTo>
-                <a:lnTo>
-                  <a:pt x="3138912" y="741211"/>
-                </a:lnTo>
-                <a:lnTo>
-                  <a:pt x="3138912" y="2660795"/>
-                </a:lnTo>
-                <a:lnTo>
-                  <a:pt x="278239" y="2660795"/>
-                </a:lnTo>
-                <a:lnTo>
-                  <a:pt x="208035" y="2545235"/>
-                </a:lnTo>
-                <a:cubicBezTo>
-                  <a:pt x="75362" y="2301006"/>
-                  <a:pt x="0" y="2021126"/>
-                  <a:pt x="0" y="1723644"/>
-                </a:cubicBezTo>
-                <a:cubicBezTo>
-                  <a:pt x="0" y="771702"/>
-                  <a:pt x="771702" y="0"/>
-                  <a:pt x="1723644" y="0"/>
-                </a:cubicBezTo>
-                <a:close/>
-              </a:path>
-            </a:pathLst>
-          </a:custGeom>
-          <a:noFill/>
-          <a:extLst>
-            <a:ext uri="{909E8E84-426E-40DD-AFC4-6F175D3DCCD1}">
-              <a14:hiddenFill xmlns:a14="http://schemas.microsoft.com/office/drawing/2010/main">
-                <a:solidFill>
-                  <a:srgbClr val="FFFFFF"/>
-                </a:solidFill>
-              </a14:hiddenFill>
-            </a:ext>
-            <a:ext uri="{91240B29-F687-4F45-9708-019B960494DF}">
-              <a14:hiddenLine xmlns:a14="http://schemas.microsoft.com/office/drawing/2010/main" w="9525">
-                <a:solidFill>
-                  <a:srgbClr val="000000"/>
-                </a:solidFill>
-                <a:miter lim="800000"/>
-                <a:headEnd/>
-                <a:tailEnd/>
-              </a14:hiddenLine>
-            </a:ext>
-          </a:extLst>
-        </p:spPr>
-      </p:pic>
-      <p:sp>
-        <p:nvSpPr>
-          <p:cNvPr id="2" name="Title 1"/>
           <p:cNvSpPr>
             <a:spLocks noGrp="1"/>
           </p:cNvSpPr>
@@ -16942,8 +17892,8 @@
         </p:nvSpPr>
         <p:spPr>
           <a:xfrm>
-            <a:off x="801098" y="1396289"/>
-            <a:ext cx="5712824" cy="1325563"/>
+            <a:off x="838199" y="365125"/>
+            <a:ext cx="5529943" cy="1325563"/>
           </a:xfrm>
         </p:spPr>
         <p:txBody>
@@ -16953,63 +17903,55 @@
           <a:lstStyle/>
           <a:p>
             <a:r>
-              <a:rPr lang="en-US">
-                <a:latin typeface="Segoe UI Light" panose="020B0502040204020203" pitchFamily="34" charset="0"/>
-                <a:cs typeface="Segoe UI Light" panose="020B0502040204020203" pitchFamily="34" charset="0"/>
+              <a:rPr lang="en-US" dirty="0">
+                <a:solidFill>
+                  <a:schemeClr val="bg1"/>
+                </a:solidFill>
               </a:rPr>
-              <a:t>Build with Microsoft Tech</a:t>
+              <a:t>VSTS DEMO</a:t>
             </a:r>
           </a:p>
         </p:txBody>
       </p:sp>
-      <p:sp>
-        <p:nvSpPr>
-          <p:cNvPr id="3" name="Content Placeholder 2"/>
-          <p:cNvSpPr>
-            <a:spLocks noGrp="1"/>
-          </p:cNvSpPr>
+      <p:pic>
+        <p:nvPicPr>
+          <p:cNvPr id="3" name="Content Placeholder 2">
+            <a:extLst>
+              <a:ext uri="{FF2B5EF4-FFF2-40B4-BE49-F238E27FC236}">
+                <a16:creationId xmlns:a16="http://schemas.microsoft.com/office/drawing/2014/main" id="{C2A63A71-EC7F-479B-9854-E0B25655E4C0}"/>
+              </a:ext>
+            </a:extLst>
+          </p:cNvPr>
+          <p:cNvPicPr>
+            <a:picLocks noGrp="1" noChangeAspect="1"/>
+          </p:cNvPicPr>
           <p:nvPr>
             <p:ph idx="1"/>
           </p:nvPr>
-        </p:nvSpPr>
+        </p:nvPicPr>
+        <p:blipFill>
+          <a:blip r:embed="rId3">
+            <a:extLst>
+              <a:ext uri="{28A0092B-C50C-407E-A947-70E740481C1C}">
+                <a14:useLocalDpi xmlns:a14="http://schemas.microsoft.com/office/drawing/2010/main" val="0"/>
+              </a:ext>
+            </a:extLst>
+          </a:blip>
+          <a:stretch>
+            <a:fillRect/>
+          </a:stretch>
+        </p:blipFill>
         <p:spPr>
           <a:xfrm>
-            <a:off x="805543" y="2871982"/>
-            <a:ext cx="4558309" cy="3181684"/>
+            <a:off x="838198" y="1690688"/>
+            <a:ext cx="3398838" cy="3398838"/>
           </a:xfrm>
         </p:spPr>
-        <p:txBody>
-          <a:bodyPr anchor="t">
-            <a:normAutofit/>
-          </a:bodyPr>
-          <a:lstStyle/>
-          <a:p>
-            <a:pPr marL="0" indent="0">
-              <a:buNone/>
-            </a:pPr>
-            <a:r>
-              <a:rPr lang="en-US" sz="1800" i="1">
-                <a:latin typeface="Segoe UI Light" panose="020B0502040204020203" pitchFamily="34" charset="0"/>
-                <a:cs typeface="Segoe UI Light" panose="020B0502040204020203" pitchFamily="34" charset="0"/>
-              </a:rPr>
-              <a:t>Explore developer tools, platforms, and APIs </a:t>
-            </a:r>
-          </a:p>
-          <a:p>
-            <a:pPr marL="0" indent="0">
-              <a:buNone/>
-            </a:pPr>
-            <a:endParaRPr lang="en-US" sz="1800" i="1">
-              <a:latin typeface="Segoe UI Light" panose="020B0502040204020203" pitchFamily="34" charset="0"/>
-              <a:cs typeface="Segoe UI Light" panose="020B0502040204020203" pitchFamily="34" charset="0"/>
-            </a:endParaRPr>
-          </a:p>
-        </p:txBody>
-      </p:sp>
+      </p:pic>
     </p:spTree>
     <p:extLst>
       <p:ext uri="{BB962C8B-B14F-4D97-AF65-F5344CB8AC3E}">
-        <p14:creationId xmlns:p14="http://schemas.microsoft.com/office/powerpoint/2010/main" val="2358947645"/>
+        <p14:creationId xmlns:p14="http://schemas.microsoft.com/office/powerpoint/2010/main" val="3899177888"/>
       </p:ext>
     </p:extLst>
   </p:cSld>

--- a/Tour de .NET Core CLI.pptx
+++ b/Tour de .NET Core CLI.pptx
@@ -6,7 +6,7 @@
     <p:sldMasterId id="2147483847" r:id="rId2"/>
   </p:sldMasterIdLst>
   <p:notesMasterIdLst>
-    <p:notesMasterId r:id="rId14"/>
+    <p:notesMasterId r:id="rId15"/>
   </p:notesMasterIdLst>
   <p:sldIdLst>
     <p:sldId id="342" r:id="rId3"/>
@@ -20,6 +20,7 @@
     <p:sldId id="355" r:id="rId11"/>
     <p:sldId id="351" r:id="rId12"/>
     <p:sldId id="346" r:id="rId13"/>
+    <p:sldId id="356" r:id="rId14"/>
   </p:sldIdLst>
   <p:sldSz cx="12192000" cy="6858000"/>
   <p:notesSz cx="6858000" cy="9144000"/>
@@ -143,6 +144,7 @@
             <p14:sldId id="355"/>
             <p14:sldId id="351"/>
             <p14:sldId id="346"/>
+            <p14:sldId id="356"/>
           </p14:sldIdLst>
         </p14:section>
       </p14:sectionLst>
@@ -3327,6 +3329,90 @@
 </p:notes>
 </file>
 
+<file path=ppt/notesSlides/notesSlide12.xml><?xml version="1.0" encoding="utf-8"?>
+<p:notes xmlns:a="http://schemas.openxmlformats.org/drawingml/2006/main" xmlns:r="http://schemas.openxmlformats.org/officeDocument/2006/relationships" xmlns:p="http://schemas.openxmlformats.org/presentationml/2006/main">
+  <p:cSld>
+    <p:spTree>
+      <p:nvGrpSpPr>
+        <p:cNvPr id="1" name=""/>
+        <p:cNvGrpSpPr/>
+        <p:nvPr/>
+      </p:nvGrpSpPr>
+      <p:grpSpPr>
+        <a:xfrm>
+          <a:off x="0" y="0"/>
+          <a:ext cx="0" cy="0"/>
+          <a:chOff x="0" y="0"/>
+          <a:chExt cx="0" cy="0"/>
+        </a:xfrm>
+      </p:grpSpPr>
+      <p:sp>
+        <p:nvSpPr>
+          <p:cNvPr id="2" name="Slide Image Placeholder 1"/>
+          <p:cNvSpPr>
+            <a:spLocks noGrp="1" noRot="1" noChangeAspect="1"/>
+          </p:cNvSpPr>
+          <p:nvPr>
+            <p:ph type="sldImg"/>
+          </p:nvPr>
+        </p:nvSpPr>
+        <p:spPr/>
+      </p:sp>
+      <p:sp>
+        <p:nvSpPr>
+          <p:cNvPr id="3" name="Notes Placeholder 2"/>
+          <p:cNvSpPr>
+            <a:spLocks noGrp="1"/>
+          </p:cNvSpPr>
+          <p:nvPr>
+            <p:ph type="body" idx="1"/>
+          </p:nvPr>
+        </p:nvSpPr>
+        <p:spPr/>
+        <p:txBody>
+          <a:bodyPr/>
+          <a:lstStyle/>
+          <a:p>
+            <a:endParaRPr lang="en-US"/>
+          </a:p>
+        </p:txBody>
+      </p:sp>
+      <p:sp>
+        <p:nvSpPr>
+          <p:cNvPr id="4" name="Slide Number Placeholder 3"/>
+          <p:cNvSpPr>
+            <a:spLocks noGrp="1"/>
+          </p:cNvSpPr>
+          <p:nvPr>
+            <p:ph type="sldNum" sz="quarter" idx="10"/>
+          </p:nvPr>
+        </p:nvSpPr>
+        <p:spPr/>
+        <p:txBody>
+          <a:bodyPr/>
+          <a:lstStyle/>
+          <a:p>
+            <a:fld id="{16A87904-88DE-4022-A424-ACD2E6FC1751}" type="slidenum">
+              <a:rPr lang="en-US" smtClean="0"/>
+              <a:t>12</a:t>
+            </a:fld>
+            <a:endParaRPr lang="en-US"/>
+          </a:p>
+        </p:txBody>
+      </p:sp>
+    </p:spTree>
+    <p:extLst>
+      <p:ext uri="{BB962C8B-B14F-4D97-AF65-F5344CB8AC3E}">
+        <p14:creationId xmlns:p14="http://schemas.microsoft.com/office/powerpoint/2010/main" val="1304013141"/>
+      </p:ext>
+    </p:extLst>
+  </p:cSld>
+  <p:clrMapOvr>
+    <a:masterClrMapping/>
+  </p:clrMapOvr>
+</p:notes>
+</file>
+
 <file path=ppt/notesSlides/notesSlide2.xml><?xml version="1.0" encoding="utf-8"?>
 <p:notes xmlns:a="http://schemas.openxmlformats.org/drawingml/2006/main" xmlns:r="http://schemas.openxmlformats.org/officeDocument/2006/relationships" xmlns:p="http://schemas.openxmlformats.org/presentationml/2006/main">
   <p:cSld>
@@ -14193,6 +14279,284 @@
 </p:sld>
 </file>
 
+<file path=ppt/slides/slide12.xml><?xml version="1.0" encoding="utf-8"?>
+<p:sld xmlns:a="http://schemas.openxmlformats.org/drawingml/2006/main" xmlns:r="http://schemas.openxmlformats.org/officeDocument/2006/relationships" xmlns:p="http://schemas.openxmlformats.org/presentationml/2006/main">
+  <p:cSld>
+    <p:spTree>
+      <p:nvGrpSpPr>
+        <p:cNvPr id="1" name=""/>
+        <p:cNvGrpSpPr/>
+        <p:nvPr/>
+      </p:nvGrpSpPr>
+      <p:grpSpPr>
+        <a:xfrm>
+          <a:off x="0" y="0"/>
+          <a:ext cx="0" cy="0"/>
+          <a:chOff x="0" y="0"/>
+          <a:chExt cx="0" cy="0"/>
+        </a:xfrm>
+      </p:grpSpPr>
+      <p:pic>
+        <p:nvPicPr>
+          <p:cNvPr id="15" name="Picture 14">
+            <a:extLst>
+              <a:ext uri="{FF2B5EF4-FFF2-40B4-BE49-F238E27FC236}">
+                <a16:creationId xmlns:a16="http://schemas.microsoft.com/office/drawing/2014/main" id="{D2DC35FA-22EB-4B94-B45C-2500EFDA61A4}"/>
+              </a:ext>
+            </a:extLst>
+          </p:cNvPr>
+          <p:cNvPicPr>
+            <a:picLocks noChangeAspect="1"/>
+          </p:cNvPicPr>
+          <p:nvPr/>
+        </p:nvPicPr>
+        <p:blipFill>
+          <a:blip r:embed="rId3"/>
+          <a:stretch>
+            <a:fillRect/>
+          </a:stretch>
+        </p:blipFill>
+        <p:spPr>
+          <a:xfrm>
+            <a:off x="5334000" y="0"/>
+            <a:ext cx="6858000" cy="6858000"/>
+          </a:xfrm>
+          <a:prstGeom prst="rect">
+            <a:avLst/>
+          </a:prstGeom>
+        </p:spPr>
+      </p:pic>
+      <p:sp>
+        <p:nvSpPr>
+          <p:cNvPr id="2" name="Title 1">
+            <a:extLst>
+              <a:ext uri="{FF2B5EF4-FFF2-40B4-BE49-F238E27FC236}">
+                <a16:creationId xmlns:a16="http://schemas.microsoft.com/office/drawing/2014/main" id="{28354584-C2DC-4E1C-9192-512E1D957ACA}"/>
+              </a:ext>
+            </a:extLst>
+          </p:cNvPr>
+          <p:cNvSpPr>
+            <a:spLocks noGrp="1"/>
+          </p:cNvSpPr>
+          <p:nvPr>
+            <p:ph type="title"/>
+          </p:nvPr>
+        </p:nvSpPr>
+        <p:spPr/>
+        <p:txBody>
+          <a:bodyPr/>
+          <a:lstStyle/>
+          <a:p>
+            <a:r>
+              <a:rPr lang="en-US" dirty="0"/>
+              <a:t>Thank you!</a:t>
+            </a:r>
+          </a:p>
+        </p:txBody>
+      </p:sp>
+      <p:sp>
+        <p:nvSpPr>
+          <p:cNvPr id="7" name="Content Placeholder 6">
+            <a:extLst>
+              <a:ext uri="{FF2B5EF4-FFF2-40B4-BE49-F238E27FC236}">
+                <a16:creationId xmlns:a16="http://schemas.microsoft.com/office/drawing/2014/main" id="{D7720BA6-768C-44BF-AD21-12DF34DFF9F2}"/>
+              </a:ext>
+            </a:extLst>
+          </p:cNvPr>
+          <p:cNvSpPr>
+            <a:spLocks noGrp="1"/>
+          </p:cNvSpPr>
+          <p:nvPr>
+            <p:ph sz="half" idx="1"/>
+          </p:nvPr>
+        </p:nvSpPr>
+        <p:spPr>
+          <a:xfrm>
+            <a:off x="838200" y="1825624"/>
+            <a:ext cx="10515600" cy="4667251"/>
+          </a:xfrm>
+        </p:spPr>
+        <p:txBody>
+          <a:bodyPr>
+            <a:normAutofit fontScale="85000" lnSpcReduction="20000"/>
+          </a:bodyPr>
+          <a:lstStyle/>
+          <a:p>
+            <a:pPr marL="0" indent="0">
+              <a:buNone/>
+            </a:pPr>
+            <a:r>
+              <a:rPr lang="en-US" dirty="0"/>
+              <a:t>aka.ms/N44not</a:t>
+            </a:r>
+          </a:p>
+          <a:p>
+            <a:pPr marL="0" indent="0">
+              <a:buNone/>
+            </a:pPr>
+            <a:endParaRPr lang="en-US" dirty="0"/>
+          </a:p>
+          <a:p>
+            <a:pPr marL="0" indent="0">
+              <a:buNone/>
+            </a:pPr>
+            <a:endParaRPr lang="en-US" dirty="0"/>
+          </a:p>
+          <a:p>
+            <a:pPr marL="0" indent="0">
+              <a:buNone/>
+            </a:pPr>
+            <a:endParaRPr lang="en-US" dirty="0"/>
+          </a:p>
+          <a:p>
+            <a:pPr marL="0" indent="0">
+              <a:buNone/>
+            </a:pPr>
+            <a:endParaRPr lang="en-US" dirty="0"/>
+          </a:p>
+          <a:p>
+            <a:pPr marL="0" indent="0">
+              <a:buNone/>
+            </a:pPr>
+            <a:endParaRPr lang="en-US" dirty="0"/>
+          </a:p>
+          <a:p>
+            <a:pPr marL="0" indent="0">
+              <a:buNone/>
+            </a:pPr>
+            <a:endParaRPr lang="en-US" dirty="0"/>
+          </a:p>
+          <a:p>
+            <a:pPr marL="0" indent="0">
+              <a:buNone/>
+            </a:pPr>
+            <a:endParaRPr lang="en-US" dirty="0"/>
+          </a:p>
+          <a:p>
+            <a:pPr marL="0" indent="0">
+              <a:buNone/>
+            </a:pPr>
+            <a:endParaRPr lang="en-US" dirty="0"/>
+          </a:p>
+          <a:p>
+            <a:pPr marL="0" indent="0" algn="r">
+              <a:buNone/>
+            </a:pPr>
+            <a:endParaRPr lang="en-US" b="1" dirty="0"/>
+          </a:p>
+          <a:p>
+            <a:pPr marL="0" indent="0" algn="r">
+              <a:buNone/>
+            </a:pPr>
+            <a:endParaRPr lang="en-US" b="1" dirty="0"/>
+          </a:p>
+          <a:p>
+            <a:pPr marL="0" indent="0" algn="r">
+              <a:buNone/>
+            </a:pPr>
+            <a:r>
+              <a:rPr lang="en-US" b="1" dirty="0"/>
+              <a:t>docs.microsoft.com/dotnet/core/tools</a:t>
+            </a:r>
+          </a:p>
+        </p:txBody>
+      </p:sp>
+      <p:sp>
+        <p:nvSpPr>
+          <p:cNvPr id="12" name="Content Placeholder 11">
+            <a:extLst>
+              <a:ext uri="{FF2B5EF4-FFF2-40B4-BE49-F238E27FC236}">
+                <a16:creationId xmlns:a16="http://schemas.microsoft.com/office/drawing/2014/main" id="{134CFD40-FF82-41B7-B348-A9D6E1EF5F43}"/>
+              </a:ext>
+            </a:extLst>
+          </p:cNvPr>
+          <p:cNvSpPr>
+            <a:spLocks noGrp="1"/>
+          </p:cNvSpPr>
+          <p:nvPr>
+            <p:ph sz="half" idx="2"/>
+          </p:nvPr>
+        </p:nvSpPr>
+        <p:spPr>
+          <a:xfrm>
+            <a:off x="5394960" y="1825625"/>
+            <a:ext cx="5958840" cy="4351338"/>
+          </a:xfrm>
+        </p:spPr>
+        <p:txBody>
+          <a:bodyPr>
+            <a:normAutofit fontScale="85000" lnSpcReduction="20000"/>
+          </a:bodyPr>
+          <a:lstStyle/>
+          <a:p>
+            <a:pPr marL="0" indent="0">
+              <a:buNone/>
+            </a:pPr>
+            <a:endParaRPr lang="en-US" dirty="0"/>
+          </a:p>
+          <a:p>
+            <a:pPr marL="0" indent="0">
+              <a:buNone/>
+            </a:pPr>
+            <a:endParaRPr lang="en-US" dirty="0"/>
+          </a:p>
+          <a:p>
+            <a:pPr marL="0" indent="0">
+              <a:buNone/>
+            </a:pPr>
+            <a:endParaRPr lang="en-US" dirty="0"/>
+          </a:p>
+        </p:txBody>
+      </p:sp>
+      <p:pic>
+        <p:nvPicPr>
+          <p:cNvPr id="9" name="Picture 8" descr="A picture containing indoor, object&#10;&#10;Description generated with high confidence">
+            <a:extLst>
+              <a:ext uri="{FF2B5EF4-FFF2-40B4-BE49-F238E27FC236}">
+                <a16:creationId xmlns:a16="http://schemas.microsoft.com/office/drawing/2014/main" id="{CD03B99F-532A-4D3B-BCE0-AD181E37FCEC}"/>
+              </a:ext>
+            </a:extLst>
+          </p:cNvPr>
+          <p:cNvPicPr>
+            <a:picLocks noChangeAspect="1"/>
+          </p:cNvPicPr>
+          <p:nvPr/>
+        </p:nvPicPr>
+        <p:blipFill>
+          <a:blip r:embed="rId4">
+            <a:extLst>
+              <a:ext uri="{28A0092B-C50C-407E-A947-70E740481C1C}">
+                <a14:useLocalDpi xmlns:a14="http://schemas.microsoft.com/office/drawing/2010/main" val="0"/>
+              </a:ext>
+            </a:extLst>
+          </a:blip>
+          <a:stretch>
+            <a:fillRect/>
+          </a:stretch>
+        </p:blipFill>
+        <p:spPr>
+          <a:xfrm>
+            <a:off x="937260" y="2308021"/>
+            <a:ext cx="3386546" cy="3386546"/>
+          </a:xfrm>
+          <a:prstGeom prst="rect">
+            <a:avLst/>
+          </a:prstGeom>
+        </p:spPr>
+      </p:pic>
+    </p:spTree>
+    <p:extLst>
+      <p:ext uri="{BB962C8B-B14F-4D97-AF65-F5344CB8AC3E}">
+        <p14:creationId xmlns:p14="http://schemas.microsoft.com/office/powerpoint/2010/main" val="2756341204"/>
+      </p:ext>
+    </p:extLst>
+  </p:cSld>
+  <p:clrMapOvr>
+    <a:masterClrMapping/>
+  </p:clrMapOvr>
+</p:sld>
+</file>
+
 <file path=ppt/slides/slide2.xml><?xml version="1.0" encoding="utf-8"?>
 <p:sld xmlns:a="http://schemas.openxmlformats.org/drawingml/2006/main" xmlns:r="http://schemas.openxmlformats.org/officeDocument/2006/relationships" xmlns:p="http://schemas.openxmlformats.org/presentationml/2006/main">
   <p:cSld>

--- a/Tour de .NET Core CLI.pptx
+++ b/Tour de .NET Core CLI.pptx
@@ -3145,7 +3145,7 @@
           <a:bodyPr/>
           <a:lstStyle/>
           <a:p>
-            <a:endParaRPr lang="en-US"/>
+            <a:endParaRPr lang="en-US" dirty="0"/>
           </a:p>
         </p:txBody>
       </p:sp>
@@ -13272,7 +13272,111 @@
           </a:bodyPr>
           <a:lstStyle/>
           <a:p>
-            <a:endParaRPr lang="en-US" sz="2400"/>
+            <a:pPr marL="457200" indent="-457200">
+              <a:buFont typeface="+mj-lt"/>
+              <a:buAutoNum type="arabicPeriod"/>
+            </a:pPr>
+            <a:r>
+              <a:rPr lang="en-US" sz="2400" dirty="0"/>
+              <a:t>Create </a:t>
+            </a:r>
+            <a:r>
+              <a:rPr lang="en-US" sz="2400" i="1" dirty="0"/>
+              <a:t>.</a:t>
+            </a:r>
+            <a:r>
+              <a:rPr lang="en-US" sz="2400" i="1" dirty="0" err="1"/>
+              <a:t>template.config</a:t>
+            </a:r>
+            <a:r>
+              <a:rPr lang="en-US" sz="2400" i="1" dirty="0"/>
+              <a:t> </a:t>
+            </a:r>
+            <a:r>
+              <a:rPr lang="en-US" sz="2400" dirty="0"/>
+              <a:t>folder</a:t>
+            </a:r>
+          </a:p>
+          <a:p>
+            <a:pPr marL="457200" indent="-457200">
+              <a:buFont typeface="+mj-lt"/>
+              <a:buAutoNum type="arabicPeriod"/>
+            </a:pPr>
+            <a:r>
+              <a:rPr lang="en-US" sz="2400" dirty="0"/>
+              <a:t>Define metadata in </a:t>
+            </a:r>
+            <a:r>
+              <a:rPr lang="en-US" sz="2400" i="1" dirty="0" err="1"/>
+              <a:t>template.json</a:t>
+            </a:r>
+            <a:endParaRPr lang="en-US" sz="2400" i="1" dirty="0"/>
+          </a:p>
+          <a:p>
+            <a:pPr marL="457200" indent="-457200">
+              <a:buFont typeface="+mj-lt"/>
+              <a:buAutoNum type="arabicPeriod"/>
+            </a:pPr>
+            <a:r>
+              <a:rPr lang="en-US" sz="2400" dirty="0"/>
+              <a:t>Create .</a:t>
+            </a:r>
+            <a:r>
+              <a:rPr lang="en-US" sz="2400" dirty="0" err="1"/>
+              <a:t>nuspec</a:t>
+            </a:r>
+            <a:r>
+              <a:rPr lang="en-US" sz="2400" dirty="0"/>
+              <a:t> file</a:t>
+            </a:r>
+          </a:p>
+          <a:p>
+            <a:pPr marL="457200" indent="-457200">
+              <a:buFont typeface="+mj-lt"/>
+              <a:buAutoNum type="arabicPeriod"/>
+            </a:pPr>
+            <a:r>
+              <a:rPr lang="en-US" sz="2400" dirty="0" err="1"/>
+              <a:t>nuget</a:t>
+            </a:r>
+            <a:r>
+              <a:rPr lang="en-US" sz="2400" dirty="0"/>
+              <a:t> pack &lt;</a:t>
+            </a:r>
+            <a:r>
+              <a:rPr lang="en-US" sz="2400" dirty="0" err="1"/>
+              <a:t>path_to_nuspec</a:t>
+            </a:r>
+            <a:r>
+              <a:rPr lang="en-US" sz="2400" dirty="0"/>
+              <a:t>&gt;</a:t>
+            </a:r>
+          </a:p>
+          <a:p>
+            <a:pPr marL="457200" indent="-457200">
+              <a:buFont typeface="+mj-lt"/>
+              <a:buAutoNum type="arabicPeriod"/>
+            </a:pPr>
+            <a:r>
+              <a:rPr lang="en-US" sz="2400" dirty="0"/>
+              <a:t>dotnet new -</a:t>
+            </a:r>
+            <a:r>
+              <a:rPr lang="en-US" sz="2400" dirty="0" err="1"/>
+              <a:t>i</a:t>
+            </a:r>
+            <a:r>
+              <a:rPr lang="en-US" sz="2400" dirty="0"/>
+              <a:t> &lt;</a:t>
+            </a:r>
+            <a:r>
+              <a:rPr lang="en-US" sz="2400" dirty="0" err="1"/>
+              <a:t>path_to_nupkg</a:t>
+            </a:r>
+            <a:r>
+              <a:rPr lang="en-US" sz="2400" dirty="0"/>
+              <a:t>&gt;</a:t>
+            </a:r>
           </a:p>
         </p:txBody>
       </p:sp>
@@ -13307,15 +13411,10 @@
                             </p:stCondLst>
                             <p:childTnLst>
                               <p:par>
-                                <p:cTn id="5" presetID="10" presetClass="entr" presetSubtype="0" fill="hold" nodeType="clickEffect" nodePh="1">
+                                <p:cTn id="5" presetID="10" presetClass="entr" presetSubtype="0" fill="hold" nodeType="clickEffect">
                                   <p:stCondLst>
                                     <p:cond delay="0"/>
                                   </p:stCondLst>
-                                  <p:endCondLst>
-                                    <p:cond evt="begin" delay="0">
-                                      <p:tn val="5"/>
-                                    </p:cond>
-                                  </p:endCondLst>
                                   <p:childTnLst>
                                     <p:set>
                                       <p:cBhvr>
@@ -13346,6 +13445,250 @@
                                           <p:spTgt spid="3">
                                             <p:txEl>
                                               <p:pRg st="0" end="0"/>
+                                            </p:txEl>
+                                          </p:spTgt>
+                                        </p:tgtEl>
+                                      </p:cBhvr>
+                                    </p:animEffect>
+                                  </p:childTnLst>
+                                </p:cTn>
+                              </p:par>
+                            </p:childTnLst>
+                          </p:cTn>
+                        </p:par>
+                      </p:childTnLst>
+                    </p:cTn>
+                  </p:par>
+                  <p:par>
+                    <p:cTn id="8" fill="hold">
+                      <p:stCondLst>
+                        <p:cond delay="indefinite"/>
+                      </p:stCondLst>
+                      <p:childTnLst>
+                        <p:par>
+                          <p:cTn id="9" fill="hold">
+                            <p:stCondLst>
+                              <p:cond delay="0"/>
+                            </p:stCondLst>
+                            <p:childTnLst>
+                              <p:par>
+                                <p:cTn id="10" presetID="10" presetClass="entr" presetSubtype="0" fill="hold" nodeType="clickEffect">
+                                  <p:stCondLst>
+                                    <p:cond delay="0"/>
+                                  </p:stCondLst>
+                                  <p:childTnLst>
+                                    <p:set>
+                                      <p:cBhvr>
+                                        <p:cTn id="11" dur="1" fill="hold">
+                                          <p:stCondLst>
+                                            <p:cond delay="0"/>
+                                          </p:stCondLst>
+                                        </p:cTn>
+                                        <p:tgtEl>
+                                          <p:spTgt spid="3">
+                                            <p:txEl>
+                                              <p:pRg st="1" end="1"/>
+                                            </p:txEl>
+                                          </p:spTgt>
+                                        </p:tgtEl>
+                                        <p:attrNameLst>
+                                          <p:attrName>style.visibility</p:attrName>
+                                        </p:attrNameLst>
+                                      </p:cBhvr>
+                                      <p:to>
+                                        <p:strVal val="visible"/>
+                                      </p:to>
+                                    </p:set>
+                                    <p:animEffect transition="in" filter="fade">
+                                      <p:cBhvr>
+                                        <p:cTn id="12" dur="500"/>
+                                        <p:tgtEl>
+                                          <p:spTgt spid="3">
+                                            <p:txEl>
+                                              <p:pRg st="1" end="1"/>
+                                            </p:txEl>
+                                          </p:spTgt>
+                                        </p:tgtEl>
+                                      </p:cBhvr>
+                                    </p:animEffect>
+                                  </p:childTnLst>
+                                </p:cTn>
+                              </p:par>
+                            </p:childTnLst>
+                          </p:cTn>
+                        </p:par>
+                      </p:childTnLst>
+                    </p:cTn>
+                  </p:par>
+                  <p:par>
+                    <p:cTn id="13" fill="hold">
+                      <p:stCondLst>
+                        <p:cond delay="indefinite"/>
+                      </p:stCondLst>
+                      <p:childTnLst>
+                        <p:par>
+                          <p:cTn id="14" fill="hold">
+                            <p:stCondLst>
+                              <p:cond delay="0"/>
+                            </p:stCondLst>
+                            <p:childTnLst>
+                              <p:par>
+                                <p:cTn id="15" presetID="10" presetClass="entr" presetSubtype="0" fill="hold" nodeType="clickEffect">
+                                  <p:stCondLst>
+                                    <p:cond delay="0"/>
+                                  </p:stCondLst>
+                                  <p:childTnLst>
+                                    <p:set>
+                                      <p:cBhvr>
+                                        <p:cTn id="16" dur="1" fill="hold">
+                                          <p:stCondLst>
+                                            <p:cond delay="0"/>
+                                          </p:stCondLst>
+                                        </p:cTn>
+                                        <p:tgtEl>
+                                          <p:spTgt spid="3">
+                                            <p:txEl>
+                                              <p:pRg st="2" end="2"/>
+                                            </p:txEl>
+                                          </p:spTgt>
+                                        </p:tgtEl>
+                                        <p:attrNameLst>
+                                          <p:attrName>style.visibility</p:attrName>
+                                        </p:attrNameLst>
+                                      </p:cBhvr>
+                                      <p:to>
+                                        <p:strVal val="visible"/>
+                                      </p:to>
+                                    </p:set>
+                                    <p:animEffect transition="in" filter="fade">
+                                      <p:cBhvr>
+                                        <p:cTn id="17" dur="500"/>
+                                        <p:tgtEl>
+                                          <p:spTgt spid="3">
+                                            <p:txEl>
+                                              <p:pRg st="2" end="2"/>
+                                            </p:txEl>
+                                          </p:spTgt>
+                                        </p:tgtEl>
+                                      </p:cBhvr>
+                                    </p:animEffect>
+                                  </p:childTnLst>
+                                </p:cTn>
+                              </p:par>
+                            </p:childTnLst>
+                          </p:cTn>
+                        </p:par>
+                      </p:childTnLst>
+                    </p:cTn>
+                  </p:par>
+                  <p:par>
+                    <p:cTn id="18" fill="hold">
+                      <p:stCondLst>
+                        <p:cond delay="indefinite"/>
+                      </p:stCondLst>
+                      <p:childTnLst>
+                        <p:par>
+                          <p:cTn id="19" fill="hold">
+                            <p:stCondLst>
+                              <p:cond delay="0"/>
+                            </p:stCondLst>
+                            <p:childTnLst>
+                              <p:par>
+                                <p:cTn id="20" presetID="10" presetClass="entr" presetSubtype="0" fill="hold" nodeType="clickEffect">
+                                  <p:stCondLst>
+                                    <p:cond delay="0"/>
+                                  </p:stCondLst>
+                                  <p:childTnLst>
+                                    <p:set>
+                                      <p:cBhvr>
+                                        <p:cTn id="21" dur="1" fill="hold">
+                                          <p:stCondLst>
+                                            <p:cond delay="0"/>
+                                          </p:stCondLst>
+                                        </p:cTn>
+                                        <p:tgtEl>
+                                          <p:spTgt spid="3">
+                                            <p:txEl>
+                                              <p:pRg st="3" end="3"/>
+                                            </p:txEl>
+                                          </p:spTgt>
+                                        </p:tgtEl>
+                                        <p:attrNameLst>
+                                          <p:attrName>style.visibility</p:attrName>
+                                        </p:attrNameLst>
+                                      </p:cBhvr>
+                                      <p:to>
+                                        <p:strVal val="visible"/>
+                                      </p:to>
+                                    </p:set>
+                                    <p:animEffect transition="in" filter="fade">
+                                      <p:cBhvr>
+                                        <p:cTn id="22" dur="500"/>
+                                        <p:tgtEl>
+                                          <p:spTgt spid="3">
+                                            <p:txEl>
+                                              <p:pRg st="3" end="3"/>
+                                            </p:txEl>
+                                          </p:spTgt>
+                                        </p:tgtEl>
+                                      </p:cBhvr>
+                                    </p:animEffect>
+                                  </p:childTnLst>
+                                </p:cTn>
+                              </p:par>
+                            </p:childTnLst>
+                          </p:cTn>
+                        </p:par>
+                      </p:childTnLst>
+                    </p:cTn>
+                  </p:par>
+                  <p:par>
+                    <p:cTn id="23" fill="hold">
+                      <p:stCondLst>
+                        <p:cond delay="indefinite"/>
+                      </p:stCondLst>
+                      <p:childTnLst>
+                        <p:par>
+                          <p:cTn id="24" fill="hold">
+                            <p:stCondLst>
+                              <p:cond delay="0"/>
+                            </p:stCondLst>
+                            <p:childTnLst>
+                              <p:par>
+                                <p:cTn id="25" presetID="10" presetClass="entr" presetSubtype="0" fill="hold" nodeType="clickEffect">
+                                  <p:stCondLst>
+                                    <p:cond delay="0"/>
+                                  </p:stCondLst>
+                                  <p:childTnLst>
+                                    <p:set>
+                                      <p:cBhvr>
+                                        <p:cTn id="26" dur="1" fill="hold">
+                                          <p:stCondLst>
+                                            <p:cond delay="0"/>
+                                          </p:stCondLst>
+                                        </p:cTn>
+                                        <p:tgtEl>
+                                          <p:spTgt spid="3">
+                                            <p:txEl>
+                                              <p:pRg st="4" end="4"/>
+                                            </p:txEl>
+                                          </p:spTgt>
+                                        </p:tgtEl>
+                                        <p:attrNameLst>
+                                          <p:attrName>style.visibility</p:attrName>
+                                        </p:attrNameLst>
+                                      </p:cBhvr>
+                                      <p:to>
+                                        <p:strVal val="visible"/>
+                                      </p:to>
+                                    </p:set>
+                                    <p:animEffect transition="in" filter="fade">
+                                      <p:cBhvr>
+                                        <p:cTn id="27" dur="500"/>
+                                        <p:tgtEl>
+                                          <p:spTgt spid="3">
+                                            <p:txEl>
+                                              <p:pRg st="4" end="4"/>
                                             </p:txEl>
                                           </p:spTgt>
                                         </p:tgtEl>

--- a/Tour de .NET Core CLI.pptx
+++ b/Tour de .NET Core CLI.pptx
@@ -6,7 +6,7 @@
     <p:sldMasterId id="2147483847" r:id="rId2"/>
   </p:sldMasterIdLst>
   <p:notesMasterIdLst>
-    <p:notesMasterId r:id="rId15"/>
+    <p:notesMasterId r:id="rId16"/>
   </p:notesMasterIdLst>
   <p:sldIdLst>
     <p:sldId id="342" r:id="rId3"/>
@@ -19,8 +19,9 @@
     <p:sldId id="350" r:id="rId10"/>
     <p:sldId id="355" r:id="rId11"/>
     <p:sldId id="351" r:id="rId12"/>
-    <p:sldId id="346" r:id="rId13"/>
-    <p:sldId id="356" r:id="rId14"/>
+    <p:sldId id="358" r:id="rId13"/>
+    <p:sldId id="346" r:id="rId14"/>
+    <p:sldId id="356" r:id="rId15"/>
   </p:sldIdLst>
   <p:sldSz cx="12192000" cy="6858000"/>
   <p:notesSz cx="6858000" cy="9144000"/>
@@ -29,7 +30,7 @@
       <p:sldLst>
         <p:sld r:id="rId3"/>
         <p:sld r:id="rId4"/>
-        <p:sld r:id="rId13"/>
+        <p:sld r:id="rId14"/>
       </p:sldLst>
     </p:custShow>
   </p:custShowLst>
@@ -143,6 +144,7 @@
             <p14:sldId id="350"/>
             <p14:sldId id="355"/>
             <p14:sldId id="351"/>
+            <p14:sldId id="358"/>
             <p14:sldId id="346"/>
             <p14:sldId id="356"/>
           </p14:sldIdLst>
@@ -160,11 +162,11 @@
 </file>
 
 <file path=ppt/diagrams/colors1.xml><?xml version="1.0" encoding="utf-8"?>
-<dgm:colorsDef xmlns:dgm="http://schemas.openxmlformats.org/drawingml/2006/diagram" xmlns:a="http://schemas.openxmlformats.org/drawingml/2006/main" uniqueId="urn:microsoft.com/office/officeart/2005/8/colors/ColorSchemeForSuggestions">
-  <dgm:title val="Color Scheme for Suggestions"/>
-  <dgm:desc val="Color Scheme for Suggestions"/>
+<dgm:colorsDef xmlns:dgm="http://schemas.openxmlformats.org/drawingml/2006/diagram" xmlns:a="http://schemas.openxmlformats.org/drawingml/2006/main" uniqueId="urn:microsoft.com/office/officeart/2005/8/colors/colorful1">
+  <dgm:title val=""/>
+  <dgm:desc val=""/>
   <dgm:catLst>
-    <dgm:cat type="Other" pri="2"/>
+    <dgm:cat type="colorful" pri="10100"/>
   </dgm:catLst>
   <dgm:styleLbl name="node0">
     <dgm:fillClrLst meth="repeat">
@@ -178,21 +180,13 @@
     <dgm:txFillClrLst/>
     <dgm:txEffectClrLst/>
   </dgm:styleLbl>
-  <dgm:styleLbl name="alignNode1">
-    <dgm:fillClrLst meth="repeat">
-      <a:schemeClr val="accent1"/>
-    </dgm:fillClrLst>
-    <dgm:linClrLst meth="repeat">
-      <a:schemeClr val="accent1"/>
-    </dgm:linClrLst>
-    <dgm:effectClrLst/>
-    <dgm:txLinClrLst/>
-    <dgm:txFillClrLst/>
-    <dgm:txEffectClrLst/>
-  </dgm:styleLbl>
   <dgm:styleLbl name="node1">
     <dgm:fillClrLst meth="repeat">
-      <a:schemeClr val="accent1"/>
+      <a:schemeClr val="accent2"/>
+      <a:schemeClr val="accent3"/>
+      <a:schemeClr val="accent4"/>
+      <a:schemeClr val="accent5"/>
+      <a:schemeClr val="accent6"/>
     </dgm:fillClrLst>
     <dgm:linClrLst meth="repeat">
       <a:schemeClr val="lt1"/>
@@ -202,9 +196,33 @@
     <dgm:txFillClrLst/>
     <dgm:txEffectClrLst/>
   </dgm:styleLbl>
+  <dgm:styleLbl name="alignNode1">
+    <dgm:fillClrLst meth="repeat">
+      <a:schemeClr val="accent2"/>
+      <a:schemeClr val="accent3"/>
+      <a:schemeClr val="accent4"/>
+      <a:schemeClr val="accent5"/>
+      <a:schemeClr val="accent6"/>
+    </dgm:fillClrLst>
+    <dgm:linClrLst meth="repeat">
+      <a:schemeClr val="accent2"/>
+      <a:schemeClr val="accent3"/>
+      <a:schemeClr val="accent4"/>
+      <a:schemeClr val="accent5"/>
+      <a:schemeClr val="accent6"/>
+    </dgm:linClrLst>
+    <dgm:effectClrLst/>
+    <dgm:txLinClrLst/>
+    <dgm:txFillClrLst/>
+    <dgm:txEffectClrLst/>
+  </dgm:styleLbl>
   <dgm:styleLbl name="lnNode1">
     <dgm:fillClrLst meth="repeat">
-      <a:schemeClr val="accent1"/>
+      <a:schemeClr val="accent2"/>
+      <a:schemeClr val="accent3"/>
+      <a:schemeClr val="accent4"/>
+      <a:schemeClr val="accent5"/>
+      <a:schemeClr val="accent6"/>
     </dgm:fillClrLst>
     <dgm:linClrLst meth="repeat">
       <a:schemeClr val="lt1"/>
@@ -216,7 +234,19 @@
   </dgm:styleLbl>
   <dgm:styleLbl name="vennNode1">
     <dgm:fillClrLst meth="repeat">
-      <a:schemeClr val="accent1">
+      <a:schemeClr val="accent2">
+        <a:alpha val="50000"/>
+      </a:schemeClr>
+      <a:schemeClr val="accent3">
+        <a:alpha val="50000"/>
+      </a:schemeClr>
+      <a:schemeClr val="accent4">
+        <a:alpha val="50000"/>
+      </a:schemeClr>
+      <a:schemeClr val="accent5">
+        <a:alpha val="50000"/>
+      </a:schemeClr>
+      <a:schemeClr val="accent6">
         <a:alpha val="50000"/>
       </a:schemeClr>
     </dgm:fillClrLst>
@@ -229,8 +259,8 @@
     <dgm:txEffectClrLst/>
   </dgm:styleLbl>
   <dgm:styleLbl name="node2">
-    <dgm:fillClrLst meth="repeat">
-      <a:schemeClr val="accent1"/>
+    <dgm:fillClrLst>
+      <a:schemeClr val="accent2"/>
     </dgm:fillClrLst>
     <dgm:linClrLst meth="repeat">
       <a:schemeClr val="lt1"/>
@@ -241,8 +271,8 @@
     <dgm:txEffectClrLst/>
   </dgm:styleLbl>
   <dgm:styleLbl name="node3">
-    <dgm:fillClrLst meth="repeat">
-      <a:schemeClr val="accent1"/>
+    <dgm:fillClrLst>
+      <a:schemeClr val="accent3"/>
     </dgm:fillClrLst>
     <dgm:linClrLst meth="repeat">
       <a:schemeClr val="lt1"/>
@@ -253,8 +283,8 @@
     <dgm:txEffectClrLst/>
   </dgm:styleLbl>
   <dgm:styleLbl name="node4">
-    <dgm:fillClrLst meth="repeat">
-      <a:schemeClr val="accent1"/>
+    <dgm:fillClrLst>
+      <a:schemeClr val="accent4"/>
     </dgm:fillClrLst>
     <dgm:linClrLst meth="repeat">
       <a:schemeClr val="lt1"/>
@@ -266,7 +296,19 @@
   </dgm:styleLbl>
   <dgm:styleLbl name="fgImgPlace1">
     <dgm:fillClrLst meth="repeat">
-      <a:schemeClr val="accent1">
+      <a:schemeClr val="accent2">
+        <a:tint val="50000"/>
+      </a:schemeClr>
+      <a:schemeClr val="accent3">
+        <a:tint val="50000"/>
+      </a:schemeClr>
+      <a:schemeClr val="accent4">
+        <a:tint val="50000"/>
+      </a:schemeClr>
+      <a:schemeClr val="accent5">
+        <a:tint val="50000"/>
+      </a:schemeClr>
+      <a:schemeClr val="accent6">
         <a:tint val="50000"/>
       </a:schemeClr>
     </dgm:fillClrLst>
@@ -281,9 +323,12 @@
     <dgm:txEffectClrLst/>
   </dgm:styleLbl>
   <dgm:styleLbl name="alignImgPlace1">
-    <dgm:fillClrLst meth="repeat">
+    <dgm:fillClrLst>
       <a:schemeClr val="accent1">
         <a:tint val="50000"/>
+      </a:schemeClr>
+      <a:schemeClr val="accent2">
+        <a:tint val="20000"/>
       </a:schemeClr>
     </dgm:fillClrLst>
     <dgm:linClrLst meth="repeat">
@@ -297,9 +342,12 @@
     <dgm:txEffectClrLst/>
   </dgm:styleLbl>
   <dgm:styleLbl name="bgImgPlace1">
-    <dgm:fillClrLst meth="repeat">
+    <dgm:fillClrLst>
       <a:schemeClr val="accent1">
         <a:tint val="50000"/>
+      </a:schemeClr>
+      <a:schemeClr val="accent2">
+        <a:tint val="20000"/>
       </a:schemeClr>
     </dgm:fillClrLst>
     <dgm:linClrLst meth="repeat">
@@ -314,14 +362,14 @@
   </dgm:styleLbl>
   <dgm:styleLbl name="sibTrans2D1">
     <dgm:fillClrLst meth="repeat">
-      <a:schemeClr val="accent1">
-        <a:tint val="60000"/>
-      </a:schemeClr>
+      <a:schemeClr val="accent2"/>
+      <a:schemeClr val="accent3"/>
+      <a:schemeClr val="accent4"/>
+      <a:schemeClr val="accent5"/>
+      <a:schemeClr val="accent6"/>
     </dgm:fillClrLst>
-    <dgm:linClrLst meth="repeat">
-      <a:schemeClr val="accent1">
-        <a:tint val="60000"/>
-      </a:schemeClr>
+    <dgm:linClrLst meth="cycle">
+      <a:schemeClr val="lt1"/>
     </dgm:linClrLst>
     <dgm:effectClrLst/>
     <dgm:txLinClrLst/>
@@ -330,42 +378,54 @@
   </dgm:styleLbl>
   <dgm:styleLbl name="fgSibTrans2D1">
     <dgm:fillClrLst meth="repeat">
-      <a:schemeClr val="accent1">
-        <a:tint val="60000"/>
-      </a:schemeClr>
+      <a:schemeClr val="accent2"/>
+      <a:schemeClr val="accent3"/>
+      <a:schemeClr val="accent4"/>
+      <a:schemeClr val="accent5"/>
+      <a:schemeClr val="accent6"/>
     </dgm:fillClrLst>
-    <dgm:linClrLst meth="repeat">
-      <a:schemeClr val="accent1">
-        <a:tint val="60000"/>
-      </a:schemeClr>
+    <dgm:linClrLst meth="cycle">
+      <a:schemeClr val="lt1"/>
     </dgm:linClrLst>
     <dgm:effectClrLst/>
     <dgm:txLinClrLst/>
-    <dgm:txFillClrLst/>
+    <dgm:txFillClrLst meth="repeat">
+      <a:schemeClr val="lt1"/>
+    </dgm:txFillClrLst>
     <dgm:txEffectClrLst/>
   </dgm:styleLbl>
   <dgm:styleLbl name="bgSibTrans2D1">
     <dgm:fillClrLst meth="repeat">
-      <a:schemeClr val="accent1">
-        <a:tint val="60000"/>
-      </a:schemeClr>
+      <a:schemeClr val="accent2"/>
+      <a:schemeClr val="accent3"/>
+      <a:schemeClr val="accent4"/>
+      <a:schemeClr val="accent5"/>
+      <a:schemeClr val="accent6"/>
     </dgm:fillClrLst>
-    <dgm:linClrLst meth="repeat">
-      <a:schemeClr val="accent1">
-        <a:tint val="60000"/>
-      </a:schemeClr>
+    <dgm:linClrLst meth="cycle">
+      <a:schemeClr val="lt1"/>
     </dgm:linClrLst>
     <dgm:effectClrLst/>
     <dgm:txLinClrLst/>
-    <dgm:txFillClrLst/>
+    <dgm:txFillClrLst meth="repeat">
+      <a:schemeClr val="lt1"/>
+    </dgm:txFillClrLst>
     <dgm:txEffectClrLst/>
   </dgm:styleLbl>
   <dgm:styleLbl name="sibTrans1D1">
     <dgm:fillClrLst meth="repeat">
-      <a:schemeClr val="accent1"/>
+      <a:schemeClr val="accent2"/>
+      <a:schemeClr val="accent3"/>
+      <a:schemeClr val="accent4"/>
+      <a:schemeClr val="accent5"/>
+      <a:schemeClr val="accent6"/>
     </dgm:fillClrLst>
     <dgm:linClrLst meth="repeat">
-      <a:schemeClr val="accent1"/>
+      <a:schemeClr val="accent2"/>
+      <a:schemeClr val="accent3"/>
+      <a:schemeClr val="accent4"/>
+      <a:schemeClr val="accent5"/>
+      <a:schemeClr val="accent6"/>
     </dgm:linClrLst>
     <dgm:effectClrLst/>
     <dgm:txLinClrLst/>
@@ -376,10 +436,10 @@
   </dgm:styleLbl>
   <dgm:styleLbl name="callout">
     <dgm:fillClrLst meth="repeat">
-      <a:schemeClr val="accent1"/>
+      <a:schemeClr val="accent2"/>
     </dgm:fillClrLst>
     <dgm:linClrLst meth="repeat">
-      <a:schemeClr val="accent1">
+      <a:schemeClr val="accent2">
         <a:tint val="50000"/>
       </a:schemeClr>
     </dgm:linClrLst>
@@ -404,7 +464,7 @@
   </dgm:styleLbl>
   <dgm:styleLbl name="asst1">
     <dgm:fillClrLst meth="repeat">
-      <a:schemeClr val="accent1"/>
+      <a:schemeClr val="accent2"/>
     </dgm:fillClrLst>
     <dgm:linClrLst meth="repeat">
       <a:schemeClr val="lt1"/>
@@ -415,8 +475,8 @@
     <dgm:txEffectClrLst/>
   </dgm:styleLbl>
   <dgm:styleLbl name="asst2">
-    <dgm:fillClrLst meth="repeat">
-      <a:schemeClr val="accent1"/>
+    <dgm:fillClrLst>
+      <a:schemeClr val="accent3"/>
     </dgm:fillClrLst>
     <dgm:linClrLst meth="repeat">
       <a:schemeClr val="lt1"/>
@@ -427,8 +487,8 @@
     <dgm:txEffectClrLst/>
   </dgm:styleLbl>
   <dgm:styleLbl name="asst3">
-    <dgm:fillClrLst meth="repeat">
-      <a:schemeClr val="accent1"/>
+    <dgm:fillClrLst>
+      <a:schemeClr val="accent4"/>
     </dgm:fillClrLst>
     <dgm:linClrLst meth="repeat">
       <a:schemeClr val="lt1"/>
@@ -439,8 +499,8 @@
     <dgm:txEffectClrLst/>
   </dgm:styleLbl>
   <dgm:styleLbl name="asst4">
-    <dgm:fillClrLst meth="repeat">
-      <a:schemeClr val="accent1"/>
+    <dgm:fillClrLst>
+      <a:schemeClr val="accent5"/>
     </dgm:fillClrLst>
     <dgm:linClrLst meth="repeat">
       <a:schemeClr val="lt1"/>
@@ -452,14 +512,10 @@
   </dgm:styleLbl>
   <dgm:styleLbl name="parChTrans2D1">
     <dgm:fillClrLst meth="repeat">
-      <a:schemeClr val="accent1">
-        <a:tint val="60000"/>
-      </a:schemeClr>
+      <a:schemeClr val="accent2"/>
     </dgm:fillClrLst>
     <dgm:linClrLst meth="repeat">
-      <a:schemeClr val="accent1">
-        <a:tint val="60000"/>
-      </a:schemeClr>
+      <a:schemeClr val="lt1"/>
     </dgm:linClrLst>
     <dgm:effectClrLst/>
     <dgm:txLinClrLst/>
@@ -470,38 +526,34 @@
   </dgm:styleLbl>
   <dgm:styleLbl name="parChTrans2D2">
     <dgm:fillClrLst meth="repeat">
-      <a:schemeClr val="accent1"/>
+      <a:schemeClr val="accent3"/>
     </dgm:fillClrLst>
     <dgm:linClrLst meth="repeat">
-      <a:schemeClr val="accent1"/>
+      <a:schemeClr val="lt1"/>
     </dgm:linClrLst>
     <dgm:effectClrLst/>
     <dgm:txLinClrLst/>
-    <dgm:txFillClrLst meth="repeat">
-      <a:schemeClr val="lt1"/>
-    </dgm:txFillClrLst>
+    <dgm:txFillClrLst/>
     <dgm:txEffectClrLst/>
   </dgm:styleLbl>
   <dgm:styleLbl name="parChTrans2D3">
     <dgm:fillClrLst meth="repeat">
-      <a:schemeClr val="accent1"/>
+      <a:schemeClr val="accent4"/>
     </dgm:fillClrLst>
     <dgm:linClrLst meth="repeat">
-      <a:schemeClr val="accent1"/>
+      <a:schemeClr val="lt1"/>
     </dgm:linClrLst>
     <dgm:effectClrLst/>
     <dgm:txLinClrLst/>
-    <dgm:txFillClrLst meth="repeat">
-      <a:schemeClr val="lt1"/>
-    </dgm:txFillClrLst>
+    <dgm:txFillClrLst/>
     <dgm:txEffectClrLst/>
   </dgm:styleLbl>
   <dgm:styleLbl name="parChTrans2D4">
     <dgm:fillClrLst meth="repeat">
-      <a:schemeClr val="accent1"/>
+      <a:schemeClr val="accent5"/>
     </dgm:fillClrLst>
     <dgm:linClrLst meth="repeat">
-      <a:schemeClr val="accent1"/>
+      <a:schemeClr val="lt1"/>
     </dgm:linClrLst>
     <dgm:effectClrLst/>
     <dgm:txLinClrLst/>
@@ -512,12 +564,10 @@
   </dgm:styleLbl>
   <dgm:styleLbl name="parChTrans1D1">
     <dgm:fillClrLst meth="repeat">
-      <a:schemeClr val="accent1"/>
+      <a:schemeClr val="accent2"/>
     </dgm:fillClrLst>
     <dgm:linClrLst meth="repeat">
-      <a:schemeClr val="accent1">
-        <a:shade val="60000"/>
-      </a:schemeClr>
+      <a:schemeClr val="accent1"/>
     </dgm:linClrLst>
     <dgm:effectClrLst/>
     <dgm:txLinClrLst/>
@@ -528,12 +578,12 @@
   </dgm:styleLbl>
   <dgm:styleLbl name="parChTrans1D2">
     <dgm:fillClrLst meth="repeat">
-      <a:schemeClr val="accent1"/>
+      <a:schemeClr val="accent3">
+        <a:tint val="90000"/>
+      </a:schemeClr>
     </dgm:fillClrLst>
     <dgm:linClrLst meth="repeat">
-      <a:schemeClr val="accent1">
-        <a:shade val="60000"/>
-      </a:schemeClr>
+      <a:schemeClr val="accent2"/>
     </dgm:linClrLst>
     <dgm:effectClrLst/>
     <dgm:txLinClrLst/>
@@ -544,12 +594,12 @@
   </dgm:styleLbl>
   <dgm:styleLbl name="parChTrans1D3">
     <dgm:fillClrLst meth="repeat">
-      <a:schemeClr val="accent1"/>
+      <a:schemeClr val="accent4">
+        <a:tint val="70000"/>
+      </a:schemeClr>
     </dgm:fillClrLst>
     <dgm:linClrLst meth="repeat">
-      <a:schemeClr val="accent1">
-        <a:shade val="80000"/>
-      </a:schemeClr>
+      <a:schemeClr val="accent3"/>
     </dgm:linClrLst>
     <dgm:effectClrLst/>
     <dgm:txLinClrLst/>
@@ -560,12 +610,12 @@
   </dgm:styleLbl>
   <dgm:styleLbl name="parChTrans1D4">
     <dgm:fillClrLst meth="repeat">
-      <a:schemeClr val="accent1"/>
+      <a:schemeClr val="accent5">
+        <a:tint val="50000"/>
+      </a:schemeClr>
     </dgm:fillClrLst>
     <dgm:linClrLst meth="repeat">
-      <a:schemeClr val="accent1">
-        <a:shade val="80000"/>
-      </a:schemeClr>
+      <a:schemeClr val="accent4"/>
     </dgm:linClrLst>
     <dgm:effectClrLst/>
     <dgm:txLinClrLst/>
@@ -581,7 +631,11 @@
       </a:schemeClr>
     </dgm:fillClrLst>
     <dgm:linClrLst meth="repeat">
-      <a:schemeClr val="accent1"/>
+      <a:schemeClr val="accent2"/>
+      <a:schemeClr val="accent3"/>
+      <a:schemeClr val="accent4"/>
+      <a:schemeClr val="accent5"/>
+      <a:schemeClr val="accent6"/>
     </dgm:linClrLst>
     <dgm:effectClrLst/>
     <dgm:txLinClrLst/>
@@ -597,7 +651,11 @@
       </a:schemeClr>
     </dgm:fillClrLst>
     <dgm:linClrLst meth="repeat">
-      <a:schemeClr val="accent1"/>
+      <a:schemeClr val="accent2"/>
+      <a:schemeClr val="accent3"/>
+      <a:schemeClr val="accent4"/>
+      <a:schemeClr val="accent5"/>
+      <a:schemeClr val="accent6"/>
     </dgm:linClrLst>
     <dgm:effectClrLst/>
     <dgm:txLinClrLst/>
@@ -613,7 +671,11 @@
       </a:schemeClr>
     </dgm:fillClrLst>
     <dgm:linClrLst meth="repeat">
-      <a:schemeClr val="accent1"/>
+      <a:schemeClr val="accent2"/>
+      <a:schemeClr val="accent3"/>
+      <a:schemeClr val="accent4"/>
+      <a:schemeClr val="accent5"/>
+      <a:schemeClr val="accent6"/>
     </dgm:linClrLst>
     <dgm:effectClrLst/>
     <dgm:txLinClrLst/>
@@ -645,7 +707,11 @@
       </a:schemeClr>
     </dgm:fillClrLst>
     <dgm:linClrLst meth="repeat">
-      <a:schemeClr val="accent1"/>
+      <a:schemeClr val="accent2"/>
+      <a:schemeClr val="accent3"/>
+      <a:schemeClr val="accent4"/>
+      <a:schemeClr val="accent5"/>
+      <a:schemeClr val="accent6"/>
     </dgm:linClrLst>
     <dgm:effectClrLst/>
     <dgm:txLinClrLst/>
@@ -659,7 +725,11 @@
       <a:schemeClr val="lt1"/>
     </dgm:fillClrLst>
     <dgm:linClrLst meth="repeat">
-      <a:schemeClr val="accent1"/>
+      <a:schemeClr val="accent2"/>
+      <a:schemeClr val="accent3"/>
+      <a:schemeClr val="accent4"/>
+      <a:schemeClr val="accent5"/>
+      <a:schemeClr val="accent6"/>
     </dgm:linClrLst>
     <dgm:effectClrLst/>
     <dgm:txLinClrLst/>
@@ -673,7 +743,11 @@
       <a:schemeClr val="lt1"/>
     </dgm:fillClrLst>
     <dgm:linClrLst meth="repeat">
-      <a:schemeClr val="accent1"/>
+      <a:schemeClr val="accent2"/>
+      <a:schemeClr val="accent3"/>
+      <a:schemeClr val="accent4"/>
+      <a:schemeClr val="accent5"/>
+      <a:schemeClr val="accent6"/>
     </dgm:linClrLst>
     <dgm:effectClrLst/>
     <dgm:txLinClrLst/>
@@ -687,7 +761,11 @@
       <a:schemeClr val="lt1"/>
     </dgm:fillClrLst>
     <dgm:linClrLst meth="repeat">
-      <a:schemeClr val="accent1"/>
+      <a:schemeClr val="accent2"/>
+      <a:schemeClr val="accent3"/>
+      <a:schemeClr val="accent4"/>
+      <a:schemeClr val="accent5"/>
+      <a:schemeClr val="accent6"/>
     </dgm:linClrLst>
     <dgm:effectClrLst/>
     <dgm:txLinClrLst/>
@@ -698,15 +776,47 @@
   </dgm:styleLbl>
   <dgm:styleLbl name="fgAccFollowNode1">
     <dgm:fillClrLst meth="repeat">
-      <a:schemeClr val="accent1">
+      <a:schemeClr val="accent2">
+        <a:tint val="40000"/>
         <a:alpha val="90000"/>
+      </a:schemeClr>
+      <a:schemeClr val="accent3">
         <a:tint val="40000"/>
+        <a:alpha val="90000"/>
+      </a:schemeClr>
+      <a:schemeClr val="accent4">
+        <a:tint val="40000"/>
+        <a:alpha val="90000"/>
+      </a:schemeClr>
+      <a:schemeClr val="accent5">
+        <a:tint val="40000"/>
+        <a:alpha val="90000"/>
+      </a:schemeClr>
+      <a:schemeClr val="accent6">
+        <a:tint val="40000"/>
+        <a:alpha val="90000"/>
       </a:schemeClr>
     </dgm:fillClrLst>
     <dgm:linClrLst meth="repeat">
-      <a:schemeClr val="accent1">
+      <a:schemeClr val="accent2">
+        <a:tint val="40000"/>
         <a:alpha val="90000"/>
+      </a:schemeClr>
+      <a:schemeClr val="accent3">
         <a:tint val="40000"/>
+        <a:alpha val="90000"/>
+      </a:schemeClr>
+      <a:schemeClr val="accent4">
+        <a:tint val="40000"/>
+        <a:alpha val="90000"/>
+      </a:schemeClr>
+      <a:schemeClr val="accent5">
+        <a:tint val="40000"/>
+        <a:alpha val="90000"/>
+      </a:schemeClr>
+      <a:schemeClr val="accent6">
+        <a:tint val="40000"/>
+        <a:alpha val="90000"/>
       </a:schemeClr>
     </dgm:linClrLst>
     <dgm:effectClrLst/>
@@ -718,15 +828,47 @@
   </dgm:styleLbl>
   <dgm:styleLbl name="alignAccFollowNode1">
     <dgm:fillClrLst meth="repeat">
-      <a:schemeClr val="accent1">
+      <a:schemeClr val="accent2">
+        <a:tint val="40000"/>
         <a:alpha val="90000"/>
+      </a:schemeClr>
+      <a:schemeClr val="accent3">
         <a:tint val="40000"/>
+        <a:alpha val="90000"/>
+      </a:schemeClr>
+      <a:schemeClr val="accent4">
+        <a:tint val="40000"/>
+        <a:alpha val="90000"/>
+      </a:schemeClr>
+      <a:schemeClr val="accent5">
+        <a:tint val="40000"/>
+        <a:alpha val="90000"/>
+      </a:schemeClr>
+      <a:schemeClr val="accent6">
+        <a:tint val="40000"/>
+        <a:alpha val="90000"/>
       </a:schemeClr>
     </dgm:fillClrLst>
     <dgm:linClrLst meth="repeat">
-      <a:schemeClr val="accent1">
+      <a:schemeClr val="accent2">
+        <a:tint val="40000"/>
         <a:alpha val="90000"/>
+      </a:schemeClr>
+      <a:schemeClr val="accent3">
         <a:tint val="40000"/>
+        <a:alpha val="90000"/>
+      </a:schemeClr>
+      <a:schemeClr val="accent4">
+        <a:tint val="40000"/>
+        <a:alpha val="90000"/>
+      </a:schemeClr>
+      <a:schemeClr val="accent5">
+        <a:tint val="40000"/>
+        <a:alpha val="90000"/>
+      </a:schemeClr>
+      <a:schemeClr val="accent6">
+        <a:tint val="40000"/>
+        <a:alpha val="90000"/>
       </a:schemeClr>
     </dgm:linClrLst>
     <dgm:effectClrLst/>
@@ -738,22 +880,53 @@
   </dgm:styleLbl>
   <dgm:styleLbl name="bgAccFollowNode1">
     <dgm:fillClrLst meth="repeat">
-      <a:schemeClr val="bg1">
-        <a:lumMod val="95000"/>
+      <a:schemeClr val="accent2">
+        <a:tint val="40000"/>
+        <a:alpha val="90000"/>
+      </a:schemeClr>
+      <a:schemeClr val="accent3">
+        <a:tint val="40000"/>
+        <a:alpha val="90000"/>
+      </a:schemeClr>
+      <a:schemeClr val="accent4">
+        <a:tint val="40000"/>
+        <a:alpha val="90000"/>
+      </a:schemeClr>
+      <a:schemeClr val="accent5">
+        <a:tint val="40000"/>
+        <a:alpha val="90000"/>
+      </a:schemeClr>
+      <a:schemeClr val="accent6">
+        <a:tint val="40000"/>
+        <a:alpha val="90000"/>
       </a:schemeClr>
     </dgm:fillClrLst>
-    <dgm:linClrLst>
-      <a:schemeClr val="bg1">
-        <a:lumMod val="95000"/>
+    <dgm:linClrLst meth="repeat">
+      <a:schemeClr val="accent2">
+        <a:tint val="40000"/>
+        <a:alpha val="90000"/>
+      </a:schemeClr>
+      <a:schemeClr val="accent3">
+        <a:tint val="40000"/>
+        <a:alpha val="90000"/>
+      </a:schemeClr>
+      <a:schemeClr val="accent4">
+        <a:tint val="40000"/>
+        <a:alpha val="90000"/>
+      </a:schemeClr>
+      <a:schemeClr val="accent5">
+        <a:tint val="40000"/>
+        <a:alpha val="90000"/>
+      </a:schemeClr>
+      <a:schemeClr val="accent6">
+        <a:tint val="40000"/>
+        <a:alpha val="90000"/>
       </a:schemeClr>
     </dgm:linClrLst>
     <dgm:effectClrLst/>
     <dgm:txLinClrLst/>
     <dgm:txFillClrLst meth="repeat">
-      <a:schemeClr val="tx1">
-        <a:lumMod val="75000"/>
-        <a:lumOff val="25000"/>
-      </a:schemeClr>
+      <a:schemeClr val="dk1"/>
     </dgm:txFillClrLst>
     <dgm:txEffectClrLst/>
   </dgm:styleLbl>
@@ -763,7 +936,7 @@
         <a:alpha val="90000"/>
       </a:schemeClr>
     </dgm:fillClrLst>
-    <dgm:linClrLst meth="repeat">
+    <dgm:linClrLst>
       <a:schemeClr val="accent1"/>
     </dgm:linClrLst>
     <dgm:effectClrLst/>
@@ -779,8 +952,8 @@
         <a:alpha val="90000"/>
       </a:schemeClr>
     </dgm:fillClrLst>
-    <dgm:linClrLst meth="repeat">
-      <a:schemeClr val="accent1"/>
+    <dgm:linClrLst>
+      <a:schemeClr val="accent2"/>
     </dgm:linClrLst>
     <dgm:effectClrLst/>
     <dgm:txLinClrLst/>
@@ -795,8 +968,8 @@
         <a:alpha val="90000"/>
       </a:schemeClr>
     </dgm:fillClrLst>
-    <dgm:linClrLst meth="repeat">
-      <a:schemeClr val="accent1"/>
+    <dgm:linClrLst>
+      <a:schemeClr val="accent3"/>
     </dgm:linClrLst>
     <dgm:effectClrLst/>
     <dgm:txLinClrLst/>
@@ -811,8 +984,8 @@
         <a:alpha val="90000"/>
       </a:schemeClr>
     </dgm:fillClrLst>
-    <dgm:linClrLst meth="repeat">
-      <a:schemeClr val="accent1"/>
+    <dgm:linClrLst>
+      <a:schemeClr val="accent4"/>
     </dgm:linClrLst>
     <dgm:effectClrLst/>
     <dgm:txLinClrLst/>
@@ -823,12 +996,12 @@
   </dgm:styleLbl>
   <dgm:styleLbl name="bgShp">
     <dgm:fillClrLst meth="repeat">
-      <a:schemeClr val="accent1">
+      <a:schemeClr val="accent2">
         <a:tint val="40000"/>
       </a:schemeClr>
     </dgm:fillClrLst>
     <dgm:linClrLst meth="repeat">
-      <a:schemeClr val="accent1"/>
+      <a:schemeClr val="dk1"/>
     </dgm:linClrLst>
     <dgm:effectClrLst/>
     <dgm:txLinClrLst/>
@@ -839,12 +1012,12 @@
   </dgm:styleLbl>
   <dgm:styleLbl name="dkBgShp">
     <dgm:fillClrLst meth="repeat">
-      <a:schemeClr val="accent1">
-        <a:shade val="80000"/>
+      <a:schemeClr val="accent2">
+        <a:shade val="90000"/>
       </a:schemeClr>
     </dgm:fillClrLst>
     <dgm:linClrLst meth="repeat">
-      <a:schemeClr val="accent1"/>
+      <a:schemeClr val="dk1"/>
     </dgm:linClrLst>
     <dgm:effectClrLst/>
     <dgm:txLinClrLst/>
@@ -861,7 +1034,7 @@
       </a:schemeClr>
     </dgm:fillClrLst>
     <dgm:linClrLst meth="repeat">
-      <a:schemeClr val="accent1"/>
+      <a:schemeClr val="accent2"/>
     </dgm:linClrLst>
     <dgm:effectClrLst/>
     <dgm:txLinClrLst/>
@@ -872,8 +1045,8 @@
   </dgm:styleLbl>
   <dgm:styleLbl name="fgShp">
     <dgm:fillClrLst meth="repeat">
-      <a:schemeClr val="accent1">
-        <a:tint val="60000"/>
+      <a:schemeClr val="accent2">
+        <a:tint val="40000"/>
       </a:schemeClr>
     </dgm:fillClrLst>
     <dgm:linClrLst meth="repeat">
@@ -911,7 +1084,7 @@
 <dgm:dataModel xmlns:dgm="http://schemas.openxmlformats.org/drawingml/2006/diagram" xmlns:a="http://schemas.openxmlformats.org/drawingml/2006/main">
   <dgm:ptLst>
     <dgm:pt modelId="{C1268568-3361-421A-9004-9137023FFAF5}" type="doc">
-      <dgm:prSet loTypeId="urn:microsoft.com/office/officeart/2005/8/layout/bProcess2" loCatId="process" qsTypeId="urn:microsoft.com/office/officeart/2005/8/quickstyle/simple1" qsCatId="simple" csTypeId="urn:microsoft.com/office/officeart/2005/8/colors/ColorSchemeForSuggestions" csCatId="other" phldr="1"/>
+      <dgm:prSet loTypeId="urn:microsoft.com/office/officeart/2009/3/layout/HorizontalOrganizationChart" loCatId="hierarchy" qsTypeId="urn:microsoft.com/office/officeart/2005/8/quickstyle/simple4" qsCatId="simple" csTypeId="urn:microsoft.com/office/officeart/2005/8/colors/colorful1" csCatId="colorful" phldr="1"/>
       <dgm:spPr/>
       <dgm:t>
         <a:bodyPr/>
@@ -966,7 +1139,7 @@
         <a:p>
           <a:r>
             <a:rPr lang="en-US" dirty="0"/>
-            <a:t>dotnet    publish </a:t>
+            <a:t>dotnet publish </a:t>
           </a:r>
           <a:r>
             <a:rPr lang="en-US" dirty="0" err="1"/>
@@ -1001,46 +1174,104 @@
         </a:p>
       </dgm:t>
     </dgm:pt>
-    <dgm:pt modelId="{4EB80A06-66E5-4FDC-B683-D02365EE6722}" type="pres">
-      <dgm:prSet presAssocID="{C1268568-3361-421A-9004-9137023FFAF5}" presName="diagram" presStyleCnt="0">
+    <dgm:pt modelId="{4404E3AF-E2F2-46FE-A497-F603DD63F5F8}" type="pres">
+      <dgm:prSet presAssocID="{C1268568-3361-421A-9004-9137023FFAF5}" presName="hierChild1" presStyleCnt="0">
         <dgm:presLayoutVars>
+          <dgm:orgChart val="1"/>
+          <dgm:chPref val="1"/>
           <dgm:dir/>
+          <dgm:animOne val="branch"/>
+          <dgm:animLvl val="lvl"/>
           <dgm:resizeHandles/>
         </dgm:presLayoutVars>
       </dgm:prSet>
       <dgm:spPr/>
     </dgm:pt>
-    <dgm:pt modelId="{772B303C-BC81-45F7-9B81-A699554AEF9A}" type="pres">
-      <dgm:prSet presAssocID="{C33972C9-0BC4-4651-9744-D559DB0D84D5}" presName="firstNode" presStyleLbl="node1" presStyleIdx="0" presStyleCnt="2">
+    <dgm:pt modelId="{0DCA5A2D-D69F-4801-A8F5-C2EDC5A41E38}" type="pres">
+      <dgm:prSet presAssocID="{C33972C9-0BC4-4651-9744-D559DB0D84D5}" presName="hierRoot1" presStyleCnt="0">
         <dgm:presLayoutVars>
-          <dgm:bulletEnabled val="1"/>
+          <dgm:hierBranch val="init"/>
         </dgm:presLayoutVars>
       </dgm:prSet>
       <dgm:spPr/>
     </dgm:pt>
-    <dgm:pt modelId="{A9D9D55F-7B50-4CB5-B6E6-58D9E0D86061}" type="pres">
-      <dgm:prSet presAssocID="{49CEDCAC-C280-4829-91D5-B155C6DF4A18}" presName="sibTrans" presStyleLbl="sibTrans2D1" presStyleIdx="0" presStyleCnt="1"/>
+    <dgm:pt modelId="{4ACF3564-0C3C-4A51-92AF-E0C64182BF06}" type="pres">
+      <dgm:prSet presAssocID="{C33972C9-0BC4-4651-9744-D559DB0D84D5}" presName="rootComposite1" presStyleCnt="0"/>
       <dgm:spPr/>
     </dgm:pt>
-    <dgm:pt modelId="{D6942D20-6D40-42F7-97AE-AA774F05D3D0}" type="pres">
-      <dgm:prSet presAssocID="{B8A3C82F-16D2-4115-B873-07F000538262}" presName="lastNode" presStyleLbl="node1" presStyleIdx="1" presStyleCnt="2">
+    <dgm:pt modelId="{775DD96C-BAF5-4AC6-8B03-EB6ADDC006EA}" type="pres">
+      <dgm:prSet presAssocID="{C33972C9-0BC4-4651-9744-D559DB0D84D5}" presName="rootText1" presStyleLbl="node0" presStyleIdx="0" presStyleCnt="2">
         <dgm:presLayoutVars>
-          <dgm:bulletEnabled val="1"/>
+          <dgm:chPref val="3"/>
         </dgm:presLayoutVars>
       </dgm:prSet>
+      <dgm:spPr/>
+    </dgm:pt>
+    <dgm:pt modelId="{FF974846-BC12-4B8D-A60A-CD8B12D5293F}" type="pres">
+      <dgm:prSet presAssocID="{C33972C9-0BC4-4651-9744-D559DB0D84D5}" presName="rootConnector1" presStyleLbl="node1" presStyleIdx="0" presStyleCnt="0"/>
+      <dgm:spPr/>
+    </dgm:pt>
+    <dgm:pt modelId="{A17B0B3C-3E7F-4E80-A7A3-F299A71E27F1}" type="pres">
+      <dgm:prSet presAssocID="{C33972C9-0BC4-4651-9744-D559DB0D84D5}" presName="hierChild2" presStyleCnt="0"/>
+      <dgm:spPr/>
+    </dgm:pt>
+    <dgm:pt modelId="{6465811A-5544-438C-9120-B4FAC3572F38}" type="pres">
+      <dgm:prSet presAssocID="{C33972C9-0BC4-4651-9744-D559DB0D84D5}" presName="hierChild3" presStyleCnt="0"/>
+      <dgm:spPr/>
+    </dgm:pt>
+    <dgm:pt modelId="{B51F06EA-3D76-4C6E-A4CC-B2FF853195D5}" type="pres">
+      <dgm:prSet presAssocID="{B8A3C82F-16D2-4115-B873-07F000538262}" presName="hierRoot1" presStyleCnt="0">
+        <dgm:presLayoutVars>
+          <dgm:hierBranch val="init"/>
+        </dgm:presLayoutVars>
+      </dgm:prSet>
+      <dgm:spPr/>
+    </dgm:pt>
+    <dgm:pt modelId="{215EBF6C-8CC6-43A5-B860-0ECE12FEFC5A}" type="pres">
+      <dgm:prSet presAssocID="{B8A3C82F-16D2-4115-B873-07F000538262}" presName="rootComposite1" presStyleCnt="0"/>
+      <dgm:spPr/>
+    </dgm:pt>
+    <dgm:pt modelId="{29FC0E35-7526-4337-9734-33EED7E0D6BB}" type="pres">
+      <dgm:prSet presAssocID="{B8A3C82F-16D2-4115-B873-07F000538262}" presName="rootText1" presStyleLbl="node0" presStyleIdx="1" presStyleCnt="2">
+        <dgm:presLayoutVars>
+          <dgm:chPref val="3"/>
+        </dgm:presLayoutVars>
+      </dgm:prSet>
+      <dgm:spPr/>
+    </dgm:pt>
+    <dgm:pt modelId="{C15B338E-49C9-498D-AED3-52FFBF72AF66}" type="pres">
+      <dgm:prSet presAssocID="{B8A3C82F-16D2-4115-B873-07F000538262}" presName="rootConnector1" presStyleLbl="node1" presStyleIdx="0" presStyleCnt="0"/>
+      <dgm:spPr/>
+    </dgm:pt>
+    <dgm:pt modelId="{74AC1EBE-8C12-4D40-883D-8280469F6B2F}" type="pres">
+      <dgm:prSet presAssocID="{B8A3C82F-16D2-4115-B873-07F000538262}" presName="hierChild2" presStyleCnt="0"/>
+      <dgm:spPr/>
+    </dgm:pt>
+    <dgm:pt modelId="{849F02E7-84F9-471D-8522-D9CB684B9305}" type="pres">
+      <dgm:prSet presAssocID="{B8A3C82F-16D2-4115-B873-07F000538262}" presName="hierChild3" presStyleCnt="0"/>
       <dgm:spPr/>
     </dgm:pt>
   </dgm:ptLst>
   <dgm:cxnLst>
     <dgm:cxn modelId="{90D79404-4CE4-488C-9269-EC84C4CC2D79}" srcId="{C1268568-3361-421A-9004-9137023FFAF5}" destId="{C33972C9-0BC4-4651-9744-D559DB0D84D5}" srcOrd="0" destOrd="0" parTransId="{772EBDA0-F6B1-4CA4-927F-02F0CC35A30B}" sibTransId="{49CEDCAC-C280-4829-91D5-B155C6DF4A18}"/>
-    <dgm:cxn modelId="{6C7E5F26-D68A-43C0-B6B2-CFEB40F3F08C}" type="presOf" srcId="{C1268568-3361-421A-9004-9137023FFAF5}" destId="{4EB80A06-66E5-4FDC-B683-D02365EE6722}" srcOrd="0" destOrd="0" presId="urn:microsoft.com/office/officeart/2005/8/layout/bProcess2"/>
-    <dgm:cxn modelId="{AE99FE98-3205-4584-A1ED-44B92C2A7635}" type="presOf" srcId="{49CEDCAC-C280-4829-91D5-B155C6DF4A18}" destId="{A9D9D55F-7B50-4CB5-B6E6-58D9E0D86061}" srcOrd="0" destOrd="0" presId="urn:microsoft.com/office/officeart/2005/8/layout/bProcess2"/>
+    <dgm:cxn modelId="{8D497306-1E05-46D7-9745-DC3666A2E291}" type="presOf" srcId="{C33972C9-0BC4-4651-9744-D559DB0D84D5}" destId="{FF974846-BC12-4B8D-A60A-CD8B12D5293F}" srcOrd="1" destOrd="0" presId="urn:microsoft.com/office/officeart/2009/3/layout/HorizontalOrganizationChart"/>
+    <dgm:cxn modelId="{6755E21A-22F4-4C6C-854B-D30D97DAFC4A}" type="presOf" srcId="{C33972C9-0BC4-4651-9744-D559DB0D84D5}" destId="{775DD96C-BAF5-4AC6-8B03-EB6ADDC006EA}" srcOrd="0" destOrd="0" presId="urn:microsoft.com/office/officeart/2009/3/layout/HorizontalOrganizationChart"/>
+    <dgm:cxn modelId="{EB1BB362-AAAE-450F-804F-149BA8152199}" type="presOf" srcId="{B8A3C82F-16D2-4115-B873-07F000538262}" destId="{29FC0E35-7526-4337-9734-33EED7E0D6BB}" srcOrd="0" destOrd="0" presId="urn:microsoft.com/office/officeart/2009/3/layout/HorizontalOrganizationChart"/>
+    <dgm:cxn modelId="{D66E5386-5A3D-412B-8EDE-97562B9C3FA9}" type="presOf" srcId="{C1268568-3361-421A-9004-9137023FFAF5}" destId="{4404E3AF-E2F2-46FE-A497-F603DD63F5F8}" srcOrd="0" destOrd="0" presId="urn:microsoft.com/office/officeart/2009/3/layout/HorizontalOrganizationChart"/>
     <dgm:cxn modelId="{0FBA099E-F3C0-43D1-879F-D13BFB460A97}" srcId="{C1268568-3361-421A-9004-9137023FFAF5}" destId="{B8A3C82F-16D2-4115-B873-07F000538262}" srcOrd="1" destOrd="0" parTransId="{358D1319-1262-495C-A0CF-6690E29A52E3}" sibTransId="{479A5E44-CB69-43CA-9474-6307C6ED4A29}"/>
-    <dgm:cxn modelId="{515AA5EA-57AF-43BE-86A3-C24791B69624}" type="presOf" srcId="{C33972C9-0BC4-4651-9744-D559DB0D84D5}" destId="{772B303C-BC81-45F7-9B81-A699554AEF9A}" srcOrd="0" destOrd="0" presId="urn:microsoft.com/office/officeart/2005/8/layout/bProcess2"/>
-    <dgm:cxn modelId="{DB74B2F3-B32F-4885-BE8F-4A042D00F0C0}" type="presOf" srcId="{B8A3C82F-16D2-4115-B873-07F000538262}" destId="{D6942D20-6D40-42F7-97AE-AA774F05D3D0}" srcOrd="0" destOrd="0" presId="urn:microsoft.com/office/officeart/2005/8/layout/bProcess2"/>
-    <dgm:cxn modelId="{79AA1B48-0286-4CD8-B1B7-95475AAE9AB0}" type="presParOf" srcId="{4EB80A06-66E5-4FDC-B683-D02365EE6722}" destId="{772B303C-BC81-45F7-9B81-A699554AEF9A}" srcOrd="0" destOrd="0" presId="urn:microsoft.com/office/officeart/2005/8/layout/bProcess2"/>
-    <dgm:cxn modelId="{59EACDC5-A4B0-409D-ABAB-ED8D81C595DA}" type="presParOf" srcId="{4EB80A06-66E5-4FDC-B683-D02365EE6722}" destId="{A9D9D55F-7B50-4CB5-B6E6-58D9E0D86061}" srcOrd="1" destOrd="0" presId="urn:microsoft.com/office/officeart/2005/8/layout/bProcess2"/>
-    <dgm:cxn modelId="{2A29F9D1-A05A-4AE2-8C18-14468263C972}" type="presParOf" srcId="{4EB80A06-66E5-4FDC-B683-D02365EE6722}" destId="{D6942D20-6D40-42F7-97AE-AA774F05D3D0}" srcOrd="2" destOrd="0" presId="urn:microsoft.com/office/officeart/2005/8/layout/bProcess2"/>
+    <dgm:cxn modelId="{DBDDA4D6-146E-414A-A004-7D7FB70156F2}" type="presOf" srcId="{B8A3C82F-16D2-4115-B873-07F000538262}" destId="{C15B338E-49C9-498D-AED3-52FFBF72AF66}" srcOrd="1" destOrd="0" presId="urn:microsoft.com/office/officeart/2009/3/layout/HorizontalOrganizationChart"/>
+    <dgm:cxn modelId="{3E7CEAA8-7304-4675-9BE3-B3D752022A59}" type="presParOf" srcId="{4404E3AF-E2F2-46FE-A497-F603DD63F5F8}" destId="{0DCA5A2D-D69F-4801-A8F5-C2EDC5A41E38}" srcOrd="0" destOrd="0" presId="urn:microsoft.com/office/officeart/2009/3/layout/HorizontalOrganizationChart"/>
+    <dgm:cxn modelId="{EF6AF931-3612-488C-A783-BF1D4BA8A539}" type="presParOf" srcId="{0DCA5A2D-D69F-4801-A8F5-C2EDC5A41E38}" destId="{4ACF3564-0C3C-4A51-92AF-E0C64182BF06}" srcOrd="0" destOrd="0" presId="urn:microsoft.com/office/officeart/2009/3/layout/HorizontalOrganizationChart"/>
+    <dgm:cxn modelId="{51F6AC58-6EF8-4292-9B98-FD59751A9D78}" type="presParOf" srcId="{4ACF3564-0C3C-4A51-92AF-E0C64182BF06}" destId="{775DD96C-BAF5-4AC6-8B03-EB6ADDC006EA}" srcOrd="0" destOrd="0" presId="urn:microsoft.com/office/officeart/2009/3/layout/HorizontalOrganizationChart"/>
+    <dgm:cxn modelId="{F37856F9-3015-4BFD-B6FD-6A1E4E1FA4B0}" type="presParOf" srcId="{4ACF3564-0C3C-4A51-92AF-E0C64182BF06}" destId="{FF974846-BC12-4B8D-A60A-CD8B12D5293F}" srcOrd="1" destOrd="0" presId="urn:microsoft.com/office/officeart/2009/3/layout/HorizontalOrganizationChart"/>
+    <dgm:cxn modelId="{97BEFADD-7536-43E3-88D7-B834DEC1349C}" type="presParOf" srcId="{0DCA5A2D-D69F-4801-A8F5-C2EDC5A41E38}" destId="{A17B0B3C-3E7F-4E80-A7A3-F299A71E27F1}" srcOrd="1" destOrd="0" presId="urn:microsoft.com/office/officeart/2009/3/layout/HorizontalOrganizationChart"/>
+    <dgm:cxn modelId="{F15A9068-7D54-486E-A1E7-F7417E0644F8}" type="presParOf" srcId="{0DCA5A2D-D69F-4801-A8F5-C2EDC5A41E38}" destId="{6465811A-5544-438C-9120-B4FAC3572F38}" srcOrd="2" destOrd="0" presId="urn:microsoft.com/office/officeart/2009/3/layout/HorizontalOrganizationChart"/>
+    <dgm:cxn modelId="{AC194B5D-E9F5-4719-BFA1-8EA31E078BAF}" type="presParOf" srcId="{4404E3AF-E2F2-46FE-A497-F603DD63F5F8}" destId="{B51F06EA-3D76-4C6E-A4CC-B2FF853195D5}" srcOrd="1" destOrd="0" presId="urn:microsoft.com/office/officeart/2009/3/layout/HorizontalOrganizationChart"/>
+    <dgm:cxn modelId="{35ABCA25-185A-4524-AD37-5734AB1FB8A6}" type="presParOf" srcId="{B51F06EA-3D76-4C6E-A4CC-B2FF853195D5}" destId="{215EBF6C-8CC6-43A5-B860-0ECE12FEFC5A}" srcOrd="0" destOrd="0" presId="urn:microsoft.com/office/officeart/2009/3/layout/HorizontalOrganizationChart"/>
+    <dgm:cxn modelId="{1E6518AA-8904-4180-8202-EF21B41BB623}" type="presParOf" srcId="{215EBF6C-8CC6-43A5-B860-0ECE12FEFC5A}" destId="{29FC0E35-7526-4337-9734-33EED7E0D6BB}" srcOrd="0" destOrd="0" presId="urn:microsoft.com/office/officeart/2009/3/layout/HorizontalOrganizationChart"/>
+    <dgm:cxn modelId="{4AF9B89A-8719-4D2B-8597-13058C0D02AA}" type="presParOf" srcId="{215EBF6C-8CC6-43A5-B860-0ECE12FEFC5A}" destId="{C15B338E-49C9-498D-AED3-52FFBF72AF66}" srcOrd="1" destOrd="0" presId="urn:microsoft.com/office/officeart/2009/3/layout/HorizontalOrganizationChart"/>
+    <dgm:cxn modelId="{7C7EA099-DCAF-431D-8CA1-0181E468632B}" type="presParOf" srcId="{B51F06EA-3D76-4C6E-A4CC-B2FF853195D5}" destId="{74AC1EBE-8C12-4D40-883D-8280469F6B2F}" srcOrd="1" destOrd="0" presId="urn:microsoft.com/office/officeart/2009/3/layout/HorizontalOrganizationChart"/>
+    <dgm:cxn modelId="{C7D38B83-7DDD-4451-98FD-3035DE5FED68}" type="presParOf" srcId="{B51F06EA-3D76-4C6E-A4CC-B2FF853195D5}" destId="{849F02E7-84F9-471D-8522-D9CB684B9305}" srcOrd="2" destOrd="0" presId="urn:microsoft.com/office/officeart/2009/3/layout/HorizontalOrganizationChart"/>
   </dgm:cxnLst>
   <dgm:bg/>
   <dgm:whole/>
@@ -1060,49 +1291,70 @@
       <dsp:cNvGrpSpPr/>
     </dsp:nvGrpSpPr>
     <dsp:grpSpPr/>
-    <dsp:sp modelId="{772B303C-BC81-45F7-9B81-A699554AEF9A}">
+    <dsp:sp modelId="{775DD96C-BAF5-4AC6-8B03-EB6ADDC006EA}">
       <dsp:nvSpPr>
         <dsp:cNvPr id="0" name=""/>
         <dsp:cNvSpPr/>
       </dsp:nvSpPr>
       <dsp:spPr>
         <a:xfrm>
-          <a:off x="765" y="1532561"/>
-          <a:ext cx="2507002" cy="2507002"/>
+          <a:off x="765" y="482753"/>
+          <a:ext cx="6267507" cy="1911589"/>
         </a:xfrm>
-        <a:prstGeom prst="ellipse">
+        <a:prstGeom prst="rect">
           <a:avLst/>
         </a:prstGeom>
-        <a:solidFill>
-          <a:schemeClr val="accent1">
-            <a:hueOff val="0"/>
-            <a:satOff val="0"/>
-            <a:lumOff val="0"/>
-            <a:alphaOff val="0"/>
-          </a:schemeClr>
-        </a:solidFill>
-        <a:ln w="12700" cap="flat" cmpd="sng" algn="ctr">
-          <a:solidFill>
-            <a:schemeClr val="lt1">
-              <a:hueOff val="0"/>
-              <a:satOff val="0"/>
-              <a:lumOff val="0"/>
-              <a:alphaOff val="0"/>
-            </a:schemeClr>
-          </a:solidFill>
-          <a:prstDash val="solid"/>
-          <a:miter lim="800000"/>
+        <a:gradFill rotWithShape="0">
+          <a:gsLst>
+            <a:gs pos="0">
+              <a:schemeClr val="accent1">
+                <a:hueOff val="0"/>
+                <a:satOff val="0"/>
+                <a:lumOff val="0"/>
+                <a:alphaOff val="0"/>
+                <a:satMod val="103000"/>
+                <a:lumMod val="102000"/>
+                <a:tint val="94000"/>
+              </a:schemeClr>
+            </a:gs>
+            <a:gs pos="50000">
+              <a:schemeClr val="accent1">
+                <a:hueOff val="0"/>
+                <a:satOff val="0"/>
+                <a:lumOff val="0"/>
+                <a:alphaOff val="0"/>
+                <a:satMod val="110000"/>
+                <a:lumMod val="100000"/>
+                <a:shade val="100000"/>
+              </a:schemeClr>
+            </a:gs>
+            <a:gs pos="100000">
+              <a:schemeClr val="accent1">
+                <a:hueOff val="0"/>
+                <a:satOff val="0"/>
+                <a:lumOff val="0"/>
+                <a:alphaOff val="0"/>
+                <a:lumMod val="99000"/>
+                <a:satMod val="120000"/>
+                <a:shade val="78000"/>
+              </a:schemeClr>
+            </a:gs>
+          </a:gsLst>
+          <a:lin ang="5400000" scaled="0"/>
+        </a:gradFill>
+        <a:ln>
+          <a:noFill/>
         </a:ln>
         <a:effectLst/>
       </dsp:spPr>
       <dsp:style>
-        <a:lnRef idx="2">
+        <a:lnRef idx="0">
           <a:scrgbClr r="0" g="0" b="0"/>
         </a:lnRef>
-        <a:fillRef idx="1">
+        <a:fillRef idx="3">
           <a:scrgbClr r="0" g="0" b="0"/>
         </a:fillRef>
-        <a:effectRef idx="0">
+        <a:effectRef idx="2">
           <a:scrgbClr r="0" g="0" b="0"/>
         </a:effectRef>
         <a:fontRef idx="minor">
@@ -1115,7 +1367,7 @@
         </a:bodyPr>
         <a:lstStyle/>
         <a:p>
-          <a:pPr marL="0" lvl="0" indent="0" algn="ctr" defTabSz="933450">
+          <a:pPr marL="0" lvl="0" indent="0" algn="ctr" defTabSz="1866900">
             <a:lnSpc>
               <a:spcPct val="90000"/>
             </a:lnSpc>
@@ -1128,38 +1380,67 @@
             <a:buNone/>
           </a:pPr>
           <a:r>
-            <a:rPr lang="en-US" sz="2100" kern="1200"/>
+            <a:rPr lang="en-US" sz="4200" kern="1200"/>
             <a:t>dotnet command [&lt;arguments&gt;] [&lt;options&gt;]</a:t>
           </a:r>
         </a:p>
       </dsp:txBody>
       <dsp:txXfrm>
-        <a:off x="367907" y="1899703"/>
-        <a:ext cx="1772718" cy="1772718"/>
+        <a:off x="765" y="482753"/>
+        <a:ext cx="6267507" cy="1911589"/>
       </dsp:txXfrm>
     </dsp:sp>
-    <dsp:sp modelId="{A9D9D55F-7B50-4CB5-B6E6-58D9E0D86061}">
+    <dsp:sp modelId="{29FC0E35-7526-4337-9734-33EED7E0D6BB}">
       <dsp:nvSpPr>
         <dsp:cNvPr id="0" name=""/>
         <dsp:cNvSpPr/>
       </dsp:nvSpPr>
       <dsp:spPr>
-        <a:xfrm rot="5400000">
-          <a:off x="2714595" y="2453884"/>
-          <a:ext cx="877451" cy="664355"/>
+        <a:xfrm>
+          <a:off x="765" y="3177781"/>
+          <a:ext cx="6267507" cy="1911589"/>
         </a:xfrm>
-        <a:prstGeom prst="triangle">
+        <a:prstGeom prst="rect">
           <a:avLst/>
         </a:prstGeom>
-        <a:solidFill>
-          <a:schemeClr val="accent1">
-            <a:tint val="60000"/>
-            <a:hueOff val="0"/>
-            <a:satOff val="0"/>
-            <a:lumOff val="0"/>
-            <a:alphaOff val="0"/>
-          </a:schemeClr>
-        </a:solidFill>
+        <a:gradFill rotWithShape="0">
+          <a:gsLst>
+            <a:gs pos="0">
+              <a:schemeClr val="accent1">
+                <a:hueOff val="0"/>
+                <a:satOff val="0"/>
+                <a:lumOff val="0"/>
+                <a:alphaOff val="0"/>
+                <a:satMod val="103000"/>
+                <a:lumMod val="102000"/>
+                <a:tint val="94000"/>
+              </a:schemeClr>
+            </a:gs>
+            <a:gs pos="50000">
+              <a:schemeClr val="accent1">
+                <a:hueOff val="0"/>
+                <a:satOff val="0"/>
+                <a:lumOff val="0"/>
+                <a:alphaOff val="0"/>
+                <a:satMod val="110000"/>
+                <a:lumMod val="100000"/>
+                <a:shade val="100000"/>
+              </a:schemeClr>
+            </a:gs>
+            <a:gs pos="100000">
+              <a:schemeClr val="accent1">
+                <a:hueOff val="0"/>
+                <a:satOff val="0"/>
+                <a:lumOff val="0"/>
+                <a:alphaOff val="0"/>
+                <a:lumMod val="99000"/>
+                <a:satMod val="120000"/>
+                <a:shade val="78000"/>
+              </a:schemeClr>
+            </a:gs>
+          </a:gsLst>
+          <a:lin ang="5400000" scaled="0"/>
+        </a:gradFill>
         <a:ln>
           <a:noFill/>
         </a:ln>
@@ -1169,60 +1450,10 @@
         <a:lnRef idx="0">
           <a:scrgbClr r="0" g="0" b="0"/>
         </a:lnRef>
-        <a:fillRef idx="1">
+        <a:fillRef idx="3">
           <a:scrgbClr r="0" g="0" b="0"/>
         </a:fillRef>
-        <a:effectRef idx="0">
-          <a:scrgbClr r="0" g="0" b="0"/>
-        </a:effectRef>
-        <a:fontRef idx="minor">
-          <a:schemeClr val="lt1"/>
-        </a:fontRef>
-      </dsp:style>
-    </dsp:sp>
-    <dsp:sp modelId="{D6942D20-6D40-42F7-97AE-AA774F05D3D0}">
-      <dsp:nvSpPr>
-        <dsp:cNvPr id="0" name=""/>
-        <dsp:cNvSpPr/>
-      </dsp:nvSpPr>
-      <dsp:spPr>
-        <a:xfrm>
-          <a:off x="3761269" y="1532561"/>
-          <a:ext cx="2507002" cy="2507002"/>
-        </a:xfrm>
-        <a:prstGeom prst="ellipse">
-          <a:avLst/>
-        </a:prstGeom>
-        <a:solidFill>
-          <a:schemeClr val="accent1">
-            <a:hueOff val="0"/>
-            <a:satOff val="0"/>
-            <a:lumOff val="0"/>
-            <a:alphaOff val="0"/>
-          </a:schemeClr>
-        </a:solidFill>
-        <a:ln w="12700" cap="flat" cmpd="sng" algn="ctr">
-          <a:solidFill>
-            <a:schemeClr val="lt1">
-              <a:hueOff val="0"/>
-              <a:satOff val="0"/>
-              <a:lumOff val="0"/>
-              <a:alphaOff val="0"/>
-            </a:schemeClr>
-          </a:solidFill>
-          <a:prstDash val="solid"/>
-          <a:miter lim="800000"/>
-        </a:ln>
-        <a:effectLst/>
-      </dsp:spPr>
-      <dsp:style>
-        <a:lnRef idx="2">
-          <a:scrgbClr r="0" g="0" b="0"/>
-        </a:lnRef>
-        <a:fillRef idx="1">
-          <a:scrgbClr r="0" g="0" b="0"/>
-        </a:fillRef>
-        <a:effectRef idx="0">
+        <a:effectRef idx="2">
           <a:scrgbClr r="0" g="0" b="0"/>
         </a:effectRef>
         <a:fontRef idx="minor">
@@ -1235,7 +1466,7 @@
         </a:bodyPr>
         <a:lstStyle/>
         <a:p>
-          <a:pPr marL="0" lvl="0" indent="0" algn="ctr" defTabSz="933450">
+          <a:pPr marL="0" lvl="0" indent="0" algn="ctr" defTabSz="1866900">
             <a:lnSpc>
               <a:spcPct val="90000"/>
             </a:lnSpc>
@@ -1248,22 +1479,22 @@
             <a:buNone/>
           </a:pPr>
           <a:r>
-            <a:rPr lang="en-US" sz="2100" kern="1200" dirty="0"/>
-            <a:t>dotnet    publish </a:t>
+            <a:rPr lang="en-US" sz="4200" kern="1200" dirty="0"/>
+            <a:t>dotnet publish </a:t>
           </a:r>
           <a:r>
-            <a:rPr lang="en-US" sz="2100" kern="1200" dirty="0" err="1"/>
+            <a:rPr lang="en-US" sz="4200" kern="1200" dirty="0" err="1"/>
             <a:t>my_app.csproj</a:t>
           </a:r>
           <a:r>
-            <a:rPr lang="en-US" sz="2100" kern="1200" dirty="0"/>
+            <a:rPr lang="en-US" sz="4200" kern="1200" dirty="0"/>
             <a:t> -c Release</a:t>
           </a:r>
         </a:p>
       </dsp:txBody>
       <dsp:txXfrm>
-        <a:off x="4128411" y="1899703"/>
-        <a:ext cx="1772718" cy="1772718"/>
+        <a:off x="765" y="3177781"/>
+        <a:ext cx="6267507" cy="1911589"/>
       </dsp:txXfrm>
     </dsp:sp>
   </dsp:spTree>
@@ -1271,11 +1502,11 @@
 </file>
 
 <file path=ppt/diagrams/layout1.xml><?xml version="1.0" encoding="utf-8"?>
-<dgm:layoutDef xmlns:dgm="http://schemas.openxmlformats.org/drawingml/2006/diagram" xmlns:a="http://schemas.openxmlformats.org/drawingml/2006/main" uniqueId="urn:microsoft.com/office/officeart/2005/8/layout/bProcess2">
+<dgm:layoutDef xmlns:dgm="http://schemas.openxmlformats.org/drawingml/2006/diagram" xmlns:a="http://schemas.openxmlformats.org/drawingml/2006/main" uniqueId="urn:microsoft.com/office/officeart/2009/3/layout/HorizontalOrganizationChart">
   <dgm:title val=""/>
   <dgm:desc val=""/>
   <dgm:catLst>
-    <dgm:cat type="process" pri="24000"/>
+    <dgm:cat type="hierarchy" pri="4300"/>
   </dgm:catLst>
   <dgm:sampData>
     <dgm:dataModel>
@@ -1284,7 +1515,7 @@
         <dgm:pt modelId="1">
           <dgm:prSet phldr="1"/>
         </dgm:pt>
-        <dgm:pt modelId="2">
+        <dgm:pt modelId="2" type="asst">
           <dgm:prSet phldr="1"/>
         </dgm:pt>
         <dgm:pt modelId="3">
@@ -1296,29 +1527,13 @@
         <dgm:pt modelId="5">
           <dgm:prSet phldr="1"/>
         </dgm:pt>
-        <dgm:pt modelId="6">
-          <dgm:prSet phldr="1"/>
-        </dgm:pt>
-        <dgm:pt modelId="7">
-          <dgm:prSet phldr="1"/>
-        </dgm:pt>
-        <dgm:pt modelId="8">
-          <dgm:prSet phldr="1"/>
-        </dgm:pt>
-        <dgm:pt modelId="9">
-          <dgm:prSet phldr="1"/>
-        </dgm:pt>
       </dgm:ptLst>
       <dgm:cxnLst>
-        <dgm:cxn modelId="10" srcId="0" destId="1" srcOrd="0" destOrd="0"/>
-        <dgm:cxn modelId="11" srcId="0" destId="2" srcOrd="1" destOrd="0"/>
-        <dgm:cxn modelId="12" srcId="0" destId="3" srcOrd="2" destOrd="0"/>
-        <dgm:cxn modelId="13" srcId="0" destId="4" srcOrd="3" destOrd="0"/>
-        <dgm:cxn modelId="14" srcId="0" destId="5" srcOrd="4" destOrd="0"/>
-        <dgm:cxn modelId="15" srcId="0" destId="6" srcOrd="5" destOrd="0"/>
-        <dgm:cxn modelId="16" srcId="0" destId="7" srcOrd="6" destOrd="0"/>
-        <dgm:cxn modelId="17" srcId="0" destId="8" srcOrd="7" destOrd="0"/>
-        <dgm:cxn modelId="18" srcId="0" destId="9" srcOrd="8" destOrd="0"/>
+        <dgm:cxn modelId="5" srcId="0" destId="1" srcOrd="0" destOrd="0"/>
+        <dgm:cxn modelId="6" srcId="1" destId="2" srcOrd="0" destOrd="0"/>
+        <dgm:cxn modelId="7" srcId="1" destId="3" srcOrd="1" destOrd="0"/>
+        <dgm:cxn modelId="8" srcId="1" destId="4" srcOrd="2" destOrd="0"/>
+        <dgm:cxn modelId="9" srcId="1" destId="5" srcOrd="3" destOrd="0"/>
       </dgm:cxnLst>
       <dgm:bg/>
       <dgm:whole/>
@@ -1329,11 +1544,13 @@
       <dgm:ptLst>
         <dgm:pt modelId="0" type="doc"/>
         <dgm:pt modelId="1"/>
-        <dgm:pt modelId="2"/>
+        <dgm:pt modelId="12"/>
+        <dgm:pt modelId="13"/>
       </dgm:ptLst>
       <dgm:cxnLst>
-        <dgm:cxn modelId="3" srcId="0" destId="1" srcOrd="0" destOrd="0"/>
-        <dgm:cxn modelId="4" srcId="0" destId="2" srcOrd="1" destOrd="0"/>
+        <dgm:cxn modelId="2" srcId="0" destId="1" srcOrd="0" destOrd="0"/>
+        <dgm:cxn modelId="16" srcId="1" destId="12" srcOrd="1" destOrd="0"/>
+        <dgm:cxn modelId="17" srcId="1" destId="13" srcOrd="2" destOrd="0"/>
       </dgm:cxnLst>
       <dgm:bg/>
       <dgm:whole/>
@@ -1344,42 +1561,42 @@
       <dgm:ptLst>
         <dgm:pt modelId="0" type="doc"/>
         <dgm:pt modelId="1"/>
-        <dgm:pt modelId="2"/>
-        <dgm:pt modelId="3"/>
-        <dgm:pt modelId="4"/>
-        <dgm:pt modelId="5"/>
-        <dgm:pt modelId="6"/>
+        <dgm:pt modelId="11" type="asst"/>
+        <dgm:pt modelId="12"/>
+        <dgm:pt modelId="13"/>
+        <dgm:pt modelId="14"/>
       </dgm:ptLst>
       <dgm:cxnLst>
-        <dgm:cxn modelId="7" srcId="0" destId="1" srcOrd="0" destOrd="0"/>
-        <dgm:cxn modelId="8" srcId="0" destId="2" srcOrd="1" destOrd="0"/>
-        <dgm:cxn modelId="9" srcId="0" destId="3" srcOrd="2" destOrd="0"/>
-        <dgm:cxn modelId="10" srcId="0" destId="4" srcOrd="3" destOrd="0"/>
-        <dgm:cxn modelId="11" srcId="0" destId="5" srcOrd="4" destOrd="0"/>
-        <dgm:cxn modelId="12" srcId="0" destId="6" srcOrd="5" destOrd="0"/>
+        <dgm:cxn modelId="2" srcId="0" destId="1" srcOrd="0" destOrd="0"/>
+        <dgm:cxn modelId="15" srcId="1" destId="11" srcOrd="0" destOrd="0"/>
+        <dgm:cxn modelId="16" srcId="1" destId="12" srcOrd="1" destOrd="0"/>
+        <dgm:cxn modelId="17" srcId="1" destId="13" srcOrd="2" destOrd="0"/>
+        <dgm:cxn modelId="18" srcId="1" destId="14" srcOrd="2" destOrd="0"/>
       </dgm:cxnLst>
       <dgm:bg/>
       <dgm:whole/>
     </dgm:dataModel>
   </dgm:clrData>
-  <dgm:layoutNode name="diagram">
+  <dgm:layoutNode name="hierChild1">
     <dgm:varLst>
+      <dgm:orgChart val="1"/>
+      <dgm:chPref val="1"/>
       <dgm:dir/>
+      <dgm:animOne val="branch"/>
+      <dgm:animLvl val="lvl"/>
       <dgm:resizeHandles/>
     </dgm:varLst>
     <dgm:choose name="Name0">
       <dgm:if name="Name1" func="var" arg="dir" op="equ" val="norm">
-        <dgm:alg type="snake">
-          <dgm:param type="grDir" val="tL"/>
-          <dgm:param type="flowDir" val="col"/>
-          <dgm:param type="contDir" val="revDir"/>
+        <dgm:alg type="hierChild">
+          <dgm:param type="linDir" val="fromT"/>
+          <dgm:param type="chAlign" val="l"/>
         </dgm:alg>
       </dgm:if>
       <dgm:else name="Name2">
-        <dgm:alg type="snake">
-          <dgm:param type="grDir" val="tR"/>
-          <dgm:param type="flowDir" val="col"/>
-          <dgm:param type="contDir" val="revDir"/>
+        <dgm:alg type="hierChild">
+          <dgm:param type="linDir" val="fromT"/>
+          <dgm:param type="chAlign" val="r"/>
         </dgm:alg>
       </dgm:else>
     </dgm:choose>
@@ -1388,191 +1605,1079 @@
     </dgm:shape>
     <dgm:presOf/>
     <dgm:constrLst>
-      <dgm:constr type="w" for="ch" forName="firstNode" refType="w"/>
-      <dgm:constr type="w" for="ch" forName="lastNode" refType="w" refFor="ch" refForName="firstNode" op="equ"/>
-      <dgm:constr type="w" for="ch" forName="middleNode" refType="w" refFor="ch" refForName="firstNode" op="equ"/>
-      <dgm:constr type="h" for="ch" ptType="sibTrans" refType="w" refFor="ch" refForName="middleNode" op="equ" fact="0.35"/>
-      <dgm:constr type="sp" refType="w" refFor="ch" refForName="middleNode" fact="0.5"/>
-      <dgm:constr type="connDist" for="des" ptType="sibTrans" op="equ"/>
-      <dgm:constr type="primFontSz" for="ch" forName="firstNode" val="65"/>
-      <dgm:constr type="primFontSz" for="ch" forName="lastNode" refType="primFontSz" refFor="ch" refForName="firstNode" op="equ"/>
-      <dgm:constr type="primFontSz" for="des" forName="shape" val="65"/>
-      <dgm:constr type="primFontSz" for="des" forName="shape" refType="primFontSz" refFor="ch" refForName="firstNode" op="lte"/>
-      <dgm:constr type="primFontSz" for="des" forName="shape" refType="primFontSz" refFor="ch" refForName="lastNode" op="lte"/>
+      <dgm:constr type="w" for="des" forName="rootComposite1" refType="w" fact="10"/>
+      <dgm:constr type="h" for="des" forName="rootComposite1" refType="w" refFor="des" refForName="rootComposite1" fact="0.305"/>
+      <dgm:constr type="w" for="des" forName="rootComposite" refType="w" fact="10"/>
+      <dgm:constr type="h" for="des" forName="rootComposite" refType="w" refFor="des" refForName="rootComposite1" fact="0.305"/>
+      <dgm:constr type="w" for="des" forName="rootComposite3" refType="w" fact="10"/>
+      <dgm:constr type="h" for="des" forName="rootComposite3" refType="w" refFor="des" refForName="rootComposite1" fact="0.305"/>
+      <dgm:constr type="primFontSz" for="des" ptType="node" op="equ"/>
+      <dgm:constr type="sp" for="des" op="equ"/>
+      <dgm:constr type="sp" for="des" forName="hierRoot1" refType="w" refFor="des" refForName="rootComposite1" fact="0.2"/>
+      <dgm:constr type="sp" for="des" forName="hierRoot2" refType="sp" refFor="des" refForName="hierRoot1"/>
+      <dgm:constr type="sp" for="des" forName="hierRoot3" refType="sp" refFor="des" refForName="hierRoot1"/>
+      <dgm:constr type="sibSp" refType="w" refFor="des" refForName="rootComposite1" fact="0.125"/>
+      <dgm:constr type="sibSp" for="des" forName="hierChild2" refType="sibSp"/>
+      <dgm:constr type="sibSp" for="des" forName="hierChild3" refType="sibSp"/>
+      <dgm:constr type="sibSp" for="des" forName="hierChild4" refType="sibSp"/>
+      <dgm:constr type="sibSp" for="des" forName="hierChild5" refType="sibSp"/>
+      <dgm:constr type="sibSp" for="des" forName="hierChild6" refType="sibSp"/>
+      <dgm:constr type="sibSp" for="des" forName="hierChild7" refType="sibSp"/>
+      <dgm:constr type="secSibSp" refType="w" refFor="des" refForName="rootComposite1" fact="0.125"/>
+      <dgm:constr type="secSibSp" for="des" forName="hierChild2" refType="secSibSp"/>
+      <dgm:constr type="secSibSp" for="des" forName="hierChild3" refType="secSibSp"/>
+      <dgm:constr type="secSibSp" for="des" forName="hierChild4" refType="secSibSp"/>
+      <dgm:constr type="secSibSp" for="des" forName="hierChild5" refType="secSibSp"/>
+      <dgm:constr type="secSibSp" for="des" forName="hierChild6" refType="secSibSp"/>
+      <dgm:constr type="secSibSp" for="des" forName="hierChild7" refType="secSibSp"/>
     </dgm:constrLst>
     <dgm:ruleLst/>
-    <dgm:forEach name="Name3" axis="ch" ptType="node">
-      <dgm:choose name="Name4">
-        <dgm:if name="Name5" axis="self" ptType="node" func="pos" op="equ" val="1">
-          <dgm:layoutNode name="firstNode">
-            <dgm:varLst>
-              <dgm:bulletEnabled val="1"/>
-            </dgm:varLst>
-            <dgm:alg type="tx">
-              <dgm:param type="txAnchorVertCh" val="mid"/>
-            </dgm:alg>
-            <dgm:shape xmlns:r="http://schemas.openxmlformats.org/officeDocument/2006/relationships" type="ellipse" r:blip="">
-              <dgm:adjLst/>
-            </dgm:shape>
-            <dgm:presOf axis="desOrSelf" ptType="node"/>
-            <dgm:constrLst>
-              <dgm:constr type="h" refType="w"/>
-              <dgm:constr type="tMarg" refType="primFontSz" fact="0.1"/>
-              <dgm:constr type="bMarg" refType="primFontSz" fact="0.1"/>
-              <dgm:constr type="lMarg" refType="primFontSz" fact="0.1"/>
-              <dgm:constr type="rMarg" refType="primFontSz" fact="0.1"/>
-            </dgm:constrLst>
-            <dgm:ruleLst>
-              <dgm:rule type="primFontSz" val="5" fact="NaN" max="NaN"/>
-            </dgm:ruleLst>
-          </dgm:layoutNode>
-        </dgm:if>
-        <dgm:if name="Name6" axis="self" ptType="node" func="revPos" op="equ" val="1">
-          <dgm:layoutNode name="lastNode">
-            <dgm:varLst>
-              <dgm:bulletEnabled val="1"/>
-            </dgm:varLst>
-            <dgm:alg type="tx">
-              <dgm:param type="txAnchorVertCh" val="mid"/>
-            </dgm:alg>
-            <dgm:shape xmlns:r="http://schemas.openxmlformats.org/officeDocument/2006/relationships" type="ellipse" r:blip="">
-              <dgm:adjLst/>
-            </dgm:shape>
-            <dgm:presOf axis="desOrSelf" ptType="node"/>
-            <dgm:constrLst>
-              <dgm:constr type="h" refType="w"/>
-              <dgm:constr type="tMarg" refType="primFontSz" fact="0.1"/>
-              <dgm:constr type="bMarg" refType="primFontSz" fact="0.1"/>
-              <dgm:constr type="lMarg" refType="primFontSz" fact="0.1"/>
-              <dgm:constr type="rMarg" refType="primFontSz" fact="0.1"/>
-            </dgm:constrLst>
-            <dgm:ruleLst>
-              <dgm:rule type="primFontSz" val="5" fact="NaN" max="NaN"/>
-            </dgm:ruleLst>
-          </dgm:layoutNode>
-        </dgm:if>
-        <dgm:else name="Name7">
-          <dgm:layoutNode name="middleNode">
+    <dgm:forEach name="Name3" axis="ch">
+      <dgm:forEach name="Name4" axis="self" ptType="node">
+        <dgm:layoutNode name="hierRoot1">
+          <dgm:varLst>
+            <dgm:hierBranch val="init"/>
+          </dgm:varLst>
+          <dgm:choose name="Name5">
+            <dgm:if name="Name6" func="var" arg="hierBranch" op="equ" val="l">
+              <dgm:choose name="Name7">
+                <dgm:if name="Name8" func="var" arg="dir" op="equ" val="norm">
+                  <dgm:alg type="hierRoot">
+                    <dgm:param type="hierAlign" val="lT"/>
+                  </dgm:alg>
+                  <dgm:constrLst>
+                    <dgm:constr type="alignOff" val="0.75"/>
+                  </dgm:constrLst>
+                </dgm:if>
+                <dgm:else name="Name9">
+                  <dgm:alg type="hierRoot">
+                    <dgm:param type="hierAlign" val="rT"/>
+                  </dgm:alg>
+                  <dgm:constrLst>
+                    <dgm:constr type="alignOff" val="0.75"/>
+                  </dgm:constrLst>
+                </dgm:else>
+              </dgm:choose>
+            </dgm:if>
+            <dgm:if name="Name10" func="var" arg="hierBranch" op="equ" val="r">
+              <dgm:choose name="Name11">
+                <dgm:if name="Name12" func="var" arg="dir" op="equ" val="norm">
+                  <dgm:alg type="hierRoot">
+                    <dgm:param type="hierAlign" val="lB"/>
+                  </dgm:alg>
+                  <dgm:constrLst>
+                    <dgm:constr type="alignOff" val="0.75"/>
+                  </dgm:constrLst>
+                </dgm:if>
+                <dgm:else name="Name13">
+                  <dgm:alg type="hierRoot">
+                    <dgm:param type="hierAlign" val="rB"/>
+                  </dgm:alg>
+                  <dgm:constrLst>
+                    <dgm:constr type="alignOff" val="0.75"/>
+                  </dgm:constrLst>
+                </dgm:else>
+              </dgm:choose>
+            </dgm:if>
+            <dgm:if name="Name14" func="var" arg="hierBranch" op="equ" val="hang">
+              <dgm:choose name="Name15">
+                <dgm:if name="Name16" func="var" arg="dir" op="equ" val="norm">
+                  <dgm:alg type="hierRoot">
+                    <dgm:param type="hierAlign" val="lCtrCh"/>
+                  </dgm:alg>
+                  <dgm:constrLst>
+                    <dgm:constr type="alignOff" val="0.65"/>
+                  </dgm:constrLst>
+                </dgm:if>
+                <dgm:else name="Name17">
+                  <dgm:alg type="hierRoot">
+                    <dgm:param type="hierAlign" val="rCtrCh"/>
+                  </dgm:alg>
+                  <dgm:constrLst>
+                    <dgm:constr type="alignOff" val="0.65"/>
+                  </dgm:constrLst>
+                </dgm:else>
+              </dgm:choose>
+            </dgm:if>
+            <dgm:else name="Name18">
+              <dgm:choose name="Name19">
+                <dgm:if name="Name20" func="var" arg="dir" op="equ" val="norm">
+                  <dgm:alg type="hierRoot">
+                    <dgm:param type="hierAlign" val="lCtrCh"/>
+                  </dgm:alg>
+                  <dgm:constrLst>
+                    <dgm:constr type="alignOff"/>
+                    <dgm:constr type="bendDist" for="des" ptType="parTrans" refType="sp" fact="0.5"/>
+                  </dgm:constrLst>
+                </dgm:if>
+                <dgm:else name="Name21">
+                  <dgm:alg type="hierRoot">
+                    <dgm:param type="hierAlign" val="rCtrCh"/>
+                  </dgm:alg>
+                  <dgm:constrLst>
+                    <dgm:constr type="alignOff"/>
+                    <dgm:constr type="bendDist" for="des" ptType="parTrans" refType="sp" fact="0.5"/>
+                  </dgm:constrLst>
+                </dgm:else>
+              </dgm:choose>
+            </dgm:else>
+          </dgm:choose>
+          <dgm:shape xmlns:r="http://schemas.openxmlformats.org/officeDocument/2006/relationships" r:blip="">
+            <dgm:adjLst/>
+          </dgm:shape>
+          <dgm:presOf/>
+          <dgm:ruleLst/>
+          <dgm:layoutNode name="rootComposite1">
             <dgm:alg type="composite"/>
             <dgm:shape xmlns:r="http://schemas.openxmlformats.org/officeDocument/2006/relationships" r:blip="">
               <dgm:adjLst/>
             </dgm:shape>
-            <dgm:presOf/>
-            <dgm:constrLst>
-              <dgm:constr type="h" refType="w"/>
-              <dgm:constr type="w" for="ch" forName="padding" refType="w"/>
-              <dgm:constr type="h" for="ch" forName="padding" refType="h"/>
-              <dgm:constr type="w" for="ch" forName="shape" refType="w" fact="0.667"/>
-              <dgm:constr type="h" for="ch" forName="shape" refType="h" fact="0.667"/>
-              <dgm:constr type="ctrX" for="ch" forName="shape" refType="w" fact="0.5"/>
-              <dgm:constr type="ctrY" for="ch" forName="shape" refType="h" fact="0.5"/>
-            </dgm:constrLst>
+            <dgm:presOf axis="self" ptType="node" cnt="1"/>
+            <dgm:choose name="Name22">
+              <dgm:if name="Name23" func="var" arg="hierBranch" op="equ" val="init">
+                <dgm:constrLst>
+                  <dgm:constr type="l" for="ch" forName="rootText1"/>
+                  <dgm:constr type="t" for="ch" forName="rootText1"/>
+                  <dgm:constr type="w" for="ch" forName="rootText1" refType="w"/>
+                  <dgm:constr type="h" for="ch" forName="rootText1" refType="h"/>
+                  <dgm:constr type="l" for="ch" forName="rootConnector1"/>
+                  <dgm:constr type="t" for="ch" forName="rootConnector1"/>
+                  <dgm:constr type="w" for="ch" forName="rootConnector1" refType="w" refFor="ch" refForName="rootText1" fact="0.2"/>
+                  <dgm:constr type="h" for="ch" forName="rootConnector1" refType="h" refFor="ch" refForName="rootText1"/>
+                </dgm:constrLst>
+              </dgm:if>
+              <dgm:if name="Name24" func="var" arg="hierBranch" op="equ" val="l">
+                <dgm:constrLst>
+                  <dgm:constr type="l" for="ch" forName="rootText1"/>
+                  <dgm:constr type="t" for="ch" forName="rootText1"/>
+                  <dgm:constr type="w" for="ch" forName="rootText1" refType="w"/>
+                  <dgm:constr type="h" for="ch" forName="rootText1" refType="h"/>
+                  <dgm:constr type="r" for="ch" forName="rootConnector1" refType="w"/>
+                  <dgm:constr type="t" for="ch" forName="rootConnector1"/>
+                  <dgm:constr type="w" for="ch" forName="rootConnector1" refType="w" refFor="ch" refForName="rootText1" fact="0.2"/>
+                  <dgm:constr type="h" for="ch" forName="rootConnector1" refType="h" refFor="ch" refForName="rootText1"/>
+                </dgm:constrLst>
+              </dgm:if>
+              <dgm:if name="Name25" func="var" arg="hierBranch" op="equ" val="r">
+                <dgm:constrLst>
+                  <dgm:constr type="l" for="ch" forName="rootText1"/>
+                  <dgm:constr type="t" for="ch" forName="rootText1"/>
+                  <dgm:constr type="w" for="ch" forName="rootText1" refType="w"/>
+                  <dgm:constr type="h" for="ch" forName="rootText1" refType="h"/>
+                  <dgm:constr type="l" for="ch" forName="rootConnector1"/>
+                  <dgm:constr type="t" for="ch" forName="rootConnector1"/>
+                  <dgm:constr type="w" for="ch" forName="rootConnector1" refType="w" refFor="ch" refForName="rootText1" fact="0.2"/>
+                  <dgm:constr type="h" for="ch" forName="rootConnector1" refType="h" refFor="ch" refForName="rootText1"/>
+                </dgm:constrLst>
+              </dgm:if>
+              <dgm:else name="Name26">
+                <dgm:constrLst>
+                  <dgm:constr type="l" for="ch" forName="rootText1"/>
+                  <dgm:constr type="t" for="ch" forName="rootText1"/>
+                  <dgm:constr type="w" for="ch" forName="rootText1" refType="w"/>
+                  <dgm:constr type="h" for="ch" forName="rootText1" refType="h"/>
+                  <dgm:constr type="r" for="ch" forName="rootConnector1" refType="w"/>
+                  <dgm:constr type="t" for="ch" forName="rootConnector1"/>
+                  <dgm:constr type="w" for="ch" forName="rootConnector1" refType="w" refFor="ch" refForName="rootText1" fact="0.2"/>
+                  <dgm:constr type="h" for="ch" forName="rootConnector1" refType="h" refFor="ch" refForName="rootText1"/>
+                </dgm:constrLst>
+              </dgm:else>
+            </dgm:choose>
             <dgm:ruleLst/>
-            <dgm:layoutNode name="padding">
-              <dgm:alg type="sp"/>
-              <dgm:shape xmlns:r="http://schemas.openxmlformats.org/officeDocument/2006/relationships" type="ellipse" r:blip="" hideGeom="1">
+            <dgm:layoutNode name="rootText1" styleLbl="node0">
+              <dgm:varLst>
+                <dgm:chPref val="3"/>
+              </dgm:varLst>
+              <dgm:alg type="tx"/>
+              <dgm:shape xmlns:r="http://schemas.openxmlformats.org/officeDocument/2006/relationships" type="rect" r:blip="">
                 <dgm:adjLst/>
               </dgm:shape>
-              <dgm:presOf/>
-              <dgm:constrLst/>
-              <dgm:ruleLst/>
-            </dgm:layoutNode>
-            <dgm:layoutNode name="shape">
-              <dgm:varLst>
-                <dgm:bulletEnabled val="1"/>
-              </dgm:varLst>
-              <dgm:alg type="tx">
-                <dgm:param type="txAnchorVertCh" val="mid"/>
-              </dgm:alg>
-              <dgm:shape xmlns:r="http://schemas.openxmlformats.org/officeDocument/2006/relationships" type="ellipse" r:blip="">
-                <dgm:adjLst/>
-              </dgm:shape>
-              <dgm:presOf axis="desOrSelf" ptType="node"/>
+              <dgm:presOf axis="self" ptType="node" cnt="1"/>
               <dgm:constrLst>
-                <dgm:constr type="h" refType="w"/>
-                <dgm:constr type="tMarg" refType="primFontSz" fact="0.1"/>
-                <dgm:constr type="bMarg" refType="primFontSz" fact="0.1"/>
-                <dgm:constr type="lMarg" refType="primFontSz" fact="0.1"/>
-                <dgm:constr type="rMarg" refType="primFontSz" fact="0.1"/>
+                <dgm:constr type="primFontSz" val="65"/>
+                <dgm:constr type="lMarg" refType="primFontSz" fact="0.05"/>
+                <dgm:constr type="rMarg" refType="primFontSz" fact="0.05"/>
+                <dgm:constr type="tMarg" refType="primFontSz" fact="0.05"/>
+                <dgm:constr type="bMarg" refType="primFontSz" fact="0.05"/>
               </dgm:constrLst>
               <dgm:ruleLst>
                 <dgm:rule type="primFontSz" val="5" fact="NaN" max="NaN"/>
               </dgm:ruleLst>
             </dgm:layoutNode>
+            <dgm:layoutNode name="rootConnector1" moveWith="rootText1">
+              <dgm:alg type="sp"/>
+              <dgm:shape xmlns:r="http://schemas.openxmlformats.org/officeDocument/2006/relationships" type="rect" r:blip="" hideGeom="1">
+                <dgm:adjLst/>
+              </dgm:shape>
+              <dgm:presOf axis="self" ptType="node" cnt="1"/>
+              <dgm:constrLst/>
+              <dgm:ruleLst/>
+            </dgm:layoutNode>
           </dgm:layoutNode>
-        </dgm:else>
-      </dgm:choose>
-      <dgm:forEach name="Name8" axis="followSib" ptType="sibTrans" cnt="1">
-        <dgm:layoutNode name="sibTrans">
-          <dgm:choose name="Name9">
-            <dgm:if name="Name10" func="var" arg="dir" op="equ" val="norm">
-              <dgm:choose name="Name11">
-                <dgm:if name="Name12" axis="self" ptType="sibTrans" func="pos" op="equ" val="1">
-                  <dgm:alg type="conn">
-                    <dgm:param type="begPts" val="auto"/>
-                    <dgm:param type="endPts" val="auto"/>
-                    <dgm:param type="srcNode" val="firstNode"/>
-                    <dgm:param type="dstNode" val="shape"/>
-                  </dgm:alg>
-                </dgm:if>
-                <dgm:if name="Name13" axis="self" ptType="sibTrans" func="revPos" op="equ" val="1">
-                  <dgm:alg type="conn">
-                    <dgm:param type="begPts" val="auto"/>
-                    <dgm:param type="endPts" val="auto"/>
-                    <dgm:param type="srcNode" val="shape"/>
-                    <dgm:param type="dstNode" val="lastNode"/>
-                  </dgm:alg>
-                </dgm:if>
-                <dgm:else name="Name14">
-                  <dgm:alg type="conn">
-                    <dgm:param type="begPts" val="auto"/>
-                    <dgm:param type="endPts" val="auto"/>
-                    <dgm:param type="srcNode" val="shape"/>
-                    <dgm:param type="dstNode" val="shape"/>
-                  </dgm:alg>
-                </dgm:else>
-              </dgm:choose>
-            </dgm:if>
-            <dgm:else name="Name15">
-              <dgm:choose name="Name16">
-                <dgm:if name="Name17" axis="self" ptType="sibTrans" func="pos" op="equ" val="1">
-                  <dgm:alg type="conn">
-                    <dgm:param type="begPts" val="auto"/>
-                    <dgm:param type="endPts" val="auto"/>
-                    <dgm:param type="srcNode" val="firstNode"/>
-                    <dgm:param type="dstNode" val="shape"/>
-                  </dgm:alg>
-                </dgm:if>
-                <dgm:if name="Name18" axis="self" ptType="sibTrans" func="revPos" op="equ" val="1">
-                  <dgm:alg type="conn">
-                    <dgm:param type="begPts" val="auto"/>
-                    <dgm:param type="endPts" val="auto"/>
-                    <dgm:param type="srcNode" val="shape"/>
-                    <dgm:param type="dstNode" val="lastNode"/>
-                  </dgm:alg>
-                </dgm:if>
-                <dgm:else name="Name19">
-                  <dgm:alg type="conn">
-                    <dgm:param type="begPts" val="auto"/>
-                    <dgm:param type="endPts" val="auto"/>
-                    <dgm:param type="srcNode" val="shape"/>
-                    <dgm:param type="dstNode" val="shape"/>
-                  </dgm:alg>
-                </dgm:else>
-              </dgm:choose>
-            </dgm:else>
-          </dgm:choose>
-          <dgm:shape xmlns:r="http://schemas.openxmlformats.org/officeDocument/2006/relationships" rot="90" type="triangle" r:blip="">
-            <dgm:adjLst/>
-          </dgm:shape>
-          <dgm:presOf axis="self"/>
-          <dgm:constrLst>
-            <dgm:constr type="w" refType="h"/>
-            <dgm:constr type="connDist"/>
-            <dgm:constr type="begPad" refType="connDist" fact="0.25"/>
-            <dgm:constr type="endPad" refType="connDist" fact="0.22"/>
-          </dgm:constrLst>
-          <dgm:ruleLst/>
+          <dgm:layoutNode name="hierChild2">
+            <dgm:choose name="Name27">
+              <dgm:if name="Name28" func="var" arg="hierBranch" op="equ" val="l">
+                <dgm:choose name="Name29">
+                  <dgm:if name="Name30" func="var" arg="dir" op="equ" val="norm">
+                    <dgm:alg type="hierChild">
+                      <dgm:param type="chAlign" val="t"/>
+                      <dgm:param type="linDir" val="fromL"/>
+                    </dgm:alg>
+                  </dgm:if>
+                  <dgm:else name="Name31">
+                    <dgm:alg type="hierChild">
+                      <dgm:param type="chAlign" val="t"/>
+                      <dgm:param type="linDir" val="fromR"/>
+                    </dgm:alg>
+                  </dgm:else>
+                </dgm:choose>
+              </dgm:if>
+              <dgm:if name="Name32" func="var" arg="hierBranch" op="equ" val="r">
+                <dgm:choose name="Name33">
+                  <dgm:if name="Name34" func="var" arg="dir" op="equ" val="norm">
+                    <dgm:alg type="hierChild">
+                      <dgm:param type="chAlign" val="b"/>
+                      <dgm:param type="linDir" val="fromL"/>
+                    </dgm:alg>
+                  </dgm:if>
+                  <dgm:else name="Name35">
+                    <dgm:alg type="hierChild">
+                      <dgm:param type="chAlign" val="b"/>
+                      <dgm:param type="linDir" val="fromR"/>
+                    </dgm:alg>
+                  </dgm:else>
+                </dgm:choose>
+              </dgm:if>
+              <dgm:if name="Name36" func="var" arg="hierBranch" op="equ" val="hang">
+                <dgm:choose name="Name37">
+                  <dgm:if name="Name38" func="var" arg="dir" op="equ" val="norm">
+                    <dgm:alg type="hierChild">
+                      <dgm:param type="chAlign" val="l"/>
+                      <dgm:param type="linDir" val="fromT"/>
+                      <dgm:param type="secChAlign" val="t"/>
+                      <dgm:param type="secLinDir" val="fromL"/>
+                    </dgm:alg>
+                  </dgm:if>
+                  <dgm:else name="Name39">
+                    <dgm:alg type="hierChild">
+                      <dgm:param type="chAlign" val="r"/>
+                      <dgm:param type="linDir" val="fromT"/>
+                      <dgm:param type="secChAlign" val="t"/>
+                      <dgm:param type="secLinDir" val="fromR"/>
+                    </dgm:alg>
+                  </dgm:else>
+                </dgm:choose>
+              </dgm:if>
+              <dgm:else name="Name40">
+                <dgm:choose name="Name41">
+                  <dgm:if name="Name42" func="var" arg="dir" op="equ" val="norm">
+                    <dgm:alg type="hierChild">
+                      <dgm:param type="linDir" val="fromT"/>
+                      <dgm:param type="chAlign" val="l"/>
+                    </dgm:alg>
+                  </dgm:if>
+                  <dgm:else name="Name43">
+                    <dgm:alg type="hierChild">
+                      <dgm:param type="linDir" val="fromT"/>
+                      <dgm:param type="chAlign" val="r"/>
+                    </dgm:alg>
+                  </dgm:else>
+                </dgm:choose>
+              </dgm:else>
+            </dgm:choose>
+            <dgm:shape xmlns:r="http://schemas.openxmlformats.org/officeDocument/2006/relationships" r:blip="">
+              <dgm:adjLst/>
+            </dgm:shape>
+            <dgm:presOf/>
+            <dgm:constrLst/>
+            <dgm:ruleLst/>
+            <dgm:forEach name="rep2a" axis="ch" ptType="nonAsst">
+              <dgm:forEach name="Name44" axis="precedSib" ptType="parTrans" st="-1" cnt="1">
+                <dgm:choose name="Name45">
+                  <dgm:if name="Name46" func="var" arg="hierBranch" op="equ" val="hang">
+                    <dgm:layoutNode name="Name47">
+                      <dgm:choose name="Name48">
+                        <dgm:if name="Name49" func="var" arg="dir" op="equ" val="norm">
+                          <dgm:alg type="conn">
+                            <dgm:param type="connRout" val="bend"/>
+                            <dgm:param type="dim" val="1D"/>
+                            <dgm:param type="endSty" val="noArr"/>
+                            <dgm:param type="begPts" val="midR"/>
+                            <dgm:param type="endPts" val="bCtr tCtr"/>
+                          </dgm:alg>
+                        </dgm:if>
+                        <dgm:else name="Name50">
+                          <dgm:alg type="conn">
+                            <dgm:param type="connRout" val="bend"/>
+                            <dgm:param type="dim" val="1D"/>
+                            <dgm:param type="endSty" val="noArr"/>
+                            <dgm:param type="begPts" val="midL"/>
+                            <dgm:param type="endPts" val="bCtr tCtr"/>
+                          </dgm:alg>
+                        </dgm:else>
+                      </dgm:choose>
+                      <dgm:shape xmlns:r="http://schemas.openxmlformats.org/officeDocument/2006/relationships" type="conn" r:blip="" zOrderOff="-99999">
+                        <dgm:adjLst/>
+                      </dgm:shape>
+                      <dgm:presOf axis="self"/>
+                      <dgm:constrLst>
+                        <dgm:constr type="begPad"/>
+                        <dgm:constr type="endPad"/>
+                      </dgm:constrLst>
+                      <dgm:ruleLst/>
+                    </dgm:layoutNode>
+                  </dgm:if>
+                  <dgm:if name="Name51" func="var" arg="hierBranch" op="equ" val="l">
+                    <dgm:layoutNode name="Name52">
+                      <dgm:choose name="Name53">
+                        <dgm:if name="Name54" func="var" arg="dir" op="equ" val="norm">
+                          <dgm:alg type="conn">
+                            <dgm:param type="connRout" val="bend"/>
+                            <dgm:param type="dim" val="1D"/>
+                            <dgm:param type="endSty" val="noArr"/>
+                            <dgm:param type="begPts" val="midR"/>
+                            <dgm:param type="endPts" val="tCtr"/>
+                          </dgm:alg>
+                        </dgm:if>
+                        <dgm:else name="Name55">
+                          <dgm:alg type="conn">
+                            <dgm:param type="connRout" val="bend"/>
+                            <dgm:param type="dim" val="1D"/>
+                            <dgm:param type="endSty" val="noArr"/>
+                            <dgm:param type="begPts" val="midL"/>
+                            <dgm:param type="endPts" val="tCtr"/>
+                          </dgm:alg>
+                        </dgm:else>
+                      </dgm:choose>
+                      <dgm:shape xmlns:r="http://schemas.openxmlformats.org/officeDocument/2006/relationships" type="conn" r:blip="" zOrderOff="-99999">
+                        <dgm:adjLst/>
+                      </dgm:shape>
+                      <dgm:presOf axis="self"/>
+                      <dgm:constrLst>
+                        <dgm:constr type="begPad"/>
+                        <dgm:constr type="endPad"/>
+                      </dgm:constrLst>
+                      <dgm:ruleLst/>
+                    </dgm:layoutNode>
+                  </dgm:if>
+                  <dgm:if name="Name56" func="var" arg="hierBranch" op="equ" val="r">
+                    <dgm:layoutNode name="Name57">
+                      <dgm:choose name="Name58">
+                        <dgm:if name="Name59" func="var" arg="dir" op="equ" val="norm">
+                          <dgm:alg type="conn">
+                            <dgm:param type="connRout" val="bend"/>
+                            <dgm:param type="dim" val="1D"/>
+                            <dgm:param type="endSty" val="noArr"/>
+                            <dgm:param type="begPts" val="midR"/>
+                            <dgm:param type="endPts" val="bCtr"/>
+                          </dgm:alg>
+                        </dgm:if>
+                        <dgm:else name="Name60">
+                          <dgm:alg type="conn">
+                            <dgm:param type="connRout" val="bend"/>
+                            <dgm:param type="dim" val="1D"/>
+                            <dgm:param type="endSty" val="noArr"/>
+                            <dgm:param type="begPts" val="midL"/>
+                            <dgm:param type="endPts" val="bCtr"/>
+                          </dgm:alg>
+                        </dgm:else>
+                      </dgm:choose>
+                      <dgm:shape xmlns:r="http://schemas.openxmlformats.org/officeDocument/2006/relationships" type="conn" r:blip="" zOrderOff="-99999">
+                        <dgm:adjLst/>
+                      </dgm:shape>
+                      <dgm:presOf axis="self"/>
+                      <dgm:constrLst>
+                        <dgm:constr type="begPad"/>
+                        <dgm:constr type="endPad"/>
+                      </dgm:constrLst>
+                      <dgm:ruleLst/>
+                    </dgm:layoutNode>
+                  </dgm:if>
+                  <dgm:else name="Name61">
+                    <dgm:choose name="Name62">
+                      <dgm:if name="Name63" func="var" arg="dir" op="equ" val="norm">
+                        <dgm:layoutNode name="Name64">
+                          <dgm:alg type="conn">
+                            <dgm:param type="connRout" val="bend"/>
+                            <dgm:param type="dim" val="1D"/>
+                            <dgm:param type="endSty" val="noArr"/>
+                            <dgm:param type="begPts" val="midR"/>
+                            <dgm:param type="endPts" val="midL"/>
+                            <dgm:param type="bendPt" val="end"/>
+                          </dgm:alg>
+                          <dgm:shape xmlns:r="http://schemas.openxmlformats.org/officeDocument/2006/relationships" type="conn" r:blip="" zOrderOff="-99999">
+                            <dgm:adjLst/>
+                          </dgm:shape>
+                          <dgm:presOf axis="self"/>
+                          <dgm:constrLst>
+                            <dgm:constr type="begPad"/>
+                            <dgm:constr type="endPad"/>
+                          </dgm:constrLst>
+                          <dgm:ruleLst/>
+                        </dgm:layoutNode>
+                      </dgm:if>
+                      <dgm:else name="Name65">
+                        <dgm:layoutNode name="Name66">
+                          <dgm:alg type="conn">
+                            <dgm:param type="connRout" val="bend"/>
+                            <dgm:param type="dim" val="1D"/>
+                            <dgm:param type="endSty" val="noArr"/>
+                            <dgm:param type="begPts" val="midL"/>
+                            <dgm:param type="endPts" val="midR"/>
+                            <dgm:param type="bendPt" val="end"/>
+                          </dgm:alg>
+                          <dgm:shape xmlns:r="http://schemas.openxmlformats.org/officeDocument/2006/relationships" type="conn" r:blip="" zOrderOff="-99999">
+                            <dgm:adjLst/>
+                          </dgm:shape>
+                          <dgm:presOf axis="self"/>
+                          <dgm:constrLst>
+                            <dgm:constr type="begPad"/>
+                            <dgm:constr type="endPad"/>
+                          </dgm:constrLst>
+                          <dgm:ruleLst/>
+                        </dgm:layoutNode>
+                      </dgm:else>
+                    </dgm:choose>
+                  </dgm:else>
+                </dgm:choose>
+              </dgm:forEach>
+              <dgm:layoutNode name="hierRoot2">
+                <dgm:varLst>
+                  <dgm:hierBranch val="init"/>
+                </dgm:varLst>
+                <dgm:choose name="Name67">
+                  <dgm:if name="Name68" func="var" arg="hierBranch" op="equ" val="l">
+                    <dgm:choose name="Name69">
+                      <dgm:if name="Name70" func="var" arg="dir" op="equ" val="norm">
+                        <dgm:alg type="hierRoot">
+                          <dgm:param type="hierAlign" val="lT"/>
+                        </dgm:alg>
+                        <dgm:constrLst>
+                          <dgm:constr type="alignOff" val="0.75"/>
+                        </dgm:constrLst>
+                      </dgm:if>
+                      <dgm:else name="Name71">
+                        <dgm:alg type="hierRoot">
+                          <dgm:param type="hierAlign" val="rT"/>
+                        </dgm:alg>
+                        <dgm:constrLst>
+                          <dgm:constr type="alignOff" val="0.75"/>
+                        </dgm:constrLst>
+                      </dgm:else>
+                    </dgm:choose>
+                  </dgm:if>
+                  <dgm:if name="Name72" func="var" arg="hierBranch" op="equ" val="r">
+                    <dgm:choose name="Name73">
+                      <dgm:if name="Name74" func="var" arg="dir" op="equ" val="norm">
+                        <dgm:alg type="hierRoot">
+                          <dgm:param type="hierAlign" val="lB"/>
+                        </dgm:alg>
+                        <dgm:constrLst>
+                          <dgm:constr type="alignOff" val="0.75"/>
+                        </dgm:constrLst>
+                      </dgm:if>
+                      <dgm:else name="Name75">
+                        <dgm:alg type="hierRoot">
+                          <dgm:param type="hierAlign" val="rB"/>
+                        </dgm:alg>
+                        <dgm:constrLst>
+                          <dgm:constr type="alignOff" val="0.75"/>
+                        </dgm:constrLst>
+                      </dgm:else>
+                    </dgm:choose>
+                  </dgm:if>
+                  <dgm:if name="Name76" func="var" arg="hierBranch" op="equ" val="hang">
+                    <dgm:choose name="Name77">
+                      <dgm:if name="Name78" func="var" arg="dir" op="equ" val="norm">
+                        <dgm:alg type="hierRoot">
+                          <dgm:param type="hierAlign" val="lCtrCh"/>
+                        </dgm:alg>
+                        <dgm:constrLst>
+                          <dgm:constr type="alignOff" val="0.65"/>
+                        </dgm:constrLst>
+                      </dgm:if>
+                      <dgm:else name="Name79">
+                        <dgm:alg type="hierRoot">
+                          <dgm:param type="hierAlign" val="rCtrCh"/>
+                        </dgm:alg>
+                        <dgm:constrLst>
+                          <dgm:constr type="alignOff" val="0.65"/>
+                        </dgm:constrLst>
+                      </dgm:else>
+                    </dgm:choose>
+                  </dgm:if>
+                  <dgm:else name="Name80">
+                    <dgm:choose name="Name81">
+                      <dgm:if name="Name82" func="var" arg="dir" op="equ" val="norm">
+                        <dgm:alg type="hierRoot">
+                          <dgm:param type="hierAlign" val="lCtrCh"/>
+                        </dgm:alg>
+                        <dgm:constrLst>
+                          <dgm:constr type="alignOff"/>
+                          <dgm:constr type="bendDist" for="des" ptType="parTrans" refType="sp" fact="0.5"/>
+                        </dgm:constrLst>
+                      </dgm:if>
+                      <dgm:else name="Name83">
+                        <dgm:alg type="hierRoot">
+                          <dgm:param type="hierAlign" val="rCtrCh"/>
+                        </dgm:alg>
+                        <dgm:constrLst>
+                          <dgm:constr type="alignOff"/>
+                          <dgm:constr type="bendDist" for="des" ptType="parTrans" refType="sp" fact="0.5"/>
+                        </dgm:constrLst>
+                      </dgm:else>
+                    </dgm:choose>
+                  </dgm:else>
+                </dgm:choose>
+                <dgm:shape xmlns:r="http://schemas.openxmlformats.org/officeDocument/2006/relationships" r:blip="">
+                  <dgm:adjLst/>
+                </dgm:shape>
+                <dgm:presOf/>
+                <dgm:ruleLst/>
+                <dgm:layoutNode name="rootComposite">
+                  <dgm:alg type="composite"/>
+                  <dgm:shape xmlns:r="http://schemas.openxmlformats.org/officeDocument/2006/relationships" r:blip="">
+                    <dgm:adjLst/>
+                  </dgm:shape>
+                  <dgm:presOf axis="self" ptType="node" cnt="1"/>
+                  <dgm:choose name="Name84">
+                    <dgm:if name="Name85" func="var" arg="hierBranch" op="equ" val="init">
+                      <dgm:constrLst>
+                        <dgm:constr type="l" for="ch" forName="rootText"/>
+                        <dgm:constr type="t" for="ch" forName="rootText"/>
+                        <dgm:constr type="w" for="ch" forName="rootText" refType="w"/>
+                        <dgm:constr type="h" for="ch" forName="rootText" refType="h"/>
+                        <dgm:constr type="l" for="ch" forName="rootConnector"/>
+                        <dgm:constr type="t" for="ch" forName="rootConnector"/>
+                        <dgm:constr type="w" for="ch" forName="rootConnector" refType="w" refFor="ch" refForName="rootText" fact="0.2"/>
+                        <dgm:constr type="h" for="ch" forName="rootConnector" refType="h" refFor="ch" refForName="rootText"/>
+                      </dgm:constrLst>
+                    </dgm:if>
+                    <dgm:if name="Name86" func="var" arg="hierBranch" op="equ" val="l">
+                      <dgm:constrLst>
+                        <dgm:constr type="l" for="ch" forName="rootText"/>
+                        <dgm:constr type="t" for="ch" forName="rootText"/>
+                        <dgm:constr type="w" for="ch" forName="rootText" refType="w"/>
+                        <dgm:constr type="h" for="ch" forName="rootText" refType="h"/>
+                        <dgm:constr type="r" for="ch" forName="rootConnector" refType="w"/>
+                        <dgm:constr type="t" for="ch" forName="rootConnector"/>
+                        <dgm:constr type="w" for="ch" forName="rootConnector" refType="w" refFor="ch" refForName="rootText" fact="0.2"/>
+                        <dgm:constr type="h" for="ch" forName="rootConnector" refType="h" refFor="ch" refForName="rootText"/>
+                      </dgm:constrLst>
+                    </dgm:if>
+                    <dgm:if name="Name87" func="var" arg="hierBranch" op="equ" val="r">
+                      <dgm:constrLst>
+                        <dgm:constr type="l" for="ch" forName="rootText"/>
+                        <dgm:constr type="t" for="ch" forName="rootText"/>
+                        <dgm:constr type="w" for="ch" forName="rootText" refType="w"/>
+                        <dgm:constr type="h" for="ch" forName="rootText" refType="h"/>
+                        <dgm:constr type="l" for="ch" forName="rootConnector"/>
+                        <dgm:constr type="t" for="ch" forName="rootConnector"/>
+                        <dgm:constr type="w" for="ch" forName="rootConnector" refType="w" refFor="ch" refForName="rootText" fact="0.2"/>
+                        <dgm:constr type="h" for="ch" forName="rootConnector" refType="h" refFor="ch" refForName="rootText"/>
+                      </dgm:constrLst>
+                    </dgm:if>
+                    <dgm:else name="Name88">
+                      <dgm:constrLst>
+                        <dgm:constr type="l" for="ch" forName="rootText"/>
+                        <dgm:constr type="t" for="ch" forName="rootText"/>
+                        <dgm:constr type="w" for="ch" forName="rootText" refType="w"/>
+                        <dgm:constr type="h" for="ch" forName="rootText" refType="h"/>
+                        <dgm:constr type="r" for="ch" forName="rootConnector" refType="w"/>
+                        <dgm:constr type="t" for="ch" forName="rootConnector"/>
+                        <dgm:constr type="w" for="ch" forName="rootConnector" refType="w" refFor="ch" refForName="rootText" fact="0.2"/>
+                        <dgm:constr type="h" for="ch" forName="rootConnector" refType="h" refFor="ch" refForName="rootText"/>
+                      </dgm:constrLst>
+                    </dgm:else>
+                  </dgm:choose>
+                  <dgm:ruleLst/>
+                  <dgm:layoutNode name="rootText">
+                    <dgm:varLst>
+                      <dgm:chPref val="3"/>
+                    </dgm:varLst>
+                    <dgm:alg type="tx"/>
+                    <dgm:shape xmlns:r="http://schemas.openxmlformats.org/officeDocument/2006/relationships" type="rect" r:blip="">
+                      <dgm:adjLst/>
+                    </dgm:shape>
+                    <dgm:presOf axis="self" ptType="node" cnt="1"/>
+                    <dgm:constrLst>
+                      <dgm:constr type="primFontSz" val="65"/>
+                      <dgm:constr type="lMarg" refType="primFontSz" fact="0.05"/>
+                      <dgm:constr type="rMarg" refType="primFontSz" fact="0.05"/>
+                      <dgm:constr type="tMarg" refType="primFontSz" fact="0.05"/>
+                      <dgm:constr type="bMarg" refType="primFontSz" fact="0.05"/>
+                    </dgm:constrLst>
+                    <dgm:ruleLst>
+                      <dgm:rule type="primFontSz" val="5" fact="NaN" max="NaN"/>
+                    </dgm:ruleLst>
+                  </dgm:layoutNode>
+                  <dgm:layoutNode name="rootConnector" moveWith="rootText">
+                    <dgm:alg type="sp"/>
+                    <dgm:shape xmlns:r="http://schemas.openxmlformats.org/officeDocument/2006/relationships" type="rect" r:blip="" hideGeom="1">
+                      <dgm:adjLst/>
+                    </dgm:shape>
+                    <dgm:presOf axis="self" ptType="node" cnt="1"/>
+                    <dgm:constrLst/>
+                    <dgm:ruleLst/>
+                  </dgm:layoutNode>
+                </dgm:layoutNode>
+                <dgm:layoutNode name="hierChild4">
+                  <dgm:choose name="Name89">
+                    <dgm:if name="Name90" func="var" arg="hierBranch" op="equ" val="l">
+                      <dgm:choose name="Name91">
+                        <dgm:if name="Name92" func="var" arg="dir" op="equ" val="norm">
+                          <dgm:alg type="hierChild">
+                            <dgm:param type="chAlign" val="t"/>
+                            <dgm:param type="linDir" val="fromL"/>
+                          </dgm:alg>
+                        </dgm:if>
+                        <dgm:else name="Name93">
+                          <dgm:alg type="hierChild">
+                            <dgm:param type="chAlign" val="t"/>
+                            <dgm:param type="linDir" val="fromR"/>
+                          </dgm:alg>
+                        </dgm:else>
+                      </dgm:choose>
+                    </dgm:if>
+                    <dgm:if name="Name94" func="var" arg="hierBranch" op="equ" val="r">
+                      <dgm:choose name="Name95">
+                        <dgm:if name="Name96" func="var" arg="dir" op="equ" val="norm">
+                          <dgm:alg type="hierChild">
+                            <dgm:param type="chAlign" val="b"/>
+                            <dgm:param type="linDir" val="fromL"/>
+                          </dgm:alg>
+                        </dgm:if>
+                        <dgm:else name="Name97">
+                          <dgm:alg type="hierChild">
+                            <dgm:param type="chAlign" val="b"/>
+                            <dgm:param type="linDir" val="fromR"/>
+                          </dgm:alg>
+                        </dgm:else>
+                      </dgm:choose>
+                    </dgm:if>
+                    <dgm:if name="Name98" func="var" arg="hierBranch" op="equ" val="hang">
+                      <dgm:choose name="Name99">
+                        <dgm:if name="Name100" func="var" arg="dir" op="equ" val="norm">
+                          <dgm:alg type="hierChild">
+                            <dgm:param type="chAlign" val="l"/>
+                            <dgm:param type="linDir" val="fromT"/>
+                            <dgm:param type="secChAlign" val="t"/>
+                            <dgm:param type="secLinDir" val="fromL"/>
+                          </dgm:alg>
+                        </dgm:if>
+                        <dgm:else name="Name101">
+                          <dgm:alg type="hierChild">
+                            <dgm:param type="chAlign" val="r"/>
+                            <dgm:param type="linDir" val="fromT"/>
+                            <dgm:param type="secChAlign" val="t"/>
+                            <dgm:param type="secLinDir" val="fromR"/>
+                          </dgm:alg>
+                        </dgm:else>
+                      </dgm:choose>
+                    </dgm:if>
+                    <dgm:else name="Name102">
+                      <dgm:choose name="Name103">
+                        <dgm:if name="Name104" func="var" arg="dir" op="equ" val="norm">
+                          <dgm:alg type="hierChild">
+                            <dgm:param type="linDir" val="fromT"/>
+                            <dgm:param type="chAlign" val="l"/>
+                          </dgm:alg>
+                        </dgm:if>
+                        <dgm:else name="Name105">
+                          <dgm:alg type="hierChild">
+                            <dgm:param type="linDir" val="fromT"/>
+                            <dgm:param type="chAlign" val="r"/>
+                          </dgm:alg>
+                        </dgm:else>
+                      </dgm:choose>
+                    </dgm:else>
+                  </dgm:choose>
+                  <dgm:shape xmlns:r="http://schemas.openxmlformats.org/officeDocument/2006/relationships" r:blip="">
+                    <dgm:adjLst/>
+                  </dgm:shape>
+                  <dgm:presOf/>
+                  <dgm:constrLst/>
+                  <dgm:ruleLst/>
+                  <dgm:forEach name="Name106" ref="rep2a"/>
+                </dgm:layoutNode>
+                <dgm:layoutNode name="hierChild5">
+                  <dgm:choose name="Name107">
+                    <dgm:if name="Name108" func="var" arg="dir" op="equ" val="norm">
+                      <dgm:alg type="hierChild">
+                        <dgm:param type="chAlign" val="l"/>
+                        <dgm:param type="linDir" val="fromT"/>
+                        <dgm:param type="secChAlign" val="t"/>
+                        <dgm:param type="secLinDir" val="fromL"/>
+                      </dgm:alg>
+                    </dgm:if>
+                    <dgm:else name="Name109">
+                      <dgm:alg type="hierChild">
+                        <dgm:param type="chAlign" val="r"/>
+                        <dgm:param type="linDir" val="fromT"/>
+                        <dgm:param type="secChAlign" val="t"/>
+                        <dgm:param type="secLinDir" val="fromR"/>
+                      </dgm:alg>
+                    </dgm:else>
+                  </dgm:choose>
+                  <dgm:shape xmlns:r="http://schemas.openxmlformats.org/officeDocument/2006/relationships" r:blip="">
+                    <dgm:adjLst/>
+                  </dgm:shape>
+                  <dgm:presOf/>
+                  <dgm:constrLst/>
+                  <dgm:ruleLst/>
+                  <dgm:forEach name="Name110" ref="rep2b"/>
+                </dgm:layoutNode>
+              </dgm:layoutNode>
+            </dgm:forEach>
+          </dgm:layoutNode>
+          <dgm:layoutNode name="hierChild3">
+            <dgm:choose name="Name111">
+              <dgm:if name="Name112" func="var" arg="dir" op="equ" val="norm">
+                <dgm:alg type="hierChild">
+                  <dgm:param type="chAlign" val="l"/>
+                  <dgm:param type="linDir" val="fromT"/>
+                  <dgm:param type="secChAlign" val="t"/>
+                  <dgm:param type="secLinDir" val="fromL"/>
+                </dgm:alg>
+              </dgm:if>
+              <dgm:else name="Name113">
+                <dgm:alg type="hierChild">
+                  <dgm:param type="chAlign" val="r"/>
+                  <dgm:param type="linDir" val="fromT"/>
+                  <dgm:param type="secChAlign" val="t"/>
+                  <dgm:param type="secLinDir" val="fromR"/>
+                </dgm:alg>
+              </dgm:else>
+            </dgm:choose>
+            <dgm:shape xmlns:r="http://schemas.openxmlformats.org/officeDocument/2006/relationships" r:blip="">
+              <dgm:adjLst/>
+            </dgm:shape>
+            <dgm:presOf/>
+            <dgm:constrLst/>
+            <dgm:ruleLst/>
+            <dgm:forEach name="rep2b" axis="ch" ptType="asst">
+              <dgm:forEach name="Name114" axis="precedSib" ptType="parTrans" st="-1" cnt="1">
+                <dgm:layoutNode name="Name115">
+                  <dgm:choose name="Name116">
+                    <dgm:if name="Name117" func="var" arg="dir" op="equ" val="norm">
+                      <dgm:alg type="conn">
+                        <dgm:param type="connRout" val="bend"/>
+                        <dgm:param type="dim" val="1D"/>
+                        <dgm:param type="endSty" val="noArr"/>
+                        <dgm:param type="begPts" val="midR"/>
+                        <dgm:param type="endPts" val="bCtr tCtr"/>
+                      </dgm:alg>
+                    </dgm:if>
+                    <dgm:else name="Name118">
+                      <dgm:alg type="conn">
+                        <dgm:param type="connRout" val="bend"/>
+                        <dgm:param type="dim" val="1D"/>
+                        <dgm:param type="endSty" val="noArr"/>
+                        <dgm:param type="begPts" val="midL"/>
+                        <dgm:param type="endPts" val="bCtr tCtr"/>
+                      </dgm:alg>
+                    </dgm:else>
+                  </dgm:choose>
+                  <dgm:shape xmlns:r="http://schemas.openxmlformats.org/officeDocument/2006/relationships" type="conn" r:blip="" zOrderOff="-99999">
+                    <dgm:adjLst/>
+                  </dgm:shape>
+                  <dgm:presOf axis="self"/>
+                  <dgm:constrLst>
+                    <dgm:constr type="begPad"/>
+                    <dgm:constr type="endPad"/>
+                  </dgm:constrLst>
+                  <dgm:ruleLst/>
+                </dgm:layoutNode>
+              </dgm:forEach>
+              <dgm:layoutNode name="hierRoot3">
+                <dgm:varLst>
+                  <dgm:hierBranch val="init"/>
+                </dgm:varLst>
+                <dgm:choose name="Name119">
+                  <dgm:if name="Name120" func="var" arg="hierBranch" op="equ" val="l">
+                    <dgm:choose name="Name121">
+                      <dgm:if name="Name122" func="var" arg="dir" op="equ" val="norm">
+                        <dgm:alg type="hierRoot">
+                          <dgm:param type="hierAlign" val="lT"/>
+                        </dgm:alg>
+                        <dgm:constrLst>
+                          <dgm:constr type="alignOff" val="0.75"/>
+                        </dgm:constrLst>
+                      </dgm:if>
+                      <dgm:else name="Name123">
+                        <dgm:alg type="hierRoot">
+                          <dgm:param type="hierAlign" val="rT"/>
+                        </dgm:alg>
+                        <dgm:constrLst>
+                          <dgm:constr type="alignOff" val="0.75"/>
+                        </dgm:constrLst>
+                      </dgm:else>
+                    </dgm:choose>
+                  </dgm:if>
+                  <dgm:if name="Name124" func="var" arg="hierBranch" op="equ" val="r">
+                    <dgm:choose name="Name125">
+                      <dgm:if name="Name126" func="var" arg="dir" op="equ" val="norm">
+                        <dgm:alg type="hierRoot">
+                          <dgm:param type="hierAlign" val="lB"/>
+                        </dgm:alg>
+                        <dgm:constrLst>
+                          <dgm:constr type="alignOff" val="0.75"/>
+                        </dgm:constrLst>
+                      </dgm:if>
+                      <dgm:else name="Name127">
+                        <dgm:alg type="hierRoot">
+                          <dgm:param type="hierAlign" val="rB"/>
+                        </dgm:alg>
+                        <dgm:constrLst>
+                          <dgm:constr type="alignOff" val="0.75"/>
+                        </dgm:constrLst>
+                      </dgm:else>
+                    </dgm:choose>
+                  </dgm:if>
+                  <dgm:if name="Name128" func="var" arg="hierBranch" op="equ" val="hang">
+                    <dgm:choose name="Name129">
+                      <dgm:if name="Name130" func="var" arg="dir" op="equ" val="norm">
+                        <dgm:alg type="hierRoot">
+                          <dgm:param type="hierAlign" val="lCtrCh"/>
+                        </dgm:alg>
+                        <dgm:constrLst>
+                          <dgm:constr type="alignOff" val="0.65"/>
+                        </dgm:constrLst>
+                      </dgm:if>
+                      <dgm:else name="Name131">
+                        <dgm:alg type="hierRoot">
+                          <dgm:param type="hierAlign" val="rCtrCh"/>
+                        </dgm:alg>
+                        <dgm:constrLst>
+                          <dgm:constr type="alignOff" val="0.65"/>
+                        </dgm:constrLst>
+                      </dgm:else>
+                    </dgm:choose>
+                  </dgm:if>
+                  <dgm:else name="Name132">
+                    <dgm:choose name="Name133">
+                      <dgm:if name="Name134" func="var" arg="dir" op="equ" val="norm">
+                        <dgm:alg type="hierRoot">
+                          <dgm:param type="hierAlign" val="lCtrCh"/>
+                        </dgm:alg>
+                        <dgm:constrLst>
+                          <dgm:constr type="alignOff"/>
+                          <dgm:constr type="bendDist" for="des" ptType="parTrans" refType="sp" fact="0.5"/>
+                        </dgm:constrLst>
+                      </dgm:if>
+                      <dgm:else name="Name135">
+                        <dgm:alg type="hierRoot">
+                          <dgm:param type="hierAlign" val="rCtrCh"/>
+                        </dgm:alg>
+                        <dgm:constrLst>
+                          <dgm:constr type="alignOff"/>
+                          <dgm:constr type="bendDist" for="des" ptType="parTrans" refType="sp" fact="0.5"/>
+                        </dgm:constrLst>
+                      </dgm:else>
+                    </dgm:choose>
+                  </dgm:else>
+                </dgm:choose>
+                <dgm:shape xmlns:r="http://schemas.openxmlformats.org/officeDocument/2006/relationships" r:blip="">
+                  <dgm:adjLst/>
+                </dgm:shape>
+                <dgm:presOf/>
+                <dgm:ruleLst/>
+                <dgm:layoutNode name="rootComposite3">
+                  <dgm:alg type="composite"/>
+                  <dgm:shape xmlns:r="http://schemas.openxmlformats.org/officeDocument/2006/relationships" r:blip="">
+                    <dgm:adjLst/>
+                  </dgm:shape>
+                  <dgm:presOf axis="self" ptType="node" cnt="1"/>
+                  <dgm:choose name="Name136">
+                    <dgm:if name="Name137" func="var" arg="hierBranch" op="equ" val="init">
+                      <dgm:constrLst>
+                        <dgm:constr type="l" for="ch" forName="rootText3"/>
+                        <dgm:constr type="t" for="ch" forName="rootText3"/>
+                        <dgm:constr type="w" for="ch" forName="rootText3" refType="w"/>
+                        <dgm:constr type="h" for="ch" forName="rootText3" refType="h"/>
+                        <dgm:constr type="l" for="ch" forName="rootConnector3"/>
+                        <dgm:constr type="t" for="ch" forName="rootConnector3"/>
+                        <dgm:constr type="w" for="ch" forName="rootConnector3" refType="w" refFor="ch" refForName="rootText3" fact="0.2"/>
+                        <dgm:constr type="h" for="ch" forName="rootConnector3" refType="h" refFor="ch" refForName="rootText3"/>
+                      </dgm:constrLst>
+                    </dgm:if>
+                    <dgm:if name="Name138" func="var" arg="hierBranch" op="equ" val="l">
+                      <dgm:constrLst>
+                        <dgm:constr type="l" for="ch" forName="rootText3"/>
+                        <dgm:constr type="t" for="ch" forName="rootText3"/>
+                        <dgm:constr type="w" for="ch" forName="rootText3" refType="w"/>
+                        <dgm:constr type="h" for="ch" forName="rootText3" refType="h"/>
+                        <dgm:constr type="r" for="ch" forName="rootConnector3" refType="w"/>
+                        <dgm:constr type="t" for="ch" forName="rootConnector3"/>
+                        <dgm:constr type="w" for="ch" forName="rootConnector3" refType="w" refFor="ch" refForName="rootText3" fact="0.2"/>
+                        <dgm:constr type="h" for="ch" forName="rootConnector3" refType="h" refFor="ch" refForName="rootText3"/>
+                      </dgm:constrLst>
+                    </dgm:if>
+                    <dgm:if name="Name139" func="var" arg="hierBranch" op="equ" val="r">
+                      <dgm:constrLst>
+                        <dgm:constr type="l" for="ch" forName="rootText3"/>
+                        <dgm:constr type="t" for="ch" forName="rootText3"/>
+                        <dgm:constr type="w" for="ch" forName="rootText3" refType="w"/>
+                        <dgm:constr type="h" for="ch" forName="rootText3" refType="h"/>
+                        <dgm:constr type="l" for="ch" forName="rootConnector3"/>
+                        <dgm:constr type="t" for="ch" forName="rootConnector3"/>
+                        <dgm:constr type="w" for="ch" forName="rootConnector3" refType="w" refFor="ch" refForName="rootText3" fact="0.2"/>
+                        <dgm:constr type="h" for="ch" forName="rootConnector3" refType="h" refFor="ch" refForName="rootText3"/>
+                      </dgm:constrLst>
+                    </dgm:if>
+                    <dgm:else name="Name140">
+                      <dgm:constrLst>
+                        <dgm:constr type="l" for="ch" forName="rootText3"/>
+                        <dgm:constr type="t" for="ch" forName="rootText3"/>
+                        <dgm:constr type="w" for="ch" forName="rootText3" refType="w"/>
+                        <dgm:constr type="h" for="ch" forName="rootText3" refType="h"/>
+                        <dgm:constr type="r" for="ch" forName="rootConnector3" refType="w"/>
+                        <dgm:constr type="t" for="ch" forName="rootConnector3"/>
+                        <dgm:constr type="w" for="ch" forName="rootConnector3" refType="w" refFor="ch" refForName="rootText3" fact="0.2"/>
+                        <dgm:constr type="h" for="ch" forName="rootConnector3" refType="h" refFor="ch" refForName="rootText3"/>
+                      </dgm:constrLst>
+                    </dgm:else>
+                  </dgm:choose>
+                  <dgm:ruleLst/>
+                  <dgm:layoutNode name="rootText3">
+                    <dgm:varLst>
+                      <dgm:chPref val="3"/>
+                    </dgm:varLst>
+                    <dgm:alg type="tx"/>
+                    <dgm:shape xmlns:r="http://schemas.openxmlformats.org/officeDocument/2006/relationships" type="rect" r:blip="">
+                      <dgm:adjLst/>
+                    </dgm:shape>
+                    <dgm:presOf axis="self" ptType="node" cnt="1"/>
+                    <dgm:constrLst>
+                      <dgm:constr type="primFontSz" val="65"/>
+                      <dgm:constr type="lMarg" refType="primFontSz" fact="0.05"/>
+                      <dgm:constr type="rMarg" refType="primFontSz" fact="0.05"/>
+                      <dgm:constr type="tMarg" refType="primFontSz" fact="0.05"/>
+                      <dgm:constr type="bMarg" refType="primFontSz" fact="0.05"/>
+                    </dgm:constrLst>
+                    <dgm:ruleLst>
+                      <dgm:rule type="primFontSz" val="5" fact="NaN" max="NaN"/>
+                    </dgm:ruleLst>
+                  </dgm:layoutNode>
+                  <dgm:layoutNode name="rootConnector3" moveWith="rootText1">
+                    <dgm:alg type="sp"/>
+                    <dgm:shape xmlns:r="http://schemas.openxmlformats.org/officeDocument/2006/relationships" type="rect" r:blip="" hideGeom="1">
+                      <dgm:adjLst/>
+                    </dgm:shape>
+                    <dgm:presOf axis="self" ptType="node" cnt="1"/>
+                    <dgm:constrLst/>
+                    <dgm:ruleLst/>
+                  </dgm:layoutNode>
+                </dgm:layoutNode>
+                <dgm:layoutNode name="hierChild6">
+                  <dgm:choose name="Name141">
+                    <dgm:if name="Name142" func="var" arg="hierBranch" op="equ" val="l">
+                      <dgm:choose name="Name143">
+                        <dgm:if name="Name144" func="var" arg="dir" op="equ" val="norm">
+                          <dgm:alg type="hierChild">
+                            <dgm:param type="chAlign" val="t"/>
+                            <dgm:param type="linDir" val="fromL"/>
+                          </dgm:alg>
+                        </dgm:if>
+                        <dgm:else name="Name145">
+                          <dgm:alg type="hierChild">
+                            <dgm:param type="chAlign" val="t"/>
+                            <dgm:param type="linDir" val="fromR"/>
+                          </dgm:alg>
+                        </dgm:else>
+                      </dgm:choose>
+                    </dgm:if>
+                    <dgm:if name="Name146" func="var" arg="hierBranch" op="equ" val="r">
+                      <dgm:choose name="Name147">
+                        <dgm:if name="Name148" func="var" arg="dir" op="equ" val="norm">
+                          <dgm:alg type="hierChild">
+                            <dgm:param type="chAlign" val="b"/>
+                            <dgm:param type="linDir" val="fromL"/>
+                          </dgm:alg>
+                        </dgm:if>
+                        <dgm:else name="Name149">
+                          <dgm:alg type="hierChild">
+                            <dgm:param type="chAlign" val="b"/>
+                            <dgm:param type="linDir" val="fromR"/>
+                          </dgm:alg>
+                        </dgm:else>
+                      </dgm:choose>
+                    </dgm:if>
+                    <dgm:if name="Name150" func="var" arg="hierBranch" op="equ" val="hang">
+                      <dgm:choose name="Name151">
+                        <dgm:if name="Name152" func="var" arg="dir" op="equ" val="norm">
+                          <dgm:alg type="hierChild">
+                            <dgm:param type="chAlign" val="l"/>
+                            <dgm:param type="linDir" val="fromT"/>
+                            <dgm:param type="secChAlign" val="t"/>
+                            <dgm:param type="secLinDir" val="fromL"/>
+                          </dgm:alg>
+                        </dgm:if>
+                        <dgm:else name="Name153">
+                          <dgm:alg type="hierChild">
+                            <dgm:param type="chAlign" val="r"/>
+                            <dgm:param type="linDir" val="fromT"/>
+                            <dgm:param type="secChAlign" val="t"/>
+                            <dgm:param type="secLinDir" val="fromR"/>
+                          </dgm:alg>
+                        </dgm:else>
+                      </dgm:choose>
+                    </dgm:if>
+                    <dgm:else name="Name154">
+                      <dgm:choose name="Name155">
+                        <dgm:if name="Name156" func="var" arg="dir" op="equ" val="norm">
+                          <dgm:alg type="hierChild">
+                            <dgm:param type="linDir" val="fromT"/>
+                            <dgm:param type="chAlign" val="l"/>
+                          </dgm:alg>
+                        </dgm:if>
+                        <dgm:else name="Name157">
+                          <dgm:alg type="hierChild">
+                            <dgm:param type="linDir" val="fromT"/>
+                            <dgm:param type="chAlign" val="r"/>
+                          </dgm:alg>
+                        </dgm:else>
+                      </dgm:choose>
+                    </dgm:else>
+                  </dgm:choose>
+                  <dgm:shape xmlns:r="http://schemas.openxmlformats.org/officeDocument/2006/relationships" r:blip="">
+                    <dgm:adjLst/>
+                  </dgm:shape>
+                  <dgm:presOf/>
+                  <dgm:constrLst/>
+                  <dgm:ruleLst/>
+                  <dgm:forEach name="Name158" ref="rep2a"/>
+                </dgm:layoutNode>
+                <dgm:layoutNode name="hierChild7">
+                  <dgm:choose name="Name159">
+                    <dgm:if name="Name160" func="var" arg="dir" op="equ" val="norm">
+                      <dgm:alg type="hierChild">
+                        <dgm:param type="chAlign" val="l"/>
+                        <dgm:param type="linDir" val="fromT"/>
+                        <dgm:param type="secChAlign" val="t"/>
+                        <dgm:param type="secLinDir" val="fromL"/>
+                      </dgm:alg>
+                    </dgm:if>
+                    <dgm:else name="Name161">
+                      <dgm:alg type="hierChild">
+                        <dgm:param type="chAlign" val="r"/>
+                        <dgm:param type="linDir" val="fromT"/>
+                        <dgm:param type="secChAlign" val="t"/>
+                        <dgm:param type="secLinDir" val="fromR"/>
+                      </dgm:alg>
+                    </dgm:else>
+                  </dgm:choose>
+                  <dgm:shape xmlns:r="http://schemas.openxmlformats.org/officeDocument/2006/relationships" r:blip="">
+                    <dgm:adjLst/>
+                  </dgm:shape>
+                  <dgm:presOf/>
+                  <dgm:constrLst/>
+                  <dgm:ruleLst/>
+                  <dgm:forEach name="Name162" ref="rep2b"/>
+                </dgm:layoutNode>
+              </dgm:layoutNode>
+            </dgm:forEach>
+          </dgm:layoutNode>
         </dgm:layoutNode>
       </dgm:forEach>
     </dgm:forEach>
@@ -1581,11 +2686,11 @@
 </file>
 
 <file path=ppt/diagrams/quickStyle1.xml><?xml version="1.0" encoding="utf-8"?>
-<dgm:styleDef xmlns:dgm="http://schemas.openxmlformats.org/drawingml/2006/diagram" xmlns:a="http://schemas.openxmlformats.org/drawingml/2006/main" uniqueId="urn:microsoft.com/office/officeart/2005/8/quickstyle/simple1">
+<dgm:styleDef xmlns:dgm="http://schemas.openxmlformats.org/drawingml/2006/diagram" xmlns:a="http://schemas.openxmlformats.org/drawingml/2006/main" uniqueId="urn:microsoft.com/office/officeart/2005/8/quickstyle/simple4">
   <dgm:title val=""/>
   <dgm:desc val=""/>
   <dgm:catLst>
-    <dgm:cat type="simple" pri="10100"/>
+    <dgm:cat type="simple" pri="10400"/>
   </dgm:catLst>
   <dgm:scene3d>
     <a:camera prst="orthographicFront"/>
@@ -1599,13 +2704,13 @@
     <dgm:sp3d/>
     <dgm:txPr/>
     <dgm:style>
-      <a:lnRef idx="2">
+      <a:lnRef idx="0">
         <a:scrgbClr r="0" g="0" b="0"/>
       </a:lnRef>
-      <a:fillRef idx="1">
+      <a:fillRef idx="3">
         <a:scrgbClr r="0" g="0" b="0"/>
       </a:fillRef>
-      <a:effectRef idx="0">
+      <a:effectRef idx="2">
         <a:scrgbClr r="0" g="0" b="0"/>
       </a:effectRef>
       <a:fontRef idx="minor">
@@ -1621,13 +2726,13 @@
     <dgm:sp3d/>
     <dgm:txPr/>
     <dgm:style>
-      <a:lnRef idx="2">
+      <a:lnRef idx="1">
         <a:scrgbClr r="0" g="0" b="0"/>
       </a:lnRef>
-      <a:fillRef idx="1">
+      <a:fillRef idx="3">
         <a:scrgbClr r="0" g="0" b="0"/>
       </a:fillRef>
-      <a:effectRef idx="0">
+      <a:effectRef idx="2">
         <a:scrgbClr r="0" g="0" b="0"/>
       </a:effectRef>
       <a:fontRef idx="minor">
@@ -1643,10 +2748,10 @@
     <dgm:sp3d/>
     <dgm:txPr/>
     <dgm:style>
-      <a:lnRef idx="2">
+      <a:lnRef idx="0">
         <a:scrgbClr r="0" g="0" b="0"/>
       </a:lnRef>
-      <a:fillRef idx="1">
+      <a:fillRef idx="3">
         <a:scrgbClr r="0" g="0" b="0"/>
       </a:fillRef>
       <a:effectRef idx="0">
@@ -1665,13 +2770,13 @@
     <dgm:sp3d/>
     <dgm:txPr/>
     <dgm:style>
-      <a:lnRef idx="2">
+      <a:lnRef idx="1">
         <a:scrgbClr r="0" g="0" b="0"/>
       </a:lnRef>
-      <a:fillRef idx="1">
+      <a:fillRef idx="3">
         <a:scrgbClr r="0" g="0" b="0"/>
       </a:fillRef>
-      <a:effectRef idx="0">
+      <a:effectRef idx="2">
         <a:scrgbClr r="0" g="0" b="0"/>
       </a:effectRef>
       <a:fontRef idx="minor">
@@ -1687,13 +2792,13 @@
     <dgm:sp3d/>
     <dgm:txPr/>
     <dgm:style>
-      <a:lnRef idx="2">
+      <a:lnRef idx="0">
         <a:scrgbClr r="0" g="0" b="0"/>
       </a:lnRef>
-      <a:fillRef idx="1">
+      <a:fillRef idx="3">
         <a:scrgbClr r="0" g="0" b="0"/>
       </a:fillRef>
-      <a:effectRef idx="0">
+      <a:effectRef idx="2">
         <a:scrgbClr r="0" g="0" b="0"/>
       </a:effectRef>
       <a:fontRef idx="minor">
@@ -1709,13 +2814,13 @@
     <dgm:sp3d/>
     <dgm:txPr/>
     <dgm:style>
-      <a:lnRef idx="2">
+      <a:lnRef idx="0">
         <a:scrgbClr r="0" g="0" b="0"/>
       </a:lnRef>
-      <a:fillRef idx="1">
+      <a:fillRef idx="3">
         <a:scrgbClr r="0" g="0" b="0"/>
       </a:fillRef>
-      <a:effectRef idx="0">
+      <a:effectRef idx="2">
         <a:scrgbClr r="0" g="0" b="0"/>
       </a:effectRef>
       <a:fontRef idx="minor">
@@ -1731,13 +2836,13 @@
     <dgm:sp3d/>
     <dgm:txPr/>
     <dgm:style>
-      <a:lnRef idx="2">
+      <a:lnRef idx="0">
         <a:scrgbClr r="0" g="0" b="0"/>
       </a:lnRef>
-      <a:fillRef idx="1">
+      <a:fillRef idx="3">
         <a:scrgbClr r="0" g="0" b="0"/>
       </a:fillRef>
-      <a:effectRef idx="0">
+      <a:effectRef idx="2">
         <a:scrgbClr r="0" g="0" b="0"/>
       </a:effectRef>
       <a:fontRef idx="minor">
@@ -1753,13 +2858,13 @@
     <dgm:sp3d/>
     <dgm:txPr/>
     <dgm:style>
-      <a:lnRef idx="2">
+      <a:lnRef idx="0">
         <a:scrgbClr r="0" g="0" b="0"/>
       </a:lnRef>
-      <a:fillRef idx="1">
+      <a:fillRef idx="3">
         <a:scrgbClr r="0" g="0" b="0"/>
       </a:fillRef>
-      <a:effectRef idx="0">
+      <a:effectRef idx="2">
         <a:scrgbClr r="0" g="0" b="0"/>
       </a:effectRef>
       <a:fontRef idx="minor">
@@ -1775,13 +2880,13 @@
     <dgm:sp3d/>
     <dgm:txPr/>
     <dgm:style>
-      <a:lnRef idx="2">
+      <a:lnRef idx="0">
         <a:scrgbClr r="0" g="0" b="0"/>
       </a:lnRef>
       <a:fillRef idx="1">
         <a:scrgbClr r="0" g="0" b="0"/>
       </a:fillRef>
-      <a:effectRef idx="0">
+      <a:effectRef idx="2">
         <a:scrgbClr r="0" g="0" b="0"/>
       </a:effectRef>
       <a:fontRef idx="minor"/>
@@ -1795,13 +2900,13 @@
     <dgm:sp3d/>
     <dgm:txPr/>
     <dgm:style>
-      <a:lnRef idx="2">
+      <a:lnRef idx="0">
         <a:scrgbClr r="0" g="0" b="0"/>
       </a:lnRef>
       <a:fillRef idx="1">
         <a:scrgbClr r="0" g="0" b="0"/>
       </a:fillRef>
-      <a:effectRef idx="0">
+      <a:effectRef idx="2">
         <a:scrgbClr r="0" g="0" b="0"/>
       </a:effectRef>
       <a:fontRef idx="minor"/>
@@ -1815,13 +2920,13 @@
     <dgm:sp3d/>
     <dgm:txPr/>
     <dgm:style>
-      <a:lnRef idx="2">
+      <a:lnRef idx="0">
         <a:scrgbClr r="0" g="0" b="0"/>
       </a:lnRef>
       <a:fillRef idx="1">
         <a:scrgbClr r="0" g="0" b="0"/>
       </a:fillRef>
-      <a:effectRef idx="0">
+      <a:effectRef idx="2">
         <a:scrgbClr r="0" g="0" b="0"/>
       </a:effectRef>
       <a:fontRef idx="minor"/>
@@ -1838,10 +2943,10 @@
       <a:lnRef idx="0">
         <a:scrgbClr r="0" g="0" b="0"/>
       </a:lnRef>
-      <a:fillRef idx="1">
+      <a:fillRef idx="3">
         <a:scrgbClr r="0" g="0" b="0"/>
       </a:fillRef>
-      <a:effectRef idx="0">
+      <a:effectRef idx="2">
         <a:scrgbClr r="0" g="0" b="0"/>
       </a:effectRef>
       <a:fontRef idx="minor">
@@ -1860,10 +2965,10 @@
       <a:lnRef idx="0">
         <a:scrgbClr r="0" g="0" b="0"/>
       </a:lnRef>
-      <a:fillRef idx="1">
+      <a:fillRef idx="3">
         <a:scrgbClr r="0" g="0" b="0"/>
       </a:fillRef>
-      <a:effectRef idx="0">
+      <a:effectRef idx="2">
         <a:scrgbClr r="0" g="0" b="0"/>
       </a:effectRef>
       <a:fontRef idx="minor">
@@ -1882,10 +2987,10 @@
       <a:lnRef idx="0">
         <a:scrgbClr r="0" g="0" b="0"/>
       </a:lnRef>
-      <a:fillRef idx="1">
+      <a:fillRef idx="3">
         <a:scrgbClr r="0" g="0" b="0"/>
       </a:fillRef>
-      <a:effectRef idx="0">
+      <a:effectRef idx="2">
         <a:scrgbClr r="0" g="0" b="0"/>
       </a:effectRef>
       <a:fontRef idx="minor">
@@ -1927,7 +3032,7 @@
       <a:fillRef idx="1">
         <a:scrgbClr r="0" g="0" b="0"/>
       </a:fillRef>
-      <a:effectRef idx="0">
+      <a:effectRef idx="1">
         <a:scrgbClr r="0" g="0" b="0"/>
       </a:effectRef>
       <a:fontRef idx="minor"/>
@@ -1941,13 +3046,13 @@
     <dgm:sp3d/>
     <dgm:txPr/>
     <dgm:style>
-      <a:lnRef idx="2">
+      <a:lnRef idx="0">
         <a:scrgbClr r="0" g="0" b="0"/>
       </a:lnRef>
-      <a:fillRef idx="1">
+      <a:fillRef idx="3">
         <a:scrgbClr r="0" g="0" b="0"/>
       </a:fillRef>
-      <a:effectRef idx="0">
+      <a:effectRef idx="2">
         <a:scrgbClr r="0" g="0" b="0"/>
       </a:effectRef>
       <a:fontRef idx="minor">
@@ -1963,13 +3068,13 @@
     <dgm:sp3d/>
     <dgm:txPr/>
     <dgm:style>
-      <a:lnRef idx="2">
+      <a:lnRef idx="0">
         <a:scrgbClr r="0" g="0" b="0"/>
       </a:lnRef>
-      <a:fillRef idx="1">
+      <a:fillRef idx="3">
         <a:scrgbClr r="0" g="0" b="0"/>
       </a:fillRef>
-      <a:effectRef idx="0">
+      <a:effectRef idx="2">
         <a:scrgbClr r="0" g="0" b="0"/>
       </a:effectRef>
       <a:fontRef idx="minor">
@@ -1985,13 +3090,13 @@
     <dgm:sp3d/>
     <dgm:txPr/>
     <dgm:style>
-      <a:lnRef idx="2">
+      <a:lnRef idx="0">
         <a:scrgbClr r="0" g="0" b="0"/>
       </a:lnRef>
-      <a:fillRef idx="1">
+      <a:fillRef idx="3">
         <a:scrgbClr r="0" g="0" b="0"/>
       </a:fillRef>
-      <a:effectRef idx="0">
+      <a:effectRef idx="2">
         <a:scrgbClr r="0" g="0" b="0"/>
       </a:effectRef>
       <a:fontRef idx="minor">
@@ -2007,13 +3112,13 @@
     <dgm:sp3d/>
     <dgm:txPr/>
     <dgm:style>
-      <a:lnRef idx="2">
+      <a:lnRef idx="0">
         <a:scrgbClr r="0" g="0" b="0"/>
       </a:lnRef>
-      <a:fillRef idx="1">
+      <a:fillRef idx="3">
         <a:scrgbClr r="0" g="0" b="0"/>
       </a:fillRef>
-      <a:effectRef idx="0">
+      <a:effectRef idx="2">
         <a:scrgbClr r="0" g="0" b="0"/>
       </a:effectRef>
       <a:fontRef idx="minor">
@@ -2029,13 +3134,13 @@
     <dgm:sp3d/>
     <dgm:txPr/>
     <dgm:style>
-      <a:lnRef idx="2">
+      <a:lnRef idx="0">
         <a:scrgbClr r="0" g="0" b="0"/>
       </a:lnRef>
-      <a:fillRef idx="1">
+      <a:fillRef idx="3">
         <a:scrgbClr r="0" g="0" b="0"/>
       </a:fillRef>
-      <a:effectRef idx="0">
+      <a:effectRef idx="2">
         <a:scrgbClr r="0" g="0" b="0"/>
       </a:effectRef>
       <a:fontRef idx="minor">
@@ -2051,13 +3156,13 @@
     <dgm:sp3d/>
     <dgm:txPr/>
     <dgm:style>
-      <a:lnRef idx="2">
+      <a:lnRef idx="0">
         <a:scrgbClr r="0" g="0" b="0"/>
       </a:lnRef>
-      <a:fillRef idx="1">
+      <a:fillRef idx="3">
         <a:scrgbClr r="0" g="0" b="0"/>
       </a:fillRef>
-      <a:effectRef idx="0">
+      <a:effectRef idx="2">
         <a:scrgbClr r="0" g="0" b="0"/>
       </a:effectRef>
       <a:fontRef idx="minor">
@@ -2073,13 +3178,13 @@
     <dgm:sp3d/>
     <dgm:txPr/>
     <dgm:style>
-      <a:lnRef idx="2">
+      <a:lnRef idx="0">
         <a:scrgbClr r="0" g="0" b="0"/>
       </a:lnRef>
-      <a:fillRef idx="1">
+      <a:fillRef idx="3">
         <a:scrgbClr r="0" g="0" b="0"/>
       </a:fillRef>
-      <a:effectRef idx="0">
+      <a:effectRef idx="2">
         <a:scrgbClr r="0" g="0" b="0"/>
       </a:effectRef>
       <a:fontRef idx="minor">
@@ -2095,13 +3200,13 @@
     <dgm:sp3d/>
     <dgm:txPr/>
     <dgm:style>
-      <a:lnRef idx="2">
+      <a:lnRef idx="1">
         <a:scrgbClr r="0" g="0" b="0"/>
       </a:lnRef>
-      <a:fillRef idx="1">
+      <a:fillRef idx="3">
         <a:scrgbClr r="0" g="0" b="0"/>
       </a:fillRef>
-      <a:effectRef idx="0">
+      <a:effectRef idx="2">
         <a:scrgbClr r="0" g="0" b="0"/>
       </a:effectRef>
       <a:fontRef idx="minor">
@@ -2117,13 +3222,13 @@
     <dgm:sp3d/>
     <dgm:txPr/>
     <dgm:style>
-      <a:lnRef idx="2">
+      <a:lnRef idx="1">
         <a:scrgbClr r="0" g="0" b="0"/>
       </a:lnRef>
-      <a:fillRef idx="1">
+      <a:fillRef idx="3">
         <a:scrgbClr r="0" g="0" b="0"/>
       </a:fillRef>
-      <a:effectRef idx="0">
+      <a:effectRef idx="2">
         <a:scrgbClr r="0" g="0" b="0"/>
       </a:effectRef>
       <a:fontRef idx="minor">
@@ -2139,7 +3244,7 @@
     <dgm:sp3d/>
     <dgm:txPr/>
     <dgm:style>
-      <a:lnRef idx="2">
+      <a:lnRef idx="1">
         <a:scrgbClr r="0" g="0" b="0"/>
       </a:lnRef>
       <a:fillRef idx="0">
@@ -2159,7 +3264,7 @@
     <dgm:sp3d/>
     <dgm:txPr/>
     <dgm:style>
-      <a:lnRef idx="2">
+      <a:lnRef idx="1">
         <a:scrgbClr r="0" g="0" b="0"/>
       </a:lnRef>
       <a:fillRef idx="0">
@@ -2179,7 +3284,7 @@
     <dgm:sp3d/>
     <dgm:txPr/>
     <dgm:style>
-      <a:lnRef idx="2">
+      <a:lnRef idx="1">
         <a:scrgbClr r="0" g="0" b="0"/>
       </a:lnRef>
       <a:fillRef idx="0">
@@ -2199,7 +3304,7 @@
     <dgm:sp3d/>
     <dgm:txPr/>
     <dgm:style>
-      <a:lnRef idx="2">
+      <a:lnRef idx="1">
         <a:scrgbClr r="0" g="0" b="0"/>
       </a:lnRef>
       <a:fillRef idx="0">
@@ -2219,7 +3324,7 @@
     <dgm:sp3d/>
     <dgm:txPr/>
     <dgm:style>
-      <a:lnRef idx="2">
+      <a:lnRef idx="1">
         <a:scrgbClr r="0" g="0" b="0"/>
       </a:lnRef>
       <a:fillRef idx="1">
@@ -2239,7 +3344,7 @@
     <dgm:sp3d/>
     <dgm:txPr/>
     <dgm:style>
-      <a:lnRef idx="2">
+      <a:lnRef idx="1">
         <a:scrgbClr r="0" g="0" b="0"/>
       </a:lnRef>
       <a:fillRef idx="1">
@@ -2259,7 +3364,7 @@
     <dgm:sp3d/>
     <dgm:txPr/>
     <dgm:style>
-      <a:lnRef idx="2">
+      <a:lnRef idx="1">
         <a:scrgbClr r="0" g="0" b="0"/>
       </a:lnRef>
       <a:fillRef idx="1">
@@ -2299,7 +3404,7 @@
     <dgm:sp3d/>
     <dgm:txPr/>
     <dgm:style>
-      <a:lnRef idx="2">
+      <a:lnRef idx="1">
         <a:scrgbClr r="0" g="0" b="0"/>
       </a:lnRef>
       <a:fillRef idx="1">
@@ -2319,7 +3424,7 @@
     <dgm:sp3d/>
     <dgm:txPr/>
     <dgm:style>
-      <a:lnRef idx="2">
+      <a:lnRef idx="1">
         <a:scrgbClr r="0" g="0" b="0"/>
       </a:lnRef>
       <a:fillRef idx="1">
@@ -2339,7 +3444,7 @@
     <dgm:sp3d/>
     <dgm:txPr/>
     <dgm:style>
-      <a:lnRef idx="2">
+      <a:lnRef idx="1">
         <a:scrgbClr r="0" g="0" b="0"/>
       </a:lnRef>
       <a:fillRef idx="1">
@@ -2359,7 +3464,7 @@
     <dgm:sp3d/>
     <dgm:txPr/>
     <dgm:style>
-      <a:lnRef idx="2">
+      <a:lnRef idx="1">
         <a:scrgbClr r="0" g="0" b="0"/>
       </a:lnRef>
       <a:fillRef idx="1">
@@ -2379,7 +3484,7 @@
     <dgm:sp3d/>
     <dgm:txPr/>
     <dgm:style>
-      <a:lnRef idx="2">
+      <a:lnRef idx="1">
         <a:scrgbClr r="0" g="0" b="0"/>
       </a:lnRef>
       <a:fillRef idx="1">
@@ -2399,7 +3504,7 @@
     <dgm:sp3d/>
     <dgm:txPr/>
     <dgm:style>
-      <a:lnRef idx="2">
+      <a:lnRef idx="1">
         <a:scrgbClr r="0" g="0" b="0"/>
       </a:lnRef>
       <a:fillRef idx="1">
@@ -2419,7 +3524,7 @@
     <dgm:sp3d/>
     <dgm:txPr/>
     <dgm:style>
-      <a:lnRef idx="2">
+      <a:lnRef idx="1">
         <a:scrgbClr r="0" g="0" b="0"/>
       </a:lnRef>
       <a:fillRef idx="1">
@@ -2439,7 +3544,7 @@
     <dgm:sp3d/>
     <dgm:txPr/>
     <dgm:style>
-      <a:lnRef idx="2">
+      <a:lnRef idx="1">
         <a:scrgbClr r="0" g="0" b="0"/>
       </a:lnRef>
       <a:fillRef idx="1">
@@ -2459,7 +3564,7 @@
     <dgm:sp3d/>
     <dgm:txPr/>
     <dgm:style>
-      <a:lnRef idx="2">
+      <a:lnRef idx="1">
         <a:scrgbClr r="0" g="0" b="0"/>
       </a:lnRef>
       <a:fillRef idx="1">
@@ -2479,7 +3584,7 @@
     <dgm:sp3d/>
     <dgm:txPr/>
     <dgm:style>
-      <a:lnRef idx="2">
+      <a:lnRef idx="1">
         <a:scrgbClr r="0" g="0" b="0"/>
       </a:lnRef>
       <a:fillRef idx="1">
@@ -2499,7 +3604,7 @@
     <dgm:sp3d/>
     <dgm:txPr/>
     <dgm:style>
-      <a:lnRef idx="2">
+      <a:lnRef idx="1">
         <a:scrgbClr r="0" g="0" b="0"/>
       </a:lnRef>
       <a:fillRef idx="1">
@@ -2525,7 +3630,7 @@
       <a:fillRef idx="1">
         <a:scrgbClr r="0" g="0" b="0"/>
       </a:fillRef>
-      <a:effectRef idx="0">
+      <a:effectRef idx="2">
         <a:scrgbClr r="0" g="0" b="0"/>
       </a:effectRef>
       <a:fontRef idx="minor"/>
@@ -2545,7 +3650,7 @@
       <a:fillRef idx="1">
         <a:scrgbClr r="0" g="0" b="0"/>
       </a:fillRef>
-      <a:effectRef idx="0">
+      <a:effectRef idx="2">
         <a:scrgbClr r="0" g="0" b="0"/>
       </a:effectRef>
       <a:fontRef idx="minor"/>
@@ -2579,13 +3684,13 @@
     <dgm:sp3d/>
     <dgm:txPr/>
     <dgm:style>
-      <a:lnRef idx="2">
+      <a:lnRef idx="0">
         <a:scrgbClr r="0" g="0" b="0"/>
       </a:lnRef>
-      <a:fillRef idx="1">
+      <a:fillRef idx="3">
         <a:scrgbClr r="0" g="0" b="0"/>
       </a:fillRef>
-      <a:effectRef idx="0">
+      <a:effectRef idx="2">
         <a:scrgbClr r="0" g="0" b="0"/>
       </a:effectRef>
       <a:fontRef idx="minor"/>
@@ -2696,7 +3801,7 @@
           <a:p>
             <a:fld id="{3B87D1B5-D667-42F5-9E38-2FD202ABDFA0}" type="datetimeFigureOut">
               <a:rPr lang="en-US" smtClean="0"/>
-              <a:t>3/6/2018</a:t>
+              <a:t>3/15/2018</a:t>
             </a:fld>
             <a:endParaRPr lang="en-US"/>
           </a:p>
@@ -3145,7 +4250,24 @@
           <a:bodyPr/>
           <a:lstStyle/>
           <a:p>
-            <a:endParaRPr lang="en-US" dirty="0"/>
+            <a:pPr marL="171450" indent="-171450">
+              <a:buFontTx/>
+              <a:buChar char="-"/>
+            </a:pPr>
+            <a:r>
+              <a:rPr lang="en-US" dirty="0"/>
+              <a:t>works for project &amp; item templates</a:t>
+            </a:r>
+          </a:p>
+          <a:p>
+            <a:pPr marL="171450" indent="-171450">
+              <a:buFontTx/>
+              <a:buChar char="-"/>
+            </a:pPr>
+            <a:r>
+              <a:rPr lang="en-US" dirty="0"/>
+              <a:t>NuGet steps optional if doing file system installation</a:t>
+            </a:r>
           </a:p>
         </p:txBody>
       </p:sp>
@@ -3229,7 +4351,7 @@
           <a:bodyPr/>
           <a:lstStyle/>
           <a:p>
-            <a:endParaRPr lang="en-US"/>
+            <a:endParaRPr lang="en-US" dirty="0"/>
           </a:p>
         </p:txBody>
       </p:sp>
@@ -3248,78 +4370,18 @@
           <a:bodyPr/>
           <a:lstStyle/>
           <a:p>
-            <a:pPr marL="0" marR="0" lvl="0" indent="0" algn="r" defTabSz="457200" rtl="0" eaLnBrk="1" fontAlgn="auto" latinLnBrk="0" hangingPunct="1">
-              <a:lnSpc>
-                <a:spcPct val="100000"/>
-              </a:lnSpc>
-              <a:spcBef>
-                <a:spcPts val="0"/>
-              </a:spcBef>
-              <a:spcAft>
-                <a:spcPts val="0"/>
-              </a:spcAft>
-              <a:buClrTx/>
-              <a:buSzTx/>
-              <a:buFontTx/>
-              <a:buNone/>
-              <a:tabLst/>
-              <a:defRPr/>
-            </a:pPr>
             <a:fld id="{16A87904-88DE-4022-A424-ACD2E6FC1751}" type="slidenum">
-              <a:rPr kumimoji="0" lang="en-US" sz="1200" b="0" i="0" u="none" strike="noStrike" kern="1200" cap="none" spc="0" normalizeH="0" baseline="0" noProof="0" smtClean="0">
-                <a:ln>
-                  <a:noFill/>
-                </a:ln>
-                <a:solidFill>
-                  <a:prstClr val="black"/>
-                </a:solidFill>
-                <a:effectLst/>
-                <a:uLnTx/>
-                <a:uFillTx/>
-                <a:latin typeface="Calibri" panose="020F0502020204030204"/>
-                <a:ea typeface="+mn-ea"/>
-                <a:cs typeface="+mn-cs"/>
-              </a:rPr>
-              <a:pPr marL="0" marR="0" lvl="0" indent="0" algn="r" defTabSz="457200" rtl="0" eaLnBrk="1" fontAlgn="auto" latinLnBrk="0" hangingPunct="1">
-                <a:lnSpc>
-                  <a:spcPct val="100000"/>
-                </a:lnSpc>
-                <a:spcBef>
-                  <a:spcPts val="0"/>
-                </a:spcBef>
-                <a:spcAft>
-                  <a:spcPts val="0"/>
-                </a:spcAft>
-                <a:buClrTx/>
-                <a:buSzTx/>
-                <a:buFontTx/>
-                <a:buNone/>
-                <a:tabLst/>
-                <a:defRPr/>
-              </a:pPr>
+              <a:rPr lang="en-US" smtClean="0"/>
               <a:t>11</a:t>
             </a:fld>
-            <a:endParaRPr kumimoji="0" lang="en-US" sz="1200" b="0" i="0" u="none" strike="noStrike" kern="1200" cap="none" spc="0" normalizeH="0" baseline="0" noProof="0">
-              <a:ln>
-                <a:noFill/>
-              </a:ln>
-              <a:solidFill>
-                <a:prstClr val="black"/>
-              </a:solidFill>
-              <a:effectLst/>
-              <a:uLnTx/>
-              <a:uFillTx/>
-              <a:latin typeface="Calibri" panose="020F0502020204030204"/>
-              <a:ea typeface="+mn-ea"/>
-              <a:cs typeface="+mn-cs"/>
-            </a:endParaRPr>
+            <a:endParaRPr lang="en-US"/>
           </a:p>
         </p:txBody>
       </p:sp>
     </p:spTree>
     <p:extLst>
       <p:ext uri="{BB962C8B-B14F-4D97-AF65-F5344CB8AC3E}">
-        <p14:creationId xmlns:p14="http://schemas.microsoft.com/office/powerpoint/2010/main" val="1176352571"/>
+        <p14:creationId xmlns:p14="http://schemas.microsoft.com/office/powerpoint/2010/main" val="1134501301"/>
       </p:ext>
     </p:extLst>
   </p:cSld>
@@ -3392,9 +4454,153 @@
           <a:bodyPr/>
           <a:lstStyle/>
           <a:p>
+            <a:pPr marL="0" marR="0" lvl="0" indent="0" algn="r" defTabSz="457200" rtl="0" eaLnBrk="1" fontAlgn="auto" latinLnBrk="0" hangingPunct="1">
+              <a:lnSpc>
+                <a:spcPct val="100000"/>
+              </a:lnSpc>
+              <a:spcBef>
+                <a:spcPts val="0"/>
+              </a:spcBef>
+              <a:spcAft>
+                <a:spcPts val="0"/>
+              </a:spcAft>
+              <a:buClrTx/>
+              <a:buSzTx/>
+              <a:buFontTx/>
+              <a:buNone/>
+              <a:tabLst/>
+              <a:defRPr/>
+            </a:pPr>
+            <a:fld id="{16A87904-88DE-4022-A424-ACD2E6FC1751}" type="slidenum">
+              <a:rPr kumimoji="0" lang="en-US" sz="1200" b="0" i="0" u="none" strike="noStrike" kern="1200" cap="none" spc="0" normalizeH="0" baseline="0" noProof="0" smtClean="0">
+                <a:ln>
+                  <a:noFill/>
+                </a:ln>
+                <a:solidFill>
+                  <a:prstClr val="black"/>
+                </a:solidFill>
+                <a:effectLst/>
+                <a:uLnTx/>
+                <a:uFillTx/>
+                <a:latin typeface="Calibri" panose="020F0502020204030204"/>
+                <a:ea typeface="+mn-ea"/>
+                <a:cs typeface="+mn-cs"/>
+              </a:rPr>
+              <a:pPr marL="0" marR="0" lvl="0" indent="0" algn="r" defTabSz="457200" rtl="0" eaLnBrk="1" fontAlgn="auto" latinLnBrk="0" hangingPunct="1">
+                <a:lnSpc>
+                  <a:spcPct val="100000"/>
+                </a:lnSpc>
+                <a:spcBef>
+                  <a:spcPts val="0"/>
+                </a:spcBef>
+                <a:spcAft>
+                  <a:spcPts val="0"/>
+                </a:spcAft>
+                <a:buClrTx/>
+                <a:buSzTx/>
+                <a:buFontTx/>
+                <a:buNone/>
+                <a:tabLst/>
+                <a:defRPr/>
+              </a:pPr>
+              <a:t>12</a:t>
+            </a:fld>
+            <a:endParaRPr kumimoji="0" lang="en-US" sz="1200" b="0" i="0" u="none" strike="noStrike" kern="1200" cap="none" spc="0" normalizeH="0" baseline="0" noProof="0">
+              <a:ln>
+                <a:noFill/>
+              </a:ln>
+              <a:solidFill>
+                <a:prstClr val="black"/>
+              </a:solidFill>
+              <a:effectLst/>
+              <a:uLnTx/>
+              <a:uFillTx/>
+              <a:latin typeface="Calibri" panose="020F0502020204030204"/>
+              <a:ea typeface="+mn-ea"/>
+              <a:cs typeface="+mn-cs"/>
+            </a:endParaRPr>
+          </a:p>
+        </p:txBody>
+      </p:sp>
+    </p:spTree>
+    <p:extLst>
+      <p:ext uri="{BB962C8B-B14F-4D97-AF65-F5344CB8AC3E}">
+        <p14:creationId xmlns:p14="http://schemas.microsoft.com/office/powerpoint/2010/main" val="1176352571"/>
+      </p:ext>
+    </p:extLst>
+  </p:cSld>
+  <p:clrMapOvr>
+    <a:masterClrMapping/>
+  </p:clrMapOvr>
+</p:notes>
+</file>
+
+<file path=ppt/notesSlides/notesSlide13.xml><?xml version="1.0" encoding="utf-8"?>
+<p:notes xmlns:a="http://schemas.openxmlformats.org/drawingml/2006/main" xmlns:r="http://schemas.openxmlformats.org/officeDocument/2006/relationships" xmlns:p="http://schemas.openxmlformats.org/presentationml/2006/main">
+  <p:cSld>
+    <p:spTree>
+      <p:nvGrpSpPr>
+        <p:cNvPr id="1" name=""/>
+        <p:cNvGrpSpPr/>
+        <p:nvPr/>
+      </p:nvGrpSpPr>
+      <p:grpSpPr>
+        <a:xfrm>
+          <a:off x="0" y="0"/>
+          <a:ext cx="0" cy="0"/>
+          <a:chOff x="0" y="0"/>
+          <a:chExt cx="0" cy="0"/>
+        </a:xfrm>
+      </p:grpSpPr>
+      <p:sp>
+        <p:nvSpPr>
+          <p:cNvPr id="2" name="Slide Image Placeholder 1"/>
+          <p:cNvSpPr>
+            <a:spLocks noGrp="1" noRot="1" noChangeAspect="1"/>
+          </p:cNvSpPr>
+          <p:nvPr>
+            <p:ph type="sldImg"/>
+          </p:nvPr>
+        </p:nvSpPr>
+        <p:spPr/>
+      </p:sp>
+      <p:sp>
+        <p:nvSpPr>
+          <p:cNvPr id="3" name="Notes Placeholder 2"/>
+          <p:cNvSpPr>
+            <a:spLocks noGrp="1"/>
+          </p:cNvSpPr>
+          <p:nvPr>
+            <p:ph type="body" idx="1"/>
+          </p:nvPr>
+        </p:nvSpPr>
+        <p:spPr/>
+        <p:txBody>
+          <a:bodyPr/>
+          <a:lstStyle/>
+          <a:p>
+            <a:endParaRPr lang="en-US"/>
+          </a:p>
+        </p:txBody>
+      </p:sp>
+      <p:sp>
+        <p:nvSpPr>
+          <p:cNvPr id="4" name="Slide Number Placeholder 3"/>
+          <p:cNvSpPr>
+            <a:spLocks noGrp="1"/>
+          </p:cNvSpPr>
+          <p:nvPr>
+            <p:ph type="sldNum" sz="quarter" idx="10"/>
+          </p:nvPr>
+        </p:nvSpPr>
+        <p:spPr/>
+        <p:txBody>
+          <a:bodyPr/>
+          <a:lstStyle/>
+          <a:p>
             <a:fld id="{16A87904-88DE-4022-A424-ACD2E6FC1751}" type="slidenum">
               <a:rPr lang="en-US" smtClean="0"/>
-              <a:t>12</a:t>
+              <a:t>13</a:t>
             </a:fld>
             <a:endParaRPr lang="en-US"/>
           </a:p>
@@ -4249,7 +5455,7 @@
           <a:p>
             <a:fld id="{EEC3160E-2579-4584-9765-DC1BA0B358F9}" type="datetimeFigureOut">
               <a:rPr lang="en-US" smtClean="0"/>
-              <a:t>3/6/2018</a:t>
+              <a:t>3/15/2018</a:t>
             </a:fld>
             <a:endParaRPr lang="en-US"/>
           </a:p>
@@ -4419,7 +5625,7 @@
           <a:p>
             <a:fld id="{EEC3160E-2579-4584-9765-DC1BA0B358F9}" type="datetimeFigureOut">
               <a:rPr lang="en-US" smtClean="0"/>
-              <a:t>3/6/2018</a:t>
+              <a:t>3/15/2018</a:t>
             </a:fld>
             <a:endParaRPr lang="en-US"/>
           </a:p>
@@ -4599,7 +5805,7 @@
           <a:p>
             <a:fld id="{EEC3160E-2579-4584-9765-DC1BA0B358F9}" type="datetimeFigureOut">
               <a:rPr lang="en-US" smtClean="0"/>
-              <a:t>3/6/2018</a:t>
+              <a:t>3/15/2018</a:t>
             </a:fld>
             <a:endParaRPr lang="en-US"/>
           </a:p>
@@ -6514,7 +7720,7 @@
           <a:p>
             <a:fld id="{EEC3160E-2579-4584-9765-DC1BA0B358F9}" type="datetimeFigureOut">
               <a:rPr lang="en-US" smtClean="0"/>
-              <a:t>3/6/2018</a:t>
+              <a:t>3/15/2018</a:t>
             </a:fld>
             <a:endParaRPr lang="en-US"/>
           </a:p>
@@ -7996,7 +9202,7 @@
           <a:p>
             <a:fld id="{EEC3160E-2579-4584-9765-DC1BA0B358F9}" type="datetimeFigureOut">
               <a:rPr lang="en-US" smtClean="0"/>
-              <a:t>3/6/2018</a:t>
+              <a:t>3/15/2018</a:t>
             </a:fld>
             <a:endParaRPr lang="en-US"/>
           </a:p>
@@ -9136,7 +10342,7 @@
           <a:p>
             <a:fld id="{EEC3160E-2579-4584-9765-DC1BA0B358F9}" type="datetimeFigureOut">
               <a:rPr lang="en-US" smtClean="0"/>
-              <a:t>3/6/2018</a:t>
+              <a:t>3/15/2018</a:t>
             </a:fld>
             <a:endParaRPr lang="en-US"/>
           </a:p>
@@ -9503,7 +10709,7 @@
           <a:p>
             <a:fld id="{EEC3160E-2579-4584-9765-DC1BA0B358F9}" type="datetimeFigureOut">
               <a:rPr lang="en-US" smtClean="0"/>
-              <a:t>3/6/2018</a:t>
+              <a:t>3/15/2018</a:t>
             </a:fld>
             <a:endParaRPr lang="en-US"/>
           </a:p>
@@ -9621,7 +10827,7 @@
           <a:p>
             <a:fld id="{EEC3160E-2579-4584-9765-DC1BA0B358F9}" type="datetimeFigureOut">
               <a:rPr lang="en-US" smtClean="0"/>
-              <a:t>3/6/2018</a:t>
+              <a:t>3/15/2018</a:t>
             </a:fld>
             <a:endParaRPr lang="en-US"/>
           </a:p>
@@ -9716,7 +10922,7 @@
           <a:p>
             <a:fld id="{EEC3160E-2579-4584-9765-DC1BA0B358F9}" type="datetimeFigureOut">
               <a:rPr lang="en-US" smtClean="0"/>
-              <a:t>3/6/2018</a:t>
+              <a:t>3/15/2018</a:t>
             </a:fld>
             <a:endParaRPr lang="en-US"/>
           </a:p>
@@ -9993,7 +11199,7 @@
           <a:p>
             <a:fld id="{EEC3160E-2579-4584-9765-DC1BA0B358F9}" type="datetimeFigureOut">
               <a:rPr lang="en-US" smtClean="0"/>
-              <a:t>3/6/2018</a:t>
+              <a:t>3/15/2018</a:t>
             </a:fld>
             <a:endParaRPr lang="en-US"/>
           </a:p>
@@ -10250,7 +11456,7 @@
           <a:p>
             <a:fld id="{EEC3160E-2579-4584-9765-DC1BA0B358F9}" type="datetimeFigureOut">
               <a:rPr lang="en-US" smtClean="0"/>
-              <a:t>3/6/2018</a:t>
+              <a:t>3/15/2018</a:t>
             </a:fld>
             <a:endParaRPr lang="en-US"/>
           </a:p>
@@ -10463,7 +11669,7 @@
           <a:p>
             <a:fld id="{EEC3160E-2579-4584-9765-DC1BA0B358F9}" type="datetimeFigureOut">
               <a:rPr lang="en-US" smtClean="0"/>
-              <a:t>3/6/2018</a:t>
+              <a:t>3/15/2018</a:t>
             </a:fld>
             <a:endParaRPr lang="en-US"/>
           </a:p>
@@ -13731,6 +14937,119 @@
 <file path=ppt/slides/slide11.xml><?xml version="1.0" encoding="utf-8"?>
 <p:sld xmlns:a="http://schemas.openxmlformats.org/drawingml/2006/main" xmlns:r="http://schemas.openxmlformats.org/officeDocument/2006/relationships" xmlns:p="http://schemas.openxmlformats.org/presentationml/2006/main">
   <p:cSld>
+    <p:spTree>
+      <p:nvGrpSpPr>
+        <p:cNvPr id="1" name=""/>
+        <p:cNvGrpSpPr/>
+        <p:nvPr/>
+      </p:nvGrpSpPr>
+      <p:grpSpPr>
+        <a:xfrm>
+          <a:off x="0" y="0"/>
+          <a:ext cx="0" cy="0"/>
+          <a:chOff x="0" y="0"/>
+          <a:chExt cx="0" cy="0"/>
+        </a:xfrm>
+      </p:grpSpPr>
+      <p:sp>
+        <p:nvSpPr>
+          <p:cNvPr id="2" name="Title 1"/>
+          <p:cNvSpPr>
+            <a:spLocks noGrp="1"/>
+          </p:cNvSpPr>
+          <p:nvPr>
+            <p:ph type="title"/>
+          </p:nvPr>
+        </p:nvSpPr>
+        <p:spPr>
+          <a:xfrm>
+            <a:off x="804671" y="2600324"/>
+            <a:ext cx="6405753" cy="3277961"/>
+          </a:xfrm>
+        </p:spPr>
+        <p:txBody>
+          <a:bodyPr vert="horz" lIns="91440" tIns="45720" rIns="91440" bIns="45720" rtlCol="0" anchor="t">
+            <a:normAutofit/>
+          </a:bodyPr>
+          <a:lstStyle/>
+          <a:p>
+            <a:r>
+              <a:rPr lang="en-US" sz="5400" kern="1200">
+                <a:solidFill>
+                  <a:schemeClr val="tx1"/>
+                </a:solidFill>
+                <a:latin typeface="+mj-lt"/>
+                <a:ea typeface="+mj-ea"/>
+                <a:cs typeface="+mj-cs"/>
+              </a:rPr>
+              <a:t>DEMO</a:t>
+            </a:r>
+          </a:p>
+        </p:txBody>
+      </p:sp>
+      <p:sp>
+        <p:nvSpPr>
+          <p:cNvPr id="3" name="Content Placeholder 2"/>
+          <p:cNvSpPr>
+            <a:spLocks noGrp="1"/>
+          </p:cNvSpPr>
+          <p:nvPr>
+            <p:ph idx="1"/>
+          </p:nvPr>
+        </p:nvSpPr>
+        <p:spPr>
+          <a:xfrm>
+            <a:off x="804672" y="1300450"/>
+            <a:ext cx="4167376" cy="1155525"/>
+          </a:xfrm>
+        </p:spPr>
+        <p:txBody>
+          <a:bodyPr vert="horz" lIns="91440" tIns="45720" rIns="91440" bIns="45720" rtlCol="0" anchor="b">
+            <a:normAutofit/>
+          </a:bodyPr>
+          <a:lstStyle/>
+          <a:p>
+            <a:pPr marL="0" indent="0">
+              <a:buNone/>
+            </a:pPr>
+            <a:r>
+              <a:rPr lang="en-US" sz="2000" kern="1200" dirty="0">
+                <a:solidFill>
+                  <a:schemeClr val="tx1"/>
+                </a:solidFill>
+                <a:latin typeface="+mn-lt"/>
+                <a:ea typeface="+mn-ea"/>
+                <a:cs typeface="+mn-cs"/>
+              </a:rPr>
+              <a:t>Template creation</a:t>
+            </a:r>
+            <a:endParaRPr lang="en-US" sz="2000" b="1" kern="1200" dirty="0">
+              <a:solidFill>
+                <a:schemeClr val="tx1"/>
+              </a:solidFill>
+              <a:latin typeface="+mn-lt"/>
+              <a:ea typeface="+mn-ea"/>
+              <a:cs typeface="+mn-cs"/>
+            </a:endParaRPr>
+          </a:p>
+        </p:txBody>
+      </p:sp>
+    </p:spTree>
+    <p:extLst>
+      <p:ext uri="{BB962C8B-B14F-4D97-AF65-F5344CB8AC3E}">
+        <p14:creationId xmlns:p14="http://schemas.microsoft.com/office/powerpoint/2010/main" val="3080341078"/>
+      </p:ext>
+    </p:extLst>
+  </p:cSld>
+  <p:clrMapOvr>
+    <a:masterClrMapping/>
+  </p:clrMapOvr>
+</p:sld>
+</file>
+
+<file path=ppt/slides/slide12.xml><?xml version="1.0" encoding="utf-8"?>
+<p:sld xmlns:a="http://schemas.openxmlformats.org/drawingml/2006/main" xmlns:r="http://schemas.openxmlformats.org/officeDocument/2006/relationships" xmlns:p="http://schemas.openxmlformats.org/presentationml/2006/main">
+  <p:cSld>
     <p:bg>
       <p:bgPr>
         <a:solidFill>
@@ -14622,7 +15941,7 @@
 </p:sld>
 </file>
 
-<file path=ppt/slides/slide12.xml><?xml version="1.0" encoding="utf-8"?>
+<file path=ppt/slides/slide13.xml><?xml version="1.0" encoding="utf-8"?>
 <p:sld xmlns:a="http://schemas.openxmlformats.org/drawingml/2006/main" xmlns:r="http://schemas.openxmlformats.org/officeDocument/2006/relationships" xmlns:p="http://schemas.openxmlformats.org/presentationml/2006/main">
   <p:cSld>
     <p:spTree>
@@ -16213,7 +17532,7 @@
       </p:grpSpPr>
       <p:sp>
         <p:nvSpPr>
-          <p:cNvPr id="37" name="Rectangle 36">
+          <p:cNvPr id="44" name="Rectangle 43">
             <a:extLst>
               <a:ext uri="{FF2B5EF4-FFF2-40B4-BE49-F238E27FC236}">
                 <a16:creationId xmlns:a16="http://schemas.microsoft.com/office/drawing/2014/main" id="{08E89D5E-1885-4160-AC77-CC471DD1D0DB}"/>
@@ -16270,7 +17589,7 @@
       </p:sp>
       <p:cxnSp>
         <p:nvCxnSpPr>
-          <p:cNvPr id="39" name="Straight Connector 38">
+          <p:cNvPr id="46" name="Straight Connector 45">
             <a:extLst>
               <a:ext uri="{FF2B5EF4-FFF2-40B4-BE49-F238E27FC236}">
                 <a16:creationId xmlns:a16="http://schemas.microsoft.com/office/drawing/2014/main" id="{550D2BD1-98F9-412D-905B-3A843EF4078B}"/>
@@ -16368,7 +17687,7 @@
             <p:ph idx="1"/>
             <p:extLst>
               <p:ext uri="{D42A27DB-BD31-4B8C-83A1-F6EECF244321}">
-                <p14:modId xmlns:p14="http://schemas.microsoft.com/office/powerpoint/2010/main" val="2764445415"/>
+                <p14:modId xmlns:p14="http://schemas.microsoft.com/office/powerpoint/2010/main" val="3116292422"/>
               </p:ext>
             </p:extLst>
           </p:nvPr>
@@ -16383,6 +17702,52 @@
           </a:graphicData>
         </a:graphic>
       </p:graphicFrame>
+      <p:sp>
+        <p:nvSpPr>
+          <p:cNvPr id="3" name="Arrow: Down 2">
+            <a:extLst>
+              <a:ext uri="{FF2B5EF4-FFF2-40B4-BE49-F238E27FC236}">
+                <a16:creationId xmlns:a16="http://schemas.microsoft.com/office/drawing/2014/main" id="{173D37C3-D68D-42A3-AB22-20C2CAC31178}"/>
+              </a:ext>
+            </a:extLst>
+          </p:cNvPr>
+          <p:cNvSpPr/>
+          <p:nvPr/>
+        </p:nvSpPr>
+        <p:spPr>
+          <a:xfrm>
+            <a:off x="8061847" y="2971800"/>
+            <a:ext cx="705394" cy="914400"/>
+          </a:xfrm>
+          <a:prstGeom prst="downArrow">
+            <a:avLst/>
+          </a:prstGeom>
+        </p:spPr>
+        <p:style>
+          <a:lnRef idx="2">
+            <a:schemeClr val="accent1">
+              <a:shade val="50000"/>
+            </a:schemeClr>
+          </a:lnRef>
+          <a:fillRef idx="1">
+            <a:schemeClr val="accent1"/>
+          </a:fillRef>
+          <a:effectRef idx="0">
+            <a:schemeClr val="accent1"/>
+          </a:effectRef>
+          <a:fontRef idx="minor">
+            <a:schemeClr val="lt1"/>
+          </a:fontRef>
+        </p:style>
+        <p:txBody>
+          <a:bodyPr rtlCol="0" anchor="ctr"/>
+          <a:lstStyle/>
+          <a:p>
+            <a:pPr algn="ctr"/>
+            <a:endParaRPr lang="en-US"/>
+          </a:p>
+        </p:txBody>
+      </p:sp>
     </p:spTree>
     <p:extLst>
       <p:ext uri="{BB962C8B-B14F-4D97-AF65-F5344CB8AC3E}">
@@ -18226,7 +19591,7 @@
           </a:bodyPr>
           <a:lstStyle/>
           <a:p>
-            <a:endParaRPr lang="en-US" sz="2400"/>
+            <a:endParaRPr lang="en-US" sz="2400" dirty="0"/>
           </a:p>
         </p:txBody>
       </p:sp>

--- a/Tour de .NET Core CLI.pptx
+++ b/Tour de .NET Core CLI.pptx
@@ -6,22 +6,23 @@
     <p:sldMasterId id="2147483847" r:id="rId2"/>
   </p:sldMasterIdLst>
   <p:notesMasterIdLst>
-    <p:notesMasterId r:id="rId16"/>
+    <p:notesMasterId r:id="rId17"/>
   </p:notesMasterIdLst>
   <p:sldIdLst>
     <p:sldId id="342" r:id="rId3"/>
     <p:sldId id="322" r:id="rId4"/>
     <p:sldId id="353" r:id="rId5"/>
-    <p:sldId id="352" r:id="rId6"/>
-    <p:sldId id="348" r:id="rId7"/>
-    <p:sldId id="349" r:id="rId8"/>
-    <p:sldId id="354" r:id="rId9"/>
-    <p:sldId id="350" r:id="rId10"/>
-    <p:sldId id="355" r:id="rId11"/>
-    <p:sldId id="351" r:id="rId12"/>
-    <p:sldId id="358" r:id="rId13"/>
-    <p:sldId id="346" r:id="rId14"/>
-    <p:sldId id="356" r:id="rId15"/>
+    <p:sldId id="359" r:id="rId6"/>
+    <p:sldId id="352" r:id="rId7"/>
+    <p:sldId id="348" r:id="rId8"/>
+    <p:sldId id="349" r:id="rId9"/>
+    <p:sldId id="354" r:id="rId10"/>
+    <p:sldId id="350" r:id="rId11"/>
+    <p:sldId id="355" r:id="rId12"/>
+    <p:sldId id="351" r:id="rId13"/>
+    <p:sldId id="358" r:id="rId14"/>
+    <p:sldId id="346" r:id="rId15"/>
+    <p:sldId id="356" r:id="rId16"/>
   </p:sldIdLst>
   <p:sldSz cx="12192000" cy="6858000"/>
   <p:notesSz cx="6858000" cy="9144000"/>
@@ -30,7 +31,7 @@
       <p:sldLst>
         <p:sld r:id="rId3"/>
         <p:sld r:id="rId4"/>
-        <p:sld r:id="rId14"/>
+        <p:sld r:id="rId15"/>
       </p:sldLst>
     </p:custShow>
   </p:custShowLst>
@@ -137,6 +138,7 @@
             <p14:sldId id="342"/>
             <p14:sldId id="322"/>
             <p14:sldId id="353"/>
+            <p14:sldId id="359"/>
             <p14:sldId id="352"/>
             <p14:sldId id="348"/>
             <p14:sldId id="349"/>
@@ -162,6 +164,753 @@
 </file>
 
 <file path=ppt/diagrams/colors1.xml><?xml version="1.0" encoding="utf-8"?>
+<dgm:colorsDef xmlns:dgm="http://schemas.openxmlformats.org/drawingml/2006/diagram" xmlns:a="http://schemas.openxmlformats.org/drawingml/2006/main" uniqueId="urn:microsoft.com/office/officeart/2005/8/colors/accent1_2">
+  <dgm:title val=""/>
+  <dgm:desc val=""/>
+  <dgm:catLst>
+    <dgm:cat type="accent1" pri="11200"/>
+  </dgm:catLst>
+  <dgm:styleLbl name="node0">
+    <dgm:fillClrLst meth="repeat">
+      <a:schemeClr val="accent1"/>
+    </dgm:fillClrLst>
+    <dgm:linClrLst meth="repeat">
+      <a:schemeClr val="lt1"/>
+    </dgm:linClrLst>
+    <dgm:effectClrLst/>
+    <dgm:txLinClrLst/>
+    <dgm:txFillClrLst/>
+    <dgm:txEffectClrLst/>
+  </dgm:styleLbl>
+  <dgm:styleLbl name="alignNode1">
+    <dgm:fillClrLst meth="repeat">
+      <a:schemeClr val="accent1"/>
+    </dgm:fillClrLst>
+    <dgm:linClrLst meth="repeat">
+      <a:schemeClr val="accent1"/>
+    </dgm:linClrLst>
+    <dgm:effectClrLst/>
+    <dgm:txLinClrLst/>
+    <dgm:txFillClrLst/>
+    <dgm:txEffectClrLst/>
+  </dgm:styleLbl>
+  <dgm:styleLbl name="node1">
+    <dgm:fillClrLst meth="repeat">
+      <a:schemeClr val="accent1"/>
+    </dgm:fillClrLst>
+    <dgm:linClrLst meth="repeat">
+      <a:schemeClr val="lt1"/>
+    </dgm:linClrLst>
+    <dgm:effectClrLst/>
+    <dgm:txLinClrLst/>
+    <dgm:txFillClrLst/>
+    <dgm:txEffectClrLst/>
+  </dgm:styleLbl>
+  <dgm:styleLbl name="lnNode1">
+    <dgm:fillClrLst meth="repeat">
+      <a:schemeClr val="accent1"/>
+    </dgm:fillClrLst>
+    <dgm:linClrLst meth="repeat">
+      <a:schemeClr val="lt1"/>
+    </dgm:linClrLst>
+    <dgm:effectClrLst/>
+    <dgm:txLinClrLst/>
+    <dgm:txFillClrLst/>
+    <dgm:txEffectClrLst/>
+  </dgm:styleLbl>
+  <dgm:styleLbl name="vennNode1">
+    <dgm:fillClrLst meth="repeat">
+      <a:schemeClr val="accent1">
+        <a:alpha val="50000"/>
+      </a:schemeClr>
+    </dgm:fillClrLst>
+    <dgm:linClrLst meth="repeat">
+      <a:schemeClr val="lt1"/>
+    </dgm:linClrLst>
+    <dgm:effectClrLst/>
+    <dgm:txLinClrLst/>
+    <dgm:txFillClrLst/>
+    <dgm:txEffectClrLst/>
+  </dgm:styleLbl>
+  <dgm:styleLbl name="node2">
+    <dgm:fillClrLst meth="repeat">
+      <a:schemeClr val="accent1"/>
+    </dgm:fillClrLst>
+    <dgm:linClrLst meth="repeat">
+      <a:schemeClr val="lt1"/>
+    </dgm:linClrLst>
+    <dgm:effectClrLst/>
+    <dgm:txLinClrLst/>
+    <dgm:txFillClrLst/>
+    <dgm:txEffectClrLst/>
+  </dgm:styleLbl>
+  <dgm:styleLbl name="node3">
+    <dgm:fillClrLst meth="repeat">
+      <a:schemeClr val="accent1"/>
+    </dgm:fillClrLst>
+    <dgm:linClrLst meth="repeat">
+      <a:schemeClr val="lt1"/>
+    </dgm:linClrLst>
+    <dgm:effectClrLst/>
+    <dgm:txLinClrLst/>
+    <dgm:txFillClrLst/>
+    <dgm:txEffectClrLst/>
+  </dgm:styleLbl>
+  <dgm:styleLbl name="node4">
+    <dgm:fillClrLst meth="repeat">
+      <a:schemeClr val="accent1"/>
+    </dgm:fillClrLst>
+    <dgm:linClrLst meth="repeat">
+      <a:schemeClr val="lt1"/>
+    </dgm:linClrLst>
+    <dgm:effectClrLst/>
+    <dgm:txLinClrLst/>
+    <dgm:txFillClrLst/>
+    <dgm:txEffectClrLst/>
+  </dgm:styleLbl>
+  <dgm:styleLbl name="fgImgPlace1">
+    <dgm:fillClrLst meth="repeat">
+      <a:schemeClr val="accent1">
+        <a:tint val="50000"/>
+      </a:schemeClr>
+    </dgm:fillClrLst>
+    <dgm:linClrLst meth="repeat">
+      <a:schemeClr val="lt1"/>
+    </dgm:linClrLst>
+    <dgm:effectClrLst/>
+    <dgm:txLinClrLst/>
+    <dgm:txFillClrLst meth="repeat">
+      <a:schemeClr val="lt1"/>
+    </dgm:txFillClrLst>
+    <dgm:txEffectClrLst/>
+  </dgm:styleLbl>
+  <dgm:styleLbl name="alignImgPlace1">
+    <dgm:fillClrLst meth="repeat">
+      <a:schemeClr val="accent1">
+        <a:tint val="50000"/>
+      </a:schemeClr>
+    </dgm:fillClrLst>
+    <dgm:linClrLst meth="repeat">
+      <a:schemeClr val="lt1"/>
+    </dgm:linClrLst>
+    <dgm:effectClrLst/>
+    <dgm:txLinClrLst/>
+    <dgm:txFillClrLst meth="repeat">
+      <a:schemeClr val="lt1"/>
+    </dgm:txFillClrLst>
+    <dgm:txEffectClrLst/>
+  </dgm:styleLbl>
+  <dgm:styleLbl name="bgImgPlace1">
+    <dgm:fillClrLst meth="repeat">
+      <a:schemeClr val="accent1">
+        <a:tint val="50000"/>
+      </a:schemeClr>
+    </dgm:fillClrLst>
+    <dgm:linClrLst meth="repeat">
+      <a:schemeClr val="lt1"/>
+    </dgm:linClrLst>
+    <dgm:effectClrLst/>
+    <dgm:txLinClrLst/>
+    <dgm:txFillClrLst meth="repeat">
+      <a:schemeClr val="lt1"/>
+    </dgm:txFillClrLst>
+    <dgm:txEffectClrLst/>
+  </dgm:styleLbl>
+  <dgm:styleLbl name="sibTrans2D1">
+    <dgm:fillClrLst meth="repeat">
+      <a:schemeClr val="accent1">
+        <a:tint val="60000"/>
+      </a:schemeClr>
+    </dgm:fillClrLst>
+    <dgm:linClrLst meth="repeat">
+      <a:schemeClr val="accent1">
+        <a:tint val="60000"/>
+      </a:schemeClr>
+    </dgm:linClrLst>
+    <dgm:effectClrLst/>
+    <dgm:txLinClrLst/>
+    <dgm:txFillClrLst/>
+    <dgm:txEffectClrLst/>
+  </dgm:styleLbl>
+  <dgm:styleLbl name="fgSibTrans2D1">
+    <dgm:fillClrLst meth="repeat">
+      <a:schemeClr val="accent1">
+        <a:tint val="60000"/>
+      </a:schemeClr>
+    </dgm:fillClrLst>
+    <dgm:linClrLst meth="repeat">
+      <a:schemeClr val="accent1">
+        <a:tint val="60000"/>
+      </a:schemeClr>
+    </dgm:linClrLst>
+    <dgm:effectClrLst/>
+    <dgm:txLinClrLst/>
+    <dgm:txFillClrLst/>
+    <dgm:txEffectClrLst/>
+  </dgm:styleLbl>
+  <dgm:styleLbl name="bgSibTrans2D1">
+    <dgm:fillClrLst meth="repeat">
+      <a:schemeClr val="accent1">
+        <a:tint val="60000"/>
+      </a:schemeClr>
+    </dgm:fillClrLst>
+    <dgm:linClrLst meth="repeat">
+      <a:schemeClr val="accent1">
+        <a:tint val="60000"/>
+      </a:schemeClr>
+    </dgm:linClrLst>
+    <dgm:effectClrLst/>
+    <dgm:txLinClrLst/>
+    <dgm:txFillClrLst/>
+    <dgm:txEffectClrLst/>
+  </dgm:styleLbl>
+  <dgm:styleLbl name="sibTrans1D1">
+    <dgm:fillClrLst meth="repeat">
+      <a:schemeClr val="accent1"/>
+    </dgm:fillClrLst>
+    <dgm:linClrLst meth="repeat">
+      <a:schemeClr val="accent1"/>
+    </dgm:linClrLst>
+    <dgm:effectClrLst/>
+    <dgm:txLinClrLst/>
+    <dgm:txFillClrLst meth="repeat">
+      <a:schemeClr val="tx1"/>
+    </dgm:txFillClrLst>
+    <dgm:txEffectClrLst/>
+  </dgm:styleLbl>
+  <dgm:styleLbl name="callout">
+    <dgm:fillClrLst meth="repeat">
+      <a:schemeClr val="accent1"/>
+    </dgm:fillClrLst>
+    <dgm:linClrLst meth="repeat">
+      <a:schemeClr val="accent1">
+        <a:tint val="50000"/>
+      </a:schemeClr>
+    </dgm:linClrLst>
+    <dgm:effectClrLst/>
+    <dgm:txLinClrLst/>
+    <dgm:txFillClrLst meth="repeat">
+      <a:schemeClr val="tx1"/>
+    </dgm:txFillClrLst>
+    <dgm:txEffectClrLst/>
+  </dgm:styleLbl>
+  <dgm:styleLbl name="asst0">
+    <dgm:fillClrLst meth="repeat">
+      <a:schemeClr val="accent1"/>
+    </dgm:fillClrLst>
+    <dgm:linClrLst meth="repeat">
+      <a:schemeClr val="lt1"/>
+    </dgm:linClrLst>
+    <dgm:effectClrLst/>
+    <dgm:txLinClrLst/>
+    <dgm:txFillClrLst/>
+    <dgm:txEffectClrLst/>
+  </dgm:styleLbl>
+  <dgm:styleLbl name="asst1">
+    <dgm:fillClrLst meth="repeat">
+      <a:schemeClr val="accent1"/>
+    </dgm:fillClrLst>
+    <dgm:linClrLst meth="repeat">
+      <a:schemeClr val="lt1"/>
+    </dgm:linClrLst>
+    <dgm:effectClrLst/>
+    <dgm:txLinClrLst/>
+    <dgm:txFillClrLst/>
+    <dgm:txEffectClrLst/>
+  </dgm:styleLbl>
+  <dgm:styleLbl name="asst2">
+    <dgm:fillClrLst meth="repeat">
+      <a:schemeClr val="accent1"/>
+    </dgm:fillClrLst>
+    <dgm:linClrLst meth="repeat">
+      <a:schemeClr val="lt1"/>
+    </dgm:linClrLst>
+    <dgm:effectClrLst/>
+    <dgm:txLinClrLst/>
+    <dgm:txFillClrLst/>
+    <dgm:txEffectClrLst/>
+  </dgm:styleLbl>
+  <dgm:styleLbl name="asst3">
+    <dgm:fillClrLst meth="repeat">
+      <a:schemeClr val="accent1"/>
+    </dgm:fillClrLst>
+    <dgm:linClrLst meth="repeat">
+      <a:schemeClr val="lt1"/>
+    </dgm:linClrLst>
+    <dgm:effectClrLst/>
+    <dgm:txLinClrLst/>
+    <dgm:txFillClrLst/>
+    <dgm:txEffectClrLst/>
+  </dgm:styleLbl>
+  <dgm:styleLbl name="asst4">
+    <dgm:fillClrLst meth="repeat">
+      <a:schemeClr val="accent1"/>
+    </dgm:fillClrLst>
+    <dgm:linClrLst meth="repeat">
+      <a:schemeClr val="lt1"/>
+    </dgm:linClrLst>
+    <dgm:effectClrLst/>
+    <dgm:txLinClrLst/>
+    <dgm:txFillClrLst/>
+    <dgm:txEffectClrLst/>
+  </dgm:styleLbl>
+  <dgm:styleLbl name="parChTrans2D1">
+    <dgm:fillClrLst meth="repeat">
+      <a:schemeClr val="accent1">
+        <a:tint val="60000"/>
+      </a:schemeClr>
+    </dgm:fillClrLst>
+    <dgm:linClrLst meth="repeat">
+      <a:schemeClr val="accent1">
+        <a:tint val="60000"/>
+      </a:schemeClr>
+    </dgm:linClrLst>
+    <dgm:effectClrLst/>
+    <dgm:txLinClrLst/>
+    <dgm:txFillClrLst meth="repeat">
+      <a:schemeClr val="lt1"/>
+    </dgm:txFillClrLst>
+    <dgm:txEffectClrLst/>
+  </dgm:styleLbl>
+  <dgm:styleLbl name="parChTrans2D2">
+    <dgm:fillClrLst meth="repeat">
+      <a:schemeClr val="accent1"/>
+    </dgm:fillClrLst>
+    <dgm:linClrLst meth="repeat">
+      <a:schemeClr val="accent1"/>
+    </dgm:linClrLst>
+    <dgm:effectClrLst/>
+    <dgm:txLinClrLst/>
+    <dgm:txFillClrLst meth="repeat">
+      <a:schemeClr val="lt1"/>
+    </dgm:txFillClrLst>
+    <dgm:txEffectClrLst/>
+  </dgm:styleLbl>
+  <dgm:styleLbl name="parChTrans2D3">
+    <dgm:fillClrLst meth="repeat">
+      <a:schemeClr val="accent1"/>
+    </dgm:fillClrLst>
+    <dgm:linClrLst meth="repeat">
+      <a:schemeClr val="accent1"/>
+    </dgm:linClrLst>
+    <dgm:effectClrLst/>
+    <dgm:txLinClrLst/>
+    <dgm:txFillClrLst meth="repeat">
+      <a:schemeClr val="lt1"/>
+    </dgm:txFillClrLst>
+    <dgm:txEffectClrLst/>
+  </dgm:styleLbl>
+  <dgm:styleLbl name="parChTrans2D4">
+    <dgm:fillClrLst meth="repeat">
+      <a:schemeClr val="accent1"/>
+    </dgm:fillClrLst>
+    <dgm:linClrLst meth="repeat">
+      <a:schemeClr val="accent1"/>
+    </dgm:linClrLst>
+    <dgm:effectClrLst/>
+    <dgm:txLinClrLst/>
+    <dgm:txFillClrLst meth="repeat">
+      <a:schemeClr val="lt1"/>
+    </dgm:txFillClrLst>
+    <dgm:txEffectClrLst/>
+  </dgm:styleLbl>
+  <dgm:styleLbl name="parChTrans1D1">
+    <dgm:fillClrLst meth="repeat">
+      <a:schemeClr val="accent1"/>
+    </dgm:fillClrLst>
+    <dgm:linClrLst meth="repeat">
+      <a:schemeClr val="accent1">
+        <a:shade val="60000"/>
+      </a:schemeClr>
+    </dgm:linClrLst>
+    <dgm:effectClrLst/>
+    <dgm:txLinClrLst/>
+    <dgm:txFillClrLst meth="repeat">
+      <a:schemeClr val="tx1"/>
+    </dgm:txFillClrLst>
+    <dgm:txEffectClrLst/>
+  </dgm:styleLbl>
+  <dgm:styleLbl name="parChTrans1D2">
+    <dgm:fillClrLst meth="repeat">
+      <a:schemeClr val="accent1"/>
+    </dgm:fillClrLst>
+    <dgm:linClrLst meth="repeat">
+      <a:schemeClr val="accent1">
+        <a:shade val="60000"/>
+      </a:schemeClr>
+    </dgm:linClrLst>
+    <dgm:effectClrLst/>
+    <dgm:txLinClrLst/>
+    <dgm:txFillClrLst meth="repeat">
+      <a:schemeClr val="tx1"/>
+    </dgm:txFillClrLst>
+    <dgm:txEffectClrLst/>
+  </dgm:styleLbl>
+  <dgm:styleLbl name="parChTrans1D3">
+    <dgm:fillClrLst meth="repeat">
+      <a:schemeClr val="accent1"/>
+    </dgm:fillClrLst>
+    <dgm:linClrLst meth="repeat">
+      <a:schemeClr val="accent1">
+        <a:shade val="80000"/>
+      </a:schemeClr>
+    </dgm:linClrLst>
+    <dgm:effectClrLst/>
+    <dgm:txLinClrLst/>
+    <dgm:txFillClrLst meth="repeat">
+      <a:schemeClr val="tx1"/>
+    </dgm:txFillClrLst>
+    <dgm:txEffectClrLst/>
+  </dgm:styleLbl>
+  <dgm:styleLbl name="parChTrans1D4">
+    <dgm:fillClrLst meth="repeat">
+      <a:schemeClr val="accent1"/>
+    </dgm:fillClrLst>
+    <dgm:linClrLst meth="repeat">
+      <a:schemeClr val="accent1">
+        <a:shade val="80000"/>
+      </a:schemeClr>
+    </dgm:linClrLst>
+    <dgm:effectClrLst/>
+    <dgm:txLinClrLst/>
+    <dgm:txFillClrLst meth="repeat">
+      <a:schemeClr val="tx1"/>
+    </dgm:txFillClrLst>
+    <dgm:txEffectClrLst/>
+  </dgm:styleLbl>
+  <dgm:styleLbl name="fgAcc1">
+    <dgm:fillClrLst meth="repeat">
+      <a:schemeClr val="lt1">
+        <a:alpha val="90000"/>
+      </a:schemeClr>
+    </dgm:fillClrLst>
+    <dgm:linClrLst meth="repeat">
+      <a:schemeClr val="accent1"/>
+    </dgm:linClrLst>
+    <dgm:effectClrLst/>
+    <dgm:txLinClrLst/>
+    <dgm:txFillClrLst meth="repeat">
+      <a:schemeClr val="dk1"/>
+    </dgm:txFillClrLst>
+    <dgm:txEffectClrLst/>
+  </dgm:styleLbl>
+  <dgm:styleLbl name="conFgAcc1">
+    <dgm:fillClrLst meth="repeat">
+      <a:schemeClr val="lt1">
+        <a:alpha val="90000"/>
+      </a:schemeClr>
+    </dgm:fillClrLst>
+    <dgm:linClrLst meth="repeat">
+      <a:schemeClr val="accent1"/>
+    </dgm:linClrLst>
+    <dgm:effectClrLst/>
+    <dgm:txLinClrLst/>
+    <dgm:txFillClrLst meth="repeat">
+      <a:schemeClr val="dk1"/>
+    </dgm:txFillClrLst>
+    <dgm:txEffectClrLst/>
+  </dgm:styleLbl>
+  <dgm:styleLbl name="alignAcc1">
+    <dgm:fillClrLst meth="repeat">
+      <a:schemeClr val="lt1">
+        <a:alpha val="90000"/>
+      </a:schemeClr>
+    </dgm:fillClrLst>
+    <dgm:linClrLst meth="repeat">
+      <a:schemeClr val="accent1"/>
+    </dgm:linClrLst>
+    <dgm:effectClrLst/>
+    <dgm:txLinClrLst/>
+    <dgm:txFillClrLst meth="repeat">
+      <a:schemeClr val="dk1"/>
+    </dgm:txFillClrLst>
+    <dgm:txEffectClrLst/>
+  </dgm:styleLbl>
+  <dgm:styleLbl name="trAlignAcc1">
+    <dgm:fillClrLst meth="repeat">
+      <a:schemeClr val="lt1">
+        <a:alpha val="40000"/>
+      </a:schemeClr>
+    </dgm:fillClrLst>
+    <dgm:linClrLst meth="repeat">
+      <a:schemeClr val="accent1"/>
+    </dgm:linClrLst>
+    <dgm:effectClrLst/>
+    <dgm:txLinClrLst/>
+    <dgm:txFillClrLst meth="repeat">
+      <a:schemeClr val="dk1"/>
+    </dgm:txFillClrLst>
+    <dgm:txEffectClrLst/>
+  </dgm:styleLbl>
+  <dgm:styleLbl name="bgAcc1">
+    <dgm:fillClrLst meth="repeat">
+      <a:schemeClr val="lt1">
+        <a:alpha val="90000"/>
+      </a:schemeClr>
+    </dgm:fillClrLst>
+    <dgm:linClrLst meth="repeat">
+      <a:schemeClr val="accent1"/>
+    </dgm:linClrLst>
+    <dgm:effectClrLst/>
+    <dgm:txLinClrLst/>
+    <dgm:txFillClrLst meth="repeat">
+      <a:schemeClr val="dk1"/>
+    </dgm:txFillClrLst>
+    <dgm:txEffectClrLst/>
+  </dgm:styleLbl>
+  <dgm:styleLbl name="solidFgAcc1">
+    <dgm:fillClrLst meth="repeat">
+      <a:schemeClr val="lt1"/>
+    </dgm:fillClrLst>
+    <dgm:linClrLst meth="repeat">
+      <a:schemeClr val="accent1"/>
+    </dgm:linClrLst>
+    <dgm:effectClrLst/>
+    <dgm:txLinClrLst/>
+    <dgm:txFillClrLst meth="repeat">
+      <a:schemeClr val="dk1"/>
+    </dgm:txFillClrLst>
+    <dgm:txEffectClrLst/>
+  </dgm:styleLbl>
+  <dgm:styleLbl name="solidAlignAcc1">
+    <dgm:fillClrLst meth="repeat">
+      <a:schemeClr val="lt1"/>
+    </dgm:fillClrLst>
+    <dgm:linClrLst meth="repeat">
+      <a:schemeClr val="accent1"/>
+    </dgm:linClrLst>
+    <dgm:effectClrLst/>
+    <dgm:txLinClrLst/>
+    <dgm:txFillClrLst meth="repeat">
+      <a:schemeClr val="dk1"/>
+    </dgm:txFillClrLst>
+    <dgm:txEffectClrLst/>
+  </dgm:styleLbl>
+  <dgm:styleLbl name="solidBgAcc1">
+    <dgm:fillClrLst meth="repeat">
+      <a:schemeClr val="lt1"/>
+    </dgm:fillClrLst>
+    <dgm:linClrLst meth="repeat">
+      <a:schemeClr val="accent1"/>
+    </dgm:linClrLst>
+    <dgm:effectClrLst/>
+    <dgm:txLinClrLst/>
+    <dgm:txFillClrLst meth="repeat">
+      <a:schemeClr val="dk1"/>
+    </dgm:txFillClrLst>
+    <dgm:txEffectClrLst/>
+  </dgm:styleLbl>
+  <dgm:styleLbl name="fgAccFollowNode1">
+    <dgm:fillClrLst meth="repeat">
+      <a:schemeClr val="accent1">
+        <a:alpha val="90000"/>
+        <a:tint val="40000"/>
+      </a:schemeClr>
+    </dgm:fillClrLst>
+    <dgm:linClrLst meth="repeat">
+      <a:schemeClr val="accent1">
+        <a:alpha val="90000"/>
+        <a:tint val="40000"/>
+      </a:schemeClr>
+    </dgm:linClrLst>
+    <dgm:effectClrLst/>
+    <dgm:txLinClrLst/>
+    <dgm:txFillClrLst meth="repeat">
+      <a:schemeClr val="dk1"/>
+    </dgm:txFillClrLst>
+    <dgm:txEffectClrLst/>
+  </dgm:styleLbl>
+  <dgm:styleLbl name="alignAccFollowNode1">
+    <dgm:fillClrLst meth="repeat">
+      <a:schemeClr val="accent1">
+        <a:alpha val="90000"/>
+        <a:tint val="40000"/>
+      </a:schemeClr>
+    </dgm:fillClrLst>
+    <dgm:linClrLst meth="repeat">
+      <a:schemeClr val="accent1">
+        <a:alpha val="90000"/>
+        <a:tint val="40000"/>
+      </a:schemeClr>
+    </dgm:linClrLst>
+    <dgm:effectClrLst/>
+    <dgm:txLinClrLst/>
+    <dgm:txFillClrLst meth="repeat">
+      <a:schemeClr val="dk1"/>
+    </dgm:txFillClrLst>
+    <dgm:txEffectClrLst/>
+  </dgm:styleLbl>
+  <dgm:styleLbl name="bgAccFollowNode1">
+    <dgm:fillClrLst meth="repeat">
+      <a:schemeClr val="accent1">
+        <a:alpha val="90000"/>
+        <a:tint val="40000"/>
+      </a:schemeClr>
+    </dgm:fillClrLst>
+    <dgm:linClrLst meth="repeat">
+      <a:schemeClr val="accent1">
+        <a:alpha val="90000"/>
+        <a:tint val="40000"/>
+      </a:schemeClr>
+    </dgm:linClrLst>
+    <dgm:effectClrLst/>
+    <dgm:txLinClrLst/>
+    <dgm:txFillClrLst meth="repeat">
+      <a:schemeClr val="dk1"/>
+    </dgm:txFillClrLst>
+    <dgm:txEffectClrLst/>
+  </dgm:styleLbl>
+  <dgm:styleLbl name="fgAcc0">
+    <dgm:fillClrLst meth="repeat">
+      <a:schemeClr val="lt1">
+        <a:alpha val="90000"/>
+      </a:schemeClr>
+    </dgm:fillClrLst>
+    <dgm:linClrLst meth="repeat">
+      <a:schemeClr val="accent1"/>
+    </dgm:linClrLst>
+    <dgm:effectClrLst/>
+    <dgm:txLinClrLst/>
+    <dgm:txFillClrLst meth="repeat">
+      <a:schemeClr val="dk1"/>
+    </dgm:txFillClrLst>
+    <dgm:txEffectClrLst/>
+  </dgm:styleLbl>
+  <dgm:styleLbl name="fgAcc2">
+    <dgm:fillClrLst meth="repeat">
+      <a:schemeClr val="lt1">
+        <a:alpha val="90000"/>
+      </a:schemeClr>
+    </dgm:fillClrLst>
+    <dgm:linClrLst meth="repeat">
+      <a:schemeClr val="accent1"/>
+    </dgm:linClrLst>
+    <dgm:effectClrLst/>
+    <dgm:txLinClrLst/>
+    <dgm:txFillClrLst meth="repeat">
+      <a:schemeClr val="dk1"/>
+    </dgm:txFillClrLst>
+    <dgm:txEffectClrLst/>
+  </dgm:styleLbl>
+  <dgm:styleLbl name="fgAcc3">
+    <dgm:fillClrLst meth="repeat">
+      <a:schemeClr val="lt1">
+        <a:alpha val="90000"/>
+      </a:schemeClr>
+    </dgm:fillClrLst>
+    <dgm:linClrLst meth="repeat">
+      <a:schemeClr val="accent1"/>
+    </dgm:linClrLst>
+    <dgm:effectClrLst/>
+    <dgm:txLinClrLst/>
+    <dgm:txFillClrLst meth="repeat">
+      <a:schemeClr val="dk1"/>
+    </dgm:txFillClrLst>
+    <dgm:txEffectClrLst/>
+  </dgm:styleLbl>
+  <dgm:styleLbl name="fgAcc4">
+    <dgm:fillClrLst meth="repeat">
+      <a:schemeClr val="lt1">
+        <a:alpha val="90000"/>
+      </a:schemeClr>
+    </dgm:fillClrLst>
+    <dgm:linClrLst meth="repeat">
+      <a:schemeClr val="accent1"/>
+    </dgm:linClrLst>
+    <dgm:effectClrLst/>
+    <dgm:txLinClrLst/>
+    <dgm:txFillClrLst meth="repeat">
+      <a:schemeClr val="dk1"/>
+    </dgm:txFillClrLst>
+    <dgm:txEffectClrLst/>
+  </dgm:styleLbl>
+  <dgm:styleLbl name="bgShp">
+    <dgm:fillClrLst meth="repeat">
+      <a:schemeClr val="accent1">
+        <a:tint val="40000"/>
+      </a:schemeClr>
+    </dgm:fillClrLst>
+    <dgm:linClrLst meth="repeat">
+      <a:schemeClr val="accent1"/>
+    </dgm:linClrLst>
+    <dgm:effectClrLst/>
+    <dgm:txLinClrLst/>
+    <dgm:txFillClrLst meth="repeat">
+      <a:schemeClr val="dk1"/>
+    </dgm:txFillClrLst>
+    <dgm:txEffectClrLst/>
+  </dgm:styleLbl>
+  <dgm:styleLbl name="dkBgShp">
+    <dgm:fillClrLst meth="repeat">
+      <a:schemeClr val="accent1">
+        <a:shade val="80000"/>
+      </a:schemeClr>
+    </dgm:fillClrLst>
+    <dgm:linClrLst meth="repeat">
+      <a:schemeClr val="accent1"/>
+    </dgm:linClrLst>
+    <dgm:effectClrLst/>
+    <dgm:txLinClrLst/>
+    <dgm:txFillClrLst meth="repeat">
+      <a:schemeClr val="lt1"/>
+    </dgm:txFillClrLst>
+    <dgm:txEffectClrLst/>
+  </dgm:styleLbl>
+  <dgm:styleLbl name="trBgShp">
+    <dgm:fillClrLst meth="repeat">
+      <a:schemeClr val="accent1">
+        <a:tint val="50000"/>
+        <a:alpha val="40000"/>
+      </a:schemeClr>
+    </dgm:fillClrLst>
+    <dgm:linClrLst meth="repeat">
+      <a:schemeClr val="accent1"/>
+    </dgm:linClrLst>
+    <dgm:effectClrLst/>
+    <dgm:txLinClrLst/>
+    <dgm:txFillClrLst meth="repeat">
+      <a:schemeClr val="lt1"/>
+    </dgm:txFillClrLst>
+    <dgm:txEffectClrLst/>
+  </dgm:styleLbl>
+  <dgm:styleLbl name="fgShp">
+    <dgm:fillClrLst meth="repeat">
+      <a:schemeClr val="accent1">
+        <a:tint val="60000"/>
+      </a:schemeClr>
+    </dgm:fillClrLst>
+    <dgm:linClrLst meth="repeat">
+      <a:schemeClr val="lt1"/>
+    </dgm:linClrLst>
+    <dgm:effectClrLst/>
+    <dgm:txLinClrLst/>
+    <dgm:txFillClrLst meth="repeat">
+      <a:schemeClr val="dk1"/>
+    </dgm:txFillClrLst>
+    <dgm:txEffectClrLst/>
+  </dgm:styleLbl>
+  <dgm:styleLbl name="revTx">
+    <dgm:fillClrLst meth="repeat">
+      <a:schemeClr val="lt1">
+        <a:alpha val="0"/>
+      </a:schemeClr>
+    </dgm:fillClrLst>
+    <dgm:linClrLst meth="repeat">
+      <a:schemeClr val="dk1">
+        <a:alpha val="0"/>
+      </a:schemeClr>
+    </dgm:linClrLst>
+    <dgm:effectClrLst/>
+    <dgm:txLinClrLst/>
+    <dgm:txFillClrLst meth="repeat">
+      <a:schemeClr val="tx1"/>
+    </dgm:txFillClrLst>
+    <dgm:txEffectClrLst/>
+  </dgm:styleLbl>
+</dgm:colorsDef>
+</file>
+
+<file path=ppt/diagrams/colors2.xml><?xml version="1.0" encoding="utf-8"?>
 <dgm:colorsDef xmlns:dgm="http://schemas.openxmlformats.org/drawingml/2006/diagram" xmlns:a="http://schemas.openxmlformats.org/drawingml/2006/main" uniqueId="urn:microsoft.com/office/officeart/2005/8/colors/colorful1">
   <dgm:title val=""/>
   <dgm:desc val=""/>
@@ -1083,6 +1832,289 @@
 <file path=ppt/diagrams/data1.xml><?xml version="1.0" encoding="utf-8"?>
 <dgm:dataModel xmlns:dgm="http://schemas.openxmlformats.org/drawingml/2006/diagram" xmlns:a="http://schemas.openxmlformats.org/drawingml/2006/main">
   <dgm:ptLst>
+    <dgm:pt modelId="{BC7AF320-7AFA-42A3-BDE5-9072CDB627E3}" type="doc">
+      <dgm:prSet loTypeId="urn:microsoft.com/office/officeart/2005/8/layout/architecture" loCatId="relationship" qsTypeId="urn:microsoft.com/office/officeart/2005/8/quickstyle/simple1" qsCatId="simple" csTypeId="urn:microsoft.com/office/officeart/2005/8/colors/accent1_2" csCatId="accent1" phldr="1"/>
+      <dgm:spPr/>
+      <dgm:t>
+        <a:bodyPr/>
+        <a:lstStyle/>
+        <a:p>
+          <a:endParaRPr lang="en-US"/>
+        </a:p>
+      </dgm:t>
+    </dgm:pt>
+    <dgm:pt modelId="{D9775271-425C-4B4F-85A6-07886A6D55E4}">
+      <dgm:prSet phldrT="[Text]" custT="1"/>
+      <dgm:spPr/>
+      <dgm:t>
+        <a:bodyPr/>
+        <a:lstStyle/>
+        <a:p>
+          <a:r>
+            <a:rPr lang="en-US" sz="2800" dirty="0"/>
+            <a:t>Visual Studio</a:t>
+          </a:r>
+        </a:p>
+      </dgm:t>
+    </dgm:pt>
+    <dgm:pt modelId="{E44C516F-A7BC-467C-8B6E-9145CEC56748}" type="parTrans" cxnId="{E1DFC625-D026-4F31-B829-C87F0D7B6A05}">
+      <dgm:prSet/>
+      <dgm:spPr/>
+      <dgm:t>
+        <a:bodyPr/>
+        <a:lstStyle/>
+        <a:p>
+          <a:endParaRPr lang="en-US"/>
+        </a:p>
+      </dgm:t>
+    </dgm:pt>
+    <dgm:pt modelId="{EF89B725-0DFA-4EE4-B5B6-220EFADF2320}" type="sibTrans" cxnId="{E1DFC625-D026-4F31-B829-C87F0D7B6A05}">
+      <dgm:prSet/>
+      <dgm:spPr/>
+      <dgm:t>
+        <a:bodyPr/>
+        <a:lstStyle/>
+        <a:p>
+          <a:endParaRPr lang="en-US"/>
+        </a:p>
+      </dgm:t>
+    </dgm:pt>
+    <dgm:pt modelId="{E0B0EDA1-F659-4751-86B9-BD9CEE59513F}">
+      <dgm:prSet phldrT="[Text]" custT="1"/>
+      <dgm:spPr/>
+      <dgm:t>
+        <a:bodyPr/>
+        <a:lstStyle/>
+        <a:p>
+          <a:r>
+            <a:rPr lang="en-US" sz="2800" dirty="0"/>
+            <a:t>Visual Studio Code</a:t>
+          </a:r>
+        </a:p>
+      </dgm:t>
+    </dgm:pt>
+    <dgm:pt modelId="{E212CABA-3591-45C5-8E26-731E1F3C8C31}" type="parTrans" cxnId="{B08F83FE-474C-4BE9-A2B4-A58E42E218D9}">
+      <dgm:prSet/>
+      <dgm:spPr/>
+      <dgm:t>
+        <a:bodyPr/>
+        <a:lstStyle/>
+        <a:p>
+          <a:endParaRPr lang="en-US"/>
+        </a:p>
+      </dgm:t>
+    </dgm:pt>
+    <dgm:pt modelId="{335C44E7-CF54-4BCB-AFDE-F0F261EA1DF0}" type="sibTrans" cxnId="{B08F83FE-474C-4BE9-A2B4-A58E42E218D9}">
+      <dgm:prSet/>
+      <dgm:spPr/>
+      <dgm:t>
+        <a:bodyPr/>
+        <a:lstStyle/>
+        <a:p>
+          <a:endParaRPr lang="en-US"/>
+        </a:p>
+      </dgm:t>
+    </dgm:pt>
+    <dgm:pt modelId="{0E38893E-4337-487F-9332-DCBC3CC8A6C7}">
+      <dgm:prSet phldrT="[Text]" custT="1"/>
+      <dgm:spPr/>
+      <dgm:t>
+        <a:bodyPr/>
+        <a:lstStyle/>
+        <a:p>
+          <a:r>
+            <a:rPr lang="en-US" sz="2800" dirty="0"/>
+            <a:t>Visual Studio for Mac</a:t>
+          </a:r>
+        </a:p>
+      </dgm:t>
+    </dgm:pt>
+    <dgm:pt modelId="{018257BF-89E9-497D-9337-B9D2DFFBF94C}" type="sibTrans" cxnId="{C8F1AD98-63E1-416A-A3A7-AC680C712127}">
+      <dgm:prSet/>
+      <dgm:spPr/>
+      <dgm:t>
+        <a:bodyPr/>
+        <a:lstStyle/>
+        <a:p>
+          <a:endParaRPr lang="en-US"/>
+        </a:p>
+      </dgm:t>
+    </dgm:pt>
+    <dgm:pt modelId="{9FFA70A6-A239-4434-95C8-5A8DBEF62F79}" type="parTrans" cxnId="{C8F1AD98-63E1-416A-A3A7-AC680C712127}">
+      <dgm:prSet/>
+      <dgm:spPr/>
+      <dgm:t>
+        <a:bodyPr/>
+        <a:lstStyle/>
+        <a:p>
+          <a:endParaRPr lang="en-US"/>
+        </a:p>
+      </dgm:t>
+    </dgm:pt>
+    <dgm:pt modelId="{BAE44503-9403-4D5B-AE69-6EB5849D21B7}">
+      <dgm:prSet phldrT="[Text]"/>
+      <dgm:spPr/>
+      <dgm:t>
+        <a:bodyPr/>
+        <a:lstStyle/>
+        <a:p>
+          <a:r>
+            <a:rPr lang="en-US" dirty="0"/>
+            <a:t>.NET Core CLI</a:t>
+          </a:r>
+        </a:p>
+      </dgm:t>
+    </dgm:pt>
+    <dgm:pt modelId="{79181678-EBEA-4284-A6AD-6EE938241842}" type="parTrans" cxnId="{2E5690A5-98F7-4B7D-BC3A-2E92BF982979}">
+      <dgm:prSet/>
+      <dgm:spPr/>
+      <dgm:t>
+        <a:bodyPr/>
+        <a:lstStyle/>
+        <a:p>
+          <a:endParaRPr lang="en-US"/>
+        </a:p>
+      </dgm:t>
+    </dgm:pt>
+    <dgm:pt modelId="{F845C359-4C7D-4F9A-8A06-375321C9FD3E}" type="sibTrans" cxnId="{2E5690A5-98F7-4B7D-BC3A-2E92BF982979}">
+      <dgm:prSet/>
+      <dgm:spPr/>
+      <dgm:t>
+        <a:bodyPr/>
+        <a:lstStyle/>
+        <a:p>
+          <a:endParaRPr lang="en-US"/>
+        </a:p>
+      </dgm:t>
+    </dgm:pt>
+    <dgm:pt modelId="{B09816E3-A792-447C-A85F-0CAED126194F}" type="pres">
+      <dgm:prSet presAssocID="{BC7AF320-7AFA-42A3-BDE5-9072CDB627E3}" presName="Name0" presStyleCnt="0">
+        <dgm:presLayoutVars>
+          <dgm:chPref val="1"/>
+          <dgm:dir/>
+          <dgm:animOne val="branch"/>
+          <dgm:animLvl val="lvl"/>
+          <dgm:resizeHandles/>
+        </dgm:presLayoutVars>
+      </dgm:prSet>
+      <dgm:spPr/>
+    </dgm:pt>
+    <dgm:pt modelId="{7C43DDC6-D31F-40D3-A288-7D42E7A0FA3A}" type="pres">
+      <dgm:prSet presAssocID="{BAE44503-9403-4D5B-AE69-6EB5849D21B7}" presName="vertOne" presStyleCnt="0"/>
+      <dgm:spPr/>
+    </dgm:pt>
+    <dgm:pt modelId="{FD6C78DC-C982-4EB8-B72C-CF9B927D7CD6}" type="pres">
+      <dgm:prSet presAssocID="{BAE44503-9403-4D5B-AE69-6EB5849D21B7}" presName="txOne" presStyleLbl="node0" presStyleIdx="0" presStyleCnt="1" custLinFactNeighborY="9784">
+        <dgm:presLayoutVars>
+          <dgm:chPref val="3"/>
+        </dgm:presLayoutVars>
+      </dgm:prSet>
+      <dgm:spPr/>
+    </dgm:pt>
+    <dgm:pt modelId="{85A117ED-8447-44B9-8BE1-2BFA52C0152D}" type="pres">
+      <dgm:prSet presAssocID="{BAE44503-9403-4D5B-AE69-6EB5849D21B7}" presName="parTransOne" presStyleCnt="0"/>
+      <dgm:spPr/>
+    </dgm:pt>
+    <dgm:pt modelId="{FF32DEBE-E4E5-48B1-830D-77588A403133}" type="pres">
+      <dgm:prSet presAssocID="{BAE44503-9403-4D5B-AE69-6EB5849D21B7}" presName="horzOne" presStyleCnt="0"/>
+      <dgm:spPr/>
+    </dgm:pt>
+    <dgm:pt modelId="{75B1FA2E-CBA3-4CF4-8AF4-D56B56221651}" type="pres">
+      <dgm:prSet presAssocID="{D9775271-425C-4B4F-85A6-07886A6D55E4}" presName="vertTwo" presStyleCnt="0"/>
+      <dgm:spPr/>
+    </dgm:pt>
+    <dgm:pt modelId="{D3C4656B-96C8-4C58-B394-BD787E9002E6}" type="pres">
+      <dgm:prSet presAssocID="{D9775271-425C-4B4F-85A6-07886A6D55E4}" presName="txTwo" presStyleLbl="node2" presStyleIdx="0" presStyleCnt="3">
+        <dgm:presLayoutVars>
+          <dgm:chPref val="3"/>
+        </dgm:presLayoutVars>
+      </dgm:prSet>
+      <dgm:spPr/>
+    </dgm:pt>
+    <dgm:pt modelId="{112CD85F-8F63-451B-95D9-9FEF322B8424}" type="pres">
+      <dgm:prSet presAssocID="{D9775271-425C-4B4F-85A6-07886A6D55E4}" presName="horzTwo" presStyleCnt="0"/>
+      <dgm:spPr/>
+    </dgm:pt>
+    <dgm:pt modelId="{9D9F3192-DAAD-4870-BCFF-71DA05435227}" type="pres">
+      <dgm:prSet presAssocID="{EF89B725-0DFA-4EE4-B5B6-220EFADF2320}" presName="sibSpaceTwo" presStyleCnt="0"/>
+      <dgm:spPr/>
+    </dgm:pt>
+    <dgm:pt modelId="{8D045E23-25B2-4E2D-B4F3-D1943D46E86D}" type="pres">
+      <dgm:prSet presAssocID="{0E38893E-4337-487F-9332-DCBC3CC8A6C7}" presName="vertTwo" presStyleCnt="0"/>
+      <dgm:spPr/>
+    </dgm:pt>
+    <dgm:pt modelId="{8779E483-D32A-45C6-AC38-689CFC31597C}" type="pres">
+      <dgm:prSet presAssocID="{0E38893E-4337-487F-9332-DCBC3CC8A6C7}" presName="txTwo" presStyleLbl="node2" presStyleIdx="1" presStyleCnt="3">
+        <dgm:presLayoutVars>
+          <dgm:chPref val="3"/>
+        </dgm:presLayoutVars>
+      </dgm:prSet>
+      <dgm:spPr/>
+    </dgm:pt>
+    <dgm:pt modelId="{11D56116-98F7-4493-8D66-186C61446615}" type="pres">
+      <dgm:prSet presAssocID="{0E38893E-4337-487F-9332-DCBC3CC8A6C7}" presName="horzTwo" presStyleCnt="0"/>
+      <dgm:spPr/>
+    </dgm:pt>
+    <dgm:pt modelId="{25B40700-B42F-408B-BBE0-7B2B1C32F594}" type="pres">
+      <dgm:prSet presAssocID="{018257BF-89E9-497D-9337-B9D2DFFBF94C}" presName="sibSpaceTwo" presStyleCnt="0"/>
+      <dgm:spPr/>
+    </dgm:pt>
+    <dgm:pt modelId="{67862819-981C-4D55-BB80-E310B9F97D8B}" type="pres">
+      <dgm:prSet presAssocID="{E0B0EDA1-F659-4751-86B9-BD9CEE59513F}" presName="vertTwo" presStyleCnt="0"/>
+      <dgm:spPr/>
+    </dgm:pt>
+    <dgm:pt modelId="{B0680C6A-DDE6-42F5-9A21-72816797E8DA}" type="pres">
+      <dgm:prSet presAssocID="{E0B0EDA1-F659-4751-86B9-BD9CEE59513F}" presName="txTwo" presStyleLbl="node2" presStyleIdx="2" presStyleCnt="3">
+        <dgm:presLayoutVars>
+          <dgm:chPref val="3"/>
+        </dgm:presLayoutVars>
+      </dgm:prSet>
+      <dgm:spPr/>
+    </dgm:pt>
+    <dgm:pt modelId="{164B157B-BD8C-45E4-BF6E-E025F77C1928}" type="pres">
+      <dgm:prSet presAssocID="{E0B0EDA1-F659-4751-86B9-BD9CEE59513F}" presName="horzTwo" presStyleCnt="0"/>
+      <dgm:spPr/>
+    </dgm:pt>
+  </dgm:ptLst>
+  <dgm:cxnLst>
+    <dgm:cxn modelId="{179A7901-199D-4319-A035-B8796073A6B3}" type="presOf" srcId="{BC7AF320-7AFA-42A3-BDE5-9072CDB627E3}" destId="{B09816E3-A792-447C-A85F-0CAED126194F}" srcOrd="0" destOrd="0" presId="urn:microsoft.com/office/officeart/2005/8/layout/architecture"/>
+    <dgm:cxn modelId="{E1DFC625-D026-4F31-B829-C87F0D7B6A05}" srcId="{BAE44503-9403-4D5B-AE69-6EB5849D21B7}" destId="{D9775271-425C-4B4F-85A6-07886A6D55E4}" srcOrd="0" destOrd="0" parTransId="{E44C516F-A7BC-467C-8B6E-9145CEC56748}" sibTransId="{EF89B725-0DFA-4EE4-B5B6-220EFADF2320}"/>
+    <dgm:cxn modelId="{C5DFAC2A-3151-4FA8-9E00-BAADADD3DE8C}" type="presOf" srcId="{0E38893E-4337-487F-9332-DCBC3CC8A6C7}" destId="{8779E483-D32A-45C6-AC38-689CFC31597C}" srcOrd="0" destOrd="0" presId="urn:microsoft.com/office/officeart/2005/8/layout/architecture"/>
+    <dgm:cxn modelId="{C8F1AD98-63E1-416A-A3A7-AC680C712127}" srcId="{BAE44503-9403-4D5B-AE69-6EB5849D21B7}" destId="{0E38893E-4337-487F-9332-DCBC3CC8A6C7}" srcOrd="1" destOrd="0" parTransId="{9FFA70A6-A239-4434-95C8-5A8DBEF62F79}" sibTransId="{018257BF-89E9-497D-9337-B9D2DFFBF94C}"/>
+    <dgm:cxn modelId="{2E5690A5-98F7-4B7D-BC3A-2E92BF982979}" srcId="{BC7AF320-7AFA-42A3-BDE5-9072CDB627E3}" destId="{BAE44503-9403-4D5B-AE69-6EB5849D21B7}" srcOrd="0" destOrd="0" parTransId="{79181678-EBEA-4284-A6AD-6EE938241842}" sibTransId="{F845C359-4C7D-4F9A-8A06-375321C9FD3E}"/>
+    <dgm:cxn modelId="{39BFA2B9-48D7-4404-9C15-CC2074C27C65}" type="presOf" srcId="{BAE44503-9403-4D5B-AE69-6EB5849D21B7}" destId="{FD6C78DC-C982-4EB8-B72C-CF9B927D7CD6}" srcOrd="0" destOrd="0" presId="urn:microsoft.com/office/officeart/2005/8/layout/architecture"/>
+    <dgm:cxn modelId="{EE6199E2-8F8D-4021-B88D-D2F1C58D57D4}" type="presOf" srcId="{E0B0EDA1-F659-4751-86B9-BD9CEE59513F}" destId="{B0680C6A-DDE6-42F5-9A21-72816797E8DA}" srcOrd="0" destOrd="0" presId="urn:microsoft.com/office/officeart/2005/8/layout/architecture"/>
+    <dgm:cxn modelId="{25F09AF3-F32D-43F9-A0D8-F03D2099922C}" type="presOf" srcId="{D9775271-425C-4B4F-85A6-07886A6D55E4}" destId="{D3C4656B-96C8-4C58-B394-BD787E9002E6}" srcOrd="0" destOrd="0" presId="urn:microsoft.com/office/officeart/2005/8/layout/architecture"/>
+    <dgm:cxn modelId="{B08F83FE-474C-4BE9-A2B4-A58E42E218D9}" srcId="{BAE44503-9403-4D5B-AE69-6EB5849D21B7}" destId="{E0B0EDA1-F659-4751-86B9-BD9CEE59513F}" srcOrd="2" destOrd="0" parTransId="{E212CABA-3591-45C5-8E26-731E1F3C8C31}" sibTransId="{335C44E7-CF54-4BCB-AFDE-F0F261EA1DF0}"/>
+    <dgm:cxn modelId="{D9BA4D18-4DB5-4619-B7E9-1567482C245F}" type="presParOf" srcId="{B09816E3-A792-447C-A85F-0CAED126194F}" destId="{7C43DDC6-D31F-40D3-A288-7D42E7A0FA3A}" srcOrd="0" destOrd="0" presId="urn:microsoft.com/office/officeart/2005/8/layout/architecture"/>
+    <dgm:cxn modelId="{564A10BB-6310-4144-A279-BE499C0307AB}" type="presParOf" srcId="{7C43DDC6-D31F-40D3-A288-7D42E7A0FA3A}" destId="{FD6C78DC-C982-4EB8-B72C-CF9B927D7CD6}" srcOrd="0" destOrd="0" presId="urn:microsoft.com/office/officeart/2005/8/layout/architecture"/>
+    <dgm:cxn modelId="{C4104592-60D0-4D52-AACC-206296F01E57}" type="presParOf" srcId="{7C43DDC6-D31F-40D3-A288-7D42E7A0FA3A}" destId="{85A117ED-8447-44B9-8BE1-2BFA52C0152D}" srcOrd="1" destOrd="0" presId="urn:microsoft.com/office/officeart/2005/8/layout/architecture"/>
+    <dgm:cxn modelId="{5E36883C-B89F-47C8-89AB-78F7CA0624DB}" type="presParOf" srcId="{7C43DDC6-D31F-40D3-A288-7D42E7A0FA3A}" destId="{FF32DEBE-E4E5-48B1-830D-77588A403133}" srcOrd="2" destOrd="0" presId="urn:microsoft.com/office/officeart/2005/8/layout/architecture"/>
+    <dgm:cxn modelId="{B762D97F-D380-433F-9F48-00E0179D4B66}" type="presParOf" srcId="{FF32DEBE-E4E5-48B1-830D-77588A403133}" destId="{75B1FA2E-CBA3-4CF4-8AF4-D56B56221651}" srcOrd="0" destOrd="0" presId="urn:microsoft.com/office/officeart/2005/8/layout/architecture"/>
+    <dgm:cxn modelId="{989C5666-BE90-4AB2-9F75-5D064D5CFE17}" type="presParOf" srcId="{75B1FA2E-CBA3-4CF4-8AF4-D56B56221651}" destId="{D3C4656B-96C8-4C58-B394-BD787E9002E6}" srcOrd="0" destOrd="0" presId="urn:microsoft.com/office/officeart/2005/8/layout/architecture"/>
+    <dgm:cxn modelId="{EAA59B0E-0149-491B-AFA2-1B0D6029B13A}" type="presParOf" srcId="{75B1FA2E-CBA3-4CF4-8AF4-D56B56221651}" destId="{112CD85F-8F63-451B-95D9-9FEF322B8424}" srcOrd="1" destOrd="0" presId="urn:microsoft.com/office/officeart/2005/8/layout/architecture"/>
+    <dgm:cxn modelId="{4B5B7A98-14C5-45B0-9736-F69D01C2F51B}" type="presParOf" srcId="{FF32DEBE-E4E5-48B1-830D-77588A403133}" destId="{9D9F3192-DAAD-4870-BCFF-71DA05435227}" srcOrd="1" destOrd="0" presId="urn:microsoft.com/office/officeart/2005/8/layout/architecture"/>
+    <dgm:cxn modelId="{EA23AC6F-9389-4569-8350-7F15ACAB0908}" type="presParOf" srcId="{FF32DEBE-E4E5-48B1-830D-77588A403133}" destId="{8D045E23-25B2-4E2D-B4F3-D1943D46E86D}" srcOrd="2" destOrd="0" presId="urn:microsoft.com/office/officeart/2005/8/layout/architecture"/>
+    <dgm:cxn modelId="{DD0C5108-0E05-41A7-B838-56677498374B}" type="presParOf" srcId="{8D045E23-25B2-4E2D-B4F3-D1943D46E86D}" destId="{8779E483-D32A-45C6-AC38-689CFC31597C}" srcOrd="0" destOrd="0" presId="urn:microsoft.com/office/officeart/2005/8/layout/architecture"/>
+    <dgm:cxn modelId="{EC610756-659D-44CF-A462-0EC6BE245397}" type="presParOf" srcId="{8D045E23-25B2-4E2D-B4F3-D1943D46E86D}" destId="{11D56116-98F7-4493-8D66-186C61446615}" srcOrd="1" destOrd="0" presId="urn:microsoft.com/office/officeart/2005/8/layout/architecture"/>
+    <dgm:cxn modelId="{517C38C0-80EF-4425-B6EE-C7AD9460E115}" type="presParOf" srcId="{FF32DEBE-E4E5-48B1-830D-77588A403133}" destId="{25B40700-B42F-408B-BBE0-7B2B1C32F594}" srcOrd="3" destOrd="0" presId="urn:microsoft.com/office/officeart/2005/8/layout/architecture"/>
+    <dgm:cxn modelId="{64202FE0-D2A7-4957-87ED-71223807D707}" type="presParOf" srcId="{FF32DEBE-E4E5-48B1-830D-77588A403133}" destId="{67862819-981C-4D55-BB80-E310B9F97D8B}" srcOrd="4" destOrd="0" presId="urn:microsoft.com/office/officeart/2005/8/layout/architecture"/>
+    <dgm:cxn modelId="{93F4900D-5489-48CA-8EB5-72A4E11A89ED}" type="presParOf" srcId="{67862819-981C-4D55-BB80-E310B9F97D8B}" destId="{B0680C6A-DDE6-42F5-9A21-72816797E8DA}" srcOrd="0" destOrd="0" presId="urn:microsoft.com/office/officeart/2005/8/layout/architecture"/>
+    <dgm:cxn modelId="{4FD2845E-0FF0-46A4-A321-8DFCD3DBA7FA}" type="presParOf" srcId="{67862819-981C-4D55-BB80-E310B9F97D8B}" destId="{164B157B-BD8C-45E4-BF6E-E025F77C1928}" srcOrd="1" destOrd="0" presId="urn:microsoft.com/office/officeart/2005/8/layout/architecture"/>
+  </dgm:cxnLst>
+  <dgm:bg/>
+  <dgm:whole/>
+  <dgm:extLst>
+    <a:ext uri="http://schemas.microsoft.com/office/drawing/2008/diagram">
+      <dsp:dataModelExt xmlns:dsp="http://schemas.microsoft.com/office/drawing/2008/diagram" relId="rId9" minVer="http://schemas.openxmlformats.org/drawingml/2006/diagram"/>
+    </a:ext>
+  </dgm:extLst>
+</dgm:dataModel>
+</file>
+
+<file path=ppt/diagrams/data2.xml><?xml version="1.0" encoding="utf-8"?>
+<dgm:dataModel xmlns:dgm="http://schemas.openxmlformats.org/drawingml/2006/diagram" xmlns:a="http://schemas.openxmlformats.org/drawingml/2006/main">
+  <dgm:ptLst>
     <dgm:pt modelId="{C1268568-3361-421A-9004-9137023FFAF5}" type="doc">
       <dgm:prSet loTypeId="urn:microsoft.com/office/officeart/2009/3/layout/HorizontalOrganizationChart" loCatId="hierarchy" qsTypeId="urn:microsoft.com/office/officeart/2005/8/quickstyle/simple4" qsCatId="simple" csTypeId="urn:microsoft.com/office/officeart/2005/8/colors/colorful1" csCatId="colorful" phldr="1"/>
       <dgm:spPr/>
@@ -1284,6 +2316,338 @@
 </file>
 
 <file path=ppt/diagrams/drawing1.xml><?xml version="1.0" encoding="utf-8"?>
+<dsp:drawing xmlns:dgm="http://schemas.openxmlformats.org/drawingml/2006/diagram" xmlns:dsp="http://schemas.microsoft.com/office/drawing/2008/diagram" xmlns:a="http://schemas.openxmlformats.org/drawingml/2006/main">
+  <dsp:spTree>
+    <dsp:nvGrpSpPr>
+      <dsp:cNvPr id="0" name=""/>
+      <dsp:cNvGrpSpPr/>
+    </dsp:nvGrpSpPr>
+    <dsp:grpSpPr/>
+    <dsp:sp modelId="{FD6C78DC-C982-4EB8-B72C-CF9B927D7CD6}">
+      <dsp:nvSpPr>
+        <dsp:cNvPr id="0" name=""/>
+        <dsp:cNvSpPr/>
+      </dsp:nvSpPr>
+      <dsp:spPr>
+        <a:xfrm>
+          <a:off x="1976" y="1890210"/>
+          <a:ext cx="5495510" cy="1741263"/>
+        </a:xfrm>
+        <a:prstGeom prst="roundRect">
+          <a:avLst>
+            <a:gd name="adj" fmla="val 10000"/>
+          </a:avLst>
+        </a:prstGeom>
+        <a:solidFill>
+          <a:schemeClr val="accent1">
+            <a:hueOff val="0"/>
+            <a:satOff val="0"/>
+            <a:lumOff val="0"/>
+            <a:alphaOff val="0"/>
+          </a:schemeClr>
+        </a:solidFill>
+        <a:ln w="12700" cap="flat" cmpd="sng" algn="ctr">
+          <a:solidFill>
+            <a:schemeClr val="lt1">
+              <a:hueOff val="0"/>
+              <a:satOff val="0"/>
+              <a:lumOff val="0"/>
+              <a:alphaOff val="0"/>
+            </a:schemeClr>
+          </a:solidFill>
+          <a:prstDash val="solid"/>
+          <a:miter lim="800000"/>
+        </a:ln>
+        <a:effectLst/>
+      </dsp:spPr>
+      <dsp:style>
+        <a:lnRef idx="2">
+          <a:scrgbClr r="0" g="0" b="0"/>
+        </a:lnRef>
+        <a:fillRef idx="1">
+          <a:scrgbClr r="0" g="0" b="0"/>
+        </a:fillRef>
+        <a:effectRef idx="0">
+          <a:scrgbClr r="0" g="0" b="0"/>
+        </a:effectRef>
+        <a:fontRef idx="minor">
+          <a:schemeClr val="lt1"/>
+        </a:fontRef>
+      </dsp:style>
+      <dsp:txBody>
+        <a:bodyPr spcFirstLastPara="0" vert="horz" wrap="square" lIns="247650" tIns="247650" rIns="247650" bIns="247650" numCol="1" spcCol="1270" anchor="ctr" anchorCtr="0">
+          <a:noAutofit/>
+        </a:bodyPr>
+        <a:lstStyle/>
+        <a:p>
+          <a:pPr marL="0" lvl="0" indent="0" algn="ctr" defTabSz="2889250">
+            <a:lnSpc>
+              <a:spcPct val="90000"/>
+            </a:lnSpc>
+            <a:spcBef>
+              <a:spcPct val="0"/>
+            </a:spcBef>
+            <a:spcAft>
+              <a:spcPct val="35000"/>
+            </a:spcAft>
+            <a:buNone/>
+          </a:pPr>
+          <a:r>
+            <a:rPr lang="en-US" sz="6500" kern="1200" dirty="0"/>
+            <a:t>.NET Core CLI</a:t>
+          </a:r>
+        </a:p>
+      </dsp:txBody>
+      <dsp:txXfrm>
+        <a:off x="52976" y="1941210"/>
+        <a:ext cx="5393510" cy="1639263"/>
+      </dsp:txXfrm>
+    </dsp:sp>
+    <dsp:sp modelId="{D3C4656B-96C8-4C58-B394-BD787E9002E6}">
+      <dsp:nvSpPr>
+        <dsp:cNvPr id="0" name=""/>
+        <dsp:cNvSpPr/>
+      </dsp:nvSpPr>
+      <dsp:spPr>
+        <a:xfrm>
+          <a:off x="1976" y="639"/>
+          <a:ext cx="1734693" cy="1741263"/>
+        </a:xfrm>
+        <a:prstGeom prst="roundRect">
+          <a:avLst>
+            <a:gd name="adj" fmla="val 10000"/>
+          </a:avLst>
+        </a:prstGeom>
+        <a:solidFill>
+          <a:schemeClr val="accent1">
+            <a:hueOff val="0"/>
+            <a:satOff val="0"/>
+            <a:lumOff val="0"/>
+            <a:alphaOff val="0"/>
+          </a:schemeClr>
+        </a:solidFill>
+        <a:ln w="12700" cap="flat" cmpd="sng" algn="ctr">
+          <a:solidFill>
+            <a:schemeClr val="lt1">
+              <a:hueOff val="0"/>
+              <a:satOff val="0"/>
+              <a:lumOff val="0"/>
+              <a:alphaOff val="0"/>
+            </a:schemeClr>
+          </a:solidFill>
+          <a:prstDash val="solid"/>
+          <a:miter lim="800000"/>
+        </a:ln>
+        <a:effectLst/>
+      </dsp:spPr>
+      <dsp:style>
+        <a:lnRef idx="2">
+          <a:scrgbClr r="0" g="0" b="0"/>
+        </a:lnRef>
+        <a:fillRef idx="1">
+          <a:scrgbClr r="0" g="0" b="0"/>
+        </a:fillRef>
+        <a:effectRef idx="0">
+          <a:scrgbClr r="0" g="0" b="0"/>
+        </a:effectRef>
+        <a:fontRef idx="minor">
+          <a:schemeClr val="lt1"/>
+        </a:fontRef>
+      </dsp:style>
+      <dsp:txBody>
+        <a:bodyPr spcFirstLastPara="0" vert="horz" wrap="square" lIns="106680" tIns="106680" rIns="106680" bIns="106680" numCol="1" spcCol="1270" anchor="ctr" anchorCtr="0">
+          <a:noAutofit/>
+        </a:bodyPr>
+        <a:lstStyle/>
+        <a:p>
+          <a:pPr marL="0" lvl="0" indent="0" algn="ctr" defTabSz="1244600">
+            <a:lnSpc>
+              <a:spcPct val="90000"/>
+            </a:lnSpc>
+            <a:spcBef>
+              <a:spcPct val="0"/>
+            </a:spcBef>
+            <a:spcAft>
+              <a:spcPct val="35000"/>
+            </a:spcAft>
+            <a:buNone/>
+          </a:pPr>
+          <a:r>
+            <a:rPr lang="en-US" sz="2800" kern="1200" dirty="0"/>
+            <a:t>Visual Studio</a:t>
+          </a:r>
+        </a:p>
+      </dsp:txBody>
+      <dsp:txXfrm>
+        <a:off x="52783" y="51446"/>
+        <a:ext cx="1633079" cy="1639649"/>
+      </dsp:txXfrm>
+    </dsp:sp>
+    <dsp:sp modelId="{8779E483-D32A-45C6-AC38-689CFC31597C}">
+      <dsp:nvSpPr>
+        <dsp:cNvPr id="0" name=""/>
+        <dsp:cNvSpPr/>
+      </dsp:nvSpPr>
+      <dsp:spPr>
+        <a:xfrm>
+          <a:off x="1882384" y="639"/>
+          <a:ext cx="1734693" cy="1741263"/>
+        </a:xfrm>
+        <a:prstGeom prst="roundRect">
+          <a:avLst>
+            <a:gd name="adj" fmla="val 10000"/>
+          </a:avLst>
+        </a:prstGeom>
+        <a:solidFill>
+          <a:schemeClr val="accent1">
+            <a:hueOff val="0"/>
+            <a:satOff val="0"/>
+            <a:lumOff val="0"/>
+            <a:alphaOff val="0"/>
+          </a:schemeClr>
+        </a:solidFill>
+        <a:ln w="12700" cap="flat" cmpd="sng" algn="ctr">
+          <a:solidFill>
+            <a:schemeClr val="lt1">
+              <a:hueOff val="0"/>
+              <a:satOff val="0"/>
+              <a:lumOff val="0"/>
+              <a:alphaOff val="0"/>
+            </a:schemeClr>
+          </a:solidFill>
+          <a:prstDash val="solid"/>
+          <a:miter lim="800000"/>
+        </a:ln>
+        <a:effectLst/>
+      </dsp:spPr>
+      <dsp:style>
+        <a:lnRef idx="2">
+          <a:scrgbClr r="0" g="0" b="0"/>
+        </a:lnRef>
+        <a:fillRef idx="1">
+          <a:scrgbClr r="0" g="0" b="0"/>
+        </a:fillRef>
+        <a:effectRef idx="0">
+          <a:scrgbClr r="0" g="0" b="0"/>
+        </a:effectRef>
+        <a:fontRef idx="minor">
+          <a:schemeClr val="lt1"/>
+        </a:fontRef>
+      </dsp:style>
+      <dsp:txBody>
+        <a:bodyPr spcFirstLastPara="0" vert="horz" wrap="square" lIns="106680" tIns="106680" rIns="106680" bIns="106680" numCol="1" spcCol="1270" anchor="ctr" anchorCtr="0">
+          <a:noAutofit/>
+        </a:bodyPr>
+        <a:lstStyle/>
+        <a:p>
+          <a:pPr marL="0" lvl="0" indent="0" algn="ctr" defTabSz="1244600">
+            <a:lnSpc>
+              <a:spcPct val="90000"/>
+            </a:lnSpc>
+            <a:spcBef>
+              <a:spcPct val="0"/>
+            </a:spcBef>
+            <a:spcAft>
+              <a:spcPct val="35000"/>
+            </a:spcAft>
+            <a:buNone/>
+          </a:pPr>
+          <a:r>
+            <a:rPr lang="en-US" sz="2800" kern="1200" dirty="0"/>
+            <a:t>Visual Studio for Mac</a:t>
+          </a:r>
+        </a:p>
+      </dsp:txBody>
+      <dsp:txXfrm>
+        <a:off x="1933191" y="51446"/>
+        <a:ext cx="1633079" cy="1639649"/>
+      </dsp:txXfrm>
+    </dsp:sp>
+    <dsp:sp modelId="{B0680C6A-DDE6-42F5-9A21-72816797E8DA}">
+      <dsp:nvSpPr>
+        <dsp:cNvPr id="0" name=""/>
+        <dsp:cNvSpPr/>
+      </dsp:nvSpPr>
+      <dsp:spPr>
+        <a:xfrm>
+          <a:off x="3762792" y="639"/>
+          <a:ext cx="1734693" cy="1741263"/>
+        </a:xfrm>
+        <a:prstGeom prst="roundRect">
+          <a:avLst>
+            <a:gd name="adj" fmla="val 10000"/>
+          </a:avLst>
+        </a:prstGeom>
+        <a:solidFill>
+          <a:schemeClr val="accent1">
+            <a:hueOff val="0"/>
+            <a:satOff val="0"/>
+            <a:lumOff val="0"/>
+            <a:alphaOff val="0"/>
+          </a:schemeClr>
+        </a:solidFill>
+        <a:ln w="12700" cap="flat" cmpd="sng" algn="ctr">
+          <a:solidFill>
+            <a:schemeClr val="lt1">
+              <a:hueOff val="0"/>
+              <a:satOff val="0"/>
+              <a:lumOff val="0"/>
+              <a:alphaOff val="0"/>
+            </a:schemeClr>
+          </a:solidFill>
+          <a:prstDash val="solid"/>
+          <a:miter lim="800000"/>
+        </a:ln>
+        <a:effectLst/>
+      </dsp:spPr>
+      <dsp:style>
+        <a:lnRef idx="2">
+          <a:scrgbClr r="0" g="0" b="0"/>
+        </a:lnRef>
+        <a:fillRef idx="1">
+          <a:scrgbClr r="0" g="0" b="0"/>
+        </a:fillRef>
+        <a:effectRef idx="0">
+          <a:scrgbClr r="0" g="0" b="0"/>
+        </a:effectRef>
+        <a:fontRef idx="minor">
+          <a:schemeClr val="lt1"/>
+        </a:fontRef>
+      </dsp:style>
+      <dsp:txBody>
+        <a:bodyPr spcFirstLastPara="0" vert="horz" wrap="square" lIns="106680" tIns="106680" rIns="106680" bIns="106680" numCol="1" spcCol="1270" anchor="ctr" anchorCtr="0">
+          <a:noAutofit/>
+        </a:bodyPr>
+        <a:lstStyle/>
+        <a:p>
+          <a:pPr marL="0" lvl="0" indent="0" algn="ctr" defTabSz="1244600">
+            <a:lnSpc>
+              <a:spcPct val="90000"/>
+            </a:lnSpc>
+            <a:spcBef>
+              <a:spcPct val="0"/>
+            </a:spcBef>
+            <a:spcAft>
+              <a:spcPct val="35000"/>
+            </a:spcAft>
+            <a:buNone/>
+          </a:pPr>
+          <a:r>
+            <a:rPr lang="en-US" sz="2800" kern="1200" dirty="0"/>
+            <a:t>Visual Studio Code</a:t>
+          </a:r>
+        </a:p>
+      </dsp:txBody>
+      <dsp:txXfrm>
+        <a:off x="3813599" y="51446"/>
+        <a:ext cx="1633079" cy="1639649"/>
+      </dsp:txXfrm>
+    </dsp:sp>
+  </dsp:spTree>
+</dsp:drawing>
+</file>
+
+<file path=ppt/diagrams/drawing2.xml><?xml version="1.0" encoding="utf-8"?>
 <dsp:drawing xmlns:dgm="http://schemas.openxmlformats.org/drawingml/2006/diagram" xmlns:dsp="http://schemas.microsoft.com/office/drawing/2008/diagram" xmlns:a="http://schemas.openxmlformats.org/drawingml/2006/main">
   <dsp:spTree>
     <dsp:nvGrpSpPr>
@@ -1502,6 +2866,529 @@
 </file>
 
 <file path=ppt/diagrams/layout1.xml><?xml version="1.0" encoding="utf-8"?>
+<dgm:layoutDef xmlns:dgm="http://schemas.openxmlformats.org/drawingml/2006/diagram" xmlns:a="http://schemas.openxmlformats.org/drawingml/2006/main" uniqueId="urn:microsoft.com/office/officeart/2005/8/layout/architecture">
+  <dgm:title val="Architecture Layout"/>
+  <dgm:desc val="Use to show hierarchical relationships that build from the bottom up. This layout works well for showing architectural components or objects that build on other objects."/>
+  <dgm:catLst>
+    <dgm:cat type="hierarchy" pri="4500"/>
+    <dgm:cat type="list" pri="24500"/>
+    <dgm:cat type="relationship" pri="10500"/>
+    <dgm:cat type="officeonline" pri="7000"/>
+  </dgm:catLst>
+  <dgm:sampData>
+    <dgm:dataModel>
+      <dgm:ptLst>
+        <dgm:pt modelId="0" type="doc"/>
+        <dgm:pt modelId="1">
+          <dgm:prSet phldr="1"/>
+        </dgm:pt>
+        <dgm:pt modelId="2">
+          <dgm:prSet phldr="1"/>
+        </dgm:pt>
+        <dgm:pt modelId="21">
+          <dgm:prSet phldr="1"/>
+        </dgm:pt>
+        <dgm:pt modelId="22">
+          <dgm:prSet phldr="1"/>
+        </dgm:pt>
+        <dgm:pt modelId="3">
+          <dgm:prSet phldr="1"/>
+        </dgm:pt>
+        <dgm:pt modelId="31">
+          <dgm:prSet phldr="1"/>
+        </dgm:pt>
+      </dgm:ptLst>
+      <dgm:cxnLst>
+        <dgm:cxn modelId="4" srcId="0" destId="1" srcOrd="0" destOrd="0"/>
+        <dgm:cxn modelId="5" srcId="1" destId="2" srcOrd="0" destOrd="0"/>
+        <dgm:cxn modelId="6" srcId="1" destId="3" srcOrd="1" destOrd="0"/>
+        <dgm:cxn modelId="23" srcId="2" destId="21" srcOrd="0" destOrd="0"/>
+        <dgm:cxn modelId="24" srcId="2" destId="22" srcOrd="1" destOrd="0"/>
+        <dgm:cxn modelId="33" srcId="3" destId="31" srcOrd="0" destOrd="0"/>
+      </dgm:cxnLst>
+      <dgm:bg/>
+      <dgm:whole/>
+    </dgm:dataModel>
+  </dgm:sampData>
+  <dgm:styleData>
+    <dgm:dataModel>
+      <dgm:ptLst>
+        <dgm:pt modelId="0" type="doc"/>
+        <dgm:pt modelId="1"/>
+        <dgm:pt modelId="11"/>
+        <dgm:pt modelId="12"/>
+      </dgm:ptLst>
+      <dgm:cxnLst>
+        <dgm:cxn modelId="2" srcId="0" destId="1" srcOrd="0" destOrd="0"/>
+        <dgm:cxn modelId="13" srcId="1" destId="11" srcOrd="0" destOrd="0"/>
+        <dgm:cxn modelId="14" srcId="1" destId="12" srcOrd="1" destOrd="0"/>
+      </dgm:cxnLst>
+      <dgm:bg/>
+      <dgm:whole/>
+    </dgm:dataModel>
+  </dgm:styleData>
+  <dgm:clrData>
+    <dgm:dataModel>
+      <dgm:ptLst>
+        <dgm:pt modelId="0" type="doc"/>
+        <dgm:pt modelId="1"/>
+        <dgm:pt modelId="2"/>
+        <dgm:pt modelId="21"/>
+        <dgm:pt modelId="211"/>
+        <dgm:pt modelId="3"/>
+        <dgm:pt modelId="31"/>
+        <dgm:pt modelId="311"/>
+      </dgm:ptLst>
+      <dgm:cxnLst>
+        <dgm:cxn modelId="4" srcId="0" destId="1" srcOrd="0" destOrd="0"/>
+        <dgm:cxn modelId="5" srcId="1" destId="2" srcOrd="0" destOrd="0"/>
+        <dgm:cxn modelId="6" srcId="1" destId="3" srcOrd="1" destOrd="0"/>
+        <dgm:cxn modelId="23" srcId="2" destId="21" srcOrd="0" destOrd="0"/>
+        <dgm:cxn modelId="24" srcId="21" destId="211" srcOrd="0" destOrd="0"/>
+        <dgm:cxn modelId="33" srcId="3" destId="31" srcOrd="0" destOrd="0"/>
+        <dgm:cxn modelId="34" srcId="31" destId="311" srcOrd="0" destOrd="0"/>
+      </dgm:cxnLst>
+      <dgm:bg/>
+      <dgm:whole/>
+    </dgm:dataModel>
+  </dgm:clrData>
+  <dgm:layoutNode name="Name0">
+    <dgm:varLst>
+      <dgm:chPref val="1"/>
+      <dgm:dir/>
+      <dgm:animOne val="branch"/>
+      <dgm:animLvl val="lvl"/>
+      <dgm:resizeHandles/>
+    </dgm:varLst>
+    <dgm:choose name="Name1">
+      <dgm:if name="Name2" func="var" arg="dir" op="equ" val="norm">
+        <dgm:alg type="lin">
+          <dgm:param type="linDir" val="fromL"/>
+          <dgm:param type="nodeVertAlign" val="b"/>
+        </dgm:alg>
+      </dgm:if>
+      <dgm:else name="Name3">
+        <dgm:alg type="lin">
+          <dgm:param type="linDir" val="fromR"/>
+          <dgm:param type="nodeVertAlign" val="b"/>
+        </dgm:alg>
+      </dgm:else>
+    </dgm:choose>
+    <dgm:shape xmlns:r="http://schemas.openxmlformats.org/officeDocument/2006/relationships" r:blip="">
+      <dgm:adjLst/>
+    </dgm:shape>
+    <dgm:presOf/>
+    <dgm:constrLst>
+      <dgm:constr type="w" for="ch" forName="vertOne" refType="w"/>
+      <dgm:constr type="w" for="des" forName="horzOne" refType="w"/>
+      <dgm:constr type="w" for="des" forName="txOne" refType="w"/>
+      <dgm:constr type="w" for="des" forName="vertTwo" refType="w"/>
+      <dgm:constr type="w" for="des" forName="horzTwo" refType="w"/>
+      <dgm:constr type="w" for="des" forName="txTwo" refType="w"/>
+      <dgm:constr type="w" for="des" forName="vertThree" refType="w"/>
+      <dgm:constr type="w" for="des" forName="horzThree" refType="w"/>
+      <dgm:constr type="w" for="des" forName="txThree" refType="w"/>
+      <dgm:constr type="w" for="des" forName="vertFour" refType="w"/>
+      <dgm:constr type="w" for="des" forName="horzFour" refType="w"/>
+      <dgm:constr type="w" for="des" forName="txFour" refType="w"/>
+      <dgm:constr type="h" for="des" ptType="node" op="equ"/>
+      <dgm:constr type="h" for="des" forName="txOne" refType="h"/>
+      <dgm:constr type="userH" for="des" ptType="node" refType="h" refFor="des" refForName="txOne"/>
+      <dgm:constr type="primFontSz" for="des" forName="txOne" val="65"/>
+      <dgm:constr type="primFontSz" for="des" forName="txTwo" val="65"/>
+      <dgm:constr type="primFontSz" for="des" forName="txTwo" refType="primFontSz" refFor="des" refForName="txOne" op="lte"/>
+      <dgm:constr type="primFontSz" for="des" forName="txThree" val="65"/>
+      <dgm:constr type="primFontSz" for="des" forName="txThree" refType="primFontSz" refFor="des" refForName="txOne" op="lte"/>
+      <dgm:constr type="primFontSz" for="des" forName="txThree" refType="primFontSz" refFor="des" refForName="txTwo" op="lte"/>
+      <dgm:constr type="primFontSz" for="des" forName="txFour" val="65"/>
+      <dgm:constr type="primFontSz" for="des" forName="txFour" refType="primFontSz" refFor="des" refForName="txOne" op="lte"/>
+      <dgm:constr type="primFontSz" for="des" forName="txFour" refType="primFontSz" refFor="des" refForName="txTwo" op="lte"/>
+      <dgm:constr type="primFontSz" for="des" forName="txFour" refType="primFontSz" refFor="des" refForName="txThree" op="lte"/>
+      <dgm:constr type="w" for="des" forName="sibSpaceOne" refType="w" fact="0.168"/>
+      <dgm:constr type="w" for="des" forName="sibSpaceTwo" refType="w" refFor="des" refForName="sibSpaceOne" op="equ" fact="0.5"/>
+      <dgm:constr type="w" for="des" forName="sibSpaceThree" refType="w" refFor="des" refForName="sibSpaceTwo" op="equ" fact="0.5"/>
+      <dgm:constr type="w" for="des" forName="sibSpaceFour" refType="w" refFor="des" refForName="sibSpaceThree" op="equ" fact="0.5"/>
+      <dgm:constr type="h" for="des" forName="parTransOne" refType="w" fact="0.056"/>
+      <dgm:constr type="h" for="des" forName="parTransTwo" refType="h" refFor="des" refForName="parTransOne" op="equ"/>
+      <dgm:constr type="h" for="des" forName="parTransThree" refType="h" refFor="des" refForName="parTransTwo" op="equ"/>
+      <dgm:constr type="h" for="des" forName="parTransFour" refType="h" refFor="des" refForName="parTransThree" op="equ"/>
+    </dgm:constrLst>
+    <dgm:ruleLst/>
+    <dgm:forEach name="Name4" axis="ch" ptType="node">
+      <dgm:layoutNode name="vertOne">
+        <dgm:alg type="lin">
+          <dgm:param type="linDir" val="fromB"/>
+        </dgm:alg>
+        <dgm:shape xmlns:r="http://schemas.openxmlformats.org/officeDocument/2006/relationships" r:blip="">
+          <dgm:adjLst/>
+        </dgm:shape>
+        <dgm:presOf/>
+        <dgm:constrLst>
+          <dgm:constr type="w" for="ch" forName="txOne" refType="w" refFor="ch" refForName="horzOne" op="gte"/>
+        </dgm:constrLst>
+        <dgm:ruleLst/>
+        <dgm:layoutNode name="txOne" styleLbl="node0">
+          <dgm:varLst>
+            <dgm:chPref val="3"/>
+          </dgm:varLst>
+          <dgm:alg type="tx"/>
+          <dgm:shape xmlns:r="http://schemas.openxmlformats.org/officeDocument/2006/relationships" type="roundRect" r:blip="">
+            <dgm:adjLst>
+              <dgm:adj idx="1" val="0.1"/>
+            </dgm:adjLst>
+          </dgm:shape>
+          <dgm:presOf axis="self"/>
+          <dgm:constrLst>
+            <dgm:constr type="tMarg" refType="primFontSz" fact="0.3"/>
+            <dgm:constr type="bMarg" refType="primFontSz" fact="0.3"/>
+            <dgm:constr type="lMarg" refType="primFontSz" fact="0.3"/>
+            <dgm:constr type="rMarg" refType="primFontSz" fact="0.3"/>
+          </dgm:constrLst>
+          <dgm:ruleLst>
+            <dgm:rule type="primFontSz" val="5" fact="NaN" max="NaN"/>
+          </dgm:ruleLst>
+        </dgm:layoutNode>
+        <dgm:choose name="Name5">
+          <dgm:if name="Name6" axis="des" ptType="node" func="cnt" op="gt" val="0">
+            <dgm:layoutNode name="parTransOne">
+              <dgm:alg type="sp"/>
+              <dgm:shape xmlns:r="http://schemas.openxmlformats.org/officeDocument/2006/relationships" r:blip="">
+                <dgm:adjLst/>
+              </dgm:shape>
+              <dgm:presOf/>
+              <dgm:constrLst/>
+              <dgm:ruleLst/>
+            </dgm:layoutNode>
+          </dgm:if>
+          <dgm:else name="Name7"/>
+        </dgm:choose>
+        <dgm:layoutNode name="horzOne">
+          <dgm:choose name="Name8">
+            <dgm:if name="Name9" func="var" arg="dir" op="equ" val="norm">
+              <dgm:alg type="lin">
+                <dgm:param type="linDir" val="fromL"/>
+                <dgm:param type="nodeVertAlign" val="b"/>
+              </dgm:alg>
+            </dgm:if>
+            <dgm:else name="Name10">
+              <dgm:alg type="lin">
+                <dgm:param type="linDir" val="fromR"/>
+                <dgm:param type="nodeVertAlign" val="b"/>
+              </dgm:alg>
+            </dgm:else>
+          </dgm:choose>
+          <dgm:shape xmlns:r="http://schemas.openxmlformats.org/officeDocument/2006/relationships" r:blip="">
+            <dgm:adjLst/>
+          </dgm:shape>
+          <dgm:presOf/>
+          <dgm:constrLst/>
+          <dgm:ruleLst>
+            <dgm:rule type="w" val="INF" fact="NaN" max="NaN"/>
+          </dgm:ruleLst>
+          <dgm:forEach name="Name11" axis="ch" ptType="node">
+            <dgm:layoutNode name="vertTwo">
+              <dgm:alg type="lin">
+                <dgm:param type="linDir" val="fromB"/>
+              </dgm:alg>
+              <dgm:shape xmlns:r="http://schemas.openxmlformats.org/officeDocument/2006/relationships" r:blip="">
+                <dgm:adjLst/>
+              </dgm:shape>
+              <dgm:presOf/>
+              <dgm:constrLst>
+                <dgm:constr type="w" for="ch" forName="txTwo" refType="w" refFor="ch" refForName="horzTwo" op="gte"/>
+              </dgm:constrLst>
+              <dgm:ruleLst/>
+              <dgm:layoutNode name="txTwo">
+                <dgm:varLst>
+                  <dgm:chPref val="3"/>
+                </dgm:varLst>
+                <dgm:alg type="tx"/>
+                <dgm:shape xmlns:r="http://schemas.openxmlformats.org/officeDocument/2006/relationships" type="roundRect" r:blip="">
+                  <dgm:adjLst>
+                    <dgm:adj idx="1" val="0.1"/>
+                  </dgm:adjLst>
+                </dgm:shape>
+                <dgm:presOf axis="self"/>
+                <dgm:constrLst>
+                  <dgm:constr type="userH"/>
+                  <dgm:constr type="h" refType="userH"/>
+                  <dgm:constr type="tMarg" refType="primFontSz" fact="0.3"/>
+                  <dgm:constr type="bMarg" refType="primFontSz" fact="0.3"/>
+                  <dgm:constr type="lMarg" refType="primFontSz" fact="0.3"/>
+                  <dgm:constr type="rMarg" refType="primFontSz" fact="0.3"/>
+                </dgm:constrLst>
+                <dgm:ruleLst>
+                  <dgm:rule type="primFontSz" val="5" fact="NaN" max="NaN"/>
+                </dgm:ruleLst>
+              </dgm:layoutNode>
+              <dgm:choose name="Name12">
+                <dgm:if name="Name13" axis="des" ptType="node" func="cnt" op="gt" val="0">
+                  <dgm:layoutNode name="parTransTwo">
+                    <dgm:alg type="sp"/>
+                    <dgm:shape xmlns:r="http://schemas.openxmlformats.org/officeDocument/2006/relationships" r:blip="">
+                      <dgm:adjLst/>
+                    </dgm:shape>
+                    <dgm:presOf/>
+                    <dgm:constrLst/>
+                    <dgm:ruleLst/>
+                  </dgm:layoutNode>
+                </dgm:if>
+                <dgm:else name="Name14"/>
+              </dgm:choose>
+              <dgm:layoutNode name="horzTwo">
+                <dgm:choose name="Name15">
+                  <dgm:if name="Name16" func="var" arg="dir" op="equ" val="norm">
+                    <dgm:alg type="lin">
+                      <dgm:param type="linDir" val="fromL"/>
+                      <dgm:param type="nodeVertAlign" val="b"/>
+                    </dgm:alg>
+                  </dgm:if>
+                  <dgm:else name="Name17">
+                    <dgm:alg type="lin">
+                      <dgm:param type="linDir" val="fromR"/>
+                      <dgm:param type="nodeVertAlign" val="b"/>
+                    </dgm:alg>
+                  </dgm:else>
+                </dgm:choose>
+                <dgm:shape xmlns:r="http://schemas.openxmlformats.org/officeDocument/2006/relationships" r:blip="">
+                  <dgm:adjLst/>
+                </dgm:shape>
+                <dgm:presOf/>
+                <dgm:constrLst/>
+                <dgm:ruleLst>
+                  <dgm:rule type="w" val="INF" fact="NaN" max="NaN"/>
+                </dgm:ruleLst>
+                <dgm:forEach name="Name18" axis="ch" ptType="node">
+                  <dgm:layoutNode name="vertThree">
+                    <dgm:alg type="lin">
+                      <dgm:param type="linDir" val="fromB"/>
+                    </dgm:alg>
+                    <dgm:shape xmlns:r="http://schemas.openxmlformats.org/officeDocument/2006/relationships" r:blip="">
+                      <dgm:adjLst/>
+                    </dgm:shape>
+                    <dgm:presOf/>
+                    <dgm:constrLst>
+                      <dgm:constr type="w" for="ch" forName="txThree" refType="w" refFor="ch" refForName="horzThree" op="gte"/>
+                    </dgm:constrLst>
+                    <dgm:ruleLst/>
+                    <dgm:layoutNode name="txThree">
+                      <dgm:varLst>
+                        <dgm:chPref val="3"/>
+                      </dgm:varLst>
+                      <dgm:alg type="tx"/>
+                      <dgm:shape xmlns:r="http://schemas.openxmlformats.org/officeDocument/2006/relationships" type="roundRect" r:blip="">
+                        <dgm:adjLst>
+                          <dgm:adj idx="1" val="0.1"/>
+                        </dgm:adjLst>
+                      </dgm:shape>
+                      <dgm:presOf axis="self"/>
+                      <dgm:constrLst>
+                        <dgm:constr type="userH"/>
+                        <dgm:constr type="h" refType="userH"/>
+                        <dgm:constr type="tMarg" refType="primFontSz" fact="0.3"/>
+                        <dgm:constr type="bMarg" refType="primFontSz" fact="0.3"/>
+                        <dgm:constr type="lMarg" refType="primFontSz" fact="0.3"/>
+                        <dgm:constr type="rMarg" refType="primFontSz" fact="0.3"/>
+                      </dgm:constrLst>
+                      <dgm:ruleLst>
+                        <dgm:rule type="primFontSz" val="5" fact="NaN" max="NaN"/>
+                      </dgm:ruleLst>
+                    </dgm:layoutNode>
+                    <dgm:choose name="Name19">
+                      <dgm:if name="Name20" axis="des" ptType="node" func="cnt" op="gt" val="0">
+                        <dgm:layoutNode name="parTransThree">
+                          <dgm:alg type="sp"/>
+                          <dgm:shape xmlns:r="http://schemas.openxmlformats.org/officeDocument/2006/relationships" r:blip="">
+                            <dgm:adjLst/>
+                          </dgm:shape>
+                          <dgm:presOf/>
+                          <dgm:constrLst/>
+                          <dgm:ruleLst/>
+                        </dgm:layoutNode>
+                      </dgm:if>
+                      <dgm:else name="Name21"/>
+                    </dgm:choose>
+                    <dgm:layoutNode name="horzThree">
+                      <dgm:choose name="Name22">
+                        <dgm:if name="Name23" func="var" arg="dir" op="equ" val="norm">
+                          <dgm:alg type="lin">
+                            <dgm:param type="linDir" val="fromL"/>
+                            <dgm:param type="nodeVertAlign" val="b"/>
+                          </dgm:alg>
+                        </dgm:if>
+                        <dgm:else name="Name24">
+                          <dgm:alg type="lin">
+                            <dgm:param type="linDir" val="fromR"/>
+                            <dgm:param type="nodeVertAlign" val="b"/>
+                          </dgm:alg>
+                        </dgm:else>
+                      </dgm:choose>
+                      <dgm:shape xmlns:r="http://schemas.openxmlformats.org/officeDocument/2006/relationships" r:blip="">
+                        <dgm:adjLst/>
+                      </dgm:shape>
+                      <dgm:presOf/>
+                      <dgm:constrLst/>
+                      <dgm:ruleLst>
+                        <dgm:rule type="w" val="INF" fact="NaN" max="NaN"/>
+                      </dgm:ruleLst>
+                      <dgm:forEach name="repeat" axis="ch" ptType="node">
+                        <dgm:layoutNode name="vertFour">
+                          <dgm:varLst>
+                            <dgm:chPref val="3"/>
+                          </dgm:varLst>
+                          <dgm:alg type="lin">
+                            <dgm:param type="linDir" val="fromB"/>
+                          </dgm:alg>
+                          <dgm:shape xmlns:r="http://schemas.openxmlformats.org/officeDocument/2006/relationships" r:blip="">
+                            <dgm:adjLst/>
+                          </dgm:shape>
+                          <dgm:presOf/>
+                          <dgm:constrLst>
+                            <dgm:constr type="w" for="ch" forName="txFour" refType="w" refFor="ch" refForName="horzFour" op="gte"/>
+                          </dgm:constrLst>
+                          <dgm:ruleLst/>
+                          <dgm:layoutNode name="txFour">
+                            <dgm:varLst>
+                              <dgm:chPref val="3"/>
+                            </dgm:varLst>
+                            <dgm:alg type="tx"/>
+                            <dgm:shape xmlns:r="http://schemas.openxmlformats.org/officeDocument/2006/relationships" type="roundRect" r:blip="">
+                              <dgm:adjLst>
+                                <dgm:adj idx="1" val="0.1"/>
+                              </dgm:adjLst>
+                            </dgm:shape>
+                            <dgm:presOf axis="self"/>
+                            <dgm:constrLst>
+                              <dgm:constr type="userH"/>
+                              <dgm:constr type="h" refType="userH"/>
+                              <dgm:constr type="tMarg" refType="primFontSz" fact="0.3"/>
+                              <dgm:constr type="bMarg" refType="primFontSz" fact="0.3"/>
+                              <dgm:constr type="lMarg" refType="primFontSz" fact="0.3"/>
+                              <dgm:constr type="rMarg" refType="primFontSz" fact="0.3"/>
+                            </dgm:constrLst>
+                            <dgm:ruleLst>
+                              <dgm:rule type="primFontSz" val="5" fact="NaN" max="NaN"/>
+                            </dgm:ruleLst>
+                          </dgm:layoutNode>
+                          <dgm:choose name="Name25">
+                            <dgm:if name="Name26" axis="des" ptType="node" func="cnt" op="gt" val="0">
+                              <dgm:layoutNode name="parTransFour">
+                                <dgm:alg type="sp"/>
+                                <dgm:shape xmlns:r="http://schemas.openxmlformats.org/officeDocument/2006/relationships" r:blip="">
+                                  <dgm:adjLst/>
+                                </dgm:shape>
+                                <dgm:presOf/>
+                                <dgm:constrLst/>
+                                <dgm:ruleLst/>
+                              </dgm:layoutNode>
+                            </dgm:if>
+                            <dgm:else name="Name27"/>
+                          </dgm:choose>
+                          <dgm:layoutNode name="horzFour">
+                            <dgm:choose name="Name28">
+                              <dgm:if name="Name29" func="var" arg="dir" op="equ" val="norm">
+                                <dgm:alg type="lin">
+                                  <dgm:param type="linDir" val="fromL"/>
+                                  <dgm:param type="nodeVertAlign" val="b"/>
+                                </dgm:alg>
+                              </dgm:if>
+                              <dgm:else name="Name30">
+                                <dgm:alg type="lin">
+                                  <dgm:param type="linDir" val="fromR"/>
+                                  <dgm:param type="nodeVertAlign" val="b"/>
+                                </dgm:alg>
+                              </dgm:else>
+                            </dgm:choose>
+                            <dgm:shape xmlns:r="http://schemas.openxmlformats.org/officeDocument/2006/relationships" r:blip="">
+                              <dgm:adjLst/>
+                            </dgm:shape>
+                            <dgm:presOf/>
+                            <dgm:constrLst/>
+                            <dgm:ruleLst>
+                              <dgm:rule type="w" val="INF" fact="NaN" max="NaN"/>
+                            </dgm:ruleLst>
+                            <dgm:forEach name="Name31" ref="repeat"/>
+                          </dgm:layoutNode>
+                        </dgm:layoutNode>
+                        <dgm:choose name="Name32">
+                          <dgm:if name="Name33" axis="self" ptType="node" func="revPos" op="gte" val="2">
+                            <dgm:forEach name="Name34" axis="followSib" ptType="sibTrans" cnt="1">
+                              <dgm:layoutNode name="sibSpaceFour">
+                                <dgm:alg type="sp"/>
+                                <dgm:shape xmlns:r="http://schemas.openxmlformats.org/officeDocument/2006/relationships" r:blip="">
+                                  <dgm:adjLst/>
+                                </dgm:shape>
+                                <dgm:presOf/>
+                                <dgm:constrLst/>
+                                <dgm:ruleLst/>
+                              </dgm:layoutNode>
+                            </dgm:forEach>
+                          </dgm:if>
+                          <dgm:else name="Name35"/>
+                        </dgm:choose>
+                      </dgm:forEach>
+                    </dgm:layoutNode>
+                  </dgm:layoutNode>
+                  <dgm:choose name="Name36">
+                    <dgm:if name="Name37" axis="self" ptType="node" func="revPos" op="gte" val="2">
+                      <dgm:forEach name="Name38" axis="followSib" ptType="sibTrans" cnt="1">
+                        <dgm:layoutNode name="sibSpaceThree">
+                          <dgm:alg type="sp"/>
+                          <dgm:shape xmlns:r="http://schemas.openxmlformats.org/officeDocument/2006/relationships" r:blip="">
+                            <dgm:adjLst/>
+                          </dgm:shape>
+                          <dgm:presOf/>
+                          <dgm:constrLst/>
+                          <dgm:ruleLst/>
+                        </dgm:layoutNode>
+                      </dgm:forEach>
+                    </dgm:if>
+                    <dgm:else name="Name39"/>
+                  </dgm:choose>
+                </dgm:forEach>
+              </dgm:layoutNode>
+            </dgm:layoutNode>
+            <dgm:choose name="Name40">
+              <dgm:if name="Name41" axis="self" ptType="node" func="revPos" op="gte" val="2">
+                <dgm:forEach name="Name42" axis="followSib" ptType="sibTrans" cnt="1">
+                  <dgm:layoutNode name="sibSpaceTwo">
+                    <dgm:alg type="sp"/>
+                    <dgm:shape xmlns:r="http://schemas.openxmlformats.org/officeDocument/2006/relationships" r:blip="">
+                      <dgm:adjLst/>
+                    </dgm:shape>
+                    <dgm:presOf/>
+                    <dgm:constrLst/>
+                    <dgm:ruleLst/>
+                  </dgm:layoutNode>
+                </dgm:forEach>
+              </dgm:if>
+              <dgm:else name="Name43"/>
+            </dgm:choose>
+          </dgm:forEach>
+        </dgm:layoutNode>
+      </dgm:layoutNode>
+      <dgm:choose name="Name44">
+        <dgm:if name="Name45" axis="self" ptType="node" func="revPos" op="gte" val="2">
+          <dgm:forEach name="Name46" axis="followSib" ptType="sibTrans" cnt="1">
+            <dgm:layoutNode name="sibSpaceOne">
+              <dgm:alg type="sp"/>
+              <dgm:shape xmlns:r="http://schemas.openxmlformats.org/officeDocument/2006/relationships" r:blip="">
+                <dgm:adjLst/>
+              </dgm:shape>
+              <dgm:presOf/>
+              <dgm:constrLst/>
+              <dgm:ruleLst/>
+            </dgm:layoutNode>
+          </dgm:forEach>
+        </dgm:if>
+        <dgm:else name="Name47"/>
+      </dgm:choose>
+    </dgm:forEach>
+  </dgm:layoutNode>
+</dgm:layoutDef>
+</file>
+
+<file path=ppt/diagrams/layout2.xml><?xml version="1.0" encoding="utf-8"?>
 <dgm:layoutDef xmlns:dgm="http://schemas.openxmlformats.org/drawingml/2006/diagram" xmlns:a="http://schemas.openxmlformats.org/drawingml/2006/main" uniqueId="urn:microsoft.com/office/officeart/2009/3/layout/HorizontalOrganizationChart">
   <dgm:title val=""/>
   <dgm:desc val=""/>
@@ -2686,6 +4573,1040 @@
 </file>
 
 <file path=ppt/diagrams/quickStyle1.xml><?xml version="1.0" encoding="utf-8"?>
+<dgm:styleDef xmlns:dgm="http://schemas.openxmlformats.org/drawingml/2006/diagram" xmlns:a="http://schemas.openxmlformats.org/drawingml/2006/main" uniqueId="urn:microsoft.com/office/officeart/2005/8/quickstyle/simple1">
+  <dgm:title val=""/>
+  <dgm:desc val=""/>
+  <dgm:catLst>
+    <dgm:cat type="simple" pri="10100"/>
+  </dgm:catLst>
+  <dgm:scene3d>
+    <a:camera prst="orthographicFront"/>
+    <a:lightRig rig="threePt" dir="t"/>
+  </dgm:scene3d>
+  <dgm:styleLbl name="node0">
+    <dgm:scene3d>
+      <a:camera prst="orthographicFront"/>
+      <a:lightRig rig="threePt" dir="t"/>
+    </dgm:scene3d>
+    <dgm:sp3d/>
+    <dgm:txPr/>
+    <dgm:style>
+      <a:lnRef idx="2">
+        <a:scrgbClr r="0" g="0" b="0"/>
+      </a:lnRef>
+      <a:fillRef idx="1">
+        <a:scrgbClr r="0" g="0" b="0"/>
+      </a:fillRef>
+      <a:effectRef idx="0">
+        <a:scrgbClr r="0" g="0" b="0"/>
+      </a:effectRef>
+      <a:fontRef idx="minor">
+        <a:schemeClr val="lt1"/>
+      </a:fontRef>
+    </dgm:style>
+  </dgm:styleLbl>
+  <dgm:styleLbl name="lnNode1">
+    <dgm:scene3d>
+      <a:camera prst="orthographicFront"/>
+      <a:lightRig rig="threePt" dir="t"/>
+    </dgm:scene3d>
+    <dgm:sp3d/>
+    <dgm:txPr/>
+    <dgm:style>
+      <a:lnRef idx="2">
+        <a:scrgbClr r="0" g="0" b="0"/>
+      </a:lnRef>
+      <a:fillRef idx="1">
+        <a:scrgbClr r="0" g="0" b="0"/>
+      </a:fillRef>
+      <a:effectRef idx="0">
+        <a:scrgbClr r="0" g="0" b="0"/>
+      </a:effectRef>
+      <a:fontRef idx="minor">
+        <a:schemeClr val="lt1"/>
+      </a:fontRef>
+    </dgm:style>
+  </dgm:styleLbl>
+  <dgm:styleLbl name="vennNode1">
+    <dgm:scene3d>
+      <a:camera prst="orthographicFront"/>
+      <a:lightRig rig="threePt" dir="t"/>
+    </dgm:scene3d>
+    <dgm:sp3d/>
+    <dgm:txPr/>
+    <dgm:style>
+      <a:lnRef idx="2">
+        <a:scrgbClr r="0" g="0" b="0"/>
+      </a:lnRef>
+      <a:fillRef idx="1">
+        <a:scrgbClr r="0" g="0" b="0"/>
+      </a:fillRef>
+      <a:effectRef idx="0">
+        <a:scrgbClr r="0" g="0" b="0"/>
+      </a:effectRef>
+      <a:fontRef idx="minor">
+        <a:schemeClr val="tx1"/>
+      </a:fontRef>
+    </dgm:style>
+  </dgm:styleLbl>
+  <dgm:styleLbl name="alignNode1">
+    <dgm:scene3d>
+      <a:camera prst="orthographicFront"/>
+      <a:lightRig rig="threePt" dir="t"/>
+    </dgm:scene3d>
+    <dgm:sp3d/>
+    <dgm:txPr/>
+    <dgm:style>
+      <a:lnRef idx="2">
+        <a:scrgbClr r="0" g="0" b="0"/>
+      </a:lnRef>
+      <a:fillRef idx="1">
+        <a:scrgbClr r="0" g="0" b="0"/>
+      </a:fillRef>
+      <a:effectRef idx="0">
+        <a:scrgbClr r="0" g="0" b="0"/>
+      </a:effectRef>
+      <a:fontRef idx="minor">
+        <a:schemeClr val="lt1"/>
+      </a:fontRef>
+    </dgm:style>
+  </dgm:styleLbl>
+  <dgm:styleLbl name="node1">
+    <dgm:scene3d>
+      <a:camera prst="orthographicFront"/>
+      <a:lightRig rig="threePt" dir="t"/>
+    </dgm:scene3d>
+    <dgm:sp3d/>
+    <dgm:txPr/>
+    <dgm:style>
+      <a:lnRef idx="2">
+        <a:scrgbClr r="0" g="0" b="0"/>
+      </a:lnRef>
+      <a:fillRef idx="1">
+        <a:scrgbClr r="0" g="0" b="0"/>
+      </a:fillRef>
+      <a:effectRef idx="0">
+        <a:scrgbClr r="0" g="0" b="0"/>
+      </a:effectRef>
+      <a:fontRef idx="minor">
+        <a:schemeClr val="lt1"/>
+      </a:fontRef>
+    </dgm:style>
+  </dgm:styleLbl>
+  <dgm:styleLbl name="node2">
+    <dgm:scene3d>
+      <a:camera prst="orthographicFront"/>
+      <a:lightRig rig="threePt" dir="t"/>
+    </dgm:scene3d>
+    <dgm:sp3d/>
+    <dgm:txPr/>
+    <dgm:style>
+      <a:lnRef idx="2">
+        <a:scrgbClr r="0" g="0" b="0"/>
+      </a:lnRef>
+      <a:fillRef idx="1">
+        <a:scrgbClr r="0" g="0" b="0"/>
+      </a:fillRef>
+      <a:effectRef idx="0">
+        <a:scrgbClr r="0" g="0" b="0"/>
+      </a:effectRef>
+      <a:fontRef idx="minor">
+        <a:schemeClr val="lt1"/>
+      </a:fontRef>
+    </dgm:style>
+  </dgm:styleLbl>
+  <dgm:styleLbl name="node3">
+    <dgm:scene3d>
+      <a:camera prst="orthographicFront"/>
+      <a:lightRig rig="threePt" dir="t"/>
+    </dgm:scene3d>
+    <dgm:sp3d/>
+    <dgm:txPr/>
+    <dgm:style>
+      <a:lnRef idx="2">
+        <a:scrgbClr r="0" g="0" b="0"/>
+      </a:lnRef>
+      <a:fillRef idx="1">
+        <a:scrgbClr r="0" g="0" b="0"/>
+      </a:fillRef>
+      <a:effectRef idx="0">
+        <a:scrgbClr r="0" g="0" b="0"/>
+      </a:effectRef>
+      <a:fontRef idx="minor">
+        <a:schemeClr val="lt1"/>
+      </a:fontRef>
+    </dgm:style>
+  </dgm:styleLbl>
+  <dgm:styleLbl name="node4">
+    <dgm:scene3d>
+      <a:camera prst="orthographicFront"/>
+      <a:lightRig rig="threePt" dir="t"/>
+    </dgm:scene3d>
+    <dgm:sp3d/>
+    <dgm:txPr/>
+    <dgm:style>
+      <a:lnRef idx="2">
+        <a:scrgbClr r="0" g="0" b="0"/>
+      </a:lnRef>
+      <a:fillRef idx="1">
+        <a:scrgbClr r="0" g="0" b="0"/>
+      </a:fillRef>
+      <a:effectRef idx="0">
+        <a:scrgbClr r="0" g="0" b="0"/>
+      </a:effectRef>
+      <a:fontRef idx="minor">
+        <a:schemeClr val="lt1"/>
+      </a:fontRef>
+    </dgm:style>
+  </dgm:styleLbl>
+  <dgm:styleLbl name="fgImgPlace1">
+    <dgm:scene3d>
+      <a:camera prst="orthographicFront"/>
+      <a:lightRig rig="threePt" dir="t"/>
+    </dgm:scene3d>
+    <dgm:sp3d/>
+    <dgm:txPr/>
+    <dgm:style>
+      <a:lnRef idx="2">
+        <a:scrgbClr r="0" g="0" b="0"/>
+      </a:lnRef>
+      <a:fillRef idx="1">
+        <a:scrgbClr r="0" g="0" b="0"/>
+      </a:fillRef>
+      <a:effectRef idx="0">
+        <a:scrgbClr r="0" g="0" b="0"/>
+      </a:effectRef>
+      <a:fontRef idx="minor"/>
+    </dgm:style>
+  </dgm:styleLbl>
+  <dgm:styleLbl name="alignImgPlace1">
+    <dgm:scene3d>
+      <a:camera prst="orthographicFront"/>
+      <a:lightRig rig="threePt" dir="t"/>
+    </dgm:scene3d>
+    <dgm:sp3d/>
+    <dgm:txPr/>
+    <dgm:style>
+      <a:lnRef idx="2">
+        <a:scrgbClr r="0" g="0" b="0"/>
+      </a:lnRef>
+      <a:fillRef idx="1">
+        <a:scrgbClr r="0" g="0" b="0"/>
+      </a:fillRef>
+      <a:effectRef idx="0">
+        <a:scrgbClr r="0" g="0" b="0"/>
+      </a:effectRef>
+      <a:fontRef idx="minor"/>
+    </dgm:style>
+  </dgm:styleLbl>
+  <dgm:styleLbl name="bgImgPlace1">
+    <dgm:scene3d>
+      <a:camera prst="orthographicFront"/>
+      <a:lightRig rig="threePt" dir="t"/>
+    </dgm:scene3d>
+    <dgm:sp3d/>
+    <dgm:txPr/>
+    <dgm:style>
+      <a:lnRef idx="2">
+        <a:scrgbClr r="0" g="0" b="0"/>
+      </a:lnRef>
+      <a:fillRef idx="1">
+        <a:scrgbClr r="0" g="0" b="0"/>
+      </a:fillRef>
+      <a:effectRef idx="0">
+        <a:scrgbClr r="0" g="0" b="0"/>
+      </a:effectRef>
+      <a:fontRef idx="minor"/>
+    </dgm:style>
+  </dgm:styleLbl>
+  <dgm:styleLbl name="sibTrans2D1">
+    <dgm:scene3d>
+      <a:camera prst="orthographicFront"/>
+      <a:lightRig rig="threePt" dir="t"/>
+    </dgm:scene3d>
+    <dgm:sp3d/>
+    <dgm:txPr/>
+    <dgm:style>
+      <a:lnRef idx="0">
+        <a:scrgbClr r="0" g="0" b="0"/>
+      </a:lnRef>
+      <a:fillRef idx="1">
+        <a:scrgbClr r="0" g="0" b="0"/>
+      </a:fillRef>
+      <a:effectRef idx="0">
+        <a:scrgbClr r="0" g="0" b="0"/>
+      </a:effectRef>
+      <a:fontRef idx="minor">
+        <a:schemeClr val="lt1"/>
+      </a:fontRef>
+    </dgm:style>
+  </dgm:styleLbl>
+  <dgm:styleLbl name="fgSibTrans2D1">
+    <dgm:scene3d>
+      <a:camera prst="orthographicFront"/>
+      <a:lightRig rig="threePt" dir="t"/>
+    </dgm:scene3d>
+    <dgm:sp3d/>
+    <dgm:txPr/>
+    <dgm:style>
+      <a:lnRef idx="0">
+        <a:scrgbClr r="0" g="0" b="0"/>
+      </a:lnRef>
+      <a:fillRef idx="1">
+        <a:scrgbClr r="0" g="0" b="0"/>
+      </a:fillRef>
+      <a:effectRef idx="0">
+        <a:scrgbClr r="0" g="0" b="0"/>
+      </a:effectRef>
+      <a:fontRef idx="minor">
+        <a:schemeClr val="lt1"/>
+      </a:fontRef>
+    </dgm:style>
+  </dgm:styleLbl>
+  <dgm:styleLbl name="bgSibTrans2D1">
+    <dgm:scene3d>
+      <a:camera prst="orthographicFront"/>
+      <a:lightRig rig="threePt" dir="t"/>
+    </dgm:scene3d>
+    <dgm:sp3d/>
+    <dgm:txPr/>
+    <dgm:style>
+      <a:lnRef idx="0">
+        <a:scrgbClr r="0" g="0" b="0"/>
+      </a:lnRef>
+      <a:fillRef idx="1">
+        <a:scrgbClr r="0" g="0" b="0"/>
+      </a:fillRef>
+      <a:effectRef idx="0">
+        <a:scrgbClr r="0" g="0" b="0"/>
+      </a:effectRef>
+      <a:fontRef idx="minor">
+        <a:schemeClr val="lt1"/>
+      </a:fontRef>
+    </dgm:style>
+  </dgm:styleLbl>
+  <dgm:styleLbl name="sibTrans1D1">
+    <dgm:scene3d>
+      <a:camera prst="orthographicFront"/>
+      <a:lightRig rig="threePt" dir="t"/>
+    </dgm:scene3d>
+    <dgm:sp3d/>
+    <dgm:txPr/>
+    <dgm:style>
+      <a:lnRef idx="1">
+        <a:scrgbClr r="0" g="0" b="0"/>
+      </a:lnRef>
+      <a:fillRef idx="0">
+        <a:scrgbClr r="0" g="0" b="0"/>
+      </a:fillRef>
+      <a:effectRef idx="0">
+        <a:scrgbClr r="0" g="0" b="0"/>
+      </a:effectRef>
+      <a:fontRef idx="minor"/>
+    </dgm:style>
+  </dgm:styleLbl>
+  <dgm:styleLbl name="callout">
+    <dgm:scene3d>
+      <a:camera prst="orthographicFront"/>
+      <a:lightRig rig="threePt" dir="t"/>
+    </dgm:scene3d>
+    <dgm:sp3d/>
+    <dgm:txPr/>
+    <dgm:style>
+      <a:lnRef idx="2">
+        <a:scrgbClr r="0" g="0" b="0"/>
+      </a:lnRef>
+      <a:fillRef idx="1">
+        <a:scrgbClr r="0" g="0" b="0"/>
+      </a:fillRef>
+      <a:effectRef idx="0">
+        <a:scrgbClr r="0" g="0" b="0"/>
+      </a:effectRef>
+      <a:fontRef idx="minor"/>
+    </dgm:style>
+  </dgm:styleLbl>
+  <dgm:styleLbl name="asst0">
+    <dgm:scene3d>
+      <a:camera prst="orthographicFront"/>
+      <a:lightRig rig="threePt" dir="t"/>
+    </dgm:scene3d>
+    <dgm:sp3d/>
+    <dgm:txPr/>
+    <dgm:style>
+      <a:lnRef idx="2">
+        <a:scrgbClr r="0" g="0" b="0"/>
+      </a:lnRef>
+      <a:fillRef idx="1">
+        <a:scrgbClr r="0" g="0" b="0"/>
+      </a:fillRef>
+      <a:effectRef idx="0">
+        <a:scrgbClr r="0" g="0" b="0"/>
+      </a:effectRef>
+      <a:fontRef idx="minor">
+        <a:schemeClr val="lt1"/>
+      </a:fontRef>
+    </dgm:style>
+  </dgm:styleLbl>
+  <dgm:styleLbl name="asst1">
+    <dgm:scene3d>
+      <a:camera prst="orthographicFront"/>
+      <a:lightRig rig="threePt" dir="t"/>
+    </dgm:scene3d>
+    <dgm:sp3d/>
+    <dgm:txPr/>
+    <dgm:style>
+      <a:lnRef idx="2">
+        <a:scrgbClr r="0" g="0" b="0"/>
+      </a:lnRef>
+      <a:fillRef idx="1">
+        <a:scrgbClr r="0" g="0" b="0"/>
+      </a:fillRef>
+      <a:effectRef idx="0">
+        <a:scrgbClr r="0" g="0" b="0"/>
+      </a:effectRef>
+      <a:fontRef idx="minor">
+        <a:schemeClr val="lt1"/>
+      </a:fontRef>
+    </dgm:style>
+  </dgm:styleLbl>
+  <dgm:styleLbl name="asst2">
+    <dgm:scene3d>
+      <a:camera prst="orthographicFront"/>
+      <a:lightRig rig="threePt" dir="t"/>
+    </dgm:scene3d>
+    <dgm:sp3d/>
+    <dgm:txPr/>
+    <dgm:style>
+      <a:lnRef idx="2">
+        <a:scrgbClr r="0" g="0" b="0"/>
+      </a:lnRef>
+      <a:fillRef idx="1">
+        <a:scrgbClr r="0" g="0" b="0"/>
+      </a:fillRef>
+      <a:effectRef idx="0">
+        <a:scrgbClr r="0" g="0" b="0"/>
+      </a:effectRef>
+      <a:fontRef idx="minor">
+        <a:schemeClr val="lt1"/>
+      </a:fontRef>
+    </dgm:style>
+  </dgm:styleLbl>
+  <dgm:styleLbl name="asst3">
+    <dgm:scene3d>
+      <a:camera prst="orthographicFront"/>
+      <a:lightRig rig="threePt" dir="t"/>
+    </dgm:scene3d>
+    <dgm:sp3d/>
+    <dgm:txPr/>
+    <dgm:style>
+      <a:lnRef idx="2">
+        <a:scrgbClr r="0" g="0" b="0"/>
+      </a:lnRef>
+      <a:fillRef idx="1">
+        <a:scrgbClr r="0" g="0" b="0"/>
+      </a:fillRef>
+      <a:effectRef idx="0">
+        <a:scrgbClr r="0" g="0" b="0"/>
+      </a:effectRef>
+      <a:fontRef idx="minor">
+        <a:schemeClr val="lt1"/>
+      </a:fontRef>
+    </dgm:style>
+  </dgm:styleLbl>
+  <dgm:styleLbl name="asst4">
+    <dgm:scene3d>
+      <a:camera prst="orthographicFront"/>
+      <a:lightRig rig="threePt" dir="t"/>
+    </dgm:scene3d>
+    <dgm:sp3d/>
+    <dgm:txPr/>
+    <dgm:style>
+      <a:lnRef idx="2">
+        <a:scrgbClr r="0" g="0" b="0"/>
+      </a:lnRef>
+      <a:fillRef idx="1">
+        <a:scrgbClr r="0" g="0" b="0"/>
+      </a:fillRef>
+      <a:effectRef idx="0">
+        <a:scrgbClr r="0" g="0" b="0"/>
+      </a:effectRef>
+      <a:fontRef idx="minor">
+        <a:schemeClr val="lt1"/>
+      </a:fontRef>
+    </dgm:style>
+  </dgm:styleLbl>
+  <dgm:styleLbl name="parChTrans2D1">
+    <dgm:scene3d>
+      <a:camera prst="orthographicFront"/>
+      <a:lightRig rig="threePt" dir="t"/>
+    </dgm:scene3d>
+    <dgm:sp3d/>
+    <dgm:txPr/>
+    <dgm:style>
+      <a:lnRef idx="2">
+        <a:scrgbClr r="0" g="0" b="0"/>
+      </a:lnRef>
+      <a:fillRef idx="1">
+        <a:scrgbClr r="0" g="0" b="0"/>
+      </a:fillRef>
+      <a:effectRef idx="0">
+        <a:scrgbClr r="0" g="0" b="0"/>
+      </a:effectRef>
+      <a:fontRef idx="minor">
+        <a:schemeClr val="lt1"/>
+      </a:fontRef>
+    </dgm:style>
+  </dgm:styleLbl>
+  <dgm:styleLbl name="parChTrans2D2">
+    <dgm:scene3d>
+      <a:camera prst="orthographicFront"/>
+      <a:lightRig rig="threePt" dir="t"/>
+    </dgm:scene3d>
+    <dgm:sp3d/>
+    <dgm:txPr/>
+    <dgm:style>
+      <a:lnRef idx="2">
+        <a:scrgbClr r="0" g="0" b="0"/>
+      </a:lnRef>
+      <a:fillRef idx="1">
+        <a:scrgbClr r="0" g="0" b="0"/>
+      </a:fillRef>
+      <a:effectRef idx="0">
+        <a:scrgbClr r="0" g="0" b="0"/>
+      </a:effectRef>
+      <a:fontRef idx="minor">
+        <a:schemeClr val="lt1"/>
+      </a:fontRef>
+    </dgm:style>
+  </dgm:styleLbl>
+  <dgm:styleLbl name="parChTrans2D3">
+    <dgm:scene3d>
+      <a:camera prst="orthographicFront"/>
+      <a:lightRig rig="threePt" dir="t"/>
+    </dgm:scene3d>
+    <dgm:sp3d/>
+    <dgm:txPr/>
+    <dgm:style>
+      <a:lnRef idx="2">
+        <a:scrgbClr r="0" g="0" b="0"/>
+      </a:lnRef>
+      <a:fillRef idx="1">
+        <a:scrgbClr r="0" g="0" b="0"/>
+      </a:fillRef>
+      <a:effectRef idx="0">
+        <a:scrgbClr r="0" g="0" b="0"/>
+      </a:effectRef>
+      <a:fontRef idx="minor">
+        <a:schemeClr val="lt1"/>
+      </a:fontRef>
+    </dgm:style>
+  </dgm:styleLbl>
+  <dgm:styleLbl name="parChTrans2D4">
+    <dgm:scene3d>
+      <a:camera prst="orthographicFront"/>
+      <a:lightRig rig="threePt" dir="t"/>
+    </dgm:scene3d>
+    <dgm:sp3d/>
+    <dgm:txPr/>
+    <dgm:style>
+      <a:lnRef idx="2">
+        <a:scrgbClr r="0" g="0" b="0"/>
+      </a:lnRef>
+      <a:fillRef idx="1">
+        <a:scrgbClr r="0" g="0" b="0"/>
+      </a:fillRef>
+      <a:effectRef idx="0">
+        <a:scrgbClr r="0" g="0" b="0"/>
+      </a:effectRef>
+      <a:fontRef idx="minor">
+        <a:schemeClr val="lt1"/>
+      </a:fontRef>
+    </dgm:style>
+  </dgm:styleLbl>
+  <dgm:styleLbl name="parChTrans1D1">
+    <dgm:scene3d>
+      <a:camera prst="orthographicFront"/>
+      <a:lightRig rig="threePt" dir="t"/>
+    </dgm:scene3d>
+    <dgm:sp3d/>
+    <dgm:txPr/>
+    <dgm:style>
+      <a:lnRef idx="2">
+        <a:scrgbClr r="0" g="0" b="0"/>
+      </a:lnRef>
+      <a:fillRef idx="0">
+        <a:scrgbClr r="0" g="0" b="0"/>
+      </a:fillRef>
+      <a:effectRef idx="0">
+        <a:scrgbClr r="0" g="0" b="0"/>
+      </a:effectRef>
+      <a:fontRef idx="minor"/>
+    </dgm:style>
+  </dgm:styleLbl>
+  <dgm:styleLbl name="parChTrans1D2">
+    <dgm:scene3d>
+      <a:camera prst="orthographicFront"/>
+      <a:lightRig rig="threePt" dir="t"/>
+    </dgm:scene3d>
+    <dgm:sp3d/>
+    <dgm:txPr/>
+    <dgm:style>
+      <a:lnRef idx="2">
+        <a:scrgbClr r="0" g="0" b="0"/>
+      </a:lnRef>
+      <a:fillRef idx="0">
+        <a:scrgbClr r="0" g="0" b="0"/>
+      </a:fillRef>
+      <a:effectRef idx="0">
+        <a:scrgbClr r="0" g="0" b="0"/>
+      </a:effectRef>
+      <a:fontRef idx="minor"/>
+    </dgm:style>
+  </dgm:styleLbl>
+  <dgm:styleLbl name="parChTrans1D3">
+    <dgm:scene3d>
+      <a:camera prst="orthographicFront"/>
+      <a:lightRig rig="threePt" dir="t"/>
+    </dgm:scene3d>
+    <dgm:sp3d/>
+    <dgm:txPr/>
+    <dgm:style>
+      <a:lnRef idx="2">
+        <a:scrgbClr r="0" g="0" b="0"/>
+      </a:lnRef>
+      <a:fillRef idx="0">
+        <a:scrgbClr r="0" g="0" b="0"/>
+      </a:fillRef>
+      <a:effectRef idx="0">
+        <a:scrgbClr r="0" g="0" b="0"/>
+      </a:effectRef>
+      <a:fontRef idx="minor"/>
+    </dgm:style>
+  </dgm:styleLbl>
+  <dgm:styleLbl name="parChTrans1D4">
+    <dgm:scene3d>
+      <a:camera prst="orthographicFront"/>
+      <a:lightRig rig="threePt" dir="t"/>
+    </dgm:scene3d>
+    <dgm:sp3d/>
+    <dgm:txPr/>
+    <dgm:style>
+      <a:lnRef idx="2">
+        <a:scrgbClr r="0" g="0" b="0"/>
+      </a:lnRef>
+      <a:fillRef idx="0">
+        <a:scrgbClr r="0" g="0" b="0"/>
+      </a:fillRef>
+      <a:effectRef idx="0">
+        <a:scrgbClr r="0" g="0" b="0"/>
+      </a:effectRef>
+      <a:fontRef idx="minor"/>
+    </dgm:style>
+  </dgm:styleLbl>
+  <dgm:styleLbl name="fgAcc1">
+    <dgm:scene3d>
+      <a:camera prst="orthographicFront"/>
+      <a:lightRig rig="threePt" dir="t"/>
+    </dgm:scene3d>
+    <dgm:sp3d/>
+    <dgm:txPr/>
+    <dgm:style>
+      <a:lnRef idx="2">
+        <a:scrgbClr r="0" g="0" b="0"/>
+      </a:lnRef>
+      <a:fillRef idx="1">
+        <a:scrgbClr r="0" g="0" b="0"/>
+      </a:fillRef>
+      <a:effectRef idx="0">
+        <a:scrgbClr r="0" g="0" b="0"/>
+      </a:effectRef>
+      <a:fontRef idx="minor"/>
+    </dgm:style>
+  </dgm:styleLbl>
+  <dgm:styleLbl name="conFgAcc1">
+    <dgm:scene3d>
+      <a:camera prst="orthographicFront"/>
+      <a:lightRig rig="threePt" dir="t"/>
+    </dgm:scene3d>
+    <dgm:sp3d/>
+    <dgm:txPr/>
+    <dgm:style>
+      <a:lnRef idx="2">
+        <a:scrgbClr r="0" g="0" b="0"/>
+      </a:lnRef>
+      <a:fillRef idx="1">
+        <a:scrgbClr r="0" g="0" b="0"/>
+      </a:fillRef>
+      <a:effectRef idx="0">
+        <a:scrgbClr r="0" g="0" b="0"/>
+      </a:effectRef>
+      <a:fontRef idx="minor"/>
+    </dgm:style>
+  </dgm:styleLbl>
+  <dgm:styleLbl name="alignAcc1">
+    <dgm:scene3d>
+      <a:camera prst="orthographicFront"/>
+      <a:lightRig rig="threePt" dir="t"/>
+    </dgm:scene3d>
+    <dgm:sp3d/>
+    <dgm:txPr/>
+    <dgm:style>
+      <a:lnRef idx="2">
+        <a:scrgbClr r="0" g="0" b="0"/>
+      </a:lnRef>
+      <a:fillRef idx="1">
+        <a:scrgbClr r="0" g="0" b="0"/>
+      </a:fillRef>
+      <a:effectRef idx="0">
+        <a:scrgbClr r="0" g="0" b="0"/>
+      </a:effectRef>
+      <a:fontRef idx="minor"/>
+    </dgm:style>
+  </dgm:styleLbl>
+  <dgm:styleLbl name="trAlignAcc1">
+    <dgm:scene3d>
+      <a:camera prst="orthographicFront"/>
+      <a:lightRig rig="threePt" dir="t"/>
+    </dgm:scene3d>
+    <dgm:sp3d/>
+    <dgm:txPr/>
+    <dgm:style>
+      <a:lnRef idx="1">
+        <a:scrgbClr r="0" g="0" b="0"/>
+      </a:lnRef>
+      <a:fillRef idx="1">
+        <a:scrgbClr r="0" g="0" b="0"/>
+      </a:fillRef>
+      <a:effectRef idx="0">
+        <a:scrgbClr r="0" g="0" b="0"/>
+      </a:effectRef>
+      <a:fontRef idx="minor"/>
+    </dgm:style>
+  </dgm:styleLbl>
+  <dgm:styleLbl name="bgAcc1">
+    <dgm:scene3d>
+      <a:camera prst="orthographicFront"/>
+      <a:lightRig rig="threePt" dir="t"/>
+    </dgm:scene3d>
+    <dgm:sp3d/>
+    <dgm:txPr/>
+    <dgm:style>
+      <a:lnRef idx="2">
+        <a:scrgbClr r="0" g="0" b="0"/>
+      </a:lnRef>
+      <a:fillRef idx="1">
+        <a:scrgbClr r="0" g="0" b="0"/>
+      </a:fillRef>
+      <a:effectRef idx="0">
+        <a:scrgbClr r="0" g="0" b="0"/>
+      </a:effectRef>
+      <a:fontRef idx="minor"/>
+    </dgm:style>
+  </dgm:styleLbl>
+  <dgm:styleLbl name="solidFgAcc1">
+    <dgm:scene3d>
+      <a:camera prst="orthographicFront"/>
+      <a:lightRig rig="threePt" dir="t"/>
+    </dgm:scene3d>
+    <dgm:sp3d/>
+    <dgm:txPr/>
+    <dgm:style>
+      <a:lnRef idx="2">
+        <a:scrgbClr r="0" g="0" b="0"/>
+      </a:lnRef>
+      <a:fillRef idx="1">
+        <a:scrgbClr r="0" g="0" b="0"/>
+      </a:fillRef>
+      <a:effectRef idx="0">
+        <a:scrgbClr r="0" g="0" b="0"/>
+      </a:effectRef>
+      <a:fontRef idx="minor"/>
+    </dgm:style>
+  </dgm:styleLbl>
+  <dgm:styleLbl name="solidAlignAcc1">
+    <dgm:scene3d>
+      <a:camera prst="orthographicFront"/>
+      <a:lightRig rig="threePt" dir="t"/>
+    </dgm:scene3d>
+    <dgm:sp3d/>
+    <dgm:txPr/>
+    <dgm:style>
+      <a:lnRef idx="2">
+        <a:scrgbClr r="0" g="0" b="0"/>
+      </a:lnRef>
+      <a:fillRef idx="1">
+        <a:scrgbClr r="0" g="0" b="0"/>
+      </a:fillRef>
+      <a:effectRef idx="0">
+        <a:scrgbClr r="0" g="0" b="0"/>
+      </a:effectRef>
+      <a:fontRef idx="minor"/>
+    </dgm:style>
+  </dgm:styleLbl>
+  <dgm:styleLbl name="solidBgAcc1">
+    <dgm:scene3d>
+      <a:camera prst="orthographicFront"/>
+      <a:lightRig rig="threePt" dir="t"/>
+    </dgm:scene3d>
+    <dgm:sp3d/>
+    <dgm:txPr/>
+    <dgm:style>
+      <a:lnRef idx="2">
+        <a:scrgbClr r="0" g="0" b="0"/>
+      </a:lnRef>
+      <a:fillRef idx="1">
+        <a:scrgbClr r="0" g="0" b="0"/>
+      </a:fillRef>
+      <a:effectRef idx="0">
+        <a:scrgbClr r="0" g="0" b="0"/>
+      </a:effectRef>
+      <a:fontRef idx="minor"/>
+    </dgm:style>
+  </dgm:styleLbl>
+  <dgm:styleLbl name="fgAccFollowNode1">
+    <dgm:scene3d>
+      <a:camera prst="orthographicFront"/>
+      <a:lightRig rig="threePt" dir="t"/>
+    </dgm:scene3d>
+    <dgm:sp3d/>
+    <dgm:txPr/>
+    <dgm:style>
+      <a:lnRef idx="2">
+        <a:scrgbClr r="0" g="0" b="0"/>
+      </a:lnRef>
+      <a:fillRef idx="1">
+        <a:scrgbClr r="0" g="0" b="0"/>
+      </a:fillRef>
+      <a:effectRef idx="0">
+        <a:scrgbClr r="0" g="0" b="0"/>
+      </a:effectRef>
+      <a:fontRef idx="minor"/>
+    </dgm:style>
+  </dgm:styleLbl>
+  <dgm:styleLbl name="alignAccFollowNode1">
+    <dgm:scene3d>
+      <a:camera prst="orthographicFront"/>
+      <a:lightRig rig="threePt" dir="t"/>
+    </dgm:scene3d>
+    <dgm:sp3d/>
+    <dgm:txPr/>
+    <dgm:style>
+      <a:lnRef idx="2">
+        <a:scrgbClr r="0" g="0" b="0"/>
+      </a:lnRef>
+      <a:fillRef idx="1">
+        <a:scrgbClr r="0" g="0" b="0"/>
+      </a:fillRef>
+      <a:effectRef idx="0">
+        <a:scrgbClr r="0" g="0" b="0"/>
+      </a:effectRef>
+      <a:fontRef idx="minor"/>
+    </dgm:style>
+  </dgm:styleLbl>
+  <dgm:styleLbl name="bgAccFollowNode1">
+    <dgm:scene3d>
+      <a:camera prst="orthographicFront"/>
+      <a:lightRig rig="threePt" dir="t"/>
+    </dgm:scene3d>
+    <dgm:sp3d/>
+    <dgm:txPr/>
+    <dgm:style>
+      <a:lnRef idx="2">
+        <a:scrgbClr r="0" g="0" b="0"/>
+      </a:lnRef>
+      <a:fillRef idx="1">
+        <a:scrgbClr r="0" g="0" b="0"/>
+      </a:fillRef>
+      <a:effectRef idx="0">
+        <a:scrgbClr r="0" g="0" b="0"/>
+      </a:effectRef>
+      <a:fontRef idx="minor"/>
+    </dgm:style>
+  </dgm:styleLbl>
+  <dgm:styleLbl name="fgAcc0">
+    <dgm:scene3d>
+      <a:camera prst="orthographicFront"/>
+      <a:lightRig rig="threePt" dir="t"/>
+    </dgm:scene3d>
+    <dgm:sp3d/>
+    <dgm:txPr/>
+    <dgm:style>
+      <a:lnRef idx="2">
+        <a:scrgbClr r="0" g="0" b="0"/>
+      </a:lnRef>
+      <a:fillRef idx="1">
+        <a:scrgbClr r="0" g="0" b="0"/>
+      </a:fillRef>
+      <a:effectRef idx="0">
+        <a:scrgbClr r="0" g="0" b="0"/>
+      </a:effectRef>
+      <a:fontRef idx="minor"/>
+    </dgm:style>
+  </dgm:styleLbl>
+  <dgm:styleLbl name="fgAcc2">
+    <dgm:scene3d>
+      <a:camera prst="orthographicFront"/>
+      <a:lightRig rig="threePt" dir="t"/>
+    </dgm:scene3d>
+    <dgm:sp3d/>
+    <dgm:txPr/>
+    <dgm:style>
+      <a:lnRef idx="2">
+        <a:scrgbClr r="0" g="0" b="0"/>
+      </a:lnRef>
+      <a:fillRef idx="1">
+        <a:scrgbClr r="0" g="0" b="0"/>
+      </a:fillRef>
+      <a:effectRef idx="0">
+        <a:scrgbClr r="0" g="0" b="0"/>
+      </a:effectRef>
+      <a:fontRef idx="minor"/>
+    </dgm:style>
+  </dgm:styleLbl>
+  <dgm:styleLbl name="fgAcc3">
+    <dgm:scene3d>
+      <a:camera prst="orthographicFront"/>
+      <a:lightRig rig="threePt" dir="t"/>
+    </dgm:scene3d>
+    <dgm:sp3d/>
+    <dgm:txPr/>
+    <dgm:style>
+      <a:lnRef idx="2">
+        <a:scrgbClr r="0" g="0" b="0"/>
+      </a:lnRef>
+      <a:fillRef idx="1">
+        <a:scrgbClr r="0" g="0" b="0"/>
+      </a:fillRef>
+      <a:effectRef idx="0">
+        <a:scrgbClr r="0" g="0" b="0"/>
+      </a:effectRef>
+      <a:fontRef idx="minor"/>
+    </dgm:style>
+  </dgm:styleLbl>
+  <dgm:styleLbl name="fgAcc4">
+    <dgm:scene3d>
+      <a:camera prst="orthographicFront"/>
+      <a:lightRig rig="threePt" dir="t"/>
+    </dgm:scene3d>
+    <dgm:sp3d/>
+    <dgm:txPr/>
+    <dgm:style>
+      <a:lnRef idx="2">
+        <a:scrgbClr r="0" g="0" b="0"/>
+      </a:lnRef>
+      <a:fillRef idx="1">
+        <a:scrgbClr r="0" g="0" b="0"/>
+      </a:fillRef>
+      <a:effectRef idx="0">
+        <a:scrgbClr r="0" g="0" b="0"/>
+      </a:effectRef>
+      <a:fontRef idx="minor"/>
+    </dgm:style>
+  </dgm:styleLbl>
+  <dgm:styleLbl name="bgShp">
+    <dgm:scene3d>
+      <a:camera prst="orthographicFront"/>
+      <a:lightRig rig="threePt" dir="t"/>
+    </dgm:scene3d>
+    <dgm:sp3d/>
+    <dgm:txPr/>
+    <dgm:style>
+      <a:lnRef idx="0">
+        <a:scrgbClr r="0" g="0" b="0"/>
+      </a:lnRef>
+      <a:fillRef idx="1">
+        <a:scrgbClr r="0" g="0" b="0"/>
+      </a:fillRef>
+      <a:effectRef idx="0">
+        <a:scrgbClr r="0" g="0" b="0"/>
+      </a:effectRef>
+      <a:fontRef idx="minor"/>
+    </dgm:style>
+  </dgm:styleLbl>
+  <dgm:styleLbl name="dkBgShp">
+    <dgm:scene3d>
+      <a:camera prst="orthographicFront"/>
+      <a:lightRig rig="threePt" dir="t"/>
+    </dgm:scene3d>
+    <dgm:sp3d/>
+    <dgm:txPr/>
+    <dgm:style>
+      <a:lnRef idx="0">
+        <a:scrgbClr r="0" g="0" b="0"/>
+      </a:lnRef>
+      <a:fillRef idx="1">
+        <a:scrgbClr r="0" g="0" b="0"/>
+      </a:fillRef>
+      <a:effectRef idx="0">
+        <a:scrgbClr r="0" g="0" b="0"/>
+      </a:effectRef>
+      <a:fontRef idx="minor"/>
+    </dgm:style>
+  </dgm:styleLbl>
+  <dgm:styleLbl name="trBgShp">
+    <dgm:scene3d>
+      <a:camera prst="orthographicFront"/>
+      <a:lightRig rig="threePt" dir="t"/>
+    </dgm:scene3d>
+    <dgm:sp3d/>
+    <dgm:txPr/>
+    <dgm:style>
+      <a:lnRef idx="0">
+        <a:scrgbClr r="0" g="0" b="0"/>
+      </a:lnRef>
+      <a:fillRef idx="1">
+        <a:scrgbClr r="0" g="0" b="0"/>
+      </a:fillRef>
+      <a:effectRef idx="0">
+        <a:scrgbClr r="0" g="0" b="0"/>
+      </a:effectRef>
+      <a:fontRef idx="minor"/>
+    </dgm:style>
+  </dgm:styleLbl>
+  <dgm:styleLbl name="fgShp">
+    <dgm:scene3d>
+      <a:camera prst="orthographicFront"/>
+      <a:lightRig rig="threePt" dir="t"/>
+    </dgm:scene3d>
+    <dgm:sp3d/>
+    <dgm:txPr/>
+    <dgm:style>
+      <a:lnRef idx="2">
+        <a:scrgbClr r="0" g="0" b="0"/>
+      </a:lnRef>
+      <a:fillRef idx="1">
+        <a:scrgbClr r="0" g="0" b="0"/>
+      </a:fillRef>
+      <a:effectRef idx="0">
+        <a:scrgbClr r="0" g="0" b="0"/>
+      </a:effectRef>
+      <a:fontRef idx="minor"/>
+    </dgm:style>
+  </dgm:styleLbl>
+  <dgm:styleLbl name="revTx">
+    <dgm:scene3d>
+      <a:camera prst="orthographicFront"/>
+      <a:lightRig rig="threePt" dir="t"/>
+    </dgm:scene3d>
+    <dgm:sp3d/>
+    <dgm:txPr/>
+    <dgm:style>
+      <a:lnRef idx="0">
+        <a:scrgbClr r="0" g="0" b="0"/>
+      </a:lnRef>
+      <a:fillRef idx="0">
+        <a:scrgbClr r="0" g="0" b="0"/>
+      </a:fillRef>
+      <a:effectRef idx="0">
+        <a:scrgbClr r="0" g="0" b="0"/>
+      </a:effectRef>
+      <a:fontRef idx="minor"/>
+    </dgm:style>
+  </dgm:styleLbl>
+</dgm:styleDef>
+</file>
+
+<file path=ppt/diagrams/quickStyle2.xml><?xml version="1.0" encoding="utf-8"?>
 <dgm:styleDef xmlns:dgm="http://schemas.openxmlformats.org/drawingml/2006/diagram" xmlns:a="http://schemas.openxmlformats.org/drawingml/2006/main" uniqueId="urn:microsoft.com/office/officeart/2005/8/quickstyle/simple4">
   <dgm:title val=""/>
   <dgm:desc val=""/>
@@ -3801,7 +6722,7 @@
           <a:p>
             <a:fld id="{3B87D1B5-D667-42F5-9E38-2FD202ABDFA0}" type="datetimeFigureOut">
               <a:rPr lang="en-US" smtClean="0"/>
-              <a:t>3/15/2018</a:t>
+              <a:t>3/17/2018</a:t>
             </a:fld>
             <a:endParaRPr lang="en-US"/>
           </a:p>
@@ -4250,23 +7171,17 @@
           <a:bodyPr/>
           <a:lstStyle/>
           <a:p>
-            <a:pPr marL="171450" indent="-171450">
-              <a:buFontTx/>
-              <a:buChar char="-"/>
-            </a:pPr>
             <a:r>
               <a:rPr lang="en-US" dirty="0"/>
-              <a:t>works for project &amp; item templates</a:t>
-            </a:r>
-          </a:p>
-          <a:p>
-            <a:pPr marL="171450" indent="-171450">
-              <a:buFontTx/>
-              <a:buChar char="-"/>
-            </a:pPr>
+              <a:t>- scottaddie.visualstudio.com &gt; </a:t>
+            </a:r>
+            <a:r>
+              <a:rPr lang="en-US" dirty="0" err="1"/>
+              <a:t>TagHelperSuite</a:t>
+            </a:r>
             <a:r>
               <a:rPr lang="en-US" dirty="0"/>
-              <a:t>NuGet steps optional if doing file system installation</a:t>
+              <a:t> build definition</a:t>
             </a:r>
           </a:p>
         </p:txBody>
@@ -4297,7 +7212,7 @@
     </p:spTree>
     <p:extLst>
       <p:ext uri="{BB962C8B-B14F-4D97-AF65-F5344CB8AC3E}">
-        <p14:creationId xmlns:p14="http://schemas.microsoft.com/office/powerpoint/2010/main" val="2867391736"/>
+        <p14:creationId xmlns:p14="http://schemas.microsoft.com/office/powerpoint/2010/main" val="170369036"/>
       </p:ext>
     </p:extLst>
   </p:cSld>
@@ -4351,6 +7266,50 @@
           <a:bodyPr/>
           <a:lstStyle/>
           <a:p>
+            <a:pPr marL="171450" indent="-171450">
+              <a:buFontTx/>
+              <a:buChar char="-"/>
+            </a:pPr>
+            <a:r>
+              <a:rPr lang="en-US" dirty="0"/>
+              <a:t>works for project &amp; item templates</a:t>
+            </a:r>
+          </a:p>
+          <a:p>
+            <a:pPr marL="171450" indent="-171450">
+              <a:buFontTx/>
+              <a:buChar char="-"/>
+            </a:pPr>
+            <a:r>
+              <a:rPr lang="en-US" dirty="0"/>
+              <a:t>NuGet steps optional if doing file system / network share installation</a:t>
+            </a:r>
+          </a:p>
+          <a:p>
+            <a:pPr marL="171450" indent="-171450">
+              <a:buFontTx/>
+              <a:buChar char="-"/>
+            </a:pPr>
+            <a:r>
+              <a:rPr lang="en-US" dirty="0" err="1"/>
+              <a:t>SideWaffle</a:t>
+            </a:r>
+            <a:r>
+              <a:rPr lang="en-US" dirty="0"/>
+              <a:t> Template Creator extension for VS 2017 </a:t>
+            </a:r>
+            <a:r>
+              <a:rPr lang="en-US" dirty="0">
+                <a:sym typeface="Wingdings" panose="05000000000000000000" pitchFamily="2" charset="2"/>
+              </a:rPr>
+              <a:t> add templates to VS</a:t>
+            </a:r>
+          </a:p>
+          <a:p>
+            <a:pPr marL="171450" indent="-171450">
+              <a:buFontTx/>
+              <a:buChar char="-"/>
+            </a:pPr>
             <a:endParaRPr lang="en-US" dirty="0"/>
           </a:p>
         </p:txBody>
@@ -4381,7 +7340,7 @@
     </p:spTree>
     <p:extLst>
       <p:ext uri="{BB962C8B-B14F-4D97-AF65-F5344CB8AC3E}">
-        <p14:creationId xmlns:p14="http://schemas.microsoft.com/office/powerpoint/2010/main" val="1134501301"/>
+        <p14:creationId xmlns:p14="http://schemas.microsoft.com/office/powerpoint/2010/main" val="2867391736"/>
       </p:ext>
     </p:extLst>
   </p:cSld>
@@ -4435,7 +7394,7 @@
           <a:bodyPr/>
           <a:lstStyle/>
           <a:p>
-            <a:endParaRPr lang="en-US"/>
+            <a:endParaRPr lang="en-US" dirty="0"/>
           </a:p>
         </p:txBody>
       </p:sp>
@@ -4454,78 +7413,18 @@
           <a:bodyPr/>
           <a:lstStyle/>
           <a:p>
-            <a:pPr marL="0" marR="0" lvl="0" indent="0" algn="r" defTabSz="457200" rtl="0" eaLnBrk="1" fontAlgn="auto" latinLnBrk="0" hangingPunct="1">
-              <a:lnSpc>
-                <a:spcPct val="100000"/>
-              </a:lnSpc>
-              <a:spcBef>
-                <a:spcPts val="0"/>
-              </a:spcBef>
-              <a:spcAft>
-                <a:spcPts val="0"/>
-              </a:spcAft>
-              <a:buClrTx/>
-              <a:buSzTx/>
-              <a:buFontTx/>
-              <a:buNone/>
-              <a:tabLst/>
-              <a:defRPr/>
-            </a:pPr>
             <a:fld id="{16A87904-88DE-4022-A424-ACD2E6FC1751}" type="slidenum">
-              <a:rPr kumimoji="0" lang="en-US" sz="1200" b="0" i="0" u="none" strike="noStrike" kern="1200" cap="none" spc="0" normalizeH="0" baseline="0" noProof="0" smtClean="0">
-                <a:ln>
-                  <a:noFill/>
-                </a:ln>
-                <a:solidFill>
-                  <a:prstClr val="black"/>
-                </a:solidFill>
-                <a:effectLst/>
-                <a:uLnTx/>
-                <a:uFillTx/>
-                <a:latin typeface="Calibri" panose="020F0502020204030204"/>
-                <a:ea typeface="+mn-ea"/>
-                <a:cs typeface="+mn-cs"/>
-              </a:rPr>
-              <a:pPr marL="0" marR="0" lvl="0" indent="0" algn="r" defTabSz="457200" rtl="0" eaLnBrk="1" fontAlgn="auto" latinLnBrk="0" hangingPunct="1">
-                <a:lnSpc>
-                  <a:spcPct val="100000"/>
-                </a:lnSpc>
-                <a:spcBef>
-                  <a:spcPts val="0"/>
-                </a:spcBef>
-                <a:spcAft>
-                  <a:spcPts val="0"/>
-                </a:spcAft>
-                <a:buClrTx/>
-                <a:buSzTx/>
-                <a:buFontTx/>
-                <a:buNone/>
-                <a:tabLst/>
-                <a:defRPr/>
-              </a:pPr>
+              <a:rPr lang="en-US" smtClean="0"/>
               <a:t>12</a:t>
             </a:fld>
-            <a:endParaRPr kumimoji="0" lang="en-US" sz="1200" b="0" i="0" u="none" strike="noStrike" kern="1200" cap="none" spc="0" normalizeH="0" baseline="0" noProof="0">
-              <a:ln>
-                <a:noFill/>
-              </a:ln>
-              <a:solidFill>
-                <a:prstClr val="black"/>
-              </a:solidFill>
-              <a:effectLst/>
-              <a:uLnTx/>
-              <a:uFillTx/>
-              <a:latin typeface="Calibri" panose="020F0502020204030204"/>
-              <a:ea typeface="+mn-ea"/>
-              <a:cs typeface="+mn-cs"/>
-            </a:endParaRPr>
+            <a:endParaRPr lang="en-US"/>
           </a:p>
         </p:txBody>
       </p:sp>
     </p:spTree>
     <p:extLst>
       <p:ext uri="{BB962C8B-B14F-4D97-AF65-F5344CB8AC3E}">
-        <p14:creationId xmlns:p14="http://schemas.microsoft.com/office/powerpoint/2010/main" val="1176352571"/>
+        <p14:creationId xmlns:p14="http://schemas.microsoft.com/office/powerpoint/2010/main" val="1134501301"/>
       </p:ext>
     </p:extLst>
   </p:cSld>
@@ -4598,9 +7497,153 @@
           <a:bodyPr/>
           <a:lstStyle/>
           <a:p>
+            <a:pPr marL="0" marR="0" lvl="0" indent="0" algn="r" defTabSz="457200" rtl="0" eaLnBrk="1" fontAlgn="auto" latinLnBrk="0" hangingPunct="1">
+              <a:lnSpc>
+                <a:spcPct val="100000"/>
+              </a:lnSpc>
+              <a:spcBef>
+                <a:spcPts val="0"/>
+              </a:spcBef>
+              <a:spcAft>
+                <a:spcPts val="0"/>
+              </a:spcAft>
+              <a:buClrTx/>
+              <a:buSzTx/>
+              <a:buFontTx/>
+              <a:buNone/>
+              <a:tabLst/>
+              <a:defRPr/>
+            </a:pPr>
+            <a:fld id="{16A87904-88DE-4022-A424-ACD2E6FC1751}" type="slidenum">
+              <a:rPr kumimoji="0" lang="en-US" sz="1200" b="0" i="0" u="none" strike="noStrike" kern="1200" cap="none" spc="0" normalizeH="0" baseline="0" noProof="0" smtClean="0">
+                <a:ln>
+                  <a:noFill/>
+                </a:ln>
+                <a:solidFill>
+                  <a:prstClr val="black"/>
+                </a:solidFill>
+                <a:effectLst/>
+                <a:uLnTx/>
+                <a:uFillTx/>
+                <a:latin typeface="Calibri" panose="020F0502020204030204"/>
+                <a:ea typeface="+mn-ea"/>
+                <a:cs typeface="+mn-cs"/>
+              </a:rPr>
+              <a:pPr marL="0" marR="0" lvl="0" indent="0" algn="r" defTabSz="457200" rtl="0" eaLnBrk="1" fontAlgn="auto" latinLnBrk="0" hangingPunct="1">
+                <a:lnSpc>
+                  <a:spcPct val="100000"/>
+                </a:lnSpc>
+                <a:spcBef>
+                  <a:spcPts val="0"/>
+                </a:spcBef>
+                <a:spcAft>
+                  <a:spcPts val="0"/>
+                </a:spcAft>
+                <a:buClrTx/>
+                <a:buSzTx/>
+                <a:buFontTx/>
+                <a:buNone/>
+                <a:tabLst/>
+                <a:defRPr/>
+              </a:pPr>
+              <a:t>13</a:t>
+            </a:fld>
+            <a:endParaRPr kumimoji="0" lang="en-US" sz="1200" b="0" i="0" u="none" strike="noStrike" kern="1200" cap="none" spc="0" normalizeH="0" baseline="0" noProof="0">
+              <a:ln>
+                <a:noFill/>
+              </a:ln>
+              <a:solidFill>
+                <a:prstClr val="black"/>
+              </a:solidFill>
+              <a:effectLst/>
+              <a:uLnTx/>
+              <a:uFillTx/>
+              <a:latin typeface="Calibri" panose="020F0502020204030204"/>
+              <a:ea typeface="+mn-ea"/>
+              <a:cs typeface="+mn-cs"/>
+            </a:endParaRPr>
+          </a:p>
+        </p:txBody>
+      </p:sp>
+    </p:spTree>
+    <p:extLst>
+      <p:ext uri="{BB962C8B-B14F-4D97-AF65-F5344CB8AC3E}">
+        <p14:creationId xmlns:p14="http://schemas.microsoft.com/office/powerpoint/2010/main" val="1176352571"/>
+      </p:ext>
+    </p:extLst>
+  </p:cSld>
+  <p:clrMapOvr>
+    <a:masterClrMapping/>
+  </p:clrMapOvr>
+</p:notes>
+</file>
+
+<file path=ppt/notesSlides/notesSlide14.xml><?xml version="1.0" encoding="utf-8"?>
+<p:notes xmlns:a="http://schemas.openxmlformats.org/drawingml/2006/main" xmlns:r="http://schemas.openxmlformats.org/officeDocument/2006/relationships" xmlns:p="http://schemas.openxmlformats.org/presentationml/2006/main">
+  <p:cSld>
+    <p:spTree>
+      <p:nvGrpSpPr>
+        <p:cNvPr id="1" name=""/>
+        <p:cNvGrpSpPr/>
+        <p:nvPr/>
+      </p:nvGrpSpPr>
+      <p:grpSpPr>
+        <a:xfrm>
+          <a:off x="0" y="0"/>
+          <a:ext cx="0" cy="0"/>
+          <a:chOff x="0" y="0"/>
+          <a:chExt cx="0" cy="0"/>
+        </a:xfrm>
+      </p:grpSpPr>
+      <p:sp>
+        <p:nvSpPr>
+          <p:cNvPr id="2" name="Slide Image Placeholder 1"/>
+          <p:cNvSpPr>
+            <a:spLocks noGrp="1" noRot="1" noChangeAspect="1"/>
+          </p:cNvSpPr>
+          <p:nvPr>
+            <p:ph type="sldImg"/>
+          </p:nvPr>
+        </p:nvSpPr>
+        <p:spPr/>
+      </p:sp>
+      <p:sp>
+        <p:nvSpPr>
+          <p:cNvPr id="3" name="Notes Placeholder 2"/>
+          <p:cNvSpPr>
+            <a:spLocks noGrp="1"/>
+          </p:cNvSpPr>
+          <p:nvPr>
+            <p:ph type="body" idx="1"/>
+          </p:nvPr>
+        </p:nvSpPr>
+        <p:spPr/>
+        <p:txBody>
+          <a:bodyPr/>
+          <a:lstStyle/>
+          <a:p>
+            <a:endParaRPr lang="en-US"/>
+          </a:p>
+        </p:txBody>
+      </p:sp>
+      <p:sp>
+        <p:nvSpPr>
+          <p:cNvPr id="4" name="Slide Number Placeholder 3"/>
+          <p:cNvSpPr>
+            <a:spLocks noGrp="1"/>
+          </p:cNvSpPr>
+          <p:nvPr>
+            <p:ph type="sldNum" sz="quarter" idx="10"/>
+          </p:nvPr>
+        </p:nvSpPr>
+        <p:spPr/>
+        <p:txBody>
+          <a:bodyPr/>
+          <a:lstStyle/>
+          <a:p>
             <a:fld id="{16A87904-88DE-4022-A424-ACD2E6FC1751}" type="slidenum">
               <a:rPr lang="en-US" smtClean="0"/>
-              <a:t>13</a:t>
+              <a:t>14</a:t>
             </a:fld>
             <a:endParaRPr lang="en-US"/>
           </a:p>
@@ -4831,29 +7874,50 @@
           <a:bodyPr/>
           <a:lstStyle/>
           <a:p>
+            <a:pPr marL="171450" marR="0" lvl="0" indent="-171450" algn="l" defTabSz="914400" rtl="0" eaLnBrk="1" fontAlgn="auto" latinLnBrk="0" hangingPunct="1">
+              <a:lnSpc>
+                <a:spcPct val="100000"/>
+              </a:lnSpc>
+              <a:spcBef>
+                <a:spcPts val="0"/>
+              </a:spcBef>
+              <a:spcAft>
+                <a:spcPts val="0"/>
+              </a:spcAft>
+              <a:buClrTx/>
+              <a:buSzTx/>
+              <a:buFontTx/>
+              <a:buChar char="-"/>
+              <a:tabLst/>
+              <a:defRPr/>
+            </a:pPr>
             <a:r>
               <a:rPr lang="en-US" dirty="0"/>
-              <a:t>- dotnet my_app.dll </a:t>
-            </a:r>
-            <a:r>
-              <a:rPr lang="en-US" dirty="0">
-                <a:sym typeface="Wingdings" panose="05000000000000000000" pitchFamily="2" charset="2"/>
-              </a:rPr>
-              <a:t> only case when </a:t>
-            </a:r>
-            <a:r>
-              <a:rPr lang="en-US" i="1" dirty="0">
-                <a:sym typeface="Wingdings" panose="05000000000000000000" pitchFamily="2" charset="2"/>
-              </a:rPr>
-              <a:t>dotnet</a:t>
-            </a:r>
-            <a:r>
-              <a:rPr lang="en-US" dirty="0">
-                <a:sym typeface="Wingdings" panose="05000000000000000000" pitchFamily="2" charset="2"/>
-              </a:rPr>
-              <a:t> is used w/o command</a:t>
-            </a:r>
-            <a:endParaRPr lang="en-US" dirty="0"/>
+              <a:t>Not all commands accounted for in tooling</a:t>
+            </a:r>
+          </a:p>
+          <a:p>
+            <a:pPr marL="171450" marR="0" lvl="0" indent="-171450" algn="l" defTabSz="914400" rtl="0" eaLnBrk="1" fontAlgn="auto" latinLnBrk="0" hangingPunct="1">
+              <a:lnSpc>
+                <a:spcPct val="100000"/>
+              </a:lnSpc>
+              <a:spcBef>
+                <a:spcPts val="0"/>
+              </a:spcBef>
+              <a:spcAft>
+                <a:spcPts val="0"/>
+              </a:spcAft>
+              <a:buClrTx/>
+              <a:buSzTx/>
+              <a:buFontTx/>
+              <a:buChar char="-"/>
+              <a:tabLst/>
+              <a:defRPr/>
+            </a:pPr>
+            <a:r>
+              <a:rPr lang="en-US" dirty="0"/>
+              <a:t>Compare to GitHub for Windows UI vs. Git command line</a:t>
+            </a:r>
           </a:p>
         </p:txBody>
       </p:sp>
@@ -4883,7 +7947,7 @@
     </p:spTree>
     <p:extLst>
       <p:ext uri="{BB962C8B-B14F-4D97-AF65-F5344CB8AC3E}">
-        <p14:creationId xmlns:p14="http://schemas.microsoft.com/office/powerpoint/2010/main" val="1960770763"/>
+        <p14:creationId xmlns:p14="http://schemas.microsoft.com/office/powerpoint/2010/main" val="1327865442"/>
       </p:ext>
     </p:extLst>
   </p:cSld>
@@ -4937,6 +8001,28 @@
           <a:bodyPr/>
           <a:lstStyle/>
           <a:p>
+            <a:r>
+              <a:rPr lang="en-US" dirty="0"/>
+              <a:t>- dotnet my_app.dll </a:t>
+            </a:r>
+            <a:r>
+              <a:rPr lang="en-US" dirty="0">
+                <a:sym typeface="Wingdings" panose="05000000000000000000" pitchFamily="2" charset="2"/>
+              </a:rPr>
+              <a:t> only case when </a:t>
+            </a:r>
+            <a:r>
+              <a:rPr lang="en-US" i="1" dirty="0">
+                <a:sym typeface="Wingdings" panose="05000000000000000000" pitchFamily="2" charset="2"/>
+              </a:rPr>
+              <a:t>dotnet</a:t>
+            </a:r>
+            <a:r>
+              <a:rPr lang="en-US" dirty="0">
+                <a:sym typeface="Wingdings" panose="05000000000000000000" pitchFamily="2" charset="2"/>
+              </a:rPr>
+              <a:t> is used w/o command</a:t>
+            </a:r>
             <a:endParaRPr lang="en-US" dirty="0"/>
           </a:p>
         </p:txBody>
@@ -4967,7 +8053,7 @@
     </p:spTree>
     <p:extLst>
       <p:ext uri="{BB962C8B-B14F-4D97-AF65-F5344CB8AC3E}">
-        <p14:creationId xmlns:p14="http://schemas.microsoft.com/office/powerpoint/2010/main" val="898768016"/>
+        <p14:creationId xmlns:p14="http://schemas.microsoft.com/office/powerpoint/2010/main" val="1960770763"/>
       </p:ext>
     </p:extLst>
   </p:cSld>
@@ -5051,7 +8137,7 @@
     </p:spTree>
     <p:extLst>
       <p:ext uri="{BB962C8B-B14F-4D97-AF65-F5344CB8AC3E}">
-        <p14:creationId xmlns:p14="http://schemas.microsoft.com/office/powerpoint/2010/main" val="3124676736"/>
+        <p14:creationId xmlns:p14="http://schemas.microsoft.com/office/powerpoint/2010/main" val="898768016"/>
       </p:ext>
     </p:extLst>
   </p:cSld>
@@ -5135,7 +8221,7 @@
     </p:spTree>
     <p:extLst>
       <p:ext uri="{BB962C8B-B14F-4D97-AF65-F5344CB8AC3E}">
-        <p14:creationId xmlns:p14="http://schemas.microsoft.com/office/powerpoint/2010/main" val="178583391"/>
+        <p14:creationId xmlns:p14="http://schemas.microsoft.com/office/powerpoint/2010/main" val="3124676736"/>
       </p:ext>
     </p:extLst>
   </p:cSld>
@@ -5219,7 +8305,7 @@
     </p:spTree>
     <p:extLst>
       <p:ext uri="{BB962C8B-B14F-4D97-AF65-F5344CB8AC3E}">
-        <p14:creationId xmlns:p14="http://schemas.microsoft.com/office/powerpoint/2010/main" val="2199057065"/>
+        <p14:creationId xmlns:p14="http://schemas.microsoft.com/office/powerpoint/2010/main" val="178583391"/>
       </p:ext>
     </p:extLst>
   </p:cSld>
@@ -5273,18 +8359,7 @@
           <a:bodyPr/>
           <a:lstStyle/>
           <a:p>
-            <a:r>
-              <a:rPr lang="en-US" dirty="0"/>
-              <a:t>- scottaddie.visualstudio.com &gt; </a:t>
-            </a:r>
-            <a:r>
-              <a:rPr lang="en-US" dirty="0" err="1"/>
-              <a:t>TagHelperSuite</a:t>
-            </a:r>
-            <a:r>
-              <a:rPr lang="en-US" dirty="0"/>
-              <a:t> build definition</a:t>
-            </a:r>
+            <a:endParaRPr lang="en-US" dirty="0"/>
           </a:p>
         </p:txBody>
       </p:sp>
@@ -5314,7 +8389,7 @@
     </p:spTree>
     <p:extLst>
       <p:ext uri="{BB962C8B-B14F-4D97-AF65-F5344CB8AC3E}">
-        <p14:creationId xmlns:p14="http://schemas.microsoft.com/office/powerpoint/2010/main" val="170369036"/>
+        <p14:creationId xmlns:p14="http://schemas.microsoft.com/office/powerpoint/2010/main" val="2199057065"/>
       </p:ext>
     </p:extLst>
   </p:cSld>
@@ -5455,7 +8530,7 @@
           <a:p>
             <a:fld id="{EEC3160E-2579-4584-9765-DC1BA0B358F9}" type="datetimeFigureOut">
               <a:rPr lang="en-US" smtClean="0"/>
-              <a:t>3/15/2018</a:t>
+              <a:t>3/17/2018</a:t>
             </a:fld>
             <a:endParaRPr lang="en-US"/>
           </a:p>
@@ -5625,7 +8700,7 @@
           <a:p>
             <a:fld id="{EEC3160E-2579-4584-9765-DC1BA0B358F9}" type="datetimeFigureOut">
               <a:rPr lang="en-US" smtClean="0"/>
-              <a:t>3/15/2018</a:t>
+              <a:t>3/17/2018</a:t>
             </a:fld>
             <a:endParaRPr lang="en-US"/>
           </a:p>
@@ -5805,7 +8880,7 @@
           <a:p>
             <a:fld id="{EEC3160E-2579-4584-9765-DC1BA0B358F9}" type="datetimeFigureOut">
               <a:rPr lang="en-US" smtClean="0"/>
-              <a:t>3/15/2018</a:t>
+              <a:t>3/17/2018</a:t>
             </a:fld>
             <a:endParaRPr lang="en-US"/>
           </a:p>
@@ -7720,7 +10795,7 @@
           <a:p>
             <a:fld id="{EEC3160E-2579-4584-9765-DC1BA0B358F9}" type="datetimeFigureOut">
               <a:rPr lang="en-US" smtClean="0"/>
-              <a:t>3/15/2018</a:t>
+              <a:t>3/17/2018</a:t>
             </a:fld>
             <a:endParaRPr lang="en-US"/>
           </a:p>
@@ -9202,7 +12277,7 @@
           <a:p>
             <a:fld id="{EEC3160E-2579-4584-9765-DC1BA0B358F9}" type="datetimeFigureOut">
               <a:rPr lang="en-US" smtClean="0"/>
-              <a:t>3/15/2018</a:t>
+              <a:t>3/17/2018</a:t>
             </a:fld>
             <a:endParaRPr lang="en-US"/>
           </a:p>
@@ -10342,7 +13417,7 @@
           <a:p>
             <a:fld id="{EEC3160E-2579-4584-9765-DC1BA0B358F9}" type="datetimeFigureOut">
               <a:rPr lang="en-US" smtClean="0"/>
-              <a:t>3/15/2018</a:t>
+              <a:t>3/17/2018</a:t>
             </a:fld>
             <a:endParaRPr lang="en-US"/>
           </a:p>
@@ -10709,7 +13784,7 @@
           <a:p>
             <a:fld id="{EEC3160E-2579-4584-9765-DC1BA0B358F9}" type="datetimeFigureOut">
               <a:rPr lang="en-US" smtClean="0"/>
-              <a:t>3/15/2018</a:t>
+              <a:t>3/17/2018</a:t>
             </a:fld>
             <a:endParaRPr lang="en-US"/>
           </a:p>
@@ -10827,7 +13902,7 @@
           <a:p>
             <a:fld id="{EEC3160E-2579-4584-9765-DC1BA0B358F9}" type="datetimeFigureOut">
               <a:rPr lang="en-US" smtClean="0"/>
-              <a:t>3/15/2018</a:t>
+              <a:t>3/17/2018</a:t>
             </a:fld>
             <a:endParaRPr lang="en-US"/>
           </a:p>
@@ -10922,7 +13997,7 @@
           <a:p>
             <a:fld id="{EEC3160E-2579-4584-9765-DC1BA0B358F9}" type="datetimeFigureOut">
               <a:rPr lang="en-US" smtClean="0"/>
-              <a:t>3/15/2018</a:t>
+              <a:t>3/17/2018</a:t>
             </a:fld>
             <a:endParaRPr lang="en-US"/>
           </a:p>
@@ -11199,7 +14274,7 @@
           <a:p>
             <a:fld id="{EEC3160E-2579-4584-9765-DC1BA0B358F9}" type="datetimeFigureOut">
               <a:rPr lang="en-US" smtClean="0"/>
-              <a:t>3/15/2018</a:t>
+              <a:t>3/17/2018</a:t>
             </a:fld>
             <a:endParaRPr lang="en-US"/>
           </a:p>
@@ -11456,7 +14531,7 @@
           <a:p>
             <a:fld id="{EEC3160E-2579-4584-9765-DC1BA0B358F9}" type="datetimeFigureOut">
               <a:rPr lang="en-US" smtClean="0"/>
-              <a:t>3/15/2018</a:t>
+              <a:t>3/17/2018</a:t>
             </a:fld>
             <a:endParaRPr lang="en-US"/>
           </a:p>
@@ -11669,7 +14744,7 @@
           <a:p>
             <a:fld id="{EEC3160E-2579-4584-9765-DC1BA0B358F9}" type="datetimeFigureOut">
               <a:rPr lang="en-US" smtClean="0"/>
-              <a:t>3/15/2018</a:t>
+              <a:t>3/17/2018</a:t>
             </a:fld>
             <a:endParaRPr lang="en-US"/>
           </a:p>
@@ -14310,6 +17385,335 @@
       </p:grpSpPr>
       <p:sp>
         <p:nvSpPr>
+          <p:cNvPr id="22" name="Freeform: Shape 21">
+            <a:extLst>
+              <a:ext uri="{FF2B5EF4-FFF2-40B4-BE49-F238E27FC236}">
+                <a16:creationId xmlns:a16="http://schemas.microsoft.com/office/drawing/2014/main" id="{64965EAE-E41A-435F-B993-07E824B6C977}"/>
+              </a:ext>
+            </a:extLst>
+          </p:cNvPr>
+          <p:cNvSpPr>
+            <a:spLocks noGrp="1" noRot="1" noChangeAspect="1" noMove="1" noResize="1" noEditPoints="1" noAdjustHandles="1" noChangeArrowheads="1" noChangeShapeType="1" noTextEdit="1"/>
+          </p:cNvSpPr>
+          <p:nvPr>
+            <p:extLst>
+              <p:ext uri="{386F3935-93C4-4BCD-93E2-E3B085C9AB24}">
+                <p16:designElem xmlns:p16="http://schemas.microsoft.com/office/powerpoint/2015/main" val="1"/>
+              </p:ext>
+            </p:extLst>
+          </p:nvPr>
+        </p:nvSpPr>
+        <p:spPr>
+          <a:xfrm flipV="1">
+            <a:off x="1" y="0"/>
+            <a:ext cx="7539895" cy="6858000"/>
+          </a:xfrm>
+          <a:custGeom>
+            <a:avLst/>
+            <a:gdLst>
+              <a:gd name="connsiteX0" fmla="*/ 7539895 w 7539895"/>
+              <a:gd name="connsiteY0" fmla="*/ 6858000 h 6858000"/>
+              <a:gd name="connsiteX1" fmla="*/ 0 w 7539895"/>
+              <a:gd name="connsiteY1" fmla="*/ 6858000 h 6858000"/>
+              <a:gd name="connsiteX2" fmla="*/ 0 w 7539895"/>
+              <a:gd name="connsiteY2" fmla="*/ 0 h 6858000"/>
+              <a:gd name="connsiteX3" fmla="*/ 4363741 w 7539895"/>
+              <a:gd name="connsiteY3" fmla="*/ 0 h 6858000"/>
+            </a:gdLst>
+            <a:ahLst/>
+            <a:cxnLst>
+              <a:cxn ang="0">
+                <a:pos x="connsiteX0" y="connsiteY0"/>
+              </a:cxn>
+              <a:cxn ang="0">
+                <a:pos x="connsiteX1" y="connsiteY1"/>
+              </a:cxn>
+              <a:cxn ang="0">
+                <a:pos x="connsiteX2" y="connsiteY2"/>
+              </a:cxn>
+              <a:cxn ang="0">
+                <a:pos x="connsiteX3" y="connsiteY3"/>
+              </a:cxn>
+            </a:cxnLst>
+            <a:rect l="l" t="t" r="r" b="b"/>
+            <a:pathLst>
+              <a:path w="7539895" h="6858000">
+                <a:moveTo>
+                  <a:pt x="7539895" y="6858000"/>
+                </a:moveTo>
+                <a:lnTo>
+                  <a:pt x="0" y="6858000"/>
+                </a:lnTo>
+                <a:lnTo>
+                  <a:pt x="0" y="0"/>
+                </a:lnTo>
+                <a:lnTo>
+                  <a:pt x="4363741" y="0"/>
+                </a:lnTo>
+                <a:close/>
+              </a:path>
+            </a:pathLst>
+          </a:custGeom>
+          <a:solidFill>
+            <a:schemeClr val="tx1">
+              <a:lumMod val="85000"/>
+              <a:lumOff val="15000"/>
+              <a:alpha val="70000"/>
+            </a:schemeClr>
+          </a:solidFill>
+          <a:ln>
+            <a:noFill/>
+          </a:ln>
+        </p:spPr>
+        <p:style>
+          <a:lnRef idx="2">
+            <a:schemeClr val="accent1">
+              <a:shade val="50000"/>
+            </a:schemeClr>
+          </a:lnRef>
+          <a:fillRef idx="1">
+            <a:schemeClr val="accent1"/>
+          </a:fillRef>
+          <a:effectRef idx="0">
+            <a:schemeClr val="accent1"/>
+          </a:effectRef>
+          <a:fontRef idx="minor">
+            <a:schemeClr val="lt1"/>
+          </a:fontRef>
+        </p:style>
+        <p:txBody>
+          <a:bodyPr wrap="square" rtlCol="0" anchor="ctr">
+            <a:noAutofit/>
+          </a:bodyPr>
+          <a:lstStyle/>
+          <a:p>
+            <a:pPr algn="ctr"/>
+            <a:endParaRPr lang="en-US"/>
+          </a:p>
+        </p:txBody>
+      </p:sp>
+      <p:sp>
+        <p:nvSpPr>
+          <p:cNvPr id="24" name="Freeform: Shape 23">
+            <a:extLst>
+              <a:ext uri="{FF2B5EF4-FFF2-40B4-BE49-F238E27FC236}">
+                <a16:creationId xmlns:a16="http://schemas.microsoft.com/office/drawing/2014/main" id="{152F8994-E6D4-4311-9548-C3607BC43645}"/>
+              </a:ext>
+            </a:extLst>
+          </p:cNvPr>
+          <p:cNvSpPr>
+            <a:spLocks noGrp="1" noRot="1" noChangeAspect="1" noMove="1" noResize="1" noEditPoints="1" noAdjustHandles="1" noChangeArrowheads="1" noChangeShapeType="1" noTextEdit="1"/>
+          </p:cNvSpPr>
+          <p:nvPr>
+            <p:extLst>
+              <p:ext uri="{386F3935-93C4-4BCD-93E2-E3B085C9AB24}">
+                <p16:designElem xmlns:p16="http://schemas.microsoft.com/office/powerpoint/2015/main" val="1"/>
+              </p:ext>
+            </p:extLst>
+          </p:nvPr>
+        </p:nvSpPr>
+        <p:spPr>
+          <a:xfrm flipV="1">
+            <a:off x="0" y="0"/>
+            <a:ext cx="7092985" cy="6858000"/>
+          </a:xfrm>
+          <a:custGeom>
+            <a:avLst/>
+            <a:gdLst>
+              <a:gd name="connsiteX0" fmla="*/ 7092985 w 7092985"/>
+              <a:gd name="connsiteY0" fmla="*/ 6858000 h 6858000"/>
+              <a:gd name="connsiteX1" fmla="*/ 0 w 7092985"/>
+              <a:gd name="connsiteY1" fmla="*/ 6858000 h 6858000"/>
+              <a:gd name="connsiteX2" fmla="*/ 0 w 7092985"/>
+              <a:gd name="connsiteY2" fmla="*/ 0 h 6858000"/>
+              <a:gd name="connsiteX3" fmla="*/ 3916831 w 7092985"/>
+              <a:gd name="connsiteY3" fmla="*/ 0 h 6858000"/>
+            </a:gdLst>
+            <a:ahLst/>
+            <a:cxnLst>
+              <a:cxn ang="0">
+                <a:pos x="connsiteX0" y="connsiteY0"/>
+              </a:cxn>
+              <a:cxn ang="0">
+                <a:pos x="connsiteX1" y="connsiteY1"/>
+              </a:cxn>
+              <a:cxn ang="0">
+                <a:pos x="connsiteX2" y="connsiteY2"/>
+              </a:cxn>
+              <a:cxn ang="0">
+                <a:pos x="connsiteX3" y="connsiteY3"/>
+              </a:cxn>
+            </a:cxnLst>
+            <a:rect l="l" t="t" r="r" b="b"/>
+            <a:pathLst>
+              <a:path w="7092985" h="6858000">
+                <a:moveTo>
+                  <a:pt x="7092985" y="6858000"/>
+                </a:moveTo>
+                <a:lnTo>
+                  <a:pt x="0" y="6858000"/>
+                </a:lnTo>
+                <a:lnTo>
+                  <a:pt x="0" y="0"/>
+                </a:lnTo>
+                <a:lnTo>
+                  <a:pt x="3916831" y="0"/>
+                </a:lnTo>
+                <a:close/>
+              </a:path>
+            </a:pathLst>
+          </a:custGeom>
+          <a:solidFill>
+            <a:schemeClr val="tx1">
+              <a:lumMod val="85000"/>
+              <a:lumOff val="15000"/>
+            </a:schemeClr>
+          </a:solidFill>
+          <a:ln>
+            <a:noFill/>
+          </a:ln>
+        </p:spPr>
+        <p:style>
+          <a:lnRef idx="2">
+            <a:schemeClr val="accent1">
+              <a:shade val="50000"/>
+            </a:schemeClr>
+          </a:lnRef>
+          <a:fillRef idx="1">
+            <a:schemeClr val="accent1"/>
+          </a:fillRef>
+          <a:effectRef idx="0">
+            <a:schemeClr val="accent1"/>
+          </a:effectRef>
+          <a:fontRef idx="minor">
+            <a:schemeClr val="lt1"/>
+          </a:fontRef>
+        </p:style>
+        <p:txBody>
+          <a:bodyPr wrap="square" rtlCol="0" anchor="ctr">
+            <a:noAutofit/>
+          </a:bodyPr>
+          <a:lstStyle/>
+          <a:p>
+            <a:pPr algn="ctr"/>
+            <a:endParaRPr lang="en-US"/>
+          </a:p>
+        </p:txBody>
+      </p:sp>
+      <p:sp>
+        <p:nvSpPr>
+          <p:cNvPr id="8" name="Title 7">
+            <a:extLst>
+              <a:ext uri="{FF2B5EF4-FFF2-40B4-BE49-F238E27FC236}">
+                <a16:creationId xmlns:a16="http://schemas.microsoft.com/office/drawing/2014/main" id="{9AAF6E53-C7E3-404C-8C15-A04C67BE1A24}"/>
+              </a:ext>
+            </a:extLst>
+          </p:cNvPr>
+          <p:cNvSpPr>
+            <a:spLocks noGrp="1"/>
+          </p:cNvSpPr>
+          <p:nvPr>
+            <p:ph type="title"/>
+          </p:nvPr>
+        </p:nvSpPr>
+        <p:spPr>
+          <a:xfrm>
+            <a:off x="838199" y="365125"/>
+            <a:ext cx="5529943" cy="1325563"/>
+          </a:xfrm>
+        </p:spPr>
+        <p:txBody>
+          <a:bodyPr>
+            <a:normAutofit/>
+          </a:bodyPr>
+          <a:lstStyle/>
+          <a:p>
+            <a:r>
+              <a:rPr lang="en-US" dirty="0">
+                <a:solidFill>
+                  <a:schemeClr val="bg1"/>
+                </a:solidFill>
+              </a:rPr>
+              <a:t>VSTS DEMO</a:t>
+            </a:r>
+          </a:p>
+        </p:txBody>
+      </p:sp>
+      <p:pic>
+        <p:nvPicPr>
+          <p:cNvPr id="3" name="Content Placeholder 2">
+            <a:extLst>
+              <a:ext uri="{FF2B5EF4-FFF2-40B4-BE49-F238E27FC236}">
+                <a16:creationId xmlns:a16="http://schemas.microsoft.com/office/drawing/2014/main" id="{C2A63A71-EC7F-479B-9854-E0B25655E4C0}"/>
+              </a:ext>
+            </a:extLst>
+          </p:cNvPr>
+          <p:cNvPicPr>
+            <a:picLocks noGrp="1" noChangeAspect="1"/>
+          </p:cNvPicPr>
+          <p:nvPr>
+            <p:ph idx="1"/>
+          </p:nvPr>
+        </p:nvPicPr>
+        <p:blipFill>
+          <a:blip r:embed="rId3">
+            <a:extLst>
+              <a:ext uri="{28A0092B-C50C-407E-A947-70E740481C1C}">
+                <a14:useLocalDpi xmlns:a14="http://schemas.microsoft.com/office/drawing/2010/main" val="0"/>
+              </a:ext>
+            </a:extLst>
+          </a:blip>
+          <a:stretch>
+            <a:fillRect/>
+          </a:stretch>
+        </p:blipFill>
+        <p:spPr>
+          <a:xfrm>
+            <a:off x="838198" y="1690688"/>
+            <a:ext cx="3398838" cy="3398838"/>
+          </a:xfrm>
+        </p:spPr>
+      </p:pic>
+    </p:spTree>
+    <p:extLst>
+      <p:ext uri="{BB962C8B-B14F-4D97-AF65-F5344CB8AC3E}">
+        <p14:creationId xmlns:p14="http://schemas.microsoft.com/office/powerpoint/2010/main" val="3899177888"/>
+      </p:ext>
+    </p:extLst>
+  </p:cSld>
+  <p:clrMapOvr>
+    <a:masterClrMapping/>
+  </p:clrMapOvr>
+</p:sld>
+</file>
+
+<file path=ppt/slides/slide11.xml><?xml version="1.0" encoding="utf-8"?>
+<p:sld xmlns:a="http://schemas.openxmlformats.org/drawingml/2006/main" xmlns:r="http://schemas.openxmlformats.org/officeDocument/2006/relationships" xmlns:p="http://schemas.openxmlformats.org/presentationml/2006/main">
+  <p:cSld>
+    <p:bg>
+      <p:bgPr>
+        <a:solidFill>
+          <a:schemeClr val="bg1"/>
+        </a:solidFill>
+        <a:effectLst/>
+      </p:bgPr>
+    </p:bg>
+    <p:spTree>
+      <p:nvGrpSpPr>
+        <p:cNvPr id="1" name=""/>
+        <p:cNvGrpSpPr/>
+        <p:nvPr/>
+      </p:nvGrpSpPr>
+      <p:grpSpPr>
+        <a:xfrm>
+          <a:off x="0" y="0"/>
+          <a:ext cx="0" cy="0"/>
+          <a:chOff x="0" y="0"/>
+          <a:chExt cx="0" cy="0"/>
+        </a:xfrm>
+      </p:grpSpPr>
+      <p:sp>
+        <p:nvSpPr>
           <p:cNvPr id="8" name="Rectangle 7">
             <a:extLst>
               <a:ext uri="{FF2B5EF4-FFF2-40B4-BE49-F238E27FC236}">
@@ -14934,7 +18338,7 @@
 </p:sld>
 </file>
 
-<file path=ppt/slides/slide11.xml><?xml version="1.0" encoding="utf-8"?>
+<file path=ppt/slides/slide12.xml><?xml version="1.0" encoding="utf-8"?>
 <p:sld xmlns:a="http://schemas.openxmlformats.org/drawingml/2006/main" xmlns:r="http://schemas.openxmlformats.org/officeDocument/2006/relationships" xmlns:p="http://schemas.openxmlformats.org/presentationml/2006/main">
   <p:cSld>
     <p:spTree>
@@ -15047,7 +18451,7 @@
 </p:sld>
 </file>
 
-<file path=ppt/slides/slide12.xml><?xml version="1.0" encoding="utf-8"?>
+<file path=ppt/slides/slide13.xml><?xml version="1.0" encoding="utf-8"?>
 <p:sld xmlns:a="http://schemas.openxmlformats.org/drawingml/2006/main" xmlns:r="http://schemas.openxmlformats.org/officeDocument/2006/relationships" xmlns:p="http://schemas.openxmlformats.org/presentationml/2006/main">
   <p:cSld>
     <p:bg>
@@ -15941,7 +19345,7 @@
 </p:sld>
 </file>
 
-<file path=ppt/slides/slide13.xml><?xml version="1.0" encoding="utf-8"?>
+<file path=ppt/slides/slide14.xml><?xml version="1.0" encoding="utf-8"?>
 <p:sld xmlns:a="http://schemas.openxmlformats.org/drawingml/2006/main" xmlns:r="http://schemas.openxmlformats.org/officeDocument/2006/relationships" xmlns:p="http://schemas.openxmlformats.org/presentationml/2006/main">
   <p:cSld>
     <p:spTree>
@@ -16415,31 +19819,31 @@
           <a:lstStyle/>
           <a:p>
             <a:r>
-              <a:rPr lang="en-US" sz="2400"/>
-              <a:t>What is the CLI?</a:t>
-            </a:r>
-          </a:p>
-          <a:p>
-            <a:r>
-              <a:rPr lang="en-US" sz="2400"/>
+              <a:rPr lang="en-US" sz="2400" dirty="0"/>
+              <a:t>CLI overview</a:t>
+            </a:r>
+          </a:p>
+          <a:p>
+            <a:r>
+              <a:rPr lang="en-US" sz="2400" dirty="0"/>
               <a:t>Frequently used commands</a:t>
             </a:r>
           </a:p>
           <a:p>
             <a:r>
-              <a:rPr lang="en-US" sz="2400"/>
+              <a:rPr lang="en-US" sz="2400" dirty="0"/>
               <a:t>VS Code integration</a:t>
             </a:r>
           </a:p>
           <a:p>
             <a:r>
-              <a:rPr lang="en-US" sz="2400"/>
+              <a:rPr lang="en-US" sz="2400" dirty="0"/>
               <a:t>VSTS integration</a:t>
             </a:r>
           </a:p>
           <a:p>
             <a:r>
-              <a:rPr lang="en-US" sz="2400"/>
+              <a:rPr lang="en-US" sz="2400" dirty="0"/>
               <a:t>Template creation</a:t>
             </a:r>
           </a:p>
@@ -16799,7 +20203,7 @@
     <p:bg>
       <p:bgPr>
         <a:solidFill>
-          <a:schemeClr val="bg1"/>
+          <a:srgbClr val="000000"/>
         </a:solidFill>
         <a:effectLst/>
       </p:bgPr>
@@ -17530,6 +20934,273 @@
           <a:chExt cx="0" cy="0"/>
         </a:xfrm>
       </p:grpSpPr>
+      <p:pic>
+        <p:nvPicPr>
+          <p:cNvPr id="20" name="Picture 19" descr="A picture containing device, gauge&#10;&#10;Description generated with high confidence">
+            <a:extLst>
+              <a:ext uri="{FF2B5EF4-FFF2-40B4-BE49-F238E27FC236}">
+                <a16:creationId xmlns:a16="http://schemas.microsoft.com/office/drawing/2014/main" id="{7C161F73-CAB5-41B9-AAE3-A88389E1DC22}"/>
+              </a:ext>
+            </a:extLst>
+          </p:cNvPr>
+          <p:cNvPicPr>
+            <a:picLocks noChangeAspect="1"/>
+          </p:cNvPicPr>
+          <p:nvPr/>
+        </p:nvPicPr>
+        <p:blipFill>
+          <a:blip r:embed="rId3">
+            <a:duotone>
+              <a:prstClr val="black"/>
+              <a:schemeClr val="accent1">
+                <a:tint val="45000"/>
+                <a:satMod val="400000"/>
+              </a:schemeClr>
+            </a:duotone>
+            <a:extLst>
+              <a:ext uri="{28A0092B-C50C-407E-A947-70E740481C1C}">
+                <a14:useLocalDpi xmlns:a14="http://schemas.microsoft.com/office/drawing/2010/main" val="0"/>
+              </a:ext>
+            </a:extLst>
+          </a:blip>
+          <a:stretch>
+            <a:fillRect/>
+          </a:stretch>
+        </p:blipFill>
+        <p:spPr>
+          <a:xfrm>
+            <a:off x="6430046" y="3522905"/>
+            <a:ext cx="4923754" cy="3309695"/>
+          </a:xfrm>
+          <a:prstGeom prst="rect">
+            <a:avLst/>
+          </a:prstGeom>
+        </p:spPr>
+      </p:pic>
+      <p:pic>
+        <p:nvPicPr>
+          <p:cNvPr id="21" name="Picture 20" descr="A picture containing device, red&#10;&#10;Description generated with very high confidence">
+            <a:extLst>
+              <a:ext uri="{FF2B5EF4-FFF2-40B4-BE49-F238E27FC236}">
+                <a16:creationId xmlns:a16="http://schemas.microsoft.com/office/drawing/2014/main" id="{57AD2DC8-4304-46D1-93A3-AE2459F7E90F}"/>
+              </a:ext>
+            </a:extLst>
+          </p:cNvPr>
+          <p:cNvPicPr>
+            <a:picLocks noChangeAspect="1"/>
+          </p:cNvPicPr>
+          <p:nvPr/>
+        </p:nvPicPr>
+        <p:blipFill>
+          <a:blip r:embed="rId4">
+            <a:duotone>
+              <a:prstClr val="black"/>
+              <a:schemeClr val="accent1">
+                <a:tint val="45000"/>
+                <a:satMod val="400000"/>
+              </a:schemeClr>
+            </a:duotone>
+            <a:extLst>
+              <a:ext uri="{28A0092B-C50C-407E-A947-70E740481C1C}">
+                <a14:useLocalDpi xmlns:a14="http://schemas.microsoft.com/office/drawing/2010/main" val="0"/>
+              </a:ext>
+            </a:extLst>
+          </a:blip>
+          <a:stretch>
+            <a:fillRect/>
+          </a:stretch>
+        </p:blipFill>
+        <p:spPr>
+          <a:xfrm>
+            <a:off x="6622533" y="1036330"/>
+            <a:ext cx="4538779" cy="3247527"/>
+          </a:xfrm>
+          <a:prstGeom prst="rect">
+            <a:avLst/>
+          </a:prstGeom>
+        </p:spPr>
+      </p:pic>
+      <p:sp>
+        <p:nvSpPr>
+          <p:cNvPr id="2" name="Title 1">
+            <a:extLst>
+              <a:ext uri="{FF2B5EF4-FFF2-40B4-BE49-F238E27FC236}">
+                <a16:creationId xmlns:a16="http://schemas.microsoft.com/office/drawing/2014/main" id="{9E94D111-6A7C-4BE8-ACAA-678197CD7AAE}"/>
+              </a:ext>
+            </a:extLst>
+          </p:cNvPr>
+          <p:cNvSpPr>
+            <a:spLocks noGrp="1"/>
+          </p:cNvSpPr>
+          <p:nvPr>
+            <p:ph type="title"/>
+          </p:nvPr>
+        </p:nvSpPr>
+        <p:spPr/>
+        <p:txBody>
+          <a:bodyPr/>
+          <a:lstStyle/>
+          <a:p>
+            <a:r>
+              <a:rPr lang="en-US" dirty="0"/>
+              <a:t>Learn abstraction below comfort zone</a:t>
+            </a:r>
+          </a:p>
+        </p:txBody>
+      </p:sp>
+      <p:sp>
+        <p:nvSpPr>
+          <p:cNvPr id="3" name="Content Placeholder 2">
+            <a:extLst>
+              <a:ext uri="{FF2B5EF4-FFF2-40B4-BE49-F238E27FC236}">
+                <a16:creationId xmlns:a16="http://schemas.microsoft.com/office/drawing/2014/main" id="{CBC0E78D-879C-418D-9572-A93E72EB7B6F}"/>
+              </a:ext>
+            </a:extLst>
+          </p:cNvPr>
+          <p:cNvSpPr>
+            <a:spLocks noGrp="1"/>
+          </p:cNvSpPr>
+          <p:nvPr>
+            <p:ph idx="1"/>
+          </p:nvPr>
+        </p:nvSpPr>
+        <p:spPr/>
+        <p:txBody>
+          <a:bodyPr/>
+          <a:lstStyle/>
+          <a:p>
+            <a:pPr marL="0" indent="0">
+              <a:buNone/>
+            </a:pPr>
+            <a:endParaRPr lang="en-US" dirty="0"/>
+          </a:p>
+          <a:p>
+            <a:endParaRPr lang="en-US" dirty="0"/>
+          </a:p>
+          <a:p>
+            <a:endParaRPr lang="en-US" dirty="0"/>
+          </a:p>
+          <a:p>
+            <a:endParaRPr lang="en-US" dirty="0"/>
+          </a:p>
+          <a:p>
+            <a:endParaRPr lang="en-US" dirty="0"/>
+          </a:p>
+          <a:p>
+            <a:pPr lvl="1"/>
+            <a:endParaRPr lang="en-US" dirty="0"/>
+          </a:p>
+        </p:txBody>
+      </p:sp>
+      <p:graphicFrame>
+        <p:nvGraphicFramePr>
+          <p:cNvPr id="4" name="Diagram 3">
+            <a:extLst>
+              <a:ext uri="{FF2B5EF4-FFF2-40B4-BE49-F238E27FC236}">
+                <a16:creationId xmlns:a16="http://schemas.microsoft.com/office/drawing/2014/main" id="{46C719C0-9A6F-4D5D-ADA8-523D64F380BB}"/>
+              </a:ext>
+            </a:extLst>
+          </p:cNvPr>
+          <p:cNvGraphicFramePr/>
+          <p:nvPr>
+            <p:extLst>
+              <p:ext uri="{D42A27DB-BD31-4B8C-83A1-F6EECF244321}">
+                <p14:modId xmlns:p14="http://schemas.microsoft.com/office/powerpoint/2010/main" val="1066157779"/>
+              </p:ext>
+            </p:extLst>
+          </p:nvPr>
+        </p:nvGraphicFramePr>
+        <p:xfrm>
+          <a:off x="838200" y="2037807"/>
+          <a:ext cx="5499463" cy="3631474"/>
+        </p:xfrm>
+        <a:graphic>
+          <a:graphicData uri="http://schemas.openxmlformats.org/drawingml/2006/diagram">
+            <dgm:relIds xmlns:dgm="http://schemas.openxmlformats.org/drawingml/2006/diagram" xmlns:r="http://schemas.openxmlformats.org/officeDocument/2006/relationships" r:dm="rId5" r:lo="rId6" r:qs="rId7" r:cs="rId8"/>
+          </a:graphicData>
+        </a:graphic>
+      </p:graphicFrame>
+      <p:cxnSp>
+        <p:nvCxnSpPr>
+          <p:cNvPr id="9" name="Straight Connector 8">
+            <a:extLst>
+              <a:ext uri="{FF2B5EF4-FFF2-40B4-BE49-F238E27FC236}">
+                <a16:creationId xmlns:a16="http://schemas.microsoft.com/office/drawing/2014/main" id="{A979FC5E-52CD-4D86-8B11-884A083D57DC}"/>
+              </a:ext>
+            </a:extLst>
+          </p:cNvPr>
+          <p:cNvCxnSpPr>
+            <a:cxnSpLocks/>
+          </p:cNvCxnSpPr>
+          <p:nvPr/>
+        </p:nvCxnSpPr>
+        <p:spPr>
+          <a:xfrm>
+            <a:off x="769621" y="3853544"/>
+            <a:ext cx="10515600" cy="0"/>
+          </a:xfrm>
+          <a:prstGeom prst="line">
+            <a:avLst/>
+          </a:prstGeom>
+          <a:ln w="38100">
+            <a:solidFill>
+              <a:schemeClr val="tx1"/>
+            </a:solidFill>
+          </a:ln>
+        </p:spPr>
+        <p:style>
+          <a:lnRef idx="1">
+            <a:schemeClr val="accent1"/>
+          </a:lnRef>
+          <a:fillRef idx="0">
+            <a:schemeClr val="accent1"/>
+          </a:fillRef>
+          <a:effectRef idx="0">
+            <a:schemeClr val="accent1"/>
+          </a:effectRef>
+          <a:fontRef idx="minor">
+            <a:schemeClr val="tx1"/>
+          </a:fontRef>
+        </p:style>
+      </p:cxnSp>
+    </p:spTree>
+    <p:extLst>
+      <p:ext uri="{BB962C8B-B14F-4D97-AF65-F5344CB8AC3E}">
+        <p14:creationId xmlns:p14="http://schemas.microsoft.com/office/powerpoint/2010/main" val="2170745747"/>
+      </p:ext>
+    </p:extLst>
+  </p:cSld>
+  <p:clrMapOvr>
+    <a:masterClrMapping/>
+  </p:clrMapOvr>
+</p:sld>
+</file>
+
+<file path=ppt/slides/slide5.xml><?xml version="1.0" encoding="utf-8"?>
+<p:sld xmlns:a="http://schemas.openxmlformats.org/drawingml/2006/main" xmlns:r="http://schemas.openxmlformats.org/officeDocument/2006/relationships" xmlns:p="http://schemas.openxmlformats.org/presentationml/2006/main">
+  <p:cSld>
+    <p:bg>
+      <p:bgPr>
+        <a:solidFill>
+          <a:schemeClr val="bg1"/>
+        </a:solidFill>
+        <a:effectLst/>
+      </p:bgPr>
+    </p:bg>
+    <p:spTree>
+      <p:nvGrpSpPr>
+        <p:cNvPr id="1" name=""/>
+        <p:cNvGrpSpPr/>
+        <p:nvPr/>
+      </p:nvGrpSpPr>
+      <p:grpSpPr>
+        <a:xfrm>
+          <a:off x="0" y="0"/>
+          <a:ext cx="0" cy="0"/>
+          <a:chOff x="0" y="0"/>
+          <a:chExt cx="0" cy="0"/>
+        </a:xfrm>
+      </p:grpSpPr>
       <p:sp>
         <p:nvSpPr>
           <p:cNvPr id="44" name="Rectangle 43">
@@ -17761,7 +21432,7 @@
 </p:sld>
 </file>
 
-<file path=ppt/slides/slide5.xml><?xml version="1.0" encoding="utf-8"?>
+<file path=ppt/slides/slide6.xml><?xml version="1.0" encoding="utf-8"?>
 <p:sld xmlns:a="http://schemas.openxmlformats.org/drawingml/2006/main" xmlns:r="http://schemas.openxmlformats.org/officeDocument/2006/relationships" xmlns:p="http://schemas.openxmlformats.org/presentationml/2006/main">
   <p:cSld>
     <p:bg>
@@ -18239,7 +21910,7 @@
 </p:sld>
 </file>
 
-<file path=ppt/slides/slide6.xml><?xml version="1.0" encoding="utf-8"?>
+<file path=ppt/slides/slide7.xml><?xml version="1.0" encoding="utf-8"?>
 <p:sld xmlns:a="http://schemas.openxmlformats.org/drawingml/2006/main" xmlns:r="http://schemas.openxmlformats.org/officeDocument/2006/relationships" xmlns:p="http://schemas.openxmlformats.org/presentationml/2006/main">
   <p:cSld>
     <p:bg>
@@ -19030,7 +22701,7 @@
 </p:sld>
 </file>
 
-<file path=ppt/slides/slide7.xml><?xml version="1.0" encoding="utf-8"?>
+<file path=ppt/slides/slide8.xml><?xml version="1.0" encoding="utf-8"?>
 <p:sld xmlns:a="http://schemas.openxmlformats.org/drawingml/2006/main" xmlns:r="http://schemas.openxmlformats.org/officeDocument/2006/relationships" xmlns:p="http://schemas.openxmlformats.org/presentationml/2006/main">
   <p:cSld>
     <p:bg>
@@ -19396,7 +23067,7 @@
 </p:sld>
 </file>
 
-<file path=ppt/slides/slide8.xml><?xml version="1.0" encoding="utf-8"?>
+<file path=ppt/slides/slide9.xml><?xml version="1.0" encoding="utf-8"?>
 <p:sld xmlns:a="http://schemas.openxmlformats.org/drawingml/2006/main" xmlns:r="http://schemas.openxmlformats.org/officeDocument/2006/relationships" xmlns:p="http://schemas.openxmlformats.org/presentationml/2006/main">
   <p:cSld>
     <p:bg>
@@ -19701,335 +23372,6 @@
       </p:par>
     </p:tnLst>
   </p:timing>
-</p:sld>
-</file>
-
-<file path=ppt/slides/slide9.xml><?xml version="1.0" encoding="utf-8"?>
-<p:sld xmlns:a="http://schemas.openxmlformats.org/drawingml/2006/main" xmlns:r="http://schemas.openxmlformats.org/officeDocument/2006/relationships" xmlns:p="http://schemas.openxmlformats.org/presentationml/2006/main">
-  <p:cSld>
-    <p:bg>
-      <p:bgPr>
-        <a:solidFill>
-          <a:schemeClr val="bg1"/>
-        </a:solidFill>
-        <a:effectLst/>
-      </p:bgPr>
-    </p:bg>
-    <p:spTree>
-      <p:nvGrpSpPr>
-        <p:cNvPr id="1" name=""/>
-        <p:cNvGrpSpPr/>
-        <p:nvPr/>
-      </p:nvGrpSpPr>
-      <p:grpSpPr>
-        <a:xfrm>
-          <a:off x="0" y="0"/>
-          <a:ext cx="0" cy="0"/>
-          <a:chOff x="0" y="0"/>
-          <a:chExt cx="0" cy="0"/>
-        </a:xfrm>
-      </p:grpSpPr>
-      <p:sp>
-        <p:nvSpPr>
-          <p:cNvPr id="22" name="Freeform: Shape 21">
-            <a:extLst>
-              <a:ext uri="{FF2B5EF4-FFF2-40B4-BE49-F238E27FC236}">
-                <a16:creationId xmlns:a16="http://schemas.microsoft.com/office/drawing/2014/main" id="{64965EAE-E41A-435F-B993-07E824B6C977}"/>
-              </a:ext>
-            </a:extLst>
-          </p:cNvPr>
-          <p:cNvSpPr>
-            <a:spLocks noGrp="1" noRot="1" noChangeAspect="1" noMove="1" noResize="1" noEditPoints="1" noAdjustHandles="1" noChangeArrowheads="1" noChangeShapeType="1" noTextEdit="1"/>
-          </p:cNvSpPr>
-          <p:nvPr>
-            <p:extLst>
-              <p:ext uri="{386F3935-93C4-4BCD-93E2-E3B085C9AB24}">
-                <p16:designElem xmlns:p16="http://schemas.microsoft.com/office/powerpoint/2015/main" val="1"/>
-              </p:ext>
-            </p:extLst>
-          </p:nvPr>
-        </p:nvSpPr>
-        <p:spPr>
-          <a:xfrm flipV="1">
-            <a:off x="1" y="0"/>
-            <a:ext cx="7539895" cy="6858000"/>
-          </a:xfrm>
-          <a:custGeom>
-            <a:avLst/>
-            <a:gdLst>
-              <a:gd name="connsiteX0" fmla="*/ 7539895 w 7539895"/>
-              <a:gd name="connsiteY0" fmla="*/ 6858000 h 6858000"/>
-              <a:gd name="connsiteX1" fmla="*/ 0 w 7539895"/>
-              <a:gd name="connsiteY1" fmla="*/ 6858000 h 6858000"/>
-              <a:gd name="connsiteX2" fmla="*/ 0 w 7539895"/>
-              <a:gd name="connsiteY2" fmla="*/ 0 h 6858000"/>
-              <a:gd name="connsiteX3" fmla="*/ 4363741 w 7539895"/>
-              <a:gd name="connsiteY3" fmla="*/ 0 h 6858000"/>
-            </a:gdLst>
-            <a:ahLst/>
-            <a:cxnLst>
-              <a:cxn ang="0">
-                <a:pos x="connsiteX0" y="connsiteY0"/>
-              </a:cxn>
-              <a:cxn ang="0">
-                <a:pos x="connsiteX1" y="connsiteY1"/>
-              </a:cxn>
-              <a:cxn ang="0">
-                <a:pos x="connsiteX2" y="connsiteY2"/>
-              </a:cxn>
-              <a:cxn ang="0">
-                <a:pos x="connsiteX3" y="connsiteY3"/>
-              </a:cxn>
-            </a:cxnLst>
-            <a:rect l="l" t="t" r="r" b="b"/>
-            <a:pathLst>
-              <a:path w="7539895" h="6858000">
-                <a:moveTo>
-                  <a:pt x="7539895" y="6858000"/>
-                </a:moveTo>
-                <a:lnTo>
-                  <a:pt x="0" y="6858000"/>
-                </a:lnTo>
-                <a:lnTo>
-                  <a:pt x="0" y="0"/>
-                </a:lnTo>
-                <a:lnTo>
-                  <a:pt x="4363741" y="0"/>
-                </a:lnTo>
-                <a:close/>
-              </a:path>
-            </a:pathLst>
-          </a:custGeom>
-          <a:solidFill>
-            <a:schemeClr val="tx1">
-              <a:lumMod val="85000"/>
-              <a:lumOff val="15000"/>
-              <a:alpha val="70000"/>
-            </a:schemeClr>
-          </a:solidFill>
-          <a:ln>
-            <a:noFill/>
-          </a:ln>
-        </p:spPr>
-        <p:style>
-          <a:lnRef idx="2">
-            <a:schemeClr val="accent1">
-              <a:shade val="50000"/>
-            </a:schemeClr>
-          </a:lnRef>
-          <a:fillRef idx="1">
-            <a:schemeClr val="accent1"/>
-          </a:fillRef>
-          <a:effectRef idx="0">
-            <a:schemeClr val="accent1"/>
-          </a:effectRef>
-          <a:fontRef idx="minor">
-            <a:schemeClr val="lt1"/>
-          </a:fontRef>
-        </p:style>
-        <p:txBody>
-          <a:bodyPr wrap="square" rtlCol="0" anchor="ctr">
-            <a:noAutofit/>
-          </a:bodyPr>
-          <a:lstStyle/>
-          <a:p>
-            <a:pPr algn="ctr"/>
-            <a:endParaRPr lang="en-US"/>
-          </a:p>
-        </p:txBody>
-      </p:sp>
-      <p:sp>
-        <p:nvSpPr>
-          <p:cNvPr id="24" name="Freeform: Shape 23">
-            <a:extLst>
-              <a:ext uri="{FF2B5EF4-FFF2-40B4-BE49-F238E27FC236}">
-                <a16:creationId xmlns:a16="http://schemas.microsoft.com/office/drawing/2014/main" id="{152F8994-E6D4-4311-9548-C3607BC43645}"/>
-              </a:ext>
-            </a:extLst>
-          </p:cNvPr>
-          <p:cNvSpPr>
-            <a:spLocks noGrp="1" noRot="1" noChangeAspect="1" noMove="1" noResize="1" noEditPoints="1" noAdjustHandles="1" noChangeArrowheads="1" noChangeShapeType="1" noTextEdit="1"/>
-          </p:cNvSpPr>
-          <p:nvPr>
-            <p:extLst>
-              <p:ext uri="{386F3935-93C4-4BCD-93E2-E3B085C9AB24}">
-                <p16:designElem xmlns:p16="http://schemas.microsoft.com/office/powerpoint/2015/main" val="1"/>
-              </p:ext>
-            </p:extLst>
-          </p:nvPr>
-        </p:nvSpPr>
-        <p:spPr>
-          <a:xfrm flipV="1">
-            <a:off x="0" y="0"/>
-            <a:ext cx="7092985" cy="6858000"/>
-          </a:xfrm>
-          <a:custGeom>
-            <a:avLst/>
-            <a:gdLst>
-              <a:gd name="connsiteX0" fmla="*/ 7092985 w 7092985"/>
-              <a:gd name="connsiteY0" fmla="*/ 6858000 h 6858000"/>
-              <a:gd name="connsiteX1" fmla="*/ 0 w 7092985"/>
-              <a:gd name="connsiteY1" fmla="*/ 6858000 h 6858000"/>
-              <a:gd name="connsiteX2" fmla="*/ 0 w 7092985"/>
-              <a:gd name="connsiteY2" fmla="*/ 0 h 6858000"/>
-              <a:gd name="connsiteX3" fmla="*/ 3916831 w 7092985"/>
-              <a:gd name="connsiteY3" fmla="*/ 0 h 6858000"/>
-            </a:gdLst>
-            <a:ahLst/>
-            <a:cxnLst>
-              <a:cxn ang="0">
-                <a:pos x="connsiteX0" y="connsiteY0"/>
-              </a:cxn>
-              <a:cxn ang="0">
-                <a:pos x="connsiteX1" y="connsiteY1"/>
-              </a:cxn>
-              <a:cxn ang="0">
-                <a:pos x="connsiteX2" y="connsiteY2"/>
-              </a:cxn>
-              <a:cxn ang="0">
-                <a:pos x="connsiteX3" y="connsiteY3"/>
-              </a:cxn>
-            </a:cxnLst>
-            <a:rect l="l" t="t" r="r" b="b"/>
-            <a:pathLst>
-              <a:path w="7092985" h="6858000">
-                <a:moveTo>
-                  <a:pt x="7092985" y="6858000"/>
-                </a:moveTo>
-                <a:lnTo>
-                  <a:pt x="0" y="6858000"/>
-                </a:lnTo>
-                <a:lnTo>
-                  <a:pt x="0" y="0"/>
-                </a:lnTo>
-                <a:lnTo>
-                  <a:pt x="3916831" y="0"/>
-                </a:lnTo>
-                <a:close/>
-              </a:path>
-            </a:pathLst>
-          </a:custGeom>
-          <a:solidFill>
-            <a:schemeClr val="tx1">
-              <a:lumMod val="85000"/>
-              <a:lumOff val="15000"/>
-            </a:schemeClr>
-          </a:solidFill>
-          <a:ln>
-            <a:noFill/>
-          </a:ln>
-        </p:spPr>
-        <p:style>
-          <a:lnRef idx="2">
-            <a:schemeClr val="accent1">
-              <a:shade val="50000"/>
-            </a:schemeClr>
-          </a:lnRef>
-          <a:fillRef idx="1">
-            <a:schemeClr val="accent1"/>
-          </a:fillRef>
-          <a:effectRef idx="0">
-            <a:schemeClr val="accent1"/>
-          </a:effectRef>
-          <a:fontRef idx="minor">
-            <a:schemeClr val="lt1"/>
-          </a:fontRef>
-        </p:style>
-        <p:txBody>
-          <a:bodyPr wrap="square" rtlCol="0" anchor="ctr">
-            <a:noAutofit/>
-          </a:bodyPr>
-          <a:lstStyle/>
-          <a:p>
-            <a:pPr algn="ctr"/>
-            <a:endParaRPr lang="en-US"/>
-          </a:p>
-        </p:txBody>
-      </p:sp>
-      <p:sp>
-        <p:nvSpPr>
-          <p:cNvPr id="8" name="Title 7">
-            <a:extLst>
-              <a:ext uri="{FF2B5EF4-FFF2-40B4-BE49-F238E27FC236}">
-                <a16:creationId xmlns:a16="http://schemas.microsoft.com/office/drawing/2014/main" id="{9AAF6E53-C7E3-404C-8C15-A04C67BE1A24}"/>
-              </a:ext>
-            </a:extLst>
-          </p:cNvPr>
-          <p:cNvSpPr>
-            <a:spLocks noGrp="1"/>
-          </p:cNvSpPr>
-          <p:nvPr>
-            <p:ph type="title"/>
-          </p:nvPr>
-        </p:nvSpPr>
-        <p:spPr>
-          <a:xfrm>
-            <a:off x="838199" y="365125"/>
-            <a:ext cx="5529943" cy="1325563"/>
-          </a:xfrm>
-        </p:spPr>
-        <p:txBody>
-          <a:bodyPr>
-            <a:normAutofit/>
-          </a:bodyPr>
-          <a:lstStyle/>
-          <a:p>
-            <a:r>
-              <a:rPr lang="en-US" dirty="0">
-                <a:solidFill>
-                  <a:schemeClr val="bg1"/>
-                </a:solidFill>
-              </a:rPr>
-              <a:t>VSTS DEMO</a:t>
-            </a:r>
-          </a:p>
-        </p:txBody>
-      </p:sp>
-      <p:pic>
-        <p:nvPicPr>
-          <p:cNvPr id="3" name="Content Placeholder 2">
-            <a:extLst>
-              <a:ext uri="{FF2B5EF4-FFF2-40B4-BE49-F238E27FC236}">
-                <a16:creationId xmlns:a16="http://schemas.microsoft.com/office/drawing/2014/main" id="{C2A63A71-EC7F-479B-9854-E0B25655E4C0}"/>
-              </a:ext>
-            </a:extLst>
-          </p:cNvPr>
-          <p:cNvPicPr>
-            <a:picLocks noGrp="1" noChangeAspect="1"/>
-          </p:cNvPicPr>
-          <p:nvPr>
-            <p:ph idx="1"/>
-          </p:nvPr>
-        </p:nvPicPr>
-        <p:blipFill>
-          <a:blip r:embed="rId3">
-            <a:extLst>
-              <a:ext uri="{28A0092B-C50C-407E-A947-70E740481C1C}">
-                <a14:useLocalDpi xmlns:a14="http://schemas.microsoft.com/office/drawing/2010/main" val="0"/>
-              </a:ext>
-            </a:extLst>
-          </a:blip>
-          <a:stretch>
-            <a:fillRect/>
-          </a:stretch>
-        </p:blipFill>
-        <p:spPr>
-          <a:xfrm>
-            <a:off x="838198" y="1690688"/>
-            <a:ext cx="3398838" cy="3398838"/>
-          </a:xfrm>
-        </p:spPr>
-      </p:pic>
-    </p:spTree>
-    <p:extLst>
-      <p:ext uri="{BB962C8B-B14F-4D97-AF65-F5344CB8AC3E}">
-        <p14:creationId xmlns:p14="http://schemas.microsoft.com/office/powerpoint/2010/main" val="3899177888"/>
-      </p:ext>
-    </p:extLst>
-  </p:cSld>
-  <p:clrMapOvr>
-    <a:masterClrMapping/>
-  </p:clrMapOvr>
 </p:sld>
 </file>
 

--- a/Tour de .NET Core CLI.pptx
+++ b/Tour de .NET Core CLI.pptx
@@ -164,15 +164,27 @@
 </file>
 
 <file path=ppt/diagrams/colors1.xml><?xml version="1.0" encoding="utf-8"?>
-<dgm:colorsDef xmlns:dgm="http://schemas.openxmlformats.org/drawingml/2006/diagram" xmlns:a="http://schemas.openxmlformats.org/drawingml/2006/main" uniqueId="urn:microsoft.com/office/officeart/2005/8/colors/accent1_2">
+<dgm:colorsDef xmlns:dgm="http://schemas.openxmlformats.org/drawingml/2006/diagram" xmlns:a="http://schemas.openxmlformats.org/drawingml/2006/main" uniqueId="urn:microsoft.com/office/officeart/2005/8/colors/accent5_2">
   <dgm:title val=""/>
   <dgm:desc val=""/>
   <dgm:catLst>
-    <dgm:cat type="accent1" pri="11200"/>
+    <dgm:cat type="accent5" pri="11200"/>
   </dgm:catLst>
   <dgm:styleLbl name="node0">
     <dgm:fillClrLst meth="repeat">
-      <a:schemeClr val="accent1"/>
+      <a:schemeClr val="accent5"/>
+    </dgm:fillClrLst>
+    <dgm:linClrLst meth="repeat">
+      <a:schemeClr val="lt1"/>
+    </dgm:linClrLst>
+    <dgm:effectClrLst/>
+    <dgm:txLinClrLst/>
+    <dgm:txFillClrLst/>
+    <dgm:txEffectClrLst/>
+  </dgm:styleLbl>
+  <dgm:styleLbl name="node1">
+    <dgm:fillClrLst meth="repeat">
+      <a:schemeClr val="accent5"/>
     </dgm:fillClrLst>
     <dgm:linClrLst meth="repeat">
       <a:schemeClr val="lt1"/>
@@ -184,22 +196,10 @@
   </dgm:styleLbl>
   <dgm:styleLbl name="alignNode1">
     <dgm:fillClrLst meth="repeat">
-      <a:schemeClr val="accent1"/>
+      <a:schemeClr val="accent5"/>
     </dgm:fillClrLst>
     <dgm:linClrLst meth="repeat">
-      <a:schemeClr val="accent1"/>
-    </dgm:linClrLst>
-    <dgm:effectClrLst/>
-    <dgm:txLinClrLst/>
-    <dgm:txFillClrLst/>
-    <dgm:txEffectClrLst/>
-  </dgm:styleLbl>
-  <dgm:styleLbl name="node1">
-    <dgm:fillClrLst meth="repeat">
-      <a:schemeClr val="accent1"/>
-    </dgm:fillClrLst>
-    <dgm:linClrLst meth="repeat">
-      <a:schemeClr val="lt1"/>
+      <a:schemeClr val="accent5"/>
     </dgm:linClrLst>
     <dgm:effectClrLst/>
     <dgm:txLinClrLst/>
@@ -208,7 +208,7 @@
   </dgm:styleLbl>
   <dgm:styleLbl name="lnNode1">
     <dgm:fillClrLst meth="repeat">
-      <a:schemeClr val="accent1"/>
+      <a:schemeClr val="accent5"/>
     </dgm:fillClrLst>
     <dgm:linClrLst meth="repeat">
       <a:schemeClr val="lt1"/>
@@ -220,7 +220,7 @@
   </dgm:styleLbl>
   <dgm:styleLbl name="vennNode1">
     <dgm:fillClrLst meth="repeat">
-      <a:schemeClr val="accent1">
+      <a:schemeClr val="accent5">
         <a:alpha val="50000"/>
       </a:schemeClr>
     </dgm:fillClrLst>
@@ -234,7 +234,7 @@
   </dgm:styleLbl>
   <dgm:styleLbl name="node2">
     <dgm:fillClrLst meth="repeat">
-      <a:schemeClr val="accent1"/>
+      <a:schemeClr val="accent5"/>
     </dgm:fillClrLst>
     <dgm:linClrLst meth="repeat">
       <a:schemeClr val="lt1"/>
@@ -246,7 +246,7 @@
   </dgm:styleLbl>
   <dgm:styleLbl name="node3">
     <dgm:fillClrLst meth="repeat">
-      <a:schemeClr val="accent1"/>
+      <a:schemeClr val="accent5"/>
     </dgm:fillClrLst>
     <dgm:linClrLst meth="repeat">
       <a:schemeClr val="lt1"/>
@@ -258,7 +258,7 @@
   </dgm:styleLbl>
   <dgm:styleLbl name="node4">
     <dgm:fillClrLst meth="repeat">
-      <a:schemeClr val="accent1"/>
+      <a:schemeClr val="accent5"/>
     </dgm:fillClrLst>
     <dgm:linClrLst meth="repeat">
       <a:schemeClr val="lt1"/>
@@ -270,7 +270,7 @@
   </dgm:styleLbl>
   <dgm:styleLbl name="fgImgPlace1">
     <dgm:fillClrLst meth="repeat">
-      <a:schemeClr val="accent1">
+      <a:schemeClr val="accent5">
         <a:tint val="50000"/>
       </a:schemeClr>
     </dgm:fillClrLst>
@@ -286,7 +286,7 @@
   </dgm:styleLbl>
   <dgm:styleLbl name="alignImgPlace1">
     <dgm:fillClrLst meth="repeat">
-      <a:schemeClr val="accent1">
+      <a:schemeClr val="accent5">
         <a:tint val="50000"/>
       </a:schemeClr>
     </dgm:fillClrLst>
@@ -302,7 +302,7 @@
   </dgm:styleLbl>
   <dgm:styleLbl name="bgImgPlace1">
     <dgm:fillClrLst meth="repeat">
-      <a:schemeClr val="accent1">
+      <a:schemeClr val="accent5">
         <a:tint val="50000"/>
       </a:schemeClr>
     </dgm:fillClrLst>
@@ -318,12 +318,12 @@
   </dgm:styleLbl>
   <dgm:styleLbl name="sibTrans2D1">
     <dgm:fillClrLst meth="repeat">
-      <a:schemeClr val="accent1">
+      <a:schemeClr val="accent5">
         <a:tint val="60000"/>
       </a:schemeClr>
     </dgm:fillClrLst>
     <dgm:linClrLst meth="repeat">
-      <a:schemeClr val="accent1">
+      <a:schemeClr val="accent5">
         <a:tint val="60000"/>
       </a:schemeClr>
     </dgm:linClrLst>
@@ -334,12 +334,12 @@
   </dgm:styleLbl>
   <dgm:styleLbl name="fgSibTrans2D1">
     <dgm:fillClrLst meth="repeat">
-      <a:schemeClr val="accent1">
+      <a:schemeClr val="accent5">
         <a:tint val="60000"/>
       </a:schemeClr>
     </dgm:fillClrLst>
     <dgm:linClrLst meth="repeat">
-      <a:schemeClr val="accent1">
+      <a:schemeClr val="accent5">
         <a:tint val="60000"/>
       </a:schemeClr>
     </dgm:linClrLst>
@@ -350,12 +350,12 @@
   </dgm:styleLbl>
   <dgm:styleLbl name="bgSibTrans2D1">
     <dgm:fillClrLst meth="repeat">
-      <a:schemeClr val="accent1">
+      <a:schemeClr val="accent5">
         <a:tint val="60000"/>
       </a:schemeClr>
     </dgm:fillClrLst>
     <dgm:linClrLst meth="repeat">
-      <a:schemeClr val="accent1">
+      <a:schemeClr val="accent5">
         <a:tint val="60000"/>
       </a:schemeClr>
     </dgm:linClrLst>
@@ -366,10 +366,10 @@
   </dgm:styleLbl>
   <dgm:styleLbl name="sibTrans1D1">
     <dgm:fillClrLst meth="repeat">
-      <a:schemeClr val="accent1"/>
+      <a:schemeClr val="accent5"/>
     </dgm:fillClrLst>
     <dgm:linClrLst meth="repeat">
-      <a:schemeClr val="accent1"/>
+      <a:schemeClr val="accent5"/>
     </dgm:linClrLst>
     <dgm:effectClrLst/>
     <dgm:txLinClrLst/>
@@ -380,10 +380,10 @@
   </dgm:styleLbl>
   <dgm:styleLbl name="callout">
     <dgm:fillClrLst meth="repeat">
-      <a:schemeClr val="accent1"/>
+      <a:schemeClr val="accent5"/>
     </dgm:fillClrLst>
     <dgm:linClrLst meth="repeat">
-      <a:schemeClr val="accent1">
+      <a:schemeClr val="accent5">
         <a:tint val="50000"/>
       </a:schemeClr>
     </dgm:linClrLst>
@@ -396,7 +396,7 @@
   </dgm:styleLbl>
   <dgm:styleLbl name="asst0">
     <dgm:fillClrLst meth="repeat">
-      <a:schemeClr val="accent1"/>
+      <a:schemeClr val="accent5"/>
     </dgm:fillClrLst>
     <dgm:linClrLst meth="repeat">
       <a:schemeClr val="lt1"/>
@@ -408,7 +408,7 @@
   </dgm:styleLbl>
   <dgm:styleLbl name="asst1">
     <dgm:fillClrLst meth="repeat">
-      <a:schemeClr val="accent1"/>
+      <a:schemeClr val="accent5"/>
     </dgm:fillClrLst>
     <dgm:linClrLst meth="repeat">
       <a:schemeClr val="lt1"/>
@@ -420,7 +420,7 @@
   </dgm:styleLbl>
   <dgm:styleLbl name="asst2">
     <dgm:fillClrLst meth="repeat">
-      <a:schemeClr val="accent1"/>
+      <a:schemeClr val="accent5"/>
     </dgm:fillClrLst>
     <dgm:linClrLst meth="repeat">
       <a:schemeClr val="lt1"/>
@@ -432,7 +432,7 @@
   </dgm:styleLbl>
   <dgm:styleLbl name="asst3">
     <dgm:fillClrLst meth="repeat">
-      <a:schemeClr val="accent1"/>
+      <a:schemeClr val="accent5"/>
     </dgm:fillClrLst>
     <dgm:linClrLst meth="repeat">
       <a:schemeClr val="lt1"/>
@@ -444,7 +444,7 @@
   </dgm:styleLbl>
   <dgm:styleLbl name="asst4">
     <dgm:fillClrLst meth="repeat">
-      <a:schemeClr val="accent1"/>
+      <a:schemeClr val="accent5"/>
     </dgm:fillClrLst>
     <dgm:linClrLst meth="repeat">
       <a:schemeClr val="lt1"/>
@@ -456,12 +456,12 @@
   </dgm:styleLbl>
   <dgm:styleLbl name="parChTrans2D1">
     <dgm:fillClrLst meth="repeat">
-      <a:schemeClr val="accent1">
+      <a:schemeClr val="accent5">
         <a:tint val="60000"/>
       </a:schemeClr>
     </dgm:fillClrLst>
     <dgm:linClrLst meth="repeat">
-      <a:schemeClr val="accent1">
+      <a:schemeClr val="accent5">
         <a:tint val="60000"/>
       </a:schemeClr>
     </dgm:linClrLst>
@@ -474,10 +474,10 @@
   </dgm:styleLbl>
   <dgm:styleLbl name="parChTrans2D2">
     <dgm:fillClrLst meth="repeat">
-      <a:schemeClr val="accent1"/>
+      <a:schemeClr val="accent5"/>
     </dgm:fillClrLst>
     <dgm:linClrLst meth="repeat">
-      <a:schemeClr val="accent1"/>
+      <a:schemeClr val="accent5"/>
     </dgm:linClrLst>
     <dgm:effectClrLst/>
     <dgm:txLinClrLst/>
@@ -488,10 +488,10 @@
   </dgm:styleLbl>
   <dgm:styleLbl name="parChTrans2D3">
     <dgm:fillClrLst meth="repeat">
-      <a:schemeClr val="accent1"/>
+      <a:schemeClr val="accent5"/>
     </dgm:fillClrLst>
     <dgm:linClrLst meth="repeat">
-      <a:schemeClr val="accent1"/>
+      <a:schemeClr val="accent5"/>
     </dgm:linClrLst>
     <dgm:effectClrLst/>
     <dgm:txLinClrLst/>
@@ -502,10 +502,10 @@
   </dgm:styleLbl>
   <dgm:styleLbl name="parChTrans2D4">
     <dgm:fillClrLst meth="repeat">
-      <a:schemeClr val="accent1"/>
+      <a:schemeClr val="accent5"/>
     </dgm:fillClrLst>
     <dgm:linClrLst meth="repeat">
-      <a:schemeClr val="accent1"/>
+      <a:schemeClr val="accent5"/>
     </dgm:linClrLst>
     <dgm:effectClrLst/>
     <dgm:txLinClrLst/>
@@ -516,10 +516,10 @@
   </dgm:styleLbl>
   <dgm:styleLbl name="parChTrans1D1">
     <dgm:fillClrLst meth="repeat">
-      <a:schemeClr val="accent1"/>
+      <a:schemeClr val="accent5"/>
     </dgm:fillClrLst>
     <dgm:linClrLst meth="repeat">
-      <a:schemeClr val="accent1">
+      <a:schemeClr val="accent5">
         <a:shade val="60000"/>
       </a:schemeClr>
     </dgm:linClrLst>
@@ -532,10 +532,10 @@
   </dgm:styleLbl>
   <dgm:styleLbl name="parChTrans1D2">
     <dgm:fillClrLst meth="repeat">
-      <a:schemeClr val="accent1"/>
+      <a:schemeClr val="accent5"/>
     </dgm:fillClrLst>
     <dgm:linClrLst meth="repeat">
-      <a:schemeClr val="accent1">
+      <a:schemeClr val="accent5">
         <a:shade val="60000"/>
       </a:schemeClr>
     </dgm:linClrLst>
@@ -548,10 +548,10 @@
   </dgm:styleLbl>
   <dgm:styleLbl name="parChTrans1D3">
     <dgm:fillClrLst meth="repeat">
-      <a:schemeClr val="accent1"/>
+      <a:schemeClr val="accent5"/>
     </dgm:fillClrLst>
     <dgm:linClrLst meth="repeat">
-      <a:schemeClr val="accent1">
+      <a:schemeClr val="accent5">
         <a:shade val="80000"/>
       </a:schemeClr>
     </dgm:linClrLst>
@@ -564,10 +564,10 @@
   </dgm:styleLbl>
   <dgm:styleLbl name="parChTrans1D4">
     <dgm:fillClrLst meth="repeat">
-      <a:schemeClr val="accent1"/>
+      <a:schemeClr val="accent5"/>
     </dgm:fillClrLst>
     <dgm:linClrLst meth="repeat">
-      <a:schemeClr val="accent1">
+      <a:schemeClr val="accent5">
         <a:shade val="80000"/>
       </a:schemeClr>
     </dgm:linClrLst>
@@ -585,7 +585,7 @@
       </a:schemeClr>
     </dgm:fillClrLst>
     <dgm:linClrLst meth="repeat">
-      <a:schemeClr val="accent1"/>
+      <a:schemeClr val="accent5"/>
     </dgm:linClrLst>
     <dgm:effectClrLst/>
     <dgm:txLinClrLst/>
@@ -601,7 +601,7 @@
       </a:schemeClr>
     </dgm:fillClrLst>
     <dgm:linClrLst meth="repeat">
-      <a:schemeClr val="accent1"/>
+      <a:schemeClr val="accent5"/>
     </dgm:linClrLst>
     <dgm:effectClrLst/>
     <dgm:txLinClrLst/>
@@ -617,7 +617,7 @@
       </a:schemeClr>
     </dgm:fillClrLst>
     <dgm:linClrLst meth="repeat">
-      <a:schemeClr val="accent1"/>
+      <a:schemeClr val="accent5"/>
     </dgm:linClrLst>
     <dgm:effectClrLst/>
     <dgm:txLinClrLst/>
@@ -633,7 +633,7 @@
       </a:schemeClr>
     </dgm:fillClrLst>
     <dgm:linClrLst meth="repeat">
-      <a:schemeClr val="accent1"/>
+      <a:schemeClr val="accent5"/>
     </dgm:linClrLst>
     <dgm:effectClrLst/>
     <dgm:txLinClrLst/>
@@ -649,7 +649,7 @@
       </a:schemeClr>
     </dgm:fillClrLst>
     <dgm:linClrLst meth="repeat">
-      <a:schemeClr val="accent1"/>
+      <a:schemeClr val="accent5"/>
     </dgm:linClrLst>
     <dgm:effectClrLst/>
     <dgm:txLinClrLst/>
@@ -663,7 +663,7 @@
       <a:schemeClr val="lt1"/>
     </dgm:fillClrLst>
     <dgm:linClrLst meth="repeat">
-      <a:schemeClr val="accent1"/>
+      <a:schemeClr val="accent5"/>
     </dgm:linClrLst>
     <dgm:effectClrLst/>
     <dgm:txLinClrLst/>
@@ -677,7 +677,7 @@
       <a:schemeClr val="lt1"/>
     </dgm:fillClrLst>
     <dgm:linClrLst meth="repeat">
-      <a:schemeClr val="accent1"/>
+      <a:schemeClr val="accent5"/>
     </dgm:linClrLst>
     <dgm:effectClrLst/>
     <dgm:txLinClrLst/>
@@ -691,7 +691,7 @@
       <a:schemeClr val="lt1"/>
     </dgm:fillClrLst>
     <dgm:linClrLst meth="repeat">
-      <a:schemeClr val="accent1"/>
+      <a:schemeClr val="accent5"/>
     </dgm:linClrLst>
     <dgm:effectClrLst/>
     <dgm:txLinClrLst/>
@@ -702,13 +702,13 @@
   </dgm:styleLbl>
   <dgm:styleLbl name="fgAccFollowNode1">
     <dgm:fillClrLst meth="repeat">
-      <a:schemeClr val="accent1">
+      <a:schemeClr val="accent5">
         <a:alpha val="90000"/>
         <a:tint val="40000"/>
       </a:schemeClr>
     </dgm:fillClrLst>
     <dgm:linClrLst meth="repeat">
-      <a:schemeClr val="accent1">
+      <a:schemeClr val="accent5">
         <a:alpha val="90000"/>
         <a:tint val="40000"/>
       </a:schemeClr>
@@ -722,13 +722,13 @@
   </dgm:styleLbl>
   <dgm:styleLbl name="alignAccFollowNode1">
     <dgm:fillClrLst meth="repeat">
-      <a:schemeClr val="accent1">
+      <a:schemeClr val="accent5">
         <a:alpha val="90000"/>
         <a:tint val="40000"/>
       </a:schemeClr>
     </dgm:fillClrLst>
     <dgm:linClrLst meth="repeat">
-      <a:schemeClr val="accent1">
+      <a:schemeClr val="accent5">
         <a:alpha val="90000"/>
         <a:tint val="40000"/>
       </a:schemeClr>
@@ -742,13 +742,13 @@
   </dgm:styleLbl>
   <dgm:styleLbl name="bgAccFollowNode1">
     <dgm:fillClrLst meth="repeat">
-      <a:schemeClr val="accent1">
+      <a:schemeClr val="accent5">
         <a:alpha val="90000"/>
         <a:tint val="40000"/>
       </a:schemeClr>
     </dgm:fillClrLst>
     <dgm:linClrLst meth="repeat">
-      <a:schemeClr val="accent1">
+      <a:schemeClr val="accent5">
         <a:alpha val="90000"/>
         <a:tint val="40000"/>
       </a:schemeClr>
@@ -767,7 +767,7 @@
       </a:schemeClr>
     </dgm:fillClrLst>
     <dgm:linClrLst meth="repeat">
-      <a:schemeClr val="accent1"/>
+      <a:schemeClr val="accent5"/>
     </dgm:linClrLst>
     <dgm:effectClrLst/>
     <dgm:txLinClrLst/>
@@ -783,7 +783,7 @@
       </a:schemeClr>
     </dgm:fillClrLst>
     <dgm:linClrLst meth="repeat">
-      <a:schemeClr val="accent1"/>
+      <a:schemeClr val="accent5"/>
     </dgm:linClrLst>
     <dgm:effectClrLst/>
     <dgm:txLinClrLst/>
@@ -799,7 +799,7 @@
       </a:schemeClr>
     </dgm:fillClrLst>
     <dgm:linClrLst meth="repeat">
-      <a:schemeClr val="accent1"/>
+      <a:schemeClr val="accent5"/>
     </dgm:linClrLst>
     <dgm:effectClrLst/>
     <dgm:txLinClrLst/>
@@ -815,7 +815,7 @@
       </a:schemeClr>
     </dgm:fillClrLst>
     <dgm:linClrLst meth="repeat">
-      <a:schemeClr val="accent1"/>
+      <a:schemeClr val="accent5"/>
     </dgm:linClrLst>
     <dgm:effectClrLst/>
     <dgm:txLinClrLst/>
@@ -826,12 +826,12 @@
   </dgm:styleLbl>
   <dgm:styleLbl name="bgShp">
     <dgm:fillClrLst meth="repeat">
-      <a:schemeClr val="accent1">
+      <a:schemeClr val="accent5">
         <a:tint val="40000"/>
       </a:schemeClr>
     </dgm:fillClrLst>
     <dgm:linClrLst meth="repeat">
-      <a:schemeClr val="accent1"/>
+      <a:schemeClr val="accent5"/>
     </dgm:linClrLst>
     <dgm:effectClrLst/>
     <dgm:txLinClrLst/>
@@ -842,12 +842,12 @@
   </dgm:styleLbl>
   <dgm:styleLbl name="dkBgShp">
     <dgm:fillClrLst meth="repeat">
-      <a:schemeClr val="accent1">
+      <a:schemeClr val="accent5">
         <a:shade val="80000"/>
       </a:schemeClr>
     </dgm:fillClrLst>
     <dgm:linClrLst meth="repeat">
-      <a:schemeClr val="accent1"/>
+      <a:schemeClr val="accent5"/>
     </dgm:linClrLst>
     <dgm:effectClrLst/>
     <dgm:txLinClrLst/>
@@ -858,13 +858,13 @@
   </dgm:styleLbl>
   <dgm:styleLbl name="trBgShp">
     <dgm:fillClrLst meth="repeat">
-      <a:schemeClr val="accent1">
+      <a:schemeClr val="accent5">
         <a:tint val="50000"/>
         <a:alpha val="40000"/>
       </a:schemeClr>
     </dgm:fillClrLst>
     <dgm:linClrLst meth="repeat">
-      <a:schemeClr val="accent1"/>
+      <a:schemeClr val="accent5"/>
     </dgm:linClrLst>
     <dgm:effectClrLst/>
     <dgm:txLinClrLst/>
@@ -875,7 +875,7 @@
   </dgm:styleLbl>
   <dgm:styleLbl name="fgShp">
     <dgm:fillClrLst meth="repeat">
-      <a:schemeClr val="accent1">
+      <a:schemeClr val="accent5">
         <a:tint val="60000"/>
       </a:schemeClr>
     </dgm:fillClrLst>
@@ -1833,7 +1833,7 @@
 <dgm:dataModel xmlns:dgm="http://schemas.openxmlformats.org/drawingml/2006/diagram" xmlns:a="http://schemas.openxmlformats.org/drawingml/2006/main">
   <dgm:ptLst>
     <dgm:pt modelId="{BC7AF320-7AFA-42A3-BDE5-9072CDB627E3}" type="doc">
-      <dgm:prSet loTypeId="urn:microsoft.com/office/officeart/2005/8/layout/architecture" loCatId="relationship" qsTypeId="urn:microsoft.com/office/officeart/2005/8/quickstyle/simple1" qsCatId="simple" csTypeId="urn:microsoft.com/office/officeart/2005/8/colors/accent1_2" csCatId="accent1" phldr="1"/>
+      <dgm:prSet loTypeId="urn:microsoft.com/office/officeart/2005/8/layout/architecture" loCatId="relationship" qsTypeId="urn:microsoft.com/office/officeart/2005/8/quickstyle/simple1" qsCatId="simple" csTypeId="urn:microsoft.com/office/officeart/2005/8/colors/accent5_2" csCatId="accent5" phldr="1"/>
       <dgm:spPr/>
       <dgm:t>
         <a:bodyPr/>
@@ -2339,7 +2339,7 @@
           </a:avLst>
         </a:prstGeom>
         <a:solidFill>
-          <a:schemeClr val="accent1">
+          <a:schemeClr val="accent5">
             <a:hueOff val="0"/>
             <a:satOff val="0"/>
             <a:lumOff val="0"/>
@@ -2419,7 +2419,7 @@
           </a:avLst>
         </a:prstGeom>
         <a:solidFill>
-          <a:schemeClr val="accent1">
+          <a:schemeClr val="accent5">
             <a:hueOff val="0"/>
             <a:satOff val="0"/>
             <a:lumOff val="0"/>
@@ -2499,7 +2499,7 @@
           </a:avLst>
         </a:prstGeom>
         <a:solidFill>
-          <a:schemeClr val="accent1">
+          <a:schemeClr val="accent5">
             <a:hueOff val="0"/>
             <a:satOff val="0"/>
             <a:lumOff val="0"/>
@@ -2579,7 +2579,7 @@
           </a:avLst>
         </a:prstGeom>
         <a:solidFill>
-          <a:schemeClr val="accent1">
+          <a:schemeClr val="accent5">
             <a:hueOff val="0"/>
             <a:satOff val="0"/>
             <a:lumOff val="0"/>
@@ -7790,7 +7790,7 @@
           <a:bodyPr/>
           <a:lstStyle/>
           <a:p>
-            <a:endParaRPr lang="en-US"/>
+            <a:endParaRPr lang="en-US" dirty="0"/>
           </a:p>
         </p:txBody>
       </p:sp>
@@ -7893,7 +7893,15 @@
             </a:pPr>
             <a:r>
               <a:rPr lang="en-US" dirty="0"/>
-              <a:t>Not all commands accounted for in tooling</a:t>
+              <a:t>Not all commands accounted for in tooling (e.g. create runtime store via </a:t>
+            </a:r>
+            <a:r>
+              <a:rPr lang="en-US" i="1" dirty="0"/>
+              <a:t>dotnet store</a:t>
+            </a:r>
+            <a:r>
+              <a:rPr lang="en-US" dirty="0"/>
+              <a:t>)</a:t>
             </a:r>
           </a:p>
           <a:p>
@@ -8359,6 +8367,36 @@
           <a:bodyPr/>
           <a:lstStyle/>
           <a:p>
+            <a:pPr marL="171450" indent="-171450">
+              <a:buFontTx/>
+              <a:buChar char="-"/>
+            </a:pPr>
+            <a:r>
+              <a:rPr lang="en-US" dirty="0"/>
+              <a:t>Also applies to TFS</a:t>
+            </a:r>
+          </a:p>
+          <a:p>
+            <a:pPr marL="171450" indent="-171450">
+              <a:buFontTx/>
+              <a:buChar char="-"/>
+            </a:pPr>
+            <a:r>
+              <a:rPr lang="en-US" dirty="0"/>
+              <a:t>If using IDE / editor, you wouldn’t know the CLI </a:t>
+            </a:r>
+            <a:r>
+              <a:rPr lang="en-US" dirty="0" err="1"/>
+              <a:t>params</a:t>
+            </a:r>
+            <a:r>
+              <a:rPr lang="en-US" dirty="0"/>
+              <a:t> </a:t>
+            </a:r>
+            <a:r>
+              <a:rPr lang="en-US"/>
+              <a:t>to pass</a:t>
+            </a:r>
             <a:endParaRPr lang="en-US" dirty="0"/>
           </a:p>
         </p:txBody>
@@ -20404,7 +20442,7 @@
           <a:p>
             <a:r>
               <a:rPr lang="en-US" sz="2400" dirty="0"/>
-              <a:t>Similar to Yeoman</a:t>
+              <a:t>Chassis on which tooling is built</a:t>
             </a:r>
           </a:p>
           <a:p>
@@ -21105,7 +21143,7 @@
           <p:nvPr>
             <p:extLst>
               <p:ext uri="{D42A27DB-BD31-4B8C-83A1-F6EECF244321}">
-                <p14:modId xmlns:p14="http://schemas.microsoft.com/office/powerpoint/2010/main" val="1066157779"/>
+                <p14:modId xmlns:p14="http://schemas.microsoft.com/office/powerpoint/2010/main" val="1449335263"/>
               </p:ext>
             </p:extLst>
           </p:nvPr>
@@ -22164,8 +22202,6 @@
               <a:rPr lang="en-US" sz="2000" dirty="0"/>
               <a:t>Tasks</a:t>
             </a:r>
-          </a:p>
-          <a:p>
             <a:endParaRPr lang="en-US" sz="2400" dirty="0"/>
           </a:p>
         </p:txBody>
@@ -23262,7 +23298,30 @@
           </a:bodyPr>
           <a:lstStyle/>
           <a:p>
-            <a:endParaRPr lang="en-US" sz="2400" dirty="0"/>
+            <a:r>
+              <a:rPr lang="en-US" sz="2400" dirty="0"/>
+              <a:t>CI / CD pipeline</a:t>
+            </a:r>
+          </a:p>
+          <a:p>
+            <a:pPr lvl="1"/>
+            <a:r>
+              <a:rPr lang="en-US" sz="2000" dirty="0"/>
+              <a:t>Build definitions</a:t>
+            </a:r>
+          </a:p>
+          <a:p>
+            <a:pPr lvl="1"/>
+            <a:r>
+              <a:rPr lang="en-US" sz="2000" dirty="0"/>
+              <a:t>Release definitions</a:t>
+            </a:r>
+          </a:p>
+          <a:p>
+            <a:r>
+              <a:rPr lang="en-US" sz="2400" dirty="0"/>
+              <a:t>CLI knowledge needed for advanced cases</a:t>
+            </a:r>
           </a:p>
         </p:txBody>
       </p:sp>
@@ -23297,15 +23356,10 @@
                             </p:stCondLst>
                             <p:childTnLst>
                               <p:par>
-                                <p:cTn id="5" presetID="10" presetClass="entr" presetSubtype="0" fill="hold" nodeType="clickEffect" nodePh="1">
+                                <p:cTn id="5" presetID="10" presetClass="entr" presetSubtype="0" fill="hold" nodeType="clickEffect">
                                   <p:stCondLst>
                                     <p:cond delay="0"/>
                                   </p:stCondLst>
-                                  <p:endCondLst>
-                                    <p:cond evt="begin" delay="0">
-                                      <p:tn val="5"/>
-                                    </p:cond>
-                                  </p:endCondLst>
                                   <p:childTnLst>
                                     <p:set>
                                       <p:cBhvr>
@@ -23336,6 +23390,189 @@
                                           <p:spTgt spid="3">
                                             <p:txEl>
                                               <p:pRg st="0" end="0"/>
+                                            </p:txEl>
+                                          </p:spTgt>
+                                        </p:tgtEl>
+                                      </p:cBhvr>
+                                    </p:animEffect>
+                                  </p:childTnLst>
+                                </p:cTn>
+                              </p:par>
+                            </p:childTnLst>
+                          </p:cTn>
+                        </p:par>
+                      </p:childTnLst>
+                    </p:cTn>
+                  </p:par>
+                  <p:par>
+                    <p:cTn id="8" fill="hold">
+                      <p:stCondLst>
+                        <p:cond delay="indefinite"/>
+                      </p:stCondLst>
+                      <p:childTnLst>
+                        <p:par>
+                          <p:cTn id="9" fill="hold">
+                            <p:stCondLst>
+                              <p:cond delay="0"/>
+                            </p:stCondLst>
+                            <p:childTnLst>
+                              <p:par>
+                                <p:cTn id="10" presetID="10" presetClass="entr" presetSubtype="0" fill="hold" nodeType="clickEffect">
+                                  <p:stCondLst>
+                                    <p:cond delay="0"/>
+                                  </p:stCondLst>
+                                  <p:childTnLst>
+                                    <p:set>
+                                      <p:cBhvr>
+                                        <p:cTn id="11" dur="1" fill="hold">
+                                          <p:stCondLst>
+                                            <p:cond delay="0"/>
+                                          </p:stCondLst>
+                                        </p:cTn>
+                                        <p:tgtEl>
+                                          <p:spTgt spid="3">
+                                            <p:txEl>
+                                              <p:pRg st="1" end="1"/>
+                                            </p:txEl>
+                                          </p:spTgt>
+                                        </p:tgtEl>
+                                        <p:attrNameLst>
+                                          <p:attrName>style.visibility</p:attrName>
+                                        </p:attrNameLst>
+                                      </p:cBhvr>
+                                      <p:to>
+                                        <p:strVal val="visible"/>
+                                      </p:to>
+                                    </p:set>
+                                    <p:animEffect transition="in" filter="fade">
+                                      <p:cBhvr>
+                                        <p:cTn id="12" dur="500"/>
+                                        <p:tgtEl>
+                                          <p:spTgt spid="3">
+                                            <p:txEl>
+                                              <p:pRg st="1" end="1"/>
+                                            </p:txEl>
+                                          </p:spTgt>
+                                        </p:tgtEl>
+                                      </p:cBhvr>
+                                    </p:animEffect>
+                                  </p:childTnLst>
+                                </p:cTn>
+                              </p:par>
+                            </p:childTnLst>
+                          </p:cTn>
+                        </p:par>
+                      </p:childTnLst>
+                    </p:cTn>
+                  </p:par>
+                  <p:par>
+                    <p:cTn id="13" fill="hold">
+                      <p:stCondLst>
+                        <p:cond delay="indefinite"/>
+                      </p:stCondLst>
+                      <p:childTnLst>
+                        <p:par>
+                          <p:cTn id="14" fill="hold">
+                            <p:stCondLst>
+                              <p:cond delay="0"/>
+                            </p:stCondLst>
+                            <p:childTnLst>
+                              <p:par>
+                                <p:cTn id="15" presetID="10" presetClass="entr" presetSubtype="0" fill="hold" nodeType="clickEffect">
+                                  <p:stCondLst>
+                                    <p:cond delay="0"/>
+                                  </p:stCondLst>
+                                  <p:childTnLst>
+                                    <p:set>
+                                      <p:cBhvr>
+                                        <p:cTn id="16" dur="1" fill="hold">
+                                          <p:stCondLst>
+                                            <p:cond delay="0"/>
+                                          </p:stCondLst>
+                                        </p:cTn>
+                                        <p:tgtEl>
+                                          <p:spTgt spid="3">
+                                            <p:txEl>
+                                              <p:pRg st="2" end="2"/>
+                                            </p:txEl>
+                                          </p:spTgt>
+                                        </p:tgtEl>
+                                        <p:attrNameLst>
+                                          <p:attrName>style.visibility</p:attrName>
+                                        </p:attrNameLst>
+                                      </p:cBhvr>
+                                      <p:to>
+                                        <p:strVal val="visible"/>
+                                      </p:to>
+                                    </p:set>
+                                    <p:animEffect transition="in" filter="fade">
+                                      <p:cBhvr>
+                                        <p:cTn id="17" dur="500"/>
+                                        <p:tgtEl>
+                                          <p:spTgt spid="3">
+                                            <p:txEl>
+                                              <p:pRg st="2" end="2"/>
+                                            </p:txEl>
+                                          </p:spTgt>
+                                        </p:tgtEl>
+                                      </p:cBhvr>
+                                    </p:animEffect>
+                                  </p:childTnLst>
+                                </p:cTn>
+                              </p:par>
+                            </p:childTnLst>
+                          </p:cTn>
+                        </p:par>
+                      </p:childTnLst>
+                    </p:cTn>
+                  </p:par>
+                  <p:par>
+                    <p:cTn id="18" fill="hold">
+                      <p:stCondLst>
+                        <p:cond delay="indefinite"/>
+                      </p:stCondLst>
+                      <p:childTnLst>
+                        <p:par>
+                          <p:cTn id="19" fill="hold">
+                            <p:stCondLst>
+                              <p:cond delay="0"/>
+                            </p:stCondLst>
+                            <p:childTnLst>
+                              <p:par>
+                                <p:cTn id="20" presetID="10" presetClass="entr" presetSubtype="0" fill="hold" nodeType="clickEffect">
+                                  <p:stCondLst>
+                                    <p:cond delay="0"/>
+                                  </p:stCondLst>
+                                  <p:childTnLst>
+                                    <p:set>
+                                      <p:cBhvr>
+                                        <p:cTn id="21" dur="1" fill="hold">
+                                          <p:stCondLst>
+                                            <p:cond delay="0"/>
+                                          </p:stCondLst>
+                                        </p:cTn>
+                                        <p:tgtEl>
+                                          <p:spTgt spid="3">
+                                            <p:txEl>
+                                              <p:pRg st="3" end="3"/>
+                                            </p:txEl>
+                                          </p:spTgt>
+                                        </p:tgtEl>
+                                        <p:attrNameLst>
+                                          <p:attrName>style.visibility</p:attrName>
+                                        </p:attrNameLst>
+                                      </p:cBhvr>
+                                      <p:to>
+                                        <p:strVal val="visible"/>
+                                      </p:to>
+                                    </p:set>
+                                    <p:animEffect transition="in" filter="fade">
+                                      <p:cBhvr>
+                                        <p:cTn id="22" dur="500"/>
+                                        <p:tgtEl>
+                                          <p:spTgt spid="3">
+                                            <p:txEl>
+                                              <p:pRg st="3" end="3"/>
                                             </p:txEl>
                                           </p:spTgt>
                                         </p:tgtEl>

--- a/Tour de .NET Core CLI.pptx
+++ b/Tour de .NET Core CLI.pptx
@@ -20,7 +20,7 @@
     <p:sldId id="350" r:id="rId11"/>
     <p:sldId id="355" r:id="rId12"/>
     <p:sldId id="351" r:id="rId13"/>
-    <p:sldId id="358" r:id="rId14"/>
+    <p:sldId id="360" r:id="rId14"/>
     <p:sldId id="346" r:id="rId15"/>
     <p:sldId id="356" r:id="rId16"/>
   </p:sldIdLst>
@@ -146,7 +146,7 @@
             <p14:sldId id="350"/>
             <p14:sldId id="355"/>
             <p14:sldId id="351"/>
-            <p14:sldId id="358"/>
+            <p14:sldId id="360"/>
             <p14:sldId id="346"/>
             <p14:sldId id="356"/>
           </p14:sldIdLst>
@@ -7424,7 +7424,7 @@
     </p:spTree>
     <p:extLst>
       <p:ext uri="{BB962C8B-B14F-4D97-AF65-F5344CB8AC3E}">
-        <p14:creationId xmlns:p14="http://schemas.microsoft.com/office/powerpoint/2010/main" val="1134501301"/>
+        <p14:creationId xmlns:p14="http://schemas.microsoft.com/office/powerpoint/2010/main" val="3206361114"/>
       </p:ext>
     </p:extLst>
   </p:cSld>
@@ -18379,6 +18379,16 @@
 <file path=ppt/slides/slide12.xml><?xml version="1.0" encoding="utf-8"?>
 <p:sld xmlns:a="http://schemas.openxmlformats.org/drawingml/2006/main" xmlns:r="http://schemas.openxmlformats.org/officeDocument/2006/relationships" xmlns:p="http://schemas.openxmlformats.org/presentationml/2006/main">
   <p:cSld>
+    <p:bg>
+      <p:bgPr>
+        <a:solidFill>
+          <a:schemeClr val="accent3">
+            <a:lumMod val="75000"/>
+          </a:schemeClr>
+        </a:solidFill>
+        <a:effectLst/>
+      </p:bgPr>
+    </p:bg>
     <p:spTree>
       <p:nvGrpSpPr>
         <p:cNvPr id="1" name=""/>
@@ -18393,6 +18403,361 @@
           <a:chExt cx="0" cy="0"/>
         </a:xfrm>
       </p:grpSpPr>
+      <p:sp>
+        <p:nvSpPr>
+          <p:cNvPr id="29" name="Rectangle 28">
+            <a:extLst>
+              <a:ext uri="{FF2B5EF4-FFF2-40B4-BE49-F238E27FC236}">
+                <a16:creationId xmlns:a16="http://schemas.microsoft.com/office/drawing/2014/main" id="{23207CC6-EAA1-4BFF-A48A-DECAD8972717}"/>
+              </a:ext>
+            </a:extLst>
+          </p:cNvPr>
+          <p:cNvSpPr>
+            <a:spLocks noGrp="1" noRot="1" noChangeAspect="1" noMove="1" noResize="1" noEditPoints="1" noAdjustHandles="1" noChangeArrowheads="1" noChangeShapeType="1" noTextEdit="1"/>
+          </p:cNvSpPr>
+          <p:nvPr>
+            <p:extLst>
+              <p:ext uri="{386F3935-93C4-4BCD-93E2-E3B085C9AB24}">
+                <p16:designElem xmlns:p16="http://schemas.microsoft.com/office/powerpoint/2015/main" val="1"/>
+              </p:ext>
+            </p:extLst>
+          </p:nvPr>
+        </p:nvSpPr>
+        <p:spPr>
+          <a:xfrm>
+            <a:off x="0" y="-3324"/>
+            <a:ext cx="12192000" cy="6861324"/>
+          </a:xfrm>
+          <a:prstGeom prst="rect">
+            <a:avLst/>
+          </a:prstGeom>
+          <a:solidFill>
+            <a:schemeClr val="accent3">
+              <a:lumMod val="75000"/>
+            </a:schemeClr>
+          </a:solidFill>
+          <a:ln>
+            <a:noFill/>
+          </a:ln>
+        </p:spPr>
+        <p:style>
+          <a:lnRef idx="2">
+            <a:schemeClr val="accent1">
+              <a:shade val="50000"/>
+            </a:schemeClr>
+          </a:lnRef>
+          <a:fillRef idx="1">
+            <a:schemeClr val="accent1"/>
+          </a:fillRef>
+          <a:effectRef idx="0">
+            <a:schemeClr val="accent1"/>
+          </a:effectRef>
+          <a:fontRef idx="minor">
+            <a:schemeClr val="lt1"/>
+          </a:fontRef>
+        </p:style>
+        <p:txBody>
+          <a:bodyPr rtlCol="0" anchor="ctr"/>
+          <a:lstStyle/>
+          <a:p>
+            <a:pPr algn="ctr"/>
+            <a:endParaRPr lang="en-US"/>
+          </a:p>
+        </p:txBody>
+      </p:sp>
+      <p:sp>
+        <p:nvSpPr>
+          <p:cNvPr id="31" name="Freeform 3">
+            <a:extLst>
+              <a:ext uri="{FF2B5EF4-FFF2-40B4-BE49-F238E27FC236}">
+                <a16:creationId xmlns:a16="http://schemas.microsoft.com/office/drawing/2014/main" id="{B234A3DD-923D-4166-8B19-7DD589908C68}"/>
+              </a:ext>
+            </a:extLst>
+          </p:cNvPr>
+          <p:cNvSpPr>
+            <a:spLocks noGrp="1" noRot="1" noChangeAspect="1" noMove="1" noResize="1" noEditPoints="1" noAdjustHandles="1" noChangeArrowheads="1" noChangeShapeType="1" noTextEdit="1"/>
+          </p:cNvSpPr>
+          <p:nvPr>
+            <p:extLst>
+              <p:ext uri="{386F3935-93C4-4BCD-93E2-E3B085C9AB24}">
+                <p16:designElem xmlns:p16="http://schemas.microsoft.com/office/powerpoint/2015/main" val="1"/>
+              </p:ext>
+            </p:extLst>
+          </p:nvPr>
+        </p:nvSpPr>
+        <p:spPr>
+          <a:xfrm>
+            <a:off x="1246925" y="-479"/>
+            <a:ext cx="9468701" cy="6858478"/>
+          </a:xfrm>
+          <a:custGeom>
+            <a:avLst/>
+            <a:gdLst>
+              <a:gd name="connsiteX0" fmla="*/ 0 w 8078051"/>
+              <a:gd name="connsiteY0" fmla="*/ 0 h 5829300"/>
+              <a:gd name="connsiteX1" fmla="*/ 4453793 w 8078051"/>
+              <a:gd name="connsiteY1" fmla="*/ 0 h 5829300"/>
+              <a:gd name="connsiteX2" fmla="*/ 5363426 w 8078051"/>
+              <a:gd name="connsiteY2" fmla="*/ 0 h 5829300"/>
+              <a:gd name="connsiteX3" fmla="*/ 5368184 w 8078051"/>
+              <a:gd name="connsiteY3" fmla="*/ 0 h 5829300"/>
+              <a:gd name="connsiteX4" fmla="*/ 8078051 w 8078051"/>
+              <a:gd name="connsiteY4" fmla="*/ 5829300 h 5829300"/>
+              <a:gd name="connsiteX5" fmla="*/ 1743926 w 8078051"/>
+              <a:gd name="connsiteY5" fmla="*/ 5829300 h 5829300"/>
+              <a:gd name="connsiteX6" fmla="*/ 1744148 w 8078051"/>
+              <a:gd name="connsiteY6" fmla="*/ 5828822 h 5829300"/>
+              <a:gd name="connsiteX7" fmla="*/ 0 w 8078051"/>
+              <a:gd name="connsiteY7" fmla="*/ 5828822 h 5829300"/>
+            </a:gdLst>
+            <a:ahLst/>
+            <a:cxnLst>
+              <a:cxn ang="0">
+                <a:pos x="connsiteX0" y="connsiteY0"/>
+              </a:cxn>
+              <a:cxn ang="0">
+                <a:pos x="connsiteX1" y="connsiteY1"/>
+              </a:cxn>
+              <a:cxn ang="0">
+                <a:pos x="connsiteX2" y="connsiteY2"/>
+              </a:cxn>
+              <a:cxn ang="0">
+                <a:pos x="connsiteX3" y="connsiteY3"/>
+              </a:cxn>
+              <a:cxn ang="0">
+                <a:pos x="connsiteX4" y="connsiteY4"/>
+              </a:cxn>
+              <a:cxn ang="0">
+                <a:pos x="connsiteX5" y="connsiteY5"/>
+              </a:cxn>
+              <a:cxn ang="0">
+                <a:pos x="connsiteX6" y="connsiteY6"/>
+              </a:cxn>
+              <a:cxn ang="0">
+                <a:pos x="connsiteX7" y="connsiteY7"/>
+              </a:cxn>
+            </a:cxnLst>
+            <a:rect l="l" t="t" r="r" b="b"/>
+            <a:pathLst>
+              <a:path w="8078051" h="5829300">
+                <a:moveTo>
+                  <a:pt x="0" y="0"/>
+                </a:moveTo>
+                <a:lnTo>
+                  <a:pt x="4453793" y="0"/>
+                </a:lnTo>
+                <a:lnTo>
+                  <a:pt x="5363426" y="0"/>
+                </a:lnTo>
+                <a:lnTo>
+                  <a:pt x="5368184" y="0"/>
+                </a:lnTo>
+                <a:lnTo>
+                  <a:pt x="8078051" y="5829300"/>
+                </a:lnTo>
+                <a:lnTo>
+                  <a:pt x="1743926" y="5829300"/>
+                </a:lnTo>
+                <a:lnTo>
+                  <a:pt x="1744148" y="5828822"/>
+                </a:lnTo>
+                <a:lnTo>
+                  <a:pt x="0" y="5828822"/>
+                </a:lnTo>
+                <a:close/>
+              </a:path>
+            </a:pathLst>
+          </a:custGeom>
+          <a:solidFill>
+            <a:schemeClr val="bg1">
+              <a:lumMod val="85000"/>
+              <a:lumOff val="15000"/>
+              <a:alpha val="70000"/>
+            </a:schemeClr>
+          </a:solidFill>
+          <a:ln>
+            <a:noFill/>
+          </a:ln>
+        </p:spPr>
+        <p:style>
+          <a:lnRef idx="2">
+            <a:schemeClr val="accent1">
+              <a:shade val="50000"/>
+            </a:schemeClr>
+          </a:lnRef>
+          <a:fillRef idx="1">
+            <a:schemeClr val="accent1"/>
+          </a:fillRef>
+          <a:effectRef idx="0">
+            <a:schemeClr val="accent1"/>
+          </a:effectRef>
+          <a:fontRef idx="minor">
+            <a:schemeClr val="lt1"/>
+          </a:fontRef>
+        </p:style>
+        <p:txBody>
+          <a:bodyPr rtlCol="0" anchor="ctr"/>
+          <a:lstStyle/>
+          <a:p>
+            <a:pPr algn="ctr"/>
+            <a:endParaRPr lang="en-US"/>
+          </a:p>
+        </p:txBody>
+      </p:sp>
+      <p:sp>
+        <p:nvSpPr>
+          <p:cNvPr id="33" name="Freeform 16">
+            <a:extLst>
+              <a:ext uri="{FF2B5EF4-FFF2-40B4-BE49-F238E27FC236}">
+                <a16:creationId xmlns:a16="http://schemas.microsoft.com/office/drawing/2014/main" id="{F6ACA5AC-3C5D-4994-B40F-FC8349E4D6F4}"/>
+              </a:ext>
+            </a:extLst>
+          </p:cNvPr>
+          <p:cNvSpPr>
+            <a:spLocks noGrp="1" noRot="1" noChangeAspect="1" noMove="1" noResize="1" noEditPoints="1" noAdjustHandles="1" noChangeArrowheads="1" noChangeShapeType="1" noTextEdit="1"/>
+          </p:cNvSpPr>
+          <p:nvPr>
+            <p:extLst>
+              <p:ext uri="{386F3935-93C4-4BCD-93E2-E3B085C9AB24}">
+                <p16:designElem xmlns:p16="http://schemas.microsoft.com/office/powerpoint/2015/main" val="1"/>
+              </p:ext>
+            </p:extLst>
+          </p:nvPr>
+        </p:nvSpPr>
+        <p:spPr>
+          <a:xfrm>
+            <a:off x="-1" y="-479"/>
+            <a:ext cx="9324977" cy="6858479"/>
+          </a:xfrm>
+          <a:custGeom>
+            <a:avLst/>
+            <a:gdLst>
+              <a:gd name="connsiteX0" fmla="*/ 1246925 w 9324977"/>
+              <a:gd name="connsiteY0" fmla="*/ 0 h 6858479"/>
+              <a:gd name="connsiteX1" fmla="*/ 5076797 w 9324977"/>
+              <a:gd name="connsiteY1" fmla="*/ 0 h 6858479"/>
+              <a:gd name="connsiteX2" fmla="*/ 6143025 w 9324977"/>
+              <a:gd name="connsiteY2" fmla="*/ 0 h 6858479"/>
+              <a:gd name="connsiteX3" fmla="*/ 6148602 w 9324977"/>
+              <a:gd name="connsiteY3" fmla="*/ 0 h 6858479"/>
+              <a:gd name="connsiteX4" fmla="*/ 9324977 w 9324977"/>
+              <a:gd name="connsiteY4" fmla="*/ 6858478 h 6858479"/>
+              <a:gd name="connsiteX5" fmla="*/ 3359025 w 9324977"/>
+              <a:gd name="connsiteY5" fmla="*/ 6858478 h 6858479"/>
+              <a:gd name="connsiteX6" fmla="*/ 3359025 w 9324977"/>
+              <a:gd name="connsiteY6" fmla="*/ 6858479 h 6858479"/>
+              <a:gd name="connsiteX7" fmla="*/ 0 w 9324977"/>
+              <a:gd name="connsiteY7" fmla="*/ 6858479 h 6858479"/>
+              <a:gd name="connsiteX8" fmla="*/ 0 w 9324977"/>
+              <a:gd name="connsiteY8" fmla="*/ 479 h 6858479"/>
+              <a:gd name="connsiteX9" fmla="*/ 1246925 w 9324977"/>
+              <a:gd name="connsiteY9" fmla="*/ 479 h 6858479"/>
+            </a:gdLst>
+            <a:ahLst/>
+            <a:cxnLst>
+              <a:cxn ang="0">
+                <a:pos x="connsiteX0" y="connsiteY0"/>
+              </a:cxn>
+              <a:cxn ang="0">
+                <a:pos x="connsiteX1" y="connsiteY1"/>
+              </a:cxn>
+              <a:cxn ang="0">
+                <a:pos x="connsiteX2" y="connsiteY2"/>
+              </a:cxn>
+              <a:cxn ang="0">
+                <a:pos x="connsiteX3" y="connsiteY3"/>
+              </a:cxn>
+              <a:cxn ang="0">
+                <a:pos x="connsiteX4" y="connsiteY4"/>
+              </a:cxn>
+              <a:cxn ang="0">
+                <a:pos x="connsiteX5" y="connsiteY5"/>
+              </a:cxn>
+              <a:cxn ang="0">
+                <a:pos x="connsiteX6" y="connsiteY6"/>
+              </a:cxn>
+              <a:cxn ang="0">
+                <a:pos x="connsiteX7" y="connsiteY7"/>
+              </a:cxn>
+              <a:cxn ang="0">
+                <a:pos x="connsiteX8" y="connsiteY8"/>
+              </a:cxn>
+              <a:cxn ang="0">
+                <a:pos x="connsiteX9" y="connsiteY9"/>
+              </a:cxn>
+            </a:cxnLst>
+            <a:rect l="l" t="t" r="r" b="b"/>
+            <a:pathLst>
+              <a:path w="9324977" h="6858479">
+                <a:moveTo>
+                  <a:pt x="1246925" y="0"/>
+                </a:moveTo>
+                <a:lnTo>
+                  <a:pt x="5076797" y="0"/>
+                </a:lnTo>
+                <a:lnTo>
+                  <a:pt x="6143025" y="0"/>
+                </a:lnTo>
+                <a:lnTo>
+                  <a:pt x="6148602" y="0"/>
+                </a:lnTo>
+                <a:lnTo>
+                  <a:pt x="9324977" y="6858478"/>
+                </a:lnTo>
+                <a:lnTo>
+                  <a:pt x="3359025" y="6858478"/>
+                </a:lnTo>
+                <a:lnTo>
+                  <a:pt x="3359025" y="6858479"/>
+                </a:lnTo>
+                <a:lnTo>
+                  <a:pt x="0" y="6858479"/>
+                </a:lnTo>
+                <a:lnTo>
+                  <a:pt x="0" y="479"/>
+                </a:lnTo>
+                <a:lnTo>
+                  <a:pt x="1246925" y="479"/>
+                </a:lnTo>
+                <a:close/>
+              </a:path>
+            </a:pathLst>
+          </a:custGeom>
+          <a:solidFill>
+            <a:schemeClr val="bg1">
+              <a:lumMod val="85000"/>
+              <a:lumOff val="15000"/>
+            </a:schemeClr>
+          </a:solidFill>
+          <a:ln>
+            <a:noFill/>
+          </a:ln>
+        </p:spPr>
+        <p:style>
+          <a:lnRef idx="2">
+            <a:schemeClr val="accent1">
+              <a:shade val="50000"/>
+            </a:schemeClr>
+          </a:lnRef>
+          <a:fillRef idx="1">
+            <a:schemeClr val="accent1"/>
+          </a:fillRef>
+          <a:effectRef idx="0">
+            <a:schemeClr val="accent1"/>
+          </a:effectRef>
+          <a:fontRef idx="minor">
+            <a:schemeClr val="lt1"/>
+          </a:fontRef>
+        </p:style>
+        <p:txBody>
+          <a:bodyPr rtlCol="0" anchor="ctr"/>
+          <a:lstStyle/>
+          <a:p>
+            <a:pPr algn="ctr"/>
+            <a:endParaRPr lang="en-US"/>
+          </a:p>
+        </p:txBody>
+      </p:sp>
       <p:sp>
         <p:nvSpPr>
           <p:cNvPr id="2" name="Title 1"/>
@@ -18479,7 +18844,7 @@
     </p:spTree>
     <p:extLst>
       <p:ext uri="{BB962C8B-B14F-4D97-AF65-F5344CB8AC3E}">
-        <p14:creationId xmlns:p14="http://schemas.microsoft.com/office/powerpoint/2010/main" val="3080341078"/>
+        <p14:creationId xmlns:p14="http://schemas.microsoft.com/office/powerpoint/2010/main" val="551720111"/>
       </p:ext>
     </p:extLst>
   </p:cSld>

--- a/Tour de .NET Core CLI.pptx
+++ b/Tour de .NET Core CLI.pptx
@@ -7790,6 +7790,14 @@
           <a:bodyPr/>
           <a:lstStyle/>
           <a:p>
+            <a:r>
+              <a:rPr lang="en-US" dirty="0"/>
+              <a:t>- C:\Program Files\dotnet\</a:t>
+            </a:r>
+            <a:r>
+              <a:rPr lang="en-US" dirty="0" err="1"/>
+              <a:t>sdk</a:t>
+            </a:r>
             <a:endParaRPr lang="en-US" dirty="0"/>
           </a:p>
         </p:txBody>
@@ -7924,7 +7932,7 @@
             </a:pPr>
             <a:r>
               <a:rPr lang="en-US" dirty="0"/>
-              <a:t>Compare to GitHub for Windows UI vs. Git command line</a:t>
+              <a:t>Compare to GitHub for Windows vs. Git command line</a:t>
             </a:r>
           </a:p>
         </p:txBody>
@@ -19908,7 +19916,7 @@
             <a:endParaRPr lang="en-US" dirty="0"/>
           </a:p>
           <a:p>
-            <a:pPr marL="0" indent="0" algn="r">
+            <a:pPr marL="0" indent="0">
               <a:buNone/>
             </a:pPr>
             <a:endParaRPr lang="en-US" b="1" dirty="0"/>
@@ -20007,6 +20015,82 @@
           <a:xfrm>
             <a:off x="937260" y="2308021"/>
             <a:ext cx="3386546" cy="3386546"/>
+          </a:xfrm>
+          <a:prstGeom prst="rect">
+            <a:avLst/>
+          </a:prstGeom>
+        </p:spPr>
+      </p:pic>
+      <p:sp>
+        <p:nvSpPr>
+          <p:cNvPr id="3" name="TextBox 2">
+            <a:extLst>
+              <a:ext uri="{FF2B5EF4-FFF2-40B4-BE49-F238E27FC236}">
+                <a16:creationId xmlns:a16="http://schemas.microsoft.com/office/drawing/2014/main" id="{084B7060-1A67-4B81-B5A1-3D509E5D30BF}"/>
+              </a:ext>
+            </a:extLst>
+          </p:cNvPr>
+          <p:cNvSpPr txBox="1"/>
+          <p:nvPr/>
+        </p:nvSpPr>
+        <p:spPr>
+          <a:xfrm>
+            <a:off x="939800" y="5935960"/>
+            <a:ext cx="4495800" cy="461665"/>
+          </a:xfrm>
+          <a:prstGeom prst="rect">
+            <a:avLst/>
+          </a:prstGeom>
+          <a:noFill/>
+        </p:spPr>
+        <p:txBody>
+          <a:bodyPr wrap="square" rtlCol="0">
+            <a:spAutoFit/>
+          </a:bodyPr>
+          <a:lstStyle/>
+          <a:p>
+            <a:r>
+              <a:rPr lang="en-US" sz="2400" b="1" dirty="0"/>
+              <a:t>@</a:t>
+            </a:r>
+            <a:r>
+              <a:rPr lang="en-US" sz="2400" b="1" dirty="0" err="1"/>
+              <a:t>Scott_Addie</a:t>
+            </a:r>
+            <a:endParaRPr lang="en-US" sz="2400" b="1" dirty="0"/>
+          </a:p>
+        </p:txBody>
+      </p:sp>
+      <p:pic>
+        <p:nvPicPr>
+          <p:cNvPr id="8" name="Picture 7">
+            <a:extLst>
+              <a:ext uri="{FF2B5EF4-FFF2-40B4-BE49-F238E27FC236}">
+                <a16:creationId xmlns:a16="http://schemas.microsoft.com/office/drawing/2014/main" id="{D62B3930-38EF-4F41-9189-BD2F1325CC71}"/>
+              </a:ext>
+            </a:extLst>
+          </p:cNvPr>
+          <p:cNvPicPr>
+            <a:picLocks noChangeAspect="1"/>
+          </p:cNvPicPr>
+          <p:nvPr/>
+        </p:nvPicPr>
+        <p:blipFill>
+          <a:blip r:embed="rId5" cstate="print">
+            <a:extLst>
+              <a:ext uri="{28A0092B-C50C-407E-A947-70E740481C1C}">
+                <a14:useLocalDpi xmlns:a14="http://schemas.microsoft.com/office/drawing/2010/main" val="0"/>
+              </a:ext>
+            </a:extLst>
+          </a:blip>
+          <a:stretch>
+            <a:fillRect/>
+          </a:stretch>
+        </p:blipFill>
+        <p:spPr>
+          <a:xfrm>
+            <a:off x="2935314" y="5889198"/>
+            <a:ext cx="682893" cy="555188"/>
           </a:xfrm>
           <a:prstGeom prst="rect">
             <a:avLst/>

--- a/Tour de .NET Core CLI.pptx
+++ b/Tour de .NET Core CLI.pptx
@@ -6722,7 +6722,7 @@
           <a:p>
             <a:fld id="{3B87D1B5-D667-42F5-9E38-2FD202ABDFA0}" type="datetimeFigureOut">
               <a:rPr lang="en-US" smtClean="0"/>
-              <a:t>3/17/2018</a:t>
+              <a:t>3/21/2018</a:t>
             </a:fld>
             <a:endParaRPr lang="en-US"/>
           </a:p>
@@ -8576,7 +8576,7 @@
           <a:p>
             <a:fld id="{EEC3160E-2579-4584-9765-DC1BA0B358F9}" type="datetimeFigureOut">
               <a:rPr lang="en-US" smtClean="0"/>
-              <a:t>3/17/2018</a:t>
+              <a:t>3/21/2018</a:t>
             </a:fld>
             <a:endParaRPr lang="en-US"/>
           </a:p>
@@ -8746,7 +8746,7 @@
           <a:p>
             <a:fld id="{EEC3160E-2579-4584-9765-DC1BA0B358F9}" type="datetimeFigureOut">
               <a:rPr lang="en-US" smtClean="0"/>
-              <a:t>3/17/2018</a:t>
+              <a:t>3/21/2018</a:t>
             </a:fld>
             <a:endParaRPr lang="en-US"/>
           </a:p>
@@ -8926,7 +8926,7 @@
           <a:p>
             <a:fld id="{EEC3160E-2579-4584-9765-DC1BA0B358F9}" type="datetimeFigureOut">
               <a:rPr lang="en-US" smtClean="0"/>
-              <a:t>3/17/2018</a:t>
+              <a:t>3/21/2018</a:t>
             </a:fld>
             <a:endParaRPr lang="en-US"/>
           </a:p>
@@ -10841,7 +10841,7 @@
           <a:p>
             <a:fld id="{EEC3160E-2579-4584-9765-DC1BA0B358F9}" type="datetimeFigureOut">
               <a:rPr lang="en-US" smtClean="0"/>
-              <a:t>3/17/2018</a:t>
+              <a:t>3/21/2018</a:t>
             </a:fld>
             <a:endParaRPr lang="en-US"/>
           </a:p>
@@ -12323,7 +12323,7 @@
           <a:p>
             <a:fld id="{EEC3160E-2579-4584-9765-DC1BA0B358F9}" type="datetimeFigureOut">
               <a:rPr lang="en-US" smtClean="0"/>
-              <a:t>3/17/2018</a:t>
+              <a:t>3/21/2018</a:t>
             </a:fld>
             <a:endParaRPr lang="en-US"/>
           </a:p>
@@ -13463,7 +13463,7 @@
           <a:p>
             <a:fld id="{EEC3160E-2579-4584-9765-DC1BA0B358F9}" type="datetimeFigureOut">
               <a:rPr lang="en-US" smtClean="0"/>
-              <a:t>3/17/2018</a:t>
+              <a:t>3/21/2018</a:t>
             </a:fld>
             <a:endParaRPr lang="en-US"/>
           </a:p>
@@ -13830,7 +13830,7 @@
           <a:p>
             <a:fld id="{EEC3160E-2579-4584-9765-DC1BA0B358F9}" type="datetimeFigureOut">
               <a:rPr lang="en-US" smtClean="0"/>
-              <a:t>3/17/2018</a:t>
+              <a:t>3/21/2018</a:t>
             </a:fld>
             <a:endParaRPr lang="en-US"/>
           </a:p>
@@ -13948,7 +13948,7 @@
           <a:p>
             <a:fld id="{EEC3160E-2579-4584-9765-DC1BA0B358F9}" type="datetimeFigureOut">
               <a:rPr lang="en-US" smtClean="0"/>
-              <a:t>3/17/2018</a:t>
+              <a:t>3/21/2018</a:t>
             </a:fld>
             <a:endParaRPr lang="en-US"/>
           </a:p>
@@ -14043,7 +14043,7 @@
           <a:p>
             <a:fld id="{EEC3160E-2579-4584-9765-DC1BA0B358F9}" type="datetimeFigureOut">
               <a:rPr lang="en-US" smtClean="0"/>
-              <a:t>3/17/2018</a:t>
+              <a:t>3/21/2018</a:t>
             </a:fld>
             <a:endParaRPr lang="en-US"/>
           </a:p>
@@ -14320,7 +14320,7 @@
           <a:p>
             <a:fld id="{EEC3160E-2579-4584-9765-DC1BA0B358F9}" type="datetimeFigureOut">
               <a:rPr lang="en-US" smtClean="0"/>
-              <a:t>3/17/2018</a:t>
+              <a:t>3/21/2018</a:t>
             </a:fld>
             <a:endParaRPr lang="en-US"/>
           </a:p>
@@ -14577,7 +14577,7 @@
           <a:p>
             <a:fld id="{EEC3160E-2579-4584-9765-DC1BA0B358F9}" type="datetimeFigureOut">
               <a:rPr lang="en-US" smtClean="0"/>
-              <a:t>3/17/2018</a:t>
+              <a:t>3/21/2018</a:t>
             </a:fld>
             <a:endParaRPr lang="en-US"/>
           </a:p>
@@ -14790,7 +14790,7 @@
           <a:p>
             <a:fld id="{EEC3160E-2579-4584-9765-DC1BA0B358F9}" type="datetimeFigureOut">
               <a:rPr lang="en-US" smtClean="0"/>
-              <a:t>3/17/2018</a:t>
+              <a:t>3/21/2018</a:t>
             </a:fld>
             <a:endParaRPr lang="en-US"/>
           </a:p>
@@ -19680,7 +19680,7 @@
         <p:spPr>
           <a:xfrm>
             <a:off x="801098" y="1396289"/>
-            <a:ext cx="5712824" cy="1325563"/>
+            <a:ext cx="5993402" cy="1325563"/>
           </a:xfrm>
         </p:spPr>
         <p:txBody>
@@ -19690,7 +19690,7 @@
           <a:lstStyle/>
           <a:p>
             <a:r>
-              <a:rPr lang="en-US">
+              <a:rPr lang="en-US" dirty="0">
                 <a:latin typeface="Segoe UI Light" panose="020B0502040204020203" pitchFamily="34" charset="0"/>
                 <a:cs typeface="Segoe UI Light" panose="020B0502040204020203" pitchFamily="34" charset="0"/>
               </a:rPr>
@@ -19863,7 +19863,7 @@
               <a:buNone/>
             </a:pPr>
             <a:r>
-              <a:rPr lang="en-US" dirty="0"/>
+              <a:rPr lang="en-US" b="1" dirty="0"/>
               <a:t>aka.ms/N44not</a:t>
             </a:r>
           </a:p>

--- a/Tour de .NET Core CLI.pptx
+++ b/Tour de .NET Core CLI.pptx
@@ -7901,16 +7901,69 @@
             </a:pPr>
             <a:r>
               <a:rPr lang="en-US" dirty="0"/>
-              <a:t>Not all commands accounted for in tooling (e.g. create runtime store via </a:t>
-            </a:r>
-            <a:r>
-              <a:rPr lang="en-US" i="1" dirty="0"/>
-              <a:t>dotnet store</a:t>
+              <a:t>Not all commands accounted for in tooling:</a:t>
+            </a:r>
+          </a:p>
+          <a:p>
+            <a:pPr marL="628650" marR="0" lvl="1" indent="-171450" algn="l" defTabSz="914400" rtl="0" eaLnBrk="1" fontAlgn="auto" latinLnBrk="0" hangingPunct="1">
+              <a:lnSpc>
+                <a:spcPct val="100000"/>
+              </a:lnSpc>
+              <a:spcBef>
+                <a:spcPts val="0"/>
+              </a:spcBef>
+              <a:spcAft>
+                <a:spcPts val="0"/>
+              </a:spcAft>
+              <a:buClrTx/>
+              <a:buSzTx/>
+              <a:buFontTx/>
+              <a:buChar char="-"/>
+              <a:tabLst/>
+              <a:defRPr/>
+            </a:pPr>
+            <a:r>
+              <a:rPr lang="en-US" b="1" dirty="0"/>
+              <a:t>dotnet store </a:t>
             </a:r>
             <a:r>
               <a:rPr lang="en-US" dirty="0"/>
-              <a:t>)</a:t>
-            </a:r>
+              <a:t>(create runtime store)</a:t>
+            </a:r>
+          </a:p>
+          <a:p>
+            <a:pPr marL="628650" marR="0" lvl="1" indent="-171450" algn="l" defTabSz="914400" rtl="0" eaLnBrk="1" fontAlgn="auto" latinLnBrk="0" hangingPunct="1">
+              <a:lnSpc>
+                <a:spcPct val="100000"/>
+              </a:lnSpc>
+              <a:spcBef>
+                <a:spcPts val="0"/>
+              </a:spcBef>
+              <a:spcAft>
+                <a:spcPts val="0"/>
+              </a:spcAft>
+              <a:buClrTx/>
+              <a:buSzTx/>
+              <a:buFontTx/>
+              <a:buChar char="-"/>
+              <a:tabLst/>
+              <a:defRPr/>
+            </a:pPr>
+            <a:r>
+              <a:rPr lang="en-US" b="1" dirty="0"/>
+              <a:t>dotnet publish </a:t>
+            </a:r>
+            <a:r>
+              <a:rPr lang="en-US" b="0" dirty="0"/>
+              <a:t>(SCD) </a:t>
+            </a:r>
+            <a:r>
+              <a:rPr lang="en-US" b="0" dirty="0">
+                <a:sym typeface="Wingdings" panose="05000000000000000000" pitchFamily="2" charset="2"/>
+              </a:rPr>
+              <a:t> coming in VS 2017 15.7 Preview 3</a:t>
+            </a:r>
+            <a:endParaRPr lang="en-US" b="1" dirty="0"/>
           </a:p>
           <a:p>
             <a:pPr marL="171450" marR="0" lvl="0" indent="-171450" algn="l" defTabSz="914400" rtl="0" eaLnBrk="1" fontAlgn="auto" latinLnBrk="0" hangingPunct="1">
@@ -21371,6 +21424,250 @@
                       </p:childTnLst>
                     </p:cTn>
                   </p:par>
+                  <p:par>
+                    <p:cTn id="20" fill="hold">
+                      <p:stCondLst>
+                        <p:cond delay="indefinite"/>
+                      </p:stCondLst>
+                      <p:childTnLst>
+                        <p:par>
+                          <p:cTn id="21" fill="hold">
+                            <p:stCondLst>
+                              <p:cond delay="0"/>
+                            </p:stCondLst>
+                            <p:childTnLst>
+                              <p:par>
+                                <p:cTn id="22" presetID="10" presetClass="entr" presetSubtype="0" fill="hold" grpId="0" nodeType="clickEffect">
+                                  <p:stCondLst>
+                                    <p:cond delay="0"/>
+                                  </p:stCondLst>
+                                  <p:childTnLst>
+                                    <p:set>
+                                      <p:cBhvr>
+                                        <p:cTn id="23" dur="1" fill="hold">
+                                          <p:stCondLst>
+                                            <p:cond delay="0"/>
+                                          </p:stCondLst>
+                                        </p:cTn>
+                                        <p:tgtEl>
+                                          <p:spTgt spid="9">
+                                            <p:txEl>
+                                              <p:pRg st="0" end="0"/>
+                                            </p:txEl>
+                                          </p:spTgt>
+                                        </p:tgtEl>
+                                        <p:attrNameLst>
+                                          <p:attrName>style.visibility</p:attrName>
+                                        </p:attrNameLst>
+                                      </p:cBhvr>
+                                      <p:to>
+                                        <p:strVal val="visible"/>
+                                      </p:to>
+                                    </p:set>
+                                    <p:animEffect transition="in" filter="fade">
+                                      <p:cBhvr>
+                                        <p:cTn id="24" dur="500"/>
+                                        <p:tgtEl>
+                                          <p:spTgt spid="9">
+                                            <p:txEl>
+                                              <p:pRg st="0" end="0"/>
+                                            </p:txEl>
+                                          </p:spTgt>
+                                        </p:tgtEl>
+                                      </p:cBhvr>
+                                    </p:animEffect>
+                                  </p:childTnLst>
+                                </p:cTn>
+                              </p:par>
+                            </p:childTnLst>
+                          </p:cTn>
+                        </p:par>
+                      </p:childTnLst>
+                    </p:cTn>
+                  </p:par>
+                  <p:par>
+                    <p:cTn id="25" fill="hold">
+                      <p:stCondLst>
+                        <p:cond delay="indefinite"/>
+                      </p:stCondLst>
+                      <p:childTnLst>
+                        <p:par>
+                          <p:cTn id="26" fill="hold">
+                            <p:stCondLst>
+                              <p:cond delay="0"/>
+                            </p:stCondLst>
+                            <p:childTnLst>
+                              <p:par>
+                                <p:cTn id="27" presetID="10" presetClass="entr" presetSubtype="0" fill="hold" grpId="0" nodeType="clickEffect">
+                                  <p:stCondLst>
+                                    <p:cond delay="0"/>
+                                  </p:stCondLst>
+                                  <p:childTnLst>
+                                    <p:set>
+                                      <p:cBhvr>
+                                        <p:cTn id="28" dur="1" fill="hold">
+                                          <p:stCondLst>
+                                            <p:cond delay="0"/>
+                                          </p:stCondLst>
+                                        </p:cTn>
+                                        <p:tgtEl>
+                                          <p:spTgt spid="9">
+                                            <p:txEl>
+                                              <p:pRg st="1" end="1"/>
+                                            </p:txEl>
+                                          </p:spTgt>
+                                        </p:tgtEl>
+                                        <p:attrNameLst>
+                                          <p:attrName>style.visibility</p:attrName>
+                                        </p:attrNameLst>
+                                      </p:cBhvr>
+                                      <p:to>
+                                        <p:strVal val="visible"/>
+                                      </p:to>
+                                    </p:set>
+                                    <p:animEffect transition="in" filter="fade">
+                                      <p:cBhvr>
+                                        <p:cTn id="29" dur="500"/>
+                                        <p:tgtEl>
+                                          <p:spTgt spid="9">
+                                            <p:txEl>
+                                              <p:pRg st="1" end="1"/>
+                                            </p:txEl>
+                                          </p:spTgt>
+                                        </p:tgtEl>
+                                      </p:cBhvr>
+                                    </p:animEffect>
+                                  </p:childTnLst>
+                                </p:cTn>
+                              </p:par>
+                            </p:childTnLst>
+                          </p:cTn>
+                        </p:par>
+                      </p:childTnLst>
+                    </p:cTn>
+                  </p:par>
+                  <p:par>
+                    <p:cTn id="30" fill="hold">
+                      <p:stCondLst>
+                        <p:cond delay="indefinite"/>
+                      </p:stCondLst>
+                      <p:childTnLst>
+                        <p:par>
+                          <p:cTn id="31" fill="hold">
+                            <p:stCondLst>
+                              <p:cond delay="0"/>
+                            </p:stCondLst>
+                            <p:childTnLst>
+                              <p:par>
+                                <p:cTn id="32" presetID="10" presetClass="entr" presetSubtype="0" fill="hold" grpId="0" nodeType="clickEffect">
+                                  <p:stCondLst>
+                                    <p:cond delay="0"/>
+                                  </p:stCondLst>
+                                  <p:childTnLst>
+                                    <p:set>
+                                      <p:cBhvr>
+                                        <p:cTn id="33" dur="1" fill="hold">
+                                          <p:stCondLst>
+                                            <p:cond delay="0"/>
+                                          </p:stCondLst>
+                                        </p:cTn>
+                                        <p:tgtEl>
+                                          <p:spTgt spid="9">
+                                            <p:txEl>
+                                              <p:pRg st="2" end="2"/>
+                                            </p:txEl>
+                                          </p:spTgt>
+                                        </p:tgtEl>
+                                        <p:attrNameLst>
+                                          <p:attrName>style.visibility</p:attrName>
+                                        </p:attrNameLst>
+                                      </p:cBhvr>
+                                      <p:to>
+                                        <p:strVal val="visible"/>
+                                      </p:to>
+                                    </p:set>
+                                    <p:animEffect transition="in" filter="fade">
+                                      <p:cBhvr>
+                                        <p:cTn id="34" dur="500"/>
+                                        <p:tgtEl>
+                                          <p:spTgt spid="9">
+                                            <p:txEl>
+                                              <p:pRg st="2" end="2"/>
+                                            </p:txEl>
+                                          </p:spTgt>
+                                        </p:tgtEl>
+                                      </p:cBhvr>
+                                    </p:animEffect>
+                                  </p:childTnLst>
+                                </p:cTn>
+                              </p:par>
+                            </p:childTnLst>
+                          </p:cTn>
+                        </p:par>
+                      </p:childTnLst>
+                    </p:cTn>
+                  </p:par>
+                  <p:par>
+                    <p:cTn id="35" fill="hold">
+                      <p:stCondLst>
+                        <p:cond delay="indefinite"/>
+                      </p:stCondLst>
+                      <p:childTnLst>
+                        <p:par>
+                          <p:cTn id="36" fill="hold">
+                            <p:stCondLst>
+                              <p:cond delay="0"/>
+                            </p:stCondLst>
+                            <p:childTnLst>
+                              <p:par>
+                                <p:cTn id="37" presetID="10" presetClass="entr" presetSubtype="0" fill="hold" grpId="0" nodeType="clickEffect">
+                                  <p:stCondLst>
+                                    <p:cond delay="0"/>
+                                  </p:stCondLst>
+                                  <p:childTnLst>
+                                    <p:set>
+                                      <p:cBhvr>
+                                        <p:cTn id="38" dur="1" fill="hold">
+                                          <p:stCondLst>
+                                            <p:cond delay="0"/>
+                                          </p:stCondLst>
+                                        </p:cTn>
+                                        <p:tgtEl>
+                                          <p:spTgt spid="9">
+                                            <p:txEl>
+                                              <p:pRg st="3" end="3"/>
+                                            </p:txEl>
+                                          </p:spTgt>
+                                        </p:tgtEl>
+                                        <p:attrNameLst>
+                                          <p:attrName>style.visibility</p:attrName>
+                                        </p:attrNameLst>
+                                      </p:cBhvr>
+                                      <p:to>
+                                        <p:strVal val="visible"/>
+                                      </p:to>
+                                    </p:set>
+                                    <p:animEffect transition="in" filter="fade">
+                                      <p:cBhvr>
+                                        <p:cTn id="39" dur="500"/>
+                                        <p:tgtEl>
+                                          <p:spTgt spid="9">
+                                            <p:txEl>
+                                              <p:pRg st="3" end="3"/>
+                                            </p:txEl>
+                                          </p:spTgt>
+                                        </p:tgtEl>
+                                      </p:cBhvr>
+                                    </p:animEffect>
+                                  </p:childTnLst>
+                                </p:cTn>
+                              </p:par>
+                            </p:childTnLst>
+                          </p:cTn>
+                        </p:par>
+                      </p:childTnLst>
+                    </p:cTn>
+                  </p:par>
                 </p:childTnLst>
               </p:cTn>
               <p:prevCondLst>
@@ -21392,6 +21689,9 @@
         </p:cTn>
       </p:par>
     </p:tnLst>
+    <p:bldLst>
+      <p:bldP spid="9" grpId="0" build="p"/>
+    </p:bldLst>
   </p:timing>
 </p:sld>
 </file>

--- a/Tour de .NET Core CLI.pptx
+++ b/Tour de .NET Core CLI.pptx
@@ -6,7 +6,7 @@
     <p:sldMasterId id="2147483847" r:id="rId2"/>
   </p:sldMasterIdLst>
   <p:notesMasterIdLst>
-    <p:notesMasterId r:id="rId17"/>
+    <p:notesMasterId r:id="rId19"/>
   </p:notesMasterIdLst>
   <p:sldIdLst>
     <p:sldId id="342" r:id="rId3"/>
@@ -16,13 +16,15 @@
     <p:sldId id="352" r:id="rId7"/>
     <p:sldId id="348" r:id="rId8"/>
     <p:sldId id="349" r:id="rId9"/>
-    <p:sldId id="354" r:id="rId10"/>
-    <p:sldId id="350" r:id="rId11"/>
-    <p:sldId id="355" r:id="rId12"/>
+    <p:sldId id="361" r:id="rId10"/>
+    <p:sldId id="362" r:id="rId11"/>
+    <p:sldId id="354" r:id="rId12"/>
     <p:sldId id="351" r:id="rId13"/>
     <p:sldId id="360" r:id="rId14"/>
-    <p:sldId id="346" r:id="rId15"/>
-    <p:sldId id="356" r:id="rId16"/>
+    <p:sldId id="350" r:id="rId15"/>
+    <p:sldId id="355" r:id="rId16"/>
+    <p:sldId id="346" r:id="rId17"/>
+    <p:sldId id="356" r:id="rId18"/>
   </p:sldIdLst>
   <p:sldSz cx="12192000" cy="6858000"/>
   <p:notesSz cx="6858000" cy="9144000"/>
@@ -31,7 +33,7 @@
       <p:sldLst>
         <p:sld r:id="rId3"/>
         <p:sld r:id="rId4"/>
-        <p:sld r:id="rId15"/>
+        <p:sld r:id="rId17"/>
       </p:sldLst>
     </p:custShow>
   </p:custShowLst>
@@ -142,11 +144,13 @@
             <p14:sldId id="352"/>
             <p14:sldId id="348"/>
             <p14:sldId id="349"/>
+            <p14:sldId id="361"/>
+            <p14:sldId id="362"/>
             <p14:sldId id="354"/>
+            <p14:sldId id="351"/>
+            <p14:sldId id="360"/>
             <p14:sldId id="350"/>
             <p14:sldId id="355"/>
-            <p14:sldId id="351"/>
-            <p14:sldId id="360"/>
             <p14:sldId id="346"/>
             <p14:sldId id="356"/>
           </p14:sldIdLst>
@@ -6722,7 +6726,7 @@
           <a:p>
             <a:fld id="{3B87D1B5-D667-42F5-9E38-2FD202ABDFA0}" type="datetimeFigureOut">
               <a:rPr lang="en-US" smtClean="0"/>
-              <a:t>3/21/2018</a:t>
+              <a:t>3/22/2018</a:t>
             </a:fld>
             <a:endParaRPr lang="en-US"/>
           </a:p>
@@ -7171,18 +7175,7 @@
           <a:bodyPr/>
           <a:lstStyle/>
           <a:p>
-            <a:r>
-              <a:rPr lang="en-US" dirty="0"/>
-              <a:t>- scottaddie.visualstudio.com &gt; </a:t>
-            </a:r>
-            <a:r>
-              <a:rPr lang="en-US" dirty="0" err="1"/>
-              <a:t>TagHelperSuite</a:t>
-            </a:r>
-            <a:r>
-              <a:rPr lang="en-US" dirty="0"/>
-              <a:t> build definition</a:t>
-            </a:r>
+            <a:endParaRPr lang="en-US" dirty="0"/>
           </a:p>
         </p:txBody>
       </p:sp>
@@ -7212,7 +7205,7 @@
     </p:spTree>
     <p:extLst>
       <p:ext uri="{BB962C8B-B14F-4D97-AF65-F5344CB8AC3E}">
-        <p14:creationId xmlns:p14="http://schemas.microsoft.com/office/powerpoint/2010/main" val="170369036"/>
+        <p14:creationId xmlns:p14="http://schemas.microsoft.com/office/powerpoint/2010/main" val="178583391"/>
       </p:ext>
     </p:extLst>
   </p:cSld>
@@ -7478,7 +7471,37 @@
           <a:bodyPr/>
           <a:lstStyle/>
           <a:p>
-            <a:endParaRPr lang="en-US"/>
+            <a:pPr marL="171450" indent="-171450">
+              <a:buFontTx/>
+              <a:buChar char="-"/>
+            </a:pPr>
+            <a:r>
+              <a:rPr lang="en-US" dirty="0"/>
+              <a:t>Also applies to TFS</a:t>
+            </a:r>
+          </a:p>
+          <a:p>
+            <a:pPr marL="171450" indent="-171450">
+              <a:buFontTx/>
+              <a:buChar char="-"/>
+            </a:pPr>
+            <a:r>
+              <a:rPr lang="en-US" dirty="0"/>
+              <a:t>If using IDE / editor, you wouldn’t know the CLI </a:t>
+            </a:r>
+            <a:r>
+              <a:rPr lang="en-US" dirty="0" err="1"/>
+              <a:t>params</a:t>
+            </a:r>
+            <a:r>
+              <a:rPr lang="en-US" dirty="0"/>
+              <a:t> </a:t>
+            </a:r>
+            <a:r>
+              <a:rPr lang="en-US"/>
+              <a:t>to pass</a:t>
+            </a:r>
+            <a:endParaRPr lang="en-US" dirty="0"/>
           </a:p>
         </p:txBody>
       </p:sp>
@@ -7497,78 +7520,18 @@
           <a:bodyPr/>
           <a:lstStyle/>
           <a:p>
-            <a:pPr marL="0" marR="0" lvl="0" indent="0" algn="r" defTabSz="457200" rtl="0" eaLnBrk="1" fontAlgn="auto" latinLnBrk="0" hangingPunct="1">
-              <a:lnSpc>
-                <a:spcPct val="100000"/>
-              </a:lnSpc>
-              <a:spcBef>
-                <a:spcPts val="0"/>
-              </a:spcBef>
-              <a:spcAft>
-                <a:spcPts val="0"/>
-              </a:spcAft>
-              <a:buClrTx/>
-              <a:buSzTx/>
-              <a:buFontTx/>
-              <a:buNone/>
-              <a:tabLst/>
-              <a:defRPr/>
-            </a:pPr>
             <a:fld id="{16A87904-88DE-4022-A424-ACD2E6FC1751}" type="slidenum">
-              <a:rPr kumimoji="0" lang="en-US" sz="1200" b="0" i="0" u="none" strike="noStrike" kern="1200" cap="none" spc="0" normalizeH="0" baseline="0" noProof="0" smtClean="0">
-                <a:ln>
-                  <a:noFill/>
-                </a:ln>
-                <a:solidFill>
-                  <a:prstClr val="black"/>
-                </a:solidFill>
-                <a:effectLst/>
-                <a:uLnTx/>
-                <a:uFillTx/>
-                <a:latin typeface="Calibri" panose="020F0502020204030204"/>
-                <a:ea typeface="+mn-ea"/>
-                <a:cs typeface="+mn-cs"/>
-              </a:rPr>
-              <a:pPr marL="0" marR="0" lvl="0" indent="0" algn="r" defTabSz="457200" rtl="0" eaLnBrk="1" fontAlgn="auto" latinLnBrk="0" hangingPunct="1">
-                <a:lnSpc>
-                  <a:spcPct val="100000"/>
-                </a:lnSpc>
-                <a:spcBef>
-                  <a:spcPts val="0"/>
-                </a:spcBef>
-                <a:spcAft>
-                  <a:spcPts val="0"/>
-                </a:spcAft>
-                <a:buClrTx/>
-                <a:buSzTx/>
-                <a:buFontTx/>
-                <a:buNone/>
-                <a:tabLst/>
-                <a:defRPr/>
-              </a:pPr>
+              <a:rPr lang="en-US" smtClean="0"/>
               <a:t>13</a:t>
             </a:fld>
-            <a:endParaRPr kumimoji="0" lang="en-US" sz="1200" b="0" i="0" u="none" strike="noStrike" kern="1200" cap="none" spc="0" normalizeH="0" baseline="0" noProof="0">
-              <a:ln>
-                <a:noFill/>
-              </a:ln>
-              <a:solidFill>
-                <a:prstClr val="black"/>
-              </a:solidFill>
-              <a:effectLst/>
-              <a:uLnTx/>
-              <a:uFillTx/>
-              <a:latin typeface="Calibri" panose="020F0502020204030204"/>
-              <a:ea typeface="+mn-ea"/>
-              <a:cs typeface="+mn-cs"/>
-            </a:endParaRPr>
+            <a:endParaRPr lang="en-US"/>
           </a:p>
         </p:txBody>
       </p:sp>
     </p:spTree>
     <p:extLst>
       <p:ext uri="{BB962C8B-B14F-4D97-AF65-F5344CB8AC3E}">
-        <p14:creationId xmlns:p14="http://schemas.microsoft.com/office/powerpoint/2010/main" val="1176352571"/>
+        <p14:creationId xmlns:p14="http://schemas.microsoft.com/office/powerpoint/2010/main" val="2199057065"/>
       </p:ext>
     </p:extLst>
   </p:cSld>
@@ -7622,7 +7585,18 @@
           <a:bodyPr/>
           <a:lstStyle/>
           <a:p>
-            <a:endParaRPr lang="en-US"/>
+            <a:r>
+              <a:rPr lang="en-US" dirty="0"/>
+              <a:t>- scottaddie.visualstudio.com &gt; </a:t>
+            </a:r>
+            <a:r>
+              <a:rPr lang="en-US" dirty="0" err="1"/>
+              <a:t>TagHelperSuite</a:t>
+            </a:r>
+            <a:r>
+              <a:rPr lang="en-US" dirty="0"/>
+              <a:t> build definition</a:t>
+            </a:r>
           </a:p>
         </p:txBody>
       </p:sp>
@@ -7644,6 +7618,234 @@
             <a:fld id="{16A87904-88DE-4022-A424-ACD2E6FC1751}" type="slidenum">
               <a:rPr lang="en-US" smtClean="0"/>
               <a:t>14</a:t>
+            </a:fld>
+            <a:endParaRPr lang="en-US"/>
+          </a:p>
+        </p:txBody>
+      </p:sp>
+    </p:spTree>
+    <p:extLst>
+      <p:ext uri="{BB962C8B-B14F-4D97-AF65-F5344CB8AC3E}">
+        <p14:creationId xmlns:p14="http://schemas.microsoft.com/office/powerpoint/2010/main" val="170369036"/>
+      </p:ext>
+    </p:extLst>
+  </p:cSld>
+  <p:clrMapOvr>
+    <a:masterClrMapping/>
+  </p:clrMapOvr>
+</p:notes>
+</file>
+
+<file path=ppt/notesSlides/notesSlide15.xml><?xml version="1.0" encoding="utf-8"?>
+<p:notes xmlns:a="http://schemas.openxmlformats.org/drawingml/2006/main" xmlns:r="http://schemas.openxmlformats.org/officeDocument/2006/relationships" xmlns:p="http://schemas.openxmlformats.org/presentationml/2006/main">
+  <p:cSld>
+    <p:spTree>
+      <p:nvGrpSpPr>
+        <p:cNvPr id="1" name=""/>
+        <p:cNvGrpSpPr/>
+        <p:nvPr/>
+      </p:nvGrpSpPr>
+      <p:grpSpPr>
+        <a:xfrm>
+          <a:off x="0" y="0"/>
+          <a:ext cx="0" cy="0"/>
+          <a:chOff x="0" y="0"/>
+          <a:chExt cx="0" cy="0"/>
+        </a:xfrm>
+      </p:grpSpPr>
+      <p:sp>
+        <p:nvSpPr>
+          <p:cNvPr id="2" name="Slide Image Placeholder 1"/>
+          <p:cNvSpPr>
+            <a:spLocks noGrp="1" noRot="1" noChangeAspect="1"/>
+          </p:cNvSpPr>
+          <p:nvPr>
+            <p:ph type="sldImg"/>
+          </p:nvPr>
+        </p:nvSpPr>
+        <p:spPr/>
+      </p:sp>
+      <p:sp>
+        <p:nvSpPr>
+          <p:cNvPr id="3" name="Notes Placeholder 2"/>
+          <p:cNvSpPr>
+            <a:spLocks noGrp="1"/>
+          </p:cNvSpPr>
+          <p:nvPr>
+            <p:ph type="body" idx="1"/>
+          </p:nvPr>
+        </p:nvSpPr>
+        <p:spPr/>
+        <p:txBody>
+          <a:bodyPr/>
+          <a:lstStyle/>
+          <a:p>
+            <a:endParaRPr lang="en-US"/>
+          </a:p>
+        </p:txBody>
+      </p:sp>
+      <p:sp>
+        <p:nvSpPr>
+          <p:cNvPr id="4" name="Slide Number Placeholder 3"/>
+          <p:cNvSpPr>
+            <a:spLocks noGrp="1"/>
+          </p:cNvSpPr>
+          <p:nvPr>
+            <p:ph type="sldNum" sz="quarter" idx="10"/>
+          </p:nvPr>
+        </p:nvSpPr>
+        <p:spPr/>
+        <p:txBody>
+          <a:bodyPr/>
+          <a:lstStyle/>
+          <a:p>
+            <a:pPr marL="0" marR="0" lvl="0" indent="0" algn="r" defTabSz="457200" rtl="0" eaLnBrk="1" fontAlgn="auto" latinLnBrk="0" hangingPunct="1">
+              <a:lnSpc>
+                <a:spcPct val="100000"/>
+              </a:lnSpc>
+              <a:spcBef>
+                <a:spcPts val="0"/>
+              </a:spcBef>
+              <a:spcAft>
+                <a:spcPts val="0"/>
+              </a:spcAft>
+              <a:buClrTx/>
+              <a:buSzTx/>
+              <a:buFontTx/>
+              <a:buNone/>
+              <a:tabLst/>
+              <a:defRPr/>
+            </a:pPr>
+            <a:fld id="{16A87904-88DE-4022-A424-ACD2E6FC1751}" type="slidenum">
+              <a:rPr kumimoji="0" lang="en-US" sz="1200" b="0" i="0" u="none" strike="noStrike" kern="1200" cap="none" spc="0" normalizeH="0" baseline="0" noProof="0" smtClean="0">
+                <a:ln>
+                  <a:noFill/>
+                </a:ln>
+                <a:solidFill>
+                  <a:prstClr val="black"/>
+                </a:solidFill>
+                <a:effectLst/>
+                <a:uLnTx/>
+                <a:uFillTx/>
+                <a:latin typeface="Calibri" panose="020F0502020204030204"/>
+                <a:ea typeface="+mn-ea"/>
+                <a:cs typeface="+mn-cs"/>
+              </a:rPr>
+              <a:pPr marL="0" marR="0" lvl="0" indent="0" algn="r" defTabSz="457200" rtl="0" eaLnBrk="1" fontAlgn="auto" latinLnBrk="0" hangingPunct="1">
+                <a:lnSpc>
+                  <a:spcPct val="100000"/>
+                </a:lnSpc>
+                <a:spcBef>
+                  <a:spcPts val="0"/>
+                </a:spcBef>
+                <a:spcAft>
+                  <a:spcPts val="0"/>
+                </a:spcAft>
+                <a:buClrTx/>
+                <a:buSzTx/>
+                <a:buFontTx/>
+                <a:buNone/>
+                <a:tabLst/>
+                <a:defRPr/>
+              </a:pPr>
+              <a:t>15</a:t>
+            </a:fld>
+            <a:endParaRPr kumimoji="0" lang="en-US" sz="1200" b="0" i="0" u="none" strike="noStrike" kern="1200" cap="none" spc="0" normalizeH="0" baseline="0" noProof="0">
+              <a:ln>
+                <a:noFill/>
+              </a:ln>
+              <a:solidFill>
+                <a:prstClr val="black"/>
+              </a:solidFill>
+              <a:effectLst/>
+              <a:uLnTx/>
+              <a:uFillTx/>
+              <a:latin typeface="Calibri" panose="020F0502020204030204"/>
+              <a:ea typeface="+mn-ea"/>
+              <a:cs typeface="+mn-cs"/>
+            </a:endParaRPr>
+          </a:p>
+        </p:txBody>
+      </p:sp>
+    </p:spTree>
+    <p:extLst>
+      <p:ext uri="{BB962C8B-B14F-4D97-AF65-F5344CB8AC3E}">
+        <p14:creationId xmlns:p14="http://schemas.microsoft.com/office/powerpoint/2010/main" val="1176352571"/>
+      </p:ext>
+    </p:extLst>
+  </p:cSld>
+  <p:clrMapOvr>
+    <a:masterClrMapping/>
+  </p:clrMapOvr>
+</p:notes>
+</file>
+
+<file path=ppt/notesSlides/notesSlide16.xml><?xml version="1.0" encoding="utf-8"?>
+<p:notes xmlns:a="http://schemas.openxmlformats.org/drawingml/2006/main" xmlns:r="http://schemas.openxmlformats.org/officeDocument/2006/relationships" xmlns:p="http://schemas.openxmlformats.org/presentationml/2006/main">
+  <p:cSld>
+    <p:spTree>
+      <p:nvGrpSpPr>
+        <p:cNvPr id="1" name=""/>
+        <p:cNvGrpSpPr/>
+        <p:nvPr/>
+      </p:nvGrpSpPr>
+      <p:grpSpPr>
+        <a:xfrm>
+          <a:off x="0" y="0"/>
+          <a:ext cx="0" cy="0"/>
+          <a:chOff x="0" y="0"/>
+          <a:chExt cx="0" cy="0"/>
+        </a:xfrm>
+      </p:grpSpPr>
+      <p:sp>
+        <p:nvSpPr>
+          <p:cNvPr id="2" name="Slide Image Placeholder 1"/>
+          <p:cNvSpPr>
+            <a:spLocks noGrp="1" noRot="1" noChangeAspect="1"/>
+          </p:cNvSpPr>
+          <p:nvPr>
+            <p:ph type="sldImg"/>
+          </p:nvPr>
+        </p:nvSpPr>
+        <p:spPr/>
+      </p:sp>
+      <p:sp>
+        <p:nvSpPr>
+          <p:cNvPr id="3" name="Notes Placeholder 2"/>
+          <p:cNvSpPr>
+            <a:spLocks noGrp="1"/>
+          </p:cNvSpPr>
+          <p:nvPr>
+            <p:ph type="body" idx="1"/>
+          </p:nvPr>
+        </p:nvSpPr>
+        <p:spPr/>
+        <p:txBody>
+          <a:bodyPr/>
+          <a:lstStyle/>
+          <a:p>
+            <a:endParaRPr lang="en-US"/>
+          </a:p>
+        </p:txBody>
+      </p:sp>
+      <p:sp>
+        <p:nvSpPr>
+          <p:cNvPr id="4" name="Slide Number Placeholder 3"/>
+          <p:cNvSpPr>
+            <a:spLocks noGrp="1"/>
+          </p:cNvSpPr>
+          <p:nvPr>
+            <p:ph type="sldNum" sz="quarter" idx="10"/>
+          </p:nvPr>
+        </p:nvSpPr>
+        <p:spPr/>
+        <p:txBody>
+          <a:bodyPr/>
+          <a:lstStyle/>
+          <a:p>
+            <a:fld id="{16A87904-88DE-4022-A424-ACD2E6FC1751}" type="slidenum">
+              <a:rPr lang="en-US" smtClean="0"/>
+              <a:t>16</a:t>
             </a:fld>
             <a:endParaRPr lang="en-US"/>
           </a:p>
@@ -8344,7 +8546,14 @@
           <a:bodyPr/>
           <a:lstStyle/>
           <a:p>
-            <a:endParaRPr lang="en-US" dirty="0"/>
+            <a:pPr marL="171450" indent="-171450">
+              <a:buFontTx/>
+              <a:buChar char="-"/>
+            </a:pPr>
+            <a:r>
+              <a:rPr lang="en-US" dirty="0"/>
+              <a:t>enables item template generation</a:t>
+            </a:r>
           </a:p>
         </p:txBody>
       </p:sp>
@@ -8374,7 +8583,7 @@
     </p:spTree>
     <p:extLst>
       <p:ext uri="{BB962C8B-B14F-4D97-AF65-F5344CB8AC3E}">
-        <p14:creationId xmlns:p14="http://schemas.microsoft.com/office/powerpoint/2010/main" val="178583391"/>
+        <p14:creationId xmlns:p14="http://schemas.microsoft.com/office/powerpoint/2010/main" val="1652413329"/>
       </p:ext>
     </p:extLst>
   </p:cSld>
@@ -8428,36 +8637,6 @@
           <a:bodyPr/>
           <a:lstStyle/>
           <a:p>
-            <a:pPr marL="171450" indent="-171450">
-              <a:buFontTx/>
-              <a:buChar char="-"/>
-            </a:pPr>
-            <a:r>
-              <a:rPr lang="en-US" dirty="0"/>
-              <a:t>Also applies to TFS</a:t>
-            </a:r>
-          </a:p>
-          <a:p>
-            <a:pPr marL="171450" indent="-171450">
-              <a:buFontTx/>
-              <a:buChar char="-"/>
-            </a:pPr>
-            <a:r>
-              <a:rPr lang="en-US" dirty="0"/>
-              <a:t>If using IDE / editor, you wouldn’t know the CLI </a:t>
-            </a:r>
-            <a:r>
-              <a:rPr lang="en-US" dirty="0" err="1"/>
-              <a:t>params</a:t>
-            </a:r>
-            <a:r>
-              <a:rPr lang="en-US" dirty="0"/>
-              <a:t> </a:t>
-            </a:r>
-            <a:r>
-              <a:rPr lang="en-US"/>
-              <a:t>to pass</a:t>
-            </a:r>
             <a:endParaRPr lang="en-US" dirty="0"/>
           </a:p>
         </p:txBody>
@@ -8488,7 +8667,7 @@
     </p:spTree>
     <p:extLst>
       <p:ext uri="{BB962C8B-B14F-4D97-AF65-F5344CB8AC3E}">
-        <p14:creationId xmlns:p14="http://schemas.microsoft.com/office/powerpoint/2010/main" val="2199057065"/>
+        <p14:creationId xmlns:p14="http://schemas.microsoft.com/office/powerpoint/2010/main" val="822866661"/>
       </p:ext>
     </p:extLst>
   </p:cSld>
@@ -8629,7 +8808,7 @@
           <a:p>
             <a:fld id="{EEC3160E-2579-4584-9765-DC1BA0B358F9}" type="datetimeFigureOut">
               <a:rPr lang="en-US" smtClean="0"/>
-              <a:t>3/21/2018</a:t>
+              <a:t>3/22/2018</a:t>
             </a:fld>
             <a:endParaRPr lang="en-US"/>
           </a:p>
@@ -8799,7 +8978,7 @@
           <a:p>
             <a:fld id="{EEC3160E-2579-4584-9765-DC1BA0B358F9}" type="datetimeFigureOut">
               <a:rPr lang="en-US" smtClean="0"/>
-              <a:t>3/21/2018</a:t>
+              <a:t>3/22/2018</a:t>
             </a:fld>
             <a:endParaRPr lang="en-US"/>
           </a:p>
@@ -8979,7 +9158,7 @@
           <a:p>
             <a:fld id="{EEC3160E-2579-4584-9765-DC1BA0B358F9}" type="datetimeFigureOut">
               <a:rPr lang="en-US" smtClean="0"/>
-              <a:t>3/21/2018</a:t>
+              <a:t>3/22/2018</a:t>
             </a:fld>
             <a:endParaRPr lang="en-US"/>
           </a:p>
@@ -10894,7 +11073,7 @@
           <a:p>
             <a:fld id="{EEC3160E-2579-4584-9765-DC1BA0B358F9}" type="datetimeFigureOut">
               <a:rPr lang="en-US" smtClean="0"/>
-              <a:t>3/21/2018</a:t>
+              <a:t>3/22/2018</a:t>
             </a:fld>
             <a:endParaRPr lang="en-US"/>
           </a:p>
@@ -12376,7 +12555,7 @@
           <a:p>
             <a:fld id="{EEC3160E-2579-4584-9765-DC1BA0B358F9}" type="datetimeFigureOut">
               <a:rPr lang="en-US" smtClean="0"/>
-              <a:t>3/21/2018</a:t>
+              <a:t>3/22/2018</a:t>
             </a:fld>
             <a:endParaRPr lang="en-US"/>
           </a:p>
@@ -13516,7 +13695,7 @@
           <a:p>
             <a:fld id="{EEC3160E-2579-4584-9765-DC1BA0B358F9}" type="datetimeFigureOut">
               <a:rPr lang="en-US" smtClean="0"/>
-              <a:t>3/21/2018</a:t>
+              <a:t>3/22/2018</a:t>
             </a:fld>
             <a:endParaRPr lang="en-US"/>
           </a:p>
@@ -13883,7 +14062,7 @@
           <a:p>
             <a:fld id="{EEC3160E-2579-4584-9765-DC1BA0B358F9}" type="datetimeFigureOut">
               <a:rPr lang="en-US" smtClean="0"/>
-              <a:t>3/21/2018</a:t>
+              <a:t>3/22/2018</a:t>
             </a:fld>
             <a:endParaRPr lang="en-US"/>
           </a:p>
@@ -14001,7 +14180,7 @@
           <a:p>
             <a:fld id="{EEC3160E-2579-4584-9765-DC1BA0B358F9}" type="datetimeFigureOut">
               <a:rPr lang="en-US" smtClean="0"/>
-              <a:t>3/21/2018</a:t>
+              <a:t>3/22/2018</a:t>
             </a:fld>
             <a:endParaRPr lang="en-US"/>
           </a:p>
@@ -14096,7 +14275,7 @@
           <a:p>
             <a:fld id="{EEC3160E-2579-4584-9765-DC1BA0B358F9}" type="datetimeFigureOut">
               <a:rPr lang="en-US" smtClean="0"/>
-              <a:t>3/21/2018</a:t>
+              <a:t>3/22/2018</a:t>
             </a:fld>
             <a:endParaRPr lang="en-US"/>
           </a:p>
@@ -14373,7 +14552,7 @@
           <a:p>
             <a:fld id="{EEC3160E-2579-4584-9765-DC1BA0B358F9}" type="datetimeFigureOut">
               <a:rPr lang="en-US" smtClean="0"/>
-              <a:t>3/21/2018</a:t>
+              <a:t>3/22/2018</a:t>
             </a:fld>
             <a:endParaRPr lang="en-US"/>
           </a:p>
@@ -14630,7 +14809,7 @@
           <a:p>
             <a:fld id="{EEC3160E-2579-4584-9765-DC1BA0B358F9}" type="datetimeFigureOut">
               <a:rPr lang="en-US" smtClean="0"/>
-              <a:t>3/21/2018</a:t>
+              <a:t>3/22/2018</a:t>
             </a:fld>
             <a:endParaRPr lang="en-US"/>
           </a:p>
@@ -14843,7 +15022,7 @@
           <a:p>
             <a:fld id="{EEC3160E-2579-4584-9765-DC1BA0B358F9}" type="datetimeFigureOut">
               <a:rPr lang="en-US" smtClean="0"/>
-              <a:t>3/21/2018</a:t>
+              <a:t>3/22/2018</a:t>
             </a:fld>
             <a:endParaRPr lang="en-US"/>
           </a:p>
@@ -17728,31 +17907,65 @@
           <a:lstStyle/>
           <a:p>
             <a:r>
-              <a:rPr lang="en-US" dirty="0">
+              <a:rPr lang="en-US">
                 <a:solidFill>
                   <a:schemeClr val="bg1"/>
                 </a:solidFill>
               </a:rPr>
-              <a:t>VSTS DEMO</a:t>
+              <a:t>VS Code DEMO</a:t>
             </a:r>
+          </a:p>
+        </p:txBody>
+      </p:sp>
+      <p:sp>
+        <p:nvSpPr>
+          <p:cNvPr id="21" name="Content Placeholder 18">
+            <a:extLst>
+              <a:ext uri="{FF2B5EF4-FFF2-40B4-BE49-F238E27FC236}">
+                <a16:creationId xmlns:a16="http://schemas.microsoft.com/office/drawing/2014/main" id="{74E7A070-D35D-4F51-A17C-F0F85E45F25A}"/>
+              </a:ext>
+            </a:extLst>
+          </p:cNvPr>
+          <p:cNvSpPr>
+            <a:spLocks noGrp="1"/>
+          </p:cNvSpPr>
+          <p:nvPr>
+            <p:ph idx="1"/>
+          </p:nvPr>
+        </p:nvSpPr>
+        <p:spPr>
+          <a:xfrm>
+            <a:off x="838199" y="1825625"/>
+            <a:ext cx="4128169" cy="3399518"/>
+          </a:xfrm>
+        </p:spPr>
+        <p:txBody>
+          <a:bodyPr>
+            <a:normAutofit/>
+          </a:bodyPr>
+          <a:lstStyle/>
+          <a:p>
+            <a:endParaRPr lang="en-US" sz="2000">
+              <a:solidFill>
+                <a:schemeClr val="bg1"/>
+              </a:solidFill>
+            </a:endParaRPr>
           </a:p>
         </p:txBody>
       </p:sp>
       <p:pic>
         <p:nvPicPr>
-          <p:cNvPr id="3" name="Content Placeholder 2">
+          <p:cNvPr id="17" name="Content Placeholder 10">
             <a:extLst>
               <a:ext uri="{FF2B5EF4-FFF2-40B4-BE49-F238E27FC236}">
-                <a16:creationId xmlns:a16="http://schemas.microsoft.com/office/drawing/2014/main" id="{C2A63A71-EC7F-479B-9854-E0B25655E4C0}"/>
+                <a16:creationId xmlns:a16="http://schemas.microsoft.com/office/drawing/2014/main" id="{65A7D466-8CEF-4FDA-864F-09BC3FFAA26D}"/>
               </a:ext>
             </a:extLst>
           </p:cNvPr>
           <p:cNvPicPr>
-            <a:picLocks noGrp="1" noChangeAspect="1"/>
+            <a:picLocks noChangeAspect="1"/>
           </p:cNvPicPr>
-          <p:nvPr>
-            <p:ph idx="1"/>
-          </p:nvPr>
+          <p:nvPr/>
         </p:nvPicPr>
         <p:blipFill>
           <a:blip r:embed="rId3">
@@ -17768,15 +17981,18 @@
         </p:blipFill>
         <p:spPr>
           <a:xfrm>
-            <a:off x="838198" y="1690688"/>
-            <a:ext cx="3398838" cy="3398838"/>
+            <a:off x="1383499" y="2016769"/>
+            <a:ext cx="2835804" cy="2824461"/>
           </a:xfrm>
+          <a:prstGeom prst="rect">
+            <a:avLst/>
+          </a:prstGeom>
         </p:spPr>
       </p:pic>
     </p:spTree>
     <p:extLst>
       <p:ext uri="{BB962C8B-B14F-4D97-AF65-F5344CB8AC3E}">
-        <p14:creationId xmlns:p14="http://schemas.microsoft.com/office/powerpoint/2010/main" val="3899177888"/>
+        <p14:creationId xmlns:p14="http://schemas.microsoft.com/office/powerpoint/2010/main" val="682550062"/>
       </p:ext>
     </p:extLst>
   </p:cSld>
@@ -18921,6 +19137,844 @@
     <p:bg>
       <p:bgPr>
         <a:solidFill>
+          <a:schemeClr val="bg1"/>
+        </a:solidFill>
+        <a:effectLst/>
+      </p:bgPr>
+    </p:bg>
+    <p:spTree>
+      <p:nvGrpSpPr>
+        <p:cNvPr id="1" name=""/>
+        <p:cNvGrpSpPr/>
+        <p:nvPr/>
+      </p:nvGrpSpPr>
+      <p:grpSpPr>
+        <a:xfrm>
+          <a:off x="0" y="0"/>
+          <a:ext cx="0" cy="0"/>
+          <a:chOff x="0" y="0"/>
+          <a:chExt cx="0" cy="0"/>
+        </a:xfrm>
+      </p:grpSpPr>
+      <p:sp>
+        <p:nvSpPr>
+          <p:cNvPr id="8" name="Rectangle 7">
+            <a:extLst>
+              <a:ext uri="{FF2B5EF4-FFF2-40B4-BE49-F238E27FC236}">
+                <a16:creationId xmlns:a16="http://schemas.microsoft.com/office/drawing/2014/main" id="{8D70B121-56F4-4848-B38B-182089D909FA}"/>
+              </a:ext>
+            </a:extLst>
+          </p:cNvPr>
+          <p:cNvSpPr>
+            <a:spLocks noGrp="1" noRot="1" noChangeAspect="1" noMove="1" noResize="1" noEditPoints="1" noAdjustHandles="1" noChangeArrowheads="1" noChangeShapeType="1" noTextEdit="1"/>
+          </p:cNvSpPr>
+          <p:nvPr>
+            <p:extLst>
+              <p:ext uri="{386F3935-93C4-4BCD-93E2-E3B085C9AB24}">
+                <p16:designElem xmlns:p16="http://schemas.microsoft.com/office/powerpoint/2015/main" val="1"/>
+              </p:ext>
+            </p:extLst>
+          </p:nvPr>
+        </p:nvSpPr>
+        <p:spPr bwMode="ltGray">
+          <a:xfrm>
+            <a:off x="321564" y="320040"/>
+            <a:ext cx="11548872" cy="6217920"/>
+          </a:xfrm>
+          <a:prstGeom prst="rect">
+            <a:avLst/>
+          </a:prstGeom>
+          <a:solidFill>
+            <a:schemeClr val="tx1">
+              <a:alpha val="8000"/>
+            </a:schemeClr>
+          </a:solidFill>
+          <a:ln w="127000" cap="sq" cmpd="thinThick">
+            <a:noFill/>
+          </a:ln>
+        </p:spPr>
+        <p:style>
+          <a:lnRef idx="2">
+            <a:schemeClr val="accent1">
+              <a:shade val="50000"/>
+            </a:schemeClr>
+          </a:lnRef>
+          <a:fillRef idx="1">
+            <a:schemeClr val="accent1"/>
+          </a:fillRef>
+          <a:effectRef idx="0">
+            <a:schemeClr val="accent1"/>
+          </a:effectRef>
+          <a:fontRef idx="minor">
+            <a:schemeClr val="lt1"/>
+          </a:fontRef>
+        </p:style>
+        <p:txBody>
+          <a:bodyPr rtlCol="0" anchor="ctr"/>
+          <a:lstStyle/>
+          <a:p>
+            <a:pPr algn="ctr"/>
+            <a:endParaRPr lang="en-US"/>
+          </a:p>
+        </p:txBody>
+      </p:sp>
+      <p:cxnSp>
+        <p:nvCxnSpPr>
+          <p:cNvPr id="10" name="Straight Connector 9">
+            <a:extLst>
+              <a:ext uri="{FF2B5EF4-FFF2-40B4-BE49-F238E27FC236}">
+                <a16:creationId xmlns:a16="http://schemas.microsoft.com/office/drawing/2014/main" id="{2D72A2C9-F3CA-4216-8BAD-FA4C970C3C4E}"/>
+              </a:ext>
+            </a:extLst>
+          </p:cNvPr>
+          <p:cNvCxnSpPr>
+            <a:cxnSpLocks noGrp="1" noRot="1" noChangeAspect="1" noMove="1" noResize="1" noEditPoints="1" noAdjustHandles="1" noChangeArrowheads="1" noChangeShapeType="1"/>
+          </p:cNvCxnSpPr>
+          <p:nvPr>
+            <p:extLst>
+              <p:ext uri="{386F3935-93C4-4BCD-93E2-E3B085C9AB24}">
+                <p16:designElem xmlns:p16="http://schemas.microsoft.com/office/powerpoint/2015/main" val="1"/>
+              </p:ext>
+            </p:extLst>
+          </p:nvPr>
+        </p:nvCxnSpPr>
+        <p:spPr>
+          <a:xfrm>
+            <a:off x="4654296" y="2057400"/>
+            <a:ext cx="0" cy="2743200"/>
+          </a:xfrm>
+          <a:prstGeom prst="line">
+            <a:avLst/>
+          </a:prstGeom>
+          <a:ln w="19050">
+            <a:solidFill>
+              <a:schemeClr val="tx1">
+                <a:lumMod val="85000"/>
+                <a:lumOff val="15000"/>
+              </a:schemeClr>
+            </a:solidFill>
+          </a:ln>
+        </p:spPr>
+        <p:style>
+          <a:lnRef idx="1">
+            <a:schemeClr val="accent1"/>
+          </a:lnRef>
+          <a:fillRef idx="0">
+            <a:schemeClr val="accent1"/>
+          </a:fillRef>
+          <a:effectRef idx="0">
+            <a:schemeClr val="accent1"/>
+          </a:effectRef>
+          <a:fontRef idx="minor">
+            <a:schemeClr val="tx1"/>
+          </a:fontRef>
+        </p:style>
+      </p:cxnSp>
+      <p:sp>
+        <p:nvSpPr>
+          <p:cNvPr id="2" name="Title 1"/>
+          <p:cNvSpPr>
+            <a:spLocks noGrp="1"/>
+          </p:cNvSpPr>
+          <p:nvPr>
+            <p:ph type="title"/>
+          </p:nvPr>
+        </p:nvSpPr>
+        <p:spPr>
+          <a:xfrm>
+            <a:off x="838200" y="963877"/>
+            <a:ext cx="3494362" cy="4930246"/>
+          </a:xfrm>
+        </p:spPr>
+        <p:txBody>
+          <a:bodyPr>
+            <a:normAutofit/>
+          </a:bodyPr>
+          <a:lstStyle/>
+          <a:p>
+            <a:pPr algn="r"/>
+            <a:r>
+              <a:rPr lang="en-US">
+                <a:solidFill>
+                  <a:schemeClr val="accent1"/>
+                </a:solidFill>
+              </a:rPr>
+              <a:t>Integration with VSTS</a:t>
+            </a:r>
+          </a:p>
+        </p:txBody>
+      </p:sp>
+      <p:sp>
+        <p:nvSpPr>
+          <p:cNvPr id="3" name="Content Placeholder 2"/>
+          <p:cNvSpPr>
+            <a:spLocks noGrp="1"/>
+          </p:cNvSpPr>
+          <p:nvPr>
+            <p:ph idx="1"/>
+          </p:nvPr>
+        </p:nvSpPr>
+        <p:spPr>
+          <a:xfrm>
+            <a:off x="4976031" y="963877"/>
+            <a:ext cx="6377769" cy="4930246"/>
+          </a:xfrm>
+        </p:spPr>
+        <p:txBody>
+          <a:bodyPr anchor="ctr">
+            <a:normAutofit/>
+          </a:bodyPr>
+          <a:lstStyle/>
+          <a:p>
+            <a:r>
+              <a:rPr lang="en-US" sz="2400" dirty="0"/>
+              <a:t>CI / CD pipeline</a:t>
+            </a:r>
+          </a:p>
+          <a:p>
+            <a:pPr lvl="1"/>
+            <a:r>
+              <a:rPr lang="en-US" sz="2000" dirty="0"/>
+              <a:t>Build definitions</a:t>
+            </a:r>
+          </a:p>
+          <a:p>
+            <a:pPr lvl="1"/>
+            <a:r>
+              <a:rPr lang="en-US" sz="2000" dirty="0"/>
+              <a:t>Release definitions</a:t>
+            </a:r>
+          </a:p>
+          <a:p>
+            <a:r>
+              <a:rPr lang="en-US" sz="2400" dirty="0"/>
+              <a:t>CLI knowledge needed for advanced cases</a:t>
+            </a:r>
+          </a:p>
+        </p:txBody>
+      </p:sp>
+    </p:spTree>
+    <p:extLst>
+      <p:ext uri="{BB962C8B-B14F-4D97-AF65-F5344CB8AC3E}">
+        <p14:creationId xmlns:p14="http://schemas.microsoft.com/office/powerpoint/2010/main" val="1360020685"/>
+      </p:ext>
+    </p:extLst>
+  </p:cSld>
+  <p:clrMapOvr>
+    <a:masterClrMapping/>
+  </p:clrMapOvr>
+  <p:timing>
+    <p:tnLst>
+      <p:par>
+        <p:cTn id="1" dur="indefinite" restart="never" nodeType="tmRoot">
+          <p:childTnLst>
+            <p:seq concurrent="1" nextAc="seek">
+              <p:cTn id="2" dur="indefinite" nodeType="mainSeq">
+                <p:childTnLst>
+                  <p:par>
+                    <p:cTn id="3" fill="hold">
+                      <p:stCondLst>
+                        <p:cond delay="indefinite"/>
+                      </p:stCondLst>
+                      <p:childTnLst>
+                        <p:par>
+                          <p:cTn id="4" fill="hold">
+                            <p:stCondLst>
+                              <p:cond delay="0"/>
+                            </p:stCondLst>
+                            <p:childTnLst>
+                              <p:par>
+                                <p:cTn id="5" presetID="10" presetClass="entr" presetSubtype="0" fill="hold" nodeType="clickEffect">
+                                  <p:stCondLst>
+                                    <p:cond delay="0"/>
+                                  </p:stCondLst>
+                                  <p:childTnLst>
+                                    <p:set>
+                                      <p:cBhvr>
+                                        <p:cTn id="6" dur="1" fill="hold">
+                                          <p:stCondLst>
+                                            <p:cond delay="0"/>
+                                          </p:stCondLst>
+                                        </p:cTn>
+                                        <p:tgtEl>
+                                          <p:spTgt spid="3">
+                                            <p:txEl>
+                                              <p:pRg st="0" end="0"/>
+                                            </p:txEl>
+                                          </p:spTgt>
+                                        </p:tgtEl>
+                                        <p:attrNameLst>
+                                          <p:attrName>style.visibility</p:attrName>
+                                        </p:attrNameLst>
+                                      </p:cBhvr>
+                                      <p:to>
+                                        <p:strVal val="visible"/>
+                                      </p:to>
+                                    </p:set>
+                                    <p:animEffect transition="in" filter="fade">
+                                      <p:cBhvr>
+                                        <p:cTn id="7" dur="500"/>
+                                        <p:tgtEl>
+                                          <p:spTgt spid="3">
+                                            <p:txEl>
+                                              <p:pRg st="0" end="0"/>
+                                            </p:txEl>
+                                          </p:spTgt>
+                                        </p:tgtEl>
+                                      </p:cBhvr>
+                                    </p:animEffect>
+                                  </p:childTnLst>
+                                </p:cTn>
+                              </p:par>
+                            </p:childTnLst>
+                          </p:cTn>
+                        </p:par>
+                      </p:childTnLst>
+                    </p:cTn>
+                  </p:par>
+                  <p:par>
+                    <p:cTn id="8" fill="hold">
+                      <p:stCondLst>
+                        <p:cond delay="indefinite"/>
+                      </p:stCondLst>
+                      <p:childTnLst>
+                        <p:par>
+                          <p:cTn id="9" fill="hold">
+                            <p:stCondLst>
+                              <p:cond delay="0"/>
+                            </p:stCondLst>
+                            <p:childTnLst>
+                              <p:par>
+                                <p:cTn id="10" presetID="10" presetClass="entr" presetSubtype="0" fill="hold" nodeType="clickEffect">
+                                  <p:stCondLst>
+                                    <p:cond delay="0"/>
+                                  </p:stCondLst>
+                                  <p:childTnLst>
+                                    <p:set>
+                                      <p:cBhvr>
+                                        <p:cTn id="11" dur="1" fill="hold">
+                                          <p:stCondLst>
+                                            <p:cond delay="0"/>
+                                          </p:stCondLst>
+                                        </p:cTn>
+                                        <p:tgtEl>
+                                          <p:spTgt spid="3">
+                                            <p:txEl>
+                                              <p:pRg st="1" end="1"/>
+                                            </p:txEl>
+                                          </p:spTgt>
+                                        </p:tgtEl>
+                                        <p:attrNameLst>
+                                          <p:attrName>style.visibility</p:attrName>
+                                        </p:attrNameLst>
+                                      </p:cBhvr>
+                                      <p:to>
+                                        <p:strVal val="visible"/>
+                                      </p:to>
+                                    </p:set>
+                                    <p:animEffect transition="in" filter="fade">
+                                      <p:cBhvr>
+                                        <p:cTn id="12" dur="500"/>
+                                        <p:tgtEl>
+                                          <p:spTgt spid="3">
+                                            <p:txEl>
+                                              <p:pRg st="1" end="1"/>
+                                            </p:txEl>
+                                          </p:spTgt>
+                                        </p:tgtEl>
+                                      </p:cBhvr>
+                                    </p:animEffect>
+                                  </p:childTnLst>
+                                </p:cTn>
+                              </p:par>
+                            </p:childTnLst>
+                          </p:cTn>
+                        </p:par>
+                      </p:childTnLst>
+                    </p:cTn>
+                  </p:par>
+                  <p:par>
+                    <p:cTn id="13" fill="hold">
+                      <p:stCondLst>
+                        <p:cond delay="indefinite"/>
+                      </p:stCondLst>
+                      <p:childTnLst>
+                        <p:par>
+                          <p:cTn id="14" fill="hold">
+                            <p:stCondLst>
+                              <p:cond delay="0"/>
+                            </p:stCondLst>
+                            <p:childTnLst>
+                              <p:par>
+                                <p:cTn id="15" presetID="10" presetClass="entr" presetSubtype="0" fill="hold" nodeType="clickEffect">
+                                  <p:stCondLst>
+                                    <p:cond delay="0"/>
+                                  </p:stCondLst>
+                                  <p:childTnLst>
+                                    <p:set>
+                                      <p:cBhvr>
+                                        <p:cTn id="16" dur="1" fill="hold">
+                                          <p:stCondLst>
+                                            <p:cond delay="0"/>
+                                          </p:stCondLst>
+                                        </p:cTn>
+                                        <p:tgtEl>
+                                          <p:spTgt spid="3">
+                                            <p:txEl>
+                                              <p:pRg st="2" end="2"/>
+                                            </p:txEl>
+                                          </p:spTgt>
+                                        </p:tgtEl>
+                                        <p:attrNameLst>
+                                          <p:attrName>style.visibility</p:attrName>
+                                        </p:attrNameLst>
+                                      </p:cBhvr>
+                                      <p:to>
+                                        <p:strVal val="visible"/>
+                                      </p:to>
+                                    </p:set>
+                                    <p:animEffect transition="in" filter="fade">
+                                      <p:cBhvr>
+                                        <p:cTn id="17" dur="500"/>
+                                        <p:tgtEl>
+                                          <p:spTgt spid="3">
+                                            <p:txEl>
+                                              <p:pRg st="2" end="2"/>
+                                            </p:txEl>
+                                          </p:spTgt>
+                                        </p:tgtEl>
+                                      </p:cBhvr>
+                                    </p:animEffect>
+                                  </p:childTnLst>
+                                </p:cTn>
+                              </p:par>
+                            </p:childTnLst>
+                          </p:cTn>
+                        </p:par>
+                      </p:childTnLst>
+                    </p:cTn>
+                  </p:par>
+                  <p:par>
+                    <p:cTn id="18" fill="hold">
+                      <p:stCondLst>
+                        <p:cond delay="indefinite"/>
+                      </p:stCondLst>
+                      <p:childTnLst>
+                        <p:par>
+                          <p:cTn id="19" fill="hold">
+                            <p:stCondLst>
+                              <p:cond delay="0"/>
+                            </p:stCondLst>
+                            <p:childTnLst>
+                              <p:par>
+                                <p:cTn id="20" presetID="10" presetClass="entr" presetSubtype="0" fill="hold" nodeType="clickEffect">
+                                  <p:stCondLst>
+                                    <p:cond delay="0"/>
+                                  </p:stCondLst>
+                                  <p:childTnLst>
+                                    <p:set>
+                                      <p:cBhvr>
+                                        <p:cTn id="21" dur="1" fill="hold">
+                                          <p:stCondLst>
+                                            <p:cond delay="0"/>
+                                          </p:stCondLst>
+                                        </p:cTn>
+                                        <p:tgtEl>
+                                          <p:spTgt spid="3">
+                                            <p:txEl>
+                                              <p:pRg st="3" end="3"/>
+                                            </p:txEl>
+                                          </p:spTgt>
+                                        </p:tgtEl>
+                                        <p:attrNameLst>
+                                          <p:attrName>style.visibility</p:attrName>
+                                        </p:attrNameLst>
+                                      </p:cBhvr>
+                                      <p:to>
+                                        <p:strVal val="visible"/>
+                                      </p:to>
+                                    </p:set>
+                                    <p:animEffect transition="in" filter="fade">
+                                      <p:cBhvr>
+                                        <p:cTn id="22" dur="500"/>
+                                        <p:tgtEl>
+                                          <p:spTgt spid="3">
+                                            <p:txEl>
+                                              <p:pRg st="3" end="3"/>
+                                            </p:txEl>
+                                          </p:spTgt>
+                                        </p:tgtEl>
+                                      </p:cBhvr>
+                                    </p:animEffect>
+                                  </p:childTnLst>
+                                </p:cTn>
+                              </p:par>
+                            </p:childTnLst>
+                          </p:cTn>
+                        </p:par>
+                      </p:childTnLst>
+                    </p:cTn>
+                  </p:par>
+                </p:childTnLst>
+              </p:cTn>
+              <p:prevCondLst>
+                <p:cond evt="onPrev" delay="0">
+                  <p:tgtEl>
+                    <p:sldTgt/>
+                  </p:tgtEl>
+                </p:cond>
+              </p:prevCondLst>
+              <p:nextCondLst>
+                <p:cond evt="onNext" delay="0">
+                  <p:tgtEl>
+                    <p:sldTgt/>
+                  </p:tgtEl>
+                </p:cond>
+              </p:nextCondLst>
+            </p:seq>
+          </p:childTnLst>
+        </p:cTn>
+      </p:par>
+    </p:tnLst>
+  </p:timing>
+</p:sld>
+</file>
+
+<file path=ppt/slides/slide14.xml><?xml version="1.0" encoding="utf-8"?>
+<p:sld xmlns:a="http://schemas.openxmlformats.org/drawingml/2006/main" xmlns:r="http://schemas.openxmlformats.org/officeDocument/2006/relationships" xmlns:p="http://schemas.openxmlformats.org/presentationml/2006/main">
+  <p:cSld>
+    <p:bg>
+      <p:bgPr>
+        <a:solidFill>
+          <a:schemeClr val="bg1"/>
+        </a:solidFill>
+        <a:effectLst/>
+      </p:bgPr>
+    </p:bg>
+    <p:spTree>
+      <p:nvGrpSpPr>
+        <p:cNvPr id="1" name=""/>
+        <p:cNvGrpSpPr/>
+        <p:nvPr/>
+      </p:nvGrpSpPr>
+      <p:grpSpPr>
+        <a:xfrm>
+          <a:off x="0" y="0"/>
+          <a:ext cx="0" cy="0"/>
+          <a:chOff x="0" y="0"/>
+          <a:chExt cx="0" cy="0"/>
+        </a:xfrm>
+      </p:grpSpPr>
+      <p:sp>
+        <p:nvSpPr>
+          <p:cNvPr id="22" name="Freeform: Shape 21">
+            <a:extLst>
+              <a:ext uri="{FF2B5EF4-FFF2-40B4-BE49-F238E27FC236}">
+                <a16:creationId xmlns:a16="http://schemas.microsoft.com/office/drawing/2014/main" id="{64965EAE-E41A-435F-B993-07E824B6C977}"/>
+              </a:ext>
+            </a:extLst>
+          </p:cNvPr>
+          <p:cNvSpPr>
+            <a:spLocks noGrp="1" noRot="1" noChangeAspect="1" noMove="1" noResize="1" noEditPoints="1" noAdjustHandles="1" noChangeArrowheads="1" noChangeShapeType="1" noTextEdit="1"/>
+          </p:cNvSpPr>
+          <p:nvPr>
+            <p:extLst>
+              <p:ext uri="{386F3935-93C4-4BCD-93E2-E3B085C9AB24}">
+                <p16:designElem xmlns:p16="http://schemas.microsoft.com/office/powerpoint/2015/main" val="1"/>
+              </p:ext>
+            </p:extLst>
+          </p:nvPr>
+        </p:nvSpPr>
+        <p:spPr>
+          <a:xfrm flipV="1">
+            <a:off x="1" y="0"/>
+            <a:ext cx="7539895" cy="6858000"/>
+          </a:xfrm>
+          <a:custGeom>
+            <a:avLst/>
+            <a:gdLst>
+              <a:gd name="connsiteX0" fmla="*/ 7539895 w 7539895"/>
+              <a:gd name="connsiteY0" fmla="*/ 6858000 h 6858000"/>
+              <a:gd name="connsiteX1" fmla="*/ 0 w 7539895"/>
+              <a:gd name="connsiteY1" fmla="*/ 6858000 h 6858000"/>
+              <a:gd name="connsiteX2" fmla="*/ 0 w 7539895"/>
+              <a:gd name="connsiteY2" fmla="*/ 0 h 6858000"/>
+              <a:gd name="connsiteX3" fmla="*/ 4363741 w 7539895"/>
+              <a:gd name="connsiteY3" fmla="*/ 0 h 6858000"/>
+            </a:gdLst>
+            <a:ahLst/>
+            <a:cxnLst>
+              <a:cxn ang="0">
+                <a:pos x="connsiteX0" y="connsiteY0"/>
+              </a:cxn>
+              <a:cxn ang="0">
+                <a:pos x="connsiteX1" y="connsiteY1"/>
+              </a:cxn>
+              <a:cxn ang="0">
+                <a:pos x="connsiteX2" y="connsiteY2"/>
+              </a:cxn>
+              <a:cxn ang="0">
+                <a:pos x="connsiteX3" y="connsiteY3"/>
+              </a:cxn>
+            </a:cxnLst>
+            <a:rect l="l" t="t" r="r" b="b"/>
+            <a:pathLst>
+              <a:path w="7539895" h="6858000">
+                <a:moveTo>
+                  <a:pt x="7539895" y="6858000"/>
+                </a:moveTo>
+                <a:lnTo>
+                  <a:pt x="0" y="6858000"/>
+                </a:lnTo>
+                <a:lnTo>
+                  <a:pt x="0" y="0"/>
+                </a:lnTo>
+                <a:lnTo>
+                  <a:pt x="4363741" y="0"/>
+                </a:lnTo>
+                <a:close/>
+              </a:path>
+            </a:pathLst>
+          </a:custGeom>
+          <a:solidFill>
+            <a:schemeClr val="tx1">
+              <a:lumMod val="85000"/>
+              <a:lumOff val="15000"/>
+              <a:alpha val="70000"/>
+            </a:schemeClr>
+          </a:solidFill>
+          <a:ln>
+            <a:noFill/>
+          </a:ln>
+        </p:spPr>
+        <p:style>
+          <a:lnRef idx="2">
+            <a:schemeClr val="accent1">
+              <a:shade val="50000"/>
+            </a:schemeClr>
+          </a:lnRef>
+          <a:fillRef idx="1">
+            <a:schemeClr val="accent1"/>
+          </a:fillRef>
+          <a:effectRef idx="0">
+            <a:schemeClr val="accent1"/>
+          </a:effectRef>
+          <a:fontRef idx="minor">
+            <a:schemeClr val="lt1"/>
+          </a:fontRef>
+        </p:style>
+        <p:txBody>
+          <a:bodyPr wrap="square" rtlCol="0" anchor="ctr">
+            <a:noAutofit/>
+          </a:bodyPr>
+          <a:lstStyle/>
+          <a:p>
+            <a:pPr algn="ctr"/>
+            <a:endParaRPr lang="en-US"/>
+          </a:p>
+        </p:txBody>
+      </p:sp>
+      <p:sp>
+        <p:nvSpPr>
+          <p:cNvPr id="24" name="Freeform: Shape 23">
+            <a:extLst>
+              <a:ext uri="{FF2B5EF4-FFF2-40B4-BE49-F238E27FC236}">
+                <a16:creationId xmlns:a16="http://schemas.microsoft.com/office/drawing/2014/main" id="{152F8994-E6D4-4311-9548-C3607BC43645}"/>
+              </a:ext>
+            </a:extLst>
+          </p:cNvPr>
+          <p:cNvSpPr>
+            <a:spLocks noGrp="1" noRot="1" noChangeAspect="1" noMove="1" noResize="1" noEditPoints="1" noAdjustHandles="1" noChangeArrowheads="1" noChangeShapeType="1" noTextEdit="1"/>
+          </p:cNvSpPr>
+          <p:nvPr>
+            <p:extLst>
+              <p:ext uri="{386F3935-93C4-4BCD-93E2-E3B085C9AB24}">
+                <p16:designElem xmlns:p16="http://schemas.microsoft.com/office/powerpoint/2015/main" val="1"/>
+              </p:ext>
+            </p:extLst>
+          </p:nvPr>
+        </p:nvSpPr>
+        <p:spPr>
+          <a:xfrm flipV="1">
+            <a:off x="0" y="0"/>
+            <a:ext cx="7092985" cy="6858000"/>
+          </a:xfrm>
+          <a:custGeom>
+            <a:avLst/>
+            <a:gdLst>
+              <a:gd name="connsiteX0" fmla="*/ 7092985 w 7092985"/>
+              <a:gd name="connsiteY0" fmla="*/ 6858000 h 6858000"/>
+              <a:gd name="connsiteX1" fmla="*/ 0 w 7092985"/>
+              <a:gd name="connsiteY1" fmla="*/ 6858000 h 6858000"/>
+              <a:gd name="connsiteX2" fmla="*/ 0 w 7092985"/>
+              <a:gd name="connsiteY2" fmla="*/ 0 h 6858000"/>
+              <a:gd name="connsiteX3" fmla="*/ 3916831 w 7092985"/>
+              <a:gd name="connsiteY3" fmla="*/ 0 h 6858000"/>
+            </a:gdLst>
+            <a:ahLst/>
+            <a:cxnLst>
+              <a:cxn ang="0">
+                <a:pos x="connsiteX0" y="connsiteY0"/>
+              </a:cxn>
+              <a:cxn ang="0">
+                <a:pos x="connsiteX1" y="connsiteY1"/>
+              </a:cxn>
+              <a:cxn ang="0">
+                <a:pos x="connsiteX2" y="connsiteY2"/>
+              </a:cxn>
+              <a:cxn ang="0">
+                <a:pos x="connsiteX3" y="connsiteY3"/>
+              </a:cxn>
+            </a:cxnLst>
+            <a:rect l="l" t="t" r="r" b="b"/>
+            <a:pathLst>
+              <a:path w="7092985" h="6858000">
+                <a:moveTo>
+                  <a:pt x="7092985" y="6858000"/>
+                </a:moveTo>
+                <a:lnTo>
+                  <a:pt x="0" y="6858000"/>
+                </a:lnTo>
+                <a:lnTo>
+                  <a:pt x="0" y="0"/>
+                </a:lnTo>
+                <a:lnTo>
+                  <a:pt x="3916831" y="0"/>
+                </a:lnTo>
+                <a:close/>
+              </a:path>
+            </a:pathLst>
+          </a:custGeom>
+          <a:solidFill>
+            <a:schemeClr val="tx1">
+              <a:lumMod val="85000"/>
+              <a:lumOff val="15000"/>
+            </a:schemeClr>
+          </a:solidFill>
+          <a:ln>
+            <a:noFill/>
+          </a:ln>
+        </p:spPr>
+        <p:style>
+          <a:lnRef idx="2">
+            <a:schemeClr val="accent1">
+              <a:shade val="50000"/>
+            </a:schemeClr>
+          </a:lnRef>
+          <a:fillRef idx="1">
+            <a:schemeClr val="accent1"/>
+          </a:fillRef>
+          <a:effectRef idx="0">
+            <a:schemeClr val="accent1"/>
+          </a:effectRef>
+          <a:fontRef idx="minor">
+            <a:schemeClr val="lt1"/>
+          </a:fontRef>
+        </p:style>
+        <p:txBody>
+          <a:bodyPr wrap="square" rtlCol="0" anchor="ctr">
+            <a:noAutofit/>
+          </a:bodyPr>
+          <a:lstStyle/>
+          <a:p>
+            <a:pPr algn="ctr"/>
+            <a:endParaRPr lang="en-US"/>
+          </a:p>
+        </p:txBody>
+      </p:sp>
+      <p:sp>
+        <p:nvSpPr>
+          <p:cNvPr id="8" name="Title 7">
+            <a:extLst>
+              <a:ext uri="{FF2B5EF4-FFF2-40B4-BE49-F238E27FC236}">
+                <a16:creationId xmlns:a16="http://schemas.microsoft.com/office/drawing/2014/main" id="{9AAF6E53-C7E3-404C-8C15-A04C67BE1A24}"/>
+              </a:ext>
+            </a:extLst>
+          </p:cNvPr>
+          <p:cNvSpPr>
+            <a:spLocks noGrp="1"/>
+          </p:cNvSpPr>
+          <p:nvPr>
+            <p:ph type="title"/>
+          </p:nvPr>
+        </p:nvSpPr>
+        <p:spPr>
+          <a:xfrm>
+            <a:off x="838199" y="365125"/>
+            <a:ext cx="5529943" cy="1325563"/>
+          </a:xfrm>
+        </p:spPr>
+        <p:txBody>
+          <a:bodyPr>
+            <a:normAutofit/>
+          </a:bodyPr>
+          <a:lstStyle/>
+          <a:p>
+            <a:r>
+              <a:rPr lang="en-US" dirty="0">
+                <a:solidFill>
+                  <a:schemeClr val="bg1"/>
+                </a:solidFill>
+              </a:rPr>
+              <a:t>VSTS DEMO</a:t>
+            </a:r>
+          </a:p>
+        </p:txBody>
+      </p:sp>
+      <p:pic>
+        <p:nvPicPr>
+          <p:cNvPr id="3" name="Content Placeholder 2">
+            <a:extLst>
+              <a:ext uri="{FF2B5EF4-FFF2-40B4-BE49-F238E27FC236}">
+                <a16:creationId xmlns:a16="http://schemas.microsoft.com/office/drawing/2014/main" id="{C2A63A71-EC7F-479B-9854-E0B25655E4C0}"/>
+              </a:ext>
+            </a:extLst>
+          </p:cNvPr>
+          <p:cNvPicPr>
+            <a:picLocks noGrp="1" noChangeAspect="1"/>
+          </p:cNvPicPr>
+          <p:nvPr>
+            <p:ph idx="1"/>
+          </p:nvPr>
+        </p:nvPicPr>
+        <p:blipFill>
+          <a:blip r:embed="rId3">
+            <a:extLst>
+              <a:ext uri="{28A0092B-C50C-407E-A947-70E740481C1C}">
+                <a14:useLocalDpi xmlns:a14="http://schemas.microsoft.com/office/drawing/2010/main" val="0"/>
+              </a:ext>
+            </a:extLst>
+          </a:blip>
+          <a:stretch>
+            <a:fillRect/>
+          </a:stretch>
+        </p:blipFill>
+        <p:spPr>
+          <a:xfrm>
+            <a:off x="838198" y="1690688"/>
+            <a:ext cx="3398838" cy="3398838"/>
+          </a:xfrm>
+        </p:spPr>
+      </p:pic>
+    </p:spTree>
+    <p:extLst>
+      <p:ext uri="{BB962C8B-B14F-4D97-AF65-F5344CB8AC3E}">
+        <p14:creationId xmlns:p14="http://schemas.microsoft.com/office/powerpoint/2010/main" val="3899177888"/>
+      </p:ext>
+    </p:extLst>
+  </p:cSld>
+  <p:clrMapOvr>
+    <a:masterClrMapping/>
+  </p:clrMapOvr>
+</p:sld>
+</file>
+
+<file path=ppt/slides/slide15.xml><?xml version="1.0" encoding="utf-8"?>
+<p:sld xmlns:a="http://schemas.openxmlformats.org/drawingml/2006/main" xmlns:r="http://schemas.openxmlformats.org/officeDocument/2006/relationships" xmlns:p="http://schemas.openxmlformats.org/presentationml/2006/main">
+  <p:cSld>
+    <p:bg>
+      <p:bgPr>
+        <a:solidFill>
           <a:schemeClr val="bg1">
             <a:tint val="95000"/>
             <a:satMod val="170000"/>
@@ -19809,7 +20863,7 @@
 </p:sld>
 </file>
 
-<file path=ppt/slides/slide14.xml><?xml version="1.0" encoding="utf-8"?>
+<file path=ppt/slides/slide16.xml><?xml version="1.0" encoding="utf-8"?>
 <p:sld xmlns:a="http://schemas.openxmlformats.org/drawingml/2006/main" xmlns:r="http://schemas.openxmlformats.org/officeDocument/2006/relationships" xmlns:p="http://schemas.openxmlformats.org/presentationml/2006/main">
   <p:cSld>
     <p:spTree>
@@ -23489,14 +24543,6 @@
 <file path=ppt/slides/slide8.xml><?xml version="1.0" encoding="utf-8"?>
 <p:sld xmlns:a="http://schemas.openxmlformats.org/drawingml/2006/main" xmlns:r="http://schemas.openxmlformats.org/officeDocument/2006/relationships" xmlns:p="http://schemas.openxmlformats.org/presentationml/2006/main">
   <p:cSld>
-    <p:bg>
-      <p:bgPr>
-        <a:solidFill>
-          <a:schemeClr val="bg1"/>
-        </a:solidFill>
-        <a:effectLst/>
-      </p:bgPr>
-    </p:bg>
     <p:spTree>
       <p:nvGrpSpPr>
         <p:cNvPr id="1" name=""/>
@@ -23513,227 +24559,10 @@
       </p:grpSpPr>
       <p:sp>
         <p:nvSpPr>
-          <p:cNvPr id="22" name="Freeform: Shape 21">
+          <p:cNvPr id="2" name="Title 1">
             <a:extLst>
               <a:ext uri="{FF2B5EF4-FFF2-40B4-BE49-F238E27FC236}">
-                <a16:creationId xmlns:a16="http://schemas.microsoft.com/office/drawing/2014/main" id="{64965EAE-E41A-435F-B993-07E824B6C977}"/>
-              </a:ext>
-            </a:extLst>
-          </p:cNvPr>
-          <p:cNvSpPr>
-            <a:spLocks noGrp="1" noRot="1" noChangeAspect="1" noMove="1" noResize="1" noEditPoints="1" noAdjustHandles="1" noChangeArrowheads="1" noChangeShapeType="1" noTextEdit="1"/>
-          </p:cNvSpPr>
-          <p:nvPr>
-            <p:extLst>
-              <p:ext uri="{386F3935-93C4-4BCD-93E2-E3B085C9AB24}">
-                <p16:designElem xmlns:p16="http://schemas.microsoft.com/office/powerpoint/2015/main" val="1"/>
-              </p:ext>
-            </p:extLst>
-          </p:nvPr>
-        </p:nvSpPr>
-        <p:spPr>
-          <a:xfrm flipV="1">
-            <a:off x="1" y="0"/>
-            <a:ext cx="7539895" cy="6858000"/>
-          </a:xfrm>
-          <a:custGeom>
-            <a:avLst/>
-            <a:gdLst>
-              <a:gd name="connsiteX0" fmla="*/ 7539895 w 7539895"/>
-              <a:gd name="connsiteY0" fmla="*/ 6858000 h 6858000"/>
-              <a:gd name="connsiteX1" fmla="*/ 0 w 7539895"/>
-              <a:gd name="connsiteY1" fmla="*/ 6858000 h 6858000"/>
-              <a:gd name="connsiteX2" fmla="*/ 0 w 7539895"/>
-              <a:gd name="connsiteY2" fmla="*/ 0 h 6858000"/>
-              <a:gd name="connsiteX3" fmla="*/ 4363741 w 7539895"/>
-              <a:gd name="connsiteY3" fmla="*/ 0 h 6858000"/>
-            </a:gdLst>
-            <a:ahLst/>
-            <a:cxnLst>
-              <a:cxn ang="0">
-                <a:pos x="connsiteX0" y="connsiteY0"/>
-              </a:cxn>
-              <a:cxn ang="0">
-                <a:pos x="connsiteX1" y="connsiteY1"/>
-              </a:cxn>
-              <a:cxn ang="0">
-                <a:pos x="connsiteX2" y="connsiteY2"/>
-              </a:cxn>
-              <a:cxn ang="0">
-                <a:pos x="connsiteX3" y="connsiteY3"/>
-              </a:cxn>
-            </a:cxnLst>
-            <a:rect l="l" t="t" r="r" b="b"/>
-            <a:pathLst>
-              <a:path w="7539895" h="6858000">
-                <a:moveTo>
-                  <a:pt x="7539895" y="6858000"/>
-                </a:moveTo>
-                <a:lnTo>
-                  <a:pt x="0" y="6858000"/>
-                </a:lnTo>
-                <a:lnTo>
-                  <a:pt x="0" y="0"/>
-                </a:lnTo>
-                <a:lnTo>
-                  <a:pt x="4363741" y="0"/>
-                </a:lnTo>
-                <a:close/>
-              </a:path>
-            </a:pathLst>
-          </a:custGeom>
-          <a:solidFill>
-            <a:schemeClr val="tx1">
-              <a:lumMod val="85000"/>
-              <a:lumOff val="15000"/>
-              <a:alpha val="70000"/>
-            </a:schemeClr>
-          </a:solidFill>
-          <a:ln>
-            <a:noFill/>
-          </a:ln>
-        </p:spPr>
-        <p:style>
-          <a:lnRef idx="2">
-            <a:schemeClr val="accent1">
-              <a:shade val="50000"/>
-            </a:schemeClr>
-          </a:lnRef>
-          <a:fillRef idx="1">
-            <a:schemeClr val="accent1"/>
-          </a:fillRef>
-          <a:effectRef idx="0">
-            <a:schemeClr val="accent1"/>
-          </a:effectRef>
-          <a:fontRef idx="minor">
-            <a:schemeClr val="lt1"/>
-          </a:fontRef>
-        </p:style>
-        <p:txBody>
-          <a:bodyPr wrap="square" rtlCol="0" anchor="ctr">
-            <a:noAutofit/>
-          </a:bodyPr>
-          <a:lstStyle/>
-          <a:p>
-            <a:pPr algn="ctr"/>
-            <a:endParaRPr lang="en-US"/>
-          </a:p>
-        </p:txBody>
-      </p:sp>
-      <p:sp>
-        <p:nvSpPr>
-          <p:cNvPr id="24" name="Freeform: Shape 23">
-            <a:extLst>
-              <a:ext uri="{FF2B5EF4-FFF2-40B4-BE49-F238E27FC236}">
-                <a16:creationId xmlns:a16="http://schemas.microsoft.com/office/drawing/2014/main" id="{152F8994-E6D4-4311-9548-C3607BC43645}"/>
-              </a:ext>
-            </a:extLst>
-          </p:cNvPr>
-          <p:cNvSpPr>
-            <a:spLocks noGrp="1" noRot="1" noChangeAspect="1" noMove="1" noResize="1" noEditPoints="1" noAdjustHandles="1" noChangeArrowheads="1" noChangeShapeType="1" noTextEdit="1"/>
-          </p:cNvSpPr>
-          <p:nvPr>
-            <p:extLst>
-              <p:ext uri="{386F3935-93C4-4BCD-93E2-E3B085C9AB24}">
-                <p16:designElem xmlns:p16="http://schemas.microsoft.com/office/powerpoint/2015/main" val="1"/>
-              </p:ext>
-            </p:extLst>
-          </p:nvPr>
-        </p:nvSpPr>
-        <p:spPr>
-          <a:xfrm flipV="1">
-            <a:off x="0" y="0"/>
-            <a:ext cx="7092985" cy="6858000"/>
-          </a:xfrm>
-          <a:custGeom>
-            <a:avLst/>
-            <a:gdLst>
-              <a:gd name="connsiteX0" fmla="*/ 7092985 w 7092985"/>
-              <a:gd name="connsiteY0" fmla="*/ 6858000 h 6858000"/>
-              <a:gd name="connsiteX1" fmla="*/ 0 w 7092985"/>
-              <a:gd name="connsiteY1" fmla="*/ 6858000 h 6858000"/>
-              <a:gd name="connsiteX2" fmla="*/ 0 w 7092985"/>
-              <a:gd name="connsiteY2" fmla="*/ 0 h 6858000"/>
-              <a:gd name="connsiteX3" fmla="*/ 3916831 w 7092985"/>
-              <a:gd name="connsiteY3" fmla="*/ 0 h 6858000"/>
-            </a:gdLst>
-            <a:ahLst/>
-            <a:cxnLst>
-              <a:cxn ang="0">
-                <a:pos x="connsiteX0" y="connsiteY0"/>
-              </a:cxn>
-              <a:cxn ang="0">
-                <a:pos x="connsiteX1" y="connsiteY1"/>
-              </a:cxn>
-              <a:cxn ang="0">
-                <a:pos x="connsiteX2" y="connsiteY2"/>
-              </a:cxn>
-              <a:cxn ang="0">
-                <a:pos x="connsiteX3" y="connsiteY3"/>
-              </a:cxn>
-            </a:cxnLst>
-            <a:rect l="l" t="t" r="r" b="b"/>
-            <a:pathLst>
-              <a:path w="7092985" h="6858000">
-                <a:moveTo>
-                  <a:pt x="7092985" y="6858000"/>
-                </a:moveTo>
-                <a:lnTo>
-                  <a:pt x="0" y="6858000"/>
-                </a:lnTo>
-                <a:lnTo>
-                  <a:pt x="0" y="0"/>
-                </a:lnTo>
-                <a:lnTo>
-                  <a:pt x="3916831" y="0"/>
-                </a:lnTo>
-                <a:close/>
-              </a:path>
-            </a:pathLst>
-          </a:custGeom>
-          <a:solidFill>
-            <a:schemeClr val="tx1">
-              <a:lumMod val="85000"/>
-              <a:lumOff val="15000"/>
-            </a:schemeClr>
-          </a:solidFill>
-          <a:ln>
-            <a:noFill/>
-          </a:ln>
-        </p:spPr>
-        <p:style>
-          <a:lnRef idx="2">
-            <a:schemeClr val="accent1">
-              <a:shade val="50000"/>
-            </a:schemeClr>
-          </a:lnRef>
-          <a:fillRef idx="1">
-            <a:schemeClr val="accent1"/>
-          </a:fillRef>
-          <a:effectRef idx="0">
-            <a:schemeClr val="accent1"/>
-          </a:effectRef>
-          <a:fontRef idx="minor">
-            <a:schemeClr val="lt1"/>
-          </a:fontRef>
-        </p:style>
-        <p:txBody>
-          <a:bodyPr wrap="square" rtlCol="0" anchor="ctr">
-            <a:noAutofit/>
-          </a:bodyPr>
-          <a:lstStyle/>
-          <a:p>
-            <a:pPr algn="ctr"/>
-            <a:endParaRPr lang="en-US"/>
-          </a:p>
-        </p:txBody>
-      </p:sp>
-      <p:sp>
-        <p:nvSpPr>
-          <p:cNvPr id="8" name="Title 7">
-            <a:extLst>
-              <a:ext uri="{FF2B5EF4-FFF2-40B4-BE49-F238E27FC236}">
-                <a16:creationId xmlns:a16="http://schemas.microsoft.com/office/drawing/2014/main" id="{9AAF6E53-C7E3-404C-8C15-A04C67BE1A24}"/>
+                <a16:creationId xmlns:a16="http://schemas.microsoft.com/office/drawing/2014/main" id="{3480FB3C-4B87-4419-A9E4-BA511FB9DFDB}"/>
               </a:ext>
             </a:extLst>
           </p:cNvPr>
@@ -23744,35 +24573,24 @@
             <p:ph type="title"/>
           </p:nvPr>
         </p:nvSpPr>
-        <p:spPr>
-          <a:xfrm>
-            <a:off x="838199" y="365125"/>
-            <a:ext cx="5529943" cy="1325563"/>
-          </a:xfrm>
-        </p:spPr>
+        <p:spPr/>
         <p:txBody>
-          <a:bodyPr>
-            <a:normAutofit/>
-          </a:bodyPr>
+          <a:bodyPr/>
           <a:lstStyle/>
           <a:p>
             <a:r>
-              <a:rPr lang="en-US">
-                <a:solidFill>
-                  <a:schemeClr val="bg1"/>
-                </a:solidFill>
-              </a:rPr>
-              <a:t>VS Code DEMO</a:t>
+              <a:rPr lang="en-US" dirty="0"/>
+              <a:t>Scaffolding setup</a:t>
             </a:r>
           </a:p>
         </p:txBody>
       </p:sp>
       <p:sp>
         <p:nvSpPr>
-          <p:cNvPr id="21" name="Content Placeholder 18">
+          <p:cNvPr id="3" name="Content Placeholder 2">
             <a:extLst>
               <a:ext uri="{FF2B5EF4-FFF2-40B4-BE49-F238E27FC236}">
-                <a16:creationId xmlns:a16="http://schemas.microsoft.com/office/drawing/2014/main" id="{74E7A070-D35D-4F51-A17C-F0F85E45F25A}"/>
+                <a16:creationId xmlns:a16="http://schemas.microsoft.com/office/drawing/2014/main" id="{77F6A11F-1CCD-48D7-A6D0-1C597AF8554D}"/>
               </a:ext>
             </a:extLst>
           </p:cNvPr>
@@ -23783,136 +24601,1097 @@
             <p:ph idx="1"/>
           </p:nvPr>
         </p:nvSpPr>
-        <p:spPr>
-          <a:xfrm>
-            <a:off x="838199" y="1825625"/>
-            <a:ext cx="4128169" cy="3399518"/>
-          </a:xfrm>
-        </p:spPr>
+        <p:spPr/>
         <p:txBody>
           <a:bodyPr>
             <a:normAutofit/>
           </a:bodyPr>
           <a:lstStyle/>
           <a:p>
-            <a:endParaRPr lang="en-US" sz="2000">
-              <a:solidFill>
-                <a:schemeClr val="bg1"/>
-              </a:solidFill>
-            </a:endParaRPr>
+            <a:pPr marL="0" indent="0">
+              <a:buNone/>
+            </a:pPr>
+            <a:endParaRPr lang="en-US" dirty="0"/>
           </a:p>
         </p:txBody>
       </p:sp>
-      <p:pic>
-        <p:nvPicPr>
-          <p:cNvPr id="17" name="Content Placeholder 10">
+      <p:graphicFrame>
+        <p:nvGraphicFramePr>
+          <p:cNvPr id="4" name="Table 3">
             <a:extLst>
               <a:ext uri="{FF2B5EF4-FFF2-40B4-BE49-F238E27FC236}">
-                <a16:creationId xmlns:a16="http://schemas.microsoft.com/office/drawing/2014/main" id="{65A7D466-8CEF-4FDA-864F-09BC3FFAA26D}"/>
+                <a16:creationId xmlns:a16="http://schemas.microsoft.com/office/drawing/2014/main" id="{B8A99360-6FF7-4C7D-A5E9-55B79B38D3E7}"/>
               </a:ext>
             </a:extLst>
           </p:cNvPr>
-          <p:cNvPicPr>
-            <a:picLocks noChangeAspect="1"/>
-          </p:cNvPicPr>
-          <p:nvPr/>
-        </p:nvPicPr>
-        <p:blipFill>
-          <a:blip r:embed="rId3">
+          <p:cNvGraphicFramePr>
+            <a:graphicFrameLocks noGrp="1"/>
+          </p:cNvGraphicFramePr>
+          <p:nvPr>
+            <p:extLst>
+              <p:ext uri="{D42A27DB-BD31-4B8C-83A1-F6EECF244321}">
+                <p14:modId xmlns:p14="http://schemas.microsoft.com/office/powerpoint/2010/main" val="1380250429"/>
+              </p:ext>
+            </p:extLst>
+          </p:nvPr>
+        </p:nvGraphicFramePr>
+        <p:xfrm>
+          <a:off x="844461" y="1825625"/>
+          <a:ext cx="10509339" cy="3992880"/>
+        </p:xfrm>
+        <a:graphic>
+          <a:graphicData uri="http://schemas.openxmlformats.org/drawingml/2006/table">
+            <a:tbl>
+              <a:tblPr firstRow="1" bandRow="1">
+                <a:tableStyleId>{5C22544A-7EE6-4342-B048-85BDC9FD1C3A}</a:tableStyleId>
+              </a:tblPr>
+              <a:tblGrid>
+                <a:gridCol w="10509339">
+                  <a:extLst>
+                    <a:ext uri="{9D8B030D-6E8A-4147-A177-3AD203B41FA5}">
+                      <a16:colId xmlns:a16="http://schemas.microsoft.com/office/drawing/2014/main" val="1057070397"/>
+                    </a:ext>
+                  </a:extLst>
+                </a:gridCol>
+              </a:tblGrid>
+              <a:tr h="3712682">
+                <a:tc>
+                  <a:txBody>
+                    <a:bodyPr/>
+                    <a:lstStyle/>
+                    <a:p>
+                      <a:r>
+                        <a:rPr lang="en-US" sz="1600" b="0" dirty="0">
+                          <a:solidFill>
+                            <a:srgbClr val="800000"/>
+                          </a:solidFill>
+                          <a:effectLst/>
+                          <a:latin typeface="Consolas" panose="020B0609020204030204" pitchFamily="49" charset="0"/>
+                        </a:rPr>
+                        <a:t>&lt;Project</a:t>
+                      </a:r>
+                      <a:r>
+                        <a:rPr lang="en-US" sz="1600" b="0" dirty="0">
+                          <a:solidFill>
+                            <a:srgbClr val="000000"/>
+                          </a:solidFill>
+                          <a:effectLst/>
+                          <a:latin typeface="Consolas" panose="020B0609020204030204" pitchFamily="49" charset="0"/>
+                        </a:rPr>
+                        <a:t> </a:t>
+                      </a:r>
+                      <a:r>
+                        <a:rPr lang="en-US" sz="1600" b="0" dirty="0" err="1">
+                          <a:solidFill>
+                            <a:srgbClr val="FF0000"/>
+                          </a:solidFill>
+                          <a:effectLst/>
+                          <a:latin typeface="Consolas" panose="020B0609020204030204" pitchFamily="49" charset="0"/>
+                        </a:rPr>
+                        <a:t>Sdk</a:t>
+                      </a:r>
+                      <a:r>
+                        <a:rPr lang="en-US" sz="1600" b="0" dirty="0">
+                          <a:solidFill>
+                            <a:srgbClr val="000000"/>
+                          </a:solidFill>
+                          <a:effectLst/>
+                          <a:latin typeface="Consolas" panose="020B0609020204030204" pitchFamily="49" charset="0"/>
+                        </a:rPr>
+                        <a:t>=</a:t>
+                      </a:r>
+                      <a:r>
+                        <a:rPr lang="en-US" sz="1600" b="0" dirty="0">
+                          <a:solidFill>
+                            <a:srgbClr val="0000FF"/>
+                          </a:solidFill>
+                          <a:effectLst/>
+                          <a:latin typeface="Consolas" panose="020B0609020204030204" pitchFamily="49" charset="0"/>
+                        </a:rPr>
+                        <a:t>"</a:t>
+                      </a:r>
+                      <a:r>
+                        <a:rPr lang="en-US" sz="1600" b="0" dirty="0" err="1">
+                          <a:solidFill>
+                            <a:srgbClr val="0000FF"/>
+                          </a:solidFill>
+                          <a:effectLst/>
+                          <a:latin typeface="Consolas" panose="020B0609020204030204" pitchFamily="49" charset="0"/>
+                        </a:rPr>
+                        <a:t>Microsoft.NET.Sdk.Web</a:t>
+                      </a:r>
+                      <a:r>
+                        <a:rPr lang="en-US" sz="1600" b="0" dirty="0">
+                          <a:solidFill>
+                            <a:srgbClr val="0000FF"/>
+                          </a:solidFill>
+                          <a:effectLst/>
+                          <a:latin typeface="Consolas" panose="020B0609020204030204" pitchFamily="49" charset="0"/>
+                        </a:rPr>
+                        <a:t>"</a:t>
+                      </a:r>
+                      <a:r>
+                        <a:rPr lang="en-US" sz="1600" b="0" dirty="0">
+                          <a:solidFill>
+                            <a:srgbClr val="800000"/>
+                          </a:solidFill>
+                          <a:effectLst/>
+                          <a:latin typeface="Consolas" panose="020B0609020204030204" pitchFamily="49" charset="0"/>
+                        </a:rPr>
+                        <a:t>&gt;</a:t>
+                      </a:r>
+                      <a:endParaRPr lang="en-US" sz="1600" b="0" dirty="0">
+                        <a:solidFill>
+                          <a:srgbClr val="000000"/>
+                        </a:solidFill>
+                        <a:effectLst/>
+                        <a:latin typeface="Consolas" panose="020B0609020204030204" pitchFamily="49" charset="0"/>
+                      </a:endParaRPr>
+                    </a:p>
+                    <a:p>
+                      <a:r>
+                        <a:rPr lang="en-US" sz="1600" b="0" dirty="0">
+                          <a:solidFill>
+                            <a:srgbClr val="800000"/>
+                          </a:solidFill>
+                          <a:effectLst/>
+                          <a:latin typeface="Consolas" panose="020B0609020204030204" pitchFamily="49" charset="0"/>
+                        </a:rPr>
+                        <a:t>  &lt;</a:t>
+                      </a:r>
+                      <a:r>
+                        <a:rPr lang="en-US" sz="1600" b="0" dirty="0" err="1">
+                          <a:solidFill>
+                            <a:srgbClr val="800000"/>
+                          </a:solidFill>
+                          <a:effectLst/>
+                          <a:latin typeface="Consolas" panose="020B0609020204030204" pitchFamily="49" charset="0"/>
+                        </a:rPr>
+                        <a:t>PropertyGroup</a:t>
+                      </a:r>
+                      <a:r>
+                        <a:rPr lang="en-US" sz="1600" b="0" dirty="0">
+                          <a:solidFill>
+                            <a:srgbClr val="800000"/>
+                          </a:solidFill>
+                          <a:effectLst/>
+                          <a:latin typeface="Consolas" panose="020B0609020204030204" pitchFamily="49" charset="0"/>
+                        </a:rPr>
+                        <a:t>&gt;</a:t>
+                      </a:r>
+                      <a:endParaRPr lang="en-US" sz="1600" b="0" dirty="0">
+                        <a:solidFill>
+                          <a:srgbClr val="000000"/>
+                        </a:solidFill>
+                        <a:effectLst/>
+                        <a:latin typeface="Consolas" panose="020B0609020204030204" pitchFamily="49" charset="0"/>
+                      </a:endParaRPr>
+                    </a:p>
+                    <a:p>
+                      <a:r>
+                        <a:rPr lang="en-US" sz="1600" b="0" dirty="0">
+                          <a:solidFill>
+                            <a:srgbClr val="800000"/>
+                          </a:solidFill>
+                          <a:effectLst/>
+                          <a:latin typeface="Consolas" panose="020B0609020204030204" pitchFamily="49" charset="0"/>
+                        </a:rPr>
+                        <a:t>    &lt;</a:t>
+                      </a:r>
+                      <a:r>
+                        <a:rPr lang="en-US" sz="1600" b="0" dirty="0" err="1">
+                          <a:solidFill>
+                            <a:srgbClr val="800000"/>
+                          </a:solidFill>
+                          <a:effectLst/>
+                          <a:latin typeface="Consolas" panose="020B0609020204030204" pitchFamily="49" charset="0"/>
+                        </a:rPr>
+                        <a:t>TargetFramework</a:t>
+                      </a:r>
+                      <a:r>
+                        <a:rPr lang="en-US" sz="1600" b="0" dirty="0">
+                          <a:solidFill>
+                            <a:srgbClr val="800000"/>
+                          </a:solidFill>
+                          <a:effectLst/>
+                          <a:latin typeface="Consolas" panose="020B0609020204030204" pitchFamily="49" charset="0"/>
+                        </a:rPr>
+                        <a:t>&gt;</a:t>
+                      </a:r>
+                      <a:r>
+                        <a:rPr lang="en-US" sz="1600" b="0" dirty="0">
+                          <a:solidFill>
+                            <a:srgbClr val="000000"/>
+                          </a:solidFill>
+                          <a:effectLst/>
+                          <a:latin typeface="Consolas" panose="020B0609020204030204" pitchFamily="49" charset="0"/>
+                        </a:rPr>
+                        <a:t>netcoreapp2.1</a:t>
+                      </a:r>
+                      <a:r>
+                        <a:rPr lang="en-US" sz="1600" b="0" dirty="0">
+                          <a:solidFill>
+                            <a:srgbClr val="800000"/>
+                          </a:solidFill>
+                          <a:effectLst/>
+                          <a:latin typeface="Consolas" panose="020B0609020204030204" pitchFamily="49" charset="0"/>
+                        </a:rPr>
+                        <a:t>&lt;/</a:t>
+                      </a:r>
+                      <a:r>
+                        <a:rPr lang="en-US" sz="1600" b="0" dirty="0" err="1">
+                          <a:solidFill>
+                            <a:srgbClr val="800000"/>
+                          </a:solidFill>
+                          <a:effectLst/>
+                          <a:latin typeface="Consolas" panose="020B0609020204030204" pitchFamily="49" charset="0"/>
+                        </a:rPr>
+                        <a:t>TargetFramework</a:t>
+                      </a:r>
+                      <a:r>
+                        <a:rPr lang="en-US" sz="1600" b="0" dirty="0">
+                          <a:solidFill>
+                            <a:srgbClr val="800000"/>
+                          </a:solidFill>
+                          <a:effectLst/>
+                          <a:latin typeface="Consolas" panose="020B0609020204030204" pitchFamily="49" charset="0"/>
+                        </a:rPr>
+                        <a:t>&gt;</a:t>
+                      </a:r>
+                      <a:endParaRPr lang="en-US" sz="1600" b="0" dirty="0">
+                        <a:solidFill>
+                          <a:srgbClr val="000000"/>
+                        </a:solidFill>
+                        <a:effectLst/>
+                        <a:latin typeface="Consolas" panose="020B0609020204030204" pitchFamily="49" charset="0"/>
+                      </a:endParaRPr>
+                    </a:p>
+                    <a:p>
+                      <a:r>
+                        <a:rPr lang="en-US" sz="1600" b="0" dirty="0">
+                          <a:solidFill>
+                            <a:srgbClr val="800000"/>
+                          </a:solidFill>
+                          <a:effectLst/>
+                          <a:latin typeface="Consolas" panose="020B0609020204030204" pitchFamily="49" charset="0"/>
+                        </a:rPr>
+                        <a:t>  &lt;/</a:t>
+                      </a:r>
+                      <a:r>
+                        <a:rPr lang="en-US" sz="1600" b="0" dirty="0" err="1">
+                          <a:solidFill>
+                            <a:srgbClr val="800000"/>
+                          </a:solidFill>
+                          <a:effectLst/>
+                          <a:latin typeface="Consolas" panose="020B0609020204030204" pitchFamily="49" charset="0"/>
+                        </a:rPr>
+                        <a:t>PropertyGroup</a:t>
+                      </a:r>
+                      <a:r>
+                        <a:rPr lang="en-US" sz="1600" b="0" dirty="0">
+                          <a:solidFill>
+                            <a:srgbClr val="800000"/>
+                          </a:solidFill>
+                          <a:effectLst/>
+                          <a:latin typeface="Consolas" panose="020B0609020204030204" pitchFamily="49" charset="0"/>
+                        </a:rPr>
+                        <a:t>&gt;</a:t>
+                      </a:r>
+                      <a:endParaRPr lang="en-US" sz="1600" b="0" dirty="0">
+                        <a:solidFill>
+                          <a:srgbClr val="000000"/>
+                        </a:solidFill>
+                        <a:effectLst/>
+                        <a:latin typeface="Consolas" panose="020B0609020204030204" pitchFamily="49" charset="0"/>
+                      </a:endParaRPr>
+                    </a:p>
+                    <a:p>
+                      <a:r>
+                        <a:rPr lang="en-US" sz="1600" b="0" dirty="0">
+                          <a:solidFill>
+                            <a:srgbClr val="800000"/>
+                          </a:solidFill>
+                          <a:effectLst/>
+                          <a:latin typeface="Consolas" panose="020B0609020204030204" pitchFamily="49" charset="0"/>
+                        </a:rPr>
+                        <a:t>  &lt;</a:t>
+                      </a:r>
+                      <a:r>
+                        <a:rPr lang="en-US" sz="1600" b="0" dirty="0" err="1">
+                          <a:solidFill>
+                            <a:srgbClr val="800000"/>
+                          </a:solidFill>
+                          <a:effectLst/>
+                          <a:latin typeface="Consolas" panose="020B0609020204030204" pitchFamily="49" charset="0"/>
+                        </a:rPr>
+                        <a:t>ItemGroup</a:t>
+                      </a:r>
+                      <a:r>
+                        <a:rPr lang="en-US" sz="1600" b="0" dirty="0">
+                          <a:solidFill>
+                            <a:srgbClr val="800000"/>
+                          </a:solidFill>
+                          <a:effectLst/>
+                          <a:latin typeface="Consolas" panose="020B0609020204030204" pitchFamily="49" charset="0"/>
+                        </a:rPr>
+                        <a:t>&gt;</a:t>
+                      </a:r>
+                      <a:endParaRPr lang="en-US" sz="1600" b="0" dirty="0">
+                        <a:solidFill>
+                          <a:srgbClr val="000000"/>
+                        </a:solidFill>
+                        <a:effectLst/>
+                        <a:latin typeface="Consolas" panose="020B0609020204030204" pitchFamily="49" charset="0"/>
+                      </a:endParaRPr>
+                    </a:p>
+                    <a:p>
+                      <a:r>
+                        <a:rPr lang="en-US" sz="1600" b="0" dirty="0">
+                          <a:solidFill>
+                            <a:srgbClr val="800000"/>
+                          </a:solidFill>
+                          <a:effectLst/>
+                          <a:latin typeface="Consolas" panose="020B0609020204030204" pitchFamily="49" charset="0"/>
+                        </a:rPr>
+                        <a:t>    &lt;</a:t>
+                      </a:r>
+                      <a:r>
+                        <a:rPr lang="en-US" sz="1600" b="0" dirty="0" err="1">
+                          <a:solidFill>
+                            <a:srgbClr val="800000"/>
+                          </a:solidFill>
+                          <a:effectLst/>
+                          <a:latin typeface="Consolas" panose="020B0609020204030204" pitchFamily="49" charset="0"/>
+                        </a:rPr>
+                        <a:t>PackageReference</a:t>
+                      </a:r>
+                      <a:r>
+                        <a:rPr lang="en-US" sz="1600" b="0" dirty="0">
+                          <a:solidFill>
+                            <a:srgbClr val="000000"/>
+                          </a:solidFill>
+                          <a:effectLst/>
+                          <a:latin typeface="Consolas" panose="020B0609020204030204" pitchFamily="49" charset="0"/>
+                        </a:rPr>
+                        <a:t> </a:t>
+                      </a:r>
+                      <a:r>
+                        <a:rPr lang="en-US" sz="1600" b="0" dirty="0">
+                          <a:solidFill>
+                            <a:srgbClr val="FF0000"/>
+                          </a:solidFill>
+                          <a:effectLst/>
+                          <a:latin typeface="Consolas" panose="020B0609020204030204" pitchFamily="49" charset="0"/>
+                        </a:rPr>
+                        <a:t>Include</a:t>
+                      </a:r>
+                      <a:r>
+                        <a:rPr lang="en-US" sz="1600" b="0" dirty="0">
+                          <a:solidFill>
+                            <a:srgbClr val="000000"/>
+                          </a:solidFill>
+                          <a:effectLst/>
+                          <a:latin typeface="Consolas" panose="020B0609020204030204" pitchFamily="49" charset="0"/>
+                        </a:rPr>
+                        <a:t>=</a:t>
+                      </a:r>
+                      <a:r>
+                        <a:rPr lang="en-US" sz="1600" b="0" dirty="0">
+                          <a:solidFill>
+                            <a:srgbClr val="0000FF"/>
+                          </a:solidFill>
+                          <a:effectLst/>
+                          <a:latin typeface="Consolas" panose="020B0609020204030204" pitchFamily="49" charset="0"/>
+                        </a:rPr>
+                        <a:t>"</a:t>
+                      </a:r>
+                      <a:r>
+                        <a:rPr lang="en-US" sz="1600" b="0" dirty="0" err="1">
+                          <a:solidFill>
+                            <a:srgbClr val="0000FF"/>
+                          </a:solidFill>
+                          <a:effectLst/>
+                          <a:latin typeface="Consolas" panose="020B0609020204030204" pitchFamily="49" charset="0"/>
+                        </a:rPr>
+                        <a:t>Microsoft.AspNetCore.App</a:t>
+                      </a:r>
+                      <a:r>
+                        <a:rPr lang="en-US" sz="1600" b="0" dirty="0">
+                          <a:solidFill>
+                            <a:srgbClr val="0000FF"/>
+                          </a:solidFill>
+                          <a:effectLst/>
+                          <a:latin typeface="Consolas" panose="020B0609020204030204" pitchFamily="49" charset="0"/>
+                        </a:rPr>
+                        <a:t>"</a:t>
+                      </a:r>
+                      <a:endParaRPr lang="en-US" sz="1600" b="0" dirty="0">
+                        <a:solidFill>
+                          <a:srgbClr val="000000"/>
+                        </a:solidFill>
+                        <a:effectLst/>
+                        <a:latin typeface="Consolas" panose="020B0609020204030204" pitchFamily="49" charset="0"/>
+                      </a:endParaRPr>
+                    </a:p>
+                    <a:p>
+                      <a:r>
+                        <a:rPr lang="en-US" sz="1600" b="0" dirty="0">
+                          <a:solidFill>
+                            <a:srgbClr val="000000"/>
+                          </a:solidFill>
+                          <a:effectLst/>
+                          <a:latin typeface="Consolas" panose="020B0609020204030204" pitchFamily="49" charset="0"/>
+                        </a:rPr>
+                        <a:t>                      </a:t>
+                      </a:r>
+                      <a:r>
+                        <a:rPr lang="en-US" sz="1600" b="0" dirty="0">
+                          <a:solidFill>
+                            <a:srgbClr val="FF0000"/>
+                          </a:solidFill>
+                          <a:effectLst/>
+                          <a:latin typeface="Consolas" panose="020B0609020204030204" pitchFamily="49" charset="0"/>
+                        </a:rPr>
+                        <a:t>Version</a:t>
+                      </a:r>
+                      <a:r>
+                        <a:rPr lang="en-US" sz="1600" b="0" dirty="0">
+                          <a:solidFill>
+                            <a:srgbClr val="000000"/>
+                          </a:solidFill>
+                          <a:effectLst/>
+                          <a:latin typeface="Consolas" panose="020B0609020204030204" pitchFamily="49" charset="0"/>
+                        </a:rPr>
+                        <a:t>=</a:t>
+                      </a:r>
+                      <a:r>
+                        <a:rPr lang="en-US" sz="1600" b="0" dirty="0">
+                          <a:solidFill>
+                            <a:srgbClr val="0000FF"/>
+                          </a:solidFill>
+                          <a:effectLst/>
+                          <a:latin typeface="Consolas" panose="020B0609020204030204" pitchFamily="49" charset="0"/>
+                        </a:rPr>
+                        <a:t>"2.1.0-preview1-final"</a:t>
+                      </a:r>
+                      <a:r>
+                        <a:rPr lang="en-US" sz="1600" b="0" dirty="0">
+                          <a:solidFill>
+                            <a:srgbClr val="000000"/>
+                          </a:solidFill>
+                          <a:effectLst/>
+                          <a:latin typeface="Consolas" panose="020B0609020204030204" pitchFamily="49" charset="0"/>
+                        </a:rPr>
+                        <a:t> </a:t>
+                      </a:r>
+                      <a:r>
+                        <a:rPr lang="en-US" sz="1600" b="0" dirty="0">
+                          <a:solidFill>
+                            <a:srgbClr val="800000"/>
+                          </a:solidFill>
+                          <a:effectLst/>
+                          <a:latin typeface="Consolas" panose="020B0609020204030204" pitchFamily="49" charset="0"/>
+                        </a:rPr>
+                        <a:t>/&gt;</a:t>
+                      </a:r>
+                      <a:endParaRPr lang="en-US" sz="1600" b="0" dirty="0">
+                        <a:solidFill>
+                          <a:srgbClr val="000000"/>
+                        </a:solidFill>
+                        <a:effectLst/>
+                        <a:latin typeface="Consolas" panose="020B0609020204030204" pitchFamily="49" charset="0"/>
+                      </a:endParaRPr>
+                    </a:p>
+                    <a:p>
+                      <a:r>
+                        <a:rPr lang="en-US" sz="1600" b="0" dirty="0">
+                          <a:solidFill>
+                            <a:srgbClr val="800000"/>
+                          </a:solidFill>
+                          <a:effectLst/>
+                          <a:latin typeface="Consolas" panose="020B0609020204030204" pitchFamily="49" charset="0"/>
+                        </a:rPr>
+                        <a:t>    &lt;</a:t>
+                      </a:r>
+                      <a:r>
+                        <a:rPr lang="en-US" sz="1600" b="0" dirty="0" err="1">
+                          <a:solidFill>
+                            <a:srgbClr val="800000"/>
+                          </a:solidFill>
+                          <a:effectLst/>
+                          <a:latin typeface="Consolas" panose="020B0609020204030204" pitchFamily="49" charset="0"/>
+                        </a:rPr>
+                        <a:t>PackageReference</a:t>
+                      </a:r>
+                      <a:r>
+                        <a:rPr lang="en-US" sz="1600" b="0" dirty="0">
+                          <a:solidFill>
+                            <a:srgbClr val="000000"/>
+                          </a:solidFill>
+                          <a:effectLst/>
+                          <a:latin typeface="Consolas" panose="020B0609020204030204" pitchFamily="49" charset="0"/>
+                        </a:rPr>
+                        <a:t> </a:t>
+                      </a:r>
+                      <a:r>
+                        <a:rPr lang="en-US" sz="1600" b="0" dirty="0">
+                          <a:solidFill>
+                            <a:srgbClr val="FF0000"/>
+                          </a:solidFill>
+                          <a:effectLst/>
+                          <a:latin typeface="Consolas" panose="020B0609020204030204" pitchFamily="49" charset="0"/>
+                        </a:rPr>
+                        <a:t>Include</a:t>
+                      </a:r>
+                      <a:r>
+                        <a:rPr lang="en-US" sz="1600" b="0" dirty="0">
+                          <a:solidFill>
+                            <a:srgbClr val="000000"/>
+                          </a:solidFill>
+                          <a:effectLst/>
+                          <a:latin typeface="Consolas" panose="020B0609020204030204" pitchFamily="49" charset="0"/>
+                        </a:rPr>
+                        <a:t>=</a:t>
+                      </a:r>
+                      <a:r>
+                        <a:rPr lang="en-US" sz="1600" b="0" dirty="0">
+                          <a:solidFill>
+                            <a:srgbClr val="0000FF"/>
+                          </a:solidFill>
+                          <a:effectLst/>
+                          <a:latin typeface="Consolas" panose="020B0609020204030204" pitchFamily="49" charset="0"/>
+                        </a:rPr>
+                        <a:t>"</a:t>
+                      </a:r>
+                      <a:r>
+                        <a:rPr lang="en-US" sz="1600" b="0" dirty="0" err="1">
+                          <a:solidFill>
+                            <a:srgbClr val="0000FF"/>
+                          </a:solidFill>
+                          <a:effectLst/>
+                          <a:latin typeface="Consolas" panose="020B0609020204030204" pitchFamily="49" charset="0"/>
+                        </a:rPr>
+                        <a:t>Microsoft.VisualStudio.Web.CodeGeneration.Design</a:t>
+                      </a:r>
+                      <a:r>
+                        <a:rPr lang="en-US" sz="1600" b="0" dirty="0">
+                          <a:solidFill>
+                            <a:srgbClr val="0000FF"/>
+                          </a:solidFill>
+                          <a:effectLst/>
+                          <a:latin typeface="Consolas" panose="020B0609020204030204" pitchFamily="49" charset="0"/>
+                        </a:rPr>
+                        <a:t>"</a:t>
+                      </a:r>
+                      <a:endParaRPr lang="en-US" sz="1600" b="0" dirty="0">
+                        <a:solidFill>
+                          <a:srgbClr val="000000"/>
+                        </a:solidFill>
+                        <a:effectLst/>
+                        <a:latin typeface="Consolas" panose="020B0609020204030204" pitchFamily="49" charset="0"/>
+                      </a:endParaRPr>
+                    </a:p>
+                    <a:p>
+                      <a:r>
+                        <a:rPr lang="en-US" sz="1600" b="0" dirty="0">
+                          <a:solidFill>
+                            <a:srgbClr val="000000"/>
+                          </a:solidFill>
+                          <a:effectLst/>
+                          <a:latin typeface="Consolas" panose="020B0609020204030204" pitchFamily="49" charset="0"/>
+                        </a:rPr>
+                        <a:t>                      </a:t>
+                      </a:r>
+                      <a:r>
+                        <a:rPr lang="en-US" sz="1600" b="0" dirty="0">
+                          <a:solidFill>
+                            <a:srgbClr val="FF0000"/>
+                          </a:solidFill>
+                          <a:effectLst/>
+                          <a:latin typeface="Consolas" panose="020B0609020204030204" pitchFamily="49" charset="0"/>
+                        </a:rPr>
+                        <a:t>Version</a:t>
+                      </a:r>
+                      <a:r>
+                        <a:rPr lang="en-US" sz="1600" b="0" dirty="0">
+                          <a:solidFill>
+                            <a:srgbClr val="000000"/>
+                          </a:solidFill>
+                          <a:effectLst/>
+                          <a:latin typeface="Consolas" panose="020B0609020204030204" pitchFamily="49" charset="0"/>
+                        </a:rPr>
+                        <a:t>=</a:t>
+                      </a:r>
+                      <a:r>
+                        <a:rPr lang="en-US" sz="1600" b="0" dirty="0">
+                          <a:solidFill>
+                            <a:srgbClr val="0000FF"/>
+                          </a:solidFill>
+                          <a:effectLst/>
+                          <a:latin typeface="Consolas" panose="020B0609020204030204" pitchFamily="49" charset="0"/>
+                        </a:rPr>
+                        <a:t>"2.1.0-preview1-final"</a:t>
+                      </a:r>
+                      <a:r>
+                        <a:rPr lang="en-US" sz="1600" b="0" dirty="0">
+                          <a:solidFill>
+                            <a:srgbClr val="000000"/>
+                          </a:solidFill>
+                          <a:effectLst/>
+                          <a:latin typeface="Consolas" panose="020B0609020204030204" pitchFamily="49" charset="0"/>
+                        </a:rPr>
+                        <a:t> </a:t>
+                      </a:r>
+                      <a:r>
+                        <a:rPr lang="en-US" sz="1600" b="0" dirty="0">
+                          <a:solidFill>
+                            <a:srgbClr val="800000"/>
+                          </a:solidFill>
+                          <a:effectLst/>
+                          <a:latin typeface="Consolas" panose="020B0609020204030204" pitchFamily="49" charset="0"/>
+                        </a:rPr>
+                        <a:t>/&gt;</a:t>
+                      </a:r>
+                      <a:endParaRPr lang="en-US" sz="1600" b="0" dirty="0">
+                        <a:solidFill>
+                          <a:srgbClr val="000000"/>
+                        </a:solidFill>
+                        <a:effectLst/>
+                        <a:latin typeface="Consolas" panose="020B0609020204030204" pitchFamily="49" charset="0"/>
+                      </a:endParaRPr>
+                    </a:p>
+                    <a:p>
+                      <a:r>
+                        <a:rPr lang="en-US" sz="1600" b="0" dirty="0">
+                          <a:solidFill>
+                            <a:srgbClr val="800000"/>
+                          </a:solidFill>
+                          <a:effectLst/>
+                          <a:latin typeface="Consolas" panose="020B0609020204030204" pitchFamily="49" charset="0"/>
+                        </a:rPr>
+                        <a:t>  &lt;/</a:t>
+                      </a:r>
+                      <a:r>
+                        <a:rPr lang="en-US" sz="1600" b="0" dirty="0" err="1">
+                          <a:solidFill>
+                            <a:srgbClr val="800000"/>
+                          </a:solidFill>
+                          <a:effectLst/>
+                          <a:latin typeface="Consolas" panose="020B0609020204030204" pitchFamily="49" charset="0"/>
+                        </a:rPr>
+                        <a:t>ItemGroup</a:t>
+                      </a:r>
+                      <a:r>
+                        <a:rPr lang="en-US" sz="1600" b="0" dirty="0">
+                          <a:solidFill>
+                            <a:srgbClr val="800000"/>
+                          </a:solidFill>
+                          <a:effectLst/>
+                          <a:latin typeface="Consolas" panose="020B0609020204030204" pitchFamily="49" charset="0"/>
+                        </a:rPr>
+                        <a:t>&gt;</a:t>
+                      </a:r>
+                      <a:endParaRPr lang="en-US" sz="1600" b="0" dirty="0">
+                        <a:solidFill>
+                          <a:srgbClr val="000000"/>
+                        </a:solidFill>
+                        <a:effectLst/>
+                        <a:latin typeface="Consolas" panose="020B0609020204030204" pitchFamily="49" charset="0"/>
+                      </a:endParaRPr>
+                    </a:p>
+                    <a:p>
+                      <a:r>
+                        <a:rPr lang="en-US" sz="1600" b="0" dirty="0">
+                          <a:solidFill>
+                            <a:srgbClr val="800000"/>
+                          </a:solidFill>
+                          <a:effectLst/>
+                          <a:latin typeface="Consolas" panose="020B0609020204030204" pitchFamily="49" charset="0"/>
+                        </a:rPr>
+                        <a:t>  &lt;</a:t>
+                      </a:r>
+                      <a:r>
+                        <a:rPr lang="en-US" sz="1600" b="0" dirty="0" err="1">
+                          <a:solidFill>
+                            <a:srgbClr val="800000"/>
+                          </a:solidFill>
+                          <a:effectLst/>
+                          <a:latin typeface="Consolas" panose="020B0609020204030204" pitchFamily="49" charset="0"/>
+                        </a:rPr>
+                        <a:t>ItemGroup</a:t>
+                      </a:r>
+                      <a:r>
+                        <a:rPr lang="en-US" sz="1600" b="0" dirty="0">
+                          <a:solidFill>
+                            <a:srgbClr val="800000"/>
+                          </a:solidFill>
+                          <a:effectLst/>
+                          <a:latin typeface="Consolas" panose="020B0609020204030204" pitchFamily="49" charset="0"/>
+                        </a:rPr>
+                        <a:t>&gt;</a:t>
+                      </a:r>
+                      <a:endParaRPr lang="en-US" sz="1600" b="0" dirty="0">
+                        <a:solidFill>
+                          <a:srgbClr val="000000"/>
+                        </a:solidFill>
+                        <a:effectLst/>
+                        <a:latin typeface="Consolas" panose="020B0609020204030204" pitchFamily="49" charset="0"/>
+                      </a:endParaRPr>
+                    </a:p>
+                    <a:p>
+                      <a:r>
+                        <a:rPr lang="en-US" sz="1600" b="0" dirty="0">
+                          <a:solidFill>
+                            <a:srgbClr val="800000"/>
+                          </a:solidFill>
+                          <a:effectLst/>
+                          <a:latin typeface="Consolas" panose="020B0609020204030204" pitchFamily="49" charset="0"/>
+                        </a:rPr>
+                        <a:t>    &lt;</a:t>
+                      </a:r>
+                      <a:r>
+                        <a:rPr lang="en-US" sz="1600" b="0" dirty="0" err="1">
+                          <a:solidFill>
+                            <a:srgbClr val="800000"/>
+                          </a:solidFill>
+                          <a:effectLst/>
+                          <a:latin typeface="Consolas" panose="020B0609020204030204" pitchFamily="49" charset="0"/>
+                        </a:rPr>
+                        <a:t>DotNetCliToolReference</a:t>
+                      </a:r>
+                      <a:r>
+                        <a:rPr lang="en-US" sz="1600" b="0" dirty="0">
+                          <a:solidFill>
+                            <a:srgbClr val="000000"/>
+                          </a:solidFill>
+                          <a:effectLst/>
+                          <a:latin typeface="Consolas" panose="020B0609020204030204" pitchFamily="49" charset="0"/>
+                        </a:rPr>
+                        <a:t> </a:t>
+                      </a:r>
+                      <a:r>
+                        <a:rPr lang="en-US" sz="1600" b="0" dirty="0">
+                          <a:solidFill>
+                            <a:srgbClr val="FF0000"/>
+                          </a:solidFill>
+                          <a:effectLst/>
+                          <a:latin typeface="Consolas" panose="020B0609020204030204" pitchFamily="49" charset="0"/>
+                        </a:rPr>
+                        <a:t>Include</a:t>
+                      </a:r>
+                      <a:r>
+                        <a:rPr lang="en-US" sz="1600" b="0" dirty="0">
+                          <a:solidFill>
+                            <a:srgbClr val="000000"/>
+                          </a:solidFill>
+                          <a:effectLst/>
+                          <a:latin typeface="Consolas" panose="020B0609020204030204" pitchFamily="49" charset="0"/>
+                        </a:rPr>
+                        <a:t>=</a:t>
+                      </a:r>
+                      <a:r>
+                        <a:rPr lang="en-US" sz="1600" b="0" dirty="0">
+                          <a:solidFill>
+                            <a:srgbClr val="0000FF"/>
+                          </a:solidFill>
+                          <a:effectLst/>
+                          <a:latin typeface="Consolas" panose="020B0609020204030204" pitchFamily="49" charset="0"/>
+                        </a:rPr>
+                        <a:t>"</a:t>
+                      </a:r>
+                      <a:r>
+                        <a:rPr lang="en-US" sz="1600" b="0" dirty="0" err="1">
+                          <a:solidFill>
+                            <a:srgbClr val="0000FF"/>
+                          </a:solidFill>
+                          <a:effectLst/>
+                          <a:latin typeface="Consolas" panose="020B0609020204030204" pitchFamily="49" charset="0"/>
+                        </a:rPr>
+                        <a:t>Microsoft.VisualStudio.Web.CodeGeneration.Tools</a:t>
+                      </a:r>
+                      <a:r>
+                        <a:rPr lang="en-US" sz="1600" b="0" dirty="0">
+                          <a:solidFill>
+                            <a:srgbClr val="0000FF"/>
+                          </a:solidFill>
+                          <a:effectLst/>
+                          <a:latin typeface="Consolas" panose="020B0609020204030204" pitchFamily="49" charset="0"/>
+                        </a:rPr>
+                        <a:t>"</a:t>
+                      </a:r>
+                      <a:endParaRPr lang="en-US" sz="1600" b="0" dirty="0">
+                        <a:solidFill>
+                          <a:srgbClr val="000000"/>
+                        </a:solidFill>
+                        <a:effectLst/>
+                        <a:latin typeface="Consolas" panose="020B0609020204030204" pitchFamily="49" charset="0"/>
+                      </a:endParaRPr>
+                    </a:p>
+                    <a:p>
+                      <a:r>
+                        <a:rPr lang="en-US" sz="1600" b="0" dirty="0">
+                          <a:solidFill>
+                            <a:srgbClr val="000000"/>
+                          </a:solidFill>
+                          <a:effectLst/>
+                          <a:latin typeface="Consolas" panose="020B0609020204030204" pitchFamily="49" charset="0"/>
+                        </a:rPr>
+                        <a:t>                            </a:t>
+                      </a:r>
+                      <a:r>
+                        <a:rPr lang="en-US" sz="1600" b="0" dirty="0">
+                          <a:solidFill>
+                            <a:srgbClr val="FF0000"/>
+                          </a:solidFill>
+                          <a:effectLst/>
+                          <a:latin typeface="Consolas" panose="020B0609020204030204" pitchFamily="49" charset="0"/>
+                        </a:rPr>
+                        <a:t>Version</a:t>
+                      </a:r>
+                      <a:r>
+                        <a:rPr lang="en-US" sz="1600" b="0" dirty="0">
+                          <a:solidFill>
+                            <a:srgbClr val="000000"/>
+                          </a:solidFill>
+                          <a:effectLst/>
+                          <a:latin typeface="Consolas" panose="020B0609020204030204" pitchFamily="49" charset="0"/>
+                        </a:rPr>
+                        <a:t>=</a:t>
+                      </a:r>
+                      <a:r>
+                        <a:rPr lang="en-US" sz="1600" b="0" dirty="0">
+                          <a:solidFill>
+                            <a:srgbClr val="0000FF"/>
+                          </a:solidFill>
+                          <a:effectLst/>
+                          <a:latin typeface="Consolas" panose="020B0609020204030204" pitchFamily="49" charset="0"/>
+                        </a:rPr>
+                        <a:t>"2.1.0-preview1-final"</a:t>
+                      </a:r>
+                      <a:r>
+                        <a:rPr lang="en-US" sz="1600" b="0" dirty="0">
+                          <a:solidFill>
+                            <a:srgbClr val="000000"/>
+                          </a:solidFill>
+                          <a:effectLst/>
+                          <a:latin typeface="Consolas" panose="020B0609020204030204" pitchFamily="49" charset="0"/>
+                        </a:rPr>
+                        <a:t> </a:t>
+                      </a:r>
+                      <a:r>
+                        <a:rPr lang="en-US" sz="1600" b="0" dirty="0">
+                          <a:solidFill>
+                            <a:srgbClr val="800000"/>
+                          </a:solidFill>
+                          <a:effectLst/>
+                          <a:latin typeface="Consolas" panose="020B0609020204030204" pitchFamily="49" charset="0"/>
+                        </a:rPr>
+                        <a:t>/&gt;</a:t>
+                      </a:r>
+                      <a:endParaRPr lang="en-US" sz="1600" b="0" dirty="0">
+                        <a:solidFill>
+                          <a:srgbClr val="000000"/>
+                        </a:solidFill>
+                        <a:effectLst/>
+                        <a:latin typeface="Consolas" panose="020B0609020204030204" pitchFamily="49" charset="0"/>
+                      </a:endParaRPr>
+                    </a:p>
+                    <a:p>
+                      <a:r>
+                        <a:rPr lang="en-US" sz="1600" b="0" dirty="0">
+                          <a:solidFill>
+                            <a:srgbClr val="800000"/>
+                          </a:solidFill>
+                          <a:effectLst/>
+                          <a:latin typeface="Consolas" panose="020B0609020204030204" pitchFamily="49" charset="0"/>
+                        </a:rPr>
+                        <a:t>  &lt;/</a:t>
+                      </a:r>
+                      <a:r>
+                        <a:rPr lang="en-US" sz="1600" b="0" dirty="0" err="1">
+                          <a:solidFill>
+                            <a:srgbClr val="800000"/>
+                          </a:solidFill>
+                          <a:effectLst/>
+                          <a:latin typeface="Consolas" panose="020B0609020204030204" pitchFamily="49" charset="0"/>
+                        </a:rPr>
+                        <a:t>ItemGroup</a:t>
+                      </a:r>
+                      <a:r>
+                        <a:rPr lang="en-US" sz="1600" b="0" dirty="0">
+                          <a:solidFill>
+                            <a:srgbClr val="800000"/>
+                          </a:solidFill>
+                          <a:effectLst/>
+                          <a:latin typeface="Consolas" panose="020B0609020204030204" pitchFamily="49" charset="0"/>
+                        </a:rPr>
+                        <a:t>&gt;</a:t>
+                      </a:r>
+                      <a:endParaRPr lang="en-US" sz="1600" b="0" dirty="0">
+                        <a:solidFill>
+                          <a:srgbClr val="000000"/>
+                        </a:solidFill>
+                        <a:effectLst/>
+                        <a:latin typeface="Consolas" panose="020B0609020204030204" pitchFamily="49" charset="0"/>
+                      </a:endParaRPr>
+                    </a:p>
+                    <a:p>
+                      <a:r>
+                        <a:rPr lang="en-US" sz="1600" b="0" dirty="0">
+                          <a:solidFill>
+                            <a:srgbClr val="800000"/>
+                          </a:solidFill>
+                          <a:effectLst/>
+                          <a:latin typeface="Consolas" panose="020B0609020204030204" pitchFamily="49" charset="0"/>
+                        </a:rPr>
+                        <a:t>&lt;/Project&gt;</a:t>
+                      </a:r>
+                      <a:endParaRPr lang="en-US" sz="1600" b="0" dirty="0">
+                        <a:solidFill>
+                          <a:srgbClr val="000000"/>
+                        </a:solidFill>
+                        <a:effectLst/>
+                        <a:latin typeface="Consolas" panose="020B0609020204030204" pitchFamily="49" charset="0"/>
+                      </a:endParaRPr>
+                    </a:p>
+                    <a:p>
+                      <a:endParaRPr lang="en-US" sz="1600" b="0" kern="1200" dirty="0">
+                        <a:solidFill>
+                          <a:schemeClr val="bg1"/>
+                        </a:solidFill>
+                        <a:effectLst/>
+                        <a:latin typeface="+mn-lt"/>
+                        <a:ea typeface="+mn-ea"/>
+                        <a:cs typeface="+mn-cs"/>
+                      </a:endParaRPr>
+                    </a:p>
+                  </a:txBody>
+                  <a:tcPr>
+                    <a:lnL w="12700" cap="flat" cmpd="sng" algn="ctr">
+                      <a:solidFill>
+                        <a:schemeClr val="tx1"/>
+                      </a:solidFill>
+                      <a:prstDash val="solid"/>
+                      <a:round/>
+                      <a:headEnd type="none" w="med" len="med"/>
+                      <a:tailEnd type="none" w="med" len="med"/>
+                    </a:lnL>
+                    <a:lnR w="12700" cap="flat" cmpd="sng" algn="ctr">
+                      <a:solidFill>
+                        <a:schemeClr val="tx1"/>
+                      </a:solidFill>
+                      <a:prstDash val="solid"/>
+                      <a:round/>
+                      <a:headEnd type="none" w="med" len="med"/>
+                      <a:tailEnd type="none" w="med" len="med"/>
+                    </a:lnR>
+                    <a:lnT w="12700" cap="flat" cmpd="sng" algn="ctr">
+                      <a:solidFill>
+                        <a:schemeClr val="tx1"/>
+                      </a:solidFill>
+                      <a:prstDash val="solid"/>
+                      <a:round/>
+                      <a:headEnd type="none" w="med" len="med"/>
+                      <a:tailEnd type="none" w="med" len="med"/>
+                    </a:lnT>
+                    <a:lnB w="12700" cap="flat" cmpd="sng" algn="ctr">
+                      <a:solidFill>
+                        <a:schemeClr val="tx1"/>
+                      </a:solidFill>
+                      <a:prstDash val="solid"/>
+                      <a:round/>
+                      <a:headEnd type="none" w="med" len="med"/>
+                      <a:tailEnd type="none" w="med" len="med"/>
+                    </a:lnB>
+                    <a:solidFill>
+                      <a:schemeClr val="tx1"/>
+                    </a:solidFill>
+                  </a:tcPr>
+                </a:tc>
+                <a:extLst>
+                  <a:ext uri="{0D108BD9-81ED-4DB2-BD59-A6C34878D82A}">
+                    <a16:rowId xmlns:a16="http://schemas.microsoft.com/office/drawing/2014/main" val="3473222697"/>
+                  </a:ext>
+                </a:extLst>
+              </a:tr>
+            </a:tbl>
+          </a:graphicData>
+        </a:graphic>
+      </p:graphicFrame>
+      <p:sp>
+        <p:nvSpPr>
+          <p:cNvPr id="5" name="Rectangle 4">
             <a:extLst>
-              <a:ext uri="{28A0092B-C50C-407E-A947-70E740481C1C}">
-                <a14:useLocalDpi xmlns:a14="http://schemas.microsoft.com/office/drawing/2010/main" val="0"/>
+              <a:ext uri="{FF2B5EF4-FFF2-40B4-BE49-F238E27FC236}">
+                <a16:creationId xmlns:a16="http://schemas.microsoft.com/office/drawing/2014/main" id="{3B618AD7-D58A-4689-9F33-0E6AC68D7FB6}"/>
               </a:ext>
             </a:extLst>
-          </a:blip>
-          <a:stretch>
-            <a:fillRect/>
-          </a:stretch>
-        </p:blipFill>
+          </p:cNvPr>
+          <p:cNvSpPr/>
+          <p:nvPr/>
+        </p:nvSpPr>
         <p:spPr>
           <a:xfrm>
-            <a:off x="1383499" y="2016769"/>
-            <a:ext cx="2835804" cy="2824461"/>
+            <a:off x="838200" y="1379057"/>
+            <a:ext cx="2101236" cy="446567"/>
           </a:xfrm>
           <a:prstGeom prst="rect">
             <a:avLst/>
           </a:prstGeom>
         </p:spPr>
-      </p:pic>
-    </p:spTree>
-    <p:extLst>
-      <p:ext uri="{BB962C8B-B14F-4D97-AF65-F5344CB8AC3E}">
-        <p14:creationId xmlns:p14="http://schemas.microsoft.com/office/powerpoint/2010/main" val="682550062"/>
-      </p:ext>
-    </p:extLst>
-  </p:cSld>
-  <p:clrMapOvr>
-    <a:masterClrMapping/>
-  </p:clrMapOvr>
-</p:sld>
-</file>
-
-<file path=ppt/slides/slide9.xml><?xml version="1.0" encoding="utf-8"?>
-<p:sld xmlns:a="http://schemas.openxmlformats.org/drawingml/2006/main" xmlns:r="http://schemas.openxmlformats.org/officeDocument/2006/relationships" xmlns:p="http://schemas.openxmlformats.org/presentationml/2006/main">
-  <p:cSld>
-    <p:bg>
-      <p:bgPr>
-        <a:solidFill>
-          <a:schemeClr val="bg1"/>
-        </a:solidFill>
-        <a:effectLst/>
-      </p:bgPr>
-    </p:bg>
-    <p:spTree>
-      <p:nvGrpSpPr>
-        <p:cNvPr id="1" name=""/>
-        <p:cNvGrpSpPr/>
-        <p:nvPr/>
-      </p:nvGrpSpPr>
-      <p:grpSpPr>
-        <a:xfrm>
-          <a:off x="0" y="0"/>
-          <a:ext cx="0" cy="0"/>
-          <a:chOff x="0" y="0"/>
-          <a:chExt cx="0" cy="0"/>
-        </a:xfrm>
-      </p:grpSpPr>
+        <p:style>
+          <a:lnRef idx="1">
+            <a:schemeClr val="accent1"/>
+          </a:lnRef>
+          <a:fillRef idx="2">
+            <a:schemeClr val="accent1"/>
+          </a:fillRef>
+          <a:effectRef idx="1">
+            <a:schemeClr val="accent1"/>
+          </a:effectRef>
+          <a:fontRef idx="minor">
+            <a:schemeClr val="dk1"/>
+          </a:fontRef>
+        </p:style>
+        <p:txBody>
+          <a:bodyPr rtlCol="0" anchor="ctr"/>
+          <a:lstStyle/>
+          <a:p>
+            <a:pPr algn="ctr"/>
+            <a:r>
+              <a:rPr lang="en-US" b="1" dirty="0" err="1"/>
+              <a:t>test_app.csproj</a:t>
+            </a:r>
+            <a:endParaRPr lang="en-US" b="1" dirty="0"/>
+          </a:p>
+        </p:txBody>
+      </p:sp>
       <p:sp>
         <p:nvSpPr>
-          <p:cNvPr id="8" name="Rectangle 7">
+          <p:cNvPr id="6" name="Rectangle 5">
             <a:extLst>
               <a:ext uri="{FF2B5EF4-FFF2-40B4-BE49-F238E27FC236}">
-                <a16:creationId xmlns:a16="http://schemas.microsoft.com/office/drawing/2014/main" id="{8D70B121-56F4-4848-B38B-182089D909FA}"/>
+                <a16:creationId xmlns:a16="http://schemas.microsoft.com/office/drawing/2014/main" id="{0B92BF76-046A-486B-8030-FE5C1C8FFF66}"/>
               </a:ext>
             </a:extLst>
           </p:cNvPr>
-          <p:cNvSpPr>
-            <a:spLocks noGrp="1" noRot="1" noChangeAspect="1" noMove="1" noResize="1" noEditPoints="1" noAdjustHandles="1" noChangeArrowheads="1" noChangeShapeType="1" noTextEdit="1"/>
-          </p:cNvSpPr>
-          <p:nvPr>
-            <p:extLst>
-              <p:ext uri="{386F3935-93C4-4BCD-93E2-E3B085C9AB24}">
-                <p16:designElem xmlns:p16="http://schemas.microsoft.com/office/powerpoint/2015/main" val="1"/>
-              </p:ext>
-            </p:extLst>
-          </p:nvPr>
+          <p:cNvSpPr/>
+          <p:nvPr/>
         </p:nvSpPr>
-        <p:spPr bwMode="ltGray">
+        <p:spPr>
           <a:xfrm>
-            <a:off x="321564" y="320040"/>
-            <a:ext cx="11548872" cy="6217920"/>
+            <a:off x="1345834" y="3587024"/>
+            <a:ext cx="8522066" cy="465070"/>
           </a:xfrm>
           <a:prstGeom prst="rect">
             <a:avLst/>
           </a:prstGeom>
           <a:solidFill>
-            <a:schemeClr val="tx1">
-              <a:alpha val="8000"/>
+            <a:schemeClr val="accent1">
+              <a:alpha val="0"/>
             </a:schemeClr>
           </a:solidFill>
-          <a:ln w="127000" cap="sq" cmpd="thinThick">
-            <a:noFill/>
-          </a:ln>
+          <a:ln w="38100"/>
         </p:spPr>
         <p:style>
           <a:lnRef idx="2">
@@ -23939,51 +25718,686 @@
           </a:p>
         </p:txBody>
       </p:sp>
+      <p:sp>
+        <p:nvSpPr>
+          <p:cNvPr id="7" name="Rectangle 6">
+            <a:extLst>
+              <a:ext uri="{FF2B5EF4-FFF2-40B4-BE49-F238E27FC236}">
+                <a16:creationId xmlns:a16="http://schemas.microsoft.com/office/drawing/2014/main" id="{1910EA76-42D7-4F71-AD29-B88B5C2B27AA}"/>
+              </a:ext>
+            </a:extLst>
+          </p:cNvPr>
+          <p:cNvSpPr/>
+          <p:nvPr/>
+        </p:nvSpPr>
+        <p:spPr>
+          <a:xfrm>
+            <a:off x="1345834" y="4564924"/>
+            <a:ext cx="9080866" cy="465070"/>
+          </a:xfrm>
+          <a:prstGeom prst="rect">
+            <a:avLst/>
+          </a:prstGeom>
+          <a:solidFill>
+            <a:schemeClr val="accent1">
+              <a:alpha val="0"/>
+            </a:schemeClr>
+          </a:solidFill>
+          <a:ln w="38100"/>
+        </p:spPr>
+        <p:style>
+          <a:lnRef idx="2">
+            <a:schemeClr val="accent1">
+              <a:shade val="50000"/>
+            </a:schemeClr>
+          </a:lnRef>
+          <a:fillRef idx="1">
+            <a:schemeClr val="accent1"/>
+          </a:fillRef>
+          <a:effectRef idx="0">
+            <a:schemeClr val="accent1"/>
+          </a:effectRef>
+          <a:fontRef idx="minor">
+            <a:schemeClr val="lt1"/>
+          </a:fontRef>
+        </p:style>
+        <p:txBody>
+          <a:bodyPr rtlCol="0" anchor="ctr"/>
+          <a:lstStyle/>
+          <a:p>
+            <a:pPr algn="ctr"/>
+            <a:endParaRPr lang="en-US"/>
+          </a:p>
+        </p:txBody>
+      </p:sp>
+      <p:graphicFrame>
+        <p:nvGraphicFramePr>
+          <p:cNvPr id="8" name="Table 7">
+            <a:extLst>
+              <a:ext uri="{FF2B5EF4-FFF2-40B4-BE49-F238E27FC236}">
+                <a16:creationId xmlns:a16="http://schemas.microsoft.com/office/drawing/2014/main" id="{F7B06C67-7915-4751-ABA7-72FAC3F4291C}"/>
+              </a:ext>
+            </a:extLst>
+          </p:cNvPr>
+          <p:cNvGraphicFramePr>
+            <a:graphicFrameLocks noGrp="1"/>
+          </p:cNvGraphicFramePr>
+          <p:nvPr>
+            <p:extLst>
+              <p:ext uri="{D42A27DB-BD31-4B8C-83A1-F6EECF244321}">
+                <p14:modId xmlns:p14="http://schemas.microsoft.com/office/powerpoint/2010/main" val="1210575365"/>
+              </p:ext>
+            </p:extLst>
+          </p:nvPr>
+        </p:nvGraphicFramePr>
+        <p:xfrm>
+          <a:off x="5051643" y="241300"/>
+          <a:ext cx="6645057" cy="6375400"/>
+        </p:xfrm>
+        <a:graphic>
+          <a:graphicData uri="http://schemas.openxmlformats.org/drawingml/2006/table">
+            <a:tbl>
+              <a:tblPr firstRow="1" bandRow="1">
+                <a:effectLst>
+                  <a:outerShdw blurRad="50800" dist="38100" dir="10800000" algn="r" rotWithShape="0">
+                    <a:prstClr val="black">
+                      <a:alpha val="40000"/>
+                    </a:prstClr>
+                  </a:outerShdw>
+                </a:effectLst>
+                <a:tableStyleId>{5C22544A-7EE6-4342-B048-85BDC9FD1C3A}</a:tableStyleId>
+              </a:tblPr>
+              <a:tblGrid>
+                <a:gridCol w="6645057">
+                  <a:extLst>
+                    <a:ext uri="{9D8B030D-6E8A-4147-A177-3AD203B41FA5}">
+                      <a16:colId xmlns:a16="http://schemas.microsoft.com/office/drawing/2014/main" val="1057070397"/>
+                    </a:ext>
+                  </a:extLst>
+                </a:gridCol>
+              </a:tblGrid>
+              <a:tr h="6375400">
+                <a:tc>
+                  <a:txBody>
+                    <a:bodyPr/>
+                    <a:lstStyle/>
+                    <a:p>
+                      <a:r>
+                        <a:rPr lang="en-US" sz="1600" b="1" dirty="0">
+                          <a:solidFill>
+                            <a:srgbClr val="800000"/>
+                          </a:solidFill>
+                          <a:effectLst/>
+                          <a:latin typeface="Consolas" panose="020B0609020204030204" pitchFamily="49" charset="0"/>
+                        </a:rPr>
+                        <a:t>C:\working_folder\test_app&gt;</a:t>
+                      </a:r>
+                      <a:r>
+                        <a:rPr lang="en-US" sz="1600" b="0" dirty="0">
+                          <a:solidFill>
+                            <a:srgbClr val="800000"/>
+                          </a:solidFill>
+                          <a:effectLst/>
+                          <a:latin typeface="Consolas" panose="020B0609020204030204" pitchFamily="49" charset="0"/>
+                        </a:rPr>
+                        <a:t> </a:t>
+                      </a:r>
+                      <a:r>
+                        <a:rPr lang="en-US" sz="1600" b="0" dirty="0">
+                          <a:solidFill>
+                            <a:srgbClr val="002050"/>
+                          </a:solidFill>
+                          <a:effectLst/>
+                          <a:latin typeface="Consolas" panose="020B0609020204030204" pitchFamily="49" charset="0"/>
+                        </a:rPr>
+                        <a:t>dotnet </a:t>
+                      </a:r>
+                      <a:r>
+                        <a:rPr lang="en-US" sz="1600" b="0" dirty="0" err="1">
+                          <a:solidFill>
+                            <a:srgbClr val="002050"/>
+                          </a:solidFill>
+                          <a:effectLst/>
+                          <a:latin typeface="Consolas" panose="020B0609020204030204" pitchFamily="49" charset="0"/>
+                        </a:rPr>
+                        <a:t>aspnet-codegenerator</a:t>
+                      </a:r>
+                      <a:r>
+                        <a:rPr lang="en-US" sz="1600" b="0" dirty="0">
+                          <a:solidFill>
+                            <a:srgbClr val="002050"/>
+                          </a:solidFill>
+                          <a:effectLst/>
+                          <a:latin typeface="Consolas" panose="020B0609020204030204" pitchFamily="49" charset="0"/>
+                        </a:rPr>
+                        <a:t> -h</a:t>
+                      </a:r>
+                    </a:p>
+                    <a:p>
+                      <a:endParaRPr lang="en-US" sz="1600" b="0" dirty="0">
+                        <a:solidFill>
+                          <a:srgbClr val="800000"/>
+                        </a:solidFill>
+                        <a:effectLst/>
+                        <a:latin typeface="Consolas" panose="020B0609020204030204" pitchFamily="49" charset="0"/>
+                      </a:endParaRPr>
+                    </a:p>
+                    <a:p>
+                      <a:r>
+                        <a:rPr lang="en-US" sz="1600" b="0" dirty="0">
+                          <a:solidFill>
+                            <a:srgbClr val="800000"/>
+                          </a:solidFill>
+                          <a:effectLst/>
+                          <a:latin typeface="Consolas" panose="020B0609020204030204" pitchFamily="49" charset="0"/>
+                        </a:rPr>
+                        <a:t>Usage: </a:t>
+                      </a:r>
+                      <a:r>
+                        <a:rPr lang="en-US" sz="1600" b="0" dirty="0" err="1">
+                          <a:solidFill>
+                            <a:srgbClr val="800000"/>
+                          </a:solidFill>
+                          <a:effectLst/>
+                          <a:latin typeface="Consolas" panose="020B0609020204030204" pitchFamily="49" charset="0"/>
+                        </a:rPr>
+                        <a:t>aspnet-codegenerator</a:t>
+                      </a:r>
+                      <a:r>
+                        <a:rPr lang="en-US" sz="1600" b="0" dirty="0">
+                          <a:solidFill>
+                            <a:srgbClr val="800000"/>
+                          </a:solidFill>
+                          <a:effectLst/>
+                          <a:latin typeface="Consolas" panose="020B0609020204030204" pitchFamily="49" charset="0"/>
+                        </a:rPr>
+                        <a:t> [arguments] [options]</a:t>
+                      </a:r>
+                    </a:p>
+                    <a:p>
+                      <a:endParaRPr lang="en-US" sz="1600" b="0" dirty="0">
+                        <a:solidFill>
+                          <a:srgbClr val="800000"/>
+                        </a:solidFill>
+                        <a:effectLst/>
+                        <a:latin typeface="Consolas" panose="020B0609020204030204" pitchFamily="49" charset="0"/>
+                      </a:endParaRPr>
+                    </a:p>
+                    <a:p>
+                      <a:r>
+                        <a:rPr lang="en-US" sz="1600" b="0" dirty="0">
+                          <a:solidFill>
+                            <a:srgbClr val="800000"/>
+                          </a:solidFill>
+                          <a:effectLst/>
+                          <a:latin typeface="Consolas" panose="020B0609020204030204" pitchFamily="49" charset="0"/>
+                        </a:rPr>
+                        <a:t>Arguments:</a:t>
+                      </a:r>
+                    </a:p>
+                    <a:p>
+                      <a:r>
+                        <a:rPr lang="en-US" sz="1600" b="0" dirty="0">
+                          <a:solidFill>
+                            <a:srgbClr val="800000"/>
+                          </a:solidFill>
+                          <a:effectLst/>
+                          <a:latin typeface="Consolas" panose="020B0609020204030204" pitchFamily="49" charset="0"/>
+                        </a:rPr>
+                        <a:t>  generator  Name of the generator. Check available generators below.</a:t>
+                      </a:r>
+                    </a:p>
+                    <a:p>
+                      <a:endParaRPr lang="en-US" sz="1600" b="0" dirty="0">
+                        <a:solidFill>
+                          <a:srgbClr val="800000"/>
+                        </a:solidFill>
+                        <a:effectLst/>
+                        <a:latin typeface="Consolas" panose="020B0609020204030204" pitchFamily="49" charset="0"/>
+                      </a:endParaRPr>
+                    </a:p>
+                    <a:p>
+                      <a:r>
+                        <a:rPr lang="en-US" sz="1600" b="0" dirty="0">
+                          <a:solidFill>
+                            <a:srgbClr val="800000"/>
+                          </a:solidFill>
+                          <a:effectLst/>
+                          <a:latin typeface="Consolas" panose="020B0609020204030204" pitchFamily="49" charset="0"/>
+                        </a:rPr>
+                        <a:t>Options:</a:t>
+                      </a:r>
+                    </a:p>
+                    <a:p>
+                      <a:r>
+                        <a:rPr lang="en-US" sz="1600" b="0" dirty="0">
+                          <a:solidFill>
+                            <a:srgbClr val="800000"/>
+                          </a:solidFill>
+                          <a:effectLst/>
+                          <a:latin typeface="Consolas" panose="020B0609020204030204" pitchFamily="49" charset="0"/>
+                        </a:rPr>
+                        <a:t>  -p|--project             Path to .</a:t>
+                      </a:r>
+                      <a:r>
+                        <a:rPr lang="en-US" sz="1600" b="0" dirty="0" err="1">
+                          <a:solidFill>
+                            <a:srgbClr val="800000"/>
+                          </a:solidFill>
+                          <a:effectLst/>
+                          <a:latin typeface="Consolas" panose="020B0609020204030204" pitchFamily="49" charset="0"/>
+                        </a:rPr>
+                        <a:t>csproj</a:t>
+                      </a:r>
+                      <a:r>
+                        <a:rPr lang="en-US" sz="1600" b="0" dirty="0">
+                          <a:solidFill>
+                            <a:srgbClr val="800000"/>
+                          </a:solidFill>
+                          <a:effectLst/>
+                          <a:latin typeface="Consolas" panose="020B0609020204030204" pitchFamily="49" charset="0"/>
+                        </a:rPr>
+                        <a:t> file in the project.</a:t>
+                      </a:r>
+                    </a:p>
+                    <a:p>
+                      <a:r>
+                        <a:rPr lang="en-US" sz="1600" b="0" dirty="0">
+                          <a:solidFill>
+                            <a:srgbClr val="800000"/>
+                          </a:solidFill>
+                          <a:effectLst/>
+                          <a:latin typeface="Consolas" panose="020B0609020204030204" pitchFamily="49" charset="0"/>
+                        </a:rPr>
+                        <a:t>  -n|--</a:t>
+                      </a:r>
+                      <a:r>
+                        <a:rPr lang="en-US" sz="1600" b="0" dirty="0" err="1">
+                          <a:solidFill>
+                            <a:srgbClr val="800000"/>
+                          </a:solidFill>
+                          <a:effectLst/>
+                          <a:latin typeface="Consolas" panose="020B0609020204030204" pitchFamily="49" charset="0"/>
+                        </a:rPr>
+                        <a:t>nuget</a:t>
+                      </a:r>
+                      <a:r>
+                        <a:rPr lang="en-US" sz="1600" b="0" dirty="0">
+                          <a:solidFill>
+                            <a:srgbClr val="800000"/>
+                          </a:solidFill>
+                          <a:effectLst/>
+                          <a:latin typeface="Consolas" panose="020B0609020204030204" pitchFamily="49" charset="0"/>
+                        </a:rPr>
+                        <a:t>-package-</a:t>
+                      </a:r>
+                      <a:r>
+                        <a:rPr lang="en-US" sz="1600" b="0" dirty="0" err="1">
+                          <a:solidFill>
+                            <a:srgbClr val="800000"/>
+                          </a:solidFill>
+                          <a:effectLst/>
+                          <a:latin typeface="Consolas" panose="020B0609020204030204" pitchFamily="49" charset="0"/>
+                        </a:rPr>
+                        <a:t>dir</a:t>
+                      </a:r>
+                      <a:r>
+                        <a:rPr lang="en-US" sz="1600" b="0" dirty="0">
+                          <a:solidFill>
+                            <a:srgbClr val="800000"/>
+                          </a:solidFill>
+                          <a:effectLst/>
+                          <a:latin typeface="Consolas" panose="020B0609020204030204" pitchFamily="49" charset="0"/>
+                        </a:rPr>
+                        <a:t>  </a:t>
+                      </a:r>
+                    </a:p>
+                    <a:p>
+                      <a:r>
+                        <a:rPr lang="en-US" sz="1600" b="0" dirty="0">
+                          <a:solidFill>
+                            <a:srgbClr val="800000"/>
+                          </a:solidFill>
+                          <a:effectLst/>
+                          <a:latin typeface="Consolas" panose="020B0609020204030204" pitchFamily="49" charset="0"/>
+                        </a:rPr>
+                        <a:t>  -c|--configuration       </a:t>
+                      </a:r>
+                      <a:r>
+                        <a:rPr lang="en-US" sz="1600" b="0" dirty="0" err="1">
+                          <a:solidFill>
+                            <a:srgbClr val="800000"/>
+                          </a:solidFill>
+                          <a:effectLst/>
+                          <a:latin typeface="Consolas" panose="020B0609020204030204" pitchFamily="49" charset="0"/>
+                        </a:rPr>
+                        <a:t>Configuration</a:t>
+                      </a:r>
+                      <a:r>
+                        <a:rPr lang="en-US" sz="1600" b="0" dirty="0">
+                          <a:solidFill>
+                            <a:srgbClr val="800000"/>
+                          </a:solidFill>
+                          <a:effectLst/>
+                          <a:latin typeface="Consolas" panose="020B0609020204030204" pitchFamily="49" charset="0"/>
+                        </a:rPr>
+                        <a:t> for the project (Possible values: Debug/ Release)  </a:t>
+                      </a:r>
+                    </a:p>
+                    <a:p>
+                      <a:r>
+                        <a:rPr lang="en-US" sz="1600" b="0" dirty="0">
+                          <a:solidFill>
+                            <a:srgbClr val="800000"/>
+                          </a:solidFill>
+                          <a:effectLst/>
+                          <a:latin typeface="Consolas" panose="020B0609020204030204" pitchFamily="49" charset="0"/>
+                        </a:rPr>
+                        <a:t>  -</a:t>
+                      </a:r>
+                      <a:r>
+                        <a:rPr lang="en-US" sz="1600" b="0" dirty="0" err="1">
+                          <a:solidFill>
+                            <a:srgbClr val="800000"/>
+                          </a:solidFill>
+                          <a:effectLst/>
+                          <a:latin typeface="Consolas" panose="020B0609020204030204" pitchFamily="49" charset="0"/>
+                        </a:rPr>
+                        <a:t>tfm</a:t>
+                      </a:r>
+                      <a:r>
+                        <a:rPr lang="en-US" sz="1600" b="0" dirty="0">
+                          <a:solidFill>
+                            <a:srgbClr val="800000"/>
+                          </a:solidFill>
+                          <a:effectLst/>
+                          <a:latin typeface="Consolas" panose="020B0609020204030204" pitchFamily="49" charset="0"/>
+                        </a:rPr>
+                        <a:t>|--target-framework  Target Framework to use. (Short folder name of the </a:t>
+                      </a:r>
+                      <a:r>
+                        <a:rPr lang="en-US" sz="1600" b="0" dirty="0" err="1">
+                          <a:solidFill>
+                            <a:srgbClr val="800000"/>
+                          </a:solidFill>
+                          <a:effectLst/>
+                          <a:latin typeface="Consolas" panose="020B0609020204030204" pitchFamily="49" charset="0"/>
+                        </a:rPr>
+                        <a:t>tfm</a:t>
+                      </a:r>
+                      <a:r>
+                        <a:rPr lang="en-US" sz="1600" b="0" dirty="0">
+                          <a:solidFill>
+                            <a:srgbClr val="800000"/>
+                          </a:solidFill>
+                          <a:effectLst/>
+                          <a:latin typeface="Consolas" panose="020B0609020204030204" pitchFamily="49" charset="0"/>
+                        </a:rPr>
+                        <a:t>. </a:t>
+                      </a:r>
+                      <a:r>
+                        <a:rPr lang="en-US" sz="1600" b="0" dirty="0" err="1">
+                          <a:solidFill>
+                            <a:srgbClr val="800000"/>
+                          </a:solidFill>
+                          <a:effectLst/>
+                          <a:latin typeface="Consolas" panose="020B0609020204030204" pitchFamily="49" charset="0"/>
+                        </a:rPr>
+                        <a:t>eg.</a:t>
+                      </a:r>
+                      <a:r>
+                        <a:rPr lang="en-US" sz="1600" b="0" dirty="0">
+                          <a:solidFill>
+                            <a:srgbClr val="800000"/>
+                          </a:solidFill>
+                          <a:effectLst/>
+                          <a:latin typeface="Consolas" panose="020B0609020204030204" pitchFamily="49" charset="0"/>
+                        </a:rPr>
+                        <a:t> net46)  </a:t>
+                      </a:r>
+                    </a:p>
+                    <a:p>
+                      <a:r>
+                        <a:rPr lang="en-US" sz="1600" b="0" dirty="0">
+                          <a:solidFill>
+                            <a:srgbClr val="800000"/>
+                          </a:solidFill>
+                          <a:effectLst/>
+                          <a:latin typeface="Consolas" panose="020B0609020204030204" pitchFamily="49" charset="0"/>
+                        </a:rPr>
+                        <a:t>  -b|--build-base-path  </a:t>
+                      </a:r>
+                    </a:p>
+                    <a:p>
+                      <a:r>
+                        <a:rPr lang="en-US" sz="1600" b="0" dirty="0">
+                          <a:solidFill>
+                            <a:srgbClr val="800000"/>
+                          </a:solidFill>
+                          <a:effectLst/>
+                          <a:latin typeface="Consolas" panose="020B0609020204030204" pitchFamily="49" charset="0"/>
+                        </a:rPr>
+                        <a:t>  --no-build</a:t>
+                      </a:r>
+                    </a:p>
+                    <a:p>
+                      <a:endParaRPr lang="en-US" sz="1600" b="0" dirty="0">
+                        <a:solidFill>
+                          <a:srgbClr val="800000"/>
+                        </a:solidFill>
+                        <a:effectLst/>
+                        <a:latin typeface="Consolas" panose="020B0609020204030204" pitchFamily="49" charset="0"/>
+                      </a:endParaRPr>
+                    </a:p>
+                    <a:p>
+                      <a:r>
+                        <a:rPr lang="en-US" sz="1600" b="0" dirty="0">
+                          <a:solidFill>
+                            <a:srgbClr val="800000"/>
+                          </a:solidFill>
+                          <a:effectLst/>
+                          <a:latin typeface="Consolas" panose="020B0609020204030204" pitchFamily="49" charset="0"/>
+                        </a:rPr>
+                        <a:t>Available generators:</a:t>
+                      </a:r>
+                    </a:p>
+                    <a:p>
+                      <a:r>
+                        <a:rPr lang="en-US" sz="1600" b="0" dirty="0">
+                          <a:solidFill>
+                            <a:srgbClr val="800000"/>
+                          </a:solidFill>
+                          <a:effectLst/>
+                          <a:latin typeface="Consolas" panose="020B0609020204030204" pitchFamily="49" charset="0"/>
+                        </a:rPr>
+                        <a:t>  area      : Generates an MVC Area.</a:t>
+                      </a:r>
+                    </a:p>
+                    <a:p>
+                      <a:r>
+                        <a:rPr lang="en-US" sz="1600" b="0" dirty="0">
+                          <a:solidFill>
+                            <a:srgbClr val="800000"/>
+                          </a:solidFill>
+                          <a:effectLst/>
+                          <a:latin typeface="Consolas" panose="020B0609020204030204" pitchFamily="49" charset="0"/>
+                        </a:rPr>
+                        <a:t>  controller: Generates a controller.</a:t>
+                      </a:r>
+                    </a:p>
+                    <a:p>
+                      <a:r>
+                        <a:rPr lang="en-US" sz="1600" b="0" dirty="0">
+                          <a:solidFill>
+                            <a:srgbClr val="800000"/>
+                          </a:solidFill>
+                          <a:effectLst/>
+                          <a:latin typeface="Consolas" panose="020B0609020204030204" pitchFamily="49" charset="0"/>
+                        </a:rPr>
+                        <a:t>  identity  : Generates an MVC Area with controllers and</a:t>
+                      </a:r>
+                    </a:p>
+                    <a:p>
+                      <a:r>
+                        <a:rPr lang="en-US" sz="1600" b="0" dirty="0">
+                          <a:solidFill>
+                            <a:srgbClr val="800000"/>
+                          </a:solidFill>
+                          <a:effectLst/>
+                          <a:latin typeface="Consolas" panose="020B0609020204030204" pitchFamily="49" charset="0"/>
+                        </a:rPr>
+                        <a:t>  </a:t>
+                      </a:r>
+                      <a:r>
+                        <a:rPr lang="en-US" sz="1600" b="0" dirty="0" err="1">
+                          <a:solidFill>
+                            <a:srgbClr val="800000"/>
+                          </a:solidFill>
+                          <a:effectLst/>
+                          <a:latin typeface="Consolas" panose="020B0609020204030204" pitchFamily="49" charset="0"/>
+                        </a:rPr>
+                        <a:t>razorpage</a:t>
+                      </a:r>
+                      <a:r>
+                        <a:rPr lang="en-US" sz="1600" b="0" dirty="0">
+                          <a:solidFill>
+                            <a:srgbClr val="800000"/>
+                          </a:solidFill>
+                          <a:effectLst/>
+                          <a:latin typeface="Consolas" panose="020B0609020204030204" pitchFamily="49" charset="0"/>
+                        </a:rPr>
+                        <a:t> : Generates </a:t>
+                      </a:r>
+                      <a:r>
+                        <a:rPr lang="en-US" sz="1600" b="0" dirty="0" err="1">
+                          <a:solidFill>
+                            <a:srgbClr val="800000"/>
+                          </a:solidFill>
+                          <a:effectLst/>
+                          <a:latin typeface="Consolas" panose="020B0609020204030204" pitchFamily="49" charset="0"/>
+                        </a:rPr>
+                        <a:t>RazorPage</a:t>
+                      </a:r>
+                      <a:r>
+                        <a:rPr lang="en-US" sz="1600" b="0" dirty="0">
+                          <a:solidFill>
+                            <a:srgbClr val="800000"/>
+                          </a:solidFill>
+                          <a:effectLst/>
+                          <a:latin typeface="Consolas" panose="020B0609020204030204" pitchFamily="49" charset="0"/>
+                        </a:rPr>
+                        <a:t>(s).</a:t>
+                      </a:r>
+                    </a:p>
+                    <a:p>
+                      <a:r>
+                        <a:rPr lang="en-US" sz="1600" b="0" dirty="0">
+                          <a:solidFill>
+                            <a:srgbClr val="800000"/>
+                          </a:solidFill>
+                          <a:effectLst/>
+                          <a:latin typeface="Consolas" panose="020B0609020204030204" pitchFamily="49" charset="0"/>
+                        </a:rPr>
+                        <a:t>  view      : Generates a view.</a:t>
+                      </a:r>
+                      <a:endParaRPr lang="en-US" sz="1600" b="0" kern="1200" dirty="0">
+                        <a:solidFill>
+                          <a:schemeClr val="bg1"/>
+                        </a:solidFill>
+                        <a:effectLst/>
+                        <a:latin typeface="+mn-lt"/>
+                        <a:ea typeface="+mn-ea"/>
+                        <a:cs typeface="+mn-cs"/>
+                      </a:endParaRPr>
+                    </a:p>
+                  </a:txBody>
+                  <a:tcPr>
+                    <a:lnL w="12700" cap="flat" cmpd="sng" algn="ctr">
+                      <a:solidFill>
+                        <a:schemeClr val="tx1"/>
+                      </a:solidFill>
+                      <a:prstDash val="solid"/>
+                      <a:round/>
+                      <a:headEnd type="none" w="med" len="med"/>
+                      <a:tailEnd type="none" w="med" len="med"/>
+                    </a:lnL>
+                    <a:lnR w="12700" cap="flat" cmpd="sng" algn="ctr">
+                      <a:solidFill>
+                        <a:schemeClr val="tx1"/>
+                      </a:solidFill>
+                      <a:prstDash val="solid"/>
+                      <a:round/>
+                      <a:headEnd type="none" w="med" len="med"/>
+                      <a:tailEnd type="none" w="med" len="med"/>
+                    </a:lnR>
+                    <a:lnT w="12700" cap="flat" cmpd="sng" algn="ctr">
+                      <a:solidFill>
+                        <a:schemeClr val="tx1"/>
+                      </a:solidFill>
+                      <a:prstDash val="solid"/>
+                      <a:round/>
+                      <a:headEnd type="none" w="med" len="med"/>
+                      <a:tailEnd type="none" w="med" len="med"/>
+                    </a:lnT>
+                    <a:lnB w="12700" cap="flat" cmpd="sng" algn="ctr">
+                      <a:solidFill>
+                        <a:schemeClr val="tx1"/>
+                      </a:solidFill>
+                      <a:prstDash val="solid"/>
+                      <a:round/>
+                      <a:headEnd type="none" w="med" len="med"/>
+                      <a:tailEnd type="none" w="med" len="med"/>
+                    </a:lnB>
+                    <a:solidFill>
+                      <a:schemeClr val="tx1"/>
+                    </a:solidFill>
+                  </a:tcPr>
+                </a:tc>
+                <a:extLst>
+                  <a:ext uri="{0D108BD9-81ED-4DB2-BD59-A6C34878D82A}">
+                    <a16:rowId xmlns:a16="http://schemas.microsoft.com/office/drawing/2014/main" val="3473222697"/>
+                  </a:ext>
+                </a:extLst>
+              </a:tr>
+            </a:tbl>
+          </a:graphicData>
+        </a:graphic>
+      </p:graphicFrame>
       <p:cxnSp>
         <p:nvCxnSpPr>
-          <p:cNvPr id="10" name="Straight Connector 9">
+          <p:cNvPr id="9" name="Straight Arrow Connector 8">
             <a:extLst>
               <a:ext uri="{FF2B5EF4-FFF2-40B4-BE49-F238E27FC236}">
-                <a16:creationId xmlns:a16="http://schemas.microsoft.com/office/drawing/2014/main" id="{2D72A2C9-F3CA-4216-8BAD-FA4C970C3C4E}"/>
+                <a16:creationId xmlns:a16="http://schemas.microsoft.com/office/drawing/2014/main" id="{0B19DBA7-BC91-41A4-BC97-E3DFFEE140D2}"/>
               </a:ext>
             </a:extLst>
           </p:cNvPr>
           <p:cNvCxnSpPr>
-            <a:cxnSpLocks noGrp="1" noRot="1" noChangeAspect="1" noMove="1" noResize="1" noEditPoints="1" noAdjustHandles="1" noChangeArrowheads="1" noChangeShapeType="1"/>
+            <a:cxnSpLocks/>
+            <a:endCxn id="13" idx="2"/>
           </p:cNvCxnSpPr>
-          <p:nvPr>
-            <p:extLst>
-              <p:ext uri="{386F3935-93C4-4BCD-93E2-E3B085C9AB24}">
-                <p16:designElem xmlns:p16="http://schemas.microsoft.com/office/powerpoint/2015/main" val="1"/>
-              </p:ext>
-            </p:extLst>
-          </p:nvPr>
+          <p:nvPr/>
         </p:nvCxnSpPr>
         <p:spPr>
-          <a:xfrm>
-            <a:off x="4654296" y="2057400"/>
-            <a:ext cx="0" cy="2743200"/>
+          <a:xfrm flipV="1">
+            <a:off x="4457700" y="554832"/>
+            <a:ext cx="5455444" cy="3623468"/>
           </a:xfrm>
-          <a:prstGeom prst="line">
+          <a:prstGeom prst="straightConnector1">
             <a:avLst/>
           </a:prstGeom>
-          <a:ln w="19050">
-            <a:solidFill>
-              <a:schemeClr val="tx1">
-                <a:lumMod val="85000"/>
-                <a:lumOff val="15000"/>
-              </a:schemeClr>
-            </a:solidFill>
+          <a:ln w="38100">
+            <a:tailEnd type="triangle"/>
           </a:ln>
         </p:spPr>
         <p:style>
-          <a:lnRef idx="1">
+          <a:lnRef idx="3">
             <a:schemeClr val="accent1"/>
           </a:lnRef>
           <a:fillRef idx="0">
             <a:schemeClr val="accent1"/>
           </a:fillRef>
-          <a:effectRef idx="0">
+          <a:effectRef idx="2">
             <a:schemeClr val="accent1"/>
           </a:effectRef>
           <a:fontRef idx="minor">
@@ -23993,91 +26407,60 @@
       </p:cxnSp>
       <p:sp>
         <p:nvSpPr>
-          <p:cNvPr id="2" name="Title 1"/>
-          <p:cNvSpPr>
-            <a:spLocks noGrp="1"/>
-          </p:cNvSpPr>
-          <p:nvPr>
-            <p:ph type="title"/>
-          </p:nvPr>
+          <p:cNvPr id="13" name="Rectangle 12">
+            <a:extLst>
+              <a:ext uri="{FF2B5EF4-FFF2-40B4-BE49-F238E27FC236}">
+                <a16:creationId xmlns:a16="http://schemas.microsoft.com/office/drawing/2014/main" id="{3EEE6FD7-4A90-4DEB-9F12-A4CA46F976D0}"/>
+              </a:ext>
+            </a:extLst>
+          </p:cNvPr>
+          <p:cNvSpPr/>
+          <p:nvPr/>
         </p:nvSpPr>
         <p:spPr>
           <a:xfrm>
-            <a:off x="838200" y="963877"/>
-            <a:ext cx="3494362" cy="4930246"/>
+            <a:off x="8177213" y="294413"/>
+            <a:ext cx="3471862" cy="260419"/>
           </a:xfrm>
+          <a:prstGeom prst="rect">
+            <a:avLst/>
+          </a:prstGeom>
+          <a:solidFill>
+            <a:schemeClr val="accent1">
+              <a:alpha val="0"/>
+            </a:schemeClr>
+          </a:solidFill>
+          <a:ln w="38100"/>
         </p:spPr>
+        <p:style>
+          <a:lnRef idx="2">
+            <a:schemeClr val="accent1">
+              <a:shade val="50000"/>
+            </a:schemeClr>
+          </a:lnRef>
+          <a:fillRef idx="1">
+            <a:schemeClr val="accent1"/>
+          </a:fillRef>
+          <a:effectRef idx="0">
+            <a:schemeClr val="accent1"/>
+          </a:effectRef>
+          <a:fontRef idx="minor">
+            <a:schemeClr val="lt1"/>
+          </a:fontRef>
+        </p:style>
         <p:txBody>
-          <a:bodyPr>
-            <a:normAutofit/>
-          </a:bodyPr>
+          <a:bodyPr rtlCol="0" anchor="ctr"/>
           <a:lstStyle/>
           <a:p>
-            <a:pPr algn="r"/>
-            <a:r>
-              <a:rPr lang="en-US">
-                <a:solidFill>
-                  <a:schemeClr val="accent1"/>
-                </a:solidFill>
-              </a:rPr>
-              <a:t>Integration with VSTS</a:t>
-            </a:r>
-          </a:p>
-        </p:txBody>
-      </p:sp>
-      <p:sp>
-        <p:nvSpPr>
-          <p:cNvPr id="3" name="Content Placeholder 2"/>
-          <p:cNvSpPr>
-            <a:spLocks noGrp="1"/>
-          </p:cNvSpPr>
-          <p:nvPr>
-            <p:ph idx="1"/>
-          </p:nvPr>
-        </p:nvSpPr>
-        <p:spPr>
-          <a:xfrm>
-            <a:off x="4976031" y="963877"/>
-            <a:ext cx="6377769" cy="4930246"/>
-          </a:xfrm>
-        </p:spPr>
-        <p:txBody>
-          <a:bodyPr anchor="ctr">
-            <a:normAutofit/>
-          </a:bodyPr>
-          <a:lstStyle/>
-          <a:p>
-            <a:r>
-              <a:rPr lang="en-US" sz="2400" dirty="0"/>
-              <a:t>CI / CD pipeline</a:t>
-            </a:r>
-          </a:p>
-          <a:p>
-            <a:pPr lvl="1"/>
-            <a:r>
-              <a:rPr lang="en-US" sz="2000" dirty="0"/>
-              <a:t>Build definitions</a:t>
-            </a:r>
-          </a:p>
-          <a:p>
-            <a:pPr lvl="1"/>
-            <a:r>
-              <a:rPr lang="en-US" sz="2000" dirty="0"/>
-              <a:t>Release definitions</a:t>
-            </a:r>
-          </a:p>
-          <a:p>
-            <a:r>
-              <a:rPr lang="en-US" sz="2400" dirty="0"/>
-              <a:t>CLI knowledge needed for advanced cases</a:t>
-            </a:r>
+            <a:pPr algn="ctr"/>
+            <a:endParaRPr lang="en-US"/>
           </a:p>
         </p:txBody>
       </p:sp>
     </p:spTree>
     <p:extLst>
       <p:ext uri="{BB962C8B-B14F-4D97-AF65-F5344CB8AC3E}">
-        <p14:creationId xmlns:p14="http://schemas.microsoft.com/office/powerpoint/2010/main" val="1360020685"/>
+        <p14:creationId xmlns:p14="http://schemas.microsoft.com/office/powerpoint/2010/main" val="484807160"/>
       </p:ext>
     </p:extLst>
   </p:cSld>
@@ -24118,11 +26501,7 @@
                                           </p:stCondLst>
                                         </p:cTn>
                                         <p:tgtEl>
-                                          <p:spTgt spid="3">
-                                            <p:txEl>
-                                              <p:pRg st="0" end="0"/>
-                                            </p:txEl>
-                                          </p:spTgt>
+                                          <p:spTgt spid="9"/>
                                         </p:tgtEl>
                                         <p:attrNameLst>
                                           <p:attrName>style.visibility</p:attrName>
@@ -24136,11 +26515,562 @@
                                       <p:cBhvr>
                                         <p:cTn id="7" dur="500"/>
                                         <p:tgtEl>
-                                          <p:spTgt spid="3">
-                                            <p:txEl>
-                                              <p:pRg st="0" end="0"/>
-                                            </p:txEl>
-                                          </p:spTgt>
+                                          <p:spTgt spid="9"/>
+                                        </p:tgtEl>
+                                      </p:cBhvr>
+                                    </p:animEffect>
+                                  </p:childTnLst>
+                                </p:cTn>
+                              </p:par>
+                              <p:par>
+                                <p:cTn id="8" presetID="10" presetClass="entr" presetSubtype="0" fill="hold" grpId="0" nodeType="withEffect">
+                                  <p:stCondLst>
+                                    <p:cond delay="0"/>
+                                  </p:stCondLst>
+                                  <p:childTnLst>
+                                    <p:set>
+                                      <p:cBhvr>
+                                        <p:cTn id="9" dur="1" fill="hold">
+                                          <p:stCondLst>
+                                            <p:cond delay="0"/>
+                                          </p:stCondLst>
+                                        </p:cTn>
+                                        <p:tgtEl>
+                                          <p:spTgt spid="13"/>
+                                        </p:tgtEl>
+                                        <p:attrNameLst>
+                                          <p:attrName>style.visibility</p:attrName>
+                                        </p:attrNameLst>
+                                      </p:cBhvr>
+                                      <p:to>
+                                        <p:strVal val="visible"/>
+                                      </p:to>
+                                    </p:set>
+                                    <p:animEffect transition="in" filter="fade">
+                                      <p:cBhvr>
+                                        <p:cTn id="10" dur="500"/>
+                                        <p:tgtEl>
+                                          <p:spTgt spid="13"/>
+                                        </p:tgtEl>
+                                      </p:cBhvr>
+                                    </p:animEffect>
+                                  </p:childTnLst>
+                                </p:cTn>
+                              </p:par>
+                              <p:par>
+                                <p:cTn id="11" presetID="10" presetClass="entr" presetSubtype="0" fill="hold" nodeType="withEffect">
+                                  <p:stCondLst>
+                                    <p:cond delay="0"/>
+                                  </p:stCondLst>
+                                  <p:childTnLst>
+                                    <p:set>
+                                      <p:cBhvr>
+                                        <p:cTn id="12" dur="1" fill="hold">
+                                          <p:stCondLst>
+                                            <p:cond delay="0"/>
+                                          </p:stCondLst>
+                                        </p:cTn>
+                                        <p:tgtEl>
+                                          <p:spTgt spid="8"/>
+                                        </p:tgtEl>
+                                        <p:attrNameLst>
+                                          <p:attrName>style.visibility</p:attrName>
+                                        </p:attrNameLst>
+                                      </p:cBhvr>
+                                      <p:to>
+                                        <p:strVal val="visible"/>
+                                      </p:to>
+                                    </p:set>
+                                    <p:animEffect transition="in" filter="fade">
+                                      <p:cBhvr>
+                                        <p:cTn id="13" dur="500"/>
+                                        <p:tgtEl>
+                                          <p:spTgt spid="8"/>
+                                        </p:tgtEl>
+                                      </p:cBhvr>
+                                    </p:animEffect>
+                                  </p:childTnLst>
+                                </p:cTn>
+                              </p:par>
+                            </p:childTnLst>
+                          </p:cTn>
+                        </p:par>
+                      </p:childTnLst>
+                    </p:cTn>
+                  </p:par>
+                </p:childTnLst>
+              </p:cTn>
+              <p:prevCondLst>
+                <p:cond evt="onPrev" delay="0">
+                  <p:tgtEl>
+                    <p:sldTgt/>
+                  </p:tgtEl>
+                </p:cond>
+              </p:prevCondLst>
+              <p:nextCondLst>
+                <p:cond evt="onNext" delay="0">
+                  <p:tgtEl>
+                    <p:sldTgt/>
+                  </p:tgtEl>
+                </p:cond>
+              </p:nextCondLst>
+            </p:seq>
+          </p:childTnLst>
+        </p:cTn>
+      </p:par>
+    </p:tnLst>
+    <p:bldLst>
+      <p:bldP spid="13" grpId="0" animBg="1"/>
+    </p:bldLst>
+  </p:timing>
+</p:sld>
+</file>
+
+<file path=ppt/slides/slide9.xml><?xml version="1.0" encoding="utf-8"?>
+<p:sld xmlns:a="http://schemas.openxmlformats.org/drawingml/2006/main" xmlns:r="http://schemas.openxmlformats.org/officeDocument/2006/relationships" xmlns:p="http://schemas.openxmlformats.org/presentationml/2006/main">
+  <p:cSld>
+    <p:spTree>
+      <p:nvGrpSpPr>
+        <p:cNvPr id="1" name=""/>
+        <p:cNvGrpSpPr/>
+        <p:nvPr/>
+      </p:nvGrpSpPr>
+      <p:grpSpPr>
+        <a:xfrm>
+          <a:off x="0" y="0"/>
+          <a:ext cx="0" cy="0"/>
+          <a:chOff x="0" y="0"/>
+          <a:chExt cx="0" cy="0"/>
+        </a:xfrm>
+      </p:grpSpPr>
+      <p:sp>
+        <p:nvSpPr>
+          <p:cNvPr id="2" name="Title 1">
+            <a:extLst>
+              <a:ext uri="{FF2B5EF4-FFF2-40B4-BE49-F238E27FC236}">
+                <a16:creationId xmlns:a16="http://schemas.microsoft.com/office/drawing/2014/main" id="{3480FB3C-4B87-4419-A9E4-BA511FB9DFDB}"/>
+              </a:ext>
+            </a:extLst>
+          </p:cNvPr>
+          <p:cNvSpPr>
+            <a:spLocks noGrp="1"/>
+          </p:cNvSpPr>
+          <p:nvPr>
+            <p:ph type="title"/>
+          </p:nvPr>
+        </p:nvSpPr>
+        <p:spPr/>
+        <p:txBody>
+          <a:bodyPr/>
+          <a:lstStyle/>
+          <a:p>
+            <a:r>
+              <a:rPr lang="en-US" dirty="0"/>
+              <a:t>Scaffolding command</a:t>
+            </a:r>
+          </a:p>
+        </p:txBody>
+      </p:sp>
+      <p:graphicFrame>
+        <p:nvGraphicFramePr>
+          <p:cNvPr id="4" name="Table 3">
+            <a:extLst>
+              <a:ext uri="{FF2B5EF4-FFF2-40B4-BE49-F238E27FC236}">
+                <a16:creationId xmlns:a16="http://schemas.microsoft.com/office/drawing/2014/main" id="{B8A99360-6FF7-4C7D-A5E9-55B79B38D3E7}"/>
+              </a:ext>
+            </a:extLst>
+          </p:cNvPr>
+          <p:cNvGraphicFramePr>
+            <a:graphicFrameLocks noGrp="1"/>
+          </p:cNvGraphicFramePr>
+          <p:nvPr>
+            <p:extLst>
+              <p:ext uri="{D42A27DB-BD31-4B8C-83A1-F6EECF244321}">
+                <p14:modId xmlns:p14="http://schemas.microsoft.com/office/powerpoint/2010/main" val="1865551855"/>
+              </p:ext>
+            </p:extLst>
+          </p:nvPr>
+        </p:nvGraphicFramePr>
+        <p:xfrm>
+          <a:off x="844461" y="1825625"/>
+          <a:ext cx="10232843" cy="1615440"/>
+        </p:xfrm>
+        <a:graphic>
+          <a:graphicData uri="http://schemas.openxmlformats.org/drawingml/2006/table">
+            <a:tbl>
+              <a:tblPr firstRow="1" bandRow="1">
+                <a:tableStyleId>{5C22544A-7EE6-4342-B048-85BDC9FD1C3A}</a:tableStyleId>
+              </a:tblPr>
+              <a:tblGrid>
+                <a:gridCol w="10232843">
+                  <a:extLst>
+                    <a:ext uri="{9D8B030D-6E8A-4147-A177-3AD203B41FA5}">
+                      <a16:colId xmlns:a16="http://schemas.microsoft.com/office/drawing/2014/main" val="1057070397"/>
+                    </a:ext>
+                  </a:extLst>
+                </a:gridCol>
+              </a:tblGrid>
+              <a:tr h="1463675">
+                <a:tc>
+                  <a:txBody>
+                    <a:bodyPr/>
+                    <a:lstStyle/>
+                    <a:p>
+                      <a:r>
+                        <a:rPr lang="en-US" sz="2000" b="1" kern="1200" dirty="0">
+                          <a:solidFill>
+                            <a:schemeClr val="bg1"/>
+                          </a:solidFill>
+                          <a:effectLst/>
+                          <a:latin typeface="Consolas" panose="020B0609020204030204" pitchFamily="49" charset="0"/>
+                          <a:ea typeface="+mn-ea"/>
+                          <a:cs typeface="+mn-cs"/>
+                        </a:rPr>
+                        <a:t>C:\working_folder\test_app&gt;</a:t>
+                      </a:r>
+                      <a:r>
+                        <a:rPr lang="en-US" sz="2000" b="0" kern="1200" dirty="0">
+                          <a:solidFill>
+                            <a:schemeClr val="bg1"/>
+                          </a:solidFill>
+                          <a:effectLst/>
+                          <a:latin typeface="Consolas" panose="020B0609020204030204" pitchFamily="49" charset="0"/>
+                          <a:ea typeface="+mn-ea"/>
+                          <a:cs typeface="+mn-cs"/>
+                        </a:rPr>
+                        <a:t> </a:t>
+                      </a:r>
+                      <a:r>
+                        <a:rPr lang="en-US" sz="2000" b="0" kern="1200" dirty="0">
+                          <a:solidFill>
+                            <a:srgbClr val="002050"/>
+                          </a:solidFill>
+                          <a:effectLst/>
+                          <a:latin typeface="Consolas" panose="020B0609020204030204" pitchFamily="49" charset="0"/>
+                          <a:ea typeface="+mn-ea"/>
+                          <a:cs typeface="+mn-cs"/>
+                        </a:rPr>
+                        <a:t>dotnet </a:t>
+                      </a:r>
+                      <a:r>
+                        <a:rPr lang="en-US" sz="2000" b="0" kern="1200" dirty="0" err="1">
+                          <a:solidFill>
+                            <a:srgbClr val="002050"/>
+                          </a:solidFill>
+                          <a:effectLst/>
+                          <a:latin typeface="Consolas" panose="020B0609020204030204" pitchFamily="49" charset="0"/>
+                          <a:ea typeface="+mn-ea"/>
+                          <a:cs typeface="+mn-cs"/>
+                        </a:rPr>
+                        <a:t>aspnet-codegenerator</a:t>
+                      </a:r>
+                      <a:r>
+                        <a:rPr lang="en-US" sz="2000" b="0" kern="1200" dirty="0">
+                          <a:solidFill>
+                            <a:srgbClr val="002050"/>
+                          </a:solidFill>
+                          <a:effectLst/>
+                          <a:latin typeface="Consolas" panose="020B0609020204030204" pitchFamily="49" charset="0"/>
+                          <a:ea typeface="+mn-ea"/>
+                          <a:cs typeface="+mn-cs"/>
+                        </a:rPr>
+                        <a:t> identity</a:t>
+                      </a:r>
+                    </a:p>
+                    <a:p>
+                      <a:r>
+                        <a:rPr lang="en-US" sz="2000" b="0" kern="1200" dirty="0">
+                          <a:solidFill>
+                            <a:schemeClr val="bg1"/>
+                          </a:solidFill>
+                          <a:effectLst/>
+                          <a:latin typeface="Consolas" panose="020B0609020204030204" pitchFamily="49" charset="0"/>
+                          <a:ea typeface="+mn-ea"/>
+                          <a:cs typeface="+mn-cs"/>
+                        </a:rPr>
+                        <a:t>Building project ...</a:t>
+                      </a:r>
+                    </a:p>
+                    <a:p>
+                      <a:r>
+                        <a:rPr lang="en-US" sz="2000" b="0" kern="1200" dirty="0">
+                          <a:solidFill>
+                            <a:schemeClr val="bg1"/>
+                          </a:solidFill>
+                          <a:effectLst/>
+                          <a:latin typeface="Consolas" panose="020B0609020204030204" pitchFamily="49" charset="0"/>
+                          <a:ea typeface="+mn-ea"/>
+                          <a:cs typeface="+mn-cs"/>
+                        </a:rPr>
+                        <a:t>Finding the generator 'identity'...</a:t>
+                      </a:r>
+                    </a:p>
+                    <a:p>
+                      <a:r>
+                        <a:rPr lang="en-US" sz="2000" b="0" kern="1200" dirty="0">
+                          <a:solidFill>
+                            <a:schemeClr val="bg1"/>
+                          </a:solidFill>
+                          <a:effectLst/>
+                          <a:latin typeface="Consolas" panose="020B0609020204030204" pitchFamily="49" charset="0"/>
+                          <a:ea typeface="+mn-ea"/>
+                          <a:cs typeface="+mn-cs"/>
+                        </a:rPr>
+                        <a:t>Running the generator 'identity'...</a:t>
+                      </a:r>
+                    </a:p>
+                    <a:p>
+                      <a:r>
+                        <a:rPr lang="en-US" sz="2000" b="0" kern="1200" dirty="0" err="1">
+                          <a:solidFill>
+                            <a:schemeClr val="bg1"/>
+                          </a:solidFill>
+                          <a:effectLst/>
+                          <a:latin typeface="Consolas" panose="020B0609020204030204" pitchFamily="49" charset="0"/>
+                          <a:ea typeface="+mn-ea"/>
+                          <a:cs typeface="+mn-cs"/>
+                        </a:rPr>
+                        <a:t>RunTime</a:t>
+                      </a:r>
+                      <a:r>
+                        <a:rPr lang="en-US" sz="2000" b="0" kern="1200" dirty="0">
+                          <a:solidFill>
+                            <a:schemeClr val="bg1"/>
+                          </a:solidFill>
+                          <a:effectLst/>
+                          <a:latin typeface="Consolas" panose="020B0609020204030204" pitchFamily="49" charset="0"/>
+                          <a:ea typeface="+mn-ea"/>
+                          <a:cs typeface="+mn-cs"/>
+                        </a:rPr>
+                        <a:t> 00:00:15.93</a:t>
+                      </a:r>
+                    </a:p>
+                  </a:txBody>
+                  <a:tcPr>
+                    <a:lnL w="12700" cap="flat" cmpd="sng" algn="ctr">
+                      <a:solidFill>
+                        <a:schemeClr val="tx1"/>
+                      </a:solidFill>
+                      <a:prstDash val="solid"/>
+                      <a:round/>
+                      <a:headEnd type="none" w="med" len="med"/>
+                      <a:tailEnd type="none" w="med" len="med"/>
+                    </a:lnL>
+                    <a:lnR w="12700" cap="flat" cmpd="sng" algn="ctr">
+                      <a:solidFill>
+                        <a:schemeClr val="tx1"/>
+                      </a:solidFill>
+                      <a:prstDash val="solid"/>
+                      <a:round/>
+                      <a:headEnd type="none" w="med" len="med"/>
+                      <a:tailEnd type="none" w="med" len="med"/>
+                    </a:lnR>
+                    <a:lnT w="12700" cap="flat" cmpd="sng" algn="ctr">
+                      <a:solidFill>
+                        <a:schemeClr val="tx1"/>
+                      </a:solidFill>
+                      <a:prstDash val="solid"/>
+                      <a:round/>
+                      <a:headEnd type="none" w="med" len="med"/>
+                      <a:tailEnd type="none" w="med" len="med"/>
+                    </a:lnT>
+                    <a:lnB w="12700" cap="flat" cmpd="sng" algn="ctr">
+                      <a:solidFill>
+                        <a:schemeClr val="tx1"/>
+                      </a:solidFill>
+                      <a:prstDash val="solid"/>
+                      <a:round/>
+                      <a:headEnd type="none" w="med" len="med"/>
+                      <a:tailEnd type="none" w="med" len="med"/>
+                    </a:lnB>
+                    <a:solidFill>
+                      <a:schemeClr val="tx1"/>
+                    </a:solidFill>
+                  </a:tcPr>
+                </a:tc>
+                <a:extLst>
+                  <a:ext uri="{0D108BD9-81ED-4DB2-BD59-A6C34878D82A}">
+                    <a16:rowId xmlns:a16="http://schemas.microsoft.com/office/drawing/2014/main" val="3473222697"/>
+                  </a:ext>
+                </a:extLst>
+              </a:tr>
+            </a:tbl>
+          </a:graphicData>
+        </a:graphic>
+      </p:graphicFrame>
+      <p:pic>
+        <p:nvPicPr>
+          <p:cNvPr id="9" name="Picture 8">
+            <a:extLst>
+              <a:ext uri="{FF2B5EF4-FFF2-40B4-BE49-F238E27FC236}">
+                <a16:creationId xmlns:a16="http://schemas.microsoft.com/office/drawing/2014/main" id="{B527667F-BE19-437F-9E89-8BF3F44CD592}"/>
+              </a:ext>
+            </a:extLst>
+          </p:cNvPr>
+          <p:cNvPicPr>
+            <a:picLocks noChangeAspect="1"/>
+          </p:cNvPicPr>
+          <p:nvPr/>
+        </p:nvPicPr>
+        <p:blipFill>
+          <a:blip r:embed="rId3"/>
+          <a:stretch>
+            <a:fillRect/>
+          </a:stretch>
+        </p:blipFill>
+        <p:spPr>
+          <a:xfrm>
+            <a:off x="6545173" y="846679"/>
+            <a:ext cx="4814888" cy="5330284"/>
+          </a:xfrm>
+          <a:prstGeom prst="rect">
+            <a:avLst/>
+          </a:prstGeom>
+          <a:effectLst>
+            <a:outerShdw blurRad="50800" dist="38100" dir="10800000" algn="r" rotWithShape="0">
+              <a:prstClr val="black">
+                <a:alpha val="40000"/>
+              </a:prstClr>
+            </a:outerShdw>
+          </a:effectLst>
+        </p:spPr>
+      </p:pic>
+      <p:pic>
+        <p:nvPicPr>
+          <p:cNvPr id="10" name="Content Placeholder 9">
+            <a:extLst>
+              <a:ext uri="{FF2B5EF4-FFF2-40B4-BE49-F238E27FC236}">
+                <a16:creationId xmlns:a16="http://schemas.microsoft.com/office/drawing/2014/main" id="{3738CD6D-06FD-46D8-B284-5A9DAE5288B3}"/>
+              </a:ext>
+            </a:extLst>
+          </p:cNvPr>
+          <p:cNvPicPr>
+            <a:picLocks noGrp="1" noChangeAspect="1"/>
+          </p:cNvPicPr>
+          <p:nvPr>
+            <p:ph idx="1"/>
+          </p:nvPr>
+        </p:nvPicPr>
+        <p:blipFill>
+          <a:blip r:embed="rId4"/>
+          <a:stretch>
+            <a:fillRect/>
+          </a:stretch>
+        </p:blipFill>
+        <p:spPr>
+          <a:xfrm>
+            <a:off x="7327900" y="2690949"/>
+            <a:ext cx="3749404" cy="2019166"/>
+          </a:xfrm>
+          <a:prstGeom prst="rect">
+            <a:avLst/>
+          </a:prstGeom>
+        </p:spPr>
+      </p:pic>
+      <p:cxnSp>
+        <p:nvCxnSpPr>
+          <p:cNvPr id="12" name="Straight Arrow Connector 11">
+            <a:extLst>
+              <a:ext uri="{FF2B5EF4-FFF2-40B4-BE49-F238E27FC236}">
+                <a16:creationId xmlns:a16="http://schemas.microsoft.com/office/drawing/2014/main" id="{A1EB338A-E62A-46EC-BECC-F55AF384AEB5}"/>
+              </a:ext>
+            </a:extLst>
+          </p:cNvPr>
+          <p:cNvCxnSpPr>
+            <a:cxnSpLocks/>
+            <a:endCxn id="10" idx="1"/>
+          </p:cNvCxnSpPr>
+          <p:nvPr/>
+        </p:nvCxnSpPr>
+        <p:spPr>
+          <a:xfrm>
+            <a:off x="5460274" y="2873829"/>
+            <a:ext cx="1867626" cy="826703"/>
+          </a:xfrm>
+          <a:prstGeom prst="straightConnector1">
+            <a:avLst/>
+          </a:prstGeom>
+          <a:ln w="38100">
+            <a:tailEnd type="triangle"/>
+          </a:ln>
+        </p:spPr>
+        <p:style>
+          <a:lnRef idx="3">
+            <a:schemeClr val="accent1"/>
+          </a:lnRef>
+          <a:fillRef idx="0">
+            <a:schemeClr val="accent1"/>
+          </a:fillRef>
+          <a:effectRef idx="2">
+            <a:schemeClr val="accent1"/>
+          </a:effectRef>
+          <a:fontRef idx="minor">
+            <a:schemeClr val="tx1"/>
+          </a:fontRef>
+        </p:style>
+      </p:cxnSp>
+    </p:spTree>
+    <p:extLst>
+      <p:ext uri="{BB962C8B-B14F-4D97-AF65-F5344CB8AC3E}">
+        <p14:creationId xmlns:p14="http://schemas.microsoft.com/office/powerpoint/2010/main" val="219970565"/>
+      </p:ext>
+    </p:extLst>
+  </p:cSld>
+  <p:clrMapOvr>
+    <a:masterClrMapping/>
+  </p:clrMapOvr>
+  <p:timing>
+    <p:tnLst>
+      <p:par>
+        <p:cTn id="1" dur="indefinite" restart="never" nodeType="tmRoot">
+          <p:childTnLst>
+            <p:seq concurrent="1" nextAc="seek">
+              <p:cTn id="2" dur="indefinite" nodeType="mainSeq">
+                <p:childTnLst>
+                  <p:par>
+                    <p:cTn id="3" fill="hold">
+                      <p:stCondLst>
+                        <p:cond delay="indefinite"/>
+                        <p:cond evt="onBegin" delay="0">
+                          <p:tn val="2"/>
+                        </p:cond>
+                      </p:stCondLst>
+                      <p:childTnLst>
+                        <p:par>
+                          <p:cTn id="4" fill="hold">
+                            <p:stCondLst>
+                              <p:cond delay="0"/>
+                            </p:stCondLst>
+                            <p:childTnLst>
+                              <p:par>
+                                <p:cTn id="5" presetID="10" presetClass="entr" presetSubtype="0" fill="hold" nodeType="withEffect">
+                                  <p:stCondLst>
+                                    <p:cond delay="0"/>
+                                  </p:stCondLst>
+                                  <p:childTnLst>
+                                    <p:set>
+                                      <p:cBhvr>
+                                        <p:cTn id="6" dur="1" fill="hold">
+                                          <p:stCondLst>
+                                            <p:cond delay="0"/>
+                                          </p:stCondLst>
+                                        </p:cTn>
+                                        <p:tgtEl>
+                                          <p:spTgt spid="4"/>
+                                        </p:tgtEl>
+                                        <p:attrNameLst>
+                                          <p:attrName>style.visibility</p:attrName>
+                                        </p:attrNameLst>
+                                      </p:cBhvr>
+                                      <p:to>
+                                        <p:strVal val="visible"/>
+                                      </p:to>
+                                    </p:set>
+                                    <p:animEffect transition="in" filter="fade">
+                                      <p:cBhvr>
+                                        <p:cTn id="7" dur="500"/>
+                                        <p:tgtEl>
+                                          <p:spTgt spid="4"/>
                                         </p:tgtEl>
                                       </p:cBhvr>
                                     </p:animEffect>
@@ -24179,11 +27109,7 @@
                                           </p:stCondLst>
                                         </p:cTn>
                                         <p:tgtEl>
-                                          <p:spTgt spid="3">
-                                            <p:txEl>
-                                              <p:pRg st="1" end="1"/>
-                                            </p:txEl>
-                                          </p:spTgt>
+                                          <p:spTgt spid="12"/>
                                         </p:tgtEl>
                                         <p:attrNameLst>
                                           <p:attrName>style.visibility</p:attrName>
@@ -24197,54 +27123,28 @@
                                       <p:cBhvr>
                                         <p:cTn id="12" dur="500"/>
                                         <p:tgtEl>
-                                          <p:spTgt spid="3">
-                                            <p:txEl>
-                                              <p:pRg st="1" end="1"/>
-                                            </p:txEl>
-                                          </p:spTgt>
+                                          <p:spTgt spid="12"/>
                                         </p:tgtEl>
                                       </p:cBhvr>
                                     </p:animEffect>
                                   </p:childTnLst>
                                 </p:cTn>
                               </p:par>
-                            </p:childTnLst>
-                          </p:cTn>
-                        </p:par>
-                      </p:childTnLst>
-                    </p:cTn>
-                  </p:par>
-                  <p:par>
-                    <p:cTn id="13" fill="hold">
-                      <p:stCondLst>
-                        <p:cond delay="indefinite"/>
-                      </p:stCondLst>
-                      <p:childTnLst>
-                        <p:par>
-                          <p:cTn id="14" fill="hold">
-                            <p:stCondLst>
-                              <p:cond delay="0"/>
-                            </p:stCondLst>
-                            <p:childTnLst>
                               <p:par>
-                                <p:cTn id="15" presetID="10" presetClass="entr" presetSubtype="0" fill="hold" nodeType="clickEffect">
+                                <p:cTn id="13" presetID="10" presetClass="entr" presetSubtype="0" fill="hold" nodeType="withEffect">
                                   <p:stCondLst>
                                     <p:cond delay="0"/>
                                   </p:stCondLst>
                                   <p:childTnLst>
                                     <p:set>
                                       <p:cBhvr>
-                                        <p:cTn id="16" dur="1" fill="hold">
+                                        <p:cTn id="14" dur="1" fill="hold">
                                           <p:stCondLst>
                                             <p:cond delay="0"/>
                                           </p:stCondLst>
                                         </p:cTn>
                                         <p:tgtEl>
-                                          <p:spTgt spid="3">
-                                            <p:txEl>
-                                              <p:pRg st="2" end="2"/>
-                                            </p:txEl>
-                                          </p:spTgt>
+                                          <p:spTgt spid="10"/>
                                         </p:tgtEl>
                                         <p:attrNameLst>
                                           <p:attrName>style.visibility</p:attrName>
@@ -24256,56 +27156,30 @@
                                     </p:set>
                                     <p:animEffect transition="in" filter="fade">
                                       <p:cBhvr>
-                                        <p:cTn id="17" dur="500"/>
+                                        <p:cTn id="15" dur="500"/>
                                         <p:tgtEl>
-                                          <p:spTgt spid="3">
-                                            <p:txEl>
-                                              <p:pRg st="2" end="2"/>
-                                            </p:txEl>
-                                          </p:spTgt>
+                                          <p:spTgt spid="10"/>
                                         </p:tgtEl>
                                       </p:cBhvr>
                                     </p:animEffect>
                                   </p:childTnLst>
                                 </p:cTn>
                               </p:par>
-                            </p:childTnLst>
-                          </p:cTn>
-                        </p:par>
-                      </p:childTnLst>
-                    </p:cTn>
-                  </p:par>
-                  <p:par>
-                    <p:cTn id="18" fill="hold">
-                      <p:stCondLst>
-                        <p:cond delay="indefinite"/>
-                      </p:stCondLst>
-                      <p:childTnLst>
-                        <p:par>
-                          <p:cTn id="19" fill="hold">
-                            <p:stCondLst>
-                              <p:cond delay="0"/>
-                            </p:stCondLst>
-                            <p:childTnLst>
                               <p:par>
-                                <p:cTn id="20" presetID="10" presetClass="entr" presetSubtype="0" fill="hold" nodeType="clickEffect">
+                                <p:cTn id="16" presetID="10" presetClass="entr" presetSubtype="0" fill="hold" nodeType="withEffect">
                                   <p:stCondLst>
                                     <p:cond delay="0"/>
                                   </p:stCondLst>
                                   <p:childTnLst>
                                     <p:set>
                                       <p:cBhvr>
-                                        <p:cTn id="21" dur="1" fill="hold">
+                                        <p:cTn id="17" dur="1" fill="hold">
                                           <p:stCondLst>
                                             <p:cond delay="0"/>
                                           </p:stCondLst>
                                         </p:cTn>
                                         <p:tgtEl>
-                                          <p:spTgt spid="3">
-                                            <p:txEl>
-                                              <p:pRg st="3" end="3"/>
-                                            </p:txEl>
-                                          </p:spTgt>
+                                          <p:spTgt spid="9"/>
                                         </p:tgtEl>
                                         <p:attrNameLst>
                                           <p:attrName>style.visibility</p:attrName>
@@ -24317,13 +27191,9 @@
                                     </p:set>
                                     <p:animEffect transition="in" filter="fade">
                                       <p:cBhvr>
-                                        <p:cTn id="22" dur="500"/>
+                                        <p:cTn id="18" dur="500"/>
                                         <p:tgtEl>
-                                          <p:spTgt spid="3">
-                                            <p:txEl>
-                                              <p:pRg st="3" end="3"/>
-                                            </p:txEl>
-                                          </p:spTgt>
+                                          <p:spTgt spid="9"/>
                                         </p:tgtEl>
                                       </p:cBhvr>
                                     </p:animEffect>

--- a/Tour de .NET Core CLI.pptx
+++ b/Tour de .NET Core CLI.pptx
@@ -8280,7 +8280,10 @@
           <a:bodyPr/>
           <a:lstStyle/>
           <a:p>
-            <a:endParaRPr lang="en-US" dirty="0"/>
+            <a:r>
+              <a:rPr lang="en-US" dirty="0"/>
+              <a:t>- gathered from telemetry in 7/2017</a:t>
+            </a:r>
           </a:p>
         </p:txBody>
       </p:sp>
@@ -25322,6 +25325,43 @@
           </a:p>
         </p:txBody>
       </p:sp>
+      <p:pic>
+        <p:nvPicPr>
+          <p:cNvPr id="5" name="Picture 4" descr="A screenshot of a computer&#10;&#10;Description generated with very high confidence">
+            <a:extLst>
+              <a:ext uri="{FF2B5EF4-FFF2-40B4-BE49-F238E27FC236}">
+                <a16:creationId xmlns:a16="http://schemas.microsoft.com/office/drawing/2014/main" id="{47EA40FC-03D6-4843-A97E-98EF7D819755}"/>
+              </a:ext>
+            </a:extLst>
+          </p:cNvPr>
+          <p:cNvPicPr>
+            <a:picLocks noChangeAspect="1"/>
+          </p:cNvPicPr>
+          <p:nvPr/>
+        </p:nvPicPr>
+        <p:blipFill>
+          <a:blip r:embed="rId3">
+            <a:grayscl/>
+            <a:extLst>
+              <a:ext uri="{28A0092B-C50C-407E-A947-70E740481C1C}">
+                <a14:useLocalDpi xmlns:a14="http://schemas.microsoft.com/office/drawing/2010/main" val="0"/>
+              </a:ext>
+            </a:extLst>
+          </a:blip>
+          <a:stretch>
+            <a:fillRect/>
+          </a:stretch>
+        </p:blipFill>
+        <p:spPr>
+          <a:xfrm>
+            <a:off x="642176" y="3375381"/>
+            <a:ext cx="10907647" cy="3362794"/>
+          </a:xfrm>
+          <a:prstGeom prst="rect">
+            <a:avLst/>
+          </a:prstGeom>
+        </p:spPr>
+      </p:pic>
     </p:spTree>
     <p:extLst>
       <p:ext uri="{BB962C8B-B14F-4D97-AF65-F5344CB8AC3E}">

--- a/Tour de .NET Core CLI.pptx
+++ b/Tour de .NET Core CLI.pptx
@@ -21328,7 +21328,7 @@
                 <a:ea typeface="+mn-ea"/>
                 <a:cs typeface="+mn-cs"/>
               </a:rPr>
-              <a:t>Scaffolding &amp; template creation</a:t>
+              <a:t>Template creation</a:t>
             </a:r>
             <a:endParaRPr lang="en-US" sz="2000" b="1" kern="1200" dirty="0">
               <a:solidFill>
@@ -21341,6 +21341,36 @@
           </a:p>
         </p:txBody>
       </p:sp>
+      <p:pic>
+        <p:nvPicPr>
+          <p:cNvPr id="4" name="Picture 3">
+            <a:extLst>
+              <a:ext uri="{FF2B5EF4-FFF2-40B4-BE49-F238E27FC236}">
+                <a16:creationId xmlns:a16="http://schemas.microsoft.com/office/drawing/2014/main" id="{B1CE9683-DEE2-4AFD-A76A-D89D8E005B4F}"/>
+              </a:ext>
+            </a:extLst>
+          </p:cNvPr>
+          <p:cNvPicPr>
+            <a:picLocks noChangeAspect="1"/>
+          </p:cNvPicPr>
+          <p:nvPr/>
+        </p:nvPicPr>
+        <p:blipFill>
+          <a:blip r:embed="rId3"/>
+          <a:stretch>
+            <a:fillRect/>
+          </a:stretch>
+        </p:blipFill>
+        <p:spPr>
+          <a:xfrm>
+            <a:off x="3218789" y="2600324"/>
+            <a:ext cx="8867775" cy="4124325"/>
+          </a:xfrm>
+          <a:prstGeom prst="rect">
+            <a:avLst/>
+          </a:prstGeom>
+        </p:spPr>
+      </p:pic>
     </p:spTree>
     <p:extLst>
       <p:ext uri="{BB962C8B-B14F-4D97-AF65-F5344CB8AC3E}">

--- a/Tour de .NET Core CLI.pptx
+++ b/Tour de .NET Core CLI.pptx
@@ -26219,6 +26219,36 @@
           <a:chExt cx="0" cy="0"/>
         </a:xfrm>
       </p:grpSpPr>
+      <p:pic>
+        <p:nvPicPr>
+          <p:cNvPr id="3" name="Picture 2">
+            <a:extLst>
+              <a:ext uri="{FF2B5EF4-FFF2-40B4-BE49-F238E27FC236}">
+                <a16:creationId xmlns:a16="http://schemas.microsoft.com/office/drawing/2014/main" id="{5270840F-C26C-442D-89C2-544503FCA346}"/>
+              </a:ext>
+            </a:extLst>
+          </p:cNvPr>
+          <p:cNvPicPr>
+            <a:picLocks noChangeAspect="1"/>
+          </p:cNvPicPr>
+          <p:nvPr/>
+        </p:nvPicPr>
+        <p:blipFill>
+          <a:blip r:embed="rId3"/>
+          <a:stretch>
+            <a:fillRect/>
+          </a:stretch>
+        </p:blipFill>
+        <p:spPr>
+          <a:xfrm>
+            <a:off x="3090055" y="-1"/>
+            <a:ext cx="9101945" cy="6858000"/>
+          </a:xfrm>
+          <a:prstGeom prst="rect">
+            <a:avLst/>
+          </a:prstGeom>
+        </p:spPr>
+      </p:pic>
       <p:sp>
         <p:nvSpPr>
           <p:cNvPr id="22" name="Freeform: Shape 21">
@@ -26526,7 +26556,7 @@
           <p:nvPr/>
         </p:nvPicPr>
         <p:blipFill>
-          <a:blip r:embed="rId3">
+          <a:blip r:embed="rId4">
             <a:extLst>
               <a:ext uri="{28A0092B-C50C-407E-A947-70E740481C1C}">
                 <a14:useLocalDpi xmlns:a14="http://schemas.microsoft.com/office/drawing/2010/main" val="0"/>

--- a/Tour de .NET Core CLI.pptx
+++ b/Tour de .NET Core CLI.pptx
@@ -22372,12 +22372,12 @@
         <p:spPr>
           <a:xfrm>
             <a:off x="838200" y="1825624"/>
-            <a:ext cx="10515600" cy="4667251"/>
+            <a:ext cx="10896600" cy="4667251"/>
           </a:xfrm>
         </p:spPr>
         <p:txBody>
           <a:bodyPr>
-            <a:normAutofit fontScale="85000" lnSpcReduction="20000"/>
+            <a:normAutofit lnSpcReduction="10000"/>
           </a:bodyPr>
           <a:lstStyle/>
           <a:p>
@@ -22385,9 +22385,18 @@
               <a:buNone/>
             </a:pPr>
             <a:r>
+              <a:rPr lang="en-US" dirty="0">
+                <a:solidFill>
+                  <a:srgbClr val="A0C4E5"/>
+                </a:solidFill>
+              </a:rPr>
+              <a:t>Slides:</a:t>
+            </a:r>
+            <a:r>
               <a:rPr lang="en-US" b="1" dirty="0"/>
-              <a:t>aka.ms/N44not</a:t>
+              <a:t> aka.ms/N44not</a:t>
             </a:r>
+            <a:endParaRPr lang="en-US" dirty="0"/>
           </a:p>
           <a:p>
             <a:pPr marL="0" indent="0">
@@ -22399,43 +22408,70 @@
             <a:pPr marL="0" indent="0">
               <a:buNone/>
             </a:pPr>
-            <a:endParaRPr lang="en-US" dirty="0"/>
-          </a:p>
-          <a:p>
-            <a:pPr marL="0" indent="0">
+            <a:r>
+              <a:rPr lang="en-US" dirty="0" err="1">
+                <a:solidFill>
+                  <a:srgbClr val="A0C4E5"/>
+                </a:solidFill>
+              </a:rPr>
+              <a:t>Gists</a:t>
+            </a:r>
+            <a:r>
+              <a:rPr lang="en-US" dirty="0">
+                <a:solidFill>
+                  <a:srgbClr val="A0C4E5"/>
+                </a:solidFill>
+              </a:rPr>
+              <a:t>:</a:t>
+            </a:r>
+          </a:p>
+          <a:p>
+            <a:r>
+              <a:rPr lang="en-US" dirty="0">
+                <a:solidFill>
+                  <a:srgbClr val="A0C4E5"/>
+                </a:solidFill>
+              </a:rPr>
+              <a:t>Commands:</a:t>
+            </a:r>
+          </a:p>
+          <a:p>
+            <a:pPr marL="457200" lvl="1" indent="0">
               <a:buNone/>
             </a:pPr>
-            <a:endParaRPr lang="en-US" dirty="0"/>
-          </a:p>
-          <a:p>
-            <a:pPr marL="0" indent="0">
+            <a:r>
+              <a:rPr lang="en-US" b="1" dirty="0"/>
+              <a:t>aka.ms/</a:t>
+            </a:r>
+            <a:r>
+              <a:rPr lang="en-US" b="1" dirty="0" err="1"/>
+              <a:t>Mbozcr</a:t>
+            </a:r>
+            <a:endParaRPr lang="en-US" b="1" dirty="0"/>
+          </a:p>
+          <a:p>
+            <a:r>
+              <a:rPr lang="en-US" dirty="0">
+                <a:solidFill>
+                  <a:srgbClr val="A0C4E5"/>
+                </a:solidFill>
+              </a:rPr>
+              <a:t>Templates:</a:t>
+            </a:r>
+          </a:p>
+          <a:p>
+            <a:pPr marL="457200" lvl="1" indent="0">
               <a:buNone/>
             </a:pPr>
-            <a:endParaRPr lang="en-US" dirty="0"/>
-          </a:p>
-          <a:p>
-            <a:pPr marL="0" indent="0">
-              <a:buNone/>
-            </a:pPr>
-            <a:endParaRPr lang="en-US" dirty="0"/>
-          </a:p>
-          <a:p>
-            <a:pPr marL="0" indent="0">
-              <a:buNone/>
-            </a:pPr>
-            <a:endParaRPr lang="en-US" dirty="0"/>
-          </a:p>
-          <a:p>
-            <a:pPr marL="0" indent="0">
-              <a:buNone/>
-            </a:pPr>
-            <a:endParaRPr lang="en-US" dirty="0"/>
-          </a:p>
-          <a:p>
-            <a:pPr marL="0" indent="0">
-              <a:buNone/>
-            </a:pPr>
-            <a:endParaRPr lang="en-US" dirty="0"/>
+            <a:r>
+              <a:rPr lang="en-US" b="1" dirty="0"/>
+              <a:t>aka.ms/</a:t>
+            </a:r>
+            <a:r>
+              <a:rPr lang="en-US" b="1" dirty="0" err="1"/>
+              <a:t>Bhaecq</a:t>
+            </a:r>
+            <a:endParaRPr lang="en-US" b="1" dirty="0"/>
           </a:p>
           <a:p>
             <a:pPr marL="0" indent="0">
@@ -22484,7 +22520,7 @@
         </p:spPr>
         <p:txBody>
           <a:bodyPr>
-            <a:normAutofit fontScale="85000" lnSpcReduction="20000"/>
+            <a:normAutofit lnSpcReduction="10000"/>
           </a:bodyPr>
           <a:lstStyle/>
           <a:p>
@@ -22507,42 +22543,6 @@
           </a:p>
         </p:txBody>
       </p:sp>
-      <p:pic>
-        <p:nvPicPr>
-          <p:cNvPr id="9" name="Picture 8" descr="A picture containing indoor, object&#10;&#10;Description generated with high confidence">
-            <a:extLst>
-              <a:ext uri="{FF2B5EF4-FFF2-40B4-BE49-F238E27FC236}">
-                <a16:creationId xmlns:a16="http://schemas.microsoft.com/office/drawing/2014/main" id="{CD03B99F-532A-4D3B-BCE0-AD181E37FCEC}"/>
-              </a:ext>
-            </a:extLst>
-          </p:cNvPr>
-          <p:cNvPicPr>
-            <a:picLocks noChangeAspect="1"/>
-          </p:cNvPicPr>
-          <p:nvPr/>
-        </p:nvPicPr>
-        <p:blipFill>
-          <a:blip r:embed="rId4">
-            <a:extLst>
-              <a:ext uri="{28A0092B-C50C-407E-A947-70E740481C1C}">
-                <a14:useLocalDpi xmlns:a14="http://schemas.microsoft.com/office/drawing/2010/main" val="0"/>
-              </a:ext>
-            </a:extLst>
-          </a:blip>
-          <a:stretch>
-            <a:fillRect/>
-          </a:stretch>
-        </p:blipFill>
-        <p:spPr>
-          <a:xfrm>
-            <a:off x="937260" y="2308021"/>
-            <a:ext cx="3386546" cy="3386546"/>
-          </a:xfrm>
-          <a:prstGeom prst="rect">
-            <a:avLst/>
-          </a:prstGeom>
-        </p:spPr>
-      </p:pic>
       <p:sp>
         <p:nvSpPr>
           <p:cNvPr id="3" name="TextBox 2">
@@ -22598,7 +22598,7 @@
           <p:nvPr/>
         </p:nvPicPr>
         <p:blipFill>
-          <a:blip r:embed="rId5" cstate="print">
+          <a:blip r:embed="rId4" cstate="print">
             <a:extLst>
               <a:ext uri="{28A0092B-C50C-407E-A947-70E740481C1C}">
                 <a14:useLocalDpi xmlns:a14="http://schemas.microsoft.com/office/drawing/2010/main" val="0"/>
@@ -22617,6 +22617,102 @@
           <a:prstGeom prst="rect">
             <a:avLst/>
           </a:prstGeom>
+        </p:spPr>
+      </p:pic>
+      <p:pic>
+        <p:nvPicPr>
+          <p:cNvPr id="10" name="Picture 2" descr="http://www.freeiconspng.com/uploads/github-logo-icon-30.png">
+            <a:extLst>
+              <a:ext uri="{FF2B5EF4-FFF2-40B4-BE49-F238E27FC236}">
+                <a16:creationId xmlns:a16="http://schemas.microsoft.com/office/drawing/2014/main" id="{DCC58F26-AEDB-4E25-B910-6CB9522A56BD}"/>
+              </a:ext>
+            </a:extLst>
+          </p:cNvPr>
+          <p:cNvPicPr>
+            <a:picLocks noChangeAspect="1" noChangeArrowheads="1"/>
+          </p:cNvPicPr>
+          <p:nvPr/>
+        </p:nvPicPr>
+        <p:blipFill>
+          <a:blip r:embed="rId5">
+            <a:lum bright="70000" contrast="-70000"/>
+            <a:extLst>
+              <a:ext uri="{28A0092B-C50C-407E-A947-70E740481C1C}">
+                <a14:useLocalDpi xmlns:a14="http://schemas.microsoft.com/office/drawing/2010/main" val="0"/>
+              </a:ext>
+            </a:extLst>
+          </a:blip>
+          <a:srcRect/>
+          <a:stretch>
+            <a:fillRect/>
+          </a:stretch>
+        </p:blipFill>
+        <p:spPr bwMode="auto">
+          <a:xfrm>
+            <a:off x="1716437" y="2373608"/>
+            <a:ext cx="913109" cy="913109"/>
+          </a:xfrm>
+          <a:prstGeom prst="rect">
+            <a:avLst/>
+          </a:prstGeom>
+          <a:noFill/>
+          <a:extLst>
+            <a:ext uri="{909E8E84-426E-40DD-AFC4-6F175D3DCCD1}">
+              <a14:hiddenFill xmlns:a14="http://schemas.microsoft.com/office/drawing/2010/main">
+                <a:solidFill>
+                  <a:srgbClr val="FFFFFF"/>
+                </a:solidFill>
+              </a14:hiddenFill>
+            </a:ext>
+          </a:extLst>
+        </p:spPr>
+      </p:pic>
+      <p:pic>
+        <p:nvPicPr>
+          <p:cNvPr id="11" name="Picture 2" descr="http://www.freeiconspng.com/uploads/github-logo-icon-30.png">
+            <a:extLst>
+              <a:ext uri="{FF2B5EF4-FFF2-40B4-BE49-F238E27FC236}">
+                <a16:creationId xmlns:a16="http://schemas.microsoft.com/office/drawing/2014/main" id="{A8AAC434-52BC-40A4-A875-D6D8D13E4F93}"/>
+              </a:ext>
+            </a:extLst>
+          </p:cNvPr>
+          <p:cNvPicPr>
+            <a:picLocks noChangeAspect="1" noChangeArrowheads="1"/>
+          </p:cNvPicPr>
+          <p:nvPr/>
+        </p:nvPicPr>
+        <p:blipFill>
+          <a:blip r:embed="rId5">
+            <a:lum bright="70000" contrast="-70000"/>
+            <a:extLst>
+              <a:ext uri="{28A0092B-C50C-407E-A947-70E740481C1C}">
+                <a14:useLocalDpi xmlns:a14="http://schemas.microsoft.com/office/drawing/2010/main" val="0"/>
+              </a:ext>
+            </a:extLst>
+          </a:blip>
+          <a:srcRect/>
+          <a:stretch>
+            <a:fillRect/>
+          </a:stretch>
+        </p:blipFill>
+        <p:spPr bwMode="auto">
+          <a:xfrm>
+            <a:off x="4224828" y="1460499"/>
+            <a:ext cx="913109" cy="913109"/>
+          </a:xfrm>
+          <a:prstGeom prst="rect">
+            <a:avLst/>
+          </a:prstGeom>
+          <a:noFill/>
+          <a:extLst>
+            <a:ext uri="{909E8E84-426E-40DD-AFC4-6F175D3DCCD1}">
+              <a14:hiddenFill xmlns:a14="http://schemas.microsoft.com/office/drawing/2010/main">
+                <a:solidFill>
+                  <a:srgbClr val="FFFFFF"/>
+                </a:solidFill>
+              </a14:hiddenFill>
+            </a:ext>
+          </a:extLst>
         </p:spPr>
       </p:pic>
     </p:spTree>

--- a/Tour de .NET Core CLI.pptx
+++ b/Tour de .NET Core CLI.pptx
@@ -6,33 +6,57 @@
     <p:sldMasterId id="2147483847" r:id="rId2"/>
   </p:sldMasterIdLst>
   <p:notesMasterIdLst>
-    <p:notesMasterId r:id="rId18"/>
+    <p:notesMasterId r:id="rId22"/>
   </p:notesMasterIdLst>
   <p:sldIdLst>
-    <p:sldId id="342" r:id="rId3"/>
-    <p:sldId id="322" r:id="rId4"/>
-    <p:sldId id="353" r:id="rId5"/>
-    <p:sldId id="359" r:id="rId6"/>
-    <p:sldId id="352" r:id="rId7"/>
-    <p:sldId id="348" r:id="rId8"/>
-    <p:sldId id="349" r:id="rId9"/>
-    <p:sldId id="354" r:id="rId10"/>
-    <p:sldId id="363" r:id="rId11"/>
-    <p:sldId id="361" r:id="rId12"/>
-    <p:sldId id="362" r:id="rId13"/>
-    <p:sldId id="351" r:id="rId14"/>
-    <p:sldId id="360" r:id="rId15"/>
-    <p:sldId id="346" r:id="rId16"/>
-    <p:sldId id="356" r:id="rId17"/>
+    <p:sldId id="366" r:id="rId3"/>
+    <p:sldId id="346" r:id="rId4"/>
+    <p:sldId id="365" r:id="rId5"/>
+    <p:sldId id="342" r:id="rId6"/>
+    <p:sldId id="322" r:id="rId7"/>
+    <p:sldId id="353" r:id="rId8"/>
+    <p:sldId id="359" r:id="rId9"/>
+    <p:sldId id="352" r:id="rId10"/>
+    <p:sldId id="348" r:id="rId11"/>
+    <p:sldId id="349" r:id="rId12"/>
+    <p:sldId id="354" r:id="rId13"/>
+    <p:sldId id="363" r:id="rId14"/>
+    <p:sldId id="361" r:id="rId15"/>
+    <p:sldId id="362" r:id="rId16"/>
+    <p:sldId id="351" r:id="rId17"/>
+    <p:sldId id="360" r:id="rId18"/>
+    <p:sldId id="350" r:id="rId19"/>
+    <p:sldId id="355" r:id="rId20"/>
+    <p:sldId id="356" r:id="rId21"/>
   </p:sldIdLst>
   <p:sldSz cx="12192000" cy="6858000"/>
   <p:notesSz cx="6858000" cy="9144000"/>
   <p:custShowLst>
     <p:custShow name="Main Slides" id="0">
       <p:sldLst>
+        <p:sld r:id="rId6"/>
+        <p:sld r:id="rId7"/>
+        <p:sld r:id="rId8"/>
+        <p:sld r:id="rId9"/>
+        <p:sld r:id="rId10"/>
+        <p:sld r:id="rId11"/>
+        <p:sld r:id="rId12"/>
+        <p:sld r:id="rId13"/>
+        <p:sld r:id="rId14"/>
+        <p:sld r:id="rId15"/>
+        <p:sld r:id="rId16"/>
+        <p:sld r:id="rId17"/>
+        <p:sld r:id="rId18"/>
+        <p:sld r:id="rId19"/>
+        <p:sld r:id="rId20"/>
+        <p:sld r:id="rId21"/>
+      </p:sldLst>
+    </p:custShow>
+    <p:custShow name="Sponsor Slides" id="1">
+      <p:sldLst>
         <p:sld r:id="rId3"/>
         <p:sld r:id="rId4"/>
-        <p:sld r:id="rId16"/>
+        <p:sld r:id="rId5"/>
       </p:sldLst>
     </p:custShow>
   </p:custShowLst>
@@ -134,6 +158,13 @@
   <p:extLst>
     <p:ext uri="{521415D9-36F7-43E2-AB2F-B90AF26B5E84}">
       <p14:sectionLst xmlns:p14="http://schemas.microsoft.com/office/powerpoint/2010/main">
+        <p14:section name="Sponsor Slides" id="{56320761-ED20-4C7B-9484-59237E0A0783}">
+          <p14:sldIdLst>
+            <p14:sldId id="366"/>
+            <p14:sldId id="346"/>
+            <p14:sldId id="365"/>
+          </p14:sldIdLst>
+        </p14:section>
         <p14:section name="Main Slides" id="{BD4AE434-FB75-488A-BE53-0A8BF7EA68DF}">
           <p14:sldIdLst>
             <p14:sldId id="342"/>
@@ -149,7 +180,8 @@
             <p14:sldId id="362"/>
             <p14:sldId id="351"/>
             <p14:sldId id="360"/>
-            <p14:sldId id="346"/>
+            <p14:sldId id="350"/>
+            <p14:sldId id="355"/>
             <p14:sldId id="356"/>
           </p14:sldIdLst>
         </p14:section>
@@ -6724,7 +6756,7 @@
           <a:p>
             <a:fld id="{3B87D1B5-D667-42F5-9E38-2FD202ABDFA0}" type="datetimeFigureOut">
               <a:rPr lang="en-US" smtClean="0"/>
-              <a:t>3/23/2018</a:t>
+              <a:t>3/26/2018</a:t>
             </a:fld>
             <a:endParaRPr lang="en-US"/>
           </a:p>
@@ -7054,7 +7086,7 @@
           <a:bodyPr/>
           <a:lstStyle/>
           <a:p>
-            <a:pPr marL="0" marR="0" lvl="0" indent="0" defTabSz="914400" eaLnBrk="1" fontAlgn="auto" latinLnBrk="0" hangingPunct="1">
+            <a:pPr marL="0" marR="0" lvl="0" indent="0" algn="r" defTabSz="914400" rtl="0" eaLnBrk="1" fontAlgn="auto" latinLnBrk="0" hangingPunct="1">
               <a:lnSpc>
                 <a:spcPct val="100000"/>
               </a:lnSpc>
@@ -7082,8 +7114,11 @@
                 <a:effectLst/>
                 <a:uLnTx/>
                 <a:uFillTx/>
+                <a:latin typeface="Calibri" panose="020F0502020204030204"/>
+                <a:ea typeface="+mn-ea"/>
+                <a:cs typeface="+mn-cs"/>
               </a:rPr>
-              <a:pPr marL="0" marR="0" lvl="0" indent="0" defTabSz="914400" eaLnBrk="1" fontAlgn="auto" latinLnBrk="0" hangingPunct="1">
+              <a:pPr marL="0" marR="0" lvl="0" indent="0" algn="r" defTabSz="914400" rtl="0" eaLnBrk="1" fontAlgn="auto" latinLnBrk="0" hangingPunct="1">
                 <a:lnSpc>
                   <a:spcPct val="100000"/>
                 </a:lnSpc>
@@ -7112,6 +7147,9 @@
               <a:effectLst/>
               <a:uLnTx/>
               <a:uFillTx/>
+              <a:latin typeface="Calibri" panose="020F0502020204030204"/>
+              <a:ea typeface="+mn-ea"/>
+              <a:cs typeface="+mn-cs"/>
             </a:endParaRPr>
           </a:p>
         </p:txBody>
@@ -7119,7 +7157,7 @@
     </p:spTree>
     <p:extLst>
       <p:ext uri="{BB962C8B-B14F-4D97-AF65-F5344CB8AC3E}">
-        <p14:creationId xmlns:p14="http://schemas.microsoft.com/office/powerpoint/2010/main" val="2008151646"/>
+        <p14:creationId xmlns:p14="http://schemas.microsoft.com/office/powerpoint/2010/main" val="283809877"/>
       </p:ext>
     </p:extLst>
   </p:cSld>
@@ -7173,32 +7211,7 @@
           <a:bodyPr/>
           <a:lstStyle/>
           <a:p>
-            <a:pPr marL="171450" indent="-171450">
-              <a:buFontTx/>
-              <a:buChar char="-"/>
-            </a:pPr>
-            <a:r>
-              <a:rPr lang="en-US" dirty="0"/>
-              <a:t>enables item template generation</a:t>
-            </a:r>
-          </a:p>
-          <a:p>
-            <a:pPr marL="171450" indent="-171450">
-              <a:buFontTx/>
-              <a:buChar char="-"/>
-            </a:pPr>
-            <a:r>
-              <a:rPr lang="en-US" dirty="0"/>
-              <a:t>can’t add Identity to </a:t>
-            </a:r>
-            <a:r>
-              <a:rPr lang="en-US" dirty="0" err="1"/>
-              <a:t>proj</a:t>
-            </a:r>
-            <a:r>
-              <a:rPr lang="en-US" dirty="0"/>
-              <a:t>. after creating in VS; you can with CLI</a:t>
-            </a:r>
+            <a:endParaRPr lang="en-US" dirty="0"/>
           </a:p>
         </p:txBody>
       </p:sp>
@@ -7228,7 +7241,7 @@
     </p:spTree>
     <p:extLst>
       <p:ext uri="{BB962C8B-B14F-4D97-AF65-F5344CB8AC3E}">
-        <p14:creationId xmlns:p14="http://schemas.microsoft.com/office/powerpoint/2010/main" val="1652413329"/>
+        <p14:creationId xmlns:p14="http://schemas.microsoft.com/office/powerpoint/2010/main" val="3124676736"/>
       </p:ext>
     </p:extLst>
   </p:cSld>
@@ -7312,7 +7325,7 @@
     </p:spTree>
     <p:extLst>
       <p:ext uri="{BB962C8B-B14F-4D97-AF65-F5344CB8AC3E}">
-        <p14:creationId xmlns:p14="http://schemas.microsoft.com/office/powerpoint/2010/main" val="822866661"/>
+        <p14:creationId xmlns:p14="http://schemas.microsoft.com/office/powerpoint/2010/main" val="178583391"/>
       </p:ext>
     </p:extLst>
   </p:cSld>
@@ -7366,51 +7379,7 @@
           <a:bodyPr/>
           <a:lstStyle/>
           <a:p>
-            <a:pPr marL="171450" indent="-171450">
-              <a:buFontTx/>
-              <a:buChar char="-"/>
-            </a:pPr>
-            <a:r>
-              <a:rPr lang="en-US" dirty="0"/>
-              <a:t>works for project &amp; item templates</a:t>
-            </a:r>
-          </a:p>
-          <a:p>
-            <a:pPr marL="171450" indent="-171450">
-              <a:buFontTx/>
-              <a:buChar char="-"/>
-            </a:pPr>
-            <a:r>
-              <a:rPr lang="en-US" dirty="0"/>
-              <a:t>NuGet steps optional if doing file system / network share installation</a:t>
-            </a:r>
-          </a:p>
-          <a:p>
-            <a:pPr marL="171450" indent="-171450">
-              <a:buFontTx/>
-              <a:buChar char="-"/>
-            </a:pPr>
-            <a:r>
-              <a:rPr lang="en-US" dirty="0" err="1"/>
-              <a:t>SideWaffle</a:t>
-            </a:r>
-            <a:r>
-              <a:rPr lang="en-US" dirty="0"/>
-              <a:t> Template Creator extension for VS 2017 </a:t>
-            </a:r>
-            <a:r>
-              <a:rPr lang="en-US" dirty="0">
-                <a:sym typeface="Wingdings" panose="05000000000000000000" pitchFamily="2" charset="2"/>
-              </a:rPr>
-              <a:t> add templates to VS</a:t>
-            </a:r>
-          </a:p>
-          <a:p>
-            <a:pPr marL="171450" indent="-171450">
-              <a:buFontTx/>
-              <a:buChar char="-"/>
-            </a:pPr>
-            <a:endParaRPr lang="en-US" dirty="0"/>
+            <a:endParaRPr lang="en-US"/>
           </a:p>
         </p:txBody>
       </p:sp>
@@ -7440,7 +7409,7 @@
     </p:spTree>
     <p:extLst>
       <p:ext uri="{BB962C8B-B14F-4D97-AF65-F5344CB8AC3E}">
-        <p14:creationId xmlns:p14="http://schemas.microsoft.com/office/powerpoint/2010/main" val="2867391736"/>
+        <p14:creationId xmlns:p14="http://schemas.microsoft.com/office/powerpoint/2010/main" val="405664035"/>
       </p:ext>
     </p:extLst>
   </p:cSld>
@@ -7494,7 +7463,32 @@
           <a:bodyPr/>
           <a:lstStyle/>
           <a:p>
-            <a:endParaRPr lang="en-US" dirty="0"/>
+            <a:pPr marL="171450" indent="-171450">
+              <a:buFontTx/>
+              <a:buChar char="-"/>
+            </a:pPr>
+            <a:r>
+              <a:rPr lang="en-US" dirty="0"/>
+              <a:t>enables item template generation</a:t>
+            </a:r>
+          </a:p>
+          <a:p>
+            <a:pPr marL="171450" indent="-171450">
+              <a:buFontTx/>
+              <a:buChar char="-"/>
+            </a:pPr>
+            <a:r>
+              <a:rPr lang="en-US" dirty="0"/>
+              <a:t>can’t add Identity to </a:t>
+            </a:r>
+            <a:r>
+              <a:rPr lang="en-US" dirty="0" err="1"/>
+              <a:t>proj</a:t>
+            </a:r>
+            <a:r>
+              <a:rPr lang="en-US" dirty="0"/>
+              <a:t>. after creating in VS; you can with CLI</a:t>
+            </a:r>
           </a:p>
         </p:txBody>
       </p:sp>
@@ -7524,7 +7518,7 @@
     </p:spTree>
     <p:extLst>
       <p:ext uri="{BB962C8B-B14F-4D97-AF65-F5344CB8AC3E}">
-        <p14:creationId xmlns:p14="http://schemas.microsoft.com/office/powerpoint/2010/main" val="3206361114"/>
+        <p14:creationId xmlns:p14="http://schemas.microsoft.com/office/powerpoint/2010/main" val="1652413329"/>
       </p:ext>
     </p:extLst>
   </p:cSld>
@@ -7578,7 +7572,7 @@
           <a:bodyPr/>
           <a:lstStyle/>
           <a:p>
-            <a:endParaRPr lang="en-US"/>
+            <a:endParaRPr lang="en-US" dirty="0"/>
           </a:p>
         </p:txBody>
       </p:sp>
@@ -7597,78 +7591,18 @@
           <a:bodyPr/>
           <a:lstStyle/>
           <a:p>
-            <a:pPr marL="0" marR="0" lvl="0" indent="0" algn="r" defTabSz="457200" rtl="0" eaLnBrk="1" fontAlgn="auto" latinLnBrk="0" hangingPunct="1">
-              <a:lnSpc>
-                <a:spcPct val="100000"/>
-              </a:lnSpc>
-              <a:spcBef>
-                <a:spcPts val="0"/>
-              </a:spcBef>
-              <a:spcAft>
-                <a:spcPts val="0"/>
-              </a:spcAft>
-              <a:buClrTx/>
-              <a:buSzTx/>
-              <a:buFontTx/>
-              <a:buNone/>
-              <a:tabLst/>
-              <a:defRPr/>
-            </a:pPr>
             <a:fld id="{16A87904-88DE-4022-A424-ACD2E6FC1751}" type="slidenum">
-              <a:rPr kumimoji="0" lang="en-US" sz="1200" b="0" i="0" u="none" strike="noStrike" kern="1200" cap="none" spc="0" normalizeH="0" baseline="0" noProof="0" smtClean="0">
-                <a:ln>
-                  <a:noFill/>
-                </a:ln>
-                <a:solidFill>
-                  <a:prstClr val="black"/>
-                </a:solidFill>
-                <a:effectLst/>
-                <a:uLnTx/>
-                <a:uFillTx/>
-                <a:latin typeface="Calibri" panose="020F0502020204030204"/>
-                <a:ea typeface="+mn-ea"/>
-                <a:cs typeface="+mn-cs"/>
-              </a:rPr>
-              <a:pPr marL="0" marR="0" lvl="0" indent="0" algn="r" defTabSz="457200" rtl="0" eaLnBrk="1" fontAlgn="auto" latinLnBrk="0" hangingPunct="1">
-                <a:lnSpc>
-                  <a:spcPct val="100000"/>
-                </a:lnSpc>
-                <a:spcBef>
-                  <a:spcPts val="0"/>
-                </a:spcBef>
-                <a:spcAft>
-                  <a:spcPts val="0"/>
-                </a:spcAft>
-                <a:buClrTx/>
-                <a:buSzTx/>
-                <a:buFontTx/>
-                <a:buNone/>
-                <a:tabLst/>
-                <a:defRPr/>
-              </a:pPr>
+              <a:rPr lang="en-US" smtClean="0"/>
               <a:t>14</a:t>
             </a:fld>
-            <a:endParaRPr kumimoji="0" lang="en-US" sz="1200" b="0" i="0" u="none" strike="noStrike" kern="1200" cap="none" spc="0" normalizeH="0" baseline="0" noProof="0">
-              <a:ln>
-                <a:noFill/>
-              </a:ln>
-              <a:solidFill>
-                <a:prstClr val="black"/>
-              </a:solidFill>
-              <a:effectLst/>
-              <a:uLnTx/>
-              <a:uFillTx/>
-              <a:latin typeface="Calibri" panose="020F0502020204030204"/>
-              <a:ea typeface="+mn-ea"/>
-              <a:cs typeface="+mn-cs"/>
-            </a:endParaRPr>
+            <a:endParaRPr lang="en-US"/>
           </a:p>
         </p:txBody>
       </p:sp>
     </p:spTree>
     <p:extLst>
       <p:ext uri="{BB962C8B-B14F-4D97-AF65-F5344CB8AC3E}">
-        <p14:creationId xmlns:p14="http://schemas.microsoft.com/office/powerpoint/2010/main" val="1176352571"/>
+        <p14:creationId xmlns:p14="http://schemas.microsoft.com/office/powerpoint/2010/main" val="822866661"/>
       </p:ext>
     </p:extLst>
   </p:cSld>
@@ -7722,6 +7656,50 @@
           <a:bodyPr/>
           <a:lstStyle/>
           <a:p>
+            <a:pPr marL="171450" indent="-171450">
+              <a:buFontTx/>
+              <a:buChar char="-"/>
+            </a:pPr>
+            <a:r>
+              <a:rPr lang="en-US" dirty="0"/>
+              <a:t>works for project &amp; item templates</a:t>
+            </a:r>
+          </a:p>
+          <a:p>
+            <a:pPr marL="171450" indent="-171450">
+              <a:buFontTx/>
+              <a:buChar char="-"/>
+            </a:pPr>
+            <a:r>
+              <a:rPr lang="en-US" dirty="0"/>
+              <a:t>NuGet steps optional if doing file system / network share installation</a:t>
+            </a:r>
+          </a:p>
+          <a:p>
+            <a:pPr marL="171450" indent="-171450">
+              <a:buFontTx/>
+              <a:buChar char="-"/>
+            </a:pPr>
+            <a:r>
+              <a:rPr lang="en-US" dirty="0" err="1"/>
+              <a:t>SideWaffle</a:t>
+            </a:r>
+            <a:r>
+              <a:rPr lang="en-US" dirty="0"/>
+              <a:t> Template Creator extension for VS 2017 </a:t>
+            </a:r>
+            <a:r>
+              <a:rPr lang="en-US" dirty="0">
+                <a:sym typeface="Wingdings" panose="05000000000000000000" pitchFamily="2" charset="2"/>
+              </a:rPr>
+              <a:t> add templates to VS</a:t>
+            </a:r>
+          </a:p>
+          <a:p>
+            <a:pPr marL="171450" indent="-171450">
+              <a:buFontTx/>
+              <a:buChar char="-"/>
+            </a:pPr>
             <a:endParaRPr lang="en-US" dirty="0"/>
           </a:p>
         </p:txBody>
@@ -7744,6 +7722,498 @@
             <a:fld id="{16A87904-88DE-4022-A424-ACD2E6FC1751}" type="slidenum">
               <a:rPr lang="en-US" smtClean="0"/>
               <a:t>15</a:t>
+            </a:fld>
+            <a:endParaRPr lang="en-US"/>
+          </a:p>
+        </p:txBody>
+      </p:sp>
+    </p:spTree>
+    <p:extLst>
+      <p:ext uri="{BB962C8B-B14F-4D97-AF65-F5344CB8AC3E}">
+        <p14:creationId xmlns:p14="http://schemas.microsoft.com/office/powerpoint/2010/main" val="2867391736"/>
+      </p:ext>
+    </p:extLst>
+  </p:cSld>
+  <p:clrMapOvr>
+    <a:masterClrMapping/>
+  </p:clrMapOvr>
+</p:notes>
+</file>
+
+<file path=ppt/notesSlides/notesSlide16.xml><?xml version="1.0" encoding="utf-8"?>
+<p:notes xmlns:a="http://schemas.openxmlformats.org/drawingml/2006/main" xmlns:r="http://schemas.openxmlformats.org/officeDocument/2006/relationships" xmlns:p="http://schemas.openxmlformats.org/presentationml/2006/main">
+  <p:cSld>
+    <p:spTree>
+      <p:nvGrpSpPr>
+        <p:cNvPr id="1" name=""/>
+        <p:cNvGrpSpPr/>
+        <p:nvPr/>
+      </p:nvGrpSpPr>
+      <p:grpSpPr>
+        <a:xfrm>
+          <a:off x="0" y="0"/>
+          <a:ext cx="0" cy="0"/>
+          <a:chOff x="0" y="0"/>
+          <a:chExt cx="0" cy="0"/>
+        </a:xfrm>
+      </p:grpSpPr>
+      <p:sp>
+        <p:nvSpPr>
+          <p:cNvPr id="2" name="Slide Image Placeholder 1"/>
+          <p:cNvSpPr>
+            <a:spLocks noGrp="1" noRot="1" noChangeAspect="1"/>
+          </p:cNvSpPr>
+          <p:nvPr>
+            <p:ph type="sldImg"/>
+          </p:nvPr>
+        </p:nvSpPr>
+        <p:spPr/>
+      </p:sp>
+      <p:sp>
+        <p:nvSpPr>
+          <p:cNvPr id="3" name="Notes Placeholder 2"/>
+          <p:cNvSpPr>
+            <a:spLocks noGrp="1"/>
+          </p:cNvSpPr>
+          <p:nvPr>
+            <p:ph type="body" idx="1"/>
+          </p:nvPr>
+        </p:nvSpPr>
+        <p:spPr/>
+        <p:txBody>
+          <a:bodyPr/>
+          <a:lstStyle/>
+          <a:p>
+            <a:endParaRPr lang="en-US" dirty="0"/>
+          </a:p>
+        </p:txBody>
+      </p:sp>
+      <p:sp>
+        <p:nvSpPr>
+          <p:cNvPr id="4" name="Slide Number Placeholder 3"/>
+          <p:cNvSpPr>
+            <a:spLocks noGrp="1"/>
+          </p:cNvSpPr>
+          <p:nvPr>
+            <p:ph type="sldNum" sz="quarter" idx="10"/>
+          </p:nvPr>
+        </p:nvSpPr>
+        <p:spPr/>
+        <p:txBody>
+          <a:bodyPr/>
+          <a:lstStyle/>
+          <a:p>
+            <a:fld id="{16A87904-88DE-4022-A424-ACD2E6FC1751}" type="slidenum">
+              <a:rPr lang="en-US" smtClean="0"/>
+              <a:t>16</a:t>
+            </a:fld>
+            <a:endParaRPr lang="en-US"/>
+          </a:p>
+        </p:txBody>
+      </p:sp>
+    </p:spTree>
+    <p:extLst>
+      <p:ext uri="{BB962C8B-B14F-4D97-AF65-F5344CB8AC3E}">
+        <p14:creationId xmlns:p14="http://schemas.microsoft.com/office/powerpoint/2010/main" val="3206361114"/>
+      </p:ext>
+    </p:extLst>
+  </p:cSld>
+  <p:clrMapOvr>
+    <a:masterClrMapping/>
+  </p:clrMapOvr>
+</p:notes>
+</file>
+
+<file path=ppt/notesSlides/notesSlide17.xml><?xml version="1.0" encoding="utf-8"?>
+<p:notes xmlns:a="http://schemas.openxmlformats.org/drawingml/2006/main" xmlns:r="http://schemas.openxmlformats.org/officeDocument/2006/relationships" xmlns:p="http://schemas.openxmlformats.org/presentationml/2006/main">
+  <p:cSld>
+    <p:spTree>
+      <p:nvGrpSpPr>
+        <p:cNvPr id="1" name=""/>
+        <p:cNvGrpSpPr/>
+        <p:nvPr/>
+      </p:nvGrpSpPr>
+      <p:grpSpPr>
+        <a:xfrm>
+          <a:off x="0" y="0"/>
+          <a:ext cx="0" cy="0"/>
+          <a:chOff x="0" y="0"/>
+          <a:chExt cx="0" cy="0"/>
+        </a:xfrm>
+      </p:grpSpPr>
+      <p:sp>
+        <p:nvSpPr>
+          <p:cNvPr id="2" name="Slide Image Placeholder 1"/>
+          <p:cNvSpPr>
+            <a:spLocks noGrp="1" noRot="1" noChangeAspect="1"/>
+          </p:cNvSpPr>
+          <p:nvPr>
+            <p:ph type="sldImg"/>
+          </p:nvPr>
+        </p:nvSpPr>
+        <p:spPr/>
+      </p:sp>
+      <p:sp>
+        <p:nvSpPr>
+          <p:cNvPr id="3" name="Notes Placeholder 2"/>
+          <p:cNvSpPr>
+            <a:spLocks noGrp="1"/>
+          </p:cNvSpPr>
+          <p:nvPr>
+            <p:ph type="body" idx="1"/>
+          </p:nvPr>
+        </p:nvSpPr>
+        <p:spPr/>
+        <p:txBody>
+          <a:bodyPr/>
+          <a:lstStyle/>
+          <a:p>
+            <a:pPr marL="171450" indent="-171450">
+              <a:buFontTx/>
+              <a:buChar char="-"/>
+            </a:pPr>
+            <a:r>
+              <a:rPr lang="en-US" dirty="0"/>
+              <a:t>Also applies to TFS</a:t>
+            </a:r>
+          </a:p>
+          <a:p>
+            <a:pPr marL="171450" indent="-171450">
+              <a:buFontTx/>
+              <a:buChar char="-"/>
+            </a:pPr>
+            <a:r>
+              <a:rPr lang="en-US" dirty="0"/>
+              <a:t>If using IDE / editor, you wouldn’t know the CLI </a:t>
+            </a:r>
+            <a:r>
+              <a:rPr lang="en-US" dirty="0" err="1"/>
+              <a:t>params</a:t>
+            </a:r>
+            <a:r>
+              <a:rPr lang="en-US" dirty="0"/>
+              <a:t> to pass</a:t>
+            </a:r>
+          </a:p>
+        </p:txBody>
+      </p:sp>
+      <p:sp>
+        <p:nvSpPr>
+          <p:cNvPr id="4" name="Slide Number Placeholder 3"/>
+          <p:cNvSpPr>
+            <a:spLocks noGrp="1"/>
+          </p:cNvSpPr>
+          <p:nvPr>
+            <p:ph type="sldNum" sz="quarter" idx="10"/>
+          </p:nvPr>
+        </p:nvSpPr>
+        <p:spPr/>
+        <p:txBody>
+          <a:bodyPr/>
+          <a:lstStyle/>
+          <a:p>
+            <a:pPr marL="0" marR="0" lvl="0" indent="0" algn="r" defTabSz="457200" rtl="0" eaLnBrk="1" fontAlgn="auto" latinLnBrk="0" hangingPunct="1">
+              <a:lnSpc>
+                <a:spcPct val="100000"/>
+              </a:lnSpc>
+              <a:spcBef>
+                <a:spcPts val="0"/>
+              </a:spcBef>
+              <a:spcAft>
+                <a:spcPts val="0"/>
+              </a:spcAft>
+              <a:buClrTx/>
+              <a:buSzTx/>
+              <a:buFontTx/>
+              <a:buNone/>
+              <a:tabLst/>
+              <a:defRPr/>
+            </a:pPr>
+            <a:fld id="{16A87904-88DE-4022-A424-ACD2E6FC1751}" type="slidenum">
+              <a:rPr kumimoji="0" lang="en-US" sz="1200" b="0" i="0" u="none" strike="noStrike" kern="1200" cap="none" spc="0" normalizeH="0" baseline="0" noProof="0" smtClean="0">
+                <a:ln>
+                  <a:noFill/>
+                </a:ln>
+                <a:solidFill>
+                  <a:prstClr val="black"/>
+                </a:solidFill>
+                <a:effectLst/>
+                <a:uLnTx/>
+                <a:uFillTx/>
+                <a:latin typeface="Calibri" panose="020F0502020204030204"/>
+                <a:ea typeface="+mn-ea"/>
+                <a:cs typeface="+mn-cs"/>
+              </a:rPr>
+              <a:pPr marL="0" marR="0" lvl="0" indent="0" algn="r" defTabSz="457200" rtl="0" eaLnBrk="1" fontAlgn="auto" latinLnBrk="0" hangingPunct="1">
+                <a:lnSpc>
+                  <a:spcPct val="100000"/>
+                </a:lnSpc>
+                <a:spcBef>
+                  <a:spcPts val="0"/>
+                </a:spcBef>
+                <a:spcAft>
+                  <a:spcPts val="0"/>
+                </a:spcAft>
+                <a:buClrTx/>
+                <a:buSzTx/>
+                <a:buFontTx/>
+                <a:buNone/>
+                <a:tabLst/>
+                <a:defRPr/>
+              </a:pPr>
+              <a:t>17</a:t>
+            </a:fld>
+            <a:endParaRPr kumimoji="0" lang="en-US" sz="1200" b="0" i="0" u="none" strike="noStrike" kern="1200" cap="none" spc="0" normalizeH="0" baseline="0" noProof="0">
+              <a:ln>
+                <a:noFill/>
+              </a:ln>
+              <a:solidFill>
+                <a:prstClr val="black"/>
+              </a:solidFill>
+              <a:effectLst/>
+              <a:uLnTx/>
+              <a:uFillTx/>
+              <a:latin typeface="Calibri" panose="020F0502020204030204"/>
+              <a:ea typeface="+mn-ea"/>
+              <a:cs typeface="+mn-cs"/>
+            </a:endParaRPr>
+          </a:p>
+        </p:txBody>
+      </p:sp>
+    </p:spTree>
+    <p:extLst>
+      <p:ext uri="{BB962C8B-B14F-4D97-AF65-F5344CB8AC3E}">
+        <p14:creationId xmlns:p14="http://schemas.microsoft.com/office/powerpoint/2010/main" val="2658654218"/>
+      </p:ext>
+    </p:extLst>
+  </p:cSld>
+  <p:clrMapOvr>
+    <a:masterClrMapping/>
+  </p:clrMapOvr>
+</p:notes>
+</file>
+
+<file path=ppt/notesSlides/notesSlide18.xml><?xml version="1.0" encoding="utf-8"?>
+<p:notes xmlns:a="http://schemas.openxmlformats.org/drawingml/2006/main" xmlns:r="http://schemas.openxmlformats.org/officeDocument/2006/relationships" xmlns:p="http://schemas.openxmlformats.org/presentationml/2006/main">
+  <p:cSld>
+    <p:spTree>
+      <p:nvGrpSpPr>
+        <p:cNvPr id="1" name=""/>
+        <p:cNvGrpSpPr/>
+        <p:nvPr/>
+      </p:nvGrpSpPr>
+      <p:grpSpPr>
+        <a:xfrm>
+          <a:off x="0" y="0"/>
+          <a:ext cx="0" cy="0"/>
+          <a:chOff x="0" y="0"/>
+          <a:chExt cx="0" cy="0"/>
+        </a:xfrm>
+      </p:grpSpPr>
+      <p:sp>
+        <p:nvSpPr>
+          <p:cNvPr id="2" name="Slide Image Placeholder 1"/>
+          <p:cNvSpPr>
+            <a:spLocks noGrp="1" noRot="1" noChangeAspect="1"/>
+          </p:cNvSpPr>
+          <p:nvPr>
+            <p:ph type="sldImg"/>
+          </p:nvPr>
+        </p:nvSpPr>
+        <p:spPr/>
+      </p:sp>
+      <p:sp>
+        <p:nvSpPr>
+          <p:cNvPr id="3" name="Notes Placeholder 2"/>
+          <p:cNvSpPr>
+            <a:spLocks noGrp="1"/>
+          </p:cNvSpPr>
+          <p:nvPr>
+            <p:ph type="body" idx="1"/>
+          </p:nvPr>
+        </p:nvSpPr>
+        <p:spPr/>
+        <p:txBody>
+          <a:bodyPr/>
+          <a:lstStyle/>
+          <a:p>
+            <a:r>
+              <a:rPr lang="en-US" dirty="0"/>
+              <a:t>- scottaddie.visualstudio.com &gt; </a:t>
+            </a:r>
+            <a:r>
+              <a:rPr lang="en-US" dirty="0" err="1"/>
+              <a:t>TagHelperSuite</a:t>
+            </a:r>
+            <a:r>
+              <a:rPr lang="en-US" dirty="0"/>
+              <a:t> build definition</a:t>
+            </a:r>
+          </a:p>
+        </p:txBody>
+      </p:sp>
+      <p:sp>
+        <p:nvSpPr>
+          <p:cNvPr id="4" name="Slide Number Placeholder 3"/>
+          <p:cNvSpPr>
+            <a:spLocks noGrp="1"/>
+          </p:cNvSpPr>
+          <p:nvPr>
+            <p:ph type="sldNum" sz="quarter" idx="10"/>
+          </p:nvPr>
+        </p:nvSpPr>
+        <p:spPr/>
+        <p:txBody>
+          <a:bodyPr/>
+          <a:lstStyle/>
+          <a:p>
+            <a:pPr marL="0" marR="0" lvl="0" indent="0" algn="r" defTabSz="457200" rtl="0" eaLnBrk="1" fontAlgn="auto" latinLnBrk="0" hangingPunct="1">
+              <a:lnSpc>
+                <a:spcPct val="100000"/>
+              </a:lnSpc>
+              <a:spcBef>
+                <a:spcPts val="0"/>
+              </a:spcBef>
+              <a:spcAft>
+                <a:spcPts val="0"/>
+              </a:spcAft>
+              <a:buClrTx/>
+              <a:buSzTx/>
+              <a:buFontTx/>
+              <a:buNone/>
+              <a:tabLst/>
+              <a:defRPr/>
+            </a:pPr>
+            <a:fld id="{16A87904-88DE-4022-A424-ACD2E6FC1751}" type="slidenum">
+              <a:rPr kumimoji="0" lang="en-US" sz="1200" b="0" i="0" u="none" strike="noStrike" kern="1200" cap="none" spc="0" normalizeH="0" baseline="0" noProof="0" smtClean="0">
+                <a:ln>
+                  <a:noFill/>
+                </a:ln>
+                <a:solidFill>
+                  <a:prstClr val="black"/>
+                </a:solidFill>
+                <a:effectLst/>
+                <a:uLnTx/>
+                <a:uFillTx/>
+                <a:latin typeface="Calibri" panose="020F0502020204030204"/>
+                <a:ea typeface="+mn-ea"/>
+                <a:cs typeface="+mn-cs"/>
+              </a:rPr>
+              <a:pPr marL="0" marR="0" lvl="0" indent="0" algn="r" defTabSz="457200" rtl="0" eaLnBrk="1" fontAlgn="auto" latinLnBrk="0" hangingPunct="1">
+                <a:lnSpc>
+                  <a:spcPct val="100000"/>
+                </a:lnSpc>
+                <a:spcBef>
+                  <a:spcPts val="0"/>
+                </a:spcBef>
+                <a:spcAft>
+                  <a:spcPts val="0"/>
+                </a:spcAft>
+                <a:buClrTx/>
+                <a:buSzTx/>
+                <a:buFontTx/>
+                <a:buNone/>
+                <a:tabLst/>
+                <a:defRPr/>
+              </a:pPr>
+              <a:t>18</a:t>
+            </a:fld>
+            <a:endParaRPr kumimoji="0" lang="en-US" sz="1200" b="0" i="0" u="none" strike="noStrike" kern="1200" cap="none" spc="0" normalizeH="0" baseline="0" noProof="0">
+              <a:ln>
+                <a:noFill/>
+              </a:ln>
+              <a:solidFill>
+                <a:prstClr val="black"/>
+              </a:solidFill>
+              <a:effectLst/>
+              <a:uLnTx/>
+              <a:uFillTx/>
+              <a:latin typeface="Calibri" panose="020F0502020204030204"/>
+              <a:ea typeface="+mn-ea"/>
+              <a:cs typeface="+mn-cs"/>
+            </a:endParaRPr>
+          </a:p>
+        </p:txBody>
+      </p:sp>
+    </p:spTree>
+    <p:extLst>
+      <p:ext uri="{BB962C8B-B14F-4D97-AF65-F5344CB8AC3E}">
+        <p14:creationId xmlns:p14="http://schemas.microsoft.com/office/powerpoint/2010/main" val="2219718623"/>
+      </p:ext>
+    </p:extLst>
+  </p:cSld>
+  <p:clrMapOvr>
+    <a:masterClrMapping/>
+  </p:clrMapOvr>
+</p:notes>
+</file>
+
+<file path=ppt/notesSlides/notesSlide19.xml><?xml version="1.0" encoding="utf-8"?>
+<p:notes xmlns:a="http://schemas.openxmlformats.org/drawingml/2006/main" xmlns:r="http://schemas.openxmlformats.org/officeDocument/2006/relationships" xmlns:p="http://schemas.openxmlformats.org/presentationml/2006/main">
+  <p:cSld>
+    <p:spTree>
+      <p:nvGrpSpPr>
+        <p:cNvPr id="1" name=""/>
+        <p:cNvGrpSpPr/>
+        <p:nvPr/>
+      </p:nvGrpSpPr>
+      <p:grpSpPr>
+        <a:xfrm>
+          <a:off x="0" y="0"/>
+          <a:ext cx="0" cy="0"/>
+          <a:chOff x="0" y="0"/>
+          <a:chExt cx="0" cy="0"/>
+        </a:xfrm>
+      </p:grpSpPr>
+      <p:sp>
+        <p:nvSpPr>
+          <p:cNvPr id="2" name="Slide Image Placeholder 1"/>
+          <p:cNvSpPr>
+            <a:spLocks noGrp="1" noRot="1" noChangeAspect="1"/>
+          </p:cNvSpPr>
+          <p:nvPr>
+            <p:ph type="sldImg"/>
+          </p:nvPr>
+        </p:nvSpPr>
+        <p:spPr/>
+      </p:sp>
+      <p:sp>
+        <p:nvSpPr>
+          <p:cNvPr id="3" name="Notes Placeholder 2"/>
+          <p:cNvSpPr>
+            <a:spLocks noGrp="1"/>
+          </p:cNvSpPr>
+          <p:nvPr>
+            <p:ph type="body" idx="1"/>
+          </p:nvPr>
+        </p:nvSpPr>
+        <p:spPr/>
+        <p:txBody>
+          <a:bodyPr/>
+          <a:lstStyle/>
+          <a:p>
+            <a:endParaRPr lang="en-US" dirty="0"/>
+          </a:p>
+        </p:txBody>
+      </p:sp>
+      <p:sp>
+        <p:nvSpPr>
+          <p:cNvPr id="4" name="Slide Number Placeholder 3"/>
+          <p:cNvSpPr>
+            <a:spLocks noGrp="1"/>
+          </p:cNvSpPr>
+          <p:nvPr>
+            <p:ph type="sldNum" sz="quarter" idx="10"/>
+          </p:nvPr>
+        </p:nvSpPr>
+        <p:spPr/>
+        <p:txBody>
+          <a:bodyPr/>
+          <a:lstStyle/>
+          <a:p>
+            <a:fld id="{16A87904-88DE-4022-A424-ACD2E6FC1751}" type="slidenum">
+              <a:rPr lang="en-US" smtClean="0"/>
+              <a:t>19</a:t>
             </a:fld>
             <a:endParaRPr lang="en-US"/>
           </a:p>
@@ -7806,7 +8276,7 @@
           <a:bodyPr/>
           <a:lstStyle/>
           <a:p>
-            <a:endParaRPr lang="en-US"/>
+            <a:endParaRPr lang="en-US" dirty="0"/>
           </a:p>
         </p:txBody>
       </p:sp>
@@ -7825,18 +8295,78 @@
           <a:bodyPr/>
           <a:lstStyle/>
           <a:p>
+            <a:pPr marL="0" marR="0" lvl="0" indent="0" algn="r" defTabSz="457200" rtl="0" eaLnBrk="1" fontAlgn="auto" latinLnBrk="0" hangingPunct="1">
+              <a:lnSpc>
+                <a:spcPct val="100000"/>
+              </a:lnSpc>
+              <a:spcBef>
+                <a:spcPts val="0"/>
+              </a:spcBef>
+              <a:spcAft>
+                <a:spcPts val="0"/>
+              </a:spcAft>
+              <a:buClrTx/>
+              <a:buSzTx/>
+              <a:buFontTx/>
+              <a:buNone/>
+              <a:tabLst/>
+              <a:defRPr/>
+            </a:pPr>
             <a:fld id="{16A87904-88DE-4022-A424-ACD2E6FC1751}" type="slidenum">
-              <a:rPr lang="en-US" smtClean="0"/>
+              <a:rPr kumimoji="0" lang="en-US" sz="1200" b="0" i="0" u="none" strike="noStrike" kern="1200" cap="none" spc="0" normalizeH="0" baseline="0" noProof="0" smtClean="0">
+                <a:ln>
+                  <a:noFill/>
+                </a:ln>
+                <a:solidFill>
+                  <a:prstClr val="black"/>
+                </a:solidFill>
+                <a:effectLst/>
+                <a:uLnTx/>
+                <a:uFillTx/>
+                <a:latin typeface="Calibri" panose="020F0502020204030204"/>
+                <a:ea typeface="+mn-ea"/>
+                <a:cs typeface="+mn-cs"/>
+              </a:rPr>
+              <a:pPr marL="0" marR="0" lvl="0" indent="0" algn="r" defTabSz="457200" rtl="0" eaLnBrk="1" fontAlgn="auto" latinLnBrk="0" hangingPunct="1">
+                <a:lnSpc>
+                  <a:spcPct val="100000"/>
+                </a:lnSpc>
+                <a:spcBef>
+                  <a:spcPts val="0"/>
+                </a:spcBef>
+                <a:spcAft>
+                  <a:spcPts val="0"/>
+                </a:spcAft>
+                <a:buClrTx/>
+                <a:buSzTx/>
+                <a:buFontTx/>
+                <a:buNone/>
+                <a:tabLst/>
+                <a:defRPr/>
+              </a:pPr>
               <a:t>2</a:t>
             </a:fld>
-            <a:endParaRPr lang="en-US"/>
+            <a:endParaRPr kumimoji="0" lang="en-US" sz="1200" b="0" i="0" u="none" strike="noStrike" kern="1200" cap="none" spc="0" normalizeH="0" baseline="0" noProof="0">
+              <a:ln>
+                <a:noFill/>
+              </a:ln>
+              <a:solidFill>
+                <a:prstClr val="black"/>
+              </a:solidFill>
+              <a:effectLst/>
+              <a:uLnTx/>
+              <a:uFillTx/>
+              <a:latin typeface="Calibri" panose="020F0502020204030204"/>
+              <a:ea typeface="+mn-ea"/>
+              <a:cs typeface="+mn-cs"/>
+            </a:endParaRPr>
           </a:p>
         </p:txBody>
       </p:sp>
     </p:spTree>
     <p:extLst>
       <p:ext uri="{BB962C8B-B14F-4D97-AF65-F5344CB8AC3E}">
-        <p14:creationId xmlns:p14="http://schemas.microsoft.com/office/powerpoint/2010/main" val="1039297501"/>
+        <p14:creationId xmlns:p14="http://schemas.microsoft.com/office/powerpoint/2010/main" val="1176352571"/>
       </p:ext>
     </p:extLst>
   </p:cSld>
@@ -7890,19 +8420,7 @@
           <a:bodyPr/>
           <a:lstStyle/>
           <a:p>
-            <a:pPr marL="171450" indent="-171450">
-              <a:buFontTx/>
-              <a:buChar char="-"/>
-            </a:pPr>
-            <a:r>
-              <a:rPr lang="en-US" dirty="0"/>
-              <a:t>C:\Program Files\dotnet\</a:t>
-            </a:r>
-            <a:r>
-              <a:rPr lang="en-US" dirty="0" err="1"/>
-              <a:t>sdk</a:t>
-            </a:r>
-            <a:endParaRPr lang="en-US" dirty="0"/>
+            <a:endParaRPr lang="en-US"/>
           </a:p>
         </p:txBody>
       </p:sp>
@@ -7932,7 +8450,7 @@
     </p:spTree>
     <p:extLst>
       <p:ext uri="{BB962C8B-B14F-4D97-AF65-F5344CB8AC3E}">
-        <p14:creationId xmlns:p14="http://schemas.microsoft.com/office/powerpoint/2010/main" val="1841048353"/>
+        <p14:creationId xmlns:p14="http://schemas.microsoft.com/office/powerpoint/2010/main" val="1035584555"/>
       </p:ext>
     </p:extLst>
   </p:cSld>
@@ -7986,111 +8504,7 @@
           <a:bodyPr/>
           <a:lstStyle/>
           <a:p>
-            <a:pPr marL="171450" marR="0" lvl="0" indent="-171450" algn="l" defTabSz="914400" rtl="0" eaLnBrk="1" fontAlgn="auto" latinLnBrk="0" hangingPunct="1">
-              <a:lnSpc>
-                <a:spcPct val="100000"/>
-              </a:lnSpc>
-              <a:spcBef>
-                <a:spcPts val="0"/>
-              </a:spcBef>
-              <a:spcAft>
-                <a:spcPts val="0"/>
-              </a:spcAft>
-              <a:buClrTx/>
-              <a:buSzTx/>
-              <a:buFontTx/>
-              <a:buChar char="-"/>
-              <a:tabLst/>
-              <a:defRPr/>
-            </a:pPr>
-            <a:r>
-              <a:rPr lang="en-US" dirty="0"/>
-              <a:t>Not all commands accounted for in tooling:</a:t>
-            </a:r>
-          </a:p>
-          <a:p>
-            <a:pPr marL="628650" marR="0" lvl="1" indent="-171450" algn="l" defTabSz="914400" rtl="0" eaLnBrk="1" fontAlgn="auto" latinLnBrk="0" hangingPunct="1">
-              <a:lnSpc>
-                <a:spcPct val="100000"/>
-              </a:lnSpc>
-              <a:spcBef>
-                <a:spcPts val="0"/>
-              </a:spcBef>
-              <a:spcAft>
-                <a:spcPts val="0"/>
-              </a:spcAft>
-              <a:buClrTx/>
-              <a:buSzTx/>
-              <a:buFontTx/>
-              <a:buChar char="-"/>
-              <a:tabLst/>
-              <a:defRPr/>
-            </a:pPr>
-            <a:r>
-              <a:rPr lang="en-US" b="1" dirty="0"/>
-              <a:t>dotnet store </a:t>
-            </a:r>
-            <a:r>
-              <a:rPr lang="en-US" dirty="0"/>
-              <a:t>(create runtime store)</a:t>
-            </a:r>
-          </a:p>
-          <a:p>
-            <a:pPr marL="628650" marR="0" lvl="1" indent="-171450" algn="l" defTabSz="914400" rtl="0" eaLnBrk="1" fontAlgn="auto" latinLnBrk="0" hangingPunct="1">
-              <a:lnSpc>
-                <a:spcPct val="100000"/>
-              </a:lnSpc>
-              <a:spcBef>
-                <a:spcPts val="0"/>
-              </a:spcBef>
-              <a:spcAft>
-                <a:spcPts val="0"/>
-              </a:spcAft>
-              <a:buClrTx/>
-              <a:buSzTx/>
-              <a:buFontTx/>
-              <a:buChar char="-"/>
-              <a:tabLst/>
-              <a:defRPr/>
-            </a:pPr>
-            <a:r>
-              <a:rPr lang="en-US" b="1" dirty="0"/>
-              <a:t>dotnet publish </a:t>
-            </a:r>
-            <a:r>
-              <a:rPr lang="en-US" b="0" dirty="0"/>
-              <a:t>(SCD) </a:t>
-            </a:r>
-            <a:r>
-              <a:rPr lang="en-US" b="0" dirty="0">
-                <a:sym typeface="Wingdings" panose="05000000000000000000" pitchFamily="2" charset="2"/>
-              </a:rPr>
-              <a:t> coming in VS 2017 15.7 Preview 3</a:t>
-            </a:r>
-            <a:endParaRPr lang="en-US" b="1" dirty="0"/>
-          </a:p>
-          <a:p>
-            <a:pPr marL="171450" marR="0" lvl="0" indent="-171450" algn="l" defTabSz="914400" rtl="0" eaLnBrk="1" fontAlgn="auto" latinLnBrk="0" hangingPunct="1">
-              <a:lnSpc>
-                <a:spcPct val="100000"/>
-              </a:lnSpc>
-              <a:spcBef>
-                <a:spcPts val="0"/>
-              </a:spcBef>
-              <a:spcAft>
-                <a:spcPts val="0"/>
-              </a:spcAft>
-              <a:buClrTx/>
-              <a:buSzTx/>
-              <a:buFontTx/>
-              <a:buChar char="-"/>
-              <a:tabLst/>
-              <a:defRPr/>
-            </a:pPr>
-            <a:r>
-              <a:rPr lang="en-US" dirty="0"/>
-              <a:t>Compare to GitHub for Windows vs. Git command line</a:t>
-            </a:r>
+            <a:endParaRPr lang="en-US" dirty="0"/>
           </a:p>
         </p:txBody>
       </p:sp>
@@ -8109,18 +8523,72 @@
           <a:bodyPr/>
           <a:lstStyle/>
           <a:p>
+            <a:pPr marL="0" marR="0" lvl="0" indent="0" defTabSz="914400" eaLnBrk="1" fontAlgn="auto" latinLnBrk="0" hangingPunct="1">
+              <a:lnSpc>
+                <a:spcPct val="100000"/>
+              </a:lnSpc>
+              <a:spcBef>
+                <a:spcPts val="0"/>
+              </a:spcBef>
+              <a:spcAft>
+                <a:spcPts val="0"/>
+              </a:spcAft>
+              <a:buClrTx/>
+              <a:buSzTx/>
+              <a:buFontTx/>
+              <a:buNone/>
+              <a:tabLst/>
+              <a:defRPr/>
+            </a:pPr>
             <a:fld id="{16A87904-88DE-4022-A424-ACD2E6FC1751}" type="slidenum">
-              <a:rPr lang="en-US" smtClean="0"/>
+              <a:rPr kumimoji="0" lang="en-US" sz="1800" b="0" i="0" u="none" strike="noStrike" kern="0" cap="none" spc="0" normalizeH="0" baseline="0" noProof="0" smtClean="0">
+                <a:ln>
+                  <a:noFill/>
+                </a:ln>
+                <a:solidFill>
+                  <a:sysClr val="windowText" lastClr="000000"/>
+                </a:solidFill>
+                <a:effectLst/>
+                <a:uLnTx/>
+                <a:uFillTx/>
+              </a:rPr>
+              <a:pPr marL="0" marR="0" lvl="0" indent="0" defTabSz="914400" eaLnBrk="1" fontAlgn="auto" latinLnBrk="0" hangingPunct="1">
+                <a:lnSpc>
+                  <a:spcPct val="100000"/>
+                </a:lnSpc>
+                <a:spcBef>
+                  <a:spcPts val="0"/>
+                </a:spcBef>
+                <a:spcAft>
+                  <a:spcPts val="0"/>
+                </a:spcAft>
+                <a:buClrTx/>
+                <a:buSzTx/>
+                <a:buFontTx/>
+                <a:buNone/>
+                <a:tabLst/>
+                <a:defRPr/>
+              </a:pPr>
               <a:t>4</a:t>
             </a:fld>
-            <a:endParaRPr lang="en-US"/>
+            <a:endParaRPr kumimoji="0" lang="en-US" sz="1800" b="0" i="0" u="none" strike="noStrike" kern="0" cap="none" spc="0" normalizeH="0" baseline="0" noProof="0" dirty="0">
+              <a:ln>
+                <a:noFill/>
+              </a:ln>
+              <a:solidFill>
+                <a:sysClr val="windowText" lastClr="000000"/>
+              </a:solidFill>
+              <a:effectLst/>
+              <a:uLnTx/>
+              <a:uFillTx/>
+            </a:endParaRPr>
           </a:p>
         </p:txBody>
       </p:sp>
     </p:spTree>
     <p:extLst>
       <p:ext uri="{BB962C8B-B14F-4D97-AF65-F5344CB8AC3E}">
-        <p14:creationId xmlns:p14="http://schemas.microsoft.com/office/powerpoint/2010/main" val="1327865442"/>
+        <p14:creationId xmlns:p14="http://schemas.microsoft.com/office/powerpoint/2010/main" val="2008151646"/>
       </p:ext>
     </p:extLst>
   </p:cSld>
@@ -8174,29 +8642,7 @@
           <a:bodyPr/>
           <a:lstStyle/>
           <a:p>
-            <a:r>
-              <a:rPr lang="en-US" dirty="0"/>
-              <a:t>- dotnet my_app.dll </a:t>
-            </a:r>
-            <a:r>
-              <a:rPr lang="en-US" dirty="0">
-                <a:sym typeface="Wingdings" panose="05000000000000000000" pitchFamily="2" charset="2"/>
-              </a:rPr>
-              <a:t> only case when </a:t>
-            </a:r>
-            <a:r>
-              <a:rPr lang="en-US" i="1" dirty="0">
-                <a:sym typeface="Wingdings" panose="05000000000000000000" pitchFamily="2" charset="2"/>
-              </a:rPr>
-              <a:t>dotnet</a:t>
-            </a:r>
-            <a:r>
-              <a:rPr lang="en-US" dirty="0">
-                <a:sym typeface="Wingdings" panose="05000000000000000000" pitchFamily="2" charset="2"/>
-              </a:rPr>
-              <a:t> is used w/o command</a:t>
-            </a:r>
-            <a:endParaRPr lang="en-US" dirty="0"/>
+            <a:endParaRPr lang="en-US"/>
           </a:p>
         </p:txBody>
       </p:sp>
@@ -8226,7 +8672,7 @@
     </p:spTree>
     <p:extLst>
       <p:ext uri="{BB962C8B-B14F-4D97-AF65-F5344CB8AC3E}">
-        <p14:creationId xmlns:p14="http://schemas.microsoft.com/office/powerpoint/2010/main" val="1960770763"/>
+        <p14:creationId xmlns:p14="http://schemas.microsoft.com/office/powerpoint/2010/main" val="1039297501"/>
       </p:ext>
     </p:extLst>
   </p:cSld>
@@ -8280,10 +8726,19 @@
           <a:bodyPr/>
           <a:lstStyle/>
           <a:p>
+            <a:pPr marL="171450" indent="-171450">
+              <a:buFontTx/>
+              <a:buChar char="-"/>
+            </a:pPr>
             <a:r>
               <a:rPr lang="en-US" dirty="0"/>
-              <a:t>- gathered from telemetry in 7/2017</a:t>
+              <a:t>C:\Program Files\dotnet\</a:t>
             </a:r>
+            <a:r>
+              <a:rPr lang="en-US" dirty="0" err="1"/>
+              <a:t>sdk</a:t>
+            </a:r>
+            <a:endParaRPr lang="en-US" dirty="0"/>
           </a:p>
         </p:txBody>
       </p:sp>
@@ -8313,7 +8768,7 @@
     </p:spTree>
     <p:extLst>
       <p:ext uri="{BB962C8B-B14F-4D97-AF65-F5344CB8AC3E}">
-        <p14:creationId xmlns:p14="http://schemas.microsoft.com/office/powerpoint/2010/main" val="898768016"/>
+        <p14:creationId xmlns:p14="http://schemas.microsoft.com/office/powerpoint/2010/main" val="1841048353"/>
       </p:ext>
     </p:extLst>
   </p:cSld>
@@ -8367,7 +8822,111 @@
           <a:bodyPr/>
           <a:lstStyle/>
           <a:p>
-            <a:endParaRPr lang="en-US" dirty="0"/>
+            <a:pPr marL="171450" marR="0" lvl="0" indent="-171450" algn="l" defTabSz="914400" rtl="0" eaLnBrk="1" fontAlgn="auto" latinLnBrk="0" hangingPunct="1">
+              <a:lnSpc>
+                <a:spcPct val="100000"/>
+              </a:lnSpc>
+              <a:spcBef>
+                <a:spcPts val="0"/>
+              </a:spcBef>
+              <a:spcAft>
+                <a:spcPts val="0"/>
+              </a:spcAft>
+              <a:buClrTx/>
+              <a:buSzTx/>
+              <a:buFontTx/>
+              <a:buChar char="-"/>
+              <a:tabLst/>
+              <a:defRPr/>
+            </a:pPr>
+            <a:r>
+              <a:rPr lang="en-US" dirty="0"/>
+              <a:t>Not all commands accounted for in tooling:</a:t>
+            </a:r>
+          </a:p>
+          <a:p>
+            <a:pPr marL="628650" marR="0" lvl="1" indent="-171450" algn="l" defTabSz="914400" rtl="0" eaLnBrk="1" fontAlgn="auto" latinLnBrk="0" hangingPunct="1">
+              <a:lnSpc>
+                <a:spcPct val="100000"/>
+              </a:lnSpc>
+              <a:spcBef>
+                <a:spcPts val="0"/>
+              </a:spcBef>
+              <a:spcAft>
+                <a:spcPts val="0"/>
+              </a:spcAft>
+              <a:buClrTx/>
+              <a:buSzTx/>
+              <a:buFontTx/>
+              <a:buChar char="-"/>
+              <a:tabLst/>
+              <a:defRPr/>
+            </a:pPr>
+            <a:r>
+              <a:rPr lang="en-US" b="1" dirty="0"/>
+              <a:t>dotnet store </a:t>
+            </a:r>
+            <a:r>
+              <a:rPr lang="en-US" dirty="0"/>
+              <a:t>(create runtime store)</a:t>
+            </a:r>
+          </a:p>
+          <a:p>
+            <a:pPr marL="628650" marR="0" lvl="1" indent="-171450" algn="l" defTabSz="914400" rtl="0" eaLnBrk="1" fontAlgn="auto" latinLnBrk="0" hangingPunct="1">
+              <a:lnSpc>
+                <a:spcPct val="100000"/>
+              </a:lnSpc>
+              <a:spcBef>
+                <a:spcPts val="0"/>
+              </a:spcBef>
+              <a:spcAft>
+                <a:spcPts val="0"/>
+              </a:spcAft>
+              <a:buClrTx/>
+              <a:buSzTx/>
+              <a:buFontTx/>
+              <a:buChar char="-"/>
+              <a:tabLst/>
+              <a:defRPr/>
+            </a:pPr>
+            <a:r>
+              <a:rPr lang="en-US" b="1" dirty="0"/>
+              <a:t>dotnet publish </a:t>
+            </a:r>
+            <a:r>
+              <a:rPr lang="en-US" b="0" dirty="0"/>
+              <a:t>(SCD) </a:t>
+            </a:r>
+            <a:r>
+              <a:rPr lang="en-US" b="0" dirty="0">
+                <a:sym typeface="Wingdings" panose="05000000000000000000" pitchFamily="2" charset="2"/>
+              </a:rPr>
+              <a:t> coming in VS 2017 15.7 Preview 3</a:t>
+            </a:r>
+            <a:endParaRPr lang="en-US" b="1" dirty="0"/>
+          </a:p>
+          <a:p>
+            <a:pPr marL="171450" marR="0" lvl="0" indent="-171450" algn="l" defTabSz="914400" rtl="0" eaLnBrk="1" fontAlgn="auto" latinLnBrk="0" hangingPunct="1">
+              <a:lnSpc>
+                <a:spcPct val="100000"/>
+              </a:lnSpc>
+              <a:spcBef>
+                <a:spcPts val="0"/>
+              </a:spcBef>
+              <a:spcAft>
+                <a:spcPts val="0"/>
+              </a:spcAft>
+              <a:buClrTx/>
+              <a:buSzTx/>
+              <a:buFontTx/>
+              <a:buChar char="-"/>
+              <a:tabLst/>
+              <a:defRPr/>
+            </a:pPr>
+            <a:r>
+              <a:rPr lang="en-US" dirty="0"/>
+              <a:t>Compare to GitHub for Windows vs. Git command line</a:t>
+            </a:r>
           </a:p>
         </p:txBody>
       </p:sp>
@@ -8397,7 +8956,7 @@
     </p:spTree>
     <p:extLst>
       <p:ext uri="{BB962C8B-B14F-4D97-AF65-F5344CB8AC3E}">
-        <p14:creationId xmlns:p14="http://schemas.microsoft.com/office/powerpoint/2010/main" val="3124676736"/>
+        <p14:creationId xmlns:p14="http://schemas.microsoft.com/office/powerpoint/2010/main" val="1327865442"/>
       </p:ext>
     </p:extLst>
   </p:cSld>
@@ -8451,6 +9010,28 @@
           <a:bodyPr/>
           <a:lstStyle/>
           <a:p>
+            <a:r>
+              <a:rPr lang="en-US" dirty="0"/>
+              <a:t>- dotnet my_app.dll </a:t>
+            </a:r>
+            <a:r>
+              <a:rPr lang="en-US" dirty="0">
+                <a:sym typeface="Wingdings" panose="05000000000000000000" pitchFamily="2" charset="2"/>
+              </a:rPr>
+              <a:t> only case when </a:t>
+            </a:r>
+            <a:r>
+              <a:rPr lang="en-US" i="1" dirty="0">
+                <a:sym typeface="Wingdings" panose="05000000000000000000" pitchFamily="2" charset="2"/>
+              </a:rPr>
+              <a:t>dotnet</a:t>
+            </a:r>
+            <a:r>
+              <a:rPr lang="en-US" dirty="0">
+                <a:sym typeface="Wingdings" panose="05000000000000000000" pitchFamily="2" charset="2"/>
+              </a:rPr>
+              <a:t> is used w/o command</a:t>
+            </a:r>
             <a:endParaRPr lang="en-US" dirty="0"/>
           </a:p>
         </p:txBody>
@@ -8481,7 +9062,7 @@
     </p:spTree>
     <p:extLst>
       <p:ext uri="{BB962C8B-B14F-4D97-AF65-F5344CB8AC3E}">
-        <p14:creationId xmlns:p14="http://schemas.microsoft.com/office/powerpoint/2010/main" val="178583391"/>
+        <p14:creationId xmlns:p14="http://schemas.microsoft.com/office/powerpoint/2010/main" val="1960770763"/>
       </p:ext>
     </p:extLst>
   </p:cSld>
@@ -8535,7 +9116,10 @@
           <a:bodyPr/>
           <a:lstStyle/>
           <a:p>
-            <a:endParaRPr lang="en-US"/>
+            <a:r>
+              <a:rPr lang="en-US" dirty="0"/>
+              <a:t>- gathered from telemetry in 7/2017</a:t>
+            </a:r>
           </a:p>
         </p:txBody>
       </p:sp>
@@ -8565,7 +9149,7 @@
     </p:spTree>
     <p:extLst>
       <p:ext uri="{BB962C8B-B14F-4D97-AF65-F5344CB8AC3E}">
-        <p14:creationId xmlns:p14="http://schemas.microsoft.com/office/powerpoint/2010/main" val="405664035"/>
+        <p14:creationId xmlns:p14="http://schemas.microsoft.com/office/powerpoint/2010/main" val="898768016"/>
       </p:ext>
     </p:extLst>
   </p:cSld>
@@ -8706,7 +9290,7 @@
           <a:p>
             <a:fld id="{EEC3160E-2579-4584-9765-DC1BA0B358F9}" type="datetimeFigureOut">
               <a:rPr lang="en-US" smtClean="0"/>
-              <a:t>3/23/2018</a:t>
+              <a:t>3/26/2018</a:t>
             </a:fld>
             <a:endParaRPr lang="en-US"/>
           </a:p>
@@ -8876,7 +9460,7 @@
           <a:p>
             <a:fld id="{EEC3160E-2579-4584-9765-DC1BA0B358F9}" type="datetimeFigureOut">
               <a:rPr lang="en-US" smtClean="0"/>
-              <a:t>3/23/2018</a:t>
+              <a:t>3/26/2018</a:t>
             </a:fld>
             <a:endParaRPr lang="en-US"/>
           </a:p>
@@ -9056,7 +9640,7 @@
           <a:p>
             <a:fld id="{EEC3160E-2579-4584-9765-DC1BA0B358F9}" type="datetimeFigureOut">
               <a:rPr lang="en-US" smtClean="0"/>
-              <a:t>3/23/2018</a:t>
+              <a:t>3/26/2018</a:t>
             </a:fld>
             <a:endParaRPr lang="en-US"/>
           </a:p>
@@ -10971,7 +11555,7 @@
           <a:p>
             <a:fld id="{EEC3160E-2579-4584-9765-DC1BA0B358F9}" type="datetimeFigureOut">
               <a:rPr lang="en-US" smtClean="0"/>
-              <a:t>3/23/2018</a:t>
+              <a:t>3/26/2018</a:t>
             </a:fld>
             <a:endParaRPr lang="en-US"/>
           </a:p>
@@ -12453,7 +13037,7 @@
           <a:p>
             <a:fld id="{EEC3160E-2579-4584-9765-DC1BA0B358F9}" type="datetimeFigureOut">
               <a:rPr lang="en-US" smtClean="0"/>
-              <a:t>3/23/2018</a:t>
+              <a:t>3/26/2018</a:t>
             </a:fld>
             <a:endParaRPr lang="en-US"/>
           </a:p>
@@ -13593,7 +14177,7 @@
           <a:p>
             <a:fld id="{EEC3160E-2579-4584-9765-DC1BA0B358F9}" type="datetimeFigureOut">
               <a:rPr lang="en-US" smtClean="0"/>
-              <a:t>3/23/2018</a:t>
+              <a:t>3/26/2018</a:t>
             </a:fld>
             <a:endParaRPr lang="en-US"/>
           </a:p>
@@ -13960,7 +14544,7 @@
           <a:p>
             <a:fld id="{EEC3160E-2579-4584-9765-DC1BA0B358F9}" type="datetimeFigureOut">
               <a:rPr lang="en-US" smtClean="0"/>
-              <a:t>3/23/2018</a:t>
+              <a:t>3/26/2018</a:t>
             </a:fld>
             <a:endParaRPr lang="en-US"/>
           </a:p>
@@ -14078,7 +14662,7 @@
           <a:p>
             <a:fld id="{EEC3160E-2579-4584-9765-DC1BA0B358F9}" type="datetimeFigureOut">
               <a:rPr lang="en-US" smtClean="0"/>
-              <a:t>3/23/2018</a:t>
+              <a:t>3/26/2018</a:t>
             </a:fld>
             <a:endParaRPr lang="en-US"/>
           </a:p>
@@ -14173,7 +14757,7 @@
           <a:p>
             <a:fld id="{EEC3160E-2579-4584-9765-DC1BA0B358F9}" type="datetimeFigureOut">
               <a:rPr lang="en-US" smtClean="0"/>
-              <a:t>3/23/2018</a:t>
+              <a:t>3/26/2018</a:t>
             </a:fld>
             <a:endParaRPr lang="en-US"/>
           </a:p>
@@ -14450,7 +15034,7 @@
           <a:p>
             <a:fld id="{EEC3160E-2579-4584-9765-DC1BA0B358F9}" type="datetimeFigureOut">
               <a:rPr lang="en-US" smtClean="0"/>
-              <a:t>3/23/2018</a:t>
+              <a:t>3/26/2018</a:t>
             </a:fld>
             <a:endParaRPr lang="en-US"/>
           </a:p>
@@ -14707,7 +15291,7 @@
           <a:p>
             <a:fld id="{EEC3160E-2579-4584-9765-DC1BA0B358F9}" type="datetimeFigureOut">
               <a:rPr lang="en-US" smtClean="0"/>
-              <a:t>3/23/2018</a:t>
+              <a:t>3/26/2018</a:t>
             </a:fld>
             <a:endParaRPr lang="en-US"/>
           </a:p>
@@ -14920,7 +15504,7 @@
           <a:p>
             <a:fld id="{EEC3160E-2579-4584-9765-DC1BA0B358F9}" type="datetimeFigureOut">
               <a:rPr lang="en-US" smtClean="0"/>
-              <a:t>3/23/2018</a:t>
+              <a:t>3/26/2018</a:t>
             </a:fld>
             <a:endParaRPr lang="en-US"/>
           </a:p>
@@ -17344,12 +17928,6 @@
               <a:rPr lang="en-US" sz="4800" b="1" dirty="0"/>
               <a:t> dotnet tour</a:t>
             </a:r>
-            <a:r>
-              <a:rPr lang="en-US" sz="4800" b="1" dirty="0">
-                <a:latin typeface="Consolas" panose="020B0609020204030204" pitchFamily="49" charset="0"/>
-              </a:rPr>
-              <a:t>|</a:t>
-            </a:r>
             <a:endParaRPr lang="en-US" sz="4000" b="1" dirty="0">
               <a:latin typeface="Consolas" panose="020B0609020204030204" pitchFamily="49" charset="0"/>
             </a:endParaRPr>
@@ -17490,41 +18068,1387 @@
           </a:bodyPr>
           <a:lstStyle/>
           <a:p>
+            <a:pPr marL="0" marR="0" lvl="0" indent="0" algn="l" defTabSz="457200" rtl="0" eaLnBrk="1" fontAlgn="auto" latinLnBrk="0" hangingPunct="1">
+              <a:lnSpc>
+                <a:spcPct val="100000"/>
+              </a:lnSpc>
+              <a:spcBef>
+                <a:spcPts val="0"/>
+              </a:spcBef>
+              <a:spcAft>
+                <a:spcPts val="0"/>
+              </a:spcAft>
+              <a:buClrTx/>
+              <a:buSzTx/>
+              <a:buFontTx/>
+              <a:buNone/>
+              <a:tabLst/>
+              <a:defRPr/>
+            </a:pPr>
             <a:r>
-              <a:rPr lang="en-US" b="1" dirty="0">
+              <a:rPr kumimoji="0" lang="en-US" sz="1800" b="1" i="0" u="none" strike="noStrike" kern="1200" cap="none" spc="0" normalizeH="0" baseline="0" noProof="0" dirty="0">
+                <a:ln>
+                  <a:noFill/>
+                </a:ln>
                 <a:solidFill>
-                  <a:schemeClr val="accent1">
+                  <a:srgbClr val="5B9BD5">
                     <a:lumMod val="40000"/>
                     <a:lumOff val="60000"/>
-                  </a:schemeClr>
+                  </a:srgbClr>
                 </a:solidFill>
+                <a:effectLst/>
+                <a:uLnTx/>
+                <a:uFillTx/>
+                <a:latin typeface="Segoe UI Light"/>
+                <a:ea typeface="+mn-ea"/>
+                <a:cs typeface="+mn-cs"/>
               </a:rPr>
               <a:t>Scott Addie</a:t>
             </a:r>
           </a:p>
           <a:p>
+            <a:pPr marL="0" marR="0" lvl="0" indent="0" algn="l" defTabSz="457200" rtl="0" eaLnBrk="1" fontAlgn="auto" latinLnBrk="0" hangingPunct="1">
+              <a:lnSpc>
+                <a:spcPct val="100000"/>
+              </a:lnSpc>
+              <a:spcBef>
+                <a:spcPts val="0"/>
+              </a:spcBef>
+              <a:spcAft>
+                <a:spcPts val="0"/>
+              </a:spcAft>
+              <a:buClrTx/>
+              <a:buSzTx/>
+              <a:buFontTx/>
+              <a:buNone/>
+              <a:tabLst/>
+              <a:defRPr/>
+            </a:pPr>
             <a:r>
-              <a:rPr lang="en-US" sz="1600" b="1" dirty="0"/>
+              <a:rPr kumimoji="0" lang="en-US" sz="1600" b="1" i="0" u="none" strike="noStrike" kern="1200" cap="none" spc="0" normalizeH="0" baseline="0" noProof="0" dirty="0">
+                <a:ln>
+                  <a:noFill/>
+                </a:ln>
+                <a:solidFill>
+                  <a:prstClr val="white"/>
+                </a:solidFill>
+                <a:effectLst/>
+                <a:uLnTx/>
+                <a:uFillTx/>
+                <a:latin typeface="Segoe UI Light"/>
+                <a:ea typeface="+mn-ea"/>
+                <a:cs typeface="+mn-cs"/>
+              </a:rPr>
               <a:t>Senior Content Developer</a:t>
             </a:r>
           </a:p>
           <a:p>
+            <a:pPr marL="0" marR="0" lvl="0" indent="0" algn="l" defTabSz="457200" rtl="0" eaLnBrk="1" fontAlgn="auto" latinLnBrk="0" hangingPunct="1">
+              <a:lnSpc>
+                <a:spcPct val="100000"/>
+              </a:lnSpc>
+              <a:spcBef>
+                <a:spcPts val="0"/>
+              </a:spcBef>
+              <a:spcAft>
+                <a:spcPts val="0"/>
+              </a:spcAft>
+              <a:buClrTx/>
+              <a:buSzTx/>
+              <a:buFontTx/>
+              <a:buNone/>
+              <a:tabLst/>
+              <a:defRPr/>
+            </a:pPr>
             <a:r>
-              <a:rPr lang="en-US" sz="1600" b="1" dirty="0"/>
+              <a:rPr kumimoji="0" lang="en-US" sz="1600" b="1" i="0" u="none" strike="noStrike" kern="1200" cap="none" spc="0" normalizeH="0" baseline="0" noProof="0" dirty="0">
+                <a:ln>
+                  <a:noFill/>
+                </a:ln>
+                <a:solidFill>
+                  <a:prstClr val="white"/>
+                </a:solidFill>
+                <a:effectLst/>
+                <a:uLnTx/>
+                <a:uFillTx/>
+                <a:latin typeface="Segoe UI Light"/>
+                <a:ea typeface="+mn-ea"/>
+                <a:cs typeface="+mn-cs"/>
+              </a:rPr>
               <a:t>@</a:t>
             </a:r>
             <a:r>
-              <a:rPr lang="en-US" sz="1600" b="1" dirty="0" err="1"/>
+              <a:rPr kumimoji="0" lang="en-US" sz="1600" b="1" i="0" u="none" strike="noStrike" kern="1200" cap="none" spc="0" normalizeH="0" baseline="0" noProof="0" dirty="0" err="1">
+                <a:ln>
+                  <a:noFill/>
+                </a:ln>
+                <a:solidFill>
+                  <a:prstClr val="white"/>
+                </a:solidFill>
+                <a:effectLst/>
+                <a:uLnTx/>
+                <a:uFillTx/>
+                <a:latin typeface="Segoe UI Light"/>
+                <a:ea typeface="+mn-ea"/>
+                <a:cs typeface="+mn-cs"/>
+              </a:rPr>
               <a:t>Scott_Addie</a:t>
             </a:r>
-            <a:endParaRPr lang="en-US" sz="1600" b="1" dirty="0"/>
+            <a:endParaRPr kumimoji="0" lang="en-US" sz="1600" b="1" i="0" u="none" strike="noStrike" kern="1200" cap="none" spc="0" normalizeH="0" baseline="0" noProof="0" dirty="0">
+              <a:ln>
+                <a:noFill/>
+              </a:ln>
+              <a:solidFill>
+                <a:prstClr val="white"/>
+              </a:solidFill>
+              <a:effectLst/>
+              <a:uLnTx/>
+              <a:uFillTx/>
+              <a:latin typeface="Segoe UI Light"/>
+              <a:ea typeface="+mn-ea"/>
+              <a:cs typeface="+mn-cs"/>
+            </a:endParaRPr>
+          </a:p>
+        </p:txBody>
+      </p:sp>
+      <p:pic>
+        <p:nvPicPr>
+          <p:cNvPr id="8" name="Picture 7">
+            <a:extLst>
+              <a:ext uri="{FF2B5EF4-FFF2-40B4-BE49-F238E27FC236}">
+                <a16:creationId xmlns:a16="http://schemas.microsoft.com/office/drawing/2014/main" id="{4799871E-E109-45FD-B923-348FC1EA0FEB}"/>
+              </a:ext>
+            </a:extLst>
+          </p:cNvPr>
+          <p:cNvPicPr>
+            <a:picLocks noChangeAspect="1"/>
+          </p:cNvPicPr>
+          <p:nvPr/>
+        </p:nvPicPr>
+        <p:blipFill>
+          <a:blip r:embed="rId6">
+            <a:lum bright="70000" contrast="-70000"/>
+            <a:extLst>
+              <a:ext uri="{28A0092B-C50C-407E-A947-70E740481C1C}">
+                <a14:useLocalDpi xmlns:a14="http://schemas.microsoft.com/office/drawing/2010/main" val="0"/>
+              </a:ext>
+            </a:extLst>
+          </a:blip>
+          <a:stretch>
+            <a:fillRect/>
+          </a:stretch>
+        </p:blipFill>
+        <p:spPr>
+          <a:xfrm>
+            <a:off x="7583467" y="2006092"/>
+            <a:ext cx="597408" cy="597408"/>
+          </a:xfrm>
+          <a:prstGeom prst="rect">
+            <a:avLst/>
+          </a:prstGeom>
+        </p:spPr>
+      </p:pic>
+    </p:spTree>
+    <p:extLst>
+      <p:ext uri="{BB962C8B-B14F-4D97-AF65-F5344CB8AC3E}">
+        <p14:creationId xmlns:p14="http://schemas.microsoft.com/office/powerpoint/2010/main" val="1921618387"/>
+      </p:ext>
+    </p:extLst>
+  </p:cSld>
+  <p:clrMapOvr>
+    <a:masterClrMapping/>
+  </p:clrMapOvr>
+  <mc:AlternateContent xmlns:mc="http://schemas.openxmlformats.org/markup-compatibility/2006">
+    <mc:Choice xmlns:p14="http://schemas.microsoft.com/office/powerpoint/2010/main" Requires="p14">
+      <p:transition spd="med" p14:dur="700" advClick="0" advTm="8000">
+        <p:fade/>
+      </p:transition>
+    </mc:Choice>
+    <mc:Fallback>
+      <p:transition spd="med" advClick="0" advTm="8000">
+        <p:fade/>
+      </p:transition>
+    </mc:Fallback>
+  </mc:AlternateContent>
+</p:sld>
+</file>
+
+<file path=ppt/slides/slide10.xml><?xml version="1.0" encoding="utf-8"?>
+<p:sld xmlns:a="http://schemas.openxmlformats.org/drawingml/2006/main" xmlns:r="http://schemas.openxmlformats.org/officeDocument/2006/relationships" xmlns:p="http://schemas.openxmlformats.org/presentationml/2006/main">
+  <p:cSld>
+    <p:bg>
+      <p:bgPr>
+        <a:solidFill>
+          <a:schemeClr val="bg1"/>
+        </a:solidFill>
+        <a:effectLst/>
+      </p:bgPr>
+    </p:bg>
+    <p:spTree>
+      <p:nvGrpSpPr>
+        <p:cNvPr id="1" name=""/>
+        <p:cNvGrpSpPr/>
+        <p:nvPr/>
+      </p:nvGrpSpPr>
+      <p:grpSpPr>
+        <a:xfrm>
+          <a:off x="0" y="0"/>
+          <a:ext cx="0" cy="0"/>
+          <a:chOff x="0" y="0"/>
+          <a:chExt cx="0" cy="0"/>
+        </a:xfrm>
+      </p:grpSpPr>
+      <p:sp>
+        <p:nvSpPr>
+          <p:cNvPr id="8" name="Rectangle 7">
+            <a:extLst>
+              <a:ext uri="{FF2B5EF4-FFF2-40B4-BE49-F238E27FC236}">
+                <a16:creationId xmlns:a16="http://schemas.microsoft.com/office/drawing/2014/main" id="{8D70B121-56F4-4848-B38B-182089D909FA}"/>
+              </a:ext>
+            </a:extLst>
+          </p:cNvPr>
+          <p:cNvSpPr>
+            <a:spLocks noGrp="1" noRot="1" noChangeAspect="1" noMove="1" noResize="1" noEditPoints="1" noAdjustHandles="1" noChangeArrowheads="1" noChangeShapeType="1" noTextEdit="1"/>
+          </p:cNvSpPr>
+          <p:nvPr>
+            <p:extLst>
+              <p:ext uri="{386F3935-93C4-4BCD-93E2-E3B085C9AB24}">
+                <p16:designElem xmlns:p16="http://schemas.microsoft.com/office/powerpoint/2015/main" val="1"/>
+              </p:ext>
+            </p:extLst>
+          </p:nvPr>
+        </p:nvSpPr>
+        <p:spPr bwMode="ltGray">
+          <a:xfrm>
+            <a:off x="321564" y="320040"/>
+            <a:ext cx="11548872" cy="6217920"/>
+          </a:xfrm>
+          <a:prstGeom prst="rect">
+            <a:avLst/>
+          </a:prstGeom>
+          <a:solidFill>
+            <a:schemeClr val="tx1">
+              <a:alpha val="8000"/>
+            </a:schemeClr>
+          </a:solidFill>
+          <a:ln w="127000" cap="sq" cmpd="thinThick">
+            <a:noFill/>
+          </a:ln>
+        </p:spPr>
+        <p:style>
+          <a:lnRef idx="2">
+            <a:schemeClr val="accent1">
+              <a:shade val="50000"/>
+            </a:schemeClr>
+          </a:lnRef>
+          <a:fillRef idx="1">
+            <a:schemeClr val="accent1"/>
+          </a:fillRef>
+          <a:effectRef idx="0">
+            <a:schemeClr val="accent1"/>
+          </a:effectRef>
+          <a:fontRef idx="minor">
+            <a:schemeClr val="lt1"/>
+          </a:fontRef>
+        </p:style>
+        <p:txBody>
+          <a:bodyPr rtlCol="0" anchor="ctr"/>
+          <a:lstStyle/>
+          <a:p>
+            <a:pPr algn="ctr"/>
+            <a:endParaRPr lang="en-US"/>
+          </a:p>
+        </p:txBody>
+      </p:sp>
+      <p:cxnSp>
+        <p:nvCxnSpPr>
+          <p:cNvPr id="10" name="Straight Connector 9">
+            <a:extLst>
+              <a:ext uri="{FF2B5EF4-FFF2-40B4-BE49-F238E27FC236}">
+                <a16:creationId xmlns:a16="http://schemas.microsoft.com/office/drawing/2014/main" id="{2D72A2C9-F3CA-4216-8BAD-FA4C970C3C4E}"/>
+              </a:ext>
+            </a:extLst>
+          </p:cNvPr>
+          <p:cNvCxnSpPr>
+            <a:cxnSpLocks noGrp="1" noRot="1" noChangeAspect="1" noMove="1" noResize="1" noEditPoints="1" noAdjustHandles="1" noChangeArrowheads="1" noChangeShapeType="1"/>
+          </p:cNvCxnSpPr>
+          <p:nvPr>
+            <p:extLst>
+              <p:ext uri="{386F3935-93C4-4BCD-93E2-E3B085C9AB24}">
+                <p16:designElem xmlns:p16="http://schemas.microsoft.com/office/powerpoint/2015/main" val="1"/>
+              </p:ext>
+            </p:extLst>
+          </p:nvPr>
+        </p:nvCxnSpPr>
+        <p:spPr>
+          <a:xfrm>
+            <a:off x="4654296" y="2057400"/>
+            <a:ext cx="0" cy="2743200"/>
+          </a:xfrm>
+          <a:prstGeom prst="line">
+            <a:avLst/>
+          </a:prstGeom>
+          <a:ln w="19050">
+            <a:solidFill>
+              <a:schemeClr val="tx1">
+                <a:lumMod val="85000"/>
+                <a:lumOff val="15000"/>
+              </a:schemeClr>
+            </a:solidFill>
+          </a:ln>
+        </p:spPr>
+        <p:style>
+          <a:lnRef idx="1">
+            <a:schemeClr val="accent1"/>
+          </a:lnRef>
+          <a:fillRef idx="0">
+            <a:schemeClr val="accent1"/>
+          </a:fillRef>
+          <a:effectRef idx="0">
+            <a:schemeClr val="accent1"/>
+          </a:effectRef>
+          <a:fontRef idx="minor">
+            <a:schemeClr val="tx1"/>
+          </a:fontRef>
+        </p:style>
+      </p:cxnSp>
+      <p:sp>
+        <p:nvSpPr>
+          <p:cNvPr id="2" name="Title 1"/>
+          <p:cNvSpPr>
+            <a:spLocks noGrp="1"/>
+          </p:cNvSpPr>
+          <p:nvPr>
+            <p:ph type="title"/>
+          </p:nvPr>
+        </p:nvSpPr>
+        <p:spPr>
+          <a:xfrm>
+            <a:off x="838200" y="963877"/>
+            <a:ext cx="3494362" cy="4930246"/>
+          </a:xfrm>
+        </p:spPr>
+        <p:txBody>
+          <a:bodyPr>
+            <a:normAutofit/>
+          </a:bodyPr>
+          <a:lstStyle/>
+          <a:p>
+            <a:pPr algn="r"/>
+            <a:r>
+              <a:rPr lang="en-US">
+                <a:solidFill>
+                  <a:schemeClr val="accent1"/>
+                </a:solidFill>
+              </a:rPr>
+              <a:t>Integration with VS Code</a:t>
+            </a:r>
+          </a:p>
+        </p:txBody>
+      </p:sp>
+      <p:sp>
+        <p:nvSpPr>
+          <p:cNvPr id="3" name="Content Placeholder 2"/>
+          <p:cNvSpPr>
+            <a:spLocks noGrp="1"/>
+          </p:cNvSpPr>
+          <p:nvPr>
+            <p:ph idx="1"/>
+          </p:nvPr>
+        </p:nvSpPr>
+        <p:spPr>
+          <a:xfrm>
+            <a:off x="4976031" y="963877"/>
+            <a:ext cx="6377769" cy="4930246"/>
+          </a:xfrm>
+        </p:spPr>
+        <p:txBody>
+          <a:bodyPr anchor="ctr">
+            <a:normAutofit/>
+          </a:bodyPr>
+          <a:lstStyle/>
+          <a:p>
+            <a:r>
+              <a:rPr lang="en-US" sz="2400" dirty="0"/>
+              <a:t>Consistent experience on all platforms</a:t>
+            </a:r>
+          </a:p>
+          <a:p>
+            <a:r>
+              <a:rPr lang="en-US" sz="2400" dirty="0"/>
+              <a:t>Extensions:</a:t>
+            </a:r>
+          </a:p>
+          <a:p>
+            <a:pPr lvl="1"/>
+            <a:r>
+              <a:rPr lang="en-US" sz="2000" dirty="0"/>
+              <a:t>C# (</a:t>
+            </a:r>
+            <a:r>
+              <a:rPr lang="en-US" sz="2000" dirty="0" err="1"/>
+              <a:t>OmniSharp</a:t>
+            </a:r>
+            <a:r>
+              <a:rPr lang="en-US" sz="2000" dirty="0"/>
+              <a:t>)</a:t>
+            </a:r>
+          </a:p>
+          <a:p>
+            <a:pPr lvl="1"/>
+            <a:r>
+              <a:rPr lang="en-US" sz="2000" dirty="0"/>
+              <a:t>Azure CLI Tools</a:t>
+            </a:r>
+          </a:p>
+          <a:p>
+            <a:r>
+              <a:rPr lang="en-US" sz="2400" dirty="0"/>
+              <a:t>Use with…</a:t>
+            </a:r>
+          </a:p>
+          <a:p>
+            <a:pPr lvl="1"/>
+            <a:r>
+              <a:rPr lang="en-US" sz="2000" dirty="0"/>
+              <a:t>Command Palette</a:t>
+            </a:r>
+          </a:p>
+          <a:p>
+            <a:pPr lvl="1"/>
+            <a:r>
+              <a:rPr lang="en-US" sz="2000" dirty="0"/>
+              <a:t>Integrated Terminal</a:t>
+            </a:r>
+          </a:p>
+          <a:p>
+            <a:pPr lvl="1"/>
+            <a:r>
+              <a:rPr lang="en-US" sz="2000" dirty="0"/>
+              <a:t>Tasks</a:t>
+            </a:r>
+            <a:endParaRPr lang="en-US" sz="2400" dirty="0"/>
           </a:p>
         </p:txBody>
       </p:sp>
     </p:spTree>
     <p:extLst>
       <p:ext uri="{BB962C8B-B14F-4D97-AF65-F5344CB8AC3E}">
-        <p14:creationId xmlns:p14="http://schemas.microsoft.com/office/powerpoint/2010/main" val="253120356"/>
+        <p14:creationId xmlns:p14="http://schemas.microsoft.com/office/powerpoint/2010/main" val="1735316122"/>
+      </p:ext>
+    </p:extLst>
+  </p:cSld>
+  <p:clrMapOvr>
+    <a:masterClrMapping/>
+  </p:clrMapOvr>
+  <p:timing>
+    <p:tnLst>
+      <p:par>
+        <p:cTn id="1" dur="indefinite" restart="never" nodeType="tmRoot">
+          <p:childTnLst>
+            <p:seq concurrent="1" nextAc="seek">
+              <p:cTn id="2" dur="indefinite" nodeType="mainSeq">
+                <p:childTnLst>
+                  <p:par>
+                    <p:cTn id="3" fill="hold">
+                      <p:stCondLst>
+                        <p:cond delay="indefinite"/>
+                      </p:stCondLst>
+                      <p:childTnLst>
+                        <p:par>
+                          <p:cTn id="4" fill="hold">
+                            <p:stCondLst>
+                              <p:cond delay="0"/>
+                            </p:stCondLst>
+                            <p:childTnLst>
+                              <p:par>
+                                <p:cTn id="5" presetID="10" presetClass="entr" presetSubtype="0" fill="hold" nodeType="clickEffect">
+                                  <p:stCondLst>
+                                    <p:cond delay="0"/>
+                                  </p:stCondLst>
+                                  <p:childTnLst>
+                                    <p:set>
+                                      <p:cBhvr>
+                                        <p:cTn id="6" dur="1" fill="hold">
+                                          <p:stCondLst>
+                                            <p:cond delay="0"/>
+                                          </p:stCondLst>
+                                        </p:cTn>
+                                        <p:tgtEl>
+                                          <p:spTgt spid="3">
+                                            <p:txEl>
+                                              <p:pRg st="0" end="0"/>
+                                            </p:txEl>
+                                          </p:spTgt>
+                                        </p:tgtEl>
+                                        <p:attrNameLst>
+                                          <p:attrName>style.visibility</p:attrName>
+                                        </p:attrNameLst>
+                                      </p:cBhvr>
+                                      <p:to>
+                                        <p:strVal val="visible"/>
+                                      </p:to>
+                                    </p:set>
+                                    <p:animEffect transition="in" filter="fade">
+                                      <p:cBhvr>
+                                        <p:cTn id="7" dur="500"/>
+                                        <p:tgtEl>
+                                          <p:spTgt spid="3">
+                                            <p:txEl>
+                                              <p:pRg st="0" end="0"/>
+                                            </p:txEl>
+                                          </p:spTgt>
+                                        </p:tgtEl>
+                                      </p:cBhvr>
+                                    </p:animEffect>
+                                  </p:childTnLst>
+                                </p:cTn>
+                              </p:par>
+                            </p:childTnLst>
+                          </p:cTn>
+                        </p:par>
+                      </p:childTnLst>
+                    </p:cTn>
+                  </p:par>
+                  <p:par>
+                    <p:cTn id="8" fill="hold">
+                      <p:stCondLst>
+                        <p:cond delay="indefinite"/>
+                      </p:stCondLst>
+                      <p:childTnLst>
+                        <p:par>
+                          <p:cTn id="9" fill="hold">
+                            <p:stCondLst>
+                              <p:cond delay="0"/>
+                            </p:stCondLst>
+                            <p:childTnLst>
+                              <p:par>
+                                <p:cTn id="10" presetID="10" presetClass="entr" presetSubtype="0" fill="hold" nodeType="clickEffect">
+                                  <p:stCondLst>
+                                    <p:cond delay="0"/>
+                                  </p:stCondLst>
+                                  <p:childTnLst>
+                                    <p:set>
+                                      <p:cBhvr>
+                                        <p:cTn id="11" dur="1" fill="hold">
+                                          <p:stCondLst>
+                                            <p:cond delay="0"/>
+                                          </p:stCondLst>
+                                        </p:cTn>
+                                        <p:tgtEl>
+                                          <p:spTgt spid="3">
+                                            <p:txEl>
+                                              <p:pRg st="1" end="1"/>
+                                            </p:txEl>
+                                          </p:spTgt>
+                                        </p:tgtEl>
+                                        <p:attrNameLst>
+                                          <p:attrName>style.visibility</p:attrName>
+                                        </p:attrNameLst>
+                                      </p:cBhvr>
+                                      <p:to>
+                                        <p:strVal val="visible"/>
+                                      </p:to>
+                                    </p:set>
+                                    <p:animEffect transition="in" filter="fade">
+                                      <p:cBhvr>
+                                        <p:cTn id="12" dur="500"/>
+                                        <p:tgtEl>
+                                          <p:spTgt spid="3">
+                                            <p:txEl>
+                                              <p:pRg st="1" end="1"/>
+                                            </p:txEl>
+                                          </p:spTgt>
+                                        </p:tgtEl>
+                                      </p:cBhvr>
+                                    </p:animEffect>
+                                  </p:childTnLst>
+                                </p:cTn>
+                              </p:par>
+                            </p:childTnLst>
+                          </p:cTn>
+                        </p:par>
+                      </p:childTnLst>
+                    </p:cTn>
+                  </p:par>
+                  <p:par>
+                    <p:cTn id="13" fill="hold">
+                      <p:stCondLst>
+                        <p:cond delay="indefinite"/>
+                      </p:stCondLst>
+                      <p:childTnLst>
+                        <p:par>
+                          <p:cTn id="14" fill="hold">
+                            <p:stCondLst>
+                              <p:cond delay="0"/>
+                            </p:stCondLst>
+                            <p:childTnLst>
+                              <p:par>
+                                <p:cTn id="15" presetID="10" presetClass="entr" presetSubtype="0" fill="hold" nodeType="clickEffect">
+                                  <p:stCondLst>
+                                    <p:cond delay="0"/>
+                                  </p:stCondLst>
+                                  <p:childTnLst>
+                                    <p:set>
+                                      <p:cBhvr>
+                                        <p:cTn id="16" dur="1" fill="hold">
+                                          <p:stCondLst>
+                                            <p:cond delay="0"/>
+                                          </p:stCondLst>
+                                        </p:cTn>
+                                        <p:tgtEl>
+                                          <p:spTgt spid="3">
+                                            <p:txEl>
+                                              <p:pRg st="2" end="2"/>
+                                            </p:txEl>
+                                          </p:spTgt>
+                                        </p:tgtEl>
+                                        <p:attrNameLst>
+                                          <p:attrName>style.visibility</p:attrName>
+                                        </p:attrNameLst>
+                                      </p:cBhvr>
+                                      <p:to>
+                                        <p:strVal val="visible"/>
+                                      </p:to>
+                                    </p:set>
+                                    <p:animEffect transition="in" filter="fade">
+                                      <p:cBhvr>
+                                        <p:cTn id="17" dur="500"/>
+                                        <p:tgtEl>
+                                          <p:spTgt spid="3">
+                                            <p:txEl>
+                                              <p:pRg st="2" end="2"/>
+                                            </p:txEl>
+                                          </p:spTgt>
+                                        </p:tgtEl>
+                                      </p:cBhvr>
+                                    </p:animEffect>
+                                  </p:childTnLst>
+                                </p:cTn>
+                              </p:par>
+                            </p:childTnLst>
+                          </p:cTn>
+                        </p:par>
+                      </p:childTnLst>
+                    </p:cTn>
+                  </p:par>
+                  <p:par>
+                    <p:cTn id="18" fill="hold">
+                      <p:stCondLst>
+                        <p:cond delay="indefinite"/>
+                      </p:stCondLst>
+                      <p:childTnLst>
+                        <p:par>
+                          <p:cTn id="19" fill="hold">
+                            <p:stCondLst>
+                              <p:cond delay="0"/>
+                            </p:stCondLst>
+                            <p:childTnLst>
+                              <p:par>
+                                <p:cTn id="20" presetID="10" presetClass="entr" presetSubtype="0" fill="hold" nodeType="clickEffect">
+                                  <p:stCondLst>
+                                    <p:cond delay="0"/>
+                                  </p:stCondLst>
+                                  <p:childTnLst>
+                                    <p:set>
+                                      <p:cBhvr>
+                                        <p:cTn id="21" dur="1" fill="hold">
+                                          <p:stCondLst>
+                                            <p:cond delay="0"/>
+                                          </p:stCondLst>
+                                        </p:cTn>
+                                        <p:tgtEl>
+                                          <p:spTgt spid="3">
+                                            <p:txEl>
+                                              <p:pRg st="3" end="3"/>
+                                            </p:txEl>
+                                          </p:spTgt>
+                                        </p:tgtEl>
+                                        <p:attrNameLst>
+                                          <p:attrName>style.visibility</p:attrName>
+                                        </p:attrNameLst>
+                                      </p:cBhvr>
+                                      <p:to>
+                                        <p:strVal val="visible"/>
+                                      </p:to>
+                                    </p:set>
+                                    <p:animEffect transition="in" filter="fade">
+                                      <p:cBhvr>
+                                        <p:cTn id="22" dur="500"/>
+                                        <p:tgtEl>
+                                          <p:spTgt spid="3">
+                                            <p:txEl>
+                                              <p:pRg st="3" end="3"/>
+                                            </p:txEl>
+                                          </p:spTgt>
+                                        </p:tgtEl>
+                                      </p:cBhvr>
+                                    </p:animEffect>
+                                  </p:childTnLst>
+                                </p:cTn>
+                              </p:par>
+                            </p:childTnLst>
+                          </p:cTn>
+                        </p:par>
+                      </p:childTnLst>
+                    </p:cTn>
+                  </p:par>
+                  <p:par>
+                    <p:cTn id="23" fill="hold">
+                      <p:stCondLst>
+                        <p:cond delay="indefinite"/>
+                      </p:stCondLst>
+                      <p:childTnLst>
+                        <p:par>
+                          <p:cTn id="24" fill="hold">
+                            <p:stCondLst>
+                              <p:cond delay="0"/>
+                            </p:stCondLst>
+                            <p:childTnLst>
+                              <p:par>
+                                <p:cTn id="25" presetID="10" presetClass="entr" presetSubtype="0" fill="hold" nodeType="clickEffect">
+                                  <p:stCondLst>
+                                    <p:cond delay="0"/>
+                                  </p:stCondLst>
+                                  <p:childTnLst>
+                                    <p:set>
+                                      <p:cBhvr>
+                                        <p:cTn id="26" dur="1" fill="hold">
+                                          <p:stCondLst>
+                                            <p:cond delay="0"/>
+                                          </p:stCondLst>
+                                        </p:cTn>
+                                        <p:tgtEl>
+                                          <p:spTgt spid="3">
+                                            <p:txEl>
+                                              <p:pRg st="4" end="4"/>
+                                            </p:txEl>
+                                          </p:spTgt>
+                                        </p:tgtEl>
+                                        <p:attrNameLst>
+                                          <p:attrName>style.visibility</p:attrName>
+                                        </p:attrNameLst>
+                                      </p:cBhvr>
+                                      <p:to>
+                                        <p:strVal val="visible"/>
+                                      </p:to>
+                                    </p:set>
+                                    <p:animEffect transition="in" filter="fade">
+                                      <p:cBhvr>
+                                        <p:cTn id="27" dur="500"/>
+                                        <p:tgtEl>
+                                          <p:spTgt spid="3">
+                                            <p:txEl>
+                                              <p:pRg st="4" end="4"/>
+                                            </p:txEl>
+                                          </p:spTgt>
+                                        </p:tgtEl>
+                                      </p:cBhvr>
+                                    </p:animEffect>
+                                  </p:childTnLst>
+                                </p:cTn>
+                              </p:par>
+                            </p:childTnLst>
+                          </p:cTn>
+                        </p:par>
+                      </p:childTnLst>
+                    </p:cTn>
+                  </p:par>
+                  <p:par>
+                    <p:cTn id="28" fill="hold">
+                      <p:stCondLst>
+                        <p:cond delay="indefinite"/>
+                      </p:stCondLst>
+                      <p:childTnLst>
+                        <p:par>
+                          <p:cTn id="29" fill="hold">
+                            <p:stCondLst>
+                              <p:cond delay="0"/>
+                            </p:stCondLst>
+                            <p:childTnLst>
+                              <p:par>
+                                <p:cTn id="30" presetID="10" presetClass="entr" presetSubtype="0" fill="hold" nodeType="clickEffect">
+                                  <p:stCondLst>
+                                    <p:cond delay="0"/>
+                                  </p:stCondLst>
+                                  <p:childTnLst>
+                                    <p:set>
+                                      <p:cBhvr>
+                                        <p:cTn id="31" dur="1" fill="hold">
+                                          <p:stCondLst>
+                                            <p:cond delay="0"/>
+                                          </p:stCondLst>
+                                        </p:cTn>
+                                        <p:tgtEl>
+                                          <p:spTgt spid="3">
+                                            <p:txEl>
+                                              <p:pRg st="5" end="5"/>
+                                            </p:txEl>
+                                          </p:spTgt>
+                                        </p:tgtEl>
+                                        <p:attrNameLst>
+                                          <p:attrName>style.visibility</p:attrName>
+                                        </p:attrNameLst>
+                                      </p:cBhvr>
+                                      <p:to>
+                                        <p:strVal val="visible"/>
+                                      </p:to>
+                                    </p:set>
+                                    <p:animEffect transition="in" filter="fade">
+                                      <p:cBhvr>
+                                        <p:cTn id="32" dur="500"/>
+                                        <p:tgtEl>
+                                          <p:spTgt spid="3">
+                                            <p:txEl>
+                                              <p:pRg st="5" end="5"/>
+                                            </p:txEl>
+                                          </p:spTgt>
+                                        </p:tgtEl>
+                                      </p:cBhvr>
+                                    </p:animEffect>
+                                  </p:childTnLst>
+                                </p:cTn>
+                              </p:par>
+                            </p:childTnLst>
+                          </p:cTn>
+                        </p:par>
+                      </p:childTnLst>
+                    </p:cTn>
+                  </p:par>
+                  <p:par>
+                    <p:cTn id="33" fill="hold">
+                      <p:stCondLst>
+                        <p:cond delay="indefinite"/>
+                      </p:stCondLst>
+                      <p:childTnLst>
+                        <p:par>
+                          <p:cTn id="34" fill="hold">
+                            <p:stCondLst>
+                              <p:cond delay="0"/>
+                            </p:stCondLst>
+                            <p:childTnLst>
+                              <p:par>
+                                <p:cTn id="35" presetID="10" presetClass="entr" presetSubtype="0" fill="hold" nodeType="clickEffect">
+                                  <p:stCondLst>
+                                    <p:cond delay="0"/>
+                                  </p:stCondLst>
+                                  <p:childTnLst>
+                                    <p:set>
+                                      <p:cBhvr>
+                                        <p:cTn id="36" dur="1" fill="hold">
+                                          <p:stCondLst>
+                                            <p:cond delay="0"/>
+                                          </p:stCondLst>
+                                        </p:cTn>
+                                        <p:tgtEl>
+                                          <p:spTgt spid="3">
+                                            <p:txEl>
+                                              <p:pRg st="6" end="6"/>
+                                            </p:txEl>
+                                          </p:spTgt>
+                                        </p:tgtEl>
+                                        <p:attrNameLst>
+                                          <p:attrName>style.visibility</p:attrName>
+                                        </p:attrNameLst>
+                                      </p:cBhvr>
+                                      <p:to>
+                                        <p:strVal val="visible"/>
+                                      </p:to>
+                                    </p:set>
+                                    <p:animEffect transition="in" filter="fade">
+                                      <p:cBhvr>
+                                        <p:cTn id="37" dur="500"/>
+                                        <p:tgtEl>
+                                          <p:spTgt spid="3">
+                                            <p:txEl>
+                                              <p:pRg st="6" end="6"/>
+                                            </p:txEl>
+                                          </p:spTgt>
+                                        </p:tgtEl>
+                                      </p:cBhvr>
+                                    </p:animEffect>
+                                  </p:childTnLst>
+                                </p:cTn>
+                              </p:par>
+                            </p:childTnLst>
+                          </p:cTn>
+                        </p:par>
+                      </p:childTnLst>
+                    </p:cTn>
+                  </p:par>
+                  <p:par>
+                    <p:cTn id="38" fill="hold">
+                      <p:stCondLst>
+                        <p:cond delay="indefinite"/>
+                      </p:stCondLst>
+                      <p:childTnLst>
+                        <p:par>
+                          <p:cTn id="39" fill="hold">
+                            <p:stCondLst>
+                              <p:cond delay="0"/>
+                            </p:stCondLst>
+                            <p:childTnLst>
+                              <p:par>
+                                <p:cTn id="40" presetID="10" presetClass="entr" presetSubtype="0" fill="hold" nodeType="clickEffect">
+                                  <p:stCondLst>
+                                    <p:cond delay="0"/>
+                                  </p:stCondLst>
+                                  <p:childTnLst>
+                                    <p:set>
+                                      <p:cBhvr>
+                                        <p:cTn id="41" dur="1" fill="hold">
+                                          <p:stCondLst>
+                                            <p:cond delay="0"/>
+                                          </p:stCondLst>
+                                        </p:cTn>
+                                        <p:tgtEl>
+                                          <p:spTgt spid="3">
+                                            <p:txEl>
+                                              <p:pRg st="7" end="7"/>
+                                            </p:txEl>
+                                          </p:spTgt>
+                                        </p:tgtEl>
+                                        <p:attrNameLst>
+                                          <p:attrName>style.visibility</p:attrName>
+                                        </p:attrNameLst>
+                                      </p:cBhvr>
+                                      <p:to>
+                                        <p:strVal val="visible"/>
+                                      </p:to>
+                                    </p:set>
+                                    <p:animEffect transition="in" filter="fade">
+                                      <p:cBhvr>
+                                        <p:cTn id="42" dur="500"/>
+                                        <p:tgtEl>
+                                          <p:spTgt spid="3">
+                                            <p:txEl>
+                                              <p:pRg st="7" end="7"/>
+                                            </p:txEl>
+                                          </p:spTgt>
+                                        </p:tgtEl>
+                                      </p:cBhvr>
+                                    </p:animEffect>
+                                  </p:childTnLst>
+                                </p:cTn>
+                              </p:par>
+                            </p:childTnLst>
+                          </p:cTn>
+                        </p:par>
+                      </p:childTnLst>
+                    </p:cTn>
+                  </p:par>
+                </p:childTnLst>
+              </p:cTn>
+              <p:prevCondLst>
+                <p:cond evt="onPrev" delay="0">
+                  <p:tgtEl>
+                    <p:sldTgt/>
+                  </p:tgtEl>
+                </p:cond>
+              </p:prevCondLst>
+              <p:nextCondLst>
+                <p:cond evt="onNext" delay="0">
+                  <p:tgtEl>
+                    <p:sldTgt/>
+                  </p:tgtEl>
+                </p:cond>
+              </p:nextCondLst>
+            </p:seq>
+          </p:childTnLst>
+        </p:cTn>
+      </p:par>
+    </p:tnLst>
+  </p:timing>
+</p:sld>
+</file>
+
+<file path=ppt/slides/slide11.xml><?xml version="1.0" encoding="utf-8"?>
+<p:sld xmlns:a="http://schemas.openxmlformats.org/drawingml/2006/main" xmlns:r="http://schemas.openxmlformats.org/officeDocument/2006/relationships" xmlns:p="http://schemas.openxmlformats.org/presentationml/2006/main">
+  <p:cSld>
+    <p:bg>
+      <p:bgPr>
+        <a:solidFill>
+          <a:schemeClr val="bg1"/>
+        </a:solidFill>
+        <a:effectLst/>
+      </p:bgPr>
+    </p:bg>
+    <p:spTree>
+      <p:nvGrpSpPr>
+        <p:cNvPr id="1" name=""/>
+        <p:cNvGrpSpPr/>
+        <p:nvPr/>
+      </p:nvGrpSpPr>
+      <p:grpSpPr>
+        <a:xfrm>
+          <a:off x="0" y="0"/>
+          <a:ext cx="0" cy="0"/>
+          <a:chOff x="0" y="0"/>
+          <a:chExt cx="0" cy="0"/>
+        </a:xfrm>
+      </p:grpSpPr>
+      <p:pic>
+        <p:nvPicPr>
+          <p:cNvPr id="3" name="Picture 2">
+            <a:extLst>
+              <a:ext uri="{FF2B5EF4-FFF2-40B4-BE49-F238E27FC236}">
+                <a16:creationId xmlns:a16="http://schemas.microsoft.com/office/drawing/2014/main" id="{5270840F-C26C-442D-89C2-544503FCA346}"/>
+              </a:ext>
+            </a:extLst>
+          </p:cNvPr>
+          <p:cNvPicPr>
+            <a:picLocks noChangeAspect="1"/>
+          </p:cNvPicPr>
+          <p:nvPr/>
+        </p:nvPicPr>
+        <p:blipFill>
+          <a:blip r:embed="rId3"/>
+          <a:stretch>
+            <a:fillRect/>
+          </a:stretch>
+        </p:blipFill>
+        <p:spPr>
+          <a:xfrm>
+            <a:off x="3090055" y="-1"/>
+            <a:ext cx="9101945" cy="6858000"/>
+          </a:xfrm>
+          <a:prstGeom prst="rect">
+            <a:avLst/>
+          </a:prstGeom>
+        </p:spPr>
+      </p:pic>
+      <p:sp>
+        <p:nvSpPr>
+          <p:cNvPr id="22" name="Freeform: Shape 21">
+            <a:extLst>
+              <a:ext uri="{FF2B5EF4-FFF2-40B4-BE49-F238E27FC236}">
+                <a16:creationId xmlns:a16="http://schemas.microsoft.com/office/drawing/2014/main" id="{64965EAE-E41A-435F-B993-07E824B6C977}"/>
+              </a:ext>
+            </a:extLst>
+          </p:cNvPr>
+          <p:cNvSpPr>
+            <a:spLocks noGrp="1" noRot="1" noChangeAspect="1" noMove="1" noResize="1" noEditPoints="1" noAdjustHandles="1" noChangeArrowheads="1" noChangeShapeType="1" noTextEdit="1"/>
+          </p:cNvSpPr>
+          <p:nvPr>
+            <p:extLst>
+              <p:ext uri="{386F3935-93C4-4BCD-93E2-E3B085C9AB24}">
+                <p16:designElem xmlns:p16="http://schemas.microsoft.com/office/powerpoint/2015/main" val="1"/>
+              </p:ext>
+            </p:extLst>
+          </p:nvPr>
+        </p:nvSpPr>
+        <p:spPr>
+          <a:xfrm flipV="1">
+            <a:off x="1" y="0"/>
+            <a:ext cx="7539895" cy="6858000"/>
+          </a:xfrm>
+          <a:custGeom>
+            <a:avLst/>
+            <a:gdLst>
+              <a:gd name="connsiteX0" fmla="*/ 7539895 w 7539895"/>
+              <a:gd name="connsiteY0" fmla="*/ 6858000 h 6858000"/>
+              <a:gd name="connsiteX1" fmla="*/ 0 w 7539895"/>
+              <a:gd name="connsiteY1" fmla="*/ 6858000 h 6858000"/>
+              <a:gd name="connsiteX2" fmla="*/ 0 w 7539895"/>
+              <a:gd name="connsiteY2" fmla="*/ 0 h 6858000"/>
+              <a:gd name="connsiteX3" fmla="*/ 4363741 w 7539895"/>
+              <a:gd name="connsiteY3" fmla="*/ 0 h 6858000"/>
+            </a:gdLst>
+            <a:ahLst/>
+            <a:cxnLst>
+              <a:cxn ang="0">
+                <a:pos x="connsiteX0" y="connsiteY0"/>
+              </a:cxn>
+              <a:cxn ang="0">
+                <a:pos x="connsiteX1" y="connsiteY1"/>
+              </a:cxn>
+              <a:cxn ang="0">
+                <a:pos x="connsiteX2" y="connsiteY2"/>
+              </a:cxn>
+              <a:cxn ang="0">
+                <a:pos x="connsiteX3" y="connsiteY3"/>
+              </a:cxn>
+            </a:cxnLst>
+            <a:rect l="l" t="t" r="r" b="b"/>
+            <a:pathLst>
+              <a:path w="7539895" h="6858000">
+                <a:moveTo>
+                  <a:pt x="7539895" y="6858000"/>
+                </a:moveTo>
+                <a:lnTo>
+                  <a:pt x="0" y="6858000"/>
+                </a:lnTo>
+                <a:lnTo>
+                  <a:pt x="0" y="0"/>
+                </a:lnTo>
+                <a:lnTo>
+                  <a:pt x="4363741" y="0"/>
+                </a:lnTo>
+                <a:close/>
+              </a:path>
+            </a:pathLst>
+          </a:custGeom>
+          <a:solidFill>
+            <a:schemeClr val="tx1">
+              <a:lumMod val="85000"/>
+              <a:lumOff val="15000"/>
+              <a:alpha val="70000"/>
+            </a:schemeClr>
+          </a:solidFill>
+          <a:ln>
+            <a:noFill/>
+          </a:ln>
+        </p:spPr>
+        <p:style>
+          <a:lnRef idx="2">
+            <a:schemeClr val="accent1">
+              <a:shade val="50000"/>
+            </a:schemeClr>
+          </a:lnRef>
+          <a:fillRef idx="1">
+            <a:schemeClr val="accent1"/>
+          </a:fillRef>
+          <a:effectRef idx="0">
+            <a:schemeClr val="accent1"/>
+          </a:effectRef>
+          <a:fontRef idx="minor">
+            <a:schemeClr val="lt1"/>
+          </a:fontRef>
+        </p:style>
+        <p:txBody>
+          <a:bodyPr wrap="square" rtlCol="0" anchor="ctr">
+            <a:noAutofit/>
+          </a:bodyPr>
+          <a:lstStyle/>
+          <a:p>
+            <a:pPr algn="ctr"/>
+            <a:endParaRPr lang="en-US"/>
+          </a:p>
+        </p:txBody>
+      </p:sp>
+      <p:sp>
+        <p:nvSpPr>
+          <p:cNvPr id="24" name="Freeform: Shape 23">
+            <a:extLst>
+              <a:ext uri="{FF2B5EF4-FFF2-40B4-BE49-F238E27FC236}">
+                <a16:creationId xmlns:a16="http://schemas.microsoft.com/office/drawing/2014/main" id="{152F8994-E6D4-4311-9548-C3607BC43645}"/>
+              </a:ext>
+            </a:extLst>
+          </p:cNvPr>
+          <p:cNvSpPr>
+            <a:spLocks noGrp="1" noRot="1" noChangeAspect="1" noMove="1" noResize="1" noEditPoints="1" noAdjustHandles="1" noChangeArrowheads="1" noChangeShapeType="1" noTextEdit="1"/>
+          </p:cNvSpPr>
+          <p:nvPr>
+            <p:extLst>
+              <p:ext uri="{386F3935-93C4-4BCD-93E2-E3B085C9AB24}">
+                <p16:designElem xmlns:p16="http://schemas.microsoft.com/office/powerpoint/2015/main" val="1"/>
+              </p:ext>
+            </p:extLst>
+          </p:nvPr>
+        </p:nvSpPr>
+        <p:spPr>
+          <a:xfrm flipV="1">
+            <a:off x="0" y="0"/>
+            <a:ext cx="7092985" cy="6858000"/>
+          </a:xfrm>
+          <a:custGeom>
+            <a:avLst/>
+            <a:gdLst>
+              <a:gd name="connsiteX0" fmla="*/ 7092985 w 7092985"/>
+              <a:gd name="connsiteY0" fmla="*/ 6858000 h 6858000"/>
+              <a:gd name="connsiteX1" fmla="*/ 0 w 7092985"/>
+              <a:gd name="connsiteY1" fmla="*/ 6858000 h 6858000"/>
+              <a:gd name="connsiteX2" fmla="*/ 0 w 7092985"/>
+              <a:gd name="connsiteY2" fmla="*/ 0 h 6858000"/>
+              <a:gd name="connsiteX3" fmla="*/ 3916831 w 7092985"/>
+              <a:gd name="connsiteY3" fmla="*/ 0 h 6858000"/>
+            </a:gdLst>
+            <a:ahLst/>
+            <a:cxnLst>
+              <a:cxn ang="0">
+                <a:pos x="connsiteX0" y="connsiteY0"/>
+              </a:cxn>
+              <a:cxn ang="0">
+                <a:pos x="connsiteX1" y="connsiteY1"/>
+              </a:cxn>
+              <a:cxn ang="0">
+                <a:pos x="connsiteX2" y="connsiteY2"/>
+              </a:cxn>
+              <a:cxn ang="0">
+                <a:pos x="connsiteX3" y="connsiteY3"/>
+              </a:cxn>
+            </a:cxnLst>
+            <a:rect l="l" t="t" r="r" b="b"/>
+            <a:pathLst>
+              <a:path w="7092985" h="6858000">
+                <a:moveTo>
+                  <a:pt x="7092985" y="6858000"/>
+                </a:moveTo>
+                <a:lnTo>
+                  <a:pt x="0" y="6858000"/>
+                </a:lnTo>
+                <a:lnTo>
+                  <a:pt x="0" y="0"/>
+                </a:lnTo>
+                <a:lnTo>
+                  <a:pt x="3916831" y="0"/>
+                </a:lnTo>
+                <a:close/>
+              </a:path>
+            </a:pathLst>
+          </a:custGeom>
+          <a:solidFill>
+            <a:schemeClr val="tx1">
+              <a:lumMod val="85000"/>
+              <a:lumOff val="15000"/>
+            </a:schemeClr>
+          </a:solidFill>
+          <a:ln>
+            <a:noFill/>
+          </a:ln>
+        </p:spPr>
+        <p:style>
+          <a:lnRef idx="2">
+            <a:schemeClr val="accent1">
+              <a:shade val="50000"/>
+            </a:schemeClr>
+          </a:lnRef>
+          <a:fillRef idx="1">
+            <a:schemeClr val="accent1"/>
+          </a:fillRef>
+          <a:effectRef idx="0">
+            <a:schemeClr val="accent1"/>
+          </a:effectRef>
+          <a:fontRef idx="minor">
+            <a:schemeClr val="lt1"/>
+          </a:fontRef>
+        </p:style>
+        <p:txBody>
+          <a:bodyPr wrap="square" rtlCol="0" anchor="ctr">
+            <a:noAutofit/>
+          </a:bodyPr>
+          <a:lstStyle/>
+          <a:p>
+            <a:pPr algn="ctr"/>
+            <a:endParaRPr lang="en-US"/>
+          </a:p>
+        </p:txBody>
+      </p:sp>
+      <p:sp>
+        <p:nvSpPr>
+          <p:cNvPr id="8" name="Title 7">
+            <a:extLst>
+              <a:ext uri="{FF2B5EF4-FFF2-40B4-BE49-F238E27FC236}">
+                <a16:creationId xmlns:a16="http://schemas.microsoft.com/office/drawing/2014/main" id="{9AAF6E53-C7E3-404C-8C15-A04C67BE1A24}"/>
+              </a:ext>
+            </a:extLst>
+          </p:cNvPr>
+          <p:cNvSpPr>
+            <a:spLocks noGrp="1"/>
+          </p:cNvSpPr>
+          <p:nvPr>
+            <p:ph type="title"/>
+          </p:nvPr>
+        </p:nvSpPr>
+        <p:spPr>
+          <a:xfrm>
+            <a:off x="838199" y="365125"/>
+            <a:ext cx="5529943" cy="1325563"/>
+          </a:xfrm>
+        </p:spPr>
+        <p:txBody>
+          <a:bodyPr>
+            <a:normAutofit/>
+          </a:bodyPr>
+          <a:lstStyle/>
+          <a:p>
+            <a:r>
+              <a:rPr lang="en-US">
+                <a:solidFill>
+                  <a:schemeClr val="bg1"/>
+                </a:solidFill>
+              </a:rPr>
+              <a:t>VS Code DEMO</a:t>
+            </a:r>
+          </a:p>
+        </p:txBody>
+      </p:sp>
+      <p:sp>
+        <p:nvSpPr>
+          <p:cNvPr id="21" name="Content Placeholder 18">
+            <a:extLst>
+              <a:ext uri="{FF2B5EF4-FFF2-40B4-BE49-F238E27FC236}">
+                <a16:creationId xmlns:a16="http://schemas.microsoft.com/office/drawing/2014/main" id="{74E7A070-D35D-4F51-A17C-F0F85E45F25A}"/>
+              </a:ext>
+            </a:extLst>
+          </p:cNvPr>
+          <p:cNvSpPr>
+            <a:spLocks noGrp="1"/>
+          </p:cNvSpPr>
+          <p:nvPr>
+            <p:ph idx="1"/>
+          </p:nvPr>
+        </p:nvSpPr>
+        <p:spPr>
+          <a:xfrm>
+            <a:off x="838199" y="1825625"/>
+            <a:ext cx="4128169" cy="3399518"/>
+          </a:xfrm>
+        </p:spPr>
+        <p:txBody>
+          <a:bodyPr>
+            <a:normAutofit/>
+          </a:bodyPr>
+          <a:lstStyle/>
+          <a:p>
+            <a:endParaRPr lang="en-US" sz="2000">
+              <a:solidFill>
+                <a:schemeClr val="bg1"/>
+              </a:solidFill>
+            </a:endParaRPr>
+          </a:p>
+        </p:txBody>
+      </p:sp>
+      <p:pic>
+        <p:nvPicPr>
+          <p:cNvPr id="17" name="Content Placeholder 10">
+            <a:extLst>
+              <a:ext uri="{FF2B5EF4-FFF2-40B4-BE49-F238E27FC236}">
+                <a16:creationId xmlns:a16="http://schemas.microsoft.com/office/drawing/2014/main" id="{65A7D466-8CEF-4FDA-864F-09BC3FFAA26D}"/>
+              </a:ext>
+            </a:extLst>
+          </p:cNvPr>
+          <p:cNvPicPr>
+            <a:picLocks noChangeAspect="1"/>
+          </p:cNvPicPr>
+          <p:nvPr/>
+        </p:nvPicPr>
+        <p:blipFill>
+          <a:blip r:embed="rId4">
+            <a:extLst>
+              <a:ext uri="{28A0092B-C50C-407E-A947-70E740481C1C}">
+                <a14:useLocalDpi xmlns:a14="http://schemas.microsoft.com/office/drawing/2010/main" val="0"/>
+              </a:ext>
+            </a:extLst>
+          </a:blip>
+          <a:stretch>
+            <a:fillRect/>
+          </a:stretch>
+        </p:blipFill>
+        <p:spPr>
+          <a:xfrm>
+            <a:off x="1383499" y="2016769"/>
+            <a:ext cx="2835804" cy="2824461"/>
+          </a:xfrm>
+          <a:prstGeom prst="rect">
+            <a:avLst/>
+          </a:prstGeom>
+        </p:spPr>
+      </p:pic>
+    </p:spTree>
+    <p:extLst>
+      <p:ext uri="{BB962C8B-B14F-4D97-AF65-F5344CB8AC3E}">
+        <p14:creationId xmlns:p14="http://schemas.microsoft.com/office/powerpoint/2010/main" val="682550062"/>
       </p:ext>
     </p:extLst>
   </p:cSld>
@@ -17534,7 +19458,233 @@
 </p:sld>
 </file>
 
-<file path=ppt/slides/slide10.xml><?xml version="1.0" encoding="utf-8"?>
+<file path=ppt/slides/slide12.xml><?xml version="1.0" encoding="utf-8"?>
+<p:sld xmlns:a="http://schemas.openxmlformats.org/drawingml/2006/main" xmlns:r="http://schemas.openxmlformats.org/officeDocument/2006/relationships" xmlns:p="http://schemas.openxmlformats.org/presentationml/2006/main">
+  <p:cSld>
+    <p:spTree>
+      <p:nvGrpSpPr>
+        <p:cNvPr id="1" name=""/>
+        <p:cNvGrpSpPr/>
+        <p:nvPr/>
+      </p:nvGrpSpPr>
+      <p:grpSpPr>
+        <a:xfrm>
+          <a:off x="0" y="0"/>
+          <a:ext cx="0" cy="0"/>
+          <a:chOff x="0" y="0"/>
+          <a:chExt cx="0" cy="0"/>
+        </a:xfrm>
+      </p:grpSpPr>
+      <p:sp>
+        <p:nvSpPr>
+          <p:cNvPr id="2" name="Title 1">
+            <a:extLst>
+              <a:ext uri="{FF2B5EF4-FFF2-40B4-BE49-F238E27FC236}">
+                <a16:creationId xmlns:a16="http://schemas.microsoft.com/office/drawing/2014/main" id="{AF8C38E8-D06A-497A-A16C-C282B25F9677}"/>
+              </a:ext>
+            </a:extLst>
+          </p:cNvPr>
+          <p:cNvSpPr>
+            <a:spLocks noGrp="1"/>
+          </p:cNvSpPr>
+          <p:nvPr>
+            <p:ph type="title"/>
+          </p:nvPr>
+        </p:nvSpPr>
+        <p:spPr/>
+        <p:txBody>
+          <a:bodyPr/>
+          <a:lstStyle/>
+          <a:p>
+            <a:r>
+              <a:rPr lang="en-US" dirty="0"/>
+              <a:t>Right-click &gt; </a:t>
+            </a:r>
+            <a:r>
+              <a:rPr lang="en-US" b="1" dirty="0"/>
+              <a:t>Add</a:t>
+            </a:r>
+            <a:r>
+              <a:rPr lang="en-US" dirty="0"/>
+              <a:t> &gt; </a:t>
+            </a:r>
+            <a:r>
+              <a:rPr lang="en-US" b="1" dirty="0"/>
+              <a:t>New Item…</a:t>
+            </a:r>
+            <a:r>
+              <a:rPr lang="en-US" dirty="0"/>
+              <a:t>?</a:t>
+            </a:r>
+          </a:p>
+        </p:txBody>
+      </p:sp>
+      <p:pic>
+        <p:nvPicPr>
+          <p:cNvPr id="4" name="Content Placeholder 3">
+            <a:extLst>
+              <a:ext uri="{FF2B5EF4-FFF2-40B4-BE49-F238E27FC236}">
+                <a16:creationId xmlns:a16="http://schemas.microsoft.com/office/drawing/2014/main" id="{665F4A03-A951-434F-8541-A47FD05E9CA5}"/>
+              </a:ext>
+            </a:extLst>
+          </p:cNvPr>
+          <p:cNvPicPr>
+            <a:picLocks noGrp="1" noChangeAspect="1"/>
+          </p:cNvPicPr>
+          <p:nvPr>
+            <p:ph idx="1"/>
+          </p:nvPr>
+        </p:nvPicPr>
+        <p:blipFill>
+          <a:blip r:embed="rId3"/>
+          <a:stretch>
+            <a:fillRect/>
+          </a:stretch>
+        </p:blipFill>
+        <p:spPr>
+          <a:xfrm>
+            <a:off x="838200" y="1690688"/>
+            <a:ext cx="6010275" cy="3676650"/>
+          </a:xfrm>
+          <a:prstGeom prst="rect">
+            <a:avLst/>
+          </a:prstGeom>
+        </p:spPr>
+      </p:pic>
+      <p:pic>
+        <p:nvPicPr>
+          <p:cNvPr id="5" name="Picture 4">
+            <a:extLst>
+              <a:ext uri="{FF2B5EF4-FFF2-40B4-BE49-F238E27FC236}">
+                <a16:creationId xmlns:a16="http://schemas.microsoft.com/office/drawing/2014/main" id="{DADAC619-0DD2-49EC-B7AC-A6FDC259BADB}"/>
+              </a:ext>
+            </a:extLst>
+          </p:cNvPr>
+          <p:cNvPicPr>
+            <a:picLocks noChangeAspect="1"/>
+          </p:cNvPicPr>
+          <p:nvPr/>
+        </p:nvPicPr>
+        <p:blipFill>
+          <a:blip r:embed="rId4"/>
+          <a:stretch>
+            <a:fillRect/>
+          </a:stretch>
+        </p:blipFill>
+        <p:spPr>
+          <a:xfrm>
+            <a:off x="3867150" y="1690688"/>
+            <a:ext cx="7486650" cy="4705350"/>
+          </a:xfrm>
+          <a:prstGeom prst="rect">
+            <a:avLst/>
+          </a:prstGeom>
+          <a:effectLst>
+            <a:outerShdw blurRad="50800" dist="38100" dir="10800000" algn="r" rotWithShape="0">
+              <a:prstClr val="black">
+                <a:alpha val="40000"/>
+              </a:prstClr>
+            </a:outerShdw>
+          </a:effectLst>
+        </p:spPr>
+      </p:pic>
+    </p:spTree>
+    <p:extLst>
+      <p:ext uri="{BB962C8B-B14F-4D97-AF65-F5344CB8AC3E}">
+        <p14:creationId xmlns:p14="http://schemas.microsoft.com/office/powerpoint/2010/main" val="2952193042"/>
+      </p:ext>
+    </p:extLst>
+  </p:cSld>
+  <p:clrMapOvr>
+    <a:masterClrMapping/>
+  </p:clrMapOvr>
+  <p:timing>
+    <p:tnLst>
+      <p:par>
+        <p:cTn id="1" dur="indefinite" restart="never" nodeType="tmRoot">
+          <p:childTnLst>
+            <p:seq concurrent="1" nextAc="seek">
+              <p:cTn id="2" dur="indefinite" nodeType="mainSeq">
+                <p:childTnLst>
+                  <p:par>
+                    <p:cTn id="3" fill="hold">
+                      <p:stCondLst>
+                        <p:cond delay="indefinite"/>
+                      </p:stCondLst>
+                      <p:childTnLst>
+                        <p:par>
+                          <p:cTn id="4" fill="hold">
+                            <p:stCondLst>
+                              <p:cond delay="0"/>
+                            </p:stCondLst>
+                            <p:childTnLst>
+                              <p:par>
+                                <p:cTn id="5" presetID="10" presetClass="entr" presetSubtype="0" fill="hold" nodeType="clickEffect">
+                                  <p:stCondLst>
+                                    <p:cond delay="0"/>
+                                  </p:stCondLst>
+                                  <p:childTnLst>
+                                    <p:set>
+                                      <p:cBhvr>
+                                        <p:cTn id="6" dur="1" fill="hold">
+                                          <p:stCondLst>
+                                            <p:cond delay="0"/>
+                                          </p:stCondLst>
+                                        </p:cTn>
+                                        <p:tgtEl>
+                                          <p:spTgt spid="5"/>
+                                        </p:tgtEl>
+                                        <p:attrNameLst>
+                                          <p:attrName>style.visibility</p:attrName>
+                                        </p:attrNameLst>
+                                      </p:cBhvr>
+                                      <p:to>
+                                        <p:strVal val="visible"/>
+                                      </p:to>
+                                    </p:set>
+                                    <p:animEffect transition="in" filter="fade">
+                                      <p:cBhvr>
+                                        <p:cTn id="7" dur="500"/>
+                                        <p:tgtEl>
+                                          <p:spTgt spid="5"/>
+                                        </p:tgtEl>
+                                      </p:cBhvr>
+                                    </p:animEffect>
+                                  </p:childTnLst>
+                                </p:cTn>
+                              </p:par>
+                            </p:childTnLst>
+                          </p:cTn>
+                        </p:par>
+                      </p:childTnLst>
+                    </p:cTn>
+                  </p:par>
+                </p:childTnLst>
+              </p:cTn>
+              <p:prevCondLst>
+                <p:cond evt="onPrev" delay="0">
+                  <p:tgtEl>
+                    <p:sldTgt/>
+                  </p:tgtEl>
+                </p:cond>
+              </p:prevCondLst>
+              <p:nextCondLst>
+                <p:cond evt="onNext" delay="0">
+                  <p:tgtEl>
+                    <p:sldTgt/>
+                  </p:tgtEl>
+                </p:cond>
+              </p:nextCondLst>
+            </p:seq>
+          </p:childTnLst>
+        </p:cTn>
+      </p:par>
+    </p:tnLst>
+  </p:timing>
+</p:sld>
+</file>
+
+<file path=ppt/slides/slide13.xml><?xml version="1.0" encoding="utf-8"?>
 <p:sld xmlns:a="http://schemas.openxmlformats.org/drawingml/2006/main" xmlns:r="http://schemas.openxmlformats.org/officeDocument/2006/relationships" xmlns:p="http://schemas.openxmlformats.org/presentationml/2006/main">
   <p:cSld>
     <p:spTree>
@@ -19620,7 +21770,7 @@
 </p:sld>
 </file>
 
-<file path=ppt/slides/slide11.xml><?xml version="1.0" encoding="utf-8"?>
+<file path=ppt/slides/slide14.xml><?xml version="1.0" encoding="utf-8"?>
 <p:sld xmlns:a="http://schemas.openxmlformats.org/drawingml/2006/main" xmlns:r="http://schemas.openxmlformats.org/officeDocument/2006/relationships" xmlns:p="http://schemas.openxmlformats.org/presentationml/2006/main">
   <p:cSld>
     <p:spTree>
@@ -20225,7 +22375,7 @@
 </p:sld>
 </file>
 
-<file path=ppt/slides/slide12.xml><?xml version="1.0" encoding="utf-8"?>
+<file path=ppt/slides/slide15.xml><?xml version="1.0" encoding="utf-8"?>
 <p:sld xmlns:a="http://schemas.openxmlformats.org/drawingml/2006/main" xmlns:r="http://schemas.openxmlformats.org/officeDocument/2006/relationships" xmlns:p="http://schemas.openxmlformats.org/presentationml/2006/main">
   <p:cSld>
     <p:bg>
@@ -20876,7 +23026,7 @@
 </p:sld>
 </file>
 
-<file path=ppt/slides/slide13.xml><?xml version="1.0" encoding="utf-8"?>
+<file path=ppt/slides/slide16.xml><?xml version="1.0" encoding="utf-8"?>
 <p:sld xmlns:a="http://schemas.openxmlformats.org/drawingml/2006/main" xmlns:r="http://schemas.openxmlformats.org/officeDocument/2006/relationships" xmlns:p="http://schemas.openxmlformats.org/presentationml/2006/main">
   <p:cSld>
     <p:bg>
@@ -21384,7 +23534,1382 @@
 </p:sld>
 </file>
 
-<file path=ppt/slides/slide14.xml><?xml version="1.0" encoding="utf-8"?>
+<file path=ppt/slides/slide17.xml><?xml version="1.0" encoding="utf-8"?>
+<p:sld xmlns:a="http://schemas.openxmlformats.org/drawingml/2006/main" xmlns:r="http://schemas.openxmlformats.org/officeDocument/2006/relationships" xmlns:p="http://schemas.openxmlformats.org/presentationml/2006/main">
+  <p:cSld>
+    <p:bg>
+      <p:bgPr>
+        <a:solidFill>
+          <a:schemeClr val="bg1"/>
+        </a:solidFill>
+        <a:effectLst/>
+      </p:bgPr>
+    </p:bg>
+    <p:spTree>
+      <p:nvGrpSpPr>
+        <p:cNvPr id="1" name=""/>
+        <p:cNvGrpSpPr/>
+        <p:nvPr/>
+      </p:nvGrpSpPr>
+      <p:grpSpPr>
+        <a:xfrm>
+          <a:off x="0" y="0"/>
+          <a:ext cx="0" cy="0"/>
+          <a:chOff x="0" y="0"/>
+          <a:chExt cx="0" cy="0"/>
+        </a:xfrm>
+      </p:grpSpPr>
+      <p:sp>
+        <p:nvSpPr>
+          <p:cNvPr id="8" name="Rectangle 7">
+            <a:extLst>
+              <a:ext uri="{FF2B5EF4-FFF2-40B4-BE49-F238E27FC236}">
+                <a16:creationId xmlns:a16="http://schemas.microsoft.com/office/drawing/2014/main" id="{8D70B121-56F4-4848-B38B-182089D909FA}"/>
+              </a:ext>
+            </a:extLst>
+          </p:cNvPr>
+          <p:cNvSpPr>
+            <a:spLocks noGrp="1" noRot="1" noChangeAspect="1" noMove="1" noResize="1" noEditPoints="1" noAdjustHandles="1" noChangeArrowheads="1" noChangeShapeType="1" noTextEdit="1"/>
+          </p:cNvSpPr>
+          <p:nvPr>
+            <p:extLst>
+              <p:ext uri="{386F3935-93C4-4BCD-93E2-E3B085C9AB24}">
+                <p16:designElem xmlns:p16="http://schemas.microsoft.com/office/powerpoint/2015/main" val="1"/>
+              </p:ext>
+            </p:extLst>
+          </p:nvPr>
+        </p:nvSpPr>
+        <p:spPr bwMode="ltGray">
+          <a:xfrm>
+            <a:off x="321564" y="320040"/>
+            <a:ext cx="11548872" cy="6217920"/>
+          </a:xfrm>
+          <a:prstGeom prst="rect">
+            <a:avLst/>
+          </a:prstGeom>
+          <a:solidFill>
+            <a:schemeClr val="tx1">
+              <a:alpha val="8000"/>
+            </a:schemeClr>
+          </a:solidFill>
+          <a:ln w="127000" cap="sq" cmpd="thinThick">
+            <a:noFill/>
+          </a:ln>
+        </p:spPr>
+        <p:style>
+          <a:lnRef idx="2">
+            <a:schemeClr val="accent1">
+              <a:shade val="50000"/>
+            </a:schemeClr>
+          </a:lnRef>
+          <a:fillRef idx="1">
+            <a:schemeClr val="accent1"/>
+          </a:fillRef>
+          <a:effectRef idx="0">
+            <a:schemeClr val="accent1"/>
+          </a:effectRef>
+          <a:fontRef idx="minor">
+            <a:schemeClr val="lt1"/>
+          </a:fontRef>
+        </p:style>
+        <p:txBody>
+          <a:bodyPr rtlCol="0" anchor="ctr"/>
+          <a:lstStyle/>
+          <a:p>
+            <a:pPr marL="0" marR="0" lvl="0" indent="0" algn="ctr" defTabSz="457200" rtl="0" eaLnBrk="1" fontAlgn="auto" latinLnBrk="0" hangingPunct="1">
+              <a:lnSpc>
+                <a:spcPct val="100000"/>
+              </a:lnSpc>
+              <a:spcBef>
+                <a:spcPts val="0"/>
+              </a:spcBef>
+              <a:spcAft>
+                <a:spcPts val="0"/>
+              </a:spcAft>
+              <a:buClrTx/>
+              <a:buSzTx/>
+              <a:buFontTx/>
+              <a:buNone/>
+              <a:tabLst/>
+              <a:defRPr/>
+            </a:pPr>
+            <a:endParaRPr kumimoji="0" lang="en-US" sz="1800" b="0" i="0" u="none" strike="noStrike" kern="1200" cap="none" spc="0" normalizeH="0" baseline="0" noProof="0">
+              <a:ln>
+                <a:noFill/>
+              </a:ln>
+              <a:solidFill>
+                <a:prstClr val="white"/>
+              </a:solidFill>
+              <a:effectLst/>
+              <a:uLnTx/>
+              <a:uFillTx/>
+              <a:latin typeface="Segoe UI Light"/>
+              <a:ea typeface="+mn-ea"/>
+              <a:cs typeface="+mn-cs"/>
+            </a:endParaRPr>
+          </a:p>
+        </p:txBody>
+      </p:sp>
+      <p:cxnSp>
+        <p:nvCxnSpPr>
+          <p:cNvPr id="10" name="Straight Connector 9">
+            <a:extLst>
+              <a:ext uri="{FF2B5EF4-FFF2-40B4-BE49-F238E27FC236}">
+                <a16:creationId xmlns:a16="http://schemas.microsoft.com/office/drawing/2014/main" id="{2D72A2C9-F3CA-4216-8BAD-FA4C970C3C4E}"/>
+              </a:ext>
+            </a:extLst>
+          </p:cNvPr>
+          <p:cNvCxnSpPr>
+            <a:cxnSpLocks noGrp="1" noRot="1" noChangeAspect="1" noMove="1" noResize="1" noEditPoints="1" noAdjustHandles="1" noChangeArrowheads="1" noChangeShapeType="1"/>
+          </p:cNvCxnSpPr>
+          <p:nvPr>
+            <p:extLst>
+              <p:ext uri="{386F3935-93C4-4BCD-93E2-E3B085C9AB24}">
+                <p16:designElem xmlns:p16="http://schemas.microsoft.com/office/powerpoint/2015/main" val="1"/>
+              </p:ext>
+            </p:extLst>
+          </p:nvPr>
+        </p:nvCxnSpPr>
+        <p:spPr>
+          <a:xfrm>
+            <a:off x="4654296" y="2057400"/>
+            <a:ext cx="0" cy="2743200"/>
+          </a:xfrm>
+          <a:prstGeom prst="line">
+            <a:avLst/>
+          </a:prstGeom>
+          <a:ln w="19050">
+            <a:solidFill>
+              <a:schemeClr val="tx1">
+                <a:lumMod val="85000"/>
+                <a:lumOff val="15000"/>
+              </a:schemeClr>
+            </a:solidFill>
+          </a:ln>
+        </p:spPr>
+        <p:style>
+          <a:lnRef idx="1">
+            <a:schemeClr val="accent1"/>
+          </a:lnRef>
+          <a:fillRef idx="0">
+            <a:schemeClr val="accent1"/>
+          </a:fillRef>
+          <a:effectRef idx="0">
+            <a:schemeClr val="accent1"/>
+          </a:effectRef>
+          <a:fontRef idx="minor">
+            <a:schemeClr val="tx1"/>
+          </a:fontRef>
+        </p:style>
+      </p:cxnSp>
+      <p:sp>
+        <p:nvSpPr>
+          <p:cNvPr id="2" name="Title 1"/>
+          <p:cNvSpPr>
+            <a:spLocks noGrp="1"/>
+          </p:cNvSpPr>
+          <p:nvPr>
+            <p:ph type="title"/>
+          </p:nvPr>
+        </p:nvSpPr>
+        <p:spPr>
+          <a:xfrm>
+            <a:off x="838200" y="963877"/>
+            <a:ext cx="3494362" cy="4930246"/>
+          </a:xfrm>
+        </p:spPr>
+        <p:txBody>
+          <a:bodyPr>
+            <a:normAutofit/>
+          </a:bodyPr>
+          <a:lstStyle/>
+          <a:p>
+            <a:pPr algn="r"/>
+            <a:r>
+              <a:rPr lang="en-US">
+                <a:solidFill>
+                  <a:schemeClr val="accent1"/>
+                </a:solidFill>
+              </a:rPr>
+              <a:t>Integration with VSTS</a:t>
+            </a:r>
+          </a:p>
+        </p:txBody>
+      </p:sp>
+      <p:sp>
+        <p:nvSpPr>
+          <p:cNvPr id="3" name="Content Placeholder 2"/>
+          <p:cNvSpPr>
+            <a:spLocks noGrp="1"/>
+          </p:cNvSpPr>
+          <p:nvPr>
+            <p:ph idx="1"/>
+          </p:nvPr>
+        </p:nvSpPr>
+        <p:spPr>
+          <a:xfrm>
+            <a:off x="4976031" y="963877"/>
+            <a:ext cx="6377769" cy="4930246"/>
+          </a:xfrm>
+        </p:spPr>
+        <p:txBody>
+          <a:bodyPr anchor="ctr">
+            <a:normAutofit/>
+          </a:bodyPr>
+          <a:lstStyle/>
+          <a:p>
+            <a:r>
+              <a:rPr lang="en-US" sz="2400" dirty="0"/>
+              <a:t>CI / CD pipeline</a:t>
+            </a:r>
+          </a:p>
+          <a:p>
+            <a:pPr lvl="1"/>
+            <a:r>
+              <a:rPr lang="en-US" sz="2000" dirty="0"/>
+              <a:t>Build definitions</a:t>
+            </a:r>
+          </a:p>
+          <a:p>
+            <a:pPr lvl="1"/>
+            <a:r>
+              <a:rPr lang="en-US" sz="2000" dirty="0"/>
+              <a:t>Release definitions</a:t>
+            </a:r>
+          </a:p>
+          <a:p>
+            <a:r>
+              <a:rPr lang="en-US" sz="2400" dirty="0"/>
+              <a:t>CLI knowledge needed for advanced cases</a:t>
+            </a:r>
+          </a:p>
+        </p:txBody>
+      </p:sp>
+    </p:spTree>
+    <p:extLst>
+      <p:ext uri="{BB962C8B-B14F-4D97-AF65-F5344CB8AC3E}">
+        <p14:creationId xmlns:p14="http://schemas.microsoft.com/office/powerpoint/2010/main" val="1360020685"/>
+      </p:ext>
+    </p:extLst>
+  </p:cSld>
+  <p:clrMapOvr>
+    <a:masterClrMapping/>
+  </p:clrMapOvr>
+  <p:timing>
+    <p:tnLst>
+      <p:par>
+        <p:cTn id="1" dur="indefinite" restart="never" nodeType="tmRoot">
+          <p:childTnLst>
+            <p:seq concurrent="1" nextAc="seek">
+              <p:cTn id="2" dur="indefinite" nodeType="mainSeq">
+                <p:childTnLst>
+                  <p:par>
+                    <p:cTn id="3" fill="hold">
+                      <p:stCondLst>
+                        <p:cond delay="indefinite"/>
+                      </p:stCondLst>
+                      <p:childTnLst>
+                        <p:par>
+                          <p:cTn id="4" fill="hold">
+                            <p:stCondLst>
+                              <p:cond delay="0"/>
+                            </p:stCondLst>
+                            <p:childTnLst>
+                              <p:par>
+                                <p:cTn id="5" presetID="10" presetClass="entr" presetSubtype="0" fill="hold" nodeType="clickEffect">
+                                  <p:stCondLst>
+                                    <p:cond delay="0"/>
+                                  </p:stCondLst>
+                                  <p:childTnLst>
+                                    <p:set>
+                                      <p:cBhvr>
+                                        <p:cTn id="6" dur="1" fill="hold">
+                                          <p:stCondLst>
+                                            <p:cond delay="0"/>
+                                          </p:stCondLst>
+                                        </p:cTn>
+                                        <p:tgtEl>
+                                          <p:spTgt spid="3">
+                                            <p:txEl>
+                                              <p:pRg st="0" end="0"/>
+                                            </p:txEl>
+                                          </p:spTgt>
+                                        </p:tgtEl>
+                                        <p:attrNameLst>
+                                          <p:attrName>style.visibility</p:attrName>
+                                        </p:attrNameLst>
+                                      </p:cBhvr>
+                                      <p:to>
+                                        <p:strVal val="visible"/>
+                                      </p:to>
+                                    </p:set>
+                                    <p:animEffect transition="in" filter="fade">
+                                      <p:cBhvr>
+                                        <p:cTn id="7" dur="500"/>
+                                        <p:tgtEl>
+                                          <p:spTgt spid="3">
+                                            <p:txEl>
+                                              <p:pRg st="0" end="0"/>
+                                            </p:txEl>
+                                          </p:spTgt>
+                                        </p:tgtEl>
+                                      </p:cBhvr>
+                                    </p:animEffect>
+                                  </p:childTnLst>
+                                </p:cTn>
+                              </p:par>
+                            </p:childTnLst>
+                          </p:cTn>
+                        </p:par>
+                      </p:childTnLst>
+                    </p:cTn>
+                  </p:par>
+                  <p:par>
+                    <p:cTn id="8" fill="hold">
+                      <p:stCondLst>
+                        <p:cond delay="indefinite"/>
+                      </p:stCondLst>
+                      <p:childTnLst>
+                        <p:par>
+                          <p:cTn id="9" fill="hold">
+                            <p:stCondLst>
+                              <p:cond delay="0"/>
+                            </p:stCondLst>
+                            <p:childTnLst>
+                              <p:par>
+                                <p:cTn id="10" presetID="10" presetClass="entr" presetSubtype="0" fill="hold" nodeType="clickEffect">
+                                  <p:stCondLst>
+                                    <p:cond delay="0"/>
+                                  </p:stCondLst>
+                                  <p:childTnLst>
+                                    <p:set>
+                                      <p:cBhvr>
+                                        <p:cTn id="11" dur="1" fill="hold">
+                                          <p:stCondLst>
+                                            <p:cond delay="0"/>
+                                          </p:stCondLst>
+                                        </p:cTn>
+                                        <p:tgtEl>
+                                          <p:spTgt spid="3">
+                                            <p:txEl>
+                                              <p:pRg st="1" end="1"/>
+                                            </p:txEl>
+                                          </p:spTgt>
+                                        </p:tgtEl>
+                                        <p:attrNameLst>
+                                          <p:attrName>style.visibility</p:attrName>
+                                        </p:attrNameLst>
+                                      </p:cBhvr>
+                                      <p:to>
+                                        <p:strVal val="visible"/>
+                                      </p:to>
+                                    </p:set>
+                                    <p:animEffect transition="in" filter="fade">
+                                      <p:cBhvr>
+                                        <p:cTn id="12" dur="500"/>
+                                        <p:tgtEl>
+                                          <p:spTgt spid="3">
+                                            <p:txEl>
+                                              <p:pRg st="1" end="1"/>
+                                            </p:txEl>
+                                          </p:spTgt>
+                                        </p:tgtEl>
+                                      </p:cBhvr>
+                                    </p:animEffect>
+                                  </p:childTnLst>
+                                </p:cTn>
+                              </p:par>
+                            </p:childTnLst>
+                          </p:cTn>
+                        </p:par>
+                      </p:childTnLst>
+                    </p:cTn>
+                  </p:par>
+                  <p:par>
+                    <p:cTn id="13" fill="hold">
+                      <p:stCondLst>
+                        <p:cond delay="indefinite"/>
+                      </p:stCondLst>
+                      <p:childTnLst>
+                        <p:par>
+                          <p:cTn id="14" fill="hold">
+                            <p:stCondLst>
+                              <p:cond delay="0"/>
+                            </p:stCondLst>
+                            <p:childTnLst>
+                              <p:par>
+                                <p:cTn id="15" presetID="10" presetClass="entr" presetSubtype="0" fill="hold" nodeType="clickEffect">
+                                  <p:stCondLst>
+                                    <p:cond delay="0"/>
+                                  </p:stCondLst>
+                                  <p:childTnLst>
+                                    <p:set>
+                                      <p:cBhvr>
+                                        <p:cTn id="16" dur="1" fill="hold">
+                                          <p:stCondLst>
+                                            <p:cond delay="0"/>
+                                          </p:stCondLst>
+                                        </p:cTn>
+                                        <p:tgtEl>
+                                          <p:spTgt spid="3">
+                                            <p:txEl>
+                                              <p:pRg st="2" end="2"/>
+                                            </p:txEl>
+                                          </p:spTgt>
+                                        </p:tgtEl>
+                                        <p:attrNameLst>
+                                          <p:attrName>style.visibility</p:attrName>
+                                        </p:attrNameLst>
+                                      </p:cBhvr>
+                                      <p:to>
+                                        <p:strVal val="visible"/>
+                                      </p:to>
+                                    </p:set>
+                                    <p:animEffect transition="in" filter="fade">
+                                      <p:cBhvr>
+                                        <p:cTn id="17" dur="500"/>
+                                        <p:tgtEl>
+                                          <p:spTgt spid="3">
+                                            <p:txEl>
+                                              <p:pRg st="2" end="2"/>
+                                            </p:txEl>
+                                          </p:spTgt>
+                                        </p:tgtEl>
+                                      </p:cBhvr>
+                                    </p:animEffect>
+                                  </p:childTnLst>
+                                </p:cTn>
+                              </p:par>
+                            </p:childTnLst>
+                          </p:cTn>
+                        </p:par>
+                      </p:childTnLst>
+                    </p:cTn>
+                  </p:par>
+                  <p:par>
+                    <p:cTn id="18" fill="hold">
+                      <p:stCondLst>
+                        <p:cond delay="indefinite"/>
+                      </p:stCondLst>
+                      <p:childTnLst>
+                        <p:par>
+                          <p:cTn id="19" fill="hold">
+                            <p:stCondLst>
+                              <p:cond delay="0"/>
+                            </p:stCondLst>
+                            <p:childTnLst>
+                              <p:par>
+                                <p:cTn id="20" presetID="10" presetClass="entr" presetSubtype="0" fill="hold" nodeType="clickEffect">
+                                  <p:stCondLst>
+                                    <p:cond delay="0"/>
+                                  </p:stCondLst>
+                                  <p:childTnLst>
+                                    <p:set>
+                                      <p:cBhvr>
+                                        <p:cTn id="21" dur="1" fill="hold">
+                                          <p:stCondLst>
+                                            <p:cond delay="0"/>
+                                          </p:stCondLst>
+                                        </p:cTn>
+                                        <p:tgtEl>
+                                          <p:spTgt spid="3">
+                                            <p:txEl>
+                                              <p:pRg st="3" end="3"/>
+                                            </p:txEl>
+                                          </p:spTgt>
+                                        </p:tgtEl>
+                                        <p:attrNameLst>
+                                          <p:attrName>style.visibility</p:attrName>
+                                        </p:attrNameLst>
+                                      </p:cBhvr>
+                                      <p:to>
+                                        <p:strVal val="visible"/>
+                                      </p:to>
+                                    </p:set>
+                                    <p:animEffect transition="in" filter="fade">
+                                      <p:cBhvr>
+                                        <p:cTn id="22" dur="500"/>
+                                        <p:tgtEl>
+                                          <p:spTgt spid="3">
+                                            <p:txEl>
+                                              <p:pRg st="3" end="3"/>
+                                            </p:txEl>
+                                          </p:spTgt>
+                                        </p:tgtEl>
+                                      </p:cBhvr>
+                                    </p:animEffect>
+                                  </p:childTnLst>
+                                </p:cTn>
+                              </p:par>
+                            </p:childTnLst>
+                          </p:cTn>
+                        </p:par>
+                      </p:childTnLst>
+                    </p:cTn>
+                  </p:par>
+                </p:childTnLst>
+              </p:cTn>
+              <p:prevCondLst>
+                <p:cond evt="onPrev" delay="0">
+                  <p:tgtEl>
+                    <p:sldTgt/>
+                  </p:tgtEl>
+                </p:cond>
+              </p:prevCondLst>
+              <p:nextCondLst>
+                <p:cond evt="onNext" delay="0">
+                  <p:tgtEl>
+                    <p:sldTgt/>
+                  </p:tgtEl>
+                </p:cond>
+              </p:nextCondLst>
+            </p:seq>
+          </p:childTnLst>
+        </p:cTn>
+      </p:par>
+    </p:tnLst>
+  </p:timing>
+</p:sld>
+</file>
+
+<file path=ppt/slides/slide18.xml><?xml version="1.0" encoding="utf-8"?>
+<p:sld xmlns:a="http://schemas.openxmlformats.org/drawingml/2006/main" xmlns:r="http://schemas.openxmlformats.org/officeDocument/2006/relationships" xmlns:p="http://schemas.openxmlformats.org/presentationml/2006/main">
+  <p:cSld>
+    <p:bg>
+      <p:bgPr>
+        <a:solidFill>
+          <a:schemeClr val="bg1"/>
+        </a:solidFill>
+        <a:effectLst/>
+      </p:bgPr>
+    </p:bg>
+    <p:spTree>
+      <p:nvGrpSpPr>
+        <p:cNvPr id="1" name=""/>
+        <p:cNvGrpSpPr/>
+        <p:nvPr/>
+      </p:nvGrpSpPr>
+      <p:grpSpPr>
+        <a:xfrm>
+          <a:off x="0" y="0"/>
+          <a:ext cx="0" cy="0"/>
+          <a:chOff x="0" y="0"/>
+          <a:chExt cx="0" cy="0"/>
+        </a:xfrm>
+      </p:grpSpPr>
+      <p:sp>
+        <p:nvSpPr>
+          <p:cNvPr id="22" name="Freeform: Shape 21">
+            <a:extLst>
+              <a:ext uri="{FF2B5EF4-FFF2-40B4-BE49-F238E27FC236}">
+                <a16:creationId xmlns:a16="http://schemas.microsoft.com/office/drawing/2014/main" id="{64965EAE-E41A-435F-B993-07E824B6C977}"/>
+              </a:ext>
+            </a:extLst>
+          </p:cNvPr>
+          <p:cNvSpPr>
+            <a:spLocks noGrp="1" noRot="1" noChangeAspect="1" noMove="1" noResize="1" noEditPoints="1" noAdjustHandles="1" noChangeArrowheads="1" noChangeShapeType="1" noTextEdit="1"/>
+          </p:cNvSpPr>
+          <p:nvPr>
+            <p:extLst>
+              <p:ext uri="{386F3935-93C4-4BCD-93E2-E3B085C9AB24}">
+                <p16:designElem xmlns:p16="http://schemas.microsoft.com/office/powerpoint/2015/main" val="1"/>
+              </p:ext>
+            </p:extLst>
+          </p:nvPr>
+        </p:nvSpPr>
+        <p:spPr>
+          <a:xfrm flipV="1">
+            <a:off x="1" y="0"/>
+            <a:ext cx="7539895" cy="6858000"/>
+          </a:xfrm>
+          <a:custGeom>
+            <a:avLst/>
+            <a:gdLst>
+              <a:gd name="connsiteX0" fmla="*/ 7539895 w 7539895"/>
+              <a:gd name="connsiteY0" fmla="*/ 6858000 h 6858000"/>
+              <a:gd name="connsiteX1" fmla="*/ 0 w 7539895"/>
+              <a:gd name="connsiteY1" fmla="*/ 6858000 h 6858000"/>
+              <a:gd name="connsiteX2" fmla="*/ 0 w 7539895"/>
+              <a:gd name="connsiteY2" fmla="*/ 0 h 6858000"/>
+              <a:gd name="connsiteX3" fmla="*/ 4363741 w 7539895"/>
+              <a:gd name="connsiteY3" fmla="*/ 0 h 6858000"/>
+            </a:gdLst>
+            <a:ahLst/>
+            <a:cxnLst>
+              <a:cxn ang="0">
+                <a:pos x="connsiteX0" y="connsiteY0"/>
+              </a:cxn>
+              <a:cxn ang="0">
+                <a:pos x="connsiteX1" y="connsiteY1"/>
+              </a:cxn>
+              <a:cxn ang="0">
+                <a:pos x="connsiteX2" y="connsiteY2"/>
+              </a:cxn>
+              <a:cxn ang="0">
+                <a:pos x="connsiteX3" y="connsiteY3"/>
+              </a:cxn>
+            </a:cxnLst>
+            <a:rect l="l" t="t" r="r" b="b"/>
+            <a:pathLst>
+              <a:path w="7539895" h="6858000">
+                <a:moveTo>
+                  <a:pt x="7539895" y="6858000"/>
+                </a:moveTo>
+                <a:lnTo>
+                  <a:pt x="0" y="6858000"/>
+                </a:lnTo>
+                <a:lnTo>
+                  <a:pt x="0" y="0"/>
+                </a:lnTo>
+                <a:lnTo>
+                  <a:pt x="4363741" y="0"/>
+                </a:lnTo>
+                <a:close/>
+              </a:path>
+            </a:pathLst>
+          </a:custGeom>
+          <a:solidFill>
+            <a:schemeClr val="tx1">
+              <a:lumMod val="85000"/>
+              <a:lumOff val="15000"/>
+              <a:alpha val="70000"/>
+            </a:schemeClr>
+          </a:solidFill>
+          <a:ln>
+            <a:noFill/>
+          </a:ln>
+        </p:spPr>
+        <p:style>
+          <a:lnRef idx="2">
+            <a:schemeClr val="accent1">
+              <a:shade val="50000"/>
+            </a:schemeClr>
+          </a:lnRef>
+          <a:fillRef idx="1">
+            <a:schemeClr val="accent1"/>
+          </a:fillRef>
+          <a:effectRef idx="0">
+            <a:schemeClr val="accent1"/>
+          </a:effectRef>
+          <a:fontRef idx="minor">
+            <a:schemeClr val="lt1"/>
+          </a:fontRef>
+        </p:style>
+        <p:txBody>
+          <a:bodyPr wrap="square" rtlCol="0" anchor="ctr">
+            <a:noAutofit/>
+          </a:bodyPr>
+          <a:lstStyle/>
+          <a:p>
+            <a:pPr marL="0" marR="0" lvl="0" indent="0" algn="ctr" defTabSz="457200" rtl="0" eaLnBrk="1" fontAlgn="auto" latinLnBrk="0" hangingPunct="1">
+              <a:lnSpc>
+                <a:spcPct val="100000"/>
+              </a:lnSpc>
+              <a:spcBef>
+                <a:spcPts val="0"/>
+              </a:spcBef>
+              <a:spcAft>
+                <a:spcPts val="0"/>
+              </a:spcAft>
+              <a:buClrTx/>
+              <a:buSzTx/>
+              <a:buFontTx/>
+              <a:buNone/>
+              <a:tabLst/>
+              <a:defRPr/>
+            </a:pPr>
+            <a:endParaRPr kumimoji="0" lang="en-US" sz="1800" b="0" i="0" u="none" strike="noStrike" kern="1200" cap="none" spc="0" normalizeH="0" baseline="0" noProof="0">
+              <a:ln>
+                <a:noFill/>
+              </a:ln>
+              <a:solidFill>
+                <a:prstClr val="white"/>
+              </a:solidFill>
+              <a:effectLst/>
+              <a:uLnTx/>
+              <a:uFillTx/>
+              <a:latin typeface="Segoe UI Light"/>
+              <a:ea typeface="+mn-ea"/>
+              <a:cs typeface="+mn-cs"/>
+            </a:endParaRPr>
+          </a:p>
+        </p:txBody>
+      </p:sp>
+      <p:sp>
+        <p:nvSpPr>
+          <p:cNvPr id="24" name="Freeform: Shape 23">
+            <a:extLst>
+              <a:ext uri="{FF2B5EF4-FFF2-40B4-BE49-F238E27FC236}">
+                <a16:creationId xmlns:a16="http://schemas.microsoft.com/office/drawing/2014/main" id="{152F8994-E6D4-4311-9548-C3607BC43645}"/>
+              </a:ext>
+            </a:extLst>
+          </p:cNvPr>
+          <p:cNvSpPr>
+            <a:spLocks noGrp="1" noRot="1" noChangeAspect="1" noMove="1" noResize="1" noEditPoints="1" noAdjustHandles="1" noChangeArrowheads="1" noChangeShapeType="1" noTextEdit="1"/>
+          </p:cNvSpPr>
+          <p:nvPr>
+            <p:extLst>
+              <p:ext uri="{386F3935-93C4-4BCD-93E2-E3B085C9AB24}">
+                <p16:designElem xmlns:p16="http://schemas.microsoft.com/office/powerpoint/2015/main" val="1"/>
+              </p:ext>
+            </p:extLst>
+          </p:nvPr>
+        </p:nvSpPr>
+        <p:spPr>
+          <a:xfrm flipV="1">
+            <a:off x="0" y="0"/>
+            <a:ext cx="7092985" cy="6858000"/>
+          </a:xfrm>
+          <a:custGeom>
+            <a:avLst/>
+            <a:gdLst>
+              <a:gd name="connsiteX0" fmla="*/ 7092985 w 7092985"/>
+              <a:gd name="connsiteY0" fmla="*/ 6858000 h 6858000"/>
+              <a:gd name="connsiteX1" fmla="*/ 0 w 7092985"/>
+              <a:gd name="connsiteY1" fmla="*/ 6858000 h 6858000"/>
+              <a:gd name="connsiteX2" fmla="*/ 0 w 7092985"/>
+              <a:gd name="connsiteY2" fmla="*/ 0 h 6858000"/>
+              <a:gd name="connsiteX3" fmla="*/ 3916831 w 7092985"/>
+              <a:gd name="connsiteY3" fmla="*/ 0 h 6858000"/>
+            </a:gdLst>
+            <a:ahLst/>
+            <a:cxnLst>
+              <a:cxn ang="0">
+                <a:pos x="connsiteX0" y="connsiteY0"/>
+              </a:cxn>
+              <a:cxn ang="0">
+                <a:pos x="connsiteX1" y="connsiteY1"/>
+              </a:cxn>
+              <a:cxn ang="0">
+                <a:pos x="connsiteX2" y="connsiteY2"/>
+              </a:cxn>
+              <a:cxn ang="0">
+                <a:pos x="connsiteX3" y="connsiteY3"/>
+              </a:cxn>
+            </a:cxnLst>
+            <a:rect l="l" t="t" r="r" b="b"/>
+            <a:pathLst>
+              <a:path w="7092985" h="6858000">
+                <a:moveTo>
+                  <a:pt x="7092985" y="6858000"/>
+                </a:moveTo>
+                <a:lnTo>
+                  <a:pt x="0" y="6858000"/>
+                </a:lnTo>
+                <a:lnTo>
+                  <a:pt x="0" y="0"/>
+                </a:lnTo>
+                <a:lnTo>
+                  <a:pt x="3916831" y="0"/>
+                </a:lnTo>
+                <a:close/>
+              </a:path>
+            </a:pathLst>
+          </a:custGeom>
+          <a:solidFill>
+            <a:schemeClr val="tx1">
+              <a:lumMod val="85000"/>
+              <a:lumOff val="15000"/>
+            </a:schemeClr>
+          </a:solidFill>
+          <a:ln>
+            <a:noFill/>
+          </a:ln>
+        </p:spPr>
+        <p:style>
+          <a:lnRef idx="2">
+            <a:schemeClr val="accent1">
+              <a:shade val="50000"/>
+            </a:schemeClr>
+          </a:lnRef>
+          <a:fillRef idx="1">
+            <a:schemeClr val="accent1"/>
+          </a:fillRef>
+          <a:effectRef idx="0">
+            <a:schemeClr val="accent1"/>
+          </a:effectRef>
+          <a:fontRef idx="minor">
+            <a:schemeClr val="lt1"/>
+          </a:fontRef>
+        </p:style>
+        <p:txBody>
+          <a:bodyPr wrap="square" rtlCol="0" anchor="ctr">
+            <a:noAutofit/>
+          </a:bodyPr>
+          <a:lstStyle/>
+          <a:p>
+            <a:pPr marL="0" marR="0" lvl="0" indent="0" algn="ctr" defTabSz="457200" rtl="0" eaLnBrk="1" fontAlgn="auto" latinLnBrk="0" hangingPunct="1">
+              <a:lnSpc>
+                <a:spcPct val="100000"/>
+              </a:lnSpc>
+              <a:spcBef>
+                <a:spcPts val="0"/>
+              </a:spcBef>
+              <a:spcAft>
+                <a:spcPts val="0"/>
+              </a:spcAft>
+              <a:buClrTx/>
+              <a:buSzTx/>
+              <a:buFontTx/>
+              <a:buNone/>
+              <a:tabLst/>
+              <a:defRPr/>
+            </a:pPr>
+            <a:endParaRPr kumimoji="0" lang="en-US" sz="1800" b="0" i="0" u="none" strike="noStrike" kern="1200" cap="none" spc="0" normalizeH="0" baseline="0" noProof="0">
+              <a:ln>
+                <a:noFill/>
+              </a:ln>
+              <a:solidFill>
+                <a:prstClr val="white"/>
+              </a:solidFill>
+              <a:effectLst/>
+              <a:uLnTx/>
+              <a:uFillTx/>
+              <a:latin typeface="Segoe UI Light"/>
+              <a:ea typeface="+mn-ea"/>
+              <a:cs typeface="+mn-cs"/>
+            </a:endParaRPr>
+          </a:p>
+        </p:txBody>
+      </p:sp>
+      <p:sp>
+        <p:nvSpPr>
+          <p:cNvPr id="8" name="Title 7">
+            <a:extLst>
+              <a:ext uri="{FF2B5EF4-FFF2-40B4-BE49-F238E27FC236}">
+                <a16:creationId xmlns:a16="http://schemas.microsoft.com/office/drawing/2014/main" id="{9AAF6E53-C7E3-404C-8C15-A04C67BE1A24}"/>
+              </a:ext>
+            </a:extLst>
+          </p:cNvPr>
+          <p:cNvSpPr>
+            <a:spLocks noGrp="1"/>
+          </p:cNvSpPr>
+          <p:nvPr>
+            <p:ph type="title"/>
+          </p:nvPr>
+        </p:nvSpPr>
+        <p:spPr>
+          <a:xfrm>
+            <a:off x="838199" y="365125"/>
+            <a:ext cx="5529943" cy="1325563"/>
+          </a:xfrm>
+        </p:spPr>
+        <p:txBody>
+          <a:bodyPr>
+            <a:normAutofit/>
+          </a:bodyPr>
+          <a:lstStyle/>
+          <a:p>
+            <a:r>
+              <a:rPr lang="en-US" dirty="0">
+                <a:solidFill>
+                  <a:schemeClr val="bg1"/>
+                </a:solidFill>
+              </a:rPr>
+              <a:t>VSTS DEMO</a:t>
+            </a:r>
+          </a:p>
+        </p:txBody>
+      </p:sp>
+      <p:pic>
+        <p:nvPicPr>
+          <p:cNvPr id="3" name="Content Placeholder 2">
+            <a:extLst>
+              <a:ext uri="{FF2B5EF4-FFF2-40B4-BE49-F238E27FC236}">
+                <a16:creationId xmlns:a16="http://schemas.microsoft.com/office/drawing/2014/main" id="{C2A63A71-EC7F-479B-9854-E0B25655E4C0}"/>
+              </a:ext>
+            </a:extLst>
+          </p:cNvPr>
+          <p:cNvPicPr>
+            <a:picLocks noGrp="1" noChangeAspect="1"/>
+          </p:cNvPicPr>
+          <p:nvPr>
+            <p:ph idx="1"/>
+          </p:nvPr>
+        </p:nvPicPr>
+        <p:blipFill>
+          <a:blip r:embed="rId3">
+            <a:extLst>
+              <a:ext uri="{28A0092B-C50C-407E-A947-70E740481C1C}">
+                <a14:useLocalDpi xmlns:a14="http://schemas.microsoft.com/office/drawing/2010/main" val="0"/>
+              </a:ext>
+            </a:extLst>
+          </a:blip>
+          <a:stretch>
+            <a:fillRect/>
+          </a:stretch>
+        </p:blipFill>
+        <p:spPr>
+          <a:xfrm>
+            <a:off x="838198" y="1690688"/>
+            <a:ext cx="3398838" cy="3398838"/>
+          </a:xfrm>
+        </p:spPr>
+      </p:pic>
+    </p:spTree>
+    <p:extLst>
+      <p:ext uri="{BB962C8B-B14F-4D97-AF65-F5344CB8AC3E}">
+        <p14:creationId xmlns:p14="http://schemas.microsoft.com/office/powerpoint/2010/main" val="3899177888"/>
+      </p:ext>
+    </p:extLst>
+  </p:cSld>
+  <p:clrMapOvr>
+    <a:masterClrMapping/>
+  </p:clrMapOvr>
+</p:sld>
+</file>
+
+<file path=ppt/slides/slide19.xml><?xml version="1.0" encoding="utf-8"?>
+<p:sld xmlns:a="http://schemas.openxmlformats.org/drawingml/2006/main" xmlns:r="http://schemas.openxmlformats.org/officeDocument/2006/relationships" xmlns:p="http://schemas.openxmlformats.org/presentationml/2006/main">
+  <p:cSld>
+    <p:spTree>
+      <p:nvGrpSpPr>
+        <p:cNvPr id="1" name=""/>
+        <p:cNvGrpSpPr/>
+        <p:nvPr/>
+      </p:nvGrpSpPr>
+      <p:grpSpPr>
+        <a:xfrm>
+          <a:off x="0" y="0"/>
+          <a:ext cx="0" cy="0"/>
+          <a:chOff x="0" y="0"/>
+          <a:chExt cx="0" cy="0"/>
+        </a:xfrm>
+      </p:grpSpPr>
+      <p:pic>
+        <p:nvPicPr>
+          <p:cNvPr id="15" name="Picture 14">
+            <a:extLst>
+              <a:ext uri="{FF2B5EF4-FFF2-40B4-BE49-F238E27FC236}">
+                <a16:creationId xmlns:a16="http://schemas.microsoft.com/office/drawing/2014/main" id="{D2DC35FA-22EB-4B94-B45C-2500EFDA61A4}"/>
+              </a:ext>
+            </a:extLst>
+          </p:cNvPr>
+          <p:cNvPicPr>
+            <a:picLocks noChangeAspect="1"/>
+          </p:cNvPicPr>
+          <p:nvPr/>
+        </p:nvPicPr>
+        <p:blipFill>
+          <a:blip r:embed="rId3"/>
+          <a:stretch>
+            <a:fillRect/>
+          </a:stretch>
+        </p:blipFill>
+        <p:spPr>
+          <a:xfrm>
+            <a:off x="5334000" y="0"/>
+            <a:ext cx="6858000" cy="6858000"/>
+          </a:xfrm>
+          <a:prstGeom prst="rect">
+            <a:avLst/>
+          </a:prstGeom>
+        </p:spPr>
+      </p:pic>
+      <p:sp>
+        <p:nvSpPr>
+          <p:cNvPr id="2" name="Title 1">
+            <a:extLst>
+              <a:ext uri="{FF2B5EF4-FFF2-40B4-BE49-F238E27FC236}">
+                <a16:creationId xmlns:a16="http://schemas.microsoft.com/office/drawing/2014/main" id="{28354584-C2DC-4E1C-9192-512E1D957ACA}"/>
+              </a:ext>
+            </a:extLst>
+          </p:cNvPr>
+          <p:cNvSpPr>
+            <a:spLocks noGrp="1"/>
+          </p:cNvSpPr>
+          <p:nvPr>
+            <p:ph type="title"/>
+          </p:nvPr>
+        </p:nvSpPr>
+        <p:spPr/>
+        <p:txBody>
+          <a:bodyPr/>
+          <a:lstStyle/>
+          <a:p>
+            <a:r>
+              <a:rPr lang="en-US" dirty="0"/>
+              <a:t>Thank you!</a:t>
+            </a:r>
+          </a:p>
+        </p:txBody>
+      </p:sp>
+      <p:sp>
+        <p:nvSpPr>
+          <p:cNvPr id="7" name="Content Placeholder 6">
+            <a:extLst>
+              <a:ext uri="{FF2B5EF4-FFF2-40B4-BE49-F238E27FC236}">
+                <a16:creationId xmlns:a16="http://schemas.microsoft.com/office/drawing/2014/main" id="{D7720BA6-768C-44BF-AD21-12DF34DFF9F2}"/>
+              </a:ext>
+            </a:extLst>
+          </p:cNvPr>
+          <p:cNvSpPr>
+            <a:spLocks noGrp="1"/>
+          </p:cNvSpPr>
+          <p:nvPr>
+            <p:ph sz="half" idx="1"/>
+          </p:nvPr>
+        </p:nvSpPr>
+        <p:spPr>
+          <a:xfrm>
+            <a:off x="838200" y="1825624"/>
+            <a:ext cx="10896600" cy="4667251"/>
+          </a:xfrm>
+        </p:spPr>
+        <p:txBody>
+          <a:bodyPr>
+            <a:normAutofit lnSpcReduction="10000"/>
+          </a:bodyPr>
+          <a:lstStyle/>
+          <a:p>
+            <a:pPr marL="0" indent="0">
+              <a:buNone/>
+            </a:pPr>
+            <a:r>
+              <a:rPr lang="en-US" dirty="0">
+                <a:solidFill>
+                  <a:srgbClr val="A0C4E5"/>
+                </a:solidFill>
+              </a:rPr>
+              <a:t>Slides:</a:t>
+            </a:r>
+            <a:r>
+              <a:rPr lang="en-US" b="1" dirty="0"/>
+              <a:t> aka.ms/N44not</a:t>
+            </a:r>
+            <a:endParaRPr lang="en-US" dirty="0"/>
+          </a:p>
+          <a:p>
+            <a:pPr marL="0" indent="0">
+              <a:buNone/>
+            </a:pPr>
+            <a:endParaRPr lang="en-US" dirty="0"/>
+          </a:p>
+          <a:p>
+            <a:pPr marL="0" indent="0">
+              <a:buNone/>
+            </a:pPr>
+            <a:r>
+              <a:rPr lang="en-US" dirty="0" err="1">
+                <a:solidFill>
+                  <a:srgbClr val="A0C4E5"/>
+                </a:solidFill>
+              </a:rPr>
+              <a:t>Gists</a:t>
+            </a:r>
+            <a:r>
+              <a:rPr lang="en-US" dirty="0">
+                <a:solidFill>
+                  <a:srgbClr val="A0C4E5"/>
+                </a:solidFill>
+              </a:rPr>
+              <a:t>:</a:t>
+            </a:r>
+          </a:p>
+          <a:p>
+            <a:r>
+              <a:rPr lang="en-US" dirty="0">
+                <a:solidFill>
+                  <a:srgbClr val="A0C4E5"/>
+                </a:solidFill>
+              </a:rPr>
+              <a:t>Commands:</a:t>
+            </a:r>
+          </a:p>
+          <a:p>
+            <a:pPr marL="457200" lvl="1" indent="0">
+              <a:buNone/>
+            </a:pPr>
+            <a:r>
+              <a:rPr lang="en-US" b="1" dirty="0"/>
+              <a:t>aka.ms/</a:t>
+            </a:r>
+            <a:r>
+              <a:rPr lang="en-US" b="1" dirty="0" err="1"/>
+              <a:t>Mbozcr</a:t>
+            </a:r>
+            <a:endParaRPr lang="en-US" b="1" dirty="0"/>
+          </a:p>
+          <a:p>
+            <a:r>
+              <a:rPr lang="en-US" dirty="0">
+                <a:solidFill>
+                  <a:srgbClr val="A0C4E5"/>
+                </a:solidFill>
+              </a:rPr>
+              <a:t>Templates:</a:t>
+            </a:r>
+          </a:p>
+          <a:p>
+            <a:pPr marL="457200" lvl="1" indent="0">
+              <a:buNone/>
+            </a:pPr>
+            <a:r>
+              <a:rPr lang="en-US" b="1" dirty="0"/>
+              <a:t>aka.ms/</a:t>
+            </a:r>
+            <a:r>
+              <a:rPr lang="en-US" b="1" dirty="0" err="1"/>
+              <a:t>Bhaecq</a:t>
+            </a:r>
+            <a:endParaRPr lang="en-US" b="1" dirty="0"/>
+          </a:p>
+          <a:p>
+            <a:pPr marL="0" indent="0">
+              <a:buNone/>
+            </a:pPr>
+            <a:endParaRPr lang="en-US" b="1" dirty="0"/>
+          </a:p>
+          <a:p>
+            <a:pPr marL="0" indent="0" algn="r">
+              <a:buNone/>
+            </a:pPr>
+            <a:endParaRPr lang="en-US" b="1" dirty="0"/>
+          </a:p>
+          <a:p>
+            <a:pPr marL="0" indent="0" algn="r">
+              <a:buNone/>
+            </a:pPr>
+            <a:r>
+              <a:rPr lang="en-US" b="1" dirty="0"/>
+              <a:t>docs.microsoft.com/dotnet/core/tools</a:t>
+            </a:r>
+          </a:p>
+        </p:txBody>
+      </p:sp>
+      <p:sp>
+        <p:nvSpPr>
+          <p:cNvPr id="12" name="Content Placeholder 11">
+            <a:extLst>
+              <a:ext uri="{FF2B5EF4-FFF2-40B4-BE49-F238E27FC236}">
+                <a16:creationId xmlns:a16="http://schemas.microsoft.com/office/drawing/2014/main" id="{134CFD40-FF82-41B7-B348-A9D6E1EF5F43}"/>
+              </a:ext>
+            </a:extLst>
+          </p:cNvPr>
+          <p:cNvSpPr>
+            <a:spLocks noGrp="1"/>
+          </p:cNvSpPr>
+          <p:nvPr>
+            <p:ph sz="half" idx="2"/>
+          </p:nvPr>
+        </p:nvSpPr>
+        <p:spPr>
+          <a:xfrm>
+            <a:off x="5394960" y="1825625"/>
+            <a:ext cx="5958840" cy="4351338"/>
+          </a:xfrm>
+        </p:spPr>
+        <p:txBody>
+          <a:bodyPr>
+            <a:normAutofit lnSpcReduction="10000"/>
+          </a:bodyPr>
+          <a:lstStyle/>
+          <a:p>
+            <a:pPr marL="0" indent="0">
+              <a:buNone/>
+            </a:pPr>
+            <a:endParaRPr lang="en-US" dirty="0"/>
+          </a:p>
+          <a:p>
+            <a:pPr marL="0" indent="0">
+              <a:buNone/>
+            </a:pPr>
+            <a:endParaRPr lang="en-US" dirty="0"/>
+          </a:p>
+          <a:p>
+            <a:pPr marL="0" indent="0">
+              <a:buNone/>
+            </a:pPr>
+            <a:endParaRPr lang="en-US" dirty="0"/>
+          </a:p>
+        </p:txBody>
+      </p:sp>
+      <p:sp>
+        <p:nvSpPr>
+          <p:cNvPr id="3" name="TextBox 2">
+            <a:extLst>
+              <a:ext uri="{FF2B5EF4-FFF2-40B4-BE49-F238E27FC236}">
+                <a16:creationId xmlns:a16="http://schemas.microsoft.com/office/drawing/2014/main" id="{084B7060-1A67-4B81-B5A1-3D509E5D30BF}"/>
+              </a:ext>
+            </a:extLst>
+          </p:cNvPr>
+          <p:cNvSpPr txBox="1"/>
+          <p:nvPr/>
+        </p:nvSpPr>
+        <p:spPr>
+          <a:xfrm>
+            <a:off x="939800" y="5935960"/>
+            <a:ext cx="4495800" cy="461665"/>
+          </a:xfrm>
+          <a:prstGeom prst="rect">
+            <a:avLst/>
+          </a:prstGeom>
+          <a:noFill/>
+        </p:spPr>
+        <p:txBody>
+          <a:bodyPr wrap="square" rtlCol="0">
+            <a:spAutoFit/>
+          </a:bodyPr>
+          <a:lstStyle/>
+          <a:p>
+            <a:r>
+              <a:rPr lang="en-US" sz="2400" b="1" dirty="0"/>
+              <a:t>@</a:t>
+            </a:r>
+            <a:r>
+              <a:rPr lang="en-US" sz="2400" b="1" dirty="0" err="1"/>
+              <a:t>Scott_Addie</a:t>
+            </a:r>
+            <a:endParaRPr lang="en-US" sz="2400" b="1" dirty="0"/>
+          </a:p>
+        </p:txBody>
+      </p:sp>
+      <p:pic>
+        <p:nvPicPr>
+          <p:cNvPr id="8" name="Picture 7">
+            <a:extLst>
+              <a:ext uri="{FF2B5EF4-FFF2-40B4-BE49-F238E27FC236}">
+                <a16:creationId xmlns:a16="http://schemas.microsoft.com/office/drawing/2014/main" id="{D62B3930-38EF-4F41-9189-BD2F1325CC71}"/>
+              </a:ext>
+            </a:extLst>
+          </p:cNvPr>
+          <p:cNvPicPr>
+            <a:picLocks noChangeAspect="1"/>
+          </p:cNvPicPr>
+          <p:nvPr/>
+        </p:nvPicPr>
+        <p:blipFill>
+          <a:blip r:embed="rId4" cstate="print">
+            <a:extLst>
+              <a:ext uri="{28A0092B-C50C-407E-A947-70E740481C1C}">
+                <a14:useLocalDpi xmlns:a14="http://schemas.microsoft.com/office/drawing/2010/main" val="0"/>
+              </a:ext>
+            </a:extLst>
+          </a:blip>
+          <a:stretch>
+            <a:fillRect/>
+          </a:stretch>
+        </p:blipFill>
+        <p:spPr>
+          <a:xfrm>
+            <a:off x="2935314" y="5889198"/>
+            <a:ext cx="682893" cy="555188"/>
+          </a:xfrm>
+          <a:prstGeom prst="rect">
+            <a:avLst/>
+          </a:prstGeom>
+        </p:spPr>
+      </p:pic>
+      <p:pic>
+        <p:nvPicPr>
+          <p:cNvPr id="10" name="Picture 2" descr="http://www.freeiconspng.com/uploads/github-logo-icon-30.png">
+            <a:extLst>
+              <a:ext uri="{FF2B5EF4-FFF2-40B4-BE49-F238E27FC236}">
+                <a16:creationId xmlns:a16="http://schemas.microsoft.com/office/drawing/2014/main" id="{DCC58F26-AEDB-4E25-B910-6CB9522A56BD}"/>
+              </a:ext>
+            </a:extLst>
+          </p:cNvPr>
+          <p:cNvPicPr>
+            <a:picLocks noChangeAspect="1" noChangeArrowheads="1"/>
+          </p:cNvPicPr>
+          <p:nvPr/>
+        </p:nvPicPr>
+        <p:blipFill>
+          <a:blip r:embed="rId5">
+            <a:lum bright="70000" contrast="-70000"/>
+            <a:extLst>
+              <a:ext uri="{28A0092B-C50C-407E-A947-70E740481C1C}">
+                <a14:useLocalDpi xmlns:a14="http://schemas.microsoft.com/office/drawing/2010/main" val="0"/>
+              </a:ext>
+            </a:extLst>
+          </a:blip>
+          <a:srcRect/>
+          <a:stretch>
+            <a:fillRect/>
+          </a:stretch>
+        </p:blipFill>
+        <p:spPr bwMode="auto">
+          <a:xfrm>
+            <a:off x="1716437" y="2373608"/>
+            <a:ext cx="913109" cy="913109"/>
+          </a:xfrm>
+          <a:prstGeom prst="rect">
+            <a:avLst/>
+          </a:prstGeom>
+          <a:noFill/>
+          <a:extLst>
+            <a:ext uri="{909E8E84-426E-40DD-AFC4-6F175D3DCCD1}">
+              <a14:hiddenFill xmlns:a14="http://schemas.microsoft.com/office/drawing/2010/main">
+                <a:solidFill>
+                  <a:srgbClr val="FFFFFF"/>
+                </a:solidFill>
+              </a14:hiddenFill>
+            </a:ext>
+          </a:extLst>
+        </p:spPr>
+      </p:pic>
+      <p:pic>
+        <p:nvPicPr>
+          <p:cNvPr id="11" name="Picture 2" descr="http://www.freeiconspng.com/uploads/github-logo-icon-30.png">
+            <a:extLst>
+              <a:ext uri="{FF2B5EF4-FFF2-40B4-BE49-F238E27FC236}">
+                <a16:creationId xmlns:a16="http://schemas.microsoft.com/office/drawing/2014/main" id="{A8AAC434-52BC-40A4-A875-D6D8D13E4F93}"/>
+              </a:ext>
+            </a:extLst>
+          </p:cNvPr>
+          <p:cNvPicPr>
+            <a:picLocks noChangeAspect="1" noChangeArrowheads="1"/>
+          </p:cNvPicPr>
+          <p:nvPr/>
+        </p:nvPicPr>
+        <p:blipFill>
+          <a:blip r:embed="rId5">
+            <a:lum bright="70000" contrast="-70000"/>
+            <a:extLst>
+              <a:ext uri="{28A0092B-C50C-407E-A947-70E740481C1C}">
+                <a14:useLocalDpi xmlns:a14="http://schemas.microsoft.com/office/drawing/2010/main" val="0"/>
+              </a:ext>
+            </a:extLst>
+          </a:blip>
+          <a:srcRect/>
+          <a:stretch>
+            <a:fillRect/>
+          </a:stretch>
+        </p:blipFill>
+        <p:spPr bwMode="auto">
+          <a:xfrm>
+            <a:off x="4224828" y="1460499"/>
+            <a:ext cx="913109" cy="913109"/>
+          </a:xfrm>
+          <a:prstGeom prst="rect">
+            <a:avLst/>
+          </a:prstGeom>
+          <a:noFill/>
+          <a:extLst>
+            <a:ext uri="{909E8E84-426E-40DD-AFC4-6F175D3DCCD1}">
+              <a14:hiddenFill xmlns:a14="http://schemas.microsoft.com/office/drawing/2010/main">
+                <a:solidFill>
+                  <a:srgbClr val="FFFFFF"/>
+                </a:solidFill>
+              </a14:hiddenFill>
+            </a:ext>
+          </a:extLst>
+        </p:spPr>
+      </p:pic>
+    </p:spTree>
+    <p:extLst>
+      <p:ext uri="{BB962C8B-B14F-4D97-AF65-F5344CB8AC3E}">
+        <p14:creationId xmlns:p14="http://schemas.microsoft.com/office/powerpoint/2010/main" val="2756341204"/>
+      </p:ext>
+    </p:extLst>
+  </p:cSld>
+  <p:clrMapOvr>
+    <a:masterClrMapping/>
+  </p:clrMapOvr>
+</p:sld>
+</file>
+
+<file path=ppt/slides/slide2.xml><?xml version="1.0" encoding="utf-8"?>
 <p:sld xmlns:a="http://schemas.openxmlformats.org/drawingml/2006/main" xmlns:r="http://schemas.openxmlformats.org/officeDocument/2006/relationships" xmlns:p="http://schemas.openxmlformats.org/presentationml/2006/main">
   <p:cSld>
     <p:bg>
@@ -22265,6 +25790,42 @@
           </a:p>
         </p:txBody>
       </p:sp>
+      <p:pic>
+        <p:nvPicPr>
+          <p:cNvPr id="10" name="MS logo white">
+            <a:extLst>
+              <a:ext uri="{FF2B5EF4-FFF2-40B4-BE49-F238E27FC236}">
+                <a16:creationId xmlns:a16="http://schemas.microsoft.com/office/drawing/2014/main" id="{6907CD63-B855-418A-828E-6B35CFA4448A}"/>
+              </a:ext>
+            </a:extLst>
+          </p:cNvPr>
+          <p:cNvPicPr>
+            <a:picLocks noChangeAspect="1"/>
+          </p:cNvPicPr>
+          <p:nvPr/>
+        </p:nvPicPr>
+        <p:blipFill>
+          <a:blip r:embed="rId6" cstate="screen">
+            <a:extLst>
+              <a:ext uri="{28A0092B-C50C-407E-A947-70E740481C1C}">
+                <a14:useLocalDpi xmlns:a14="http://schemas.microsoft.com/office/drawing/2010/main"/>
+              </a:ext>
+            </a:extLst>
+          </a:blip>
+          <a:stretch>
+            <a:fillRect/>
+          </a:stretch>
+        </p:blipFill>
+        <p:spPr bwMode="gray">
+          <a:xfrm>
+            <a:off x="253409" y="6203796"/>
+            <a:ext cx="1731976" cy="370540"/>
+          </a:xfrm>
+          <a:prstGeom prst="rect">
+            <a:avLst/>
+          </a:prstGeom>
+        </p:spPr>
+      </p:pic>
     </p:spTree>
     <p:extLst>
       <p:ext uri="{BB962C8B-B14F-4D97-AF65-F5344CB8AC3E}">
@@ -22275,10 +25836,22 @@
   <p:clrMapOvr>
     <a:masterClrMapping/>
   </p:clrMapOvr>
+  <mc:AlternateContent xmlns:mc="http://schemas.openxmlformats.org/markup-compatibility/2006">
+    <mc:Choice xmlns:p14="http://schemas.microsoft.com/office/powerpoint/2010/main" Requires="p14">
+      <p:transition spd="med" p14:dur="700" advClick="0" advTm="8000">
+        <p:fade/>
+      </p:transition>
+    </mc:Choice>
+    <mc:Fallback>
+      <p:transition spd="med" advClick="0" advTm="8000">
+        <p:fade/>
+      </p:transition>
+    </mc:Fallback>
+  </mc:AlternateContent>
 </p:sld>
 </file>
 
-<file path=ppt/slides/slide15.xml><?xml version="1.0" encoding="utf-8"?>
+<file path=ppt/slides/slide3.xml><?xml version="1.0" encoding="utf-8"?>
 <p:sld xmlns:a="http://schemas.openxmlformats.org/drawingml/2006/main" xmlns:r="http://schemas.openxmlformats.org/officeDocument/2006/relationships" xmlns:p="http://schemas.openxmlformats.org/presentationml/2006/main">
   <p:cSld>
     <p:spTree>
@@ -22297,10 +25870,99 @@
       </p:grpSpPr>
       <p:pic>
         <p:nvPicPr>
-          <p:cNvPr id="15" name="Picture 14">
+          <p:cNvPr id="5" name="Picture 4" descr="A screenshot of a cell phone&#10;&#10;Description generated with very high confidence">
             <a:extLst>
               <a:ext uri="{FF2B5EF4-FFF2-40B4-BE49-F238E27FC236}">
-                <a16:creationId xmlns:a16="http://schemas.microsoft.com/office/drawing/2014/main" id="{D2DC35FA-22EB-4B94-B45C-2500EFDA61A4}"/>
+                <a16:creationId xmlns:a16="http://schemas.microsoft.com/office/drawing/2014/main" id="{8AC466DD-F99D-4712-9C71-468306E7BE26}"/>
+              </a:ext>
+            </a:extLst>
+          </p:cNvPr>
+          <p:cNvPicPr>
+            <a:picLocks noChangeAspect="1"/>
+          </p:cNvPicPr>
+          <p:nvPr/>
+        </p:nvPicPr>
+        <p:blipFill>
+          <a:blip r:embed="rId3">
+            <a:extLst>
+              <a:ext uri="{28A0092B-C50C-407E-A947-70E740481C1C}">
+                <a14:useLocalDpi xmlns:a14="http://schemas.microsoft.com/office/drawing/2010/main" val="0"/>
+              </a:ext>
+            </a:extLst>
+          </a:blip>
+          <a:stretch>
+            <a:fillRect/>
+          </a:stretch>
+        </p:blipFill>
+        <p:spPr>
+          <a:xfrm>
+            <a:off x="0" y="0"/>
+            <a:ext cx="12191999" cy="6858000"/>
+          </a:xfrm>
+          <a:prstGeom prst="rect">
+            <a:avLst/>
+          </a:prstGeom>
+          <a:solidFill>
+            <a:schemeClr val="tx1"/>
+          </a:solidFill>
+        </p:spPr>
+      </p:pic>
+    </p:spTree>
+    <p:extLst>
+      <p:ext uri="{BB962C8B-B14F-4D97-AF65-F5344CB8AC3E}">
+        <p14:creationId xmlns:p14="http://schemas.microsoft.com/office/powerpoint/2010/main" val="559968830"/>
+      </p:ext>
+    </p:extLst>
+  </p:cSld>
+  <p:clrMapOvr>
+    <a:masterClrMapping/>
+  </p:clrMapOvr>
+  <mc:AlternateContent xmlns:mc="http://schemas.openxmlformats.org/markup-compatibility/2006">
+    <mc:Choice xmlns:p14="http://schemas.microsoft.com/office/powerpoint/2010/main" Requires="p14">
+      <p:transition spd="med" p14:dur="700" advClick="0" advTm="8000">
+        <p:fade/>
+      </p:transition>
+    </mc:Choice>
+    <mc:Fallback>
+      <p:transition spd="med" advClick="0" advTm="8000">
+        <p:fade/>
+      </p:transition>
+    </mc:Fallback>
+  </mc:AlternateContent>
+</p:sld>
+</file>
+
+<file path=ppt/slides/slide4.xml><?xml version="1.0" encoding="utf-8"?>
+<p:sld xmlns:a="http://schemas.openxmlformats.org/drawingml/2006/main" xmlns:r="http://schemas.openxmlformats.org/officeDocument/2006/relationships" xmlns:p="http://schemas.openxmlformats.org/presentationml/2006/main">
+  <p:cSld>
+    <p:bg>
+      <p:bgPr>
+        <a:solidFill>
+          <a:srgbClr val="002050"/>
+        </a:solidFill>
+        <a:effectLst/>
+      </p:bgPr>
+    </p:bg>
+    <p:spTree>
+      <p:nvGrpSpPr>
+        <p:cNvPr id="1" name=""/>
+        <p:cNvGrpSpPr/>
+        <p:nvPr/>
+      </p:nvGrpSpPr>
+      <p:grpSpPr>
+        <a:xfrm>
+          <a:off x="0" y="0"/>
+          <a:ext cx="0" cy="0"/>
+          <a:chOff x="0" y="0"/>
+          <a:chExt cx="0" cy="0"/>
+        </a:xfrm>
+      </p:grpSpPr>
+      <p:pic>
+        <p:nvPicPr>
+          <p:cNvPr id="4" name="Picture 3">
+            <a:extLst>
+              <a:ext uri="{FF2B5EF4-FFF2-40B4-BE49-F238E27FC236}">
+                <a16:creationId xmlns:a16="http://schemas.microsoft.com/office/drawing/2014/main" id="{3CBF4116-4253-4331-8695-5C88E0F3E965}"/>
               </a:ext>
             </a:extLst>
           </p:cNvPr>
@@ -22317,7 +25979,7 @@
         </p:blipFill>
         <p:spPr>
           <a:xfrm>
-            <a:off x="5334000" y="0"/>
+            <a:off x="2667000" y="0"/>
             <a:ext cx="6858000" cy="6858000"/>
           </a:xfrm>
           <a:prstGeom prst="rect">
@@ -22327,278 +25989,111 @@
       </p:pic>
       <p:sp>
         <p:nvSpPr>
-          <p:cNvPr id="2" name="Title 1">
-            <a:extLst>
-              <a:ext uri="{FF2B5EF4-FFF2-40B4-BE49-F238E27FC236}">
-                <a16:creationId xmlns:a16="http://schemas.microsoft.com/office/drawing/2014/main" id="{28354584-C2DC-4E1C-9192-512E1D957ACA}"/>
-              </a:ext>
-            </a:extLst>
-          </p:cNvPr>
+          <p:cNvPr id="2" name="Title 1"/>
           <p:cNvSpPr>
             <a:spLocks noGrp="1"/>
           </p:cNvSpPr>
           <p:nvPr>
-            <p:ph type="title"/>
+            <p:ph type="ctrTitle"/>
           </p:nvPr>
         </p:nvSpPr>
-        <p:spPr/>
+        <p:spPr>
+          <a:solidFill>
+            <a:srgbClr val="505050">
+              <a:alpha val="75000"/>
+            </a:srgbClr>
+          </a:solidFill>
+        </p:spPr>
         <p:txBody>
-          <a:bodyPr/>
+          <a:bodyPr anchor="ctr">
+            <a:normAutofit/>
+          </a:bodyPr>
           <a:lstStyle/>
           <a:p>
             <a:r>
-              <a:rPr lang="en-US" dirty="0"/>
-              <a:t>Thank you!</a:t>
+              <a:rPr lang="en-US" sz="4800" b="1" dirty="0">
+                <a:latin typeface="Consolas" panose="020B0609020204030204" pitchFamily="49" charset="0"/>
+              </a:rPr>
+              <a:t>&gt;</a:t>
             </a:r>
+            <a:r>
+              <a:rPr lang="en-US" sz="4800" b="1" dirty="0"/>
+              <a:t> dotnet tour</a:t>
+            </a:r>
+            <a:r>
+              <a:rPr lang="en-US" sz="4800" b="1" dirty="0">
+                <a:latin typeface="Consolas" panose="020B0609020204030204" pitchFamily="49" charset="0"/>
+              </a:rPr>
+              <a:t>|</a:t>
+            </a:r>
+            <a:endParaRPr lang="en-US" sz="4000" b="1" dirty="0">
+              <a:latin typeface="Consolas" panose="020B0609020204030204" pitchFamily="49" charset="0"/>
+            </a:endParaRPr>
           </a:p>
         </p:txBody>
       </p:sp>
       <p:sp>
         <p:nvSpPr>
-          <p:cNvPr id="7" name="Content Placeholder 6">
-            <a:extLst>
-              <a:ext uri="{FF2B5EF4-FFF2-40B4-BE49-F238E27FC236}">
-                <a16:creationId xmlns:a16="http://schemas.microsoft.com/office/drawing/2014/main" id="{D7720BA6-768C-44BF-AD21-12DF34DFF9F2}"/>
-              </a:ext>
-            </a:extLst>
-          </p:cNvPr>
+          <p:cNvPr id="3" name="Subtitle 2"/>
           <p:cNvSpPr>
             <a:spLocks noGrp="1"/>
           </p:cNvSpPr>
           <p:nvPr>
-            <p:ph sz="half" idx="1"/>
+            <p:ph type="subTitle" idx="1"/>
           </p:nvPr>
         </p:nvSpPr>
         <p:spPr>
           <a:xfrm>
-            <a:off x="838200" y="1825624"/>
-            <a:ext cx="10896600" cy="4667251"/>
+            <a:off x="1524000" y="5303109"/>
+            <a:ext cx="9144000" cy="1040541"/>
           </a:xfrm>
+          <a:solidFill>
+            <a:schemeClr val="dk1">
+              <a:alpha val="50000"/>
+            </a:schemeClr>
+          </a:solidFill>
+          <a:ln>
+            <a:noFill/>
+          </a:ln>
         </p:spPr>
+        <p:style>
+          <a:lnRef idx="0">
+            <a:scrgbClr r="0" g="0" b="0"/>
+          </a:lnRef>
+          <a:fillRef idx="0">
+            <a:scrgbClr r="0" g="0" b="0"/>
+          </a:fillRef>
+          <a:effectRef idx="0">
+            <a:scrgbClr r="0" g="0" b="0"/>
+          </a:effectRef>
+          <a:fontRef idx="minor">
+            <a:schemeClr val="lt1"/>
+          </a:fontRef>
+        </p:style>
         <p:txBody>
           <a:bodyPr>
-            <a:normAutofit lnSpcReduction="10000"/>
+            <a:normAutofit/>
           </a:bodyPr>
           <a:lstStyle/>
           <a:p>
-            <a:pPr marL="0" indent="0">
-              <a:buNone/>
-            </a:pPr>
-            <a:r>
-              <a:rPr lang="en-US" dirty="0">
-                <a:solidFill>
-                  <a:srgbClr val="A0C4E5"/>
-                </a:solidFill>
-              </a:rPr>
-              <a:t>Slides:</a:t>
-            </a:r>
-            <a:r>
-              <a:rPr lang="en-US" b="1" dirty="0"/>
-              <a:t> aka.ms/N44not</a:t>
-            </a:r>
-            <a:endParaRPr lang="en-US" dirty="0"/>
-          </a:p>
-          <a:p>
-            <a:pPr marL="0" indent="0">
-              <a:buNone/>
-            </a:pPr>
-            <a:endParaRPr lang="en-US" dirty="0"/>
-          </a:p>
-          <a:p>
-            <a:pPr marL="0" indent="0">
-              <a:buNone/>
-            </a:pPr>
-            <a:r>
-              <a:rPr lang="en-US" dirty="0" err="1">
-                <a:solidFill>
-                  <a:srgbClr val="A0C4E5"/>
-                </a:solidFill>
-              </a:rPr>
-              <a:t>Gists</a:t>
-            </a:r>
-            <a:r>
-              <a:rPr lang="en-US" dirty="0">
-                <a:solidFill>
-                  <a:srgbClr val="A0C4E5"/>
-                </a:solidFill>
-              </a:rPr>
-              <a:t>:</a:t>
-            </a:r>
-          </a:p>
-          <a:p>
-            <a:r>
-              <a:rPr lang="en-US" dirty="0">
-                <a:solidFill>
-                  <a:srgbClr val="A0C4E5"/>
-                </a:solidFill>
-              </a:rPr>
-              <a:t>Commands:</a:t>
-            </a:r>
-          </a:p>
-          <a:p>
-            <a:pPr marL="457200" lvl="1" indent="0">
-              <a:buNone/>
-            </a:pPr>
-            <a:r>
-              <a:rPr lang="en-US" b="1" dirty="0"/>
-              <a:t>aka.ms/</a:t>
-            </a:r>
-            <a:r>
-              <a:rPr lang="en-US" b="1" dirty="0" err="1"/>
-              <a:t>Mbozcr</a:t>
-            </a:r>
-            <a:endParaRPr lang="en-US" b="1" dirty="0"/>
-          </a:p>
-          <a:p>
-            <a:r>
-              <a:rPr lang="en-US" dirty="0">
-                <a:solidFill>
-                  <a:srgbClr val="A0C4E5"/>
-                </a:solidFill>
-              </a:rPr>
-              <a:t>Templates:</a:t>
-            </a:r>
-          </a:p>
-          <a:p>
-            <a:pPr marL="457200" lvl="1" indent="0">
-              <a:buNone/>
-            </a:pPr>
-            <a:r>
-              <a:rPr lang="en-US" b="1" dirty="0"/>
-              <a:t>aka.ms/</a:t>
-            </a:r>
-            <a:r>
-              <a:rPr lang="en-US" b="1" dirty="0" err="1"/>
-              <a:t>Bhaecq</a:t>
-            </a:r>
-            <a:endParaRPr lang="en-US" b="1" dirty="0"/>
-          </a:p>
-          <a:p>
-            <a:pPr marL="0" indent="0">
-              <a:buNone/>
-            </a:pPr>
-            <a:endParaRPr lang="en-US" b="1" dirty="0"/>
-          </a:p>
-          <a:p>
-            <a:pPr marL="0" indent="0" algn="r">
-              <a:buNone/>
-            </a:pPr>
-            <a:endParaRPr lang="en-US" b="1" dirty="0"/>
-          </a:p>
-          <a:p>
-            <a:pPr marL="0" indent="0" algn="r">
-              <a:buNone/>
-            </a:pPr>
-            <a:r>
-              <a:rPr lang="en-US" b="1" dirty="0"/>
-              <a:t>docs.microsoft.com/dotnet/core/tools</a:t>
-            </a:r>
-          </a:p>
-        </p:txBody>
-      </p:sp>
-      <p:sp>
-        <p:nvSpPr>
-          <p:cNvPr id="12" name="Content Placeholder 11">
-            <a:extLst>
-              <a:ext uri="{FF2B5EF4-FFF2-40B4-BE49-F238E27FC236}">
-                <a16:creationId xmlns:a16="http://schemas.microsoft.com/office/drawing/2014/main" id="{134CFD40-FF82-41B7-B348-A9D6E1EF5F43}"/>
-              </a:ext>
-            </a:extLst>
-          </p:cNvPr>
-          <p:cNvSpPr>
-            <a:spLocks noGrp="1"/>
-          </p:cNvSpPr>
-          <p:nvPr>
-            <p:ph sz="half" idx="2"/>
-          </p:nvPr>
-        </p:nvSpPr>
-        <p:spPr>
-          <a:xfrm>
-            <a:off x="5394960" y="1825625"/>
-            <a:ext cx="5958840" cy="4351338"/>
-          </a:xfrm>
-        </p:spPr>
-        <p:txBody>
-          <a:bodyPr>
-            <a:normAutofit lnSpcReduction="10000"/>
-          </a:bodyPr>
-          <a:lstStyle/>
-          <a:p>
-            <a:pPr marL="0" indent="0">
-              <a:buNone/>
-            </a:pPr>
-            <a:endParaRPr lang="en-US" dirty="0"/>
-          </a:p>
-          <a:p>
-            <a:pPr marL="0" indent="0">
-              <a:buNone/>
-            </a:pPr>
-            <a:endParaRPr lang="en-US" dirty="0"/>
-          </a:p>
-          <a:p>
-            <a:pPr marL="0" indent="0">
-              <a:buNone/>
-            </a:pPr>
-            <a:endParaRPr lang="en-US" dirty="0"/>
-          </a:p>
-        </p:txBody>
-      </p:sp>
-      <p:sp>
-        <p:nvSpPr>
-          <p:cNvPr id="3" name="TextBox 2">
-            <a:extLst>
-              <a:ext uri="{FF2B5EF4-FFF2-40B4-BE49-F238E27FC236}">
-                <a16:creationId xmlns:a16="http://schemas.microsoft.com/office/drawing/2014/main" id="{084B7060-1A67-4B81-B5A1-3D509E5D30BF}"/>
-              </a:ext>
-            </a:extLst>
-          </p:cNvPr>
-          <p:cNvSpPr txBox="1"/>
-          <p:nvPr/>
-        </p:nvSpPr>
-        <p:spPr>
-          <a:xfrm>
-            <a:off x="939800" y="5935960"/>
-            <a:ext cx="4495800" cy="461665"/>
-          </a:xfrm>
-          <a:prstGeom prst="rect">
-            <a:avLst/>
-          </a:prstGeom>
-          <a:noFill/>
-        </p:spPr>
-        <p:txBody>
-          <a:bodyPr wrap="square" rtlCol="0">
-            <a:spAutoFit/>
-          </a:bodyPr>
-          <a:lstStyle/>
-          <a:p>
-            <a:r>
-              <a:rPr lang="en-US" sz="2400" b="1" dirty="0"/>
-              <a:t>@</a:t>
-            </a:r>
-            <a:r>
-              <a:rPr lang="en-US" sz="2400" b="1" dirty="0" err="1"/>
-              <a:t>Scott_Addie</a:t>
-            </a:r>
-            <a:endParaRPr lang="en-US" sz="2400" b="1" dirty="0"/>
+            <a:endParaRPr lang="en-US" sz="4800" b="1" dirty="0">
+              <a:latin typeface="+mj-lt"/>
+              <a:ea typeface="+mj-ea"/>
+              <a:cs typeface="+mj-cs"/>
+            </a:endParaRPr>
           </a:p>
         </p:txBody>
       </p:sp>
       <p:pic>
         <p:nvPicPr>
-          <p:cNvPr id="8" name="Picture 7">
-            <a:extLst>
-              <a:ext uri="{FF2B5EF4-FFF2-40B4-BE49-F238E27FC236}">
-                <a16:creationId xmlns:a16="http://schemas.microsoft.com/office/drawing/2014/main" id="{D62B3930-38EF-4F41-9189-BD2F1325CC71}"/>
-              </a:ext>
-            </a:extLst>
-          </p:cNvPr>
+          <p:cNvPr id="7" name="Picture 6"/>
           <p:cNvPicPr>
             <a:picLocks noChangeAspect="1"/>
           </p:cNvPicPr>
           <p:nvPr/>
         </p:nvPicPr>
         <p:blipFill>
-          <a:blip r:embed="rId4" cstate="print">
+          <a:blip r:embed="rId4">
             <a:extLst>
               <a:ext uri="{28A0092B-C50C-407E-A947-70E740481C1C}">
                 <a14:useLocalDpi xmlns:a14="http://schemas.microsoft.com/office/drawing/2010/main" val="0"/>
@@ -22611,8 +26106,8 @@
         </p:blipFill>
         <p:spPr>
           <a:xfrm>
-            <a:off x="2935314" y="5889198"/>
-            <a:ext cx="682893" cy="555188"/>
+            <a:off x="1593850" y="5361606"/>
+            <a:ext cx="925166" cy="923546"/>
           </a:xfrm>
           <a:prstGeom prst="rect">
             <a:avLst/>
@@ -22621,104 +26116,91 @@
       </p:pic>
       <p:pic>
         <p:nvPicPr>
-          <p:cNvPr id="10" name="Picture 2" descr="http://www.freeiconspng.com/uploads/github-logo-icon-30.png">
-            <a:extLst>
-              <a:ext uri="{FF2B5EF4-FFF2-40B4-BE49-F238E27FC236}">
-                <a16:creationId xmlns:a16="http://schemas.microsoft.com/office/drawing/2014/main" id="{DCC58F26-AEDB-4E25-B910-6CB9522A56BD}"/>
-              </a:ext>
-            </a:extLst>
-          </p:cNvPr>
+          <p:cNvPr id="11" name="MS logo white"/>
           <p:cNvPicPr>
-            <a:picLocks noChangeAspect="1" noChangeArrowheads="1"/>
+            <a:picLocks noChangeAspect="1"/>
           </p:cNvPicPr>
           <p:nvPr/>
         </p:nvPicPr>
         <p:blipFill>
-          <a:blip r:embed="rId5">
-            <a:lum bright="70000" contrast="-70000"/>
+          <a:blip r:embed="rId5" cstate="screen">
             <a:extLst>
               <a:ext uri="{28A0092B-C50C-407E-A947-70E740481C1C}">
-                <a14:useLocalDpi xmlns:a14="http://schemas.microsoft.com/office/drawing/2010/main" val="0"/>
+                <a14:useLocalDpi xmlns:a14="http://schemas.microsoft.com/office/drawing/2010/main"/>
               </a:ext>
             </a:extLst>
           </a:blip>
-          <a:srcRect/>
           <a:stretch>
             <a:fillRect/>
           </a:stretch>
         </p:blipFill>
-        <p:spPr bwMode="auto">
+        <p:spPr bwMode="gray">
           <a:xfrm>
-            <a:off x="1716437" y="2373608"/>
-            <a:ext cx="913109" cy="913109"/>
+            <a:off x="8813209" y="5655611"/>
+            <a:ext cx="1731976" cy="370540"/>
+          </a:xfrm>
+          <a:prstGeom prst="rect">
+            <a:avLst/>
+          </a:prstGeom>
+        </p:spPr>
+      </p:pic>
+      <p:sp>
+        <p:nvSpPr>
+          <p:cNvPr id="6" name="TextBox 5"/>
+          <p:cNvSpPr txBox="1"/>
+          <p:nvPr/>
+        </p:nvSpPr>
+        <p:spPr>
+          <a:xfrm>
+            <a:off x="2588866" y="5361606"/>
+            <a:ext cx="3018184" cy="861774"/>
           </a:xfrm>
           <a:prstGeom prst="rect">
             <a:avLst/>
           </a:prstGeom>
           <a:noFill/>
-          <a:extLst>
-            <a:ext uri="{909E8E84-426E-40DD-AFC4-6F175D3DCCD1}">
-              <a14:hiddenFill xmlns:a14="http://schemas.microsoft.com/office/drawing/2010/main">
+        </p:spPr>
+        <p:txBody>
+          <a:bodyPr wrap="square" rtlCol="0">
+            <a:spAutoFit/>
+          </a:bodyPr>
+          <a:lstStyle/>
+          <a:p>
+            <a:r>
+              <a:rPr lang="en-US" b="1" dirty="0">
                 <a:solidFill>
-                  <a:srgbClr val="FFFFFF"/>
+                  <a:schemeClr val="accent1">
+                    <a:lumMod val="40000"/>
+                    <a:lumOff val="60000"/>
+                  </a:schemeClr>
                 </a:solidFill>
-              </a14:hiddenFill>
-            </a:ext>
-          </a:extLst>
-        </p:spPr>
-      </p:pic>
-      <p:pic>
-        <p:nvPicPr>
-          <p:cNvPr id="11" name="Picture 2" descr="http://www.freeiconspng.com/uploads/github-logo-icon-30.png">
-            <a:extLst>
-              <a:ext uri="{FF2B5EF4-FFF2-40B4-BE49-F238E27FC236}">
-                <a16:creationId xmlns:a16="http://schemas.microsoft.com/office/drawing/2014/main" id="{A8AAC434-52BC-40A4-A875-D6D8D13E4F93}"/>
-              </a:ext>
-            </a:extLst>
-          </p:cNvPr>
-          <p:cNvPicPr>
-            <a:picLocks noChangeAspect="1" noChangeArrowheads="1"/>
-          </p:cNvPicPr>
-          <p:nvPr/>
-        </p:nvPicPr>
-        <p:blipFill>
-          <a:blip r:embed="rId5">
-            <a:lum bright="70000" contrast="-70000"/>
-            <a:extLst>
-              <a:ext uri="{28A0092B-C50C-407E-A947-70E740481C1C}">
-                <a14:useLocalDpi xmlns:a14="http://schemas.microsoft.com/office/drawing/2010/main" val="0"/>
-              </a:ext>
-            </a:extLst>
-          </a:blip>
-          <a:srcRect/>
-          <a:stretch>
-            <a:fillRect/>
-          </a:stretch>
-        </p:blipFill>
-        <p:spPr bwMode="auto">
-          <a:xfrm>
-            <a:off x="4224828" y="1460499"/>
-            <a:ext cx="913109" cy="913109"/>
-          </a:xfrm>
-          <a:prstGeom prst="rect">
-            <a:avLst/>
-          </a:prstGeom>
-          <a:noFill/>
-          <a:extLst>
-            <a:ext uri="{909E8E84-426E-40DD-AFC4-6F175D3DCCD1}">
-              <a14:hiddenFill xmlns:a14="http://schemas.microsoft.com/office/drawing/2010/main">
-                <a:solidFill>
-                  <a:srgbClr val="FFFFFF"/>
-                </a:solidFill>
-              </a14:hiddenFill>
-            </a:ext>
-          </a:extLst>
-        </p:spPr>
-      </p:pic>
+              </a:rPr>
+              <a:t>Scott Addie</a:t>
+            </a:r>
+          </a:p>
+          <a:p>
+            <a:r>
+              <a:rPr lang="en-US" sz="1600" b="1" dirty="0"/>
+              <a:t>Senior Content Developer</a:t>
+            </a:r>
+          </a:p>
+          <a:p>
+            <a:r>
+              <a:rPr lang="en-US" sz="1600" b="1" dirty="0"/>
+              <a:t>@</a:t>
+            </a:r>
+            <a:r>
+              <a:rPr lang="en-US" sz="1600" b="1" dirty="0" err="1"/>
+              <a:t>Scott_Addie</a:t>
+            </a:r>
+            <a:endParaRPr lang="en-US" sz="1600" b="1" dirty="0"/>
+          </a:p>
+        </p:txBody>
+      </p:sp>
     </p:spTree>
     <p:extLst>
       <p:ext uri="{BB962C8B-B14F-4D97-AF65-F5344CB8AC3E}">
-        <p14:creationId xmlns:p14="http://schemas.microsoft.com/office/powerpoint/2010/main" val="2756341204"/>
+        <p14:creationId xmlns:p14="http://schemas.microsoft.com/office/powerpoint/2010/main" val="253120356"/>
       </p:ext>
     </p:extLst>
   </p:cSld>
@@ -22728,7 +26210,7 @@
 </p:sld>
 </file>
 
-<file path=ppt/slides/slide2.xml><?xml version="1.0" encoding="utf-8"?>
+<file path=ppt/slides/slide5.xml><?xml version="1.0" encoding="utf-8"?>
 <p:sld xmlns:a="http://schemas.openxmlformats.org/drawingml/2006/main" xmlns:r="http://schemas.openxmlformats.org/officeDocument/2006/relationships" xmlns:p="http://schemas.openxmlformats.org/presentationml/2006/main">
   <p:cSld>
     <p:bg>
@@ -23302,7 +26784,7 @@
 </p:sld>
 </file>
 
-<file path=ppt/slides/slide3.xml><?xml version="1.0" encoding="utf-8"?>
+<file path=ppt/slides/slide6.xml><?xml version="1.0" encoding="utf-8"?>
 <p:sld xmlns:a="http://schemas.openxmlformats.org/drawingml/2006/main" xmlns:r="http://schemas.openxmlformats.org/officeDocument/2006/relationships" xmlns:p="http://schemas.openxmlformats.org/presentationml/2006/main">
   <p:cSld>
     <p:bg>
@@ -24463,7 +27945,7 @@
 </p:sld>
 </file>
 
-<file path=ppt/slides/slide4.xml><?xml version="1.0" encoding="utf-8"?>
+<file path=ppt/slides/slide7.xml><?xml version="1.0" encoding="utf-8"?>
 <p:sld xmlns:a="http://schemas.openxmlformats.org/drawingml/2006/main" xmlns:r="http://schemas.openxmlformats.org/officeDocument/2006/relationships" xmlns:p="http://schemas.openxmlformats.org/presentationml/2006/main">
   <p:cSld>
     <p:bg>
@@ -24730,7 +28212,7 @@
 </p:sld>
 </file>
 
-<file path=ppt/slides/slide5.xml><?xml version="1.0" encoding="utf-8"?>
+<file path=ppt/slides/slide8.xml><?xml version="1.0" encoding="utf-8"?>
 <p:sld xmlns:a="http://schemas.openxmlformats.org/drawingml/2006/main" xmlns:r="http://schemas.openxmlformats.org/officeDocument/2006/relationships" xmlns:p="http://schemas.openxmlformats.org/presentationml/2006/main">
   <p:cSld>
     <p:bg>
@@ -24986,7 +28468,7 @@
 </p:sld>
 </file>
 
-<file path=ppt/slides/slide6.xml><?xml version="1.0" encoding="utf-8"?>
+<file path=ppt/slides/slide9.xml><?xml version="1.0" encoding="utf-8"?>
 <p:sld xmlns:a="http://schemas.openxmlformats.org/drawingml/2006/main" xmlns:r="http://schemas.openxmlformats.org/officeDocument/2006/relationships" xmlns:p="http://schemas.openxmlformats.org/presentationml/2006/main">
   <p:cSld>
     <p:bg>
@@ -25498,1417 +28980,6 @@
   <p:clrMapOvr>
     <a:masterClrMapping/>
   </p:clrMapOvr>
-</p:sld>
-</file>
-
-<file path=ppt/slides/slide7.xml><?xml version="1.0" encoding="utf-8"?>
-<p:sld xmlns:a="http://schemas.openxmlformats.org/drawingml/2006/main" xmlns:r="http://schemas.openxmlformats.org/officeDocument/2006/relationships" xmlns:p="http://schemas.openxmlformats.org/presentationml/2006/main">
-  <p:cSld>
-    <p:bg>
-      <p:bgPr>
-        <a:solidFill>
-          <a:schemeClr val="bg1"/>
-        </a:solidFill>
-        <a:effectLst/>
-      </p:bgPr>
-    </p:bg>
-    <p:spTree>
-      <p:nvGrpSpPr>
-        <p:cNvPr id="1" name=""/>
-        <p:cNvGrpSpPr/>
-        <p:nvPr/>
-      </p:nvGrpSpPr>
-      <p:grpSpPr>
-        <a:xfrm>
-          <a:off x="0" y="0"/>
-          <a:ext cx="0" cy="0"/>
-          <a:chOff x="0" y="0"/>
-          <a:chExt cx="0" cy="0"/>
-        </a:xfrm>
-      </p:grpSpPr>
-      <p:sp>
-        <p:nvSpPr>
-          <p:cNvPr id="8" name="Rectangle 7">
-            <a:extLst>
-              <a:ext uri="{FF2B5EF4-FFF2-40B4-BE49-F238E27FC236}">
-                <a16:creationId xmlns:a16="http://schemas.microsoft.com/office/drawing/2014/main" id="{8D70B121-56F4-4848-B38B-182089D909FA}"/>
-              </a:ext>
-            </a:extLst>
-          </p:cNvPr>
-          <p:cNvSpPr>
-            <a:spLocks noGrp="1" noRot="1" noChangeAspect="1" noMove="1" noResize="1" noEditPoints="1" noAdjustHandles="1" noChangeArrowheads="1" noChangeShapeType="1" noTextEdit="1"/>
-          </p:cNvSpPr>
-          <p:nvPr>
-            <p:extLst>
-              <p:ext uri="{386F3935-93C4-4BCD-93E2-E3B085C9AB24}">
-                <p16:designElem xmlns:p16="http://schemas.microsoft.com/office/powerpoint/2015/main" val="1"/>
-              </p:ext>
-            </p:extLst>
-          </p:nvPr>
-        </p:nvSpPr>
-        <p:spPr bwMode="ltGray">
-          <a:xfrm>
-            <a:off x="321564" y="320040"/>
-            <a:ext cx="11548872" cy="6217920"/>
-          </a:xfrm>
-          <a:prstGeom prst="rect">
-            <a:avLst/>
-          </a:prstGeom>
-          <a:solidFill>
-            <a:schemeClr val="tx1">
-              <a:alpha val="8000"/>
-            </a:schemeClr>
-          </a:solidFill>
-          <a:ln w="127000" cap="sq" cmpd="thinThick">
-            <a:noFill/>
-          </a:ln>
-        </p:spPr>
-        <p:style>
-          <a:lnRef idx="2">
-            <a:schemeClr val="accent1">
-              <a:shade val="50000"/>
-            </a:schemeClr>
-          </a:lnRef>
-          <a:fillRef idx="1">
-            <a:schemeClr val="accent1"/>
-          </a:fillRef>
-          <a:effectRef idx="0">
-            <a:schemeClr val="accent1"/>
-          </a:effectRef>
-          <a:fontRef idx="minor">
-            <a:schemeClr val="lt1"/>
-          </a:fontRef>
-        </p:style>
-        <p:txBody>
-          <a:bodyPr rtlCol="0" anchor="ctr"/>
-          <a:lstStyle/>
-          <a:p>
-            <a:pPr algn="ctr"/>
-            <a:endParaRPr lang="en-US"/>
-          </a:p>
-        </p:txBody>
-      </p:sp>
-      <p:cxnSp>
-        <p:nvCxnSpPr>
-          <p:cNvPr id="10" name="Straight Connector 9">
-            <a:extLst>
-              <a:ext uri="{FF2B5EF4-FFF2-40B4-BE49-F238E27FC236}">
-                <a16:creationId xmlns:a16="http://schemas.microsoft.com/office/drawing/2014/main" id="{2D72A2C9-F3CA-4216-8BAD-FA4C970C3C4E}"/>
-              </a:ext>
-            </a:extLst>
-          </p:cNvPr>
-          <p:cNvCxnSpPr>
-            <a:cxnSpLocks noGrp="1" noRot="1" noChangeAspect="1" noMove="1" noResize="1" noEditPoints="1" noAdjustHandles="1" noChangeArrowheads="1" noChangeShapeType="1"/>
-          </p:cNvCxnSpPr>
-          <p:nvPr>
-            <p:extLst>
-              <p:ext uri="{386F3935-93C4-4BCD-93E2-E3B085C9AB24}">
-                <p16:designElem xmlns:p16="http://schemas.microsoft.com/office/powerpoint/2015/main" val="1"/>
-              </p:ext>
-            </p:extLst>
-          </p:nvPr>
-        </p:nvCxnSpPr>
-        <p:spPr>
-          <a:xfrm>
-            <a:off x="4654296" y="2057400"/>
-            <a:ext cx="0" cy="2743200"/>
-          </a:xfrm>
-          <a:prstGeom prst="line">
-            <a:avLst/>
-          </a:prstGeom>
-          <a:ln w="19050">
-            <a:solidFill>
-              <a:schemeClr val="tx1">
-                <a:lumMod val="85000"/>
-                <a:lumOff val="15000"/>
-              </a:schemeClr>
-            </a:solidFill>
-          </a:ln>
-        </p:spPr>
-        <p:style>
-          <a:lnRef idx="1">
-            <a:schemeClr val="accent1"/>
-          </a:lnRef>
-          <a:fillRef idx="0">
-            <a:schemeClr val="accent1"/>
-          </a:fillRef>
-          <a:effectRef idx="0">
-            <a:schemeClr val="accent1"/>
-          </a:effectRef>
-          <a:fontRef idx="minor">
-            <a:schemeClr val="tx1"/>
-          </a:fontRef>
-        </p:style>
-      </p:cxnSp>
-      <p:sp>
-        <p:nvSpPr>
-          <p:cNvPr id="2" name="Title 1"/>
-          <p:cNvSpPr>
-            <a:spLocks noGrp="1"/>
-          </p:cNvSpPr>
-          <p:nvPr>
-            <p:ph type="title"/>
-          </p:nvPr>
-        </p:nvSpPr>
-        <p:spPr>
-          <a:xfrm>
-            <a:off x="838200" y="963877"/>
-            <a:ext cx="3494362" cy="4930246"/>
-          </a:xfrm>
-        </p:spPr>
-        <p:txBody>
-          <a:bodyPr>
-            <a:normAutofit/>
-          </a:bodyPr>
-          <a:lstStyle/>
-          <a:p>
-            <a:pPr algn="r"/>
-            <a:r>
-              <a:rPr lang="en-US">
-                <a:solidFill>
-                  <a:schemeClr val="accent1"/>
-                </a:solidFill>
-              </a:rPr>
-              <a:t>Integration with VS Code</a:t>
-            </a:r>
-          </a:p>
-        </p:txBody>
-      </p:sp>
-      <p:sp>
-        <p:nvSpPr>
-          <p:cNvPr id="3" name="Content Placeholder 2"/>
-          <p:cNvSpPr>
-            <a:spLocks noGrp="1"/>
-          </p:cNvSpPr>
-          <p:nvPr>
-            <p:ph idx="1"/>
-          </p:nvPr>
-        </p:nvSpPr>
-        <p:spPr>
-          <a:xfrm>
-            <a:off x="4976031" y="963877"/>
-            <a:ext cx="6377769" cy="4930246"/>
-          </a:xfrm>
-        </p:spPr>
-        <p:txBody>
-          <a:bodyPr anchor="ctr">
-            <a:normAutofit/>
-          </a:bodyPr>
-          <a:lstStyle/>
-          <a:p>
-            <a:r>
-              <a:rPr lang="en-US" sz="2400" dirty="0"/>
-              <a:t>Consistent experience on all platforms</a:t>
-            </a:r>
-          </a:p>
-          <a:p>
-            <a:r>
-              <a:rPr lang="en-US" sz="2400" dirty="0"/>
-              <a:t>Extensions:</a:t>
-            </a:r>
-          </a:p>
-          <a:p>
-            <a:pPr lvl="1"/>
-            <a:r>
-              <a:rPr lang="en-US" sz="2000" dirty="0"/>
-              <a:t>C# (</a:t>
-            </a:r>
-            <a:r>
-              <a:rPr lang="en-US" sz="2000" dirty="0" err="1"/>
-              <a:t>OmniSharp</a:t>
-            </a:r>
-            <a:r>
-              <a:rPr lang="en-US" sz="2000" dirty="0"/>
-              <a:t>)</a:t>
-            </a:r>
-          </a:p>
-          <a:p>
-            <a:pPr lvl="1"/>
-            <a:r>
-              <a:rPr lang="en-US" sz="2000" dirty="0"/>
-              <a:t>Azure CLI Tools</a:t>
-            </a:r>
-          </a:p>
-          <a:p>
-            <a:r>
-              <a:rPr lang="en-US" sz="2400" dirty="0"/>
-              <a:t>Use with…</a:t>
-            </a:r>
-          </a:p>
-          <a:p>
-            <a:pPr lvl="1"/>
-            <a:r>
-              <a:rPr lang="en-US" sz="2000" dirty="0"/>
-              <a:t>Command Palette</a:t>
-            </a:r>
-          </a:p>
-          <a:p>
-            <a:pPr lvl="1"/>
-            <a:r>
-              <a:rPr lang="en-US" sz="2000" dirty="0"/>
-              <a:t>Integrated Terminal</a:t>
-            </a:r>
-          </a:p>
-          <a:p>
-            <a:pPr lvl="1"/>
-            <a:r>
-              <a:rPr lang="en-US" sz="2000" dirty="0"/>
-              <a:t>Tasks</a:t>
-            </a:r>
-            <a:endParaRPr lang="en-US" sz="2400" dirty="0"/>
-          </a:p>
-        </p:txBody>
-      </p:sp>
-    </p:spTree>
-    <p:extLst>
-      <p:ext uri="{BB962C8B-B14F-4D97-AF65-F5344CB8AC3E}">
-        <p14:creationId xmlns:p14="http://schemas.microsoft.com/office/powerpoint/2010/main" val="1735316122"/>
-      </p:ext>
-    </p:extLst>
-  </p:cSld>
-  <p:clrMapOvr>
-    <a:masterClrMapping/>
-  </p:clrMapOvr>
-  <p:timing>
-    <p:tnLst>
-      <p:par>
-        <p:cTn id="1" dur="indefinite" restart="never" nodeType="tmRoot">
-          <p:childTnLst>
-            <p:seq concurrent="1" nextAc="seek">
-              <p:cTn id="2" dur="indefinite" nodeType="mainSeq">
-                <p:childTnLst>
-                  <p:par>
-                    <p:cTn id="3" fill="hold">
-                      <p:stCondLst>
-                        <p:cond delay="indefinite"/>
-                      </p:stCondLst>
-                      <p:childTnLst>
-                        <p:par>
-                          <p:cTn id="4" fill="hold">
-                            <p:stCondLst>
-                              <p:cond delay="0"/>
-                            </p:stCondLst>
-                            <p:childTnLst>
-                              <p:par>
-                                <p:cTn id="5" presetID="10" presetClass="entr" presetSubtype="0" fill="hold" nodeType="clickEffect">
-                                  <p:stCondLst>
-                                    <p:cond delay="0"/>
-                                  </p:stCondLst>
-                                  <p:childTnLst>
-                                    <p:set>
-                                      <p:cBhvr>
-                                        <p:cTn id="6" dur="1" fill="hold">
-                                          <p:stCondLst>
-                                            <p:cond delay="0"/>
-                                          </p:stCondLst>
-                                        </p:cTn>
-                                        <p:tgtEl>
-                                          <p:spTgt spid="3">
-                                            <p:txEl>
-                                              <p:pRg st="0" end="0"/>
-                                            </p:txEl>
-                                          </p:spTgt>
-                                        </p:tgtEl>
-                                        <p:attrNameLst>
-                                          <p:attrName>style.visibility</p:attrName>
-                                        </p:attrNameLst>
-                                      </p:cBhvr>
-                                      <p:to>
-                                        <p:strVal val="visible"/>
-                                      </p:to>
-                                    </p:set>
-                                    <p:animEffect transition="in" filter="fade">
-                                      <p:cBhvr>
-                                        <p:cTn id="7" dur="500"/>
-                                        <p:tgtEl>
-                                          <p:spTgt spid="3">
-                                            <p:txEl>
-                                              <p:pRg st="0" end="0"/>
-                                            </p:txEl>
-                                          </p:spTgt>
-                                        </p:tgtEl>
-                                      </p:cBhvr>
-                                    </p:animEffect>
-                                  </p:childTnLst>
-                                </p:cTn>
-                              </p:par>
-                            </p:childTnLst>
-                          </p:cTn>
-                        </p:par>
-                      </p:childTnLst>
-                    </p:cTn>
-                  </p:par>
-                  <p:par>
-                    <p:cTn id="8" fill="hold">
-                      <p:stCondLst>
-                        <p:cond delay="indefinite"/>
-                      </p:stCondLst>
-                      <p:childTnLst>
-                        <p:par>
-                          <p:cTn id="9" fill="hold">
-                            <p:stCondLst>
-                              <p:cond delay="0"/>
-                            </p:stCondLst>
-                            <p:childTnLst>
-                              <p:par>
-                                <p:cTn id="10" presetID="10" presetClass="entr" presetSubtype="0" fill="hold" nodeType="clickEffect">
-                                  <p:stCondLst>
-                                    <p:cond delay="0"/>
-                                  </p:stCondLst>
-                                  <p:childTnLst>
-                                    <p:set>
-                                      <p:cBhvr>
-                                        <p:cTn id="11" dur="1" fill="hold">
-                                          <p:stCondLst>
-                                            <p:cond delay="0"/>
-                                          </p:stCondLst>
-                                        </p:cTn>
-                                        <p:tgtEl>
-                                          <p:spTgt spid="3">
-                                            <p:txEl>
-                                              <p:pRg st="1" end="1"/>
-                                            </p:txEl>
-                                          </p:spTgt>
-                                        </p:tgtEl>
-                                        <p:attrNameLst>
-                                          <p:attrName>style.visibility</p:attrName>
-                                        </p:attrNameLst>
-                                      </p:cBhvr>
-                                      <p:to>
-                                        <p:strVal val="visible"/>
-                                      </p:to>
-                                    </p:set>
-                                    <p:animEffect transition="in" filter="fade">
-                                      <p:cBhvr>
-                                        <p:cTn id="12" dur="500"/>
-                                        <p:tgtEl>
-                                          <p:spTgt spid="3">
-                                            <p:txEl>
-                                              <p:pRg st="1" end="1"/>
-                                            </p:txEl>
-                                          </p:spTgt>
-                                        </p:tgtEl>
-                                      </p:cBhvr>
-                                    </p:animEffect>
-                                  </p:childTnLst>
-                                </p:cTn>
-                              </p:par>
-                            </p:childTnLst>
-                          </p:cTn>
-                        </p:par>
-                      </p:childTnLst>
-                    </p:cTn>
-                  </p:par>
-                  <p:par>
-                    <p:cTn id="13" fill="hold">
-                      <p:stCondLst>
-                        <p:cond delay="indefinite"/>
-                      </p:stCondLst>
-                      <p:childTnLst>
-                        <p:par>
-                          <p:cTn id="14" fill="hold">
-                            <p:stCondLst>
-                              <p:cond delay="0"/>
-                            </p:stCondLst>
-                            <p:childTnLst>
-                              <p:par>
-                                <p:cTn id="15" presetID="10" presetClass="entr" presetSubtype="0" fill="hold" nodeType="clickEffect">
-                                  <p:stCondLst>
-                                    <p:cond delay="0"/>
-                                  </p:stCondLst>
-                                  <p:childTnLst>
-                                    <p:set>
-                                      <p:cBhvr>
-                                        <p:cTn id="16" dur="1" fill="hold">
-                                          <p:stCondLst>
-                                            <p:cond delay="0"/>
-                                          </p:stCondLst>
-                                        </p:cTn>
-                                        <p:tgtEl>
-                                          <p:spTgt spid="3">
-                                            <p:txEl>
-                                              <p:pRg st="2" end="2"/>
-                                            </p:txEl>
-                                          </p:spTgt>
-                                        </p:tgtEl>
-                                        <p:attrNameLst>
-                                          <p:attrName>style.visibility</p:attrName>
-                                        </p:attrNameLst>
-                                      </p:cBhvr>
-                                      <p:to>
-                                        <p:strVal val="visible"/>
-                                      </p:to>
-                                    </p:set>
-                                    <p:animEffect transition="in" filter="fade">
-                                      <p:cBhvr>
-                                        <p:cTn id="17" dur="500"/>
-                                        <p:tgtEl>
-                                          <p:spTgt spid="3">
-                                            <p:txEl>
-                                              <p:pRg st="2" end="2"/>
-                                            </p:txEl>
-                                          </p:spTgt>
-                                        </p:tgtEl>
-                                      </p:cBhvr>
-                                    </p:animEffect>
-                                  </p:childTnLst>
-                                </p:cTn>
-                              </p:par>
-                            </p:childTnLst>
-                          </p:cTn>
-                        </p:par>
-                      </p:childTnLst>
-                    </p:cTn>
-                  </p:par>
-                  <p:par>
-                    <p:cTn id="18" fill="hold">
-                      <p:stCondLst>
-                        <p:cond delay="indefinite"/>
-                      </p:stCondLst>
-                      <p:childTnLst>
-                        <p:par>
-                          <p:cTn id="19" fill="hold">
-                            <p:stCondLst>
-                              <p:cond delay="0"/>
-                            </p:stCondLst>
-                            <p:childTnLst>
-                              <p:par>
-                                <p:cTn id="20" presetID="10" presetClass="entr" presetSubtype="0" fill="hold" nodeType="clickEffect">
-                                  <p:stCondLst>
-                                    <p:cond delay="0"/>
-                                  </p:stCondLst>
-                                  <p:childTnLst>
-                                    <p:set>
-                                      <p:cBhvr>
-                                        <p:cTn id="21" dur="1" fill="hold">
-                                          <p:stCondLst>
-                                            <p:cond delay="0"/>
-                                          </p:stCondLst>
-                                        </p:cTn>
-                                        <p:tgtEl>
-                                          <p:spTgt spid="3">
-                                            <p:txEl>
-                                              <p:pRg st="3" end="3"/>
-                                            </p:txEl>
-                                          </p:spTgt>
-                                        </p:tgtEl>
-                                        <p:attrNameLst>
-                                          <p:attrName>style.visibility</p:attrName>
-                                        </p:attrNameLst>
-                                      </p:cBhvr>
-                                      <p:to>
-                                        <p:strVal val="visible"/>
-                                      </p:to>
-                                    </p:set>
-                                    <p:animEffect transition="in" filter="fade">
-                                      <p:cBhvr>
-                                        <p:cTn id="22" dur="500"/>
-                                        <p:tgtEl>
-                                          <p:spTgt spid="3">
-                                            <p:txEl>
-                                              <p:pRg st="3" end="3"/>
-                                            </p:txEl>
-                                          </p:spTgt>
-                                        </p:tgtEl>
-                                      </p:cBhvr>
-                                    </p:animEffect>
-                                  </p:childTnLst>
-                                </p:cTn>
-                              </p:par>
-                            </p:childTnLst>
-                          </p:cTn>
-                        </p:par>
-                      </p:childTnLst>
-                    </p:cTn>
-                  </p:par>
-                  <p:par>
-                    <p:cTn id="23" fill="hold">
-                      <p:stCondLst>
-                        <p:cond delay="indefinite"/>
-                      </p:stCondLst>
-                      <p:childTnLst>
-                        <p:par>
-                          <p:cTn id="24" fill="hold">
-                            <p:stCondLst>
-                              <p:cond delay="0"/>
-                            </p:stCondLst>
-                            <p:childTnLst>
-                              <p:par>
-                                <p:cTn id="25" presetID="10" presetClass="entr" presetSubtype="0" fill="hold" nodeType="clickEffect">
-                                  <p:stCondLst>
-                                    <p:cond delay="0"/>
-                                  </p:stCondLst>
-                                  <p:childTnLst>
-                                    <p:set>
-                                      <p:cBhvr>
-                                        <p:cTn id="26" dur="1" fill="hold">
-                                          <p:stCondLst>
-                                            <p:cond delay="0"/>
-                                          </p:stCondLst>
-                                        </p:cTn>
-                                        <p:tgtEl>
-                                          <p:spTgt spid="3">
-                                            <p:txEl>
-                                              <p:pRg st="4" end="4"/>
-                                            </p:txEl>
-                                          </p:spTgt>
-                                        </p:tgtEl>
-                                        <p:attrNameLst>
-                                          <p:attrName>style.visibility</p:attrName>
-                                        </p:attrNameLst>
-                                      </p:cBhvr>
-                                      <p:to>
-                                        <p:strVal val="visible"/>
-                                      </p:to>
-                                    </p:set>
-                                    <p:animEffect transition="in" filter="fade">
-                                      <p:cBhvr>
-                                        <p:cTn id="27" dur="500"/>
-                                        <p:tgtEl>
-                                          <p:spTgt spid="3">
-                                            <p:txEl>
-                                              <p:pRg st="4" end="4"/>
-                                            </p:txEl>
-                                          </p:spTgt>
-                                        </p:tgtEl>
-                                      </p:cBhvr>
-                                    </p:animEffect>
-                                  </p:childTnLst>
-                                </p:cTn>
-                              </p:par>
-                            </p:childTnLst>
-                          </p:cTn>
-                        </p:par>
-                      </p:childTnLst>
-                    </p:cTn>
-                  </p:par>
-                  <p:par>
-                    <p:cTn id="28" fill="hold">
-                      <p:stCondLst>
-                        <p:cond delay="indefinite"/>
-                      </p:stCondLst>
-                      <p:childTnLst>
-                        <p:par>
-                          <p:cTn id="29" fill="hold">
-                            <p:stCondLst>
-                              <p:cond delay="0"/>
-                            </p:stCondLst>
-                            <p:childTnLst>
-                              <p:par>
-                                <p:cTn id="30" presetID="10" presetClass="entr" presetSubtype="0" fill="hold" nodeType="clickEffect">
-                                  <p:stCondLst>
-                                    <p:cond delay="0"/>
-                                  </p:stCondLst>
-                                  <p:childTnLst>
-                                    <p:set>
-                                      <p:cBhvr>
-                                        <p:cTn id="31" dur="1" fill="hold">
-                                          <p:stCondLst>
-                                            <p:cond delay="0"/>
-                                          </p:stCondLst>
-                                        </p:cTn>
-                                        <p:tgtEl>
-                                          <p:spTgt spid="3">
-                                            <p:txEl>
-                                              <p:pRg st="5" end="5"/>
-                                            </p:txEl>
-                                          </p:spTgt>
-                                        </p:tgtEl>
-                                        <p:attrNameLst>
-                                          <p:attrName>style.visibility</p:attrName>
-                                        </p:attrNameLst>
-                                      </p:cBhvr>
-                                      <p:to>
-                                        <p:strVal val="visible"/>
-                                      </p:to>
-                                    </p:set>
-                                    <p:animEffect transition="in" filter="fade">
-                                      <p:cBhvr>
-                                        <p:cTn id="32" dur="500"/>
-                                        <p:tgtEl>
-                                          <p:spTgt spid="3">
-                                            <p:txEl>
-                                              <p:pRg st="5" end="5"/>
-                                            </p:txEl>
-                                          </p:spTgt>
-                                        </p:tgtEl>
-                                      </p:cBhvr>
-                                    </p:animEffect>
-                                  </p:childTnLst>
-                                </p:cTn>
-                              </p:par>
-                            </p:childTnLst>
-                          </p:cTn>
-                        </p:par>
-                      </p:childTnLst>
-                    </p:cTn>
-                  </p:par>
-                  <p:par>
-                    <p:cTn id="33" fill="hold">
-                      <p:stCondLst>
-                        <p:cond delay="indefinite"/>
-                      </p:stCondLst>
-                      <p:childTnLst>
-                        <p:par>
-                          <p:cTn id="34" fill="hold">
-                            <p:stCondLst>
-                              <p:cond delay="0"/>
-                            </p:stCondLst>
-                            <p:childTnLst>
-                              <p:par>
-                                <p:cTn id="35" presetID="10" presetClass="entr" presetSubtype="0" fill="hold" nodeType="clickEffect">
-                                  <p:stCondLst>
-                                    <p:cond delay="0"/>
-                                  </p:stCondLst>
-                                  <p:childTnLst>
-                                    <p:set>
-                                      <p:cBhvr>
-                                        <p:cTn id="36" dur="1" fill="hold">
-                                          <p:stCondLst>
-                                            <p:cond delay="0"/>
-                                          </p:stCondLst>
-                                        </p:cTn>
-                                        <p:tgtEl>
-                                          <p:spTgt spid="3">
-                                            <p:txEl>
-                                              <p:pRg st="6" end="6"/>
-                                            </p:txEl>
-                                          </p:spTgt>
-                                        </p:tgtEl>
-                                        <p:attrNameLst>
-                                          <p:attrName>style.visibility</p:attrName>
-                                        </p:attrNameLst>
-                                      </p:cBhvr>
-                                      <p:to>
-                                        <p:strVal val="visible"/>
-                                      </p:to>
-                                    </p:set>
-                                    <p:animEffect transition="in" filter="fade">
-                                      <p:cBhvr>
-                                        <p:cTn id="37" dur="500"/>
-                                        <p:tgtEl>
-                                          <p:spTgt spid="3">
-                                            <p:txEl>
-                                              <p:pRg st="6" end="6"/>
-                                            </p:txEl>
-                                          </p:spTgt>
-                                        </p:tgtEl>
-                                      </p:cBhvr>
-                                    </p:animEffect>
-                                  </p:childTnLst>
-                                </p:cTn>
-                              </p:par>
-                            </p:childTnLst>
-                          </p:cTn>
-                        </p:par>
-                      </p:childTnLst>
-                    </p:cTn>
-                  </p:par>
-                  <p:par>
-                    <p:cTn id="38" fill="hold">
-                      <p:stCondLst>
-                        <p:cond delay="indefinite"/>
-                      </p:stCondLst>
-                      <p:childTnLst>
-                        <p:par>
-                          <p:cTn id="39" fill="hold">
-                            <p:stCondLst>
-                              <p:cond delay="0"/>
-                            </p:stCondLst>
-                            <p:childTnLst>
-                              <p:par>
-                                <p:cTn id="40" presetID="10" presetClass="entr" presetSubtype="0" fill="hold" nodeType="clickEffect">
-                                  <p:stCondLst>
-                                    <p:cond delay="0"/>
-                                  </p:stCondLst>
-                                  <p:childTnLst>
-                                    <p:set>
-                                      <p:cBhvr>
-                                        <p:cTn id="41" dur="1" fill="hold">
-                                          <p:stCondLst>
-                                            <p:cond delay="0"/>
-                                          </p:stCondLst>
-                                        </p:cTn>
-                                        <p:tgtEl>
-                                          <p:spTgt spid="3">
-                                            <p:txEl>
-                                              <p:pRg st="7" end="7"/>
-                                            </p:txEl>
-                                          </p:spTgt>
-                                        </p:tgtEl>
-                                        <p:attrNameLst>
-                                          <p:attrName>style.visibility</p:attrName>
-                                        </p:attrNameLst>
-                                      </p:cBhvr>
-                                      <p:to>
-                                        <p:strVal val="visible"/>
-                                      </p:to>
-                                    </p:set>
-                                    <p:animEffect transition="in" filter="fade">
-                                      <p:cBhvr>
-                                        <p:cTn id="42" dur="500"/>
-                                        <p:tgtEl>
-                                          <p:spTgt spid="3">
-                                            <p:txEl>
-                                              <p:pRg st="7" end="7"/>
-                                            </p:txEl>
-                                          </p:spTgt>
-                                        </p:tgtEl>
-                                      </p:cBhvr>
-                                    </p:animEffect>
-                                  </p:childTnLst>
-                                </p:cTn>
-                              </p:par>
-                            </p:childTnLst>
-                          </p:cTn>
-                        </p:par>
-                      </p:childTnLst>
-                    </p:cTn>
-                  </p:par>
-                </p:childTnLst>
-              </p:cTn>
-              <p:prevCondLst>
-                <p:cond evt="onPrev" delay="0">
-                  <p:tgtEl>
-                    <p:sldTgt/>
-                  </p:tgtEl>
-                </p:cond>
-              </p:prevCondLst>
-              <p:nextCondLst>
-                <p:cond evt="onNext" delay="0">
-                  <p:tgtEl>
-                    <p:sldTgt/>
-                  </p:tgtEl>
-                </p:cond>
-              </p:nextCondLst>
-            </p:seq>
-          </p:childTnLst>
-        </p:cTn>
-      </p:par>
-    </p:tnLst>
-  </p:timing>
-</p:sld>
-</file>
-
-<file path=ppt/slides/slide8.xml><?xml version="1.0" encoding="utf-8"?>
-<p:sld xmlns:a="http://schemas.openxmlformats.org/drawingml/2006/main" xmlns:r="http://schemas.openxmlformats.org/officeDocument/2006/relationships" xmlns:p="http://schemas.openxmlformats.org/presentationml/2006/main">
-  <p:cSld>
-    <p:bg>
-      <p:bgPr>
-        <a:solidFill>
-          <a:schemeClr val="bg1"/>
-        </a:solidFill>
-        <a:effectLst/>
-      </p:bgPr>
-    </p:bg>
-    <p:spTree>
-      <p:nvGrpSpPr>
-        <p:cNvPr id="1" name=""/>
-        <p:cNvGrpSpPr/>
-        <p:nvPr/>
-      </p:nvGrpSpPr>
-      <p:grpSpPr>
-        <a:xfrm>
-          <a:off x="0" y="0"/>
-          <a:ext cx="0" cy="0"/>
-          <a:chOff x="0" y="0"/>
-          <a:chExt cx="0" cy="0"/>
-        </a:xfrm>
-      </p:grpSpPr>
-      <p:pic>
-        <p:nvPicPr>
-          <p:cNvPr id="3" name="Picture 2">
-            <a:extLst>
-              <a:ext uri="{FF2B5EF4-FFF2-40B4-BE49-F238E27FC236}">
-                <a16:creationId xmlns:a16="http://schemas.microsoft.com/office/drawing/2014/main" id="{5270840F-C26C-442D-89C2-544503FCA346}"/>
-              </a:ext>
-            </a:extLst>
-          </p:cNvPr>
-          <p:cNvPicPr>
-            <a:picLocks noChangeAspect="1"/>
-          </p:cNvPicPr>
-          <p:nvPr/>
-        </p:nvPicPr>
-        <p:blipFill>
-          <a:blip r:embed="rId3"/>
-          <a:stretch>
-            <a:fillRect/>
-          </a:stretch>
-        </p:blipFill>
-        <p:spPr>
-          <a:xfrm>
-            <a:off x="3090055" y="-1"/>
-            <a:ext cx="9101945" cy="6858000"/>
-          </a:xfrm>
-          <a:prstGeom prst="rect">
-            <a:avLst/>
-          </a:prstGeom>
-        </p:spPr>
-      </p:pic>
-      <p:sp>
-        <p:nvSpPr>
-          <p:cNvPr id="22" name="Freeform: Shape 21">
-            <a:extLst>
-              <a:ext uri="{FF2B5EF4-FFF2-40B4-BE49-F238E27FC236}">
-                <a16:creationId xmlns:a16="http://schemas.microsoft.com/office/drawing/2014/main" id="{64965EAE-E41A-435F-B993-07E824B6C977}"/>
-              </a:ext>
-            </a:extLst>
-          </p:cNvPr>
-          <p:cNvSpPr>
-            <a:spLocks noGrp="1" noRot="1" noChangeAspect="1" noMove="1" noResize="1" noEditPoints="1" noAdjustHandles="1" noChangeArrowheads="1" noChangeShapeType="1" noTextEdit="1"/>
-          </p:cNvSpPr>
-          <p:nvPr>
-            <p:extLst>
-              <p:ext uri="{386F3935-93C4-4BCD-93E2-E3B085C9AB24}">
-                <p16:designElem xmlns:p16="http://schemas.microsoft.com/office/powerpoint/2015/main" val="1"/>
-              </p:ext>
-            </p:extLst>
-          </p:nvPr>
-        </p:nvSpPr>
-        <p:spPr>
-          <a:xfrm flipV="1">
-            <a:off x="1" y="0"/>
-            <a:ext cx="7539895" cy="6858000"/>
-          </a:xfrm>
-          <a:custGeom>
-            <a:avLst/>
-            <a:gdLst>
-              <a:gd name="connsiteX0" fmla="*/ 7539895 w 7539895"/>
-              <a:gd name="connsiteY0" fmla="*/ 6858000 h 6858000"/>
-              <a:gd name="connsiteX1" fmla="*/ 0 w 7539895"/>
-              <a:gd name="connsiteY1" fmla="*/ 6858000 h 6858000"/>
-              <a:gd name="connsiteX2" fmla="*/ 0 w 7539895"/>
-              <a:gd name="connsiteY2" fmla="*/ 0 h 6858000"/>
-              <a:gd name="connsiteX3" fmla="*/ 4363741 w 7539895"/>
-              <a:gd name="connsiteY3" fmla="*/ 0 h 6858000"/>
-            </a:gdLst>
-            <a:ahLst/>
-            <a:cxnLst>
-              <a:cxn ang="0">
-                <a:pos x="connsiteX0" y="connsiteY0"/>
-              </a:cxn>
-              <a:cxn ang="0">
-                <a:pos x="connsiteX1" y="connsiteY1"/>
-              </a:cxn>
-              <a:cxn ang="0">
-                <a:pos x="connsiteX2" y="connsiteY2"/>
-              </a:cxn>
-              <a:cxn ang="0">
-                <a:pos x="connsiteX3" y="connsiteY3"/>
-              </a:cxn>
-            </a:cxnLst>
-            <a:rect l="l" t="t" r="r" b="b"/>
-            <a:pathLst>
-              <a:path w="7539895" h="6858000">
-                <a:moveTo>
-                  <a:pt x="7539895" y="6858000"/>
-                </a:moveTo>
-                <a:lnTo>
-                  <a:pt x="0" y="6858000"/>
-                </a:lnTo>
-                <a:lnTo>
-                  <a:pt x="0" y="0"/>
-                </a:lnTo>
-                <a:lnTo>
-                  <a:pt x="4363741" y="0"/>
-                </a:lnTo>
-                <a:close/>
-              </a:path>
-            </a:pathLst>
-          </a:custGeom>
-          <a:solidFill>
-            <a:schemeClr val="tx1">
-              <a:lumMod val="85000"/>
-              <a:lumOff val="15000"/>
-              <a:alpha val="70000"/>
-            </a:schemeClr>
-          </a:solidFill>
-          <a:ln>
-            <a:noFill/>
-          </a:ln>
-        </p:spPr>
-        <p:style>
-          <a:lnRef idx="2">
-            <a:schemeClr val="accent1">
-              <a:shade val="50000"/>
-            </a:schemeClr>
-          </a:lnRef>
-          <a:fillRef idx="1">
-            <a:schemeClr val="accent1"/>
-          </a:fillRef>
-          <a:effectRef idx="0">
-            <a:schemeClr val="accent1"/>
-          </a:effectRef>
-          <a:fontRef idx="minor">
-            <a:schemeClr val="lt1"/>
-          </a:fontRef>
-        </p:style>
-        <p:txBody>
-          <a:bodyPr wrap="square" rtlCol="0" anchor="ctr">
-            <a:noAutofit/>
-          </a:bodyPr>
-          <a:lstStyle/>
-          <a:p>
-            <a:pPr algn="ctr"/>
-            <a:endParaRPr lang="en-US"/>
-          </a:p>
-        </p:txBody>
-      </p:sp>
-      <p:sp>
-        <p:nvSpPr>
-          <p:cNvPr id="24" name="Freeform: Shape 23">
-            <a:extLst>
-              <a:ext uri="{FF2B5EF4-FFF2-40B4-BE49-F238E27FC236}">
-                <a16:creationId xmlns:a16="http://schemas.microsoft.com/office/drawing/2014/main" id="{152F8994-E6D4-4311-9548-C3607BC43645}"/>
-              </a:ext>
-            </a:extLst>
-          </p:cNvPr>
-          <p:cNvSpPr>
-            <a:spLocks noGrp="1" noRot="1" noChangeAspect="1" noMove="1" noResize="1" noEditPoints="1" noAdjustHandles="1" noChangeArrowheads="1" noChangeShapeType="1" noTextEdit="1"/>
-          </p:cNvSpPr>
-          <p:nvPr>
-            <p:extLst>
-              <p:ext uri="{386F3935-93C4-4BCD-93E2-E3B085C9AB24}">
-                <p16:designElem xmlns:p16="http://schemas.microsoft.com/office/powerpoint/2015/main" val="1"/>
-              </p:ext>
-            </p:extLst>
-          </p:nvPr>
-        </p:nvSpPr>
-        <p:spPr>
-          <a:xfrm flipV="1">
-            <a:off x="0" y="0"/>
-            <a:ext cx="7092985" cy="6858000"/>
-          </a:xfrm>
-          <a:custGeom>
-            <a:avLst/>
-            <a:gdLst>
-              <a:gd name="connsiteX0" fmla="*/ 7092985 w 7092985"/>
-              <a:gd name="connsiteY0" fmla="*/ 6858000 h 6858000"/>
-              <a:gd name="connsiteX1" fmla="*/ 0 w 7092985"/>
-              <a:gd name="connsiteY1" fmla="*/ 6858000 h 6858000"/>
-              <a:gd name="connsiteX2" fmla="*/ 0 w 7092985"/>
-              <a:gd name="connsiteY2" fmla="*/ 0 h 6858000"/>
-              <a:gd name="connsiteX3" fmla="*/ 3916831 w 7092985"/>
-              <a:gd name="connsiteY3" fmla="*/ 0 h 6858000"/>
-            </a:gdLst>
-            <a:ahLst/>
-            <a:cxnLst>
-              <a:cxn ang="0">
-                <a:pos x="connsiteX0" y="connsiteY0"/>
-              </a:cxn>
-              <a:cxn ang="0">
-                <a:pos x="connsiteX1" y="connsiteY1"/>
-              </a:cxn>
-              <a:cxn ang="0">
-                <a:pos x="connsiteX2" y="connsiteY2"/>
-              </a:cxn>
-              <a:cxn ang="0">
-                <a:pos x="connsiteX3" y="connsiteY3"/>
-              </a:cxn>
-            </a:cxnLst>
-            <a:rect l="l" t="t" r="r" b="b"/>
-            <a:pathLst>
-              <a:path w="7092985" h="6858000">
-                <a:moveTo>
-                  <a:pt x="7092985" y="6858000"/>
-                </a:moveTo>
-                <a:lnTo>
-                  <a:pt x="0" y="6858000"/>
-                </a:lnTo>
-                <a:lnTo>
-                  <a:pt x="0" y="0"/>
-                </a:lnTo>
-                <a:lnTo>
-                  <a:pt x="3916831" y="0"/>
-                </a:lnTo>
-                <a:close/>
-              </a:path>
-            </a:pathLst>
-          </a:custGeom>
-          <a:solidFill>
-            <a:schemeClr val="tx1">
-              <a:lumMod val="85000"/>
-              <a:lumOff val="15000"/>
-            </a:schemeClr>
-          </a:solidFill>
-          <a:ln>
-            <a:noFill/>
-          </a:ln>
-        </p:spPr>
-        <p:style>
-          <a:lnRef idx="2">
-            <a:schemeClr val="accent1">
-              <a:shade val="50000"/>
-            </a:schemeClr>
-          </a:lnRef>
-          <a:fillRef idx="1">
-            <a:schemeClr val="accent1"/>
-          </a:fillRef>
-          <a:effectRef idx="0">
-            <a:schemeClr val="accent1"/>
-          </a:effectRef>
-          <a:fontRef idx="minor">
-            <a:schemeClr val="lt1"/>
-          </a:fontRef>
-        </p:style>
-        <p:txBody>
-          <a:bodyPr wrap="square" rtlCol="0" anchor="ctr">
-            <a:noAutofit/>
-          </a:bodyPr>
-          <a:lstStyle/>
-          <a:p>
-            <a:pPr algn="ctr"/>
-            <a:endParaRPr lang="en-US"/>
-          </a:p>
-        </p:txBody>
-      </p:sp>
-      <p:sp>
-        <p:nvSpPr>
-          <p:cNvPr id="8" name="Title 7">
-            <a:extLst>
-              <a:ext uri="{FF2B5EF4-FFF2-40B4-BE49-F238E27FC236}">
-                <a16:creationId xmlns:a16="http://schemas.microsoft.com/office/drawing/2014/main" id="{9AAF6E53-C7E3-404C-8C15-A04C67BE1A24}"/>
-              </a:ext>
-            </a:extLst>
-          </p:cNvPr>
-          <p:cNvSpPr>
-            <a:spLocks noGrp="1"/>
-          </p:cNvSpPr>
-          <p:nvPr>
-            <p:ph type="title"/>
-          </p:nvPr>
-        </p:nvSpPr>
-        <p:spPr>
-          <a:xfrm>
-            <a:off x="838199" y="365125"/>
-            <a:ext cx="5529943" cy="1325563"/>
-          </a:xfrm>
-        </p:spPr>
-        <p:txBody>
-          <a:bodyPr>
-            <a:normAutofit/>
-          </a:bodyPr>
-          <a:lstStyle/>
-          <a:p>
-            <a:r>
-              <a:rPr lang="en-US">
-                <a:solidFill>
-                  <a:schemeClr val="bg1"/>
-                </a:solidFill>
-              </a:rPr>
-              <a:t>VS Code DEMO</a:t>
-            </a:r>
-          </a:p>
-        </p:txBody>
-      </p:sp>
-      <p:sp>
-        <p:nvSpPr>
-          <p:cNvPr id="21" name="Content Placeholder 18">
-            <a:extLst>
-              <a:ext uri="{FF2B5EF4-FFF2-40B4-BE49-F238E27FC236}">
-                <a16:creationId xmlns:a16="http://schemas.microsoft.com/office/drawing/2014/main" id="{74E7A070-D35D-4F51-A17C-F0F85E45F25A}"/>
-              </a:ext>
-            </a:extLst>
-          </p:cNvPr>
-          <p:cNvSpPr>
-            <a:spLocks noGrp="1"/>
-          </p:cNvSpPr>
-          <p:nvPr>
-            <p:ph idx="1"/>
-          </p:nvPr>
-        </p:nvSpPr>
-        <p:spPr>
-          <a:xfrm>
-            <a:off x="838199" y="1825625"/>
-            <a:ext cx="4128169" cy="3399518"/>
-          </a:xfrm>
-        </p:spPr>
-        <p:txBody>
-          <a:bodyPr>
-            <a:normAutofit/>
-          </a:bodyPr>
-          <a:lstStyle/>
-          <a:p>
-            <a:endParaRPr lang="en-US" sz="2000">
-              <a:solidFill>
-                <a:schemeClr val="bg1"/>
-              </a:solidFill>
-            </a:endParaRPr>
-          </a:p>
-        </p:txBody>
-      </p:sp>
-      <p:pic>
-        <p:nvPicPr>
-          <p:cNvPr id="17" name="Content Placeholder 10">
-            <a:extLst>
-              <a:ext uri="{FF2B5EF4-FFF2-40B4-BE49-F238E27FC236}">
-                <a16:creationId xmlns:a16="http://schemas.microsoft.com/office/drawing/2014/main" id="{65A7D466-8CEF-4FDA-864F-09BC3FFAA26D}"/>
-              </a:ext>
-            </a:extLst>
-          </p:cNvPr>
-          <p:cNvPicPr>
-            <a:picLocks noChangeAspect="1"/>
-          </p:cNvPicPr>
-          <p:nvPr/>
-        </p:nvPicPr>
-        <p:blipFill>
-          <a:blip r:embed="rId4">
-            <a:extLst>
-              <a:ext uri="{28A0092B-C50C-407E-A947-70E740481C1C}">
-                <a14:useLocalDpi xmlns:a14="http://schemas.microsoft.com/office/drawing/2010/main" val="0"/>
-              </a:ext>
-            </a:extLst>
-          </a:blip>
-          <a:stretch>
-            <a:fillRect/>
-          </a:stretch>
-        </p:blipFill>
-        <p:spPr>
-          <a:xfrm>
-            <a:off x="1383499" y="2016769"/>
-            <a:ext cx="2835804" cy="2824461"/>
-          </a:xfrm>
-          <a:prstGeom prst="rect">
-            <a:avLst/>
-          </a:prstGeom>
-        </p:spPr>
-      </p:pic>
-    </p:spTree>
-    <p:extLst>
-      <p:ext uri="{BB962C8B-B14F-4D97-AF65-F5344CB8AC3E}">
-        <p14:creationId xmlns:p14="http://schemas.microsoft.com/office/powerpoint/2010/main" val="682550062"/>
-      </p:ext>
-    </p:extLst>
-  </p:cSld>
-  <p:clrMapOvr>
-    <a:masterClrMapping/>
-  </p:clrMapOvr>
-</p:sld>
-</file>
-
-<file path=ppt/slides/slide9.xml><?xml version="1.0" encoding="utf-8"?>
-<p:sld xmlns:a="http://schemas.openxmlformats.org/drawingml/2006/main" xmlns:r="http://schemas.openxmlformats.org/officeDocument/2006/relationships" xmlns:p="http://schemas.openxmlformats.org/presentationml/2006/main">
-  <p:cSld>
-    <p:spTree>
-      <p:nvGrpSpPr>
-        <p:cNvPr id="1" name=""/>
-        <p:cNvGrpSpPr/>
-        <p:nvPr/>
-      </p:nvGrpSpPr>
-      <p:grpSpPr>
-        <a:xfrm>
-          <a:off x="0" y="0"/>
-          <a:ext cx="0" cy="0"/>
-          <a:chOff x="0" y="0"/>
-          <a:chExt cx="0" cy="0"/>
-        </a:xfrm>
-      </p:grpSpPr>
-      <p:sp>
-        <p:nvSpPr>
-          <p:cNvPr id="2" name="Title 1">
-            <a:extLst>
-              <a:ext uri="{FF2B5EF4-FFF2-40B4-BE49-F238E27FC236}">
-                <a16:creationId xmlns:a16="http://schemas.microsoft.com/office/drawing/2014/main" id="{AF8C38E8-D06A-497A-A16C-C282B25F9677}"/>
-              </a:ext>
-            </a:extLst>
-          </p:cNvPr>
-          <p:cNvSpPr>
-            <a:spLocks noGrp="1"/>
-          </p:cNvSpPr>
-          <p:nvPr>
-            <p:ph type="title"/>
-          </p:nvPr>
-        </p:nvSpPr>
-        <p:spPr/>
-        <p:txBody>
-          <a:bodyPr/>
-          <a:lstStyle/>
-          <a:p>
-            <a:r>
-              <a:rPr lang="en-US" dirty="0"/>
-              <a:t>Right-click &gt; </a:t>
-            </a:r>
-            <a:r>
-              <a:rPr lang="en-US" b="1" dirty="0"/>
-              <a:t>Add</a:t>
-            </a:r>
-            <a:r>
-              <a:rPr lang="en-US" dirty="0"/>
-              <a:t> &gt; </a:t>
-            </a:r>
-            <a:r>
-              <a:rPr lang="en-US" b="1" dirty="0"/>
-              <a:t>New Item…</a:t>
-            </a:r>
-            <a:r>
-              <a:rPr lang="en-US" dirty="0"/>
-              <a:t>?</a:t>
-            </a:r>
-          </a:p>
-        </p:txBody>
-      </p:sp>
-      <p:pic>
-        <p:nvPicPr>
-          <p:cNvPr id="4" name="Content Placeholder 3">
-            <a:extLst>
-              <a:ext uri="{FF2B5EF4-FFF2-40B4-BE49-F238E27FC236}">
-                <a16:creationId xmlns:a16="http://schemas.microsoft.com/office/drawing/2014/main" id="{665F4A03-A951-434F-8541-A47FD05E9CA5}"/>
-              </a:ext>
-            </a:extLst>
-          </p:cNvPr>
-          <p:cNvPicPr>
-            <a:picLocks noGrp="1" noChangeAspect="1"/>
-          </p:cNvPicPr>
-          <p:nvPr>
-            <p:ph idx="1"/>
-          </p:nvPr>
-        </p:nvPicPr>
-        <p:blipFill>
-          <a:blip r:embed="rId3"/>
-          <a:stretch>
-            <a:fillRect/>
-          </a:stretch>
-        </p:blipFill>
-        <p:spPr>
-          <a:xfrm>
-            <a:off x="838200" y="1690688"/>
-            <a:ext cx="6010275" cy="3676650"/>
-          </a:xfrm>
-          <a:prstGeom prst="rect">
-            <a:avLst/>
-          </a:prstGeom>
-        </p:spPr>
-      </p:pic>
-      <p:pic>
-        <p:nvPicPr>
-          <p:cNvPr id="5" name="Picture 4">
-            <a:extLst>
-              <a:ext uri="{FF2B5EF4-FFF2-40B4-BE49-F238E27FC236}">
-                <a16:creationId xmlns:a16="http://schemas.microsoft.com/office/drawing/2014/main" id="{DADAC619-0DD2-49EC-B7AC-A6FDC259BADB}"/>
-              </a:ext>
-            </a:extLst>
-          </p:cNvPr>
-          <p:cNvPicPr>
-            <a:picLocks noChangeAspect="1"/>
-          </p:cNvPicPr>
-          <p:nvPr/>
-        </p:nvPicPr>
-        <p:blipFill>
-          <a:blip r:embed="rId4"/>
-          <a:stretch>
-            <a:fillRect/>
-          </a:stretch>
-        </p:blipFill>
-        <p:spPr>
-          <a:xfrm>
-            <a:off x="3867150" y="1690688"/>
-            <a:ext cx="7486650" cy="4705350"/>
-          </a:xfrm>
-          <a:prstGeom prst="rect">
-            <a:avLst/>
-          </a:prstGeom>
-          <a:effectLst>
-            <a:outerShdw blurRad="50800" dist="38100" dir="10800000" algn="r" rotWithShape="0">
-              <a:prstClr val="black">
-                <a:alpha val="40000"/>
-              </a:prstClr>
-            </a:outerShdw>
-          </a:effectLst>
-        </p:spPr>
-      </p:pic>
-    </p:spTree>
-    <p:extLst>
-      <p:ext uri="{BB962C8B-B14F-4D97-AF65-F5344CB8AC3E}">
-        <p14:creationId xmlns:p14="http://schemas.microsoft.com/office/powerpoint/2010/main" val="2952193042"/>
-      </p:ext>
-    </p:extLst>
-  </p:cSld>
-  <p:clrMapOvr>
-    <a:masterClrMapping/>
-  </p:clrMapOvr>
-  <p:timing>
-    <p:tnLst>
-      <p:par>
-        <p:cTn id="1" dur="indefinite" restart="never" nodeType="tmRoot">
-          <p:childTnLst>
-            <p:seq concurrent="1" nextAc="seek">
-              <p:cTn id="2" dur="indefinite" nodeType="mainSeq">
-                <p:childTnLst>
-                  <p:par>
-                    <p:cTn id="3" fill="hold">
-                      <p:stCondLst>
-                        <p:cond delay="indefinite"/>
-                      </p:stCondLst>
-                      <p:childTnLst>
-                        <p:par>
-                          <p:cTn id="4" fill="hold">
-                            <p:stCondLst>
-                              <p:cond delay="0"/>
-                            </p:stCondLst>
-                            <p:childTnLst>
-                              <p:par>
-                                <p:cTn id="5" presetID="10" presetClass="entr" presetSubtype="0" fill="hold" nodeType="clickEffect">
-                                  <p:stCondLst>
-                                    <p:cond delay="0"/>
-                                  </p:stCondLst>
-                                  <p:childTnLst>
-                                    <p:set>
-                                      <p:cBhvr>
-                                        <p:cTn id="6" dur="1" fill="hold">
-                                          <p:stCondLst>
-                                            <p:cond delay="0"/>
-                                          </p:stCondLst>
-                                        </p:cTn>
-                                        <p:tgtEl>
-                                          <p:spTgt spid="5"/>
-                                        </p:tgtEl>
-                                        <p:attrNameLst>
-                                          <p:attrName>style.visibility</p:attrName>
-                                        </p:attrNameLst>
-                                      </p:cBhvr>
-                                      <p:to>
-                                        <p:strVal val="visible"/>
-                                      </p:to>
-                                    </p:set>
-                                    <p:animEffect transition="in" filter="fade">
-                                      <p:cBhvr>
-                                        <p:cTn id="7" dur="500"/>
-                                        <p:tgtEl>
-                                          <p:spTgt spid="5"/>
-                                        </p:tgtEl>
-                                      </p:cBhvr>
-                                    </p:animEffect>
-                                  </p:childTnLst>
-                                </p:cTn>
-                              </p:par>
-                            </p:childTnLst>
-                          </p:cTn>
-                        </p:par>
-                      </p:childTnLst>
-                    </p:cTn>
-                  </p:par>
-                </p:childTnLst>
-              </p:cTn>
-              <p:prevCondLst>
-                <p:cond evt="onPrev" delay="0">
-                  <p:tgtEl>
-                    <p:sldTgt/>
-                  </p:tgtEl>
-                </p:cond>
-              </p:prevCondLst>
-              <p:nextCondLst>
-                <p:cond evt="onNext" delay="0">
-                  <p:tgtEl>
-                    <p:sldTgt/>
-                  </p:tgtEl>
-                </p:cond>
-              </p:nextCondLst>
-            </p:seq>
-          </p:childTnLst>
-        </p:cTn>
-      </p:par>
-    </p:tnLst>
-  </p:timing>
 </p:sld>
 </file>
 

--- a/Tour de .NET Core CLI.pptx
+++ b/Tour de .NET Core CLI.pptx
@@ -6,7 +6,7 @@
     <p:sldMasterId id="2147483847" r:id="rId2"/>
   </p:sldMasterIdLst>
   <p:notesMasterIdLst>
-    <p:notesMasterId r:id="rId22"/>
+    <p:notesMasterId r:id="rId23"/>
   </p:notesMasterIdLst>
   <p:sldIdLst>
     <p:sldId id="366" r:id="rId3"/>
@@ -26,33 +26,14 @@
     <p:sldId id="351" r:id="rId17"/>
     <p:sldId id="360" r:id="rId18"/>
     <p:sldId id="350" r:id="rId19"/>
-    <p:sldId id="355" r:id="rId20"/>
-    <p:sldId id="356" r:id="rId21"/>
+    <p:sldId id="367" r:id="rId20"/>
+    <p:sldId id="368" r:id="rId21"/>
+    <p:sldId id="356" r:id="rId22"/>
   </p:sldIdLst>
   <p:sldSz cx="12192000" cy="6858000"/>
   <p:notesSz cx="6858000" cy="9144000"/>
   <p:custShowLst>
-    <p:custShow name="Main Slides" id="0">
-      <p:sldLst>
-        <p:sld r:id="rId6"/>
-        <p:sld r:id="rId7"/>
-        <p:sld r:id="rId8"/>
-        <p:sld r:id="rId9"/>
-        <p:sld r:id="rId10"/>
-        <p:sld r:id="rId11"/>
-        <p:sld r:id="rId12"/>
-        <p:sld r:id="rId13"/>
-        <p:sld r:id="rId14"/>
-        <p:sld r:id="rId15"/>
-        <p:sld r:id="rId16"/>
-        <p:sld r:id="rId17"/>
-        <p:sld r:id="rId18"/>
-        <p:sld r:id="rId19"/>
-        <p:sld r:id="rId20"/>
-        <p:sld r:id="rId21"/>
-      </p:sldLst>
-    </p:custShow>
-    <p:custShow name="Sponsor Slides" id="1">
+    <p:custShow name="Sponsor Slides" id="0">
       <p:sldLst>
         <p:sld r:id="rId3"/>
         <p:sld r:id="rId4"/>
@@ -181,7 +162,8 @@
             <p14:sldId id="351"/>
             <p14:sldId id="360"/>
             <p14:sldId id="350"/>
-            <p14:sldId id="355"/>
+            <p14:sldId id="367"/>
+            <p14:sldId id="368"/>
             <p14:sldId id="356"/>
           </p14:sldIdLst>
         </p14:section>
@@ -7874,7 +7856,7 @@
             </a:pPr>
             <a:r>
               <a:rPr lang="en-US" dirty="0"/>
-              <a:t>Also applies to TFS</a:t>
+              <a:t>Release Management</a:t>
             </a:r>
           </a:p>
           <a:p>
@@ -7884,7 +7866,17 @@
             </a:pPr>
             <a:r>
               <a:rPr lang="en-US" dirty="0"/>
-              <a:t>If using IDE / editor, you wouldn’t know the CLI </a:t>
+              <a:t>Also applies to TFS</a:t>
+            </a:r>
+          </a:p>
+          <a:p>
+            <a:pPr marL="171450" indent="-171450">
+              <a:buFontTx/>
+              <a:buChar char="-"/>
+            </a:pPr>
+            <a:r>
+              <a:rPr lang="en-US" dirty="0"/>
+              <a:t>If using IDE / editor, you wouldn’t know CLI </a:t>
             </a:r>
             <a:r>
               <a:rPr lang="en-US" dirty="0" err="1"/>
@@ -8037,18 +8029,7 @@
           <a:bodyPr/>
           <a:lstStyle/>
           <a:p>
-            <a:r>
-              <a:rPr lang="en-US" dirty="0"/>
-              <a:t>- scottaddie.visualstudio.com &gt; </a:t>
-            </a:r>
-            <a:r>
-              <a:rPr lang="en-US" dirty="0" err="1"/>
-              <a:t>TagHelperSuite</a:t>
-            </a:r>
-            <a:r>
-              <a:rPr lang="en-US" dirty="0"/>
-              <a:t> build definition</a:t>
-            </a:r>
+            <a:endParaRPr lang="en-US"/>
           </a:p>
         </p:txBody>
       </p:sp>
@@ -8067,78 +8048,18 @@
           <a:bodyPr/>
           <a:lstStyle/>
           <a:p>
-            <a:pPr marL="0" marR="0" lvl="0" indent="0" algn="r" defTabSz="457200" rtl="0" eaLnBrk="1" fontAlgn="auto" latinLnBrk="0" hangingPunct="1">
-              <a:lnSpc>
-                <a:spcPct val="100000"/>
-              </a:lnSpc>
-              <a:spcBef>
-                <a:spcPts val="0"/>
-              </a:spcBef>
-              <a:spcAft>
-                <a:spcPts val="0"/>
-              </a:spcAft>
-              <a:buClrTx/>
-              <a:buSzTx/>
-              <a:buFontTx/>
-              <a:buNone/>
-              <a:tabLst/>
-              <a:defRPr/>
-            </a:pPr>
             <a:fld id="{16A87904-88DE-4022-A424-ACD2E6FC1751}" type="slidenum">
-              <a:rPr kumimoji="0" lang="en-US" sz="1200" b="0" i="0" u="none" strike="noStrike" kern="1200" cap="none" spc="0" normalizeH="0" baseline="0" noProof="0" smtClean="0">
-                <a:ln>
-                  <a:noFill/>
-                </a:ln>
-                <a:solidFill>
-                  <a:prstClr val="black"/>
-                </a:solidFill>
-                <a:effectLst/>
-                <a:uLnTx/>
-                <a:uFillTx/>
-                <a:latin typeface="Calibri" panose="020F0502020204030204"/>
-                <a:ea typeface="+mn-ea"/>
-                <a:cs typeface="+mn-cs"/>
-              </a:rPr>
-              <a:pPr marL="0" marR="0" lvl="0" indent="0" algn="r" defTabSz="457200" rtl="0" eaLnBrk="1" fontAlgn="auto" latinLnBrk="0" hangingPunct="1">
-                <a:lnSpc>
-                  <a:spcPct val="100000"/>
-                </a:lnSpc>
-                <a:spcBef>
-                  <a:spcPts val="0"/>
-                </a:spcBef>
-                <a:spcAft>
-                  <a:spcPts val="0"/>
-                </a:spcAft>
-                <a:buClrTx/>
-                <a:buSzTx/>
-                <a:buFontTx/>
-                <a:buNone/>
-                <a:tabLst/>
-                <a:defRPr/>
-              </a:pPr>
+              <a:rPr lang="en-US" smtClean="0"/>
               <a:t>18</a:t>
             </a:fld>
-            <a:endParaRPr kumimoji="0" lang="en-US" sz="1200" b="0" i="0" u="none" strike="noStrike" kern="1200" cap="none" spc="0" normalizeH="0" baseline="0" noProof="0">
-              <a:ln>
-                <a:noFill/>
-              </a:ln>
-              <a:solidFill>
-                <a:prstClr val="black"/>
-              </a:solidFill>
-              <a:effectLst/>
-              <a:uLnTx/>
-              <a:uFillTx/>
-              <a:latin typeface="Calibri" panose="020F0502020204030204"/>
-              <a:ea typeface="+mn-ea"/>
-              <a:cs typeface="+mn-cs"/>
-            </a:endParaRPr>
+            <a:endParaRPr lang="en-US"/>
           </a:p>
         </p:txBody>
       </p:sp>
     </p:spTree>
     <p:extLst>
       <p:ext uri="{BB962C8B-B14F-4D97-AF65-F5344CB8AC3E}">
-        <p14:creationId xmlns:p14="http://schemas.microsoft.com/office/powerpoint/2010/main" val="2219718623"/>
+        <p14:creationId xmlns:p14="http://schemas.microsoft.com/office/powerpoint/2010/main" val="3601485236"/>
       </p:ext>
     </p:extLst>
   </p:cSld>
@@ -8192,7 +8113,7 @@
           <a:bodyPr/>
           <a:lstStyle/>
           <a:p>
-            <a:endParaRPr lang="en-US" dirty="0"/>
+            <a:endParaRPr lang="en-US"/>
           </a:p>
         </p:txBody>
       </p:sp>
@@ -8222,7 +8143,7 @@
     </p:spTree>
     <p:extLst>
       <p:ext uri="{BB962C8B-B14F-4D97-AF65-F5344CB8AC3E}">
-        <p14:creationId xmlns:p14="http://schemas.microsoft.com/office/powerpoint/2010/main" val="1304013141"/>
+        <p14:creationId xmlns:p14="http://schemas.microsoft.com/office/powerpoint/2010/main" val="2295599149"/>
       </p:ext>
     </p:extLst>
   </p:cSld>
@@ -8367,6 +8288,90 @@
     <p:extLst>
       <p:ext uri="{BB962C8B-B14F-4D97-AF65-F5344CB8AC3E}">
         <p14:creationId xmlns:p14="http://schemas.microsoft.com/office/powerpoint/2010/main" val="1176352571"/>
+      </p:ext>
+    </p:extLst>
+  </p:cSld>
+  <p:clrMapOvr>
+    <a:masterClrMapping/>
+  </p:clrMapOvr>
+</p:notes>
+</file>
+
+<file path=ppt/notesSlides/notesSlide20.xml><?xml version="1.0" encoding="utf-8"?>
+<p:notes xmlns:a="http://schemas.openxmlformats.org/drawingml/2006/main" xmlns:r="http://schemas.openxmlformats.org/officeDocument/2006/relationships" xmlns:p="http://schemas.openxmlformats.org/presentationml/2006/main">
+  <p:cSld>
+    <p:spTree>
+      <p:nvGrpSpPr>
+        <p:cNvPr id="1" name=""/>
+        <p:cNvGrpSpPr/>
+        <p:nvPr/>
+      </p:nvGrpSpPr>
+      <p:grpSpPr>
+        <a:xfrm>
+          <a:off x="0" y="0"/>
+          <a:ext cx="0" cy="0"/>
+          <a:chOff x="0" y="0"/>
+          <a:chExt cx="0" cy="0"/>
+        </a:xfrm>
+      </p:grpSpPr>
+      <p:sp>
+        <p:nvSpPr>
+          <p:cNvPr id="2" name="Slide Image Placeholder 1"/>
+          <p:cNvSpPr>
+            <a:spLocks noGrp="1" noRot="1" noChangeAspect="1"/>
+          </p:cNvSpPr>
+          <p:nvPr>
+            <p:ph type="sldImg"/>
+          </p:nvPr>
+        </p:nvSpPr>
+        <p:spPr/>
+      </p:sp>
+      <p:sp>
+        <p:nvSpPr>
+          <p:cNvPr id="3" name="Notes Placeholder 2"/>
+          <p:cNvSpPr>
+            <a:spLocks noGrp="1"/>
+          </p:cNvSpPr>
+          <p:nvPr>
+            <p:ph type="body" idx="1"/>
+          </p:nvPr>
+        </p:nvSpPr>
+        <p:spPr/>
+        <p:txBody>
+          <a:bodyPr/>
+          <a:lstStyle/>
+          <a:p>
+            <a:endParaRPr lang="en-US" dirty="0"/>
+          </a:p>
+        </p:txBody>
+      </p:sp>
+      <p:sp>
+        <p:nvSpPr>
+          <p:cNvPr id="4" name="Slide Number Placeholder 3"/>
+          <p:cNvSpPr>
+            <a:spLocks noGrp="1"/>
+          </p:cNvSpPr>
+          <p:nvPr>
+            <p:ph type="sldNum" sz="quarter" idx="10"/>
+          </p:nvPr>
+        </p:nvSpPr>
+        <p:spPr/>
+        <p:txBody>
+          <a:bodyPr/>
+          <a:lstStyle/>
+          <a:p>
+            <a:fld id="{16A87904-88DE-4022-A424-ACD2E6FC1751}" type="slidenum">
+              <a:rPr lang="en-US" smtClean="0"/>
+              <a:t>20</a:t>
+            </a:fld>
+            <a:endParaRPr lang="en-US"/>
+          </a:p>
+        </p:txBody>
+      </p:sp>
+    </p:spTree>
+    <p:extLst>
+      <p:ext uri="{BB962C8B-B14F-4D97-AF65-F5344CB8AC3E}">
+        <p14:creationId xmlns:p14="http://schemas.microsoft.com/office/powerpoint/2010/main" val="1304013141"/>
       </p:ext>
     </p:extLst>
   </p:cSld>
@@ -18258,13 +18263,13 @@
   <p:clrMapOvr>
     <a:masterClrMapping/>
   </p:clrMapOvr>
-  <mc:AlternateContent xmlns:mc="http://schemas.openxmlformats.org/markup-compatibility/2006">
-    <mc:Choice xmlns:p14="http://schemas.microsoft.com/office/powerpoint/2010/main" Requires="p14">
+  <mc:AlternateContent xmlns:mc="http://schemas.openxmlformats.org/markup-compatibility/2006" xmlns:p14="http://schemas.microsoft.com/office/powerpoint/2010/main">
+    <mc:Choice Requires="p14">
       <p:transition spd="med" p14:dur="700" advClick="0" advTm="8000">
         <p:fade/>
       </p:transition>
     </mc:Choice>
-    <mc:Fallback>
+    <mc:Fallback xmlns="">
       <p:transition spd="med" advClick="0" advTm="8000">
         <p:fade/>
       </p:transition>
@@ -24075,14 +24080,6 @@
 <file path=ppt/slides/slide18.xml><?xml version="1.0" encoding="utf-8"?>
 <p:sld xmlns:a="http://schemas.openxmlformats.org/drawingml/2006/main" xmlns:r="http://schemas.openxmlformats.org/officeDocument/2006/relationships" xmlns:p="http://schemas.openxmlformats.org/presentationml/2006/main">
   <p:cSld>
-    <p:bg>
-      <p:bgPr>
-        <a:solidFill>
-          <a:schemeClr val="bg1"/>
-        </a:solidFill>
-        <a:effectLst/>
-      </p:bgPr>
-    </p:bg>
     <p:spTree>
       <p:nvGrpSpPr>
         <p:cNvPr id="1" name=""/>
@@ -24099,85 +24096,361 @@
       </p:grpSpPr>
       <p:sp>
         <p:nvSpPr>
-          <p:cNvPr id="22" name="Freeform: Shape 21">
+          <p:cNvPr id="2" name="Title 1">
             <a:extLst>
               <a:ext uri="{FF2B5EF4-FFF2-40B4-BE49-F238E27FC236}">
-                <a16:creationId xmlns:a16="http://schemas.microsoft.com/office/drawing/2014/main" id="{64965EAE-E41A-435F-B993-07E824B6C977}"/>
+                <a16:creationId xmlns:a16="http://schemas.microsoft.com/office/drawing/2014/main" id="{5BD715FD-5890-4E58-B672-F54DC99953E2}"/>
               </a:ext>
             </a:extLst>
           </p:cNvPr>
           <p:cNvSpPr>
-            <a:spLocks noGrp="1" noRot="1" noChangeAspect="1" noMove="1" noResize="1" noEditPoints="1" noAdjustHandles="1" noChangeArrowheads="1" noChangeShapeType="1" noTextEdit="1"/>
+            <a:spLocks noGrp="1"/>
           </p:cNvSpPr>
           <p:nvPr>
+            <p:ph type="title"/>
+          </p:nvPr>
+        </p:nvSpPr>
+        <p:spPr/>
+        <p:txBody>
+          <a:bodyPr/>
+          <a:lstStyle/>
+          <a:p>
+            <a:r>
+              <a:rPr lang="en-US" dirty="0"/>
+              <a:t>Build definition tasks</a:t>
+            </a:r>
+          </a:p>
+        </p:txBody>
+      </p:sp>
+      <p:pic>
+        <p:nvPicPr>
+          <p:cNvPr id="4" name="Content Placeholder 3">
+            <a:extLst>
+              <a:ext uri="{FF2B5EF4-FFF2-40B4-BE49-F238E27FC236}">
+                <a16:creationId xmlns:a16="http://schemas.microsoft.com/office/drawing/2014/main" id="{50328B04-DE74-4B3A-9136-B5663DFFCCBF}"/>
+              </a:ext>
+            </a:extLst>
+          </p:cNvPr>
+          <p:cNvPicPr>
+            <a:picLocks noGrp="1" noChangeAspect="1"/>
+          </p:cNvPicPr>
+          <p:nvPr>
+            <p:ph idx="1"/>
+          </p:nvPr>
+        </p:nvPicPr>
+        <p:blipFill>
+          <a:blip r:embed="rId3"/>
+          <a:stretch>
+            <a:fillRect/>
+          </a:stretch>
+        </p:blipFill>
+        <p:spPr>
+          <a:xfrm>
+            <a:off x="838200" y="1690688"/>
+            <a:ext cx="1981200" cy="2828925"/>
+          </a:xfrm>
+          <a:prstGeom prst="rect">
+            <a:avLst/>
+          </a:prstGeom>
+        </p:spPr>
+      </p:pic>
+      <p:graphicFrame>
+        <p:nvGraphicFramePr>
+          <p:cNvPr id="9" name="Table 8">
+            <a:extLst>
+              <a:ext uri="{FF2B5EF4-FFF2-40B4-BE49-F238E27FC236}">
+                <a16:creationId xmlns:a16="http://schemas.microsoft.com/office/drawing/2014/main" id="{CC68F7CB-AA5F-4272-A42B-5258E40EB505}"/>
+              </a:ext>
+            </a:extLst>
+          </p:cNvPr>
+          <p:cNvGraphicFramePr>
+            <a:graphicFrameLocks noGrp="1"/>
+          </p:cNvGraphicFramePr>
+          <p:nvPr>
             <p:extLst>
-              <p:ext uri="{386F3935-93C4-4BCD-93E2-E3B085C9AB24}">
-                <p16:designElem xmlns:p16="http://schemas.microsoft.com/office/powerpoint/2015/main" val="1"/>
+              <p:ext uri="{D42A27DB-BD31-4B8C-83A1-F6EECF244321}">
+                <p14:modId xmlns:p14="http://schemas.microsoft.com/office/powerpoint/2010/main" val="1454095530"/>
               </p:ext>
             </p:extLst>
           </p:nvPr>
+        </p:nvGraphicFramePr>
+        <p:xfrm>
+          <a:off x="3009901" y="1690688"/>
+          <a:ext cx="8343899" cy="4236720"/>
+        </p:xfrm>
+        <a:graphic>
+          <a:graphicData uri="http://schemas.openxmlformats.org/drawingml/2006/table">
+            <a:tbl>
+              <a:tblPr firstRow="1" bandRow="1">
+                <a:tableStyleId>{5C22544A-7EE6-4342-B048-85BDC9FD1C3A}</a:tableStyleId>
+              </a:tblPr>
+              <a:tblGrid>
+                <a:gridCol w="8343899">
+                  <a:extLst>
+                    <a:ext uri="{9D8B030D-6E8A-4147-A177-3AD203B41FA5}">
+                      <a16:colId xmlns:a16="http://schemas.microsoft.com/office/drawing/2014/main" val="1057070397"/>
+                    </a:ext>
+                  </a:extLst>
+                </a:gridCol>
+              </a:tblGrid>
+              <a:tr h="3656012">
+                <a:tc>
+                  <a:txBody>
+                    <a:bodyPr/>
+                    <a:lstStyle/>
+                    <a:p>
+                      <a:r>
+                        <a:rPr lang="en-US" sz="2400" b="1" u="sng" dirty="0">
+                          <a:solidFill>
+                            <a:schemeClr val="bg1"/>
+                          </a:solidFill>
+                        </a:rPr>
+                        <a:t>dotnet build</a:t>
+                      </a:r>
+                    </a:p>
+                    <a:p>
+                      <a:r>
+                        <a:rPr lang="en-US" sz="1600" dirty="0">
+                          <a:solidFill>
+                            <a:schemeClr val="accent5"/>
+                          </a:solidFill>
+                        </a:rPr>
+                        <a:t>2018-03-26T19:30:30.5011481Z</a:t>
+                      </a:r>
+                      <a:r>
+                        <a:rPr lang="en-US" sz="1600" dirty="0">
+                          <a:solidFill>
+                            <a:schemeClr val="bg1"/>
+                          </a:solidFill>
+                        </a:rPr>
+                        <a:t> [command]"C:\Program Files\dotnet\dotnet.exe" build D:\a\1\s\TagHelperSuite.Sample\TagHelperSuite.Sample.csproj --configuration release</a:t>
+                      </a:r>
+                    </a:p>
+                    <a:p>
+                      <a:r>
+                        <a:rPr lang="en-US" sz="1600" dirty="0">
+                          <a:solidFill>
+                            <a:schemeClr val="bg1"/>
+                          </a:solidFill>
+                        </a:rPr>
+                        <a:t>…</a:t>
+                      </a:r>
+                    </a:p>
+                    <a:p>
+                      <a:r>
+                        <a:rPr lang="en-US" sz="1600" dirty="0">
+                          <a:solidFill>
+                            <a:schemeClr val="accent5"/>
+                          </a:solidFill>
+                        </a:rPr>
+                        <a:t>2018-03-26T19:31:09.5408036Z</a:t>
+                      </a:r>
+                      <a:r>
+                        <a:rPr lang="en-US" sz="1600" dirty="0">
+                          <a:solidFill>
+                            <a:schemeClr val="bg1"/>
+                          </a:solidFill>
+                        </a:rPr>
+                        <a:t> [command]"C:\Program Files\dotnet\dotnet.exe" build D:\a\1\s\TagHelperSuite.Tests\TagHelperSuite.Tests.csproj --configuration release</a:t>
+                      </a:r>
+                    </a:p>
+                    <a:p>
+                      <a:r>
+                        <a:rPr lang="en-US" sz="1600" dirty="0">
+                          <a:solidFill>
+                            <a:schemeClr val="bg1"/>
+                          </a:solidFill>
+                        </a:rPr>
+                        <a:t>…</a:t>
+                      </a:r>
+                    </a:p>
+                    <a:p>
+                      <a:endParaRPr lang="en-US" sz="1600" dirty="0">
+                        <a:solidFill>
+                          <a:schemeClr val="bg1"/>
+                        </a:solidFill>
+                      </a:endParaRPr>
+                    </a:p>
+                    <a:p>
+                      <a:r>
+                        <a:rPr lang="en-US" sz="2400" b="1" u="sng" dirty="0">
+                          <a:solidFill>
+                            <a:schemeClr val="bg1"/>
+                          </a:solidFill>
+                        </a:rPr>
+                        <a:t>dotnet test</a:t>
+                      </a:r>
+                    </a:p>
+                    <a:p>
+                      <a:r>
+                        <a:rPr lang="en-US" sz="1600" dirty="0">
+                          <a:solidFill>
+                            <a:schemeClr val="accent5"/>
+                          </a:solidFill>
+                        </a:rPr>
+                        <a:t>2018-02-20T01:20:37.6023913Z</a:t>
+                      </a:r>
+                      <a:r>
+                        <a:rPr lang="en-US" sz="1600" dirty="0">
+                          <a:solidFill>
+                            <a:schemeClr val="bg1"/>
+                          </a:solidFill>
+                        </a:rPr>
+                        <a:t> [command]"C:\Program Files\dotnet\dotnet.exe" test D:\a\1\s\TagHelperSuite.Tests\TagHelperSuite.Tests.csproj --configuration release --logger </a:t>
+                      </a:r>
+                      <a:r>
+                        <a:rPr lang="en-US" sz="1600" dirty="0" err="1">
+                          <a:solidFill>
+                            <a:schemeClr val="bg1"/>
+                          </a:solidFill>
+                        </a:rPr>
+                        <a:t>trx</a:t>
+                      </a:r>
+                      <a:r>
+                        <a:rPr lang="en-US" sz="1600" dirty="0">
+                          <a:solidFill>
+                            <a:schemeClr val="bg1"/>
+                          </a:solidFill>
+                        </a:rPr>
+                        <a:t> --results-directory D:\a\_temp</a:t>
+                      </a:r>
+                    </a:p>
+                    <a:p>
+                      <a:r>
+                        <a:rPr lang="en-US" sz="1600" dirty="0">
+                          <a:solidFill>
+                            <a:schemeClr val="accent5"/>
+                          </a:solidFill>
+                        </a:rPr>
+                        <a:t>2018-02-20T01:20:38.6943014Z</a:t>
+                      </a:r>
+                      <a:r>
+                        <a:rPr lang="en-US" sz="1600" dirty="0">
+                          <a:solidFill>
+                            <a:schemeClr val="bg1"/>
+                          </a:solidFill>
+                        </a:rPr>
+                        <a:t> Build started, please wait...</a:t>
+                      </a:r>
+                    </a:p>
+                    <a:p>
+                      <a:r>
+                        <a:rPr lang="en-US" sz="1600" dirty="0">
+                          <a:solidFill>
+                            <a:schemeClr val="accent5"/>
+                          </a:solidFill>
+                        </a:rPr>
+                        <a:t>2018-02-20T01:20:41.0551162Z</a:t>
+                      </a:r>
+                      <a:r>
+                        <a:rPr lang="en-US" sz="1600" dirty="0">
+                          <a:solidFill>
+                            <a:schemeClr val="bg1"/>
+                          </a:solidFill>
+                        </a:rPr>
+                        <a:t> Build completed.</a:t>
+                      </a:r>
+                    </a:p>
+                    <a:p>
+                      <a:r>
+                        <a:rPr lang="en-US" sz="1600" dirty="0">
+                          <a:solidFill>
+                            <a:schemeClr val="bg1"/>
+                          </a:solidFill>
+                        </a:rPr>
+                        <a:t>…</a:t>
+                      </a:r>
+                    </a:p>
+                    <a:p>
+                      <a:endParaRPr lang="en-US" sz="1600" b="0" kern="1200" dirty="0">
+                        <a:solidFill>
+                          <a:schemeClr val="bg1"/>
+                        </a:solidFill>
+                        <a:effectLst/>
+                        <a:latin typeface="+mn-lt"/>
+                        <a:ea typeface="+mn-ea"/>
+                        <a:cs typeface="+mn-cs"/>
+                      </a:endParaRPr>
+                    </a:p>
+                  </a:txBody>
+                  <a:tcPr>
+                    <a:lnL w="12700" cap="flat" cmpd="sng" algn="ctr">
+                      <a:solidFill>
+                        <a:schemeClr val="tx1"/>
+                      </a:solidFill>
+                      <a:prstDash val="solid"/>
+                      <a:round/>
+                      <a:headEnd type="none" w="med" len="med"/>
+                      <a:tailEnd type="none" w="med" len="med"/>
+                    </a:lnL>
+                    <a:lnR w="12700" cap="flat" cmpd="sng" algn="ctr">
+                      <a:solidFill>
+                        <a:schemeClr val="tx1"/>
+                      </a:solidFill>
+                      <a:prstDash val="solid"/>
+                      <a:round/>
+                      <a:headEnd type="none" w="med" len="med"/>
+                      <a:tailEnd type="none" w="med" len="med"/>
+                    </a:lnR>
+                    <a:lnT w="12700" cap="flat" cmpd="sng" algn="ctr">
+                      <a:solidFill>
+                        <a:schemeClr val="tx1"/>
+                      </a:solidFill>
+                      <a:prstDash val="solid"/>
+                      <a:round/>
+                      <a:headEnd type="none" w="med" len="med"/>
+                      <a:tailEnd type="none" w="med" len="med"/>
+                    </a:lnT>
+                    <a:lnB w="12700" cap="flat" cmpd="sng" algn="ctr">
+                      <a:solidFill>
+                        <a:schemeClr val="tx1"/>
+                      </a:solidFill>
+                      <a:prstDash val="solid"/>
+                      <a:round/>
+                      <a:headEnd type="none" w="med" len="med"/>
+                      <a:tailEnd type="none" w="med" len="med"/>
+                    </a:lnB>
+                    <a:solidFill>
+                      <a:schemeClr val="tx1"/>
+                    </a:solidFill>
+                  </a:tcPr>
+                </a:tc>
+                <a:extLst>
+                  <a:ext uri="{0D108BD9-81ED-4DB2-BD59-A6C34878D82A}">
+                    <a16:rowId xmlns:a16="http://schemas.microsoft.com/office/drawing/2014/main" val="3473222697"/>
+                  </a:ext>
+                </a:extLst>
+              </a:tr>
+            </a:tbl>
+          </a:graphicData>
+        </a:graphic>
+      </p:graphicFrame>
+      <p:sp>
+        <p:nvSpPr>
+          <p:cNvPr id="10" name="Rectangle 9">
+            <a:extLst>
+              <a:ext uri="{FF2B5EF4-FFF2-40B4-BE49-F238E27FC236}">
+                <a16:creationId xmlns:a16="http://schemas.microsoft.com/office/drawing/2014/main" id="{9C8A807E-9610-4EB5-AAA9-4DD1E76F6099}"/>
+              </a:ext>
+            </a:extLst>
+          </p:cNvPr>
+          <p:cNvSpPr/>
+          <p:nvPr/>
         </p:nvSpPr>
         <p:spPr>
-          <a:xfrm flipV="1">
-            <a:off x="1" y="0"/>
-            <a:ext cx="7539895" cy="6858000"/>
+          <a:xfrm>
+            <a:off x="3048001" y="4868862"/>
+            <a:ext cx="5156565" cy="596900"/>
           </a:xfrm>
-          <a:custGeom>
+          <a:prstGeom prst="rect">
             <a:avLst/>
-            <a:gdLst>
-              <a:gd name="connsiteX0" fmla="*/ 7539895 w 7539895"/>
-              <a:gd name="connsiteY0" fmla="*/ 6858000 h 6858000"/>
-              <a:gd name="connsiteX1" fmla="*/ 0 w 7539895"/>
-              <a:gd name="connsiteY1" fmla="*/ 6858000 h 6858000"/>
-              <a:gd name="connsiteX2" fmla="*/ 0 w 7539895"/>
-              <a:gd name="connsiteY2" fmla="*/ 0 h 6858000"/>
-              <a:gd name="connsiteX3" fmla="*/ 4363741 w 7539895"/>
-              <a:gd name="connsiteY3" fmla="*/ 0 h 6858000"/>
-            </a:gdLst>
-            <a:ahLst/>
-            <a:cxnLst>
-              <a:cxn ang="0">
-                <a:pos x="connsiteX0" y="connsiteY0"/>
-              </a:cxn>
-              <a:cxn ang="0">
-                <a:pos x="connsiteX1" y="connsiteY1"/>
-              </a:cxn>
-              <a:cxn ang="0">
-                <a:pos x="connsiteX2" y="connsiteY2"/>
-              </a:cxn>
-              <a:cxn ang="0">
-                <a:pos x="connsiteX3" y="connsiteY3"/>
-              </a:cxn>
-            </a:cxnLst>
-            <a:rect l="l" t="t" r="r" b="b"/>
-            <a:pathLst>
-              <a:path w="7539895" h="6858000">
-                <a:moveTo>
-                  <a:pt x="7539895" y="6858000"/>
-                </a:moveTo>
-                <a:lnTo>
-                  <a:pt x="0" y="6858000"/>
-                </a:lnTo>
-                <a:lnTo>
-                  <a:pt x="0" y="0"/>
-                </a:lnTo>
-                <a:lnTo>
-                  <a:pt x="4363741" y="0"/>
-                </a:lnTo>
-                <a:close/>
-              </a:path>
-            </a:pathLst>
-          </a:custGeom>
+          </a:prstGeom>
           <a:solidFill>
-            <a:schemeClr val="tx1">
-              <a:lumMod val="85000"/>
-              <a:lumOff val="15000"/>
-              <a:alpha val="70000"/>
+            <a:schemeClr val="accent1">
+              <a:alpha val="0"/>
             </a:schemeClr>
           </a:solidFill>
-          <a:ln>
-            <a:noFill/>
-          </a:ln>
+          <a:ln w="38100"/>
         </p:spPr>
         <p:style>
           <a:lnRef idx="2">
@@ -24196,260 +24469,18 @@
           </a:fontRef>
         </p:style>
         <p:txBody>
-          <a:bodyPr wrap="square" rtlCol="0" anchor="ctr">
-            <a:noAutofit/>
-          </a:bodyPr>
+          <a:bodyPr rtlCol="0" anchor="ctr"/>
           <a:lstStyle/>
           <a:p>
-            <a:pPr marL="0" marR="0" lvl="0" indent="0" algn="ctr" defTabSz="457200" rtl="0" eaLnBrk="1" fontAlgn="auto" latinLnBrk="0" hangingPunct="1">
-              <a:lnSpc>
-                <a:spcPct val="100000"/>
-              </a:lnSpc>
-              <a:spcBef>
-                <a:spcPts val="0"/>
-              </a:spcBef>
-              <a:spcAft>
-                <a:spcPts val="0"/>
-              </a:spcAft>
-              <a:buClrTx/>
-              <a:buSzTx/>
-              <a:buFontTx/>
-              <a:buNone/>
-              <a:tabLst/>
-              <a:defRPr/>
-            </a:pPr>
-            <a:endParaRPr kumimoji="0" lang="en-US" sz="1800" b="0" i="0" u="none" strike="noStrike" kern="1200" cap="none" spc="0" normalizeH="0" baseline="0" noProof="0">
-              <a:ln>
-                <a:noFill/>
-              </a:ln>
-              <a:solidFill>
-                <a:prstClr val="white"/>
-              </a:solidFill>
-              <a:effectLst/>
-              <a:uLnTx/>
-              <a:uFillTx/>
-              <a:latin typeface="Segoe UI Light"/>
-              <a:ea typeface="+mn-ea"/>
-              <a:cs typeface="+mn-cs"/>
-            </a:endParaRPr>
+            <a:pPr algn="ctr"/>
+            <a:endParaRPr lang="en-US" dirty="0"/>
           </a:p>
         </p:txBody>
       </p:sp>
-      <p:sp>
-        <p:nvSpPr>
-          <p:cNvPr id="24" name="Freeform: Shape 23">
-            <a:extLst>
-              <a:ext uri="{FF2B5EF4-FFF2-40B4-BE49-F238E27FC236}">
-                <a16:creationId xmlns:a16="http://schemas.microsoft.com/office/drawing/2014/main" id="{152F8994-E6D4-4311-9548-C3607BC43645}"/>
-              </a:ext>
-            </a:extLst>
-          </p:cNvPr>
-          <p:cNvSpPr>
-            <a:spLocks noGrp="1" noRot="1" noChangeAspect="1" noMove="1" noResize="1" noEditPoints="1" noAdjustHandles="1" noChangeArrowheads="1" noChangeShapeType="1" noTextEdit="1"/>
-          </p:cNvSpPr>
-          <p:nvPr>
-            <p:extLst>
-              <p:ext uri="{386F3935-93C4-4BCD-93E2-E3B085C9AB24}">
-                <p16:designElem xmlns:p16="http://schemas.microsoft.com/office/powerpoint/2015/main" val="1"/>
-              </p:ext>
-            </p:extLst>
-          </p:nvPr>
-        </p:nvSpPr>
-        <p:spPr>
-          <a:xfrm flipV="1">
-            <a:off x="0" y="0"/>
-            <a:ext cx="7092985" cy="6858000"/>
-          </a:xfrm>
-          <a:custGeom>
-            <a:avLst/>
-            <a:gdLst>
-              <a:gd name="connsiteX0" fmla="*/ 7092985 w 7092985"/>
-              <a:gd name="connsiteY0" fmla="*/ 6858000 h 6858000"/>
-              <a:gd name="connsiteX1" fmla="*/ 0 w 7092985"/>
-              <a:gd name="connsiteY1" fmla="*/ 6858000 h 6858000"/>
-              <a:gd name="connsiteX2" fmla="*/ 0 w 7092985"/>
-              <a:gd name="connsiteY2" fmla="*/ 0 h 6858000"/>
-              <a:gd name="connsiteX3" fmla="*/ 3916831 w 7092985"/>
-              <a:gd name="connsiteY3" fmla="*/ 0 h 6858000"/>
-            </a:gdLst>
-            <a:ahLst/>
-            <a:cxnLst>
-              <a:cxn ang="0">
-                <a:pos x="connsiteX0" y="connsiteY0"/>
-              </a:cxn>
-              <a:cxn ang="0">
-                <a:pos x="connsiteX1" y="connsiteY1"/>
-              </a:cxn>
-              <a:cxn ang="0">
-                <a:pos x="connsiteX2" y="connsiteY2"/>
-              </a:cxn>
-              <a:cxn ang="0">
-                <a:pos x="connsiteX3" y="connsiteY3"/>
-              </a:cxn>
-            </a:cxnLst>
-            <a:rect l="l" t="t" r="r" b="b"/>
-            <a:pathLst>
-              <a:path w="7092985" h="6858000">
-                <a:moveTo>
-                  <a:pt x="7092985" y="6858000"/>
-                </a:moveTo>
-                <a:lnTo>
-                  <a:pt x="0" y="6858000"/>
-                </a:lnTo>
-                <a:lnTo>
-                  <a:pt x="0" y="0"/>
-                </a:lnTo>
-                <a:lnTo>
-                  <a:pt x="3916831" y="0"/>
-                </a:lnTo>
-                <a:close/>
-              </a:path>
-            </a:pathLst>
-          </a:custGeom>
-          <a:solidFill>
-            <a:schemeClr val="tx1">
-              <a:lumMod val="85000"/>
-              <a:lumOff val="15000"/>
-            </a:schemeClr>
-          </a:solidFill>
-          <a:ln>
-            <a:noFill/>
-          </a:ln>
-        </p:spPr>
-        <p:style>
-          <a:lnRef idx="2">
-            <a:schemeClr val="accent1">
-              <a:shade val="50000"/>
-            </a:schemeClr>
-          </a:lnRef>
-          <a:fillRef idx="1">
-            <a:schemeClr val="accent1"/>
-          </a:fillRef>
-          <a:effectRef idx="0">
-            <a:schemeClr val="accent1"/>
-          </a:effectRef>
-          <a:fontRef idx="minor">
-            <a:schemeClr val="lt1"/>
-          </a:fontRef>
-        </p:style>
-        <p:txBody>
-          <a:bodyPr wrap="square" rtlCol="0" anchor="ctr">
-            <a:noAutofit/>
-          </a:bodyPr>
-          <a:lstStyle/>
-          <a:p>
-            <a:pPr marL="0" marR="0" lvl="0" indent="0" algn="ctr" defTabSz="457200" rtl="0" eaLnBrk="1" fontAlgn="auto" latinLnBrk="0" hangingPunct="1">
-              <a:lnSpc>
-                <a:spcPct val="100000"/>
-              </a:lnSpc>
-              <a:spcBef>
-                <a:spcPts val="0"/>
-              </a:spcBef>
-              <a:spcAft>
-                <a:spcPts val="0"/>
-              </a:spcAft>
-              <a:buClrTx/>
-              <a:buSzTx/>
-              <a:buFontTx/>
-              <a:buNone/>
-              <a:tabLst/>
-              <a:defRPr/>
-            </a:pPr>
-            <a:endParaRPr kumimoji="0" lang="en-US" sz="1800" b="0" i="0" u="none" strike="noStrike" kern="1200" cap="none" spc="0" normalizeH="0" baseline="0" noProof="0">
-              <a:ln>
-                <a:noFill/>
-              </a:ln>
-              <a:solidFill>
-                <a:prstClr val="white"/>
-              </a:solidFill>
-              <a:effectLst/>
-              <a:uLnTx/>
-              <a:uFillTx/>
-              <a:latin typeface="Segoe UI Light"/>
-              <a:ea typeface="+mn-ea"/>
-              <a:cs typeface="+mn-cs"/>
-            </a:endParaRPr>
-          </a:p>
-        </p:txBody>
-      </p:sp>
-      <p:sp>
-        <p:nvSpPr>
-          <p:cNvPr id="8" name="Title 7">
-            <a:extLst>
-              <a:ext uri="{FF2B5EF4-FFF2-40B4-BE49-F238E27FC236}">
-                <a16:creationId xmlns:a16="http://schemas.microsoft.com/office/drawing/2014/main" id="{9AAF6E53-C7E3-404C-8C15-A04C67BE1A24}"/>
-              </a:ext>
-            </a:extLst>
-          </p:cNvPr>
-          <p:cNvSpPr>
-            <a:spLocks noGrp="1"/>
-          </p:cNvSpPr>
-          <p:nvPr>
-            <p:ph type="title"/>
-          </p:nvPr>
-        </p:nvSpPr>
-        <p:spPr>
-          <a:xfrm>
-            <a:off x="838199" y="365125"/>
-            <a:ext cx="5529943" cy="1325563"/>
-          </a:xfrm>
-        </p:spPr>
-        <p:txBody>
-          <a:bodyPr>
-            <a:normAutofit/>
-          </a:bodyPr>
-          <a:lstStyle/>
-          <a:p>
-            <a:r>
-              <a:rPr lang="en-US" dirty="0">
-                <a:solidFill>
-                  <a:schemeClr val="bg1"/>
-                </a:solidFill>
-              </a:rPr>
-              <a:t>VSTS DEMO</a:t>
-            </a:r>
-          </a:p>
-        </p:txBody>
-      </p:sp>
-      <p:pic>
-        <p:nvPicPr>
-          <p:cNvPr id="3" name="Content Placeholder 2">
-            <a:extLst>
-              <a:ext uri="{FF2B5EF4-FFF2-40B4-BE49-F238E27FC236}">
-                <a16:creationId xmlns:a16="http://schemas.microsoft.com/office/drawing/2014/main" id="{C2A63A71-EC7F-479B-9854-E0B25655E4C0}"/>
-              </a:ext>
-            </a:extLst>
-          </p:cNvPr>
-          <p:cNvPicPr>
-            <a:picLocks noGrp="1" noChangeAspect="1"/>
-          </p:cNvPicPr>
-          <p:nvPr>
-            <p:ph idx="1"/>
-          </p:nvPr>
-        </p:nvPicPr>
-        <p:blipFill>
-          <a:blip r:embed="rId3">
-            <a:extLst>
-              <a:ext uri="{28A0092B-C50C-407E-A947-70E740481C1C}">
-                <a14:useLocalDpi xmlns:a14="http://schemas.microsoft.com/office/drawing/2010/main" val="0"/>
-              </a:ext>
-            </a:extLst>
-          </a:blip>
-          <a:stretch>
-            <a:fillRect/>
-          </a:stretch>
-        </p:blipFill>
-        <p:spPr>
-          <a:xfrm>
-            <a:off x="838198" y="1690688"/>
-            <a:ext cx="3398838" cy="3398838"/>
-          </a:xfrm>
-        </p:spPr>
-      </p:pic>
     </p:spTree>
     <p:extLst>
       <p:ext uri="{BB962C8B-B14F-4D97-AF65-F5344CB8AC3E}">
-        <p14:creationId xmlns:p14="http://schemas.microsoft.com/office/powerpoint/2010/main" val="3899177888"/>
+        <p14:creationId xmlns:p14="http://schemas.microsoft.com/office/powerpoint/2010/main" val="3843969548"/>
       </p:ext>
     </p:extLst>
   </p:cSld>
@@ -24476,42 +24507,12 @@
           <a:chExt cx="0" cy="0"/>
         </a:xfrm>
       </p:grpSpPr>
-      <p:pic>
-        <p:nvPicPr>
-          <p:cNvPr id="15" name="Picture 14">
-            <a:extLst>
-              <a:ext uri="{FF2B5EF4-FFF2-40B4-BE49-F238E27FC236}">
-                <a16:creationId xmlns:a16="http://schemas.microsoft.com/office/drawing/2014/main" id="{D2DC35FA-22EB-4B94-B45C-2500EFDA61A4}"/>
-              </a:ext>
-            </a:extLst>
-          </p:cNvPr>
-          <p:cNvPicPr>
-            <a:picLocks noChangeAspect="1"/>
-          </p:cNvPicPr>
-          <p:nvPr/>
-        </p:nvPicPr>
-        <p:blipFill>
-          <a:blip r:embed="rId3"/>
-          <a:stretch>
-            <a:fillRect/>
-          </a:stretch>
-        </p:blipFill>
-        <p:spPr>
-          <a:xfrm>
-            <a:off x="5334000" y="0"/>
-            <a:ext cx="6858000" cy="6858000"/>
-          </a:xfrm>
-          <a:prstGeom prst="rect">
-            <a:avLst/>
-          </a:prstGeom>
-        </p:spPr>
-      </p:pic>
       <p:sp>
         <p:nvSpPr>
           <p:cNvPr id="2" name="Title 1">
             <a:extLst>
               <a:ext uri="{FF2B5EF4-FFF2-40B4-BE49-F238E27FC236}">
-                <a16:creationId xmlns:a16="http://schemas.microsoft.com/office/drawing/2014/main" id="{28354584-C2DC-4E1C-9192-512E1D957ACA}"/>
+                <a16:creationId xmlns:a16="http://schemas.microsoft.com/office/drawing/2014/main" id="{86044E31-9B02-4222-B302-F0204A6F62A2}"/>
               </a:ext>
             </a:extLst>
           </p:cNvPr>
@@ -24529,377 +24530,359 @@
           <a:p>
             <a:r>
               <a:rPr lang="en-US" dirty="0"/>
-              <a:t>Thank you!</a:t>
-            </a:r>
-          </a:p>
-        </p:txBody>
-      </p:sp>
-      <p:sp>
-        <p:nvSpPr>
-          <p:cNvPr id="7" name="Content Placeholder 6">
-            <a:extLst>
-              <a:ext uri="{FF2B5EF4-FFF2-40B4-BE49-F238E27FC236}">
-                <a16:creationId xmlns:a16="http://schemas.microsoft.com/office/drawing/2014/main" id="{D7720BA6-768C-44BF-AD21-12DF34DFF9F2}"/>
-              </a:ext>
-            </a:extLst>
-          </p:cNvPr>
-          <p:cNvSpPr>
-            <a:spLocks noGrp="1"/>
-          </p:cNvSpPr>
-          <p:nvPr>
-            <p:ph sz="half" idx="1"/>
-          </p:nvPr>
-        </p:nvSpPr>
-        <p:spPr>
-          <a:xfrm>
-            <a:off x="838200" y="1825624"/>
-            <a:ext cx="10896600" cy="4667251"/>
-          </a:xfrm>
-        </p:spPr>
-        <p:txBody>
-          <a:bodyPr>
-            <a:normAutofit lnSpcReduction="10000"/>
-          </a:bodyPr>
-          <a:lstStyle/>
-          <a:p>
-            <a:pPr marL="0" indent="0">
-              <a:buNone/>
-            </a:pPr>
-            <a:r>
-              <a:rPr lang="en-US" dirty="0">
-                <a:solidFill>
-                  <a:srgbClr val="A0C4E5"/>
-                </a:solidFill>
-              </a:rPr>
-              <a:t>Slides:</a:t>
+              <a:t>Customize </a:t>
             </a:r>
             <a:r>
-              <a:rPr lang="en-US" b="1" dirty="0"/>
-              <a:t> aka.ms/N44not</a:t>
+              <a:rPr lang="en-US"/>
+              <a:t>build definition task</a:t>
             </a:r>
             <a:endParaRPr lang="en-US" dirty="0"/>
-          </a:p>
-          <a:p>
-            <a:pPr marL="0" indent="0">
-              <a:buNone/>
-            </a:pPr>
-            <a:endParaRPr lang="en-US" dirty="0"/>
-          </a:p>
-          <a:p>
-            <a:pPr marL="0" indent="0">
-              <a:buNone/>
-            </a:pPr>
-            <a:r>
-              <a:rPr lang="en-US" dirty="0" err="1">
-                <a:solidFill>
-                  <a:srgbClr val="A0C4E5"/>
-                </a:solidFill>
-              </a:rPr>
-              <a:t>Gists</a:t>
-            </a:r>
-            <a:r>
-              <a:rPr lang="en-US" dirty="0">
-                <a:solidFill>
-                  <a:srgbClr val="A0C4E5"/>
-                </a:solidFill>
-              </a:rPr>
-              <a:t>:</a:t>
-            </a:r>
-          </a:p>
-          <a:p>
-            <a:r>
-              <a:rPr lang="en-US" dirty="0">
-                <a:solidFill>
-                  <a:srgbClr val="A0C4E5"/>
-                </a:solidFill>
-              </a:rPr>
-              <a:t>Commands:</a:t>
-            </a:r>
-          </a:p>
-          <a:p>
-            <a:pPr marL="457200" lvl="1" indent="0">
-              <a:buNone/>
-            </a:pPr>
-            <a:r>
-              <a:rPr lang="en-US" b="1" dirty="0"/>
-              <a:t>aka.ms/</a:t>
-            </a:r>
-            <a:r>
-              <a:rPr lang="en-US" b="1" dirty="0" err="1"/>
-              <a:t>Mbozcr</a:t>
-            </a:r>
-            <a:endParaRPr lang="en-US" b="1" dirty="0"/>
-          </a:p>
-          <a:p>
-            <a:r>
-              <a:rPr lang="en-US" dirty="0">
-                <a:solidFill>
-                  <a:srgbClr val="A0C4E5"/>
-                </a:solidFill>
-              </a:rPr>
-              <a:t>Templates:</a:t>
-            </a:r>
-          </a:p>
-          <a:p>
-            <a:pPr marL="457200" lvl="1" indent="0">
-              <a:buNone/>
-            </a:pPr>
-            <a:r>
-              <a:rPr lang="en-US" b="1" dirty="0"/>
-              <a:t>aka.ms/</a:t>
-            </a:r>
-            <a:r>
-              <a:rPr lang="en-US" b="1" dirty="0" err="1"/>
-              <a:t>Bhaecq</a:t>
-            </a:r>
-            <a:endParaRPr lang="en-US" b="1" dirty="0"/>
-          </a:p>
-          <a:p>
-            <a:pPr marL="0" indent="0">
-              <a:buNone/>
-            </a:pPr>
-            <a:endParaRPr lang="en-US" b="1" dirty="0"/>
-          </a:p>
-          <a:p>
-            <a:pPr marL="0" indent="0" algn="r">
-              <a:buNone/>
-            </a:pPr>
-            <a:endParaRPr lang="en-US" b="1" dirty="0"/>
-          </a:p>
-          <a:p>
-            <a:pPr marL="0" indent="0" algn="r">
-              <a:buNone/>
-            </a:pPr>
-            <a:r>
-              <a:rPr lang="en-US" b="1" dirty="0"/>
-              <a:t>docs.microsoft.com/dotnet/core/tools</a:t>
-            </a:r>
-          </a:p>
-        </p:txBody>
-      </p:sp>
-      <p:sp>
-        <p:nvSpPr>
-          <p:cNvPr id="12" name="Content Placeholder 11">
-            <a:extLst>
-              <a:ext uri="{FF2B5EF4-FFF2-40B4-BE49-F238E27FC236}">
-                <a16:creationId xmlns:a16="http://schemas.microsoft.com/office/drawing/2014/main" id="{134CFD40-FF82-41B7-B348-A9D6E1EF5F43}"/>
-              </a:ext>
-            </a:extLst>
-          </p:cNvPr>
-          <p:cNvSpPr>
-            <a:spLocks noGrp="1"/>
-          </p:cNvSpPr>
-          <p:nvPr>
-            <p:ph sz="half" idx="2"/>
-          </p:nvPr>
-        </p:nvSpPr>
-        <p:spPr>
-          <a:xfrm>
-            <a:off x="5394960" y="1825625"/>
-            <a:ext cx="5958840" cy="4351338"/>
-          </a:xfrm>
-        </p:spPr>
-        <p:txBody>
-          <a:bodyPr>
-            <a:normAutofit lnSpcReduction="10000"/>
-          </a:bodyPr>
-          <a:lstStyle/>
-          <a:p>
-            <a:pPr marL="0" indent="0">
-              <a:buNone/>
-            </a:pPr>
-            <a:endParaRPr lang="en-US" dirty="0"/>
-          </a:p>
-          <a:p>
-            <a:pPr marL="0" indent="0">
-              <a:buNone/>
-            </a:pPr>
-            <a:endParaRPr lang="en-US" dirty="0"/>
-          </a:p>
-          <a:p>
-            <a:pPr marL="0" indent="0">
-              <a:buNone/>
-            </a:pPr>
-            <a:endParaRPr lang="en-US" dirty="0"/>
-          </a:p>
-        </p:txBody>
-      </p:sp>
-      <p:sp>
-        <p:nvSpPr>
-          <p:cNvPr id="3" name="TextBox 2">
-            <a:extLst>
-              <a:ext uri="{FF2B5EF4-FFF2-40B4-BE49-F238E27FC236}">
-                <a16:creationId xmlns:a16="http://schemas.microsoft.com/office/drawing/2014/main" id="{084B7060-1A67-4B81-B5A1-3D509E5D30BF}"/>
-              </a:ext>
-            </a:extLst>
-          </p:cNvPr>
-          <p:cNvSpPr txBox="1"/>
-          <p:nvPr/>
-        </p:nvSpPr>
-        <p:spPr>
-          <a:xfrm>
-            <a:off x="939800" y="5935960"/>
-            <a:ext cx="4495800" cy="461665"/>
-          </a:xfrm>
-          <a:prstGeom prst="rect">
-            <a:avLst/>
-          </a:prstGeom>
-          <a:noFill/>
-        </p:spPr>
-        <p:txBody>
-          <a:bodyPr wrap="square" rtlCol="0">
-            <a:spAutoFit/>
-          </a:bodyPr>
-          <a:lstStyle/>
-          <a:p>
-            <a:r>
-              <a:rPr lang="en-US" sz="2400" b="1" dirty="0"/>
-              <a:t>@</a:t>
-            </a:r>
-            <a:r>
-              <a:rPr lang="en-US" sz="2400" b="1" dirty="0" err="1"/>
-              <a:t>Scott_Addie</a:t>
-            </a:r>
-            <a:endParaRPr lang="en-US" sz="2400" b="1" dirty="0"/>
           </a:p>
         </p:txBody>
       </p:sp>
       <p:pic>
         <p:nvPicPr>
-          <p:cNvPr id="8" name="Picture 7">
+          <p:cNvPr id="4" name="Content Placeholder 3">
             <a:extLst>
               <a:ext uri="{FF2B5EF4-FFF2-40B4-BE49-F238E27FC236}">
-                <a16:creationId xmlns:a16="http://schemas.microsoft.com/office/drawing/2014/main" id="{D62B3930-38EF-4F41-9189-BD2F1325CC71}"/>
+                <a16:creationId xmlns:a16="http://schemas.microsoft.com/office/drawing/2014/main" id="{72376D39-8481-432C-8B71-E22FC17C6077}"/>
               </a:ext>
             </a:extLst>
           </p:cNvPr>
           <p:cNvPicPr>
-            <a:picLocks noChangeAspect="1"/>
+            <a:picLocks noGrp="1" noChangeAspect="1"/>
           </p:cNvPicPr>
-          <p:nvPr/>
+          <p:nvPr>
+            <p:ph idx="1"/>
+          </p:nvPr>
         </p:nvPicPr>
         <p:blipFill>
-          <a:blip r:embed="rId4" cstate="print">
-            <a:extLst>
-              <a:ext uri="{28A0092B-C50C-407E-A947-70E740481C1C}">
-                <a14:useLocalDpi xmlns:a14="http://schemas.microsoft.com/office/drawing/2010/main" val="0"/>
-              </a:ext>
-            </a:extLst>
-          </a:blip>
+          <a:blip r:embed="rId3"/>
           <a:stretch>
             <a:fillRect/>
           </a:stretch>
         </p:blipFill>
         <p:spPr>
           <a:xfrm>
-            <a:off x="2935314" y="5889198"/>
-            <a:ext cx="682893" cy="555188"/>
+            <a:off x="961148" y="1482725"/>
+            <a:ext cx="6337299" cy="4905402"/>
           </a:xfrm>
           <a:prstGeom prst="rect">
             <a:avLst/>
           </a:prstGeom>
         </p:spPr>
       </p:pic>
-      <p:pic>
-        <p:nvPicPr>
-          <p:cNvPr id="10" name="Picture 2" descr="http://www.freeiconspng.com/uploads/github-logo-icon-30.png">
+      <p:graphicFrame>
+        <p:nvGraphicFramePr>
+          <p:cNvPr id="5" name="Table 4">
             <a:extLst>
               <a:ext uri="{FF2B5EF4-FFF2-40B4-BE49-F238E27FC236}">
-                <a16:creationId xmlns:a16="http://schemas.microsoft.com/office/drawing/2014/main" id="{DCC58F26-AEDB-4E25-B910-6CB9522A56BD}"/>
+                <a16:creationId xmlns:a16="http://schemas.microsoft.com/office/drawing/2014/main" id="{D9F58B95-F5BB-4091-896E-BEC830BC471B}"/>
               </a:ext>
             </a:extLst>
           </p:cNvPr>
-          <p:cNvPicPr>
-            <a:picLocks noChangeAspect="1" noChangeArrowheads="1"/>
-          </p:cNvPicPr>
-          <p:nvPr/>
-        </p:nvPicPr>
-        <p:blipFill>
-          <a:blip r:embed="rId5">
-            <a:lum bright="70000" contrast="-70000"/>
+          <p:cNvGraphicFramePr>
+            <a:graphicFrameLocks noGrp="1"/>
+          </p:cNvGraphicFramePr>
+          <p:nvPr>
+            <p:extLst>
+              <p:ext uri="{D42A27DB-BD31-4B8C-83A1-F6EECF244321}">
+                <p14:modId xmlns:p14="http://schemas.microsoft.com/office/powerpoint/2010/main" val="4029437085"/>
+              </p:ext>
+            </p:extLst>
+          </p:nvPr>
+        </p:nvGraphicFramePr>
+        <p:xfrm>
+          <a:off x="7421394" y="1482724"/>
+          <a:ext cx="4211805" cy="2492376"/>
+        </p:xfrm>
+        <a:graphic>
+          <a:graphicData uri="http://schemas.openxmlformats.org/drawingml/2006/table">
+            <a:tbl>
+              <a:tblPr firstRow="1" bandRow="1">
+                <a:tableStyleId>{5C22544A-7EE6-4342-B048-85BDC9FD1C3A}</a:tableStyleId>
+              </a:tblPr>
+              <a:tblGrid>
+                <a:gridCol w="4211805">
+                  <a:extLst>
+                    <a:ext uri="{9D8B030D-6E8A-4147-A177-3AD203B41FA5}">
+                      <a16:colId xmlns:a16="http://schemas.microsoft.com/office/drawing/2014/main" val="1057070397"/>
+                    </a:ext>
+                  </a:extLst>
+                </a:gridCol>
+              </a:tblGrid>
+              <a:tr h="2492376">
+                <a:tc>
+                  <a:txBody>
+                    <a:bodyPr/>
+                    <a:lstStyle/>
+                    <a:p>
+                      <a:r>
+                        <a:rPr lang="en-US" sz="2400" b="1" u="sng" dirty="0">
+                          <a:solidFill>
+                            <a:schemeClr val="bg1"/>
+                          </a:solidFill>
+                        </a:rPr>
+                        <a:t>dotnet test</a:t>
+                      </a:r>
+                    </a:p>
+                    <a:p>
+                      <a:r>
+                        <a:rPr lang="en-US" sz="1600" dirty="0">
+                          <a:solidFill>
+                            <a:schemeClr val="accent5"/>
+                          </a:solidFill>
+                        </a:rPr>
+                        <a:t>2018-03-26T19:11:13.3481702Z </a:t>
+                      </a:r>
+                      <a:r>
+                        <a:rPr lang="en-US" sz="1600" dirty="0">
+                          <a:solidFill>
+                            <a:schemeClr val="bg1"/>
+                          </a:solidFill>
+                        </a:rPr>
+                        <a:t>[command]"C:\Program Files\dotnet\dotnet.exe" test D:\a\1\s\TagHelperSuite.Tests\TagHelperSuite.Tests.csproj --configuration release --no-build --logger </a:t>
+                      </a:r>
+                      <a:r>
+                        <a:rPr lang="en-US" sz="1600" dirty="0" err="1">
+                          <a:solidFill>
+                            <a:schemeClr val="bg1"/>
+                          </a:solidFill>
+                        </a:rPr>
+                        <a:t>trx</a:t>
+                      </a:r>
+                      <a:r>
+                        <a:rPr lang="en-US" sz="1600" dirty="0">
+                          <a:solidFill>
+                            <a:schemeClr val="bg1"/>
+                          </a:solidFill>
+                        </a:rPr>
+                        <a:t> --results-directory D:\a\_temp</a:t>
+                      </a:r>
+                    </a:p>
+                    <a:p>
+                      <a:r>
+                        <a:rPr lang="en-US" sz="1600" dirty="0">
+                          <a:solidFill>
+                            <a:schemeClr val="bg1"/>
+                          </a:solidFill>
+                        </a:rPr>
+                        <a:t>…</a:t>
+                      </a:r>
+                    </a:p>
+                    <a:p>
+                      <a:endParaRPr lang="en-US" sz="1600" b="0" kern="1200" dirty="0">
+                        <a:solidFill>
+                          <a:schemeClr val="bg1"/>
+                        </a:solidFill>
+                        <a:effectLst/>
+                        <a:latin typeface="+mn-lt"/>
+                        <a:ea typeface="+mn-ea"/>
+                        <a:cs typeface="+mn-cs"/>
+                      </a:endParaRPr>
+                    </a:p>
+                  </a:txBody>
+                  <a:tcPr>
+                    <a:lnL w="12700" cap="flat" cmpd="sng" algn="ctr">
+                      <a:solidFill>
+                        <a:schemeClr val="tx1"/>
+                      </a:solidFill>
+                      <a:prstDash val="solid"/>
+                      <a:round/>
+                      <a:headEnd type="none" w="med" len="med"/>
+                      <a:tailEnd type="none" w="med" len="med"/>
+                    </a:lnL>
+                    <a:lnR w="12700" cap="flat" cmpd="sng" algn="ctr">
+                      <a:solidFill>
+                        <a:schemeClr val="tx1"/>
+                      </a:solidFill>
+                      <a:prstDash val="solid"/>
+                      <a:round/>
+                      <a:headEnd type="none" w="med" len="med"/>
+                      <a:tailEnd type="none" w="med" len="med"/>
+                    </a:lnR>
+                    <a:lnT w="12700" cap="flat" cmpd="sng" algn="ctr">
+                      <a:solidFill>
+                        <a:schemeClr val="tx1"/>
+                      </a:solidFill>
+                      <a:prstDash val="solid"/>
+                      <a:round/>
+                      <a:headEnd type="none" w="med" len="med"/>
+                      <a:tailEnd type="none" w="med" len="med"/>
+                    </a:lnT>
+                    <a:lnB w="12700" cap="flat" cmpd="sng" algn="ctr">
+                      <a:solidFill>
+                        <a:schemeClr val="tx1"/>
+                      </a:solidFill>
+                      <a:prstDash val="solid"/>
+                      <a:round/>
+                      <a:headEnd type="none" w="med" len="med"/>
+                      <a:tailEnd type="none" w="med" len="med"/>
+                    </a:lnB>
+                    <a:solidFill>
+                      <a:schemeClr val="tx1"/>
+                    </a:solidFill>
+                  </a:tcPr>
+                </a:tc>
+                <a:extLst>
+                  <a:ext uri="{0D108BD9-81ED-4DB2-BD59-A6C34878D82A}">
+                    <a16:rowId xmlns:a16="http://schemas.microsoft.com/office/drawing/2014/main" val="3473222697"/>
+                  </a:ext>
+                </a:extLst>
+              </a:tr>
+            </a:tbl>
+          </a:graphicData>
+        </a:graphic>
+      </p:graphicFrame>
+      <p:sp>
+        <p:nvSpPr>
+          <p:cNvPr id="6" name="Rectangle 5">
             <a:extLst>
-              <a:ext uri="{28A0092B-C50C-407E-A947-70E740481C1C}">
-                <a14:useLocalDpi xmlns:a14="http://schemas.microsoft.com/office/drawing/2010/main" val="0"/>
+              <a:ext uri="{FF2B5EF4-FFF2-40B4-BE49-F238E27FC236}">
+                <a16:creationId xmlns:a16="http://schemas.microsoft.com/office/drawing/2014/main" id="{137643D5-880A-4A21-8BBC-BDA056E8AB73}"/>
               </a:ext>
             </a:extLst>
-          </a:blip>
-          <a:srcRect/>
-          <a:stretch>
-            <a:fillRect/>
-          </a:stretch>
-        </p:blipFill>
-        <p:spPr bwMode="auto">
+          </p:cNvPr>
+          <p:cNvSpPr/>
+          <p:nvPr/>
+        </p:nvSpPr>
+        <p:spPr>
           <a:xfrm>
-            <a:off x="1716437" y="2373608"/>
-            <a:ext cx="913109" cy="913109"/>
+            <a:off x="6619875" y="5613400"/>
+            <a:ext cx="653172" cy="393700"/>
           </a:xfrm>
           <a:prstGeom prst="rect">
             <a:avLst/>
           </a:prstGeom>
-          <a:noFill/>
-          <a:extLst>
-            <a:ext uri="{909E8E84-426E-40DD-AFC4-6F175D3DCCD1}">
-              <a14:hiddenFill xmlns:a14="http://schemas.microsoft.com/office/drawing/2010/main">
-                <a:solidFill>
-                  <a:srgbClr val="FFFFFF"/>
-                </a:solidFill>
-              </a14:hiddenFill>
-            </a:ext>
-          </a:extLst>
+          <a:solidFill>
+            <a:schemeClr val="accent1">
+              <a:alpha val="0"/>
+            </a:schemeClr>
+          </a:solidFill>
+          <a:ln w="38100"/>
         </p:spPr>
-      </p:pic>
-      <p:pic>
-        <p:nvPicPr>
-          <p:cNvPr id="11" name="Picture 2" descr="http://www.freeiconspng.com/uploads/github-logo-icon-30.png">
+        <p:style>
+          <a:lnRef idx="2">
+            <a:schemeClr val="accent1">
+              <a:shade val="50000"/>
+            </a:schemeClr>
+          </a:lnRef>
+          <a:fillRef idx="1">
+            <a:schemeClr val="accent1"/>
+          </a:fillRef>
+          <a:effectRef idx="0">
+            <a:schemeClr val="accent1"/>
+          </a:effectRef>
+          <a:fontRef idx="minor">
+            <a:schemeClr val="lt1"/>
+          </a:fontRef>
+        </p:style>
+        <p:txBody>
+          <a:bodyPr rtlCol="0" anchor="ctr"/>
+          <a:lstStyle/>
+          <a:p>
+            <a:pPr algn="ctr"/>
+            <a:endParaRPr lang="en-US" dirty="0"/>
+          </a:p>
+        </p:txBody>
+      </p:sp>
+      <p:sp>
+        <p:nvSpPr>
+          <p:cNvPr id="7" name="Rectangle 6">
             <a:extLst>
               <a:ext uri="{FF2B5EF4-FFF2-40B4-BE49-F238E27FC236}">
-                <a16:creationId xmlns:a16="http://schemas.microsoft.com/office/drawing/2014/main" id="{A8AAC434-52BC-40A4-A875-D6D8D13E4F93}"/>
+                <a16:creationId xmlns:a16="http://schemas.microsoft.com/office/drawing/2014/main" id="{CD554E65-3452-46DB-9A3E-49AF9300D90B}"/>
               </a:ext>
             </a:extLst>
           </p:cNvPr>
-          <p:cNvPicPr>
-            <a:picLocks noChangeAspect="1" noChangeArrowheads="1"/>
-          </p:cNvPicPr>
+          <p:cNvSpPr/>
           <p:nvPr/>
-        </p:nvPicPr>
-        <p:blipFill>
-          <a:blip r:embed="rId5">
-            <a:lum bright="70000" contrast="-70000"/>
-            <a:extLst>
-              <a:ext uri="{28A0092B-C50C-407E-A947-70E740481C1C}">
-                <a14:useLocalDpi xmlns:a14="http://schemas.microsoft.com/office/drawing/2010/main" val="0"/>
-              </a:ext>
-            </a:extLst>
-          </a:blip>
-          <a:srcRect/>
-          <a:stretch>
-            <a:fillRect/>
-          </a:stretch>
-        </p:blipFill>
-        <p:spPr bwMode="auto">
+        </p:nvSpPr>
+        <p:spPr>
           <a:xfrm>
-            <a:off x="4224828" y="1460499"/>
-            <a:ext cx="913109" cy="913109"/>
+            <a:off x="10287000" y="2860157"/>
+            <a:ext cx="1019174" cy="283094"/>
           </a:xfrm>
           <a:prstGeom prst="rect">
             <a:avLst/>
           </a:prstGeom>
-          <a:noFill/>
-          <a:extLst>
-            <a:ext uri="{909E8E84-426E-40DD-AFC4-6F175D3DCCD1}">
-              <a14:hiddenFill xmlns:a14="http://schemas.microsoft.com/office/drawing/2010/main">
-                <a:solidFill>
-                  <a:srgbClr val="FFFFFF"/>
-                </a:solidFill>
-              </a14:hiddenFill>
-            </a:ext>
-          </a:extLst>
+          <a:solidFill>
+            <a:schemeClr val="accent1">
+              <a:alpha val="0"/>
+            </a:schemeClr>
+          </a:solidFill>
+          <a:ln w="38100"/>
         </p:spPr>
-      </p:pic>
+        <p:style>
+          <a:lnRef idx="2">
+            <a:schemeClr val="accent1">
+              <a:shade val="50000"/>
+            </a:schemeClr>
+          </a:lnRef>
+          <a:fillRef idx="1">
+            <a:schemeClr val="accent1"/>
+          </a:fillRef>
+          <a:effectRef idx="0">
+            <a:schemeClr val="accent1"/>
+          </a:effectRef>
+          <a:fontRef idx="minor">
+            <a:schemeClr val="lt1"/>
+          </a:fontRef>
+        </p:style>
+        <p:txBody>
+          <a:bodyPr rtlCol="0" anchor="ctr"/>
+          <a:lstStyle/>
+          <a:p>
+            <a:pPr algn="ctr"/>
+            <a:endParaRPr lang="en-US" dirty="0"/>
+          </a:p>
+        </p:txBody>
+      </p:sp>
+      <p:cxnSp>
+        <p:nvCxnSpPr>
+          <p:cNvPr id="8" name="Straight Arrow Connector 7">
+            <a:extLst>
+              <a:ext uri="{FF2B5EF4-FFF2-40B4-BE49-F238E27FC236}">
+                <a16:creationId xmlns:a16="http://schemas.microsoft.com/office/drawing/2014/main" id="{7186A638-02FD-4C70-82BC-00AA493D6C95}"/>
+              </a:ext>
+            </a:extLst>
+          </p:cNvPr>
+          <p:cNvCxnSpPr>
+            <a:cxnSpLocks/>
+          </p:cNvCxnSpPr>
+          <p:nvPr/>
+        </p:nvCxnSpPr>
+        <p:spPr>
+          <a:xfrm flipV="1">
+            <a:off x="6946461" y="3143251"/>
+            <a:ext cx="3340539" cy="2470149"/>
+          </a:xfrm>
+          <a:prstGeom prst="straightConnector1">
+            <a:avLst/>
+          </a:prstGeom>
+          <a:ln w="38100">
+            <a:tailEnd type="triangle"/>
+          </a:ln>
+        </p:spPr>
+        <p:style>
+          <a:lnRef idx="3">
+            <a:schemeClr val="accent1"/>
+          </a:lnRef>
+          <a:fillRef idx="0">
+            <a:schemeClr val="accent1"/>
+          </a:fillRef>
+          <a:effectRef idx="2">
+            <a:schemeClr val="accent1"/>
+          </a:effectRef>
+          <a:fontRef idx="minor">
+            <a:schemeClr val="tx1"/>
+          </a:fontRef>
+        </p:style>
+      </p:cxnSp>
     </p:spTree>
     <p:extLst>
       <p:ext uri="{BB962C8B-B14F-4D97-AF65-F5344CB8AC3E}">
-        <p14:creationId xmlns:p14="http://schemas.microsoft.com/office/powerpoint/2010/main" val="2756341204"/>
+        <p14:creationId xmlns:p14="http://schemas.microsoft.com/office/powerpoint/2010/main" val="277115751"/>
       </p:ext>
     </p:extLst>
   </p:cSld>
@@ -25836,18 +25819,468 @@
   <p:clrMapOvr>
     <a:masterClrMapping/>
   </p:clrMapOvr>
-  <mc:AlternateContent xmlns:mc="http://schemas.openxmlformats.org/markup-compatibility/2006">
-    <mc:Choice xmlns:p14="http://schemas.microsoft.com/office/powerpoint/2010/main" Requires="p14">
+  <mc:AlternateContent xmlns:mc="http://schemas.openxmlformats.org/markup-compatibility/2006" xmlns:p14="http://schemas.microsoft.com/office/powerpoint/2010/main">
+    <mc:Choice Requires="p14">
       <p:transition spd="med" p14:dur="700" advClick="0" advTm="8000">
         <p:fade/>
       </p:transition>
     </mc:Choice>
-    <mc:Fallback>
+    <mc:Fallback xmlns="">
       <p:transition spd="med" advClick="0" advTm="8000">
         <p:fade/>
       </p:transition>
     </mc:Fallback>
   </mc:AlternateContent>
+</p:sld>
+</file>
+
+<file path=ppt/slides/slide20.xml><?xml version="1.0" encoding="utf-8"?>
+<p:sld xmlns:a="http://schemas.openxmlformats.org/drawingml/2006/main" xmlns:r="http://schemas.openxmlformats.org/officeDocument/2006/relationships" xmlns:p="http://schemas.openxmlformats.org/presentationml/2006/main">
+  <p:cSld>
+    <p:spTree>
+      <p:nvGrpSpPr>
+        <p:cNvPr id="1" name=""/>
+        <p:cNvGrpSpPr/>
+        <p:nvPr/>
+      </p:nvGrpSpPr>
+      <p:grpSpPr>
+        <a:xfrm>
+          <a:off x="0" y="0"/>
+          <a:ext cx="0" cy="0"/>
+          <a:chOff x="0" y="0"/>
+          <a:chExt cx="0" cy="0"/>
+        </a:xfrm>
+      </p:grpSpPr>
+      <p:pic>
+        <p:nvPicPr>
+          <p:cNvPr id="15" name="Picture 14">
+            <a:extLst>
+              <a:ext uri="{FF2B5EF4-FFF2-40B4-BE49-F238E27FC236}">
+                <a16:creationId xmlns:a16="http://schemas.microsoft.com/office/drawing/2014/main" id="{D2DC35FA-22EB-4B94-B45C-2500EFDA61A4}"/>
+              </a:ext>
+            </a:extLst>
+          </p:cNvPr>
+          <p:cNvPicPr>
+            <a:picLocks noChangeAspect="1"/>
+          </p:cNvPicPr>
+          <p:nvPr/>
+        </p:nvPicPr>
+        <p:blipFill>
+          <a:blip r:embed="rId3"/>
+          <a:stretch>
+            <a:fillRect/>
+          </a:stretch>
+        </p:blipFill>
+        <p:spPr>
+          <a:xfrm>
+            <a:off x="5334000" y="0"/>
+            <a:ext cx="6858000" cy="6858000"/>
+          </a:xfrm>
+          <a:prstGeom prst="rect">
+            <a:avLst/>
+          </a:prstGeom>
+        </p:spPr>
+      </p:pic>
+      <p:sp>
+        <p:nvSpPr>
+          <p:cNvPr id="2" name="Title 1">
+            <a:extLst>
+              <a:ext uri="{FF2B5EF4-FFF2-40B4-BE49-F238E27FC236}">
+                <a16:creationId xmlns:a16="http://schemas.microsoft.com/office/drawing/2014/main" id="{28354584-C2DC-4E1C-9192-512E1D957ACA}"/>
+              </a:ext>
+            </a:extLst>
+          </p:cNvPr>
+          <p:cNvSpPr>
+            <a:spLocks noGrp="1"/>
+          </p:cNvSpPr>
+          <p:nvPr>
+            <p:ph type="title"/>
+          </p:nvPr>
+        </p:nvSpPr>
+        <p:spPr/>
+        <p:txBody>
+          <a:bodyPr/>
+          <a:lstStyle/>
+          <a:p>
+            <a:r>
+              <a:rPr lang="en-US" dirty="0"/>
+              <a:t>Thank you!</a:t>
+            </a:r>
+          </a:p>
+        </p:txBody>
+      </p:sp>
+      <p:sp>
+        <p:nvSpPr>
+          <p:cNvPr id="7" name="Content Placeholder 6">
+            <a:extLst>
+              <a:ext uri="{FF2B5EF4-FFF2-40B4-BE49-F238E27FC236}">
+                <a16:creationId xmlns:a16="http://schemas.microsoft.com/office/drawing/2014/main" id="{D7720BA6-768C-44BF-AD21-12DF34DFF9F2}"/>
+              </a:ext>
+            </a:extLst>
+          </p:cNvPr>
+          <p:cNvSpPr>
+            <a:spLocks noGrp="1"/>
+          </p:cNvSpPr>
+          <p:nvPr>
+            <p:ph sz="half" idx="1"/>
+          </p:nvPr>
+        </p:nvSpPr>
+        <p:spPr>
+          <a:xfrm>
+            <a:off x="838200" y="1825624"/>
+            <a:ext cx="10896600" cy="4667251"/>
+          </a:xfrm>
+        </p:spPr>
+        <p:txBody>
+          <a:bodyPr>
+            <a:normAutofit lnSpcReduction="10000"/>
+          </a:bodyPr>
+          <a:lstStyle/>
+          <a:p>
+            <a:pPr marL="0" indent="0">
+              <a:buNone/>
+            </a:pPr>
+            <a:r>
+              <a:rPr lang="en-US" dirty="0">
+                <a:solidFill>
+                  <a:srgbClr val="A0C4E5"/>
+                </a:solidFill>
+              </a:rPr>
+              <a:t>Slides:</a:t>
+            </a:r>
+            <a:r>
+              <a:rPr lang="en-US" b="1" dirty="0"/>
+              <a:t> aka.ms/N44not</a:t>
+            </a:r>
+            <a:endParaRPr lang="en-US" dirty="0"/>
+          </a:p>
+          <a:p>
+            <a:pPr marL="0" indent="0">
+              <a:buNone/>
+            </a:pPr>
+            <a:endParaRPr lang="en-US" dirty="0"/>
+          </a:p>
+          <a:p>
+            <a:pPr marL="0" indent="0">
+              <a:buNone/>
+            </a:pPr>
+            <a:r>
+              <a:rPr lang="en-US" dirty="0" err="1">
+                <a:solidFill>
+                  <a:srgbClr val="A0C4E5"/>
+                </a:solidFill>
+              </a:rPr>
+              <a:t>Gists</a:t>
+            </a:r>
+            <a:r>
+              <a:rPr lang="en-US" dirty="0">
+                <a:solidFill>
+                  <a:srgbClr val="A0C4E5"/>
+                </a:solidFill>
+              </a:rPr>
+              <a:t>:</a:t>
+            </a:r>
+          </a:p>
+          <a:p>
+            <a:r>
+              <a:rPr lang="en-US" dirty="0">
+                <a:solidFill>
+                  <a:srgbClr val="A0C4E5"/>
+                </a:solidFill>
+              </a:rPr>
+              <a:t>Commands:</a:t>
+            </a:r>
+          </a:p>
+          <a:p>
+            <a:pPr marL="457200" lvl="1" indent="0">
+              <a:buNone/>
+            </a:pPr>
+            <a:r>
+              <a:rPr lang="en-US" b="1" dirty="0"/>
+              <a:t>aka.ms/</a:t>
+            </a:r>
+            <a:r>
+              <a:rPr lang="en-US" b="1" dirty="0" err="1"/>
+              <a:t>Mbozcr</a:t>
+            </a:r>
+            <a:endParaRPr lang="en-US" b="1" dirty="0"/>
+          </a:p>
+          <a:p>
+            <a:r>
+              <a:rPr lang="en-US" dirty="0">
+                <a:solidFill>
+                  <a:srgbClr val="A0C4E5"/>
+                </a:solidFill>
+              </a:rPr>
+              <a:t>Templates:</a:t>
+            </a:r>
+          </a:p>
+          <a:p>
+            <a:pPr marL="457200" lvl="1" indent="0">
+              <a:buNone/>
+            </a:pPr>
+            <a:r>
+              <a:rPr lang="en-US" b="1" dirty="0"/>
+              <a:t>aka.ms/</a:t>
+            </a:r>
+            <a:r>
+              <a:rPr lang="en-US" b="1" dirty="0" err="1"/>
+              <a:t>Bhaecq</a:t>
+            </a:r>
+            <a:endParaRPr lang="en-US" b="1" dirty="0"/>
+          </a:p>
+          <a:p>
+            <a:pPr marL="0" indent="0">
+              <a:buNone/>
+            </a:pPr>
+            <a:endParaRPr lang="en-US" b="1" dirty="0"/>
+          </a:p>
+          <a:p>
+            <a:pPr marL="0" indent="0" algn="r">
+              <a:buNone/>
+            </a:pPr>
+            <a:endParaRPr lang="en-US" b="1" dirty="0"/>
+          </a:p>
+          <a:p>
+            <a:pPr marL="0" indent="0" algn="r">
+              <a:buNone/>
+            </a:pPr>
+            <a:r>
+              <a:rPr lang="en-US" b="1" dirty="0"/>
+              <a:t>docs.microsoft.com/dotnet/core/tools</a:t>
+            </a:r>
+          </a:p>
+        </p:txBody>
+      </p:sp>
+      <p:sp>
+        <p:nvSpPr>
+          <p:cNvPr id="12" name="Content Placeholder 11">
+            <a:extLst>
+              <a:ext uri="{FF2B5EF4-FFF2-40B4-BE49-F238E27FC236}">
+                <a16:creationId xmlns:a16="http://schemas.microsoft.com/office/drawing/2014/main" id="{134CFD40-FF82-41B7-B348-A9D6E1EF5F43}"/>
+              </a:ext>
+            </a:extLst>
+          </p:cNvPr>
+          <p:cNvSpPr>
+            <a:spLocks noGrp="1"/>
+          </p:cNvSpPr>
+          <p:nvPr>
+            <p:ph sz="half" idx="2"/>
+          </p:nvPr>
+        </p:nvSpPr>
+        <p:spPr>
+          <a:xfrm>
+            <a:off x="5394960" y="1825625"/>
+            <a:ext cx="5958840" cy="4351338"/>
+          </a:xfrm>
+        </p:spPr>
+        <p:txBody>
+          <a:bodyPr>
+            <a:normAutofit lnSpcReduction="10000"/>
+          </a:bodyPr>
+          <a:lstStyle/>
+          <a:p>
+            <a:pPr marL="0" indent="0">
+              <a:buNone/>
+            </a:pPr>
+            <a:endParaRPr lang="en-US" dirty="0"/>
+          </a:p>
+          <a:p>
+            <a:pPr marL="0" indent="0">
+              <a:buNone/>
+            </a:pPr>
+            <a:endParaRPr lang="en-US" dirty="0"/>
+          </a:p>
+          <a:p>
+            <a:pPr marL="0" indent="0">
+              <a:buNone/>
+            </a:pPr>
+            <a:endParaRPr lang="en-US" dirty="0"/>
+          </a:p>
+        </p:txBody>
+      </p:sp>
+      <p:sp>
+        <p:nvSpPr>
+          <p:cNvPr id="3" name="TextBox 2">
+            <a:extLst>
+              <a:ext uri="{FF2B5EF4-FFF2-40B4-BE49-F238E27FC236}">
+                <a16:creationId xmlns:a16="http://schemas.microsoft.com/office/drawing/2014/main" id="{084B7060-1A67-4B81-B5A1-3D509E5D30BF}"/>
+              </a:ext>
+            </a:extLst>
+          </p:cNvPr>
+          <p:cNvSpPr txBox="1"/>
+          <p:nvPr/>
+        </p:nvSpPr>
+        <p:spPr>
+          <a:xfrm>
+            <a:off x="939800" y="5935960"/>
+            <a:ext cx="4495800" cy="461665"/>
+          </a:xfrm>
+          <a:prstGeom prst="rect">
+            <a:avLst/>
+          </a:prstGeom>
+          <a:noFill/>
+        </p:spPr>
+        <p:txBody>
+          <a:bodyPr wrap="square" rtlCol="0">
+            <a:spAutoFit/>
+          </a:bodyPr>
+          <a:lstStyle/>
+          <a:p>
+            <a:r>
+              <a:rPr lang="en-US" sz="2400" b="1" dirty="0"/>
+              <a:t>@</a:t>
+            </a:r>
+            <a:r>
+              <a:rPr lang="en-US" sz="2400" b="1" dirty="0" err="1"/>
+              <a:t>Scott_Addie</a:t>
+            </a:r>
+            <a:endParaRPr lang="en-US" sz="2400" b="1" dirty="0"/>
+          </a:p>
+        </p:txBody>
+      </p:sp>
+      <p:pic>
+        <p:nvPicPr>
+          <p:cNvPr id="8" name="Picture 7">
+            <a:extLst>
+              <a:ext uri="{FF2B5EF4-FFF2-40B4-BE49-F238E27FC236}">
+                <a16:creationId xmlns:a16="http://schemas.microsoft.com/office/drawing/2014/main" id="{D62B3930-38EF-4F41-9189-BD2F1325CC71}"/>
+              </a:ext>
+            </a:extLst>
+          </p:cNvPr>
+          <p:cNvPicPr>
+            <a:picLocks noChangeAspect="1"/>
+          </p:cNvPicPr>
+          <p:nvPr/>
+        </p:nvPicPr>
+        <p:blipFill>
+          <a:blip r:embed="rId4" cstate="print">
+            <a:extLst>
+              <a:ext uri="{28A0092B-C50C-407E-A947-70E740481C1C}">
+                <a14:useLocalDpi xmlns:a14="http://schemas.microsoft.com/office/drawing/2010/main" val="0"/>
+              </a:ext>
+            </a:extLst>
+          </a:blip>
+          <a:stretch>
+            <a:fillRect/>
+          </a:stretch>
+        </p:blipFill>
+        <p:spPr>
+          <a:xfrm>
+            <a:off x="2935314" y="5889198"/>
+            <a:ext cx="682893" cy="555188"/>
+          </a:xfrm>
+          <a:prstGeom prst="rect">
+            <a:avLst/>
+          </a:prstGeom>
+        </p:spPr>
+      </p:pic>
+      <p:pic>
+        <p:nvPicPr>
+          <p:cNvPr id="10" name="Picture 2" descr="http://www.freeiconspng.com/uploads/github-logo-icon-30.png">
+            <a:extLst>
+              <a:ext uri="{FF2B5EF4-FFF2-40B4-BE49-F238E27FC236}">
+                <a16:creationId xmlns:a16="http://schemas.microsoft.com/office/drawing/2014/main" id="{DCC58F26-AEDB-4E25-B910-6CB9522A56BD}"/>
+              </a:ext>
+            </a:extLst>
+          </p:cNvPr>
+          <p:cNvPicPr>
+            <a:picLocks noChangeAspect="1" noChangeArrowheads="1"/>
+          </p:cNvPicPr>
+          <p:nvPr/>
+        </p:nvPicPr>
+        <p:blipFill>
+          <a:blip r:embed="rId5">
+            <a:lum bright="70000" contrast="-70000"/>
+            <a:extLst>
+              <a:ext uri="{28A0092B-C50C-407E-A947-70E740481C1C}">
+                <a14:useLocalDpi xmlns:a14="http://schemas.microsoft.com/office/drawing/2010/main" val="0"/>
+              </a:ext>
+            </a:extLst>
+          </a:blip>
+          <a:srcRect/>
+          <a:stretch>
+            <a:fillRect/>
+          </a:stretch>
+        </p:blipFill>
+        <p:spPr bwMode="auto">
+          <a:xfrm>
+            <a:off x="1716437" y="2373608"/>
+            <a:ext cx="913109" cy="913109"/>
+          </a:xfrm>
+          <a:prstGeom prst="rect">
+            <a:avLst/>
+          </a:prstGeom>
+          <a:noFill/>
+          <a:extLst>
+            <a:ext uri="{909E8E84-426E-40DD-AFC4-6F175D3DCCD1}">
+              <a14:hiddenFill xmlns:a14="http://schemas.microsoft.com/office/drawing/2010/main">
+                <a:solidFill>
+                  <a:srgbClr val="FFFFFF"/>
+                </a:solidFill>
+              </a14:hiddenFill>
+            </a:ext>
+          </a:extLst>
+        </p:spPr>
+      </p:pic>
+      <p:pic>
+        <p:nvPicPr>
+          <p:cNvPr id="11" name="Picture 2" descr="http://www.freeiconspng.com/uploads/github-logo-icon-30.png">
+            <a:extLst>
+              <a:ext uri="{FF2B5EF4-FFF2-40B4-BE49-F238E27FC236}">
+                <a16:creationId xmlns:a16="http://schemas.microsoft.com/office/drawing/2014/main" id="{A8AAC434-52BC-40A4-A875-D6D8D13E4F93}"/>
+              </a:ext>
+            </a:extLst>
+          </p:cNvPr>
+          <p:cNvPicPr>
+            <a:picLocks noChangeAspect="1" noChangeArrowheads="1"/>
+          </p:cNvPicPr>
+          <p:nvPr/>
+        </p:nvPicPr>
+        <p:blipFill>
+          <a:blip r:embed="rId5">
+            <a:lum bright="70000" contrast="-70000"/>
+            <a:extLst>
+              <a:ext uri="{28A0092B-C50C-407E-A947-70E740481C1C}">
+                <a14:useLocalDpi xmlns:a14="http://schemas.microsoft.com/office/drawing/2010/main" val="0"/>
+              </a:ext>
+            </a:extLst>
+          </a:blip>
+          <a:srcRect/>
+          <a:stretch>
+            <a:fillRect/>
+          </a:stretch>
+        </p:blipFill>
+        <p:spPr bwMode="auto">
+          <a:xfrm>
+            <a:off x="4224828" y="1460499"/>
+            <a:ext cx="913109" cy="913109"/>
+          </a:xfrm>
+          <a:prstGeom prst="rect">
+            <a:avLst/>
+          </a:prstGeom>
+          <a:noFill/>
+          <a:extLst>
+            <a:ext uri="{909E8E84-426E-40DD-AFC4-6F175D3DCCD1}">
+              <a14:hiddenFill xmlns:a14="http://schemas.microsoft.com/office/drawing/2010/main">
+                <a:solidFill>
+                  <a:srgbClr val="FFFFFF"/>
+                </a:solidFill>
+              </a14:hiddenFill>
+            </a:ext>
+          </a:extLst>
+        </p:spPr>
+      </p:pic>
+    </p:spTree>
+    <p:extLst>
+      <p:ext uri="{BB962C8B-B14F-4D97-AF65-F5344CB8AC3E}">
+        <p14:creationId xmlns:p14="http://schemas.microsoft.com/office/powerpoint/2010/main" val="2756341204"/>
+      </p:ext>
+    </p:extLst>
+  </p:cSld>
+  <p:clrMapOvr>
+    <a:masterClrMapping/>
+  </p:clrMapOvr>
 </p:sld>
 </file>
 
@@ -25917,13 +26350,13 @@
   <p:clrMapOvr>
     <a:masterClrMapping/>
   </p:clrMapOvr>
-  <mc:AlternateContent xmlns:mc="http://schemas.openxmlformats.org/markup-compatibility/2006">
-    <mc:Choice xmlns:p14="http://schemas.microsoft.com/office/powerpoint/2010/main" Requires="p14">
+  <mc:AlternateContent xmlns:mc="http://schemas.openxmlformats.org/markup-compatibility/2006" xmlns:p14="http://schemas.microsoft.com/office/powerpoint/2010/main">
+    <mc:Choice Requires="p14">
       <p:transition spd="med" p14:dur="700" advClick="0" advTm="8000">
         <p:fade/>
       </p:transition>
     </mc:Choice>
-    <mc:Fallback>
+    <mc:Fallback xmlns="">
       <p:transition spd="med" advClick="0" advTm="8000">
         <p:fade/>
       </p:transition>
